--- a/Plans_Project_Management/Budget_App_Plan_08Nov2018.pptx
+++ b/Plans_Project_Management/Budget_App_Plan_08Nov2018.pptx
@@ -10372,7 +10372,7 @@
             <a:p>
               <a:pPr algn="ctr"/>
               <a:r>
-                <a:rPr lang="en-US" sz="2800" b="1">
+                <a:rPr lang="en-US" sz="2800" b="1" dirty="0" err="1">
                   <a:solidFill>
                     <a:schemeClr val="bg1">
                       <a:lumMod val="95000"/>
@@ -10727,7 +10727,7 @@
         </p:nvGrpSpPr>
         <p:grpSpPr>
           <a:xfrm>
-            <a:off x="1629687" y="5885560"/>
+            <a:off x="991486" y="5294380"/>
             <a:ext cx="1857375" cy="584775"/>
             <a:chOff x="616738" y="5881340"/>
             <a:chExt cx="1857375" cy="584775"/>
@@ -11344,402 +11344,6 @@
             <a:r>
               <a:rPr lang="en-US" i="1" dirty="0"/>
               <a:t>Dropdown Y/N</a:t>
-            </a:r>
-          </a:p>
-        </p:txBody>
-      </p:sp>
-      <p:sp>
-        <p:nvSpPr>
-          <p:cNvPr id="61" name="TextBox 60">
-            <a:extLst>
-              <a:ext uri="{FF2B5EF4-FFF2-40B4-BE49-F238E27FC236}">
-                <a16:creationId xmlns:a16="http://schemas.microsoft.com/office/drawing/2014/main" id="{70040FA5-2EB8-6046-937E-4CDB03F58C4B}"/>
-              </a:ext>
-            </a:extLst>
-          </p:cNvPr>
-          <p:cNvSpPr txBox="1"/>
-          <p:nvPr/>
-        </p:nvSpPr>
-        <p:spPr>
-          <a:xfrm>
-            <a:off x="323017" y="5194920"/>
-            <a:ext cx="1857375" cy="369332"/>
-          </a:xfrm>
-          <a:prstGeom prst="rect">
-            <a:avLst/>
-          </a:prstGeom>
-          <a:noFill/>
-        </p:spPr>
-        <p:txBody>
-          <a:bodyPr wrap="square" rtlCol="0">
-            <a:spAutoFit/>
-          </a:bodyPr>
-          <a:lstStyle/>
-          <a:p>
-            <a:pPr algn="ctr"/>
-            <a:r>
-              <a:rPr lang="en-US" b="1" dirty="0">
-                <a:solidFill>
-                  <a:srgbClr val="33C1C4"/>
-                </a:solidFill>
-              </a:rPr>
-              <a:t>Time</a:t>
-            </a:r>
-          </a:p>
-        </p:txBody>
-      </p:sp>
-      <p:sp>
-        <p:nvSpPr>
-          <p:cNvPr id="62" name="Rectangle 61">
-            <a:extLst>
-              <a:ext uri="{FF2B5EF4-FFF2-40B4-BE49-F238E27FC236}">
-                <a16:creationId xmlns:a16="http://schemas.microsoft.com/office/drawing/2014/main" id="{A3093B20-D0A6-DD44-BF96-729BA78D03C6}"/>
-              </a:ext>
-            </a:extLst>
-          </p:cNvPr>
-          <p:cNvSpPr/>
-          <p:nvPr/>
-        </p:nvSpPr>
-        <p:spPr>
-          <a:xfrm>
-            <a:off x="1984811" y="5147071"/>
-            <a:ext cx="1599122" cy="510779"/>
-          </a:xfrm>
-          <a:prstGeom prst="rect">
-            <a:avLst/>
-          </a:prstGeom>
-          <a:solidFill>
-            <a:schemeClr val="bg1"/>
-          </a:solidFill>
-          <a:ln>
-            <a:solidFill>
-              <a:schemeClr val="tx1">
-                <a:lumMod val="50000"/>
-                <a:lumOff val="50000"/>
-              </a:schemeClr>
-            </a:solidFill>
-          </a:ln>
-        </p:spPr>
-        <p:style>
-          <a:lnRef idx="2">
-            <a:schemeClr val="accent1">
-              <a:shade val="50000"/>
-            </a:schemeClr>
-          </a:lnRef>
-          <a:fillRef idx="1">
-            <a:schemeClr val="accent1"/>
-          </a:fillRef>
-          <a:effectRef idx="0">
-            <a:schemeClr val="accent1"/>
-          </a:effectRef>
-          <a:fontRef idx="minor">
-            <a:schemeClr val="lt1"/>
-          </a:fontRef>
-        </p:style>
-        <p:txBody>
-          <a:bodyPr rtlCol="0" anchor="ctr"/>
-          <a:lstStyle/>
-          <a:p>
-            <a:pPr algn="ctr"/>
-            <a:endParaRPr lang="en-US"/>
-          </a:p>
-        </p:txBody>
-      </p:sp>
-      <p:sp>
-        <p:nvSpPr>
-          <p:cNvPr id="64" name="TextBox 63">
-            <a:extLst>
-              <a:ext uri="{FF2B5EF4-FFF2-40B4-BE49-F238E27FC236}">
-                <a16:creationId xmlns:a16="http://schemas.microsoft.com/office/drawing/2014/main" id="{3F73E11C-6965-FB4B-9F26-0A57BD8A6690}"/>
-              </a:ext>
-            </a:extLst>
-          </p:cNvPr>
-          <p:cNvSpPr txBox="1"/>
-          <p:nvPr/>
-        </p:nvSpPr>
-        <p:spPr>
-          <a:xfrm>
-            <a:off x="3116259" y="5222148"/>
-            <a:ext cx="1857375" cy="369332"/>
-          </a:xfrm>
-          <a:prstGeom prst="rect">
-            <a:avLst/>
-          </a:prstGeom>
-          <a:noFill/>
-        </p:spPr>
-        <p:txBody>
-          <a:bodyPr wrap="square" rtlCol="0">
-            <a:spAutoFit/>
-          </a:bodyPr>
-          <a:lstStyle/>
-          <a:p>
-            <a:pPr algn="ctr"/>
-            <a:r>
-              <a:rPr lang="en-US" b="1" dirty="0">
-                <a:solidFill>
-                  <a:srgbClr val="33C1C4"/>
-                </a:solidFill>
-              </a:rPr>
-              <a:t>Day</a:t>
-            </a:r>
-          </a:p>
-        </p:txBody>
-      </p:sp>
-      <p:sp>
-        <p:nvSpPr>
-          <p:cNvPr id="65" name="Rectangle 64">
-            <a:extLst>
-              <a:ext uri="{FF2B5EF4-FFF2-40B4-BE49-F238E27FC236}">
-                <a16:creationId xmlns:a16="http://schemas.microsoft.com/office/drawing/2014/main" id="{BCDA7E25-E6FA-BC40-86C0-9E1E91F037AB}"/>
-              </a:ext>
-            </a:extLst>
-          </p:cNvPr>
-          <p:cNvSpPr/>
-          <p:nvPr/>
-        </p:nvSpPr>
-        <p:spPr>
-          <a:xfrm>
-            <a:off x="4401537" y="5174299"/>
-            <a:ext cx="1599122" cy="510779"/>
-          </a:xfrm>
-          <a:prstGeom prst="rect">
-            <a:avLst/>
-          </a:prstGeom>
-          <a:solidFill>
-            <a:schemeClr val="bg1"/>
-          </a:solidFill>
-          <a:ln>
-            <a:solidFill>
-              <a:schemeClr val="tx1">
-                <a:lumMod val="50000"/>
-                <a:lumOff val="50000"/>
-              </a:schemeClr>
-            </a:solidFill>
-          </a:ln>
-        </p:spPr>
-        <p:style>
-          <a:lnRef idx="2">
-            <a:schemeClr val="accent1">
-              <a:shade val="50000"/>
-            </a:schemeClr>
-          </a:lnRef>
-          <a:fillRef idx="1">
-            <a:schemeClr val="accent1"/>
-          </a:fillRef>
-          <a:effectRef idx="0">
-            <a:schemeClr val="accent1"/>
-          </a:effectRef>
-          <a:fontRef idx="minor">
-            <a:schemeClr val="lt1"/>
-          </a:fontRef>
-        </p:style>
-        <p:txBody>
-          <a:bodyPr rtlCol="0" anchor="ctr"/>
-          <a:lstStyle/>
-          <a:p>
-            <a:pPr algn="ctr"/>
-            <a:endParaRPr lang="en-US"/>
-          </a:p>
-        </p:txBody>
-      </p:sp>
-      <p:sp>
-        <p:nvSpPr>
-          <p:cNvPr id="66" name="TextBox 65">
-            <a:extLst>
-              <a:ext uri="{FF2B5EF4-FFF2-40B4-BE49-F238E27FC236}">
-                <a16:creationId xmlns:a16="http://schemas.microsoft.com/office/drawing/2014/main" id="{4009E510-0919-F44B-89A3-CA9D8C05FB81}"/>
-              </a:ext>
-            </a:extLst>
-          </p:cNvPr>
-          <p:cNvSpPr txBox="1"/>
-          <p:nvPr/>
-        </p:nvSpPr>
-        <p:spPr>
-          <a:xfrm>
-            <a:off x="4401536" y="5241883"/>
-            <a:ext cx="1857375" cy="369332"/>
-          </a:xfrm>
-          <a:prstGeom prst="rect">
-            <a:avLst/>
-          </a:prstGeom>
-          <a:noFill/>
-        </p:spPr>
-        <p:txBody>
-          <a:bodyPr wrap="square" rtlCol="0">
-            <a:spAutoFit/>
-          </a:bodyPr>
-          <a:lstStyle/>
-          <a:p>
-            <a:r>
-              <a:rPr lang="en-US" i="1" dirty="0"/>
-              <a:t>Dropdown</a:t>
-            </a:r>
-          </a:p>
-        </p:txBody>
-      </p:sp>
-      <p:sp>
-        <p:nvSpPr>
-          <p:cNvPr id="67" name="TextBox 66">
-            <a:extLst>
-              <a:ext uri="{FF2B5EF4-FFF2-40B4-BE49-F238E27FC236}">
-                <a16:creationId xmlns:a16="http://schemas.microsoft.com/office/drawing/2014/main" id="{1A0B9474-666D-F244-A3EE-730276834646}"/>
-              </a:ext>
-            </a:extLst>
-          </p:cNvPr>
-          <p:cNvSpPr txBox="1"/>
-          <p:nvPr/>
-        </p:nvSpPr>
-        <p:spPr>
-          <a:xfrm>
-            <a:off x="2049893" y="5231108"/>
-            <a:ext cx="1857375" cy="369332"/>
-          </a:xfrm>
-          <a:prstGeom prst="rect">
-            <a:avLst/>
-          </a:prstGeom>
-          <a:noFill/>
-        </p:spPr>
-        <p:txBody>
-          <a:bodyPr wrap="square" rtlCol="0">
-            <a:spAutoFit/>
-          </a:bodyPr>
-          <a:lstStyle/>
-          <a:p>
-            <a:r>
-              <a:rPr lang="en-US" i="1" dirty="0"/>
-              <a:t>Dropdown</a:t>
-            </a:r>
-          </a:p>
-        </p:txBody>
-      </p:sp>
-      <p:sp>
-        <p:nvSpPr>
-          <p:cNvPr id="68" name="TextBox 67">
-            <a:extLst>
-              <a:ext uri="{FF2B5EF4-FFF2-40B4-BE49-F238E27FC236}">
-                <a16:creationId xmlns:a16="http://schemas.microsoft.com/office/drawing/2014/main" id="{BFA3FE40-F18B-3B44-9CC7-9361CDD90883}"/>
-              </a:ext>
-            </a:extLst>
-          </p:cNvPr>
-          <p:cNvSpPr txBox="1"/>
-          <p:nvPr/>
-        </p:nvSpPr>
-        <p:spPr>
-          <a:xfrm>
-            <a:off x="5653241" y="5186738"/>
-            <a:ext cx="1857375" cy="369332"/>
-          </a:xfrm>
-          <a:prstGeom prst="rect">
-            <a:avLst/>
-          </a:prstGeom>
-          <a:noFill/>
-        </p:spPr>
-        <p:txBody>
-          <a:bodyPr wrap="square" rtlCol="0">
-            <a:spAutoFit/>
-          </a:bodyPr>
-          <a:lstStyle/>
-          <a:p>
-            <a:pPr algn="ctr"/>
-            <a:r>
-              <a:rPr lang="en-US" b="1" dirty="0">
-                <a:solidFill>
-                  <a:srgbClr val="33C1C4"/>
-                </a:solidFill>
-              </a:rPr>
-              <a:t>Month</a:t>
-            </a:r>
-          </a:p>
-        </p:txBody>
-      </p:sp>
-      <p:sp>
-        <p:nvSpPr>
-          <p:cNvPr id="69" name="Rectangle 68">
-            <a:extLst>
-              <a:ext uri="{FF2B5EF4-FFF2-40B4-BE49-F238E27FC236}">
-                <a16:creationId xmlns:a16="http://schemas.microsoft.com/office/drawing/2014/main" id="{1E13AE14-84C4-584A-A532-7CE6D4BA2DBB}"/>
-              </a:ext>
-            </a:extLst>
-          </p:cNvPr>
-          <p:cNvSpPr/>
-          <p:nvPr/>
-        </p:nvSpPr>
-        <p:spPr>
-          <a:xfrm>
-            <a:off x="7126777" y="5138889"/>
-            <a:ext cx="1599122" cy="510779"/>
-          </a:xfrm>
-          <a:prstGeom prst="rect">
-            <a:avLst/>
-          </a:prstGeom>
-          <a:solidFill>
-            <a:schemeClr val="bg1"/>
-          </a:solidFill>
-          <a:ln>
-            <a:solidFill>
-              <a:schemeClr val="tx1">
-                <a:lumMod val="50000"/>
-                <a:lumOff val="50000"/>
-              </a:schemeClr>
-            </a:solidFill>
-          </a:ln>
-        </p:spPr>
-        <p:style>
-          <a:lnRef idx="2">
-            <a:schemeClr val="accent1">
-              <a:shade val="50000"/>
-            </a:schemeClr>
-          </a:lnRef>
-          <a:fillRef idx="1">
-            <a:schemeClr val="accent1"/>
-          </a:fillRef>
-          <a:effectRef idx="0">
-            <a:schemeClr val="accent1"/>
-          </a:effectRef>
-          <a:fontRef idx="minor">
-            <a:schemeClr val="lt1"/>
-          </a:fontRef>
-        </p:style>
-        <p:txBody>
-          <a:bodyPr rtlCol="0" anchor="ctr"/>
-          <a:lstStyle/>
-          <a:p>
-            <a:pPr algn="ctr"/>
-            <a:endParaRPr lang="en-US"/>
-          </a:p>
-        </p:txBody>
-      </p:sp>
-      <p:sp>
-        <p:nvSpPr>
-          <p:cNvPr id="70" name="TextBox 69">
-            <a:extLst>
-              <a:ext uri="{FF2B5EF4-FFF2-40B4-BE49-F238E27FC236}">
-                <a16:creationId xmlns:a16="http://schemas.microsoft.com/office/drawing/2014/main" id="{1485E217-D6ED-3441-9B19-8F735171E3DC}"/>
-              </a:ext>
-            </a:extLst>
-          </p:cNvPr>
-          <p:cNvSpPr txBox="1"/>
-          <p:nvPr/>
-        </p:nvSpPr>
-        <p:spPr>
-          <a:xfrm>
-            <a:off x="7126776" y="5206473"/>
-            <a:ext cx="1857375" cy="369332"/>
-          </a:xfrm>
-          <a:prstGeom prst="rect">
-            <a:avLst/>
-          </a:prstGeom>
-          <a:noFill/>
-        </p:spPr>
-        <p:txBody>
-          <a:bodyPr wrap="square" rtlCol="0">
-            <a:spAutoFit/>
-          </a:bodyPr>
-          <a:lstStyle/>
-          <a:p>
-            <a:r>
-              <a:rPr lang="en-US" i="1" dirty="0"/>
-              <a:t>Dropdown</a:t>
             </a:r>
           </a:p>
         </p:txBody>

--- a/Plans_Project_Management/Budget_App_Plan_08Nov2018.pptx
+++ b/Plans_Project_Management/Budget_App_Plan_08Nov2018.pptx
@@ -6,11 +6,15 @@
   </p:sldMasterIdLst>
   <p:sldIdLst>
     <p:sldId id="256" r:id="rId2"/>
-    <p:sldId id="257" r:id="rId3"/>
-    <p:sldId id="258" r:id="rId4"/>
-    <p:sldId id="259" r:id="rId5"/>
-    <p:sldId id="260" r:id="rId6"/>
-    <p:sldId id="261" r:id="rId7"/>
+    <p:sldId id="258" r:id="rId3"/>
+    <p:sldId id="259" r:id="rId4"/>
+    <p:sldId id="260" r:id="rId5"/>
+    <p:sldId id="261" r:id="rId6"/>
+    <p:sldId id="265" r:id="rId7"/>
+    <p:sldId id="262" r:id="rId8"/>
+    <p:sldId id="263" r:id="rId9"/>
+    <p:sldId id="264" r:id="rId10"/>
+    <p:sldId id="257" r:id="rId11"/>
   </p:sldIdLst>
   <p:sldSz cx="12192000" cy="6858000"/>
   <p:notesSz cx="6858000" cy="9144000"/>
@@ -109,6 +113,11 @@
       </a:defRPr>
     </a:lvl9pPr>
   </p:defaultTextStyle>
+  <p:extLst>
+    <p:ext uri="{EFAFB233-063F-42B5-8137-9DF3F51BA10A}">
+      <p15:sldGuideLst xmlns:p15="http://schemas.microsoft.com/office/powerpoint/2012/main"/>
+    </p:ext>
+  </p:extLst>
 </p:presentation>
 </file>
 
@@ -259,7 +268,7 @@
           <a:p>
             <a:fld id="{718D7DD3-0D86-7041-9F4A-55F1DF225378}" type="datetimeFigureOut">
               <a:rPr lang="en-US" smtClean="0"/>
-              <a:t>11/8/18</a:t>
+              <a:t>11/9/18</a:t>
             </a:fld>
             <a:endParaRPr lang="en-US"/>
           </a:p>
@@ -457,7 +466,7 @@
           <a:p>
             <a:fld id="{718D7DD3-0D86-7041-9F4A-55F1DF225378}" type="datetimeFigureOut">
               <a:rPr lang="en-US" smtClean="0"/>
-              <a:t>11/8/18</a:t>
+              <a:t>11/9/18</a:t>
             </a:fld>
             <a:endParaRPr lang="en-US"/>
           </a:p>
@@ -665,7 +674,7 @@
           <a:p>
             <a:fld id="{718D7DD3-0D86-7041-9F4A-55F1DF225378}" type="datetimeFigureOut">
               <a:rPr lang="en-US" smtClean="0"/>
-              <a:t>11/8/18</a:t>
+              <a:t>11/9/18</a:t>
             </a:fld>
             <a:endParaRPr lang="en-US"/>
           </a:p>
@@ -863,7 +872,7 @@
           <a:p>
             <a:fld id="{718D7DD3-0D86-7041-9F4A-55F1DF225378}" type="datetimeFigureOut">
               <a:rPr lang="en-US" smtClean="0"/>
-              <a:t>11/8/18</a:t>
+              <a:t>11/9/18</a:t>
             </a:fld>
             <a:endParaRPr lang="en-US"/>
           </a:p>
@@ -1138,7 +1147,7 @@
           <a:p>
             <a:fld id="{718D7DD3-0D86-7041-9F4A-55F1DF225378}" type="datetimeFigureOut">
               <a:rPr lang="en-US" smtClean="0"/>
-              <a:t>11/8/18</a:t>
+              <a:t>11/9/18</a:t>
             </a:fld>
             <a:endParaRPr lang="en-US"/>
           </a:p>
@@ -1403,7 +1412,7 @@
           <a:p>
             <a:fld id="{718D7DD3-0D86-7041-9F4A-55F1DF225378}" type="datetimeFigureOut">
               <a:rPr lang="en-US" smtClean="0"/>
-              <a:t>11/8/18</a:t>
+              <a:t>11/9/18</a:t>
             </a:fld>
             <a:endParaRPr lang="en-US"/>
           </a:p>
@@ -1815,7 +1824,7 @@
           <a:p>
             <a:fld id="{718D7DD3-0D86-7041-9F4A-55F1DF225378}" type="datetimeFigureOut">
               <a:rPr lang="en-US" smtClean="0"/>
-              <a:t>11/8/18</a:t>
+              <a:t>11/9/18</a:t>
             </a:fld>
             <a:endParaRPr lang="en-US"/>
           </a:p>
@@ -1956,7 +1965,7 @@
           <a:p>
             <a:fld id="{718D7DD3-0D86-7041-9F4A-55F1DF225378}" type="datetimeFigureOut">
               <a:rPr lang="en-US" smtClean="0"/>
-              <a:t>11/8/18</a:t>
+              <a:t>11/9/18</a:t>
             </a:fld>
             <a:endParaRPr lang="en-US"/>
           </a:p>
@@ -2069,7 +2078,7 @@
           <a:p>
             <a:fld id="{718D7DD3-0D86-7041-9F4A-55F1DF225378}" type="datetimeFigureOut">
               <a:rPr lang="en-US" smtClean="0"/>
-              <a:t>11/8/18</a:t>
+              <a:t>11/9/18</a:t>
             </a:fld>
             <a:endParaRPr lang="en-US"/>
           </a:p>
@@ -2380,7 +2389,7 @@
           <a:p>
             <a:fld id="{718D7DD3-0D86-7041-9F4A-55F1DF225378}" type="datetimeFigureOut">
               <a:rPr lang="en-US" smtClean="0"/>
-              <a:t>11/8/18</a:t>
+              <a:t>11/9/18</a:t>
             </a:fld>
             <a:endParaRPr lang="en-US"/>
           </a:p>
@@ -2668,7 +2677,7 @@
           <a:p>
             <a:fld id="{718D7DD3-0D86-7041-9F4A-55F1DF225378}" type="datetimeFigureOut">
               <a:rPr lang="en-US" smtClean="0"/>
-              <a:t>11/8/18</a:t>
+              <a:t>11/9/18</a:t>
             </a:fld>
             <a:endParaRPr lang="en-US"/>
           </a:p>
@@ -2909,7 +2918,7 @@
           <a:p>
             <a:fld id="{718D7DD3-0D86-7041-9F4A-55F1DF225378}" type="datetimeFigureOut">
               <a:rPr lang="en-US" smtClean="0"/>
-              <a:t>11/8/18</a:t>
+              <a:t>11/9/18</a:t>
             </a:fld>
             <a:endParaRPr lang="en-US"/>
           </a:p>
@@ -3404,7 +3413,7 @@
 </p:sld>
 </file>
 
-<file path=ppt/slides/slide2.xml><?xml version="1.0" encoding="utf-8"?>
+<file path=ppt/slides/slide10.xml><?xml version="1.0" encoding="utf-8"?>
 <p:sld xmlns:a="http://schemas.openxmlformats.org/drawingml/2006/main" xmlns:r="http://schemas.openxmlformats.org/officeDocument/2006/relationships" xmlns:p="http://schemas.openxmlformats.org/presentationml/2006/main">
   <p:cSld>
     <p:spTree>
@@ -3647,8 +3656,13 @@
             <a:pPr algn="ctr"/>
             <a:r>
               <a:rPr lang="en-US" sz="2800" dirty="0"/>
-              <a:t>Welcome to Budge-Track</a:t>
+              <a:t>Welcome to </a:t>
             </a:r>
+            <a:r>
+              <a:rPr lang="en-US" sz="2800" dirty="0" err="1"/>
+              <a:t>Budgee</a:t>
+            </a:r>
+            <a:endParaRPr lang="en-US" sz="2800" dirty="0"/>
           </a:p>
           <a:p>
             <a:pPr algn="ctr"/>
@@ -4463,7 +4477,7 @@
 </p:sld>
 </file>
 
-<file path=ppt/slides/slide3.xml><?xml version="1.0" encoding="utf-8"?>
+<file path=ppt/slides/slide2.xml><?xml version="1.0" encoding="utf-8"?>
 <p:sld xmlns:a="http://schemas.openxmlformats.org/drawingml/2006/main" xmlns:r="http://schemas.openxmlformats.org/officeDocument/2006/relationships" xmlns:p="http://schemas.openxmlformats.org/presentationml/2006/main">
   <p:cSld>
     <p:spTree>
@@ -6991,7 +7005,7 @@
 </p:sld>
 </file>
 
-<file path=ppt/slides/slide4.xml><?xml version="1.0" encoding="utf-8"?>
+<file path=ppt/slides/slide3.xml><?xml version="1.0" encoding="utf-8"?>
 <p:sld xmlns:a="http://schemas.openxmlformats.org/drawingml/2006/main" xmlns:r="http://schemas.openxmlformats.org/officeDocument/2006/relationships" xmlns:p="http://schemas.openxmlformats.org/presentationml/2006/main">
   <p:cSld>
     <p:spTree>
@@ -8537,7 +8551,7 @@
 </p:sld>
 </file>
 
-<file path=ppt/slides/slide5.xml><?xml version="1.0" encoding="utf-8"?>
+<file path=ppt/slides/slide4.xml><?xml version="1.0" encoding="utf-8"?>
 <p:sld xmlns:a="http://schemas.openxmlformats.org/drawingml/2006/main" xmlns:r="http://schemas.openxmlformats.org/officeDocument/2006/relationships" xmlns:p="http://schemas.openxmlformats.org/presentationml/2006/main">
   <p:cSld>
     <p:spTree>
@@ -10042,7 +10056,7 @@
 </p:sld>
 </file>
 
-<file path=ppt/slides/slide6.xml><?xml version="1.0" encoding="utf-8"?>
+<file path=ppt/slides/slide5.xml><?xml version="1.0" encoding="utf-8"?>
 <p:sld xmlns:a="http://schemas.openxmlformats.org/drawingml/2006/main" xmlns:r="http://schemas.openxmlformats.org/officeDocument/2006/relationships" xmlns:p="http://schemas.openxmlformats.org/presentationml/2006/main">
   <p:cSld>
     <p:spTree>
@@ -11361,6 +11375,9547 @@
 </p:sld>
 </file>
 
+<file path=ppt/slides/slide6.xml><?xml version="1.0" encoding="utf-8"?>
+<p:sld xmlns:a="http://schemas.openxmlformats.org/drawingml/2006/main" xmlns:r="http://schemas.openxmlformats.org/officeDocument/2006/relationships" xmlns:p="http://schemas.openxmlformats.org/presentationml/2006/main">
+  <p:cSld>
+    <p:spTree>
+      <p:nvGrpSpPr>
+        <p:cNvPr id="1" name=""/>
+        <p:cNvGrpSpPr/>
+        <p:nvPr/>
+      </p:nvGrpSpPr>
+      <p:grpSpPr>
+        <a:xfrm>
+          <a:off x="0" y="0"/>
+          <a:ext cx="0" cy="0"/>
+          <a:chOff x="0" y="0"/>
+          <a:chExt cx="0" cy="0"/>
+        </a:xfrm>
+      </p:grpSpPr>
+      <p:sp>
+        <p:nvSpPr>
+          <p:cNvPr id="2" name="Title 1">
+            <a:extLst>
+              <a:ext uri="{FF2B5EF4-FFF2-40B4-BE49-F238E27FC236}">
+                <a16:creationId xmlns:a16="http://schemas.microsoft.com/office/drawing/2014/main" id="{A16D7152-63CD-AE49-A278-B4ED5AC7ED07}"/>
+              </a:ext>
+            </a:extLst>
+          </p:cNvPr>
+          <p:cNvSpPr>
+            <a:spLocks noGrp="1"/>
+          </p:cNvSpPr>
+          <p:nvPr>
+            <p:ph type="title"/>
+          </p:nvPr>
+        </p:nvSpPr>
+        <p:spPr>
+          <a:xfrm>
+            <a:off x="838200" y="18256"/>
+            <a:ext cx="10515600" cy="467520"/>
+          </a:xfrm>
+        </p:spPr>
+        <p:txBody>
+          <a:bodyPr>
+            <a:normAutofit fontScale="90000"/>
+          </a:bodyPr>
+          <a:lstStyle/>
+          <a:p>
+            <a:r>
+              <a:rPr lang="en-US" dirty="0"/>
+              <a:t>Edit/Delete Transaction - </a:t>
+            </a:r>
+            <a:r>
+              <a:rPr lang="en-US" b="1" dirty="0"/>
+              <a:t>Display</a:t>
+            </a:r>
+            <a:endParaRPr lang="en-US" dirty="0"/>
+          </a:p>
+        </p:txBody>
+      </p:sp>
+      <p:sp>
+        <p:nvSpPr>
+          <p:cNvPr id="4" name="Rectangle 3">
+            <a:extLst>
+              <a:ext uri="{FF2B5EF4-FFF2-40B4-BE49-F238E27FC236}">
+                <a16:creationId xmlns:a16="http://schemas.microsoft.com/office/drawing/2014/main" id="{AD202665-C0BC-974F-BBF7-5FE5F95C3628}"/>
+              </a:ext>
+            </a:extLst>
+          </p:cNvPr>
+          <p:cNvSpPr/>
+          <p:nvPr/>
+        </p:nvSpPr>
+        <p:spPr>
+          <a:xfrm>
+            <a:off x="0" y="614363"/>
+            <a:ext cx="12192000" cy="9417143"/>
+          </a:xfrm>
+          <a:prstGeom prst="rect">
+            <a:avLst/>
+          </a:prstGeom>
+          <a:solidFill>
+            <a:schemeClr val="bg1"/>
+          </a:solidFill>
+          <a:ln>
+            <a:solidFill>
+              <a:schemeClr val="tx1"/>
+            </a:solidFill>
+          </a:ln>
+        </p:spPr>
+        <p:style>
+          <a:lnRef idx="2">
+            <a:schemeClr val="accent1">
+              <a:shade val="50000"/>
+            </a:schemeClr>
+          </a:lnRef>
+          <a:fillRef idx="1">
+            <a:schemeClr val="accent1"/>
+          </a:fillRef>
+          <a:effectRef idx="0">
+            <a:schemeClr val="accent1"/>
+          </a:effectRef>
+          <a:fontRef idx="minor">
+            <a:schemeClr val="lt1"/>
+          </a:fontRef>
+        </p:style>
+        <p:txBody>
+          <a:bodyPr rtlCol="0" anchor="ctr"/>
+          <a:lstStyle/>
+          <a:p>
+            <a:pPr algn="ctr"/>
+            <a:endParaRPr lang="en-US"/>
+          </a:p>
+        </p:txBody>
+      </p:sp>
+      <p:sp>
+        <p:nvSpPr>
+          <p:cNvPr id="5" name="Rectangle 4">
+            <a:extLst>
+              <a:ext uri="{FF2B5EF4-FFF2-40B4-BE49-F238E27FC236}">
+                <a16:creationId xmlns:a16="http://schemas.microsoft.com/office/drawing/2014/main" id="{D32A666D-F7C4-E74D-AA62-D9D3D0C7770A}"/>
+              </a:ext>
+            </a:extLst>
+          </p:cNvPr>
+          <p:cNvSpPr/>
+          <p:nvPr/>
+        </p:nvSpPr>
+        <p:spPr>
+          <a:xfrm>
+            <a:off x="0" y="1200150"/>
+            <a:ext cx="12192000" cy="671513"/>
+          </a:xfrm>
+          <a:prstGeom prst="rect">
+            <a:avLst/>
+          </a:prstGeom>
+          <a:solidFill>
+            <a:srgbClr val="33C1C4"/>
+          </a:solidFill>
+          <a:ln>
+            <a:noFill/>
+          </a:ln>
+        </p:spPr>
+        <p:style>
+          <a:lnRef idx="2">
+            <a:schemeClr val="accent1">
+              <a:shade val="50000"/>
+            </a:schemeClr>
+          </a:lnRef>
+          <a:fillRef idx="1">
+            <a:schemeClr val="accent1"/>
+          </a:fillRef>
+          <a:effectRef idx="0">
+            <a:schemeClr val="accent1"/>
+          </a:effectRef>
+          <a:fontRef idx="minor">
+            <a:schemeClr val="lt1"/>
+          </a:fontRef>
+        </p:style>
+        <p:txBody>
+          <a:bodyPr rtlCol="0" anchor="ctr"/>
+          <a:lstStyle/>
+          <a:p>
+            <a:pPr algn="ctr"/>
+            <a:endParaRPr lang="en-US" dirty="0"/>
+          </a:p>
+        </p:txBody>
+      </p:sp>
+      <p:sp>
+        <p:nvSpPr>
+          <p:cNvPr id="6" name="TextBox 5">
+            <a:extLst>
+              <a:ext uri="{FF2B5EF4-FFF2-40B4-BE49-F238E27FC236}">
+                <a16:creationId xmlns:a16="http://schemas.microsoft.com/office/drawing/2014/main" id="{F3B698E3-E453-584B-9F74-DFAE5E71CEBE}"/>
+              </a:ext>
+            </a:extLst>
+          </p:cNvPr>
+          <p:cNvSpPr txBox="1"/>
+          <p:nvPr/>
+        </p:nvSpPr>
+        <p:spPr>
+          <a:xfrm>
+            <a:off x="4443413" y="1265512"/>
+            <a:ext cx="5184681" cy="523220"/>
+          </a:xfrm>
+          <a:prstGeom prst="rect">
+            <a:avLst/>
+          </a:prstGeom>
+          <a:noFill/>
+        </p:spPr>
+        <p:txBody>
+          <a:bodyPr wrap="square" rtlCol="0">
+            <a:spAutoFit/>
+          </a:bodyPr>
+          <a:lstStyle/>
+          <a:p>
+            <a:pPr algn="ctr"/>
+            <a:r>
+              <a:rPr lang="en-US" sz="2800" b="1" dirty="0">
+                <a:solidFill>
+                  <a:schemeClr val="bg1">
+                    <a:lumMod val="95000"/>
+                  </a:schemeClr>
+                </a:solidFill>
+              </a:rPr>
+              <a:t>Edit or Delete Transactions</a:t>
+            </a:r>
+          </a:p>
+        </p:txBody>
+      </p:sp>
+      <p:sp>
+        <p:nvSpPr>
+          <p:cNvPr id="8" name="TextBox 7">
+            <a:extLst>
+              <a:ext uri="{FF2B5EF4-FFF2-40B4-BE49-F238E27FC236}">
+                <a16:creationId xmlns:a16="http://schemas.microsoft.com/office/drawing/2014/main" id="{31009A73-5C09-CD44-8EE5-976373D69D43}"/>
+              </a:ext>
+            </a:extLst>
+          </p:cNvPr>
+          <p:cNvSpPr txBox="1"/>
+          <p:nvPr/>
+        </p:nvSpPr>
+        <p:spPr>
+          <a:xfrm>
+            <a:off x="114300" y="1936729"/>
+            <a:ext cx="6684168" cy="400110"/>
+          </a:xfrm>
+          <a:prstGeom prst="rect">
+            <a:avLst/>
+          </a:prstGeom>
+          <a:noFill/>
+        </p:spPr>
+        <p:txBody>
+          <a:bodyPr wrap="square" rtlCol="0">
+            <a:spAutoFit/>
+          </a:bodyPr>
+          <a:lstStyle/>
+          <a:p>
+            <a:r>
+              <a:rPr lang="en-US" sz="2000" b="1" dirty="0"/>
+              <a:t>Select a transaction to edit or delete by clicking on a row:</a:t>
+            </a:r>
+          </a:p>
+        </p:txBody>
+      </p:sp>
+      <p:grpSp>
+        <p:nvGrpSpPr>
+          <p:cNvPr id="3" name="Group 2">
+            <a:extLst>
+              <a:ext uri="{FF2B5EF4-FFF2-40B4-BE49-F238E27FC236}">
+                <a16:creationId xmlns:a16="http://schemas.microsoft.com/office/drawing/2014/main" id="{0E0424D7-D2CB-AB42-971F-160D980057C0}"/>
+              </a:ext>
+            </a:extLst>
+          </p:cNvPr>
+          <p:cNvGrpSpPr/>
+          <p:nvPr/>
+        </p:nvGrpSpPr>
+        <p:grpSpPr>
+          <a:xfrm>
+            <a:off x="-728668" y="829604"/>
+            <a:ext cx="3629025" cy="1361281"/>
+            <a:chOff x="4443413" y="829604"/>
+            <a:chExt cx="3629025" cy="1361281"/>
+          </a:xfrm>
+        </p:grpSpPr>
+        <p:sp>
+          <p:nvSpPr>
+            <p:cNvPr id="27" name="TextBox 26">
+              <a:extLst>
+                <a:ext uri="{FF2B5EF4-FFF2-40B4-BE49-F238E27FC236}">
+                  <a16:creationId xmlns:a16="http://schemas.microsoft.com/office/drawing/2014/main" id="{83802B3C-7598-A84A-AB85-81F83B037CA9}"/>
+                </a:ext>
+              </a:extLst>
+            </p:cNvPr>
+            <p:cNvSpPr txBox="1"/>
+            <p:nvPr/>
+          </p:nvSpPr>
+          <p:spPr>
+            <a:xfrm>
+              <a:off x="4443413" y="1265512"/>
+              <a:ext cx="3629025" cy="523220"/>
+            </a:xfrm>
+            <a:prstGeom prst="rect">
+              <a:avLst/>
+            </a:prstGeom>
+            <a:noFill/>
+          </p:spPr>
+          <p:txBody>
+            <a:bodyPr wrap="square" rtlCol="0">
+              <a:spAutoFit/>
+            </a:bodyPr>
+            <a:lstStyle/>
+            <a:p>
+              <a:pPr algn="ctr"/>
+              <a:r>
+                <a:rPr lang="en-US" sz="2800" b="1" dirty="0" err="1">
+                  <a:solidFill>
+                    <a:schemeClr val="bg1">
+                      <a:lumMod val="95000"/>
+                    </a:schemeClr>
+                  </a:solidFill>
+                </a:rPr>
+                <a:t>Budgee</a:t>
+              </a:r>
+              <a:endParaRPr lang="en-US" sz="2800" b="1" dirty="0">
+                <a:solidFill>
+                  <a:schemeClr val="bg1">
+                    <a:lumMod val="95000"/>
+                  </a:schemeClr>
+                </a:solidFill>
+              </a:endParaRPr>
+            </a:p>
+          </p:txBody>
+        </p:sp>
+        <p:pic>
+          <p:nvPicPr>
+            <p:cNvPr id="28" name="Picture 27">
+              <a:extLst>
+                <a:ext uri="{FF2B5EF4-FFF2-40B4-BE49-F238E27FC236}">
+                  <a16:creationId xmlns:a16="http://schemas.microsoft.com/office/drawing/2014/main" id="{BC1BBF9C-9935-954A-96F1-FA18B0879C71}"/>
+                </a:ext>
+              </a:extLst>
+            </p:cNvPr>
+            <p:cNvPicPr>
+              <a:picLocks noChangeAspect="1"/>
+            </p:cNvPicPr>
+            <p:nvPr/>
+          </p:nvPicPr>
+          <p:blipFill>
+            <a:blip r:embed="rId2">
+              <a:extLst>
+                <a:ext uri="{BEBA8EAE-BF5A-486C-A8C5-ECC9F3942E4B}">
+                  <a14:imgProps xmlns:a14="http://schemas.microsoft.com/office/drawing/2010/main">
+                    <a14:imgLayer r:embed="rId3">
+                      <a14:imgEffect>
+                        <a14:backgroundRemoval t="10000" b="90000" l="10000" r="90000"/>
+                      </a14:imgEffect>
+                    </a14:imgLayer>
+                  </a14:imgProps>
+                </a:ext>
+              </a:extLst>
+            </a:blip>
+            <a:stretch>
+              <a:fillRect/>
+            </a:stretch>
+          </p:blipFill>
+          <p:spPr>
+            <a:xfrm>
+              <a:off x="6663121" y="829604"/>
+              <a:ext cx="1361281" cy="1361281"/>
+            </a:xfrm>
+            <a:prstGeom prst="rect">
+              <a:avLst/>
+            </a:prstGeom>
+          </p:spPr>
+        </p:pic>
+      </p:grpSp>
+      <p:grpSp>
+        <p:nvGrpSpPr>
+          <p:cNvPr id="30" name="Group 29">
+            <a:extLst>
+              <a:ext uri="{FF2B5EF4-FFF2-40B4-BE49-F238E27FC236}">
+                <a16:creationId xmlns:a16="http://schemas.microsoft.com/office/drawing/2014/main" id="{BF7637DA-49CE-7F42-B5C7-6995D15D8689}"/>
+              </a:ext>
+            </a:extLst>
+          </p:cNvPr>
+          <p:cNvGrpSpPr/>
+          <p:nvPr/>
+        </p:nvGrpSpPr>
+        <p:grpSpPr>
+          <a:xfrm>
+            <a:off x="-299038" y="784288"/>
+            <a:ext cx="10700330" cy="350609"/>
+            <a:chOff x="-299038" y="784288"/>
+            <a:chExt cx="10700330" cy="350609"/>
+          </a:xfrm>
+        </p:grpSpPr>
+        <p:sp>
+          <p:nvSpPr>
+            <p:cNvPr id="31" name="TextBox 30">
+              <a:extLst>
+                <a:ext uri="{FF2B5EF4-FFF2-40B4-BE49-F238E27FC236}">
+                  <a16:creationId xmlns:a16="http://schemas.microsoft.com/office/drawing/2014/main" id="{B29C761E-991C-B14A-AAFA-AD718273B549}"/>
+                </a:ext>
+              </a:extLst>
+            </p:cNvPr>
+            <p:cNvSpPr txBox="1"/>
+            <p:nvPr/>
+          </p:nvSpPr>
+          <p:spPr>
+            <a:xfrm>
+              <a:off x="1469553" y="784288"/>
+              <a:ext cx="1857375" cy="350609"/>
+            </a:xfrm>
+            <a:prstGeom prst="rect">
+              <a:avLst/>
+            </a:prstGeom>
+            <a:noFill/>
+          </p:spPr>
+          <p:txBody>
+            <a:bodyPr wrap="square" rtlCol="0">
+              <a:spAutoFit/>
+            </a:bodyPr>
+            <a:lstStyle/>
+            <a:p>
+              <a:pPr algn="ctr"/>
+              <a:r>
+                <a:rPr lang="en-US" sz="1600" b="1" dirty="0">
+                  <a:solidFill>
+                    <a:schemeClr val="tx1">
+                      <a:lumMod val="65000"/>
+                      <a:lumOff val="35000"/>
+                    </a:schemeClr>
+                  </a:solidFill>
+                </a:rPr>
+                <a:t>My Spending</a:t>
+              </a:r>
+            </a:p>
+          </p:txBody>
+        </p:sp>
+        <p:sp>
+          <p:nvSpPr>
+            <p:cNvPr id="32" name="TextBox 31">
+              <a:extLst>
+                <a:ext uri="{FF2B5EF4-FFF2-40B4-BE49-F238E27FC236}">
+                  <a16:creationId xmlns:a16="http://schemas.microsoft.com/office/drawing/2014/main" id="{737AD5C7-1BF9-034A-8036-6B2E1FA70E11}"/>
+                </a:ext>
+              </a:extLst>
+            </p:cNvPr>
+            <p:cNvSpPr txBox="1"/>
+            <p:nvPr/>
+          </p:nvSpPr>
+          <p:spPr>
+            <a:xfrm>
+              <a:off x="3238144" y="784288"/>
+              <a:ext cx="1857375" cy="350609"/>
+            </a:xfrm>
+            <a:prstGeom prst="rect">
+              <a:avLst/>
+            </a:prstGeom>
+            <a:noFill/>
+          </p:spPr>
+          <p:txBody>
+            <a:bodyPr wrap="square" rtlCol="0">
+              <a:spAutoFit/>
+            </a:bodyPr>
+            <a:lstStyle/>
+            <a:p>
+              <a:pPr algn="ctr"/>
+              <a:r>
+                <a:rPr lang="en-US" sz="1600" b="1" dirty="0">
+                  <a:solidFill>
+                    <a:schemeClr val="tx1">
+                      <a:lumMod val="65000"/>
+                      <a:lumOff val="35000"/>
+                    </a:schemeClr>
+                  </a:solidFill>
+                </a:rPr>
+                <a:t>My Merchants</a:t>
+              </a:r>
+            </a:p>
+          </p:txBody>
+        </p:sp>
+        <p:sp>
+          <p:nvSpPr>
+            <p:cNvPr id="33" name="TextBox 32">
+              <a:extLst>
+                <a:ext uri="{FF2B5EF4-FFF2-40B4-BE49-F238E27FC236}">
+                  <a16:creationId xmlns:a16="http://schemas.microsoft.com/office/drawing/2014/main" id="{E9C88A9F-60E2-584E-887F-E9A220171463}"/>
+                </a:ext>
+              </a:extLst>
+            </p:cNvPr>
+            <p:cNvSpPr txBox="1"/>
+            <p:nvPr/>
+          </p:nvSpPr>
+          <p:spPr>
+            <a:xfrm>
+              <a:off x="5006735" y="784288"/>
+              <a:ext cx="1857375" cy="350609"/>
+            </a:xfrm>
+            <a:prstGeom prst="rect">
+              <a:avLst/>
+            </a:prstGeom>
+            <a:noFill/>
+          </p:spPr>
+          <p:txBody>
+            <a:bodyPr wrap="square" rtlCol="0">
+              <a:spAutoFit/>
+            </a:bodyPr>
+            <a:lstStyle/>
+            <a:p>
+              <a:pPr algn="ctr"/>
+              <a:r>
+                <a:rPr lang="en-US" sz="1600" b="1" dirty="0">
+                  <a:solidFill>
+                    <a:schemeClr val="tx1">
+                      <a:lumMod val="65000"/>
+                      <a:lumOff val="35000"/>
+                    </a:schemeClr>
+                  </a:solidFill>
+                </a:rPr>
+                <a:t>My Buy Tags</a:t>
+              </a:r>
+            </a:p>
+          </p:txBody>
+        </p:sp>
+        <p:sp>
+          <p:nvSpPr>
+            <p:cNvPr id="34" name="TextBox 33">
+              <a:extLst>
+                <a:ext uri="{FF2B5EF4-FFF2-40B4-BE49-F238E27FC236}">
+                  <a16:creationId xmlns:a16="http://schemas.microsoft.com/office/drawing/2014/main" id="{128045C3-7BFD-A447-98F2-1C159834A0CA}"/>
+                </a:ext>
+              </a:extLst>
+            </p:cNvPr>
+            <p:cNvSpPr txBox="1"/>
+            <p:nvPr/>
+          </p:nvSpPr>
+          <p:spPr>
+            <a:xfrm>
+              <a:off x="6775326" y="784288"/>
+              <a:ext cx="1857375" cy="350609"/>
+            </a:xfrm>
+            <a:prstGeom prst="rect">
+              <a:avLst/>
+            </a:prstGeom>
+            <a:noFill/>
+          </p:spPr>
+          <p:txBody>
+            <a:bodyPr wrap="square" rtlCol="0">
+              <a:spAutoFit/>
+            </a:bodyPr>
+            <a:lstStyle/>
+            <a:p>
+              <a:pPr algn="ctr"/>
+              <a:r>
+                <a:rPr lang="en-US" sz="1600" b="1" dirty="0">
+                  <a:solidFill>
+                    <a:schemeClr val="tx1">
+                      <a:lumMod val="65000"/>
+                      <a:lumOff val="35000"/>
+                    </a:schemeClr>
+                  </a:solidFill>
+                </a:rPr>
+                <a:t>New Transaction</a:t>
+              </a:r>
+            </a:p>
+          </p:txBody>
+        </p:sp>
+        <p:sp>
+          <p:nvSpPr>
+            <p:cNvPr id="35" name="TextBox 34">
+              <a:extLst>
+                <a:ext uri="{FF2B5EF4-FFF2-40B4-BE49-F238E27FC236}">
+                  <a16:creationId xmlns:a16="http://schemas.microsoft.com/office/drawing/2014/main" id="{04319B16-B685-2B4C-9AB4-87E625508190}"/>
+                </a:ext>
+              </a:extLst>
+            </p:cNvPr>
+            <p:cNvSpPr txBox="1"/>
+            <p:nvPr/>
+          </p:nvSpPr>
+          <p:spPr>
+            <a:xfrm>
+              <a:off x="8543917" y="784288"/>
+              <a:ext cx="1857375" cy="350609"/>
+            </a:xfrm>
+            <a:prstGeom prst="rect">
+              <a:avLst/>
+            </a:prstGeom>
+            <a:noFill/>
+          </p:spPr>
+          <p:txBody>
+            <a:bodyPr wrap="square" rtlCol="0">
+              <a:spAutoFit/>
+            </a:bodyPr>
+            <a:lstStyle/>
+            <a:p>
+              <a:pPr algn="ctr"/>
+              <a:r>
+                <a:rPr lang="en-US" sz="1600" b="1" dirty="0">
+                  <a:solidFill>
+                    <a:schemeClr val="tx1">
+                      <a:lumMod val="65000"/>
+                      <a:lumOff val="35000"/>
+                    </a:schemeClr>
+                  </a:solidFill>
+                </a:rPr>
+                <a:t>Edit Transactions</a:t>
+              </a:r>
+            </a:p>
+          </p:txBody>
+        </p:sp>
+        <p:sp>
+          <p:nvSpPr>
+            <p:cNvPr id="36" name="TextBox 35">
+              <a:extLst>
+                <a:ext uri="{FF2B5EF4-FFF2-40B4-BE49-F238E27FC236}">
+                  <a16:creationId xmlns:a16="http://schemas.microsoft.com/office/drawing/2014/main" id="{0916F905-45BC-014F-8314-3894BC921972}"/>
+                </a:ext>
+              </a:extLst>
+            </p:cNvPr>
+            <p:cNvSpPr txBox="1"/>
+            <p:nvPr/>
+          </p:nvSpPr>
+          <p:spPr>
+            <a:xfrm>
+              <a:off x="-299038" y="784288"/>
+              <a:ext cx="1857375" cy="350609"/>
+            </a:xfrm>
+            <a:prstGeom prst="rect">
+              <a:avLst/>
+            </a:prstGeom>
+            <a:noFill/>
+          </p:spPr>
+          <p:txBody>
+            <a:bodyPr wrap="square" rtlCol="0">
+              <a:spAutoFit/>
+            </a:bodyPr>
+            <a:lstStyle/>
+            <a:p>
+              <a:pPr algn="ctr"/>
+              <a:r>
+                <a:rPr lang="en-US" sz="1600" b="1" dirty="0">
+                  <a:solidFill>
+                    <a:schemeClr val="tx1">
+                      <a:lumMod val="65000"/>
+                      <a:lumOff val="35000"/>
+                    </a:schemeClr>
+                  </a:solidFill>
+                </a:rPr>
+                <a:t>Home</a:t>
+              </a:r>
+            </a:p>
+          </p:txBody>
+        </p:sp>
+      </p:grpSp>
+      <p:graphicFrame>
+        <p:nvGraphicFramePr>
+          <p:cNvPr id="40" name="Table 39">
+            <a:extLst>
+              <a:ext uri="{FF2B5EF4-FFF2-40B4-BE49-F238E27FC236}">
+                <a16:creationId xmlns:a16="http://schemas.microsoft.com/office/drawing/2014/main" id="{349E6086-2A44-374E-BA29-307D35179B95}"/>
+              </a:ext>
+            </a:extLst>
+          </p:cNvPr>
+          <p:cNvGraphicFramePr>
+            <a:graphicFrameLocks noGrp="1"/>
+          </p:cNvGraphicFramePr>
+          <p:nvPr>
+            <p:extLst>
+              <p:ext uri="{D42A27DB-BD31-4B8C-83A1-F6EECF244321}">
+                <p14:modId xmlns:p14="http://schemas.microsoft.com/office/powerpoint/2010/main" val="2040031231"/>
+              </p:ext>
+            </p:extLst>
+          </p:nvPr>
+        </p:nvGraphicFramePr>
+        <p:xfrm>
+          <a:off x="328613" y="2418621"/>
+          <a:ext cx="11644309" cy="3139440"/>
+        </p:xfrm>
+        <a:graphic>
+          <a:graphicData uri="http://schemas.openxmlformats.org/drawingml/2006/table">
+            <a:tbl>
+              <a:tblPr firstRow="1" bandRow="1">
+                <a:tableStyleId>{F5AB1C69-6EDB-4FF4-983F-18BD219EF322}</a:tableStyleId>
+              </a:tblPr>
+              <a:tblGrid>
+                <a:gridCol w="1293812">
+                  <a:extLst>
+                    <a:ext uri="{9D8B030D-6E8A-4147-A177-3AD203B41FA5}">
+                      <a16:colId xmlns:a16="http://schemas.microsoft.com/office/drawing/2014/main" val="1166214965"/>
+                    </a:ext>
+                  </a:extLst>
+                </a:gridCol>
+                <a:gridCol w="1293812">
+                  <a:extLst>
+                    <a:ext uri="{9D8B030D-6E8A-4147-A177-3AD203B41FA5}">
+                      <a16:colId xmlns:a16="http://schemas.microsoft.com/office/drawing/2014/main" val="4047525705"/>
+                    </a:ext>
+                  </a:extLst>
+                </a:gridCol>
+                <a:gridCol w="1548772">
+                  <a:extLst>
+                    <a:ext uri="{9D8B030D-6E8A-4147-A177-3AD203B41FA5}">
+                      <a16:colId xmlns:a16="http://schemas.microsoft.com/office/drawing/2014/main" val="3416464004"/>
+                    </a:ext>
+                  </a:extLst>
+                </a:gridCol>
+                <a:gridCol w="1178554">
+                  <a:extLst>
+                    <a:ext uri="{9D8B030D-6E8A-4147-A177-3AD203B41FA5}">
+                      <a16:colId xmlns:a16="http://schemas.microsoft.com/office/drawing/2014/main" val="2752659238"/>
+                    </a:ext>
+                  </a:extLst>
+                </a:gridCol>
+                <a:gridCol w="1154111">
+                  <a:extLst>
+                    <a:ext uri="{9D8B030D-6E8A-4147-A177-3AD203B41FA5}">
+                      <a16:colId xmlns:a16="http://schemas.microsoft.com/office/drawing/2014/main" val="4245905551"/>
+                    </a:ext>
+                  </a:extLst>
+                </a:gridCol>
+                <a:gridCol w="1293812">
+                  <a:extLst>
+                    <a:ext uri="{9D8B030D-6E8A-4147-A177-3AD203B41FA5}">
+                      <a16:colId xmlns:a16="http://schemas.microsoft.com/office/drawing/2014/main" val="114806412"/>
+                    </a:ext>
+                  </a:extLst>
+                </a:gridCol>
+                <a:gridCol w="1293812">
+                  <a:extLst>
+                    <a:ext uri="{9D8B030D-6E8A-4147-A177-3AD203B41FA5}">
+                      <a16:colId xmlns:a16="http://schemas.microsoft.com/office/drawing/2014/main" val="3391660218"/>
+                    </a:ext>
+                  </a:extLst>
+                </a:gridCol>
+                <a:gridCol w="1293812">
+                  <a:extLst>
+                    <a:ext uri="{9D8B030D-6E8A-4147-A177-3AD203B41FA5}">
+                      <a16:colId xmlns:a16="http://schemas.microsoft.com/office/drawing/2014/main" val="3542382005"/>
+                    </a:ext>
+                  </a:extLst>
+                </a:gridCol>
+                <a:gridCol w="1293812">
+                  <a:extLst>
+                    <a:ext uri="{9D8B030D-6E8A-4147-A177-3AD203B41FA5}">
+                      <a16:colId xmlns:a16="http://schemas.microsoft.com/office/drawing/2014/main" val="3830873362"/>
+                    </a:ext>
+                  </a:extLst>
+                </a:gridCol>
+              </a:tblGrid>
+              <a:tr h="370840">
+                <a:tc>
+                  <a:txBody>
+                    <a:bodyPr/>
+                    <a:lstStyle/>
+                    <a:p>
+                      <a:pPr algn="ctr"/>
+                      <a:r>
+                        <a:rPr lang="en-US" dirty="0"/>
+                        <a:t>Amount (£)</a:t>
+                      </a:r>
+                    </a:p>
+                  </a:txBody>
+                  <a:tcPr anchor="ctr">
+                    <a:solidFill>
+                      <a:srgbClr val="33C1C4"/>
+                    </a:solidFill>
+                  </a:tcPr>
+                </a:tc>
+                <a:tc>
+                  <a:txBody>
+                    <a:bodyPr/>
+                    <a:lstStyle/>
+                    <a:p>
+                      <a:pPr algn="ctr"/>
+                      <a:r>
+                        <a:rPr lang="en-US" dirty="0"/>
+                        <a:t>Merchant</a:t>
+                      </a:r>
+                    </a:p>
+                  </a:txBody>
+                  <a:tcPr anchor="ctr">
+                    <a:solidFill>
+                      <a:srgbClr val="33C1C4"/>
+                    </a:solidFill>
+                  </a:tcPr>
+                </a:tc>
+                <a:tc>
+                  <a:txBody>
+                    <a:bodyPr/>
+                    <a:lstStyle/>
+                    <a:p>
+                      <a:pPr algn="ctr"/>
+                      <a:r>
+                        <a:rPr lang="en-US" dirty="0"/>
+                        <a:t>Buy Tag</a:t>
+                      </a:r>
+                    </a:p>
+                  </a:txBody>
+                  <a:tcPr anchor="ctr">
+                    <a:solidFill>
+                      <a:srgbClr val="33C1C4"/>
+                    </a:solidFill>
+                  </a:tcPr>
+                </a:tc>
+                <a:tc>
+                  <a:txBody>
+                    <a:bodyPr/>
+                    <a:lstStyle/>
+                    <a:p>
+                      <a:pPr algn="ctr"/>
+                      <a:r>
+                        <a:rPr lang="en-US" dirty="0"/>
+                        <a:t>Essential?</a:t>
+                      </a:r>
+                    </a:p>
+                  </a:txBody>
+                  <a:tcPr anchor="ctr">
+                    <a:solidFill>
+                      <a:srgbClr val="33C1C4"/>
+                    </a:solidFill>
+                  </a:tcPr>
+                </a:tc>
+                <a:tc>
+                  <a:txBody>
+                    <a:bodyPr/>
+                    <a:lstStyle/>
+                    <a:p>
+                      <a:pPr algn="ctr"/>
+                      <a:r>
+                        <a:rPr lang="en-US" dirty="0"/>
+                        <a:t>Time</a:t>
+                      </a:r>
+                    </a:p>
+                  </a:txBody>
+                  <a:tcPr anchor="ctr">
+                    <a:solidFill>
+                      <a:srgbClr val="33C1C4"/>
+                    </a:solidFill>
+                  </a:tcPr>
+                </a:tc>
+                <a:tc>
+                  <a:txBody>
+                    <a:bodyPr/>
+                    <a:lstStyle/>
+                    <a:p>
+                      <a:pPr algn="ctr"/>
+                      <a:r>
+                        <a:rPr lang="en-US" dirty="0"/>
+                        <a:t>Day</a:t>
+                      </a:r>
+                    </a:p>
+                  </a:txBody>
+                  <a:tcPr anchor="ctr">
+                    <a:solidFill>
+                      <a:srgbClr val="33C1C4"/>
+                    </a:solidFill>
+                  </a:tcPr>
+                </a:tc>
+                <a:tc>
+                  <a:txBody>
+                    <a:bodyPr/>
+                    <a:lstStyle/>
+                    <a:p>
+                      <a:pPr algn="ctr"/>
+                      <a:r>
+                        <a:rPr lang="en-US" dirty="0"/>
+                        <a:t>Month</a:t>
+                      </a:r>
+                    </a:p>
+                  </a:txBody>
+                  <a:tcPr anchor="ctr">
+                    <a:solidFill>
+                      <a:srgbClr val="33C1C4"/>
+                    </a:solidFill>
+                  </a:tcPr>
+                </a:tc>
+                <a:tc>
+                  <a:txBody>
+                    <a:bodyPr/>
+                    <a:lstStyle/>
+                    <a:p>
+                      <a:pPr algn="ctr"/>
+                      <a:r>
+                        <a:rPr lang="en-US" dirty="0"/>
+                        <a:t>Total Spend (£)</a:t>
+                      </a:r>
+                    </a:p>
+                  </a:txBody>
+                  <a:tcPr anchor="ctr">
+                    <a:solidFill>
+                      <a:srgbClr val="33C1C4"/>
+                    </a:solidFill>
+                  </a:tcPr>
+                </a:tc>
+                <a:tc>
+                  <a:txBody>
+                    <a:bodyPr/>
+                    <a:lstStyle/>
+                    <a:p>
+                      <a:pPr algn="ctr"/>
+                      <a:r>
+                        <a:rPr lang="en-US" dirty="0"/>
+                        <a:t>Budget Remaining (£)</a:t>
+                      </a:r>
+                    </a:p>
+                  </a:txBody>
+                  <a:tcPr anchor="ctr">
+                    <a:solidFill>
+                      <a:srgbClr val="33C1C4"/>
+                    </a:solidFill>
+                  </a:tcPr>
+                </a:tc>
+                <a:extLst>
+                  <a:ext uri="{0D108BD9-81ED-4DB2-BD59-A6C34878D82A}">
+                    <a16:rowId xmlns:a16="http://schemas.microsoft.com/office/drawing/2014/main" val="3482338081"/>
+                  </a:ext>
+                </a:extLst>
+              </a:tr>
+              <a:tr h="370840">
+                <a:tc>
+                  <a:txBody>
+                    <a:bodyPr/>
+                    <a:lstStyle/>
+                    <a:p>
+                      <a:r>
+                        <a:rPr lang="en-US" dirty="0"/>
+                        <a:t>5.00</a:t>
+                      </a:r>
+                    </a:p>
+                  </a:txBody>
+                  <a:tcPr/>
+                </a:tc>
+                <a:tc>
+                  <a:txBody>
+                    <a:bodyPr/>
+                    <a:lstStyle/>
+                    <a:p>
+                      <a:r>
+                        <a:rPr lang="en-US" dirty="0"/>
+                        <a:t>Lidl</a:t>
+                      </a:r>
+                    </a:p>
+                  </a:txBody>
+                  <a:tcPr/>
+                </a:tc>
+                <a:tc>
+                  <a:txBody>
+                    <a:bodyPr/>
+                    <a:lstStyle/>
+                    <a:p>
+                      <a:r>
+                        <a:rPr lang="en-US" dirty="0"/>
+                        <a:t>Groceries</a:t>
+                      </a:r>
+                    </a:p>
+                  </a:txBody>
+                  <a:tcPr/>
+                </a:tc>
+                <a:tc>
+                  <a:txBody>
+                    <a:bodyPr/>
+                    <a:lstStyle/>
+                    <a:p>
+                      <a:r>
+                        <a:rPr lang="en-US" dirty="0"/>
+                        <a:t>Y</a:t>
+                      </a:r>
+                    </a:p>
+                  </a:txBody>
+                  <a:tcPr/>
+                </a:tc>
+                <a:tc>
+                  <a:txBody>
+                    <a:bodyPr/>
+                    <a:lstStyle/>
+                    <a:p>
+                      <a:r>
+                        <a:rPr lang="en-US" dirty="0"/>
+                        <a:t>16:00</a:t>
+                      </a:r>
+                    </a:p>
+                  </a:txBody>
+                  <a:tcPr/>
+                </a:tc>
+                <a:tc>
+                  <a:txBody>
+                    <a:bodyPr/>
+                    <a:lstStyle/>
+                    <a:p>
+                      <a:r>
+                        <a:rPr lang="en-US" dirty="0"/>
+                        <a:t>28th</a:t>
+                      </a:r>
+                    </a:p>
+                  </a:txBody>
+                  <a:tcPr/>
+                </a:tc>
+                <a:tc>
+                  <a:txBody>
+                    <a:bodyPr/>
+                    <a:lstStyle/>
+                    <a:p>
+                      <a:r>
+                        <a:rPr lang="en-US" dirty="0"/>
+                        <a:t>February</a:t>
+                      </a:r>
+                    </a:p>
+                  </a:txBody>
+                  <a:tcPr/>
+                </a:tc>
+                <a:tc>
+                  <a:txBody>
+                    <a:bodyPr/>
+                    <a:lstStyle/>
+                    <a:p>
+                      <a:r>
+                        <a:rPr lang="en-US" dirty="0"/>
+                        <a:t>5.00</a:t>
+                      </a:r>
+                    </a:p>
+                  </a:txBody>
+                  <a:tcPr/>
+                </a:tc>
+                <a:tc>
+                  <a:txBody>
+                    <a:bodyPr/>
+                    <a:lstStyle/>
+                    <a:p>
+                      <a:r>
+                        <a:rPr lang="en-US" dirty="0"/>
+                        <a:t>495.00</a:t>
+                      </a:r>
+                    </a:p>
+                  </a:txBody>
+                  <a:tcPr/>
+                </a:tc>
+                <a:extLst>
+                  <a:ext uri="{0D108BD9-81ED-4DB2-BD59-A6C34878D82A}">
+                    <a16:rowId xmlns:a16="http://schemas.microsoft.com/office/drawing/2014/main" val="1820878587"/>
+                  </a:ext>
+                </a:extLst>
+              </a:tr>
+              <a:tr h="370840">
+                <a:tc>
+                  <a:txBody>
+                    <a:bodyPr/>
+                    <a:lstStyle/>
+                    <a:p>
+                      <a:r>
+                        <a:rPr lang="en-US" dirty="0"/>
+                        <a:t>60.00</a:t>
+                      </a:r>
+                    </a:p>
+                  </a:txBody>
+                  <a:tcPr/>
+                </a:tc>
+                <a:tc>
+                  <a:txBody>
+                    <a:bodyPr/>
+                    <a:lstStyle/>
+                    <a:p>
+                      <a:r>
+                        <a:rPr lang="en-US" dirty="0"/>
+                        <a:t>Sainsburys</a:t>
+                      </a:r>
+                    </a:p>
+                  </a:txBody>
+                  <a:tcPr/>
+                </a:tc>
+                <a:tc>
+                  <a:txBody>
+                    <a:bodyPr/>
+                    <a:lstStyle/>
+                    <a:p>
+                      <a:r>
+                        <a:rPr lang="en-US" dirty="0"/>
+                        <a:t>Groceries</a:t>
+                      </a:r>
+                    </a:p>
+                  </a:txBody>
+                  <a:tcPr/>
+                </a:tc>
+                <a:tc>
+                  <a:txBody>
+                    <a:bodyPr/>
+                    <a:lstStyle/>
+                    <a:p>
+                      <a:r>
+                        <a:rPr lang="en-US" dirty="0"/>
+                        <a:t>Y</a:t>
+                      </a:r>
+                    </a:p>
+                  </a:txBody>
+                  <a:tcPr/>
+                </a:tc>
+                <a:tc>
+                  <a:txBody>
+                    <a:bodyPr/>
+                    <a:lstStyle/>
+                    <a:p>
+                      <a:r>
+                        <a:rPr lang="en-US" dirty="0"/>
+                        <a:t>10:00</a:t>
+                      </a:r>
+                    </a:p>
+                  </a:txBody>
+                  <a:tcPr/>
+                </a:tc>
+                <a:tc>
+                  <a:txBody>
+                    <a:bodyPr/>
+                    <a:lstStyle/>
+                    <a:p>
+                      <a:r>
+                        <a:rPr lang="en-US" dirty="0"/>
+                        <a:t>1st</a:t>
+                      </a:r>
+                    </a:p>
+                  </a:txBody>
+                  <a:tcPr/>
+                </a:tc>
+                <a:tc>
+                  <a:txBody>
+                    <a:bodyPr/>
+                    <a:lstStyle/>
+                    <a:p>
+                      <a:r>
+                        <a:rPr lang="en-US" dirty="0"/>
+                        <a:t>March</a:t>
+                      </a:r>
+                    </a:p>
+                  </a:txBody>
+                  <a:tcPr/>
+                </a:tc>
+                <a:tc>
+                  <a:txBody>
+                    <a:bodyPr/>
+                    <a:lstStyle/>
+                    <a:p>
+                      <a:r>
+                        <a:rPr lang="en-US" dirty="0"/>
+                        <a:t>65.00</a:t>
+                      </a:r>
+                    </a:p>
+                  </a:txBody>
+                  <a:tcPr/>
+                </a:tc>
+                <a:tc>
+                  <a:txBody>
+                    <a:bodyPr/>
+                    <a:lstStyle/>
+                    <a:p>
+                      <a:r>
+                        <a:rPr lang="en-US" dirty="0"/>
+                        <a:t>435.00</a:t>
+                      </a:r>
+                    </a:p>
+                  </a:txBody>
+                  <a:tcPr/>
+                </a:tc>
+                <a:extLst>
+                  <a:ext uri="{0D108BD9-81ED-4DB2-BD59-A6C34878D82A}">
+                    <a16:rowId xmlns:a16="http://schemas.microsoft.com/office/drawing/2014/main" val="1543830388"/>
+                  </a:ext>
+                </a:extLst>
+              </a:tr>
+              <a:tr h="370840">
+                <a:tc>
+                  <a:txBody>
+                    <a:bodyPr/>
+                    <a:lstStyle/>
+                    <a:p>
+                      <a:r>
+                        <a:rPr lang="en-US" dirty="0"/>
+                        <a:t>100.00</a:t>
+                      </a:r>
+                    </a:p>
+                  </a:txBody>
+                  <a:tcPr/>
+                </a:tc>
+                <a:tc>
+                  <a:txBody>
+                    <a:bodyPr/>
+                    <a:lstStyle/>
+                    <a:p>
+                      <a:r>
+                        <a:rPr lang="en-US" dirty="0"/>
+                        <a:t>Schuh</a:t>
+                      </a:r>
+                    </a:p>
+                  </a:txBody>
+                  <a:tcPr/>
+                </a:tc>
+                <a:tc>
+                  <a:txBody>
+                    <a:bodyPr/>
+                    <a:lstStyle/>
+                    <a:p>
+                      <a:r>
+                        <a:rPr lang="en-US" dirty="0"/>
+                        <a:t>Clothes</a:t>
+                      </a:r>
+                    </a:p>
+                  </a:txBody>
+                  <a:tcPr/>
+                </a:tc>
+                <a:tc>
+                  <a:txBody>
+                    <a:bodyPr/>
+                    <a:lstStyle/>
+                    <a:p>
+                      <a:r>
+                        <a:rPr lang="en-US" dirty="0"/>
+                        <a:t>N</a:t>
+                      </a:r>
+                    </a:p>
+                  </a:txBody>
+                  <a:tcPr/>
+                </a:tc>
+                <a:tc>
+                  <a:txBody>
+                    <a:bodyPr/>
+                    <a:lstStyle/>
+                    <a:p>
+                      <a:r>
+                        <a:rPr lang="en-US" dirty="0"/>
+                        <a:t>15:20</a:t>
+                      </a:r>
+                    </a:p>
+                  </a:txBody>
+                  <a:tcPr/>
+                </a:tc>
+                <a:tc>
+                  <a:txBody>
+                    <a:bodyPr/>
+                    <a:lstStyle/>
+                    <a:p>
+                      <a:r>
+                        <a:rPr lang="en-US" dirty="0"/>
+                        <a:t>2nd</a:t>
+                      </a:r>
+                    </a:p>
+                  </a:txBody>
+                  <a:tcPr/>
+                </a:tc>
+                <a:tc>
+                  <a:txBody>
+                    <a:bodyPr/>
+                    <a:lstStyle/>
+                    <a:p>
+                      <a:r>
+                        <a:rPr lang="en-US" dirty="0"/>
+                        <a:t>March</a:t>
+                      </a:r>
+                    </a:p>
+                  </a:txBody>
+                  <a:tcPr/>
+                </a:tc>
+                <a:tc>
+                  <a:txBody>
+                    <a:bodyPr/>
+                    <a:lstStyle/>
+                    <a:p>
+                      <a:r>
+                        <a:rPr lang="en-US" dirty="0"/>
+                        <a:t>165.00</a:t>
+                      </a:r>
+                    </a:p>
+                  </a:txBody>
+                  <a:tcPr/>
+                </a:tc>
+                <a:tc>
+                  <a:txBody>
+                    <a:bodyPr/>
+                    <a:lstStyle/>
+                    <a:p>
+                      <a:r>
+                        <a:rPr lang="en-US" dirty="0"/>
+                        <a:t>335.00</a:t>
+                      </a:r>
+                    </a:p>
+                  </a:txBody>
+                  <a:tcPr/>
+                </a:tc>
+                <a:extLst>
+                  <a:ext uri="{0D108BD9-81ED-4DB2-BD59-A6C34878D82A}">
+                    <a16:rowId xmlns:a16="http://schemas.microsoft.com/office/drawing/2014/main" val="3068576492"/>
+                  </a:ext>
+                </a:extLst>
+              </a:tr>
+              <a:tr h="370840">
+                <a:tc>
+                  <a:txBody>
+                    <a:bodyPr/>
+                    <a:lstStyle/>
+                    <a:p>
+                      <a:r>
+                        <a:rPr lang="en-US" dirty="0"/>
+                        <a:t>35.00</a:t>
+                      </a:r>
+                    </a:p>
+                  </a:txBody>
+                  <a:tcPr/>
+                </a:tc>
+                <a:tc>
+                  <a:txBody>
+                    <a:bodyPr/>
+                    <a:lstStyle/>
+                    <a:p>
+                      <a:r>
+                        <a:rPr lang="en-US" dirty="0"/>
+                        <a:t>New Look</a:t>
+                      </a:r>
+                    </a:p>
+                  </a:txBody>
+                  <a:tcPr/>
+                </a:tc>
+                <a:tc>
+                  <a:txBody>
+                    <a:bodyPr/>
+                    <a:lstStyle/>
+                    <a:p>
+                      <a:r>
+                        <a:rPr lang="en-US" dirty="0"/>
+                        <a:t>Clothes</a:t>
+                      </a:r>
+                    </a:p>
+                  </a:txBody>
+                  <a:tcPr/>
+                </a:tc>
+                <a:tc>
+                  <a:txBody>
+                    <a:bodyPr/>
+                    <a:lstStyle/>
+                    <a:p>
+                      <a:r>
+                        <a:rPr lang="en-US" dirty="0"/>
+                        <a:t>Y</a:t>
+                      </a:r>
+                    </a:p>
+                  </a:txBody>
+                  <a:tcPr/>
+                </a:tc>
+                <a:tc>
+                  <a:txBody>
+                    <a:bodyPr/>
+                    <a:lstStyle/>
+                    <a:p>
+                      <a:r>
+                        <a:rPr lang="en-US" dirty="0"/>
+                        <a:t>16:00</a:t>
+                      </a:r>
+                    </a:p>
+                  </a:txBody>
+                  <a:tcPr/>
+                </a:tc>
+                <a:tc>
+                  <a:txBody>
+                    <a:bodyPr/>
+                    <a:lstStyle/>
+                    <a:p>
+                      <a:r>
+                        <a:rPr lang="en-US" dirty="0"/>
+                        <a:t>2nd</a:t>
+                      </a:r>
+                    </a:p>
+                  </a:txBody>
+                  <a:tcPr/>
+                </a:tc>
+                <a:tc>
+                  <a:txBody>
+                    <a:bodyPr/>
+                    <a:lstStyle/>
+                    <a:p>
+                      <a:r>
+                        <a:rPr lang="en-US" dirty="0"/>
+                        <a:t>March</a:t>
+                      </a:r>
+                    </a:p>
+                  </a:txBody>
+                  <a:tcPr/>
+                </a:tc>
+                <a:tc>
+                  <a:txBody>
+                    <a:bodyPr/>
+                    <a:lstStyle/>
+                    <a:p>
+                      <a:r>
+                        <a:rPr lang="en-US" dirty="0"/>
+                        <a:t>200.00</a:t>
+                      </a:r>
+                    </a:p>
+                  </a:txBody>
+                  <a:tcPr/>
+                </a:tc>
+                <a:tc>
+                  <a:txBody>
+                    <a:bodyPr/>
+                    <a:lstStyle/>
+                    <a:p>
+                      <a:r>
+                        <a:rPr lang="en-US" dirty="0"/>
+                        <a:t>300.00</a:t>
+                      </a:r>
+                    </a:p>
+                  </a:txBody>
+                  <a:tcPr/>
+                </a:tc>
+                <a:extLst>
+                  <a:ext uri="{0D108BD9-81ED-4DB2-BD59-A6C34878D82A}">
+                    <a16:rowId xmlns:a16="http://schemas.microsoft.com/office/drawing/2014/main" val="2990040760"/>
+                  </a:ext>
+                </a:extLst>
+              </a:tr>
+              <a:tr h="370840">
+                <a:tc>
+                  <a:txBody>
+                    <a:bodyPr/>
+                    <a:lstStyle/>
+                    <a:p>
+                      <a:r>
+                        <a:rPr lang="en-US" dirty="0"/>
+                        <a:t>4.00</a:t>
+                      </a:r>
+                    </a:p>
+                  </a:txBody>
+                  <a:tcPr/>
+                </a:tc>
+                <a:tc>
+                  <a:txBody>
+                    <a:bodyPr/>
+                    <a:lstStyle/>
+                    <a:p>
+                      <a:r>
+                        <a:rPr lang="en-US" dirty="0" err="1"/>
+                        <a:t>Asda</a:t>
+                      </a:r>
+                      <a:endParaRPr lang="en-US" dirty="0"/>
+                    </a:p>
+                  </a:txBody>
+                  <a:tcPr/>
+                </a:tc>
+                <a:tc>
+                  <a:txBody>
+                    <a:bodyPr/>
+                    <a:lstStyle/>
+                    <a:p>
+                      <a:r>
+                        <a:rPr lang="en-US" dirty="0"/>
+                        <a:t>Entertainment</a:t>
+                      </a:r>
+                    </a:p>
+                  </a:txBody>
+                  <a:tcPr/>
+                </a:tc>
+                <a:tc>
+                  <a:txBody>
+                    <a:bodyPr/>
+                    <a:lstStyle/>
+                    <a:p>
+                      <a:r>
+                        <a:rPr lang="en-US" dirty="0"/>
+                        <a:t>N</a:t>
+                      </a:r>
+                    </a:p>
+                  </a:txBody>
+                  <a:tcPr/>
+                </a:tc>
+                <a:tc>
+                  <a:txBody>
+                    <a:bodyPr/>
+                    <a:lstStyle/>
+                    <a:p>
+                      <a:r>
+                        <a:rPr lang="en-US" dirty="0"/>
+                        <a:t>18:05</a:t>
+                      </a:r>
+                    </a:p>
+                  </a:txBody>
+                  <a:tcPr/>
+                </a:tc>
+                <a:tc>
+                  <a:txBody>
+                    <a:bodyPr/>
+                    <a:lstStyle/>
+                    <a:p>
+                      <a:r>
+                        <a:rPr lang="en-US" dirty="0"/>
+                        <a:t>2nd</a:t>
+                      </a:r>
+                    </a:p>
+                  </a:txBody>
+                  <a:tcPr/>
+                </a:tc>
+                <a:tc>
+                  <a:txBody>
+                    <a:bodyPr/>
+                    <a:lstStyle/>
+                    <a:p>
+                      <a:r>
+                        <a:rPr lang="en-US" dirty="0"/>
+                        <a:t>March</a:t>
+                      </a:r>
+                    </a:p>
+                  </a:txBody>
+                  <a:tcPr/>
+                </a:tc>
+                <a:tc>
+                  <a:txBody>
+                    <a:bodyPr/>
+                    <a:lstStyle/>
+                    <a:p>
+                      <a:r>
+                        <a:rPr lang="en-US" dirty="0"/>
+                        <a:t>204.00</a:t>
+                      </a:r>
+                    </a:p>
+                  </a:txBody>
+                  <a:tcPr/>
+                </a:tc>
+                <a:tc>
+                  <a:txBody>
+                    <a:bodyPr/>
+                    <a:lstStyle/>
+                    <a:p>
+                      <a:r>
+                        <a:rPr lang="en-US" dirty="0"/>
+                        <a:t>296.00</a:t>
+                      </a:r>
+                    </a:p>
+                  </a:txBody>
+                  <a:tcPr/>
+                </a:tc>
+                <a:extLst>
+                  <a:ext uri="{0D108BD9-81ED-4DB2-BD59-A6C34878D82A}">
+                    <a16:rowId xmlns:a16="http://schemas.microsoft.com/office/drawing/2014/main" val="1257636012"/>
+                  </a:ext>
+                </a:extLst>
+              </a:tr>
+              <a:tr h="370840">
+                <a:tc>
+                  <a:txBody>
+                    <a:bodyPr/>
+                    <a:lstStyle/>
+                    <a:p>
+                      <a:r>
+                        <a:rPr lang="en-US" dirty="0"/>
+                        <a:t>19.99</a:t>
+                      </a:r>
+                    </a:p>
+                  </a:txBody>
+                  <a:tcPr/>
+                </a:tc>
+                <a:tc>
+                  <a:txBody>
+                    <a:bodyPr/>
+                    <a:lstStyle/>
+                    <a:p>
+                      <a:r>
+                        <a:rPr lang="en-US" dirty="0"/>
+                        <a:t>Zara</a:t>
+                      </a:r>
+                    </a:p>
+                  </a:txBody>
+                  <a:tcPr/>
+                </a:tc>
+                <a:tc>
+                  <a:txBody>
+                    <a:bodyPr/>
+                    <a:lstStyle/>
+                    <a:p>
+                      <a:r>
+                        <a:rPr lang="en-US" dirty="0"/>
+                        <a:t>Clothing</a:t>
+                      </a:r>
+                    </a:p>
+                  </a:txBody>
+                  <a:tcPr/>
+                </a:tc>
+                <a:tc>
+                  <a:txBody>
+                    <a:bodyPr/>
+                    <a:lstStyle/>
+                    <a:p>
+                      <a:r>
+                        <a:rPr lang="en-US" dirty="0"/>
+                        <a:t>N</a:t>
+                      </a:r>
+                    </a:p>
+                  </a:txBody>
+                  <a:tcPr/>
+                </a:tc>
+                <a:tc>
+                  <a:txBody>
+                    <a:bodyPr/>
+                    <a:lstStyle/>
+                    <a:p>
+                      <a:r>
+                        <a:rPr lang="en-US" dirty="0"/>
+                        <a:t>12:04</a:t>
+                      </a:r>
+                    </a:p>
+                  </a:txBody>
+                  <a:tcPr/>
+                </a:tc>
+                <a:tc>
+                  <a:txBody>
+                    <a:bodyPr/>
+                    <a:lstStyle/>
+                    <a:p>
+                      <a:r>
+                        <a:rPr lang="en-US" dirty="0"/>
+                        <a:t>3rd</a:t>
+                      </a:r>
+                    </a:p>
+                  </a:txBody>
+                  <a:tcPr/>
+                </a:tc>
+                <a:tc>
+                  <a:txBody>
+                    <a:bodyPr/>
+                    <a:lstStyle/>
+                    <a:p>
+                      <a:r>
+                        <a:rPr lang="en-US" dirty="0"/>
+                        <a:t>March</a:t>
+                      </a:r>
+                    </a:p>
+                  </a:txBody>
+                  <a:tcPr/>
+                </a:tc>
+                <a:tc>
+                  <a:txBody>
+                    <a:bodyPr/>
+                    <a:lstStyle/>
+                    <a:p>
+                      <a:r>
+                        <a:rPr lang="en-US" dirty="0"/>
+                        <a:t>223.99</a:t>
+                      </a:r>
+                    </a:p>
+                  </a:txBody>
+                  <a:tcPr/>
+                </a:tc>
+                <a:tc>
+                  <a:txBody>
+                    <a:bodyPr/>
+                    <a:lstStyle/>
+                    <a:p>
+                      <a:r>
+                        <a:rPr lang="en-US" dirty="0"/>
+                        <a:t>276.01</a:t>
+                      </a:r>
+                    </a:p>
+                  </a:txBody>
+                  <a:tcPr/>
+                </a:tc>
+                <a:extLst>
+                  <a:ext uri="{0D108BD9-81ED-4DB2-BD59-A6C34878D82A}">
+                    <a16:rowId xmlns:a16="http://schemas.microsoft.com/office/drawing/2014/main" val="2316600490"/>
+                  </a:ext>
+                </a:extLst>
+              </a:tr>
+            </a:tbl>
+          </a:graphicData>
+        </a:graphic>
+      </p:graphicFrame>
+    </p:spTree>
+    <p:extLst>
+      <p:ext uri="{BB962C8B-B14F-4D97-AF65-F5344CB8AC3E}">
+        <p14:creationId xmlns:p14="http://schemas.microsoft.com/office/powerpoint/2010/main" val="527111003"/>
+      </p:ext>
+    </p:extLst>
+  </p:cSld>
+  <p:clrMapOvr>
+    <a:masterClrMapping/>
+  </p:clrMapOvr>
+</p:sld>
+</file>
+
+<file path=ppt/slides/slide7.xml><?xml version="1.0" encoding="utf-8"?>
+<p:sld xmlns:a="http://schemas.openxmlformats.org/drawingml/2006/main" xmlns:r="http://schemas.openxmlformats.org/officeDocument/2006/relationships" xmlns:p="http://schemas.openxmlformats.org/presentationml/2006/main">
+  <p:cSld>
+    <p:spTree>
+      <p:nvGrpSpPr>
+        <p:cNvPr id="1" name=""/>
+        <p:cNvGrpSpPr/>
+        <p:nvPr/>
+      </p:nvGrpSpPr>
+      <p:grpSpPr>
+        <a:xfrm>
+          <a:off x="0" y="0"/>
+          <a:ext cx="0" cy="0"/>
+          <a:chOff x="0" y="0"/>
+          <a:chExt cx="0" cy="0"/>
+        </a:xfrm>
+      </p:grpSpPr>
+      <p:sp>
+        <p:nvSpPr>
+          <p:cNvPr id="2" name="Title 1">
+            <a:extLst>
+              <a:ext uri="{FF2B5EF4-FFF2-40B4-BE49-F238E27FC236}">
+                <a16:creationId xmlns:a16="http://schemas.microsoft.com/office/drawing/2014/main" id="{A16D7152-63CD-AE49-A278-B4ED5AC7ED07}"/>
+              </a:ext>
+            </a:extLst>
+          </p:cNvPr>
+          <p:cNvSpPr>
+            <a:spLocks noGrp="1"/>
+          </p:cNvSpPr>
+          <p:nvPr>
+            <p:ph type="title"/>
+          </p:nvPr>
+        </p:nvSpPr>
+        <p:spPr>
+          <a:xfrm>
+            <a:off x="838200" y="18256"/>
+            <a:ext cx="10515600" cy="467520"/>
+          </a:xfrm>
+        </p:spPr>
+        <p:txBody>
+          <a:bodyPr>
+            <a:normAutofit fontScale="90000"/>
+          </a:bodyPr>
+          <a:lstStyle/>
+          <a:p>
+            <a:r>
+              <a:rPr lang="en-US" dirty="0"/>
+              <a:t>Edit/Delete Transaction - </a:t>
+            </a:r>
+            <a:r>
+              <a:rPr lang="en-US" b="1" dirty="0"/>
+              <a:t>Form</a:t>
+            </a:r>
+            <a:endParaRPr lang="en-US" dirty="0"/>
+          </a:p>
+        </p:txBody>
+      </p:sp>
+      <p:sp>
+        <p:nvSpPr>
+          <p:cNvPr id="4" name="Rectangle 3">
+            <a:extLst>
+              <a:ext uri="{FF2B5EF4-FFF2-40B4-BE49-F238E27FC236}">
+                <a16:creationId xmlns:a16="http://schemas.microsoft.com/office/drawing/2014/main" id="{AD202665-C0BC-974F-BBF7-5FE5F95C3628}"/>
+              </a:ext>
+            </a:extLst>
+          </p:cNvPr>
+          <p:cNvSpPr/>
+          <p:nvPr/>
+        </p:nvSpPr>
+        <p:spPr>
+          <a:xfrm>
+            <a:off x="0" y="614363"/>
+            <a:ext cx="12192000" cy="9417143"/>
+          </a:xfrm>
+          <a:prstGeom prst="rect">
+            <a:avLst/>
+          </a:prstGeom>
+          <a:solidFill>
+            <a:schemeClr val="bg1"/>
+          </a:solidFill>
+          <a:ln>
+            <a:solidFill>
+              <a:schemeClr val="tx1"/>
+            </a:solidFill>
+          </a:ln>
+        </p:spPr>
+        <p:style>
+          <a:lnRef idx="2">
+            <a:schemeClr val="accent1">
+              <a:shade val="50000"/>
+            </a:schemeClr>
+          </a:lnRef>
+          <a:fillRef idx="1">
+            <a:schemeClr val="accent1"/>
+          </a:fillRef>
+          <a:effectRef idx="0">
+            <a:schemeClr val="accent1"/>
+          </a:effectRef>
+          <a:fontRef idx="minor">
+            <a:schemeClr val="lt1"/>
+          </a:fontRef>
+        </p:style>
+        <p:txBody>
+          <a:bodyPr rtlCol="0" anchor="ctr"/>
+          <a:lstStyle/>
+          <a:p>
+            <a:pPr algn="ctr"/>
+            <a:endParaRPr lang="en-US"/>
+          </a:p>
+        </p:txBody>
+      </p:sp>
+      <p:sp>
+        <p:nvSpPr>
+          <p:cNvPr id="5" name="Rectangle 4">
+            <a:extLst>
+              <a:ext uri="{FF2B5EF4-FFF2-40B4-BE49-F238E27FC236}">
+                <a16:creationId xmlns:a16="http://schemas.microsoft.com/office/drawing/2014/main" id="{D32A666D-F7C4-E74D-AA62-D9D3D0C7770A}"/>
+              </a:ext>
+            </a:extLst>
+          </p:cNvPr>
+          <p:cNvSpPr/>
+          <p:nvPr/>
+        </p:nvSpPr>
+        <p:spPr>
+          <a:xfrm>
+            <a:off x="0" y="1200150"/>
+            <a:ext cx="12192000" cy="671513"/>
+          </a:xfrm>
+          <a:prstGeom prst="rect">
+            <a:avLst/>
+          </a:prstGeom>
+          <a:solidFill>
+            <a:srgbClr val="33C1C4"/>
+          </a:solidFill>
+          <a:ln>
+            <a:noFill/>
+          </a:ln>
+        </p:spPr>
+        <p:style>
+          <a:lnRef idx="2">
+            <a:schemeClr val="accent1">
+              <a:shade val="50000"/>
+            </a:schemeClr>
+          </a:lnRef>
+          <a:fillRef idx="1">
+            <a:schemeClr val="accent1"/>
+          </a:fillRef>
+          <a:effectRef idx="0">
+            <a:schemeClr val="accent1"/>
+          </a:effectRef>
+          <a:fontRef idx="minor">
+            <a:schemeClr val="lt1"/>
+          </a:fontRef>
+        </p:style>
+        <p:txBody>
+          <a:bodyPr rtlCol="0" anchor="ctr"/>
+          <a:lstStyle/>
+          <a:p>
+            <a:pPr algn="ctr"/>
+            <a:endParaRPr lang="en-US" dirty="0"/>
+          </a:p>
+        </p:txBody>
+      </p:sp>
+      <p:sp>
+        <p:nvSpPr>
+          <p:cNvPr id="6" name="TextBox 5">
+            <a:extLst>
+              <a:ext uri="{FF2B5EF4-FFF2-40B4-BE49-F238E27FC236}">
+                <a16:creationId xmlns:a16="http://schemas.microsoft.com/office/drawing/2014/main" id="{F3B698E3-E453-584B-9F74-DFAE5E71CEBE}"/>
+              </a:ext>
+            </a:extLst>
+          </p:cNvPr>
+          <p:cNvSpPr txBox="1"/>
+          <p:nvPr/>
+        </p:nvSpPr>
+        <p:spPr>
+          <a:xfrm>
+            <a:off x="4443413" y="1265512"/>
+            <a:ext cx="5184681" cy="523220"/>
+          </a:xfrm>
+          <a:prstGeom prst="rect">
+            <a:avLst/>
+          </a:prstGeom>
+          <a:noFill/>
+        </p:spPr>
+        <p:txBody>
+          <a:bodyPr wrap="square" rtlCol="0">
+            <a:spAutoFit/>
+          </a:bodyPr>
+          <a:lstStyle/>
+          <a:p>
+            <a:pPr algn="ctr"/>
+            <a:r>
+              <a:rPr lang="en-US" sz="2800" b="1" dirty="0">
+                <a:solidFill>
+                  <a:schemeClr val="bg1">
+                    <a:lumMod val="95000"/>
+                  </a:schemeClr>
+                </a:solidFill>
+              </a:rPr>
+              <a:t>Edit or Delete Transactions</a:t>
+            </a:r>
+          </a:p>
+        </p:txBody>
+      </p:sp>
+      <p:grpSp>
+        <p:nvGrpSpPr>
+          <p:cNvPr id="3" name="Group 2">
+            <a:extLst>
+              <a:ext uri="{FF2B5EF4-FFF2-40B4-BE49-F238E27FC236}">
+                <a16:creationId xmlns:a16="http://schemas.microsoft.com/office/drawing/2014/main" id="{0E0424D7-D2CB-AB42-971F-160D980057C0}"/>
+              </a:ext>
+            </a:extLst>
+          </p:cNvPr>
+          <p:cNvGrpSpPr/>
+          <p:nvPr/>
+        </p:nvGrpSpPr>
+        <p:grpSpPr>
+          <a:xfrm>
+            <a:off x="-728668" y="829604"/>
+            <a:ext cx="3629025" cy="1361281"/>
+            <a:chOff x="4443413" y="829604"/>
+            <a:chExt cx="3629025" cy="1361281"/>
+          </a:xfrm>
+        </p:grpSpPr>
+        <p:sp>
+          <p:nvSpPr>
+            <p:cNvPr id="27" name="TextBox 26">
+              <a:extLst>
+                <a:ext uri="{FF2B5EF4-FFF2-40B4-BE49-F238E27FC236}">
+                  <a16:creationId xmlns:a16="http://schemas.microsoft.com/office/drawing/2014/main" id="{83802B3C-7598-A84A-AB85-81F83B037CA9}"/>
+                </a:ext>
+              </a:extLst>
+            </p:cNvPr>
+            <p:cNvSpPr txBox="1"/>
+            <p:nvPr/>
+          </p:nvSpPr>
+          <p:spPr>
+            <a:xfrm>
+              <a:off x="4443413" y="1265512"/>
+              <a:ext cx="3629025" cy="523220"/>
+            </a:xfrm>
+            <a:prstGeom prst="rect">
+              <a:avLst/>
+            </a:prstGeom>
+            <a:noFill/>
+          </p:spPr>
+          <p:txBody>
+            <a:bodyPr wrap="square" rtlCol="0">
+              <a:spAutoFit/>
+            </a:bodyPr>
+            <a:lstStyle/>
+            <a:p>
+              <a:pPr algn="ctr"/>
+              <a:r>
+                <a:rPr lang="en-US" sz="2800" b="1" dirty="0" err="1">
+                  <a:solidFill>
+                    <a:schemeClr val="bg1">
+                      <a:lumMod val="95000"/>
+                    </a:schemeClr>
+                  </a:solidFill>
+                </a:rPr>
+                <a:t>Budgee</a:t>
+              </a:r>
+              <a:endParaRPr lang="en-US" sz="2800" b="1" dirty="0">
+                <a:solidFill>
+                  <a:schemeClr val="bg1">
+                    <a:lumMod val="95000"/>
+                  </a:schemeClr>
+                </a:solidFill>
+              </a:endParaRPr>
+            </a:p>
+          </p:txBody>
+        </p:sp>
+        <p:pic>
+          <p:nvPicPr>
+            <p:cNvPr id="28" name="Picture 27">
+              <a:extLst>
+                <a:ext uri="{FF2B5EF4-FFF2-40B4-BE49-F238E27FC236}">
+                  <a16:creationId xmlns:a16="http://schemas.microsoft.com/office/drawing/2014/main" id="{BC1BBF9C-9935-954A-96F1-FA18B0879C71}"/>
+                </a:ext>
+              </a:extLst>
+            </p:cNvPr>
+            <p:cNvPicPr>
+              <a:picLocks noChangeAspect="1"/>
+            </p:cNvPicPr>
+            <p:nvPr/>
+          </p:nvPicPr>
+          <p:blipFill>
+            <a:blip r:embed="rId2">
+              <a:extLst>
+                <a:ext uri="{BEBA8EAE-BF5A-486C-A8C5-ECC9F3942E4B}">
+                  <a14:imgProps xmlns:a14="http://schemas.microsoft.com/office/drawing/2010/main">
+                    <a14:imgLayer r:embed="rId3">
+                      <a14:imgEffect>
+                        <a14:backgroundRemoval t="10000" b="90000" l="10000" r="90000"/>
+                      </a14:imgEffect>
+                    </a14:imgLayer>
+                  </a14:imgProps>
+                </a:ext>
+              </a:extLst>
+            </a:blip>
+            <a:stretch>
+              <a:fillRect/>
+            </a:stretch>
+          </p:blipFill>
+          <p:spPr>
+            <a:xfrm>
+              <a:off x="6663121" y="829604"/>
+              <a:ext cx="1361281" cy="1361281"/>
+            </a:xfrm>
+            <a:prstGeom prst="rect">
+              <a:avLst/>
+            </a:prstGeom>
+          </p:spPr>
+        </p:pic>
+      </p:grpSp>
+      <p:grpSp>
+        <p:nvGrpSpPr>
+          <p:cNvPr id="30" name="Group 29">
+            <a:extLst>
+              <a:ext uri="{FF2B5EF4-FFF2-40B4-BE49-F238E27FC236}">
+                <a16:creationId xmlns:a16="http://schemas.microsoft.com/office/drawing/2014/main" id="{BF7637DA-49CE-7F42-B5C7-6995D15D8689}"/>
+              </a:ext>
+            </a:extLst>
+          </p:cNvPr>
+          <p:cNvGrpSpPr/>
+          <p:nvPr/>
+        </p:nvGrpSpPr>
+        <p:grpSpPr>
+          <a:xfrm>
+            <a:off x="-299038" y="784288"/>
+            <a:ext cx="10700330" cy="350609"/>
+            <a:chOff x="-299038" y="784288"/>
+            <a:chExt cx="10700330" cy="350609"/>
+          </a:xfrm>
+        </p:grpSpPr>
+        <p:sp>
+          <p:nvSpPr>
+            <p:cNvPr id="31" name="TextBox 30">
+              <a:extLst>
+                <a:ext uri="{FF2B5EF4-FFF2-40B4-BE49-F238E27FC236}">
+                  <a16:creationId xmlns:a16="http://schemas.microsoft.com/office/drawing/2014/main" id="{B29C761E-991C-B14A-AAFA-AD718273B549}"/>
+                </a:ext>
+              </a:extLst>
+            </p:cNvPr>
+            <p:cNvSpPr txBox="1"/>
+            <p:nvPr/>
+          </p:nvSpPr>
+          <p:spPr>
+            <a:xfrm>
+              <a:off x="1469553" y="784288"/>
+              <a:ext cx="1857375" cy="350609"/>
+            </a:xfrm>
+            <a:prstGeom prst="rect">
+              <a:avLst/>
+            </a:prstGeom>
+            <a:noFill/>
+          </p:spPr>
+          <p:txBody>
+            <a:bodyPr wrap="square" rtlCol="0">
+              <a:spAutoFit/>
+            </a:bodyPr>
+            <a:lstStyle/>
+            <a:p>
+              <a:pPr algn="ctr"/>
+              <a:r>
+                <a:rPr lang="en-US" sz="1600" b="1" dirty="0">
+                  <a:solidFill>
+                    <a:schemeClr val="tx1">
+                      <a:lumMod val="65000"/>
+                      <a:lumOff val="35000"/>
+                    </a:schemeClr>
+                  </a:solidFill>
+                </a:rPr>
+                <a:t>My Spending</a:t>
+              </a:r>
+            </a:p>
+          </p:txBody>
+        </p:sp>
+        <p:sp>
+          <p:nvSpPr>
+            <p:cNvPr id="32" name="TextBox 31">
+              <a:extLst>
+                <a:ext uri="{FF2B5EF4-FFF2-40B4-BE49-F238E27FC236}">
+                  <a16:creationId xmlns:a16="http://schemas.microsoft.com/office/drawing/2014/main" id="{737AD5C7-1BF9-034A-8036-6B2E1FA70E11}"/>
+                </a:ext>
+              </a:extLst>
+            </p:cNvPr>
+            <p:cNvSpPr txBox="1"/>
+            <p:nvPr/>
+          </p:nvSpPr>
+          <p:spPr>
+            <a:xfrm>
+              <a:off x="3238144" y="784288"/>
+              <a:ext cx="1857375" cy="350609"/>
+            </a:xfrm>
+            <a:prstGeom prst="rect">
+              <a:avLst/>
+            </a:prstGeom>
+            <a:noFill/>
+          </p:spPr>
+          <p:txBody>
+            <a:bodyPr wrap="square" rtlCol="0">
+              <a:spAutoFit/>
+            </a:bodyPr>
+            <a:lstStyle/>
+            <a:p>
+              <a:pPr algn="ctr"/>
+              <a:r>
+                <a:rPr lang="en-US" sz="1600" b="1" dirty="0">
+                  <a:solidFill>
+                    <a:schemeClr val="tx1">
+                      <a:lumMod val="65000"/>
+                      <a:lumOff val="35000"/>
+                    </a:schemeClr>
+                  </a:solidFill>
+                </a:rPr>
+                <a:t>My Merchants</a:t>
+              </a:r>
+            </a:p>
+          </p:txBody>
+        </p:sp>
+        <p:sp>
+          <p:nvSpPr>
+            <p:cNvPr id="33" name="TextBox 32">
+              <a:extLst>
+                <a:ext uri="{FF2B5EF4-FFF2-40B4-BE49-F238E27FC236}">
+                  <a16:creationId xmlns:a16="http://schemas.microsoft.com/office/drawing/2014/main" id="{E9C88A9F-60E2-584E-887F-E9A220171463}"/>
+                </a:ext>
+              </a:extLst>
+            </p:cNvPr>
+            <p:cNvSpPr txBox="1"/>
+            <p:nvPr/>
+          </p:nvSpPr>
+          <p:spPr>
+            <a:xfrm>
+              <a:off x="5006735" y="784288"/>
+              <a:ext cx="1857375" cy="350609"/>
+            </a:xfrm>
+            <a:prstGeom prst="rect">
+              <a:avLst/>
+            </a:prstGeom>
+            <a:noFill/>
+          </p:spPr>
+          <p:txBody>
+            <a:bodyPr wrap="square" rtlCol="0">
+              <a:spAutoFit/>
+            </a:bodyPr>
+            <a:lstStyle/>
+            <a:p>
+              <a:pPr algn="ctr"/>
+              <a:r>
+                <a:rPr lang="en-US" sz="1600" b="1" dirty="0">
+                  <a:solidFill>
+                    <a:schemeClr val="tx1">
+                      <a:lumMod val="65000"/>
+                      <a:lumOff val="35000"/>
+                    </a:schemeClr>
+                  </a:solidFill>
+                </a:rPr>
+                <a:t>My Buy Tags</a:t>
+              </a:r>
+            </a:p>
+          </p:txBody>
+        </p:sp>
+        <p:sp>
+          <p:nvSpPr>
+            <p:cNvPr id="34" name="TextBox 33">
+              <a:extLst>
+                <a:ext uri="{FF2B5EF4-FFF2-40B4-BE49-F238E27FC236}">
+                  <a16:creationId xmlns:a16="http://schemas.microsoft.com/office/drawing/2014/main" id="{128045C3-7BFD-A447-98F2-1C159834A0CA}"/>
+                </a:ext>
+              </a:extLst>
+            </p:cNvPr>
+            <p:cNvSpPr txBox="1"/>
+            <p:nvPr/>
+          </p:nvSpPr>
+          <p:spPr>
+            <a:xfrm>
+              <a:off x="6775326" y="784288"/>
+              <a:ext cx="1857375" cy="350609"/>
+            </a:xfrm>
+            <a:prstGeom prst="rect">
+              <a:avLst/>
+            </a:prstGeom>
+            <a:noFill/>
+          </p:spPr>
+          <p:txBody>
+            <a:bodyPr wrap="square" rtlCol="0">
+              <a:spAutoFit/>
+            </a:bodyPr>
+            <a:lstStyle/>
+            <a:p>
+              <a:pPr algn="ctr"/>
+              <a:r>
+                <a:rPr lang="en-US" sz="1600" b="1" dirty="0">
+                  <a:solidFill>
+                    <a:schemeClr val="tx1">
+                      <a:lumMod val="65000"/>
+                      <a:lumOff val="35000"/>
+                    </a:schemeClr>
+                  </a:solidFill>
+                </a:rPr>
+                <a:t>New Transaction</a:t>
+              </a:r>
+            </a:p>
+          </p:txBody>
+        </p:sp>
+        <p:sp>
+          <p:nvSpPr>
+            <p:cNvPr id="35" name="TextBox 34">
+              <a:extLst>
+                <a:ext uri="{FF2B5EF4-FFF2-40B4-BE49-F238E27FC236}">
+                  <a16:creationId xmlns:a16="http://schemas.microsoft.com/office/drawing/2014/main" id="{04319B16-B685-2B4C-9AB4-87E625508190}"/>
+                </a:ext>
+              </a:extLst>
+            </p:cNvPr>
+            <p:cNvSpPr txBox="1"/>
+            <p:nvPr/>
+          </p:nvSpPr>
+          <p:spPr>
+            <a:xfrm>
+              <a:off x="8543917" y="784288"/>
+              <a:ext cx="1857375" cy="350609"/>
+            </a:xfrm>
+            <a:prstGeom prst="rect">
+              <a:avLst/>
+            </a:prstGeom>
+            <a:noFill/>
+          </p:spPr>
+          <p:txBody>
+            <a:bodyPr wrap="square" rtlCol="0">
+              <a:spAutoFit/>
+            </a:bodyPr>
+            <a:lstStyle/>
+            <a:p>
+              <a:pPr algn="ctr"/>
+              <a:r>
+                <a:rPr lang="en-US" sz="1600" b="1" dirty="0">
+                  <a:solidFill>
+                    <a:schemeClr val="tx1">
+                      <a:lumMod val="65000"/>
+                      <a:lumOff val="35000"/>
+                    </a:schemeClr>
+                  </a:solidFill>
+                </a:rPr>
+                <a:t>Edit Transactions</a:t>
+              </a:r>
+            </a:p>
+          </p:txBody>
+        </p:sp>
+        <p:sp>
+          <p:nvSpPr>
+            <p:cNvPr id="36" name="TextBox 35">
+              <a:extLst>
+                <a:ext uri="{FF2B5EF4-FFF2-40B4-BE49-F238E27FC236}">
+                  <a16:creationId xmlns:a16="http://schemas.microsoft.com/office/drawing/2014/main" id="{0916F905-45BC-014F-8314-3894BC921972}"/>
+                </a:ext>
+              </a:extLst>
+            </p:cNvPr>
+            <p:cNvSpPr txBox="1"/>
+            <p:nvPr/>
+          </p:nvSpPr>
+          <p:spPr>
+            <a:xfrm>
+              <a:off x="-299038" y="784288"/>
+              <a:ext cx="1857375" cy="350609"/>
+            </a:xfrm>
+            <a:prstGeom prst="rect">
+              <a:avLst/>
+            </a:prstGeom>
+            <a:noFill/>
+          </p:spPr>
+          <p:txBody>
+            <a:bodyPr wrap="square" rtlCol="0">
+              <a:spAutoFit/>
+            </a:bodyPr>
+            <a:lstStyle/>
+            <a:p>
+              <a:pPr algn="ctr"/>
+              <a:r>
+                <a:rPr lang="en-US" sz="1600" b="1" dirty="0">
+                  <a:solidFill>
+                    <a:schemeClr val="tx1">
+                      <a:lumMod val="65000"/>
+                      <a:lumOff val="35000"/>
+                    </a:schemeClr>
+                  </a:solidFill>
+                </a:rPr>
+                <a:t>Home</a:t>
+              </a:r>
+            </a:p>
+          </p:txBody>
+        </p:sp>
+      </p:grpSp>
+      <p:graphicFrame>
+        <p:nvGraphicFramePr>
+          <p:cNvPr id="40" name="Table 39">
+            <a:extLst>
+              <a:ext uri="{FF2B5EF4-FFF2-40B4-BE49-F238E27FC236}">
+                <a16:creationId xmlns:a16="http://schemas.microsoft.com/office/drawing/2014/main" id="{349E6086-2A44-374E-BA29-307D35179B95}"/>
+              </a:ext>
+            </a:extLst>
+          </p:cNvPr>
+          <p:cNvGraphicFramePr>
+            <a:graphicFrameLocks noGrp="1"/>
+          </p:cNvGraphicFramePr>
+          <p:nvPr>
+            <p:extLst>
+              <p:ext uri="{D42A27DB-BD31-4B8C-83A1-F6EECF244321}">
+                <p14:modId xmlns:p14="http://schemas.microsoft.com/office/powerpoint/2010/main" val="1481577448"/>
+              </p:ext>
+            </p:extLst>
+          </p:nvPr>
+        </p:nvGraphicFramePr>
+        <p:xfrm>
+          <a:off x="328613" y="2418621"/>
+          <a:ext cx="11644309" cy="1285240"/>
+        </p:xfrm>
+        <a:graphic>
+          <a:graphicData uri="http://schemas.openxmlformats.org/drawingml/2006/table">
+            <a:tbl>
+              <a:tblPr firstRow="1" bandRow="1">
+                <a:tableStyleId>{F5AB1C69-6EDB-4FF4-983F-18BD219EF322}</a:tableStyleId>
+              </a:tblPr>
+              <a:tblGrid>
+                <a:gridCol w="1293812">
+                  <a:extLst>
+                    <a:ext uri="{9D8B030D-6E8A-4147-A177-3AD203B41FA5}">
+                      <a16:colId xmlns:a16="http://schemas.microsoft.com/office/drawing/2014/main" val="1166214965"/>
+                    </a:ext>
+                  </a:extLst>
+                </a:gridCol>
+                <a:gridCol w="1293812">
+                  <a:extLst>
+                    <a:ext uri="{9D8B030D-6E8A-4147-A177-3AD203B41FA5}">
+                      <a16:colId xmlns:a16="http://schemas.microsoft.com/office/drawing/2014/main" val="4047525705"/>
+                    </a:ext>
+                  </a:extLst>
+                </a:gridCol>
+                <a:gridCol w="1548772">
+                  <a:extLst>
+                    <a:ext uri="{9D8B030D-6E8A-4147-A177-3AD203B41FA5}">
+                      <a16:colId xmlns:a16="http://schemas.microsoft.com/office/drawing/2014/main" val="3416464004"/>
+                    </a:ext>
+                  </a:extLst>
+                </a:gridCol>
+                <a:gridCol w="1178554">
+                  <a:extLst>
+                    <a:ext uri="{9D8B030D-6E8A-4147-A177-3AD203B41FA5}">
+                      <a16:colId xmlns:a16="http://schemas.microsoft.com/office/drawing/2014/main" val="2752659238"/>
+                    </a:ext>
+                  </a:extLst>
+                </a:gridCol>
+                <a:gridCol w="1154111">
+                  <a:extLst>
+                    <a:ext uri="{9D8B030D-6E8A-4147-A177-3AD203B41FA5}">
+                      <a16:colId xmlns:a16="http://schemas.microsoft.com/office/drawing/2014/main" val="4245905551"/>
+                    </a:ext>
+                  </a:extLst>
+                </a:gridCol>
+                <a:gridCol w="1293812">
+                  <a:extLst>
+                    <a:ext uri="{9D8B030D-6E8A-4147-A177-3AD203B41FA5}">
+                      <a16:colId xmlns:a16="http://schemas.microsoft.com/office/drawing/2014/main" val="114806412"/>
+                    </a:ext>
+                  </a:extLst>
+                </a:gridCol>
+                <a:gridCol w="1293812">
+                  <a:extLst>
+                    <a:ext uri="{9D8B030D-6E8A-4147-A177-3AD203B41FA5}">
+                      <a16:colId xmlns:a16="http://schemas.microsoft.com/office/drawing/2014/main" val="3391660218"/>
+                    </a:ext>
+                  </a:extLst>
+                </a:gridCol>
+                <a:gridCol w="1293812">
+                  <a:extLst>
+                    <a:ext uri="{9D8B030D-6E8A-4147-A177-3AD203B41FA5}">
+                      <a16:colId xmlns:a16="http://schemas.microsoft.com/office/drawing/2014/main" val="3542382005"/>
+                    </a:ext>
+                  </a:extLst>
+                </a:gridCol>
+                <a:gridCol w="1293812">
+                  <a:extLst>
+                    <a:ext uri="{9D8B030D-6E8A-4147-A177-3AD203B41FA5}">
+                      <a16:colId xmlns:a16="http://schemas.microsoft.com/office/drawing/2014/main" val="3830873362"/>
+                    </a:ext>
+                  </a:extLst>
+                </a:gridCol>
+              </a:tblGrid>
+              <a:tr h="370840">
+                <a:tc>
+                  <a:txBody>
+                    <a:bodyPr/>
+                    <a:lstStyle/>
+                    <a:p>
+                      <a:pPr algn="ctr"/>
+                      <a:r>
+                        <a:rPr lang="en-US" dirty="0"/>
+                        <a:t>Amount (£)</a:t>
+                      </a:r>
+                    </a:p>
+                  </a:txBody>
+                  <a:tcPr anchor="ctr">
+                    <a:solidFill>
+                      <a:srgbClr val="33C1C4"/>
+                    </a:solidFill>
+                  </a:tcPr>
+                </a:tc>
+                <a:tc>
+                  <a:txBody>
+                    <a:bodyPr/>
+                    <a:lstStyle/>
+                    <a:p>
+                      <a:pPr algn="ctr"/>
+                      <a:r>
+                        <a:rPr lang="en-US" dirty="0"/>
+                        <a:t>Merchant</a:t>
+                      </a:r>
+                    </a:p>
+                  </a:txBody>
+                  <a:tcPr anchor="ctr">
+                    <a:solidFill>
+                      <a:srgbClr val="33C1C4"/>
+                    </a:solidFill>
+                  </a:tcPr>
+                </a:tc>
+                <a:tc>
+                  <a:txBody>
+                    <a:bodyPr/>
+                    <a:lstStyle/>
+                    <a:p>
+                      <a:pPr algn="ctr"/>
+                      <a:r>
+                        <a:rPr lang="en-US" dirty="0"/>
+                        <a:t>Buy Tag</a:t>
+                      </a:r>
+                    </a:p>
+                  </a:txBody>
+                  <a:tcPr anchor="ctr">
+                    <a:solidFill>
+                      <a:srgbClr val="33C1C4"/>
+                    </a:solidFill>
+                  </a:tcPr>
+                </a:tc>
+                <a:tc>
+                  <a:txBody>
+                    <a:bodyPr/>
+                    <a:lstStyle/>
+                    <a:p>
+                      <a:pPr algn="ctr"/>
+                      <a:r>
+                        <a:rPr lang="en-US" dirty="0"/>
+                        <a:t>Essential?</a:t>
+                      </a:r>
+                    </a:p>
+                  </a:txBody>
+                  <a:tcPr anchor="ctr">
+                    <a:solidFill>
+                      <a:srgbClr val="33C1C4"/>
+                    </a:solidFill>
+                  </a:tcPr>
+                </a:tc>
+                <a:tc>
+                  <a:txBody>
+                    <a:bodyPr/>
+                    <a:lstStyle/>
+                    <a:p>
+                      <a:pPr algn="ctr"/>
+                      <a:r>
+                        <a:rPr lang="en-US" dirty="0"/>
+                        <a:t>Time</a:t>
+                      </a:r>
+                    </a:p>
+                  </a:txBody>
+                  <a:tcPr anchor="ctr">
+                    <a:solidFill>
+                      <a:srgbClr val="33C1C4"/>
+                    </a:solidFill>
+                  </a:tcPr>
+                </a:tc>
+                <a:tc>
+                  <a:txBody>
+                    <a:bodyPr/>
+                    <a:lstStyle/>
+                    <a:p>
+                      <a:pPr algn="ctr"/>
+                      <a:r>
+                        <a:rPr lang="en-US" dirty="0"/>
+                        <a:t>Day</a:t>
+                      </a:r>
+                    </a:p>
+                  </a:txBody>
+                  <a:tcPr anchor="ctr">
+                    <a:solidFill>
+                      <a:srgbClr val="33C1C4"/>
+                    </a:solidFill>
+                  </a:tcPr>
+                </a:tc>
+                <a:tc>
+                  <a:txBody>
+                    <a:bodyPr/>
+                    <a:lstStyle/>
+                    <a:p>
+                      <a:pPr algn="ctr"/>
+                      <a:r>
+                        <a:rPr lang="en-US" dirty="0"/>
+                        <a:t>Month</a:t>
+                      </a:r>
+                    </a:p>
+                  </a:txBody>
+                  <a:tcPr anchor="ctr">
+                    <a:solidFill>
+                      <a:srgbClr val="33C1C4"/>
+                    </a:solidFill>
+                  </a:tcPr>
+                </a:tc>
+                <a:tc>
+                  <a:txBody>
+                    <a:bodyPr/>
+                    <a:lstStyle/>
+                    <a:p>
+                      <a:pPr algn="ctr"/>
+                      <a:r>
+                        <a:rPr lang="en-US" dirty="0"/>
+                        <a:t>Total Spend (£)</a:t>
+                      </a:r>
+                    </a:p>
+                  </a:txBody>
+                  <a:tcPr anchor="ctr">
+                    <a:solidFill>
+                      <a:srgbClr val="33C1C4"/>
+                    </a:solidFill>
+                  </a:tcPr>
+                </a:tc>
+                <a:tc>
+                  <a:txBody>
+                    <a:bodyPr/>
+                    <a:lstStyle/>
+                    <a:p>
+                      <a:pPr algn="ctr"/>
+                      <a:r>
+                        <a:rPr lang="en-US" dirty="0"/>
+                        <a:t>Budget Remaining (£)</a:t>
+                      </a:r>
+                    </a:p>
+                  </a:txBody>
+                  <a:tcPr anchor="ctr">
+                    <a:solidFill>
+                      <a:srgbClr val="33C1C4"/>
+                    </a:solidFill>
+                  </a:tcPr>
+                </a:tc>
+                <a:extLst>
+                  <a:ext uri="{0D108BD9-81ED-4DB2-BD59-A6C34878D82A}">
+                    <a16:rowId xmlns:a16="http://schemas.microsoft.com/office/drawing/2014/main" val="3482338081"/>
+                  </a:ext>
+                </a:extLst>
+              </a:tr>
+              <a:tr h="370840">
+                <a:tc>
+                  <a:txBody>
+                    <a:bodyPr/>
+                    <a:lstStyle/>
+                    <a:p>
+                      <a:r>
+                        <a:rPr lang="en-US" dirty="0"/>
+                        <a:t>100.00</a:t>
+                      </a:r>
+                    </a:p>
+                  </a:txBody>
+                  <a:tcPr/>
+                </a:tc>
+                <a:tc>
+                  <a:txBody>
+                    <a:bodyPr/>
+                    <a:lstStyle/>
+                    <a:p>
+                      <a:r>
+                        <a:rPr lang="en-US" dirty="0"/>
+                        <a:t>Schuh</a:t>
+                      </a:r>
+                    </a:p>
+                  </a:txBody>
+                  <a:tcPr/>
+                </a:tc>
+                <a:tc>
+                  <a:txBody>
+                    <a:bodyPr/>
+                    <a:lstStyle/>
+                    <a:p>
+                      <a:r>
+                        <a:rPr lang="en-US" dirty="0"/>
+                        <a:t>Clothes</a:t>
+                      </a:r>
+                    </a:p>
+                  </a:txBody>
+                  <a:tcPr/>
+                </a:tc>
+                <a:tc>
+                  <a:txBody>
+                    <a:bodyPr/>
+                    <a:lstStyle/>
+                    <a:p>
+                      <a:r>
+                        <a:rPr lang="en-US" dirty="0"/>
+                        <a:t>N</a:t>
+                      </a:r>
+                    </a:p>
+                  </a:txBody>
+                  <a:tcPr/>
+                </a:tc>
+                <a:tc>
+                  <a:txBody>
+                    <a:bodyPr/>
+                    <a:lstStyle/>
+                    <a:p>
+                      <a:r>
+                        <a:rPr lang="en-US" dirty="0"/>
+                        <a:t>15:20</a:t>
+                      </a:r>
+                    </a:p>
+                  </a:txBody>
+                  <a:tcPr/>
+                </a:tc>
+                <a:tc>
+                  <a:txBody>
+                    <a:bodyPr/>
+                    <a:lstStyle/>
+                    <a:p>
+                      <a:r>
+                        <a:rPr lang="en-US" dirty="0"/>
+                        <a:t>2nd</a:t>
+                      </a:r>
+                    </a:p>
+                  </a:txBody>
+                  <a:tcPr/>
+                </a:tc>
+                <a:tc>
+                  <a:txBody>
+                    <a:bodyPr/>
+                    <a:lstStyle/>
+                    <a:p>
+                      <a:r>
+                        <a:rPr lang="en-US" dirty="0"/>
+                        <a:t>March</a:t>
+                      </a:r>
+                    </a:p>
+                  </a:txBody>
+                  <a:tcPr/>
+                </a:tc>
+                <a:tc>
+                  <a:txBody>
+                    <a:bodyPr/>
+                    <a:lstStyle/>
+                    <a:p>
+                      <a:r>
+                        <a:rPr lang="en-US" dirty="0"/>
+                        <a:t>165.00</a:t>
+                      </a:r>
+                    </a:p>
+                  </a:txBody>
+                  <a:tcPr/>
+                </a:tc>
+                <a:tc>
+                  <a:txBody>
+                    <a:bodyPr/>
+                    <a:lstStyle/>
+                    <a:p>
+                      <a:r>
+                        <a:rPr lang="en-US" dirty="0"/>
+                        <a:t>335.00</a:t>
+                      </a:r>
+                    </a:p>
+                  </a:txBody>
+                  <a:tcPr/>
+                </a:tc>
+                <a:extLst>
+                  <a:ext uri="{0D108BD9-81ED-4DB2-BD59-A6C34878D82A}">
+                    <a16:rowId xmlns:a16="http://schemas.microsoft.com/office/drawing/2014/main" val="3068576492"/>
+                  </a:ext>
+                </a:extLst>
+              </a:tr>
+            </a:tbl>
+          </a:graphicData>
+        </a:graphic>
+      </p:graphicFrame>
+      <p:grpSp>
+        <p:nvGrpSpPr>
+          <p:cNvPr id="37" name="Group 36">
+            <a:extLst>
+              <a:ext uri="{FF2B5EF4-FFF2-40B4-BE49-F238E27FC236}">
+                <a16:creationId xmlns:a16="http://schemas.microsoft.com/office/drawing/2014/main" id="{D8698F78-812F-154C-8248-323F6DA439FC}"/>
+              </a:ext>
+            </a:extLst>
+          </p:cNvPr>
+          <p:cNvGrpSpPr/>
+          <p:nvPr/>
+        </p:nvGrpSpPr>
+        <p:grpSpPr>
+          <a:xfrm>
+            <a:off x="436087" y="9278524"/>
+            <a:ext cx="1857375" cy="585123"/>
+            <a:chOff x="616738" y="5907886"/>
+            <a:chExt cx="1857375" cy="585123"/>
+          </a:xfrm>
+        </p:grpSpPr>
+        <p:sp>
+          <p:nvSpPr>
+            <p:cNvPr id="38" name="Rounded Rectangle 37">
+              <a:extLst>
+                <a:ext uri="{FF2B5EF4-FFF2-40B4-BE49-F238E27FC236}">
+                  <a16:creationId xmlns:a16="http://schemas.microsoft.com/office/drawing/2014/main" id="{E5822477-E89C-3540-A618-F0C38CD0B066}"/>
+                </a:ext>
+              </a:extLst>
+            </p:cNvPr>
+            <p:cNvSpPr/>
+            <p:nvPr/>
+          </p:nvSpPr>
+          <p:spPr>
+            <a:xfrm>
+              <a:off x="842957" y="5907886"/>
+              <a:ext cx="1404937" cy="535782"/>
+            </a:xfrm>
+            <a:prstGeom prst="roundRect">
+              <a:avLst/>
+            </a:prstGeom>
+            <a:solidFill>
+              <a:srgbClr val="33C1C4"/>
+            </a:solidFill>
+            <a:ln>
+              <a:noFill/>
+            </a:ln>
+          </p:spPr>
+          <p:style>
+            <a:lnRef idx="2">
+              <a:schemeClr val="accent1">
+                <a:shade val="50000"/>
+              </a:schemeClr>
+            </a:lnRef>
+            <a:fillRef idx="1">
+              <a:schemeClr val="accent1"/>
+            </a:fillRef>
+            <a:effectRef idx="0">
+              <a:schemeClr val="accent1"/>
+            </a:effectRef>
+            <a:fontRef idx="minor">
+              <a:schemeClr val="lt1"/>
+            </a:fontRef>
+          </p:style>
+          <p:txBody>
+            <a:bodyPr rtlCol="0" anchor="ctr"/>
+            <a:lstStyle/>
+            <a:p>
+              <a:pPr algn="ctr"/>
+              <a:endParaRPr lang="en-US" dirty="0"/>
+            </a:p>
+          </p:txBody>
+        </p:sp>
+        <p:sp>
+          <p:nvSpPr>
+            <p:cNvPr id="39" name="TextBox 38">
+              <a:extLst>
+                <a:ext uri="{FF2B5EF4-FFF2-40B4-BE49-F238E27FC236}">
+                  <a16:creationId xmlns:a16="http://schemas.microsoft.com/office/drawing/2014/main" id="{02D624A6-57CF-2C48-B4F6-AEF095061E7C}"/>
+                </a:ext>
+              </a:extLst>
+            </p:cNvPr>
+            <p:cNvSpPr txBox="1"/>
+            <p:nvPr/>
+          </p:nvSpPr>
+          <p:spPr>
+            <a:xfrm>
+              <a:off x="616738" y="5908234"/>
+              <a:ext cx="1857375" cy="584775"/>
+            </a:xfrm>
+            <a:prstGeom prst="rect">
+              <a:avLst/>
+            </a:prstGeom>
+            <a:noFill/>
+          </p:spPr>
+          <p:txBody>
+            <a:bodyPr wrap="square" rtlCol="0">
+              <a:spAutoFit/>
+            </a:bodyPr>
+            <a:lstStyle/>
+            <a:p>
+              <a:pPr algn="ctr"/>
+              <a:r>
+                <a:rPr lang="en-US" sz="1600" b="1" dirty="0">
+                  <a:solidFill>
+                    <a:schemeClr val="bg1">
+                      <a:lumMod val="95000"/>
+                    </a:schemeClr>
+                  </a:solidFill>
+                </a:rPr>
+                <a:t>Edit This Transaction</a:t>
+              </a:r>
+            </a:p>
+          </p:txBody>
+        </p:sp>
+      </p:grpSp>
+      <p:sp>
+        <p:nvSpPr>
+          <p:cNvPr id="54" name="TextBox 53">
+            <a:extLst>
+              <a:ext uri="{FF2B5EF4-FFF2-40B4-BE49-F238E27FC236}">
+                <a16:creationId xmlns:a16="http://schemas.microsoft.com/office/drawing/2014/main" id="{AB1E7CC7-CBB4-1941-B334-83F6A7E7B1C7}"/>
+              </a:ext>
+            </a:extLst>
+          </p:cNvPr>
+          <p:cNvSpPr txBox="1"/>
+          <p:nvPr/>
+        </p:nvSpPr>
+        <p:spPr>
+          <a:xfrm>
+            <a:off x="-728668" y="4539870"/>
+            <a:ext cx="184731" cy="369332"/>
+          </a:xfrm>
+          <a:prstGeom prst="rect">
+            <a:avLst/>
+          </a:prstGeom>
+          <a:noFill/>
+        </p:spPr>
+        <p:txBody>
+          <a:bodyPr wrap="none" rtlCol="0">
+            <a:spAutoFit/>
+          </a:bodyPr>
+          <a:lstStyle/>
+          <a:p>
+            <a:endParaRPr lang="en-US" dirty="0"/>
+          </a:p>
+        </p:txBody>
+      </p:sp>
+      <p:grpSp>
+        <p:nvGrpSpPr>
+          <p:cNvPr id="14" name="Group 13">
+            <a:extLst>
+              <a:ext uri="{FF2B5EF4-FFF2-40B4-BE49-F238E27FC236}">
+                <a16:creationId xmlns:a16="http://schemas.microsoft.com/office/drawing/2014/main" id="{D2CEF7E9-E328-ED48-9CA7-29C41D65FF0E}"/>
+              </a:ext>
+            </a:extLst>
+          </p:cNvPr>
+          <p:cNvGrpSpPr/>
+          <p:nvPr/>
+        </p:nvGrpSpPr>
+        <p:grpSpPr>
+          <a:xfrm>
+            <a:off x="-190497" y="3986205"/>
+            <a:ext cx="3792197" cy="4771157"/>
+            <a:chOff x="-190497" y="3986205"/>
+            <a:chExt cx="3792197" cy="4771157"/>
+          </a:xfrm>
+        </p:grpSpPr>
+        <p:sp>
+          <p:nvSpPr>
+            <p:cNvPr id="17" name="TextBox 16">
+              <a:extLst>
+                <a:ext uri="{FF2B5EF4-FFF2-40B4-BE49-F238E27FC236}">
+                  <a16:creationId xmlns:a16="http://schemas.microsoft.com/office/drawing/2014/main" id="{3A4DF694-761E-D141-9151-BC421C8CB3B4}"/>
+                </a:ext>
+              </a:extLst>
+            </p:cNvPr>
+            <p:cNvSpPr txBox="1"/>
+            <p:nvPr/>
+          </p:nvSpPr>
+          <p:spPr>
+            <a:xfrm>
+              <a:off x="-182657" y="4034054"/>
+              <a:ext cx="1857375" cy="369332"/>
+            </a:xfrm>
+            <a:prstGeom prst="rect">
+              <a:avLst/>
+            </a:prstGeom>
+            <a:noFill/>
+          </p:spPr>
+          <p:txBody>
+            <a:bodyPr wrap="square" rtlCol="0">
+              <a:spAutoFit/>
+            </a:bodyPr>
+            <a:lstStyle/>
+            <a:p>
+              <a:pPr algn="ctr"/>
+              <a:r>
+                <a:rPr lang="en-US" b="1" dirty="0">
+                  <a:solidFill>
+                    <a:srgbClr val="33C1C4"/>
+                  </a:solidFill>
+                </a:rPr>
+                <a:t>Amount</a:t>
+              </a:r>
+            </a:p>
+          </p:txBody>
+        </p:sp>
+        <p:grpSp>
+          <p:nvGrpSpPr>
+            <p:cNvPr id="10" name="Group 9">
+              <a:extLst>
+                <a:ext uri="{FF2B5EF4-FFF2-40B4-BE49-F238E27FC236}">
+                  <a16:creationId xmlns:a16="http://schemas.microsoft.com/office/drawing/2014/main" id="{0ACDBF3B-A224-5944-A724-8FD5855862EA}"/>
+                </a:ext>
+              </a:extLst>
+            </p:cNvPr>
+            <p:cNvGrpSpPr/>
+            <p:nvPr/>
+          </p:nvGrpSpPr>
+          <p:grpSpPr>
+            <a:xfrm>
+              <a:off x="1169856" y="3986205"/>
+              <a:ext cx="1131446" cy="510779"/>
+              <a:chOff x="2350815" y="5657850"/>
+              <a:chExt cx="1131446" cy="510779"/>
+            </a:xfrm>
+          </p:grpSpPr>
+          <p:sp>
+            <p:nvSpPr>
+              <p:cNvPr id="42" name="Rectangle 41">
+                <a:extLst>
+                  <a:ext uri="{FF2B5EF4-FFF2-40B4-BE49-F238E27FC236}">
+                    <a16:creationId xmlns:a16="http://schemas.microsoft.com/office/drawing/2014/main" id="{7E89A15D-5480-1545-82FF-3E2176692D23}"/>
+                  </a:ext>
+                </a:extLst>
+              </p:cNvPr>
+              <p:cNvSpPr/>
+              <p:nvPr/>
+            </p:nvSpPr>
+            <p:spPr>
+              <a:xfrm>
+                <a:off x="2350815" y="5657850"/>
+                <a:ext cx="1131446" cy="510779"/>
+              </a:xfrm>
+              <a:prstGeom prst="rect">
+                <a:avLst/>
+              </a:prstGeom>
+              <a:solidFill>
+                <a:schemeClr val="bg1"/>
+              </a:solidFill>
+              <a:ln>
+                <a:solidFill>
+                  <a:schemeClr val="tx1">
+                    <a:lumMod val="50000"/>
+                    <a:lumOff val="50000"/>
+                  </a:schemeClr>
+                </a:solidFill>
+              </a:ln>
+            </p:spPr>
+            <p:style>
+              <a:lnRef idx="2">
+                <a:schemeClr val="accent1">
+                  <a:shade val="50000"/>
+                </a:schemeClr>
+              </a:lnRef>
+              <a:fillRef idx="1">
+                <a:schemeClr val="accent1"/>
+              </a:fillRef>
+              <a:effectRef idx="0">
+                <a:schemeClr val="accent1"/>
+              </a:effectRef>
+              <a:fontRef idx="minor">
+                <a:schemeClr val="lt1"/>
+              </a:fontRef>
+            </p:style>
+            <p:txBody>
+              <a:bodyPr rtlCol="0" anchor="ctr"/>
+              <a:lstStyle/>
+              <a:p>
+                <a:pPr algn="ctr"/>
+                <a:endParaRPr lang="en-US"/>
+              </a:p>
+            </p:txBody>
+          </p:sp>
+          <p:sp>
+            <p:nvSpPr>
+              <p:cNvPr id="43" name="TextBox 42">
+                <a:extLst>
+                  <a:ext uri="{FF2B5EF4-FFF2-40B4-BE49-F238E27FC236}">
+                    <a16:creationId xmlns:a16="http://schemas.microsoft.com/office/drawing/2014/main" id="{5F52CA45-C004-584D-9552-B5FBB5ABF9D2}"/>
+                  </a:ext>
+                </a:extLst>
+              </p:cNvPr>
+              <p:cNvSpPr txBox="1"/>
+              <p:nvPr/>
+            </p:nvSpPr>
+            <p:spPr>
+              <a:xfrm>
+                <a:off x="2619215" y="5725434"/>
+                <a:ext cx="863046" cy="369332"/>
+              </a:xfrm>
+              <a:prstGeom prst="rect">
+                <a:avLst/>
+              </a:prstGeom>
+              <a:noFill/>
+            </p:spPr>
+            <p:txBody>
+              <a:bodyPr wrap="square" rtlCol="0">
+                <a:spAutoFit/>
+              </a:bodyPr>
+              <a:lstStyle/>
+              <a:p>
+                <a:r>
+                  <a:rPr lang="en-US" i="1" dirty="0"/>
+                  <a:t>text</a:t>
+                </a:r>
+              </a:p>
+            </p:txBody>
+          </p:sp>
+        </p:grpSp>
+        <p:sp>
+          <p:nvSpPr>
+            <p:cNvPr id="51" name="TextBox 50">
+              <a:extLst>
+                <a:ext uri="{FF2B5EF4-FFF2-40B4-BE49-F238E27FC236}">
+                  <a16:creationId xmlns:a16="http://schemas.microsoft.com/office/drawing/2014/main" id="{10B6F1F5-95BF-F942-AC07-941B72C6B257}"/>
+                </a:ext>
+              </a:extLst>
+            </p:cNvPr>
+            <p:cNvSpPr txBox="1"/>
+            <p:nvPr/>
+          </p:nvSpPr>
+          <p:spPr>
+            <a:xfrm>
+              <a:off x="-182657" y="4751914"/>
+              <a:ext cx="1857375" cy="369332"/>
+            </a:xfrm>
+            <a:prstGeom prst="rect">
+              <a:avLst/>
+            </a:prstGeom>
+            <a:noFill/>
+          </p:spPr>
+          <p:txBody>
+            <a:bodyPr wrap="square" rtlCol="0">
+              <a:spAutoFit/>
+            </a:bodyPr>
+            <a:lstStyle/>
+            <a:p>
+              <a:pPr algn="ctr"/>
+              <a:r>
+                <a:rPr lang="en-US" b="1" dirty="0">
+                  <a:solidFill>
+                    <a:srgbClr val="33C1C4"/>
+                  </a:solidFill>
+                </a:rPr>
+                <a:t>Merchant</a:t>
+              </a:r>
+            </a:p>
+          </p:txBody>
+        </p:sp>
+        <p:sp>
+          <p:nvSpPr>
+            <p:cNvPr id="52" name="Rectangle 51">
+              <a:extLst>
+                <a:ext uri="{FF2B5EF4-FFF2-40B4-BE49-F238E27FC236}">
+                  <a16:creationId xmlns:a16="http://schemas.microsoft.com/office/drawing/2014/main" id="{BD944953-BF27-C74B-A012-311D56813CF3}"/>
+                </a:ext>
+              </a:extLst>
+            </p:cNvPr>
+            <p:cNvSpPr/>
+            <p:nvPr/>
+          </p:nvSpPr>
+          <p:spPr>
+            <a:xfrm>
+              <a:off x="1169856" y="4704065"/>
+              <a:ext cx="1131446" cy="510779"/>
+            </a:xfrm>
+            <a:prstGeom prst="rect">
+              <a:avLst/>
+            </a:prstGeom>
+            <a:solidFill>
+              <a:schemeClr val="bg1"/>
+            </a:solidFill>
+            <a:ln>
+              <a:solidFill>
+                <a:schemeClr val="tx1">
+                  <a:lumMod val="50000"/>
+                  <a:lumOff val="50000"/>
+                </a:schemeClr>
+              </a:solidFill>
+            </a:ln>
+          </p:spPr>
+          <p:style>
+            <a:lnRef idx="2">
+              <a:schemeClr val="accent1">
+                <a:shade val="50000"/>
+              </a:schemeClr>
+            </a:lnRef>
+            <a:fillRef idx="1">
+              <a:schemeClr val="accent1"/>
+            </a:fillRef>
+            <a:effectRef idx="0">
+              <a:schemeClr val="accent1"/>
+            </a:effectRef>
+            <a:fontRef idx="minor">
+              <a:schemeClr val="lt1"/>
+            </a:fontRef>
+          </p:style>
+          <p:txBody>
+            <a:bodyPr rtlCol="0" anchor="ctr"/>
+            <a:lstStyle/>
+            <a:p>
+              <a:pPr algn="ctr"/>
+              <a:endParaRPr lang="en-US"/>
+            </a:p>
+          </p:txBody>
+        </p:sp>
+        <p:sp>
+          <p:nvSpPr>
+            <p:cNvPr id="53" name="TextBox 52">
+              <a:extLst>
+                <a:ext uri="{FF2B5EF4-FFF2-40B4-BE49-F238E27FC236}">
+                  <a16:creationId xmlns:a16="http://schemas.microsoft.com/office/drawing/2014/main" id="{282F30DD-6F25-FC4B-8DBE-64D5C0212FAD}"/>
+                </a:ext>
+              </a:extLst>
+            </p:cNvPr>
+            <p:cNvSpPr txBox="1"/>
+            <p:nvPr/>
+          </p:nvSpPr>
+          <p:spPr>
+            <a:xfrm>
+              <a:off x="1169856" y="4771649"/>
+              <a:ext cx="1131446" cy="369332"/>
+            </a:xfrm>
+            <a:prstGeom prst="rect">
+              <a:avLst/>
+            </a:prstGeom>
+            <a:noFill/>
+          </p:spPr>
+          <p:txBody>
+            <a:bodyPr wrap="square" rtlCol="0">
+              <a:spAutoFit/>
+            </a:bodyPr>
+            <a:lstStyle/>
+            <a:p>
+              <a:r>
+                <a:rPr lang="en-US" i="1" dirty="0"/>
+                <a:t>dropdown</a:t>
+              </a:r>
+            </a:p>
+          </p:txBody>
+        </p:sp>
+        <p:sp>
+          <p:nvSpPr>
+            <p:cNvPr id="55" name="TextBox 54">
+              <a:extLst>
+                <a:ext uri="{FF2B5EF4-FFF2-40B4-BE49-F238E27FC236}">
+                  <a16:creationId xmlns:a16="http://schemas.microsoft.com/office/drawing/2014/main" id="{BFD4B78C-EA24-5B49-8D4F-D1784D8B36F0}"/>
+                </a:ext>
+              </a:extLst>
+            </p:cNvPr>
+            <p:cNvSpPr txBox="1"/>
+            <p:nvPr/>
+          </p:nvSpPr>
+          <p:spPr>
+            <a:xfrm>
+              <a:off x="-190497" y="5428683"/>
+              <a:ext cx="1857375" cy="369332"/>
+            </a:xfrm>
+            <a:prstGeom prst="rect">
+              <a:avLst/>
+            </a:prstGeom>
+            <a:noFill/>
+          </p:spPr>
+          <p:txBody>
+            <a:bodyPr wrap="square" rtlCol="0">
+              <a:spAutoFit/>
+            </a:bodyPr>
+            <a:lstStyle/>
+            <a:p>
+              <a:pPr algn="ctr"/>
+              <a:r>
+                <a:rPr lang="en-US" b="1" dirty="0">
+                  <a:solidFill>
+                    <a:srgbClr val="33C1C4"/>
+                  </a:solidFill>
+                </a:rPr>
+                <a:t>Buy Tag</a:t>
+              </a:r>
+            </a:p>
+          </p:txBody>
+        </p:sp>
+        <p:sp>
+          <p:nvSpPr>
+            <p:cNvPr id="56" name="Rectangle 55">
+              <a:extLst>
+                <a:ext uri="{FF2B5EF4-FFF2-40B4-BE49-F238E27FC236}">
+                  <a16:creationId xmlns:a16="http://schemas.microsoft.com/office/drawing/2014/main" id="{EB557F4F-9ACB-9544-BD1F-FD17C2C465B2}"/>
+                </a:ext>
+              </a:extLst>
+            </p:cNvPr>
+            <p:cNvSpPr/>
+            <p:nvPr/>
+          </p:nvSpPr>
+          <p:spPr>
+            <a:xfrm>
+              <a:off x="1162016" y="5380834"/>
+              <a:ext cx="1131446" cy="510779"/>
+            </a:xfrm>
+            <a:prstGeom prst="rect">
+              <a:avLst/>
+            </a:prstGeom>
+            <a:solidFill>
+              <a:schemeClr val="bg1"/>
+            </a:solidFill>
+            <a:ln>
+              <a:solidFill>
+                <a:schemeClr val="tx1">
+                  <a:lumMod val="50000"/>
+                  <a:lumOff val="50000"/>
+                </a:schemeClr>
+              </a:solidFill>
+            </a:ln>
+          </p:spPr>
+          <p:style>
+            <a:lnRef idx="2">
+              <a:schemeClr val="accent1">
+                <a:shade val="50000"/>
+              </a:schemeClr>
+            </a:lnRef>
+            <a:fillRef idx="1">
+              <a:schemeClr val="accent1"/>
+            </a:fillRef>
+            <a:effectRef idx="0">
+              <a:schemeClr val="accent1"/>
+            </a:effectRef>
+            <a:fontRef idx="minor">
+              <a:schemeClr val="lt1"/>
+            </a:fontRef>
+          </p:style>
+          <p:txBody>
+            <a:bodyPr rtlCol="0" anchor="ctr"/>
+            <a:lstStyle/>
+            <a:p>
+              <a:pPr algn="ctr"/>
+              <a:endParaRPr lang="en-US"/>
+            </a:p>
+          </p:txBody>
+        </p:sp>
+        <p:sp>
+          <p:nvSpPr>
+            <p:cNvPr id="57" name="TextBox 56">
+              <a:extLst>
+                <a:ext uri="{FF2B5EF4-FFF2-40B4-BE49-F238E27FC236}">
+                  <a16:creationId xmlns:a16="http://schemas.microsoft.com/office/drawing/2014/main" id="{3FDF649A-7EA8-AF41-A4CE-7D49E2D04554}"/>
+                </a:ext>
+              </a:extLst>
+            </p:cNvPr>
+            <p:cNvSpPr txBox="1"/>
+            <p:nvPr/>
+          </p:nvSpPr>
+          <p:spPr>
+            <a:xfrm>
+              <a:off x="1162016" y="5448418"/>
+              <a:ext cx="1131446" cy="369332"/>
+            </a:xfrm>
+            <a:prstGeom prst="rect">
+              <a:avLst/>
+            </a:prstGeom>
+            <a:noFill/>
+          </p:spPr>
+          <p:txBody>
+            <a:bodyPr wrap="square" rtlCol="0">
+              <a:spAutoFit/>
+            </a:bodyPr>
+            <a:lstStyle/>
+            <a:p>
+              <a:r>
+                <a:rPr lang="en-US" i="1" dirty="0"/>
+                <a:t>date</a:t>
+              </a:r>
+            </a:p>
+          </p:txBody>
+        </p:sp>
+        <p:sp>
+          <p:nvSpPr>
+            <p:cNvPr id="58" name="TextBox 57">
+              <a:extLst>
+                <a:ext uri="{FF2B5EF4-FFF2-40B4-BE49-F238E27FC236}">
+                  <a16:creationId xmlns:a16="http://schemas.microsoft.com/office/drawing/2014/main" id="{36B143E2-198E-454E-87CD-E58A582916F5}"/>
+                </a:ext>
+              </a:extLst>
+            </p:cNvPr>
+            <p:cNvSpPr txBox="1"/>
+            <p:nvPr/>
+          </p:nvSpPr>
+          <p:spPr>
+            <a:xfrm>
+              <a:off x="-190497" y="6054938"/>
+              <a:ext cx="1857375" cy="369332"/>
+            </a:xfrm>
+            <a:prstGeom prst="rect">
+              <a:avLst/>
+            </a:prstGeom>
+            <a:noFill/>
+          </p:spPr>
+          <p:txBody>
+            <a:bodyPr wrap="square" rtlCol="0">
+              <a:spAutoFit/>
+            </a:bodyPr>
+            <a:lstStyle/>
+            <a:p>
+              <a:pPr algn="ctr"/>
+              <a:r>
+                <a:rPr lang="en-US" b="1" dirty="0">
+                  <a:solidFill>
+                    <a:srgbClr val="33C1C4"/>
+                  </a:solidFill>
+                </a:rPr>
+                <a:t>Essential?</a:t>
+              </a:r>
+            </a:p>
+          </p:txBody>
+        </p:sp>
+        <p:sp>
+          <p:nvSpPr>
+            <p:cNvPr id="59" name="Rectangle 58">
+              <a:extLst>
+                <a:ext uri="{FF2B5EF4-FFF2-40B4-BE49-F238E27FC236}">
+                  <a16:creationId xmlns:a16="http://schemas.microsoft.com/office/drawing/2014/main" id="{91DA367E-2A81-B34A-ADB4-EF5DB67FE23A}"/>
+                </a:ext>
+              </a:extLst>
+            </p:cNvPr>
+            <p:cNvSpPr/>
+            <p:nvPr/>
+          </p:nvSpPr>
+          <p:spPr>
+            <a:xfrm>
+              <a:off x="1162016" y="6007089"/>
+              <a:ext cx="1599122" cy="510779"/>
+            </a:xfrm>
+            <a:prstGeom prst="rect">
+              <a:avLst/>
+            </a:prstGeom>
+            <a:solidFill>
+              <a:schemeClr val="bg1"/>
+            </a:solidFill>
+            <a:ln>
+              <a:solidFill>
+                <a:schemeClr val="tx1">
+                  <a:lumMod val="50000"/>
+                  <a:lumOff val="50000"/>
+                </a:schemeClr>
+              </a:solidFill>
+            </a:ln>
+          </p:spPr>
+          <p:style>
+            <a:lnRef idx="2">
+              <a:schemeClr val="accent1">
+                <a:shade val="50000"/>
+              </a:schemeClr>
+            </a:lnRef>
+            <a:fillRef idx="1">
+              <a:schemeClr val="accent1"/>
+            </a:fillRef>
+            <a:effectRef idx="0">
+              <a:schemeClr val="accent1"/>
+            </a:effectRef>
+            <a:fontRef idx="minor">
+              <a:schemeClr val="lt1"/>
+            </a:fontRef>
+          </p:style>
+          <p:txBody>
+            <a:bodyPr rtlCol="0" anchor="ctr"/>
+            <a:lstStyle/>
+            <a:p>
+              <a:pPr algn="ctr"/>
+              <a:endParaRPr lang="en-US"/>
+            </a:p>
+          </p:txBody>
+        </p:sp>
+        <p:sp>
+          <p:nvSpPr>
+            <p:cNvPr id="60" name="TextBox 59">
+              <a:extLst>
+                <a:ext uri="{FF2B5EF4-FFF2-40B4-BE49-F238E27FC236}">
+                  <a16:creationId xmlns:a16="http://schemas.microsoft.com/office/drawing/2014/main" id="{1E3814EA-4434-474A-AF11-FECB5E35A2FA}"/>
+                </a:ext>
+              </a:extLst>
+            </p:cNvPr>
+            <p:cNvSpPr txBox="1"/>
+            <p:nvPr/>
+          </p:nvSpPr>
+          <p:spPr>
+            <a:xfrm>
+              <a:off x="1162015" y="6074673"/>
+              <a:ext cx="1857375" cy="369332"/>
+            </a:xfrm>
+            <a:prstGeom prst="rect">
+              <a:avLst/>
+            </a:prstGeom>
+            <a:noFill/>
+          </p:spPr>
+          <p:txBody>
+            <a:bodyPr wrap="square" rtlCol="0">
+              <a:spAutoFit/>
+            </a:bodyPr>
+            <a:lstStyle/>
+            <a:p>
+              <a:r>
+                <a:rPr lang="en-US" i="1" dirty="0"/>
+                <a:t>Dropdown Y/N</a:t>
+              </a:r>
+            </a:p>
+          </p:txBody>
+        </p:sp>
+        <p:sp>
+          <p:nvSpPr>
+            <p:cNvPr id="44" name="TextBox 43">
+              <a:extLst>
+                <a:ext uri="{FF2B5EF4-FFF2-40B4-BE49-F238E27FC236}">
+                  <a16:creationId xmlns:a16="http://schemas.microsoft.com/office/drawing/2014/main" id="{21FA6BA9-9079-FA4A-B006-FCE6087525EE}"/>
+                </a:ext>
+              </a:extLst>
+            </p:cNvPr>
+            <p:cNvSpPr txBox="1"/>
+            <p:nvPr/>
+          </p:nvSpPr>
+          <p:spPr>
+            <a:xfrm>
+              <a:off x="-118622" y="6795131"/>
+              <a:ext cx="1857375" cy="369332"/>
+            </a:xfrm>
+            <a:prstGeom prst="rect">
+              <a:avLst/>
+            </a:prstGeom>
+            <a:noFill/>
+          </p:spPr>
+          <p:txBody>
+            <a:bodyPr wrap="square" rtlCol="0">
+              <a:spAutoFit/>
+            </a:bodyPr>
+            <a:lstStyle/>
+            <a:p>
+              <a:pPr algn="ctr"/>
+              <a:r>
+                <a:rPr lang="en-US" b="1" dirty="0">
+                  <a:solidFill>
+                    <a:srgbClr val="33C1C4"/>
+                  </a:solidFill>
+                </a:rPr>
+                <a:t>Date</a:t>
+              </a:r>
+            </a:p>
+          </p:txBody>
+        </p:sp>
+        <p:grpSp>
+          <p:nvGrpSpPr>
+            <p:cNvPr id="45" name="Group 44">
+              <a:extLst>
+                <a:ext uri="{FF2B5EF4-FFF2-40B4-BE49-F238E27FC236}">
+                  <a16:creationId xmlns:a16="http://schemas.microsoft.com/office/drawing/2014/main" id="{B3C00680-6E6E-1C45-AF24-AB7427659003}"/>
+                </a:ext>
+              </a:extLst>
+            </p:cNvPr>
+            <p:cNvGrpSpPr/>
+            <p:nvPr/>
+          </p:nvGrpSpPr>
+          <p:grpSpPr>
+            <a:xfrm>
+              <a:off x="1143979" y="6828928"/>
+              <a:ext cx="1131446" cy="510779"/>
+              <a:chOff x="2350815" y="5657850"/>
+              <a:chExt cx="1131446" cy="510779"/>
+            </a:xfrm>
+          </p:grpSpPr>
+          <p:sp>
+            <p:nvSpPr>
+              <p:cNvPr id="46" name="Rectangle 45">
+                <a:extLst>
+                  <a:ext uri="{FF2B5EF4-FFF2-40B4-BE49-F238E27FC236}">
+                    <a16:creationId xmlns:a16="http://schemas.microsoft.com/office/drawing/2014/main" id="{8DFDD27F-54C9-3742-85BE-9D9865525577}"/>
+                  </a:ext>
+                </a:extLst>
+              </p:cNvPr>
+              <p:cNvSpPr/>
+              <p:nvPr/>
+            </p:nvSpPr>
+            <p:spPr>
+              <a:xfrm>
+                <a:off x="2350815" y="5657850"/>
+                <a:ext cx="1131446" cy="510779"/>
+              </a:xfrm>
+              <a:prstGeom prst="rect">
+                <a:avLst/>
+              </a:prstGeom>
+              <a:solidFill>
+                <a:schemeClr val="bg1"/>
+              </a:solidFill>
+              <a:ln>
+                <a:solidFill>
+                  <a:schemeClr val="tx1">
+                    <a:lumMod val="50000"/>
+                    <a:lumOff val="50000"/>
+                  </a:schemeClr>
+                </a:solidFill>
+              </a:ln>
+            </p:spPr>
+            <p:style>
+              <a:lnRef idx="2">
+                <a:schemeClr val="accent1">
+                  <a:shade val="50000"/>
+                </a:schemeClr>
+              </a:lnRef>
+              <a:fillRef idx="1">
+                <a:schemeClr val="accent1"/>
+              </a:fillRef>
+              <a:effectRef idx="0">
+                <a:schemeClr val="accent1"/>
+              </a:effectRef>
+              <a:fontRef idx="minor">
+                <a:schemeClr val="lt1"/>
+              </a:fontRef>
+            </p:style>
+            <p:txBody>
+              <a:bodyPr rtlCol="0" anchor="ctr"/>
+              <a:lstStyle/>
+              <a:p>
+                <a:pPr algn="ctr"/>
+                <a:endParaRPr lang="en-US"/>
+              </a:p>
+            </p:txBody>
+          </p:sp>
+          <p:sp>
+            <p:nvSpPr>
+              <p:cNvPr id="47" name="TextBox 46">
+                <a:extLst>
+                  <a:ext uri="{FF2B5EF4-FFF2-40B4-BE49-F238E27FC236}">
+                    <a16:creationId xmlns:a16="http://schemas.microsoft.com/office/drawing/2014/main" id="{6ACB2C1F-5C27-3C48-86CC-6131E54B6A1C}"/>
+                  </a:ext>
+                </a:extLst>
+              </p:cNvPr>
+              <p:cNvSpPr txBox="1"/>
+              <p:nvPr/>
+            </p:nvSpPr>
+            <p:spPr>
+              <a:xfrm>
+                <a:off x="2350815" y="5725434"/>
+                <a:ext cx="1131446" cy="369332"/>
+              </a:xfrm>
+              <a:prstGeom prst="rect">
+                <a:avLst/>
+              </a:prstGeom>
+              <a:noFill/>
+            </p:spPr>
+            <p:txBody>
+              <a:bodyPr wrap="square" rtlCol="0">
+                <a:spAutoFit/>
+              </a:bodyPr>
+              <a:lstStyle/>
+              <a:p>
+                <a:r>
+                  <a:rPr lang="en-US" i="1" dirty="0"/>
+                  <a:t>dropdown</a:t>
+                </a:r>
+              </a:p>
+            </p:txBody>
+          </p:sp>
+        </p:grpSp>
+        <p:grpSp>
+          <p:nvGrpSpPr>
+            <p:cNvPr id="48" name="Group 47">
+              <a:extLst>
+                <a:ext uri="{FF2B5EF4-FFF2-40B4-BE49-F238E27FC236}">
+                  <a16:creationId xmlns:a16="http://schemas.microsoft.com/office/drawing/2014/main" id="{46641D4F-CEB8-8541-B5D2-989574F7965E}"/>
+                </a:ext>
+              </a:extLst>
+            </p:cNvPr>
+            <p:cNvGrpSpPr/>
+            <p:nvPr/>
+          </p:nvGrpSpPr>
+          <p:grpSpPr>
+            <a:xfrm>
+              <a:off x="1161909" y="7601594"/>
+              <a:ext cx="1131446" cy="510779"/>
+              <a:chOff x="2350815" y="5657850"/>
+              <a:chExt cx="1131446" cy="510779"/>
+            </a:xfrm>
+          </p:grpSpPr>
+          <p:sp>
+            <p:nvSpPr>
+              <p:cNvPr id="49" name="Rectangle 48">
+                <a:extLst>
+                  <a:ext uri="{FF2B5EF4-FFF2-40B4-BE49-F238E27FC236}">
+                    <a16:creationId xmlns:a16="http://schemas.microsoft.com/office/drawing/2014/main" id="{D8CB3B46-1BB5-9140-9FD0-FDB88833960F}"/>
+                  </a:ext>
+                </a:extLst>
+              </p:cNvPr>
+              <p:cNvSpPr/>
+              <p:nvPr/>
+            </p:nvSpPr>
+            <p:spPr>
+              <a:xfrm>
+                <a:off x="2350815" y="5657850"/>
+                <a:ext cx="1131446" cy="510779"/>
+              </a:xfrm>
+              <a:prstGeom prst="rect">
+                <a:avLst/>
+              </a:prstGeom>
+              <a:solidFill>
+                <a:schemeClr val="bg1"/>
+              </a:solidFill>
+              <a:ln>
+                <a:solidFill>
+                  <a:schemeClr val="tx1">
+                    <a:lumMod val="50000"/>
+                    <a:lumOff val="50000"/>
+                  </a:schemeClr>
+                </a:solidFill>
+              </a:ln>
+            </p:spPr>
+            <p:style>
+              <a:lnRef idx="2">
+                <a:schemeClr val="accent1">
+                  <a:shade val="50000"/>
+                </a:schemeClr>
+              </a:lnRef>
+              <a:fillRef idx="1">
+                <a:schemeClr val="accent1"/>
+              </a:fillRef>
+              <a:effectRef idx="0">
+                <a:schemeClr val="accent1"/>
+              </a:effectRef>
+              <a:fontRef idx="minor">
+                <a:schemeClr val="lt1"/>
+              </a:fontRef>
+            </p:style>
+            <p:txBody>
+              <a:bodyPr rtlCol="0" anchor="ctr"/>
+              <a:lstStyle/>
+              <a:p>
+                <a:pPr algn="ctr"/>
+                <a:endParaRPr lang="en-US"/>
+              </a:p>
+            </p:txBody>
+          </p:sp>
+          <p:sp>
+            <p:nvSpPr>
+              <p:cNvPr id="50" name="TextBox 49">
+                <a:extLst>
+                  <a:ext uri="{FF2B5EF4-FFF2-40B4-BE49-F238E27FC236}">
+                    <a16:creationId xmlns:a16="http://schemas.microsoft.com/office/drawing/2014/main" id="{4250F281-982F-1747-88CB-A75E29D23116}"/>
+                  </a:ext>
+                </a:extLst>
+              </p:cNvPr>
+              <p:cNvSpPr txBox="1"/>
+              <p:nvPr/>
+            </p:nvSpPr>
+            <p:spPr>
+              <a:xfrm>
+                <a:off x="2350815" y="5725434"/>
+                <a:ext cx="1131446" cy="369332"/>
+              </a:xfrm>
+              <a:prstGeom prst="rect">
+                <a:avLst/>
+              </a:prstGeom>
+              <a:noFill/>
+            </p:spPr>
+            <p:txBody>
+              <a:bodyPr wrap="square" rtlCol="0">
+                <a:spAutoFit/>
+              </a:bodyPr>
+              <a:lstStyle/>
+              <a:p>
+                <a:r>
+                  <a:rPr lang="en-US" i="1" dirty="0"/>
+                  <a:t>dropdown</a:t>
+                </a:r>
+              </a:p>
+            </p:txBody>
+          </p:sp>
+        </p:grpSp>
+        <p:grpSp>
+          <p:nvGrpSpPr>
+            <p:cNvPr id="61" name="Group 60">
+              <a:extLst>
+                <a:ext uri="{FF2B5EF4-FFF2-40B4-BE49-F238E27FC236}">
+                  <a16:creationId xmlns:a16="http://schemas.microsoft.com/office/drawing/2014/main" id="{14760031-BED5-AE44-BA92-D087B0185D29}"/>
+                </a:ext>
+              </a:extLst>
+            </p:cNvPr>
+            <p:cNvGrpSpPr/>
+            <p:nvPr/>
+          </p:nvGrpSpPr>
+          <p:grpSpPr>
+            <a:xfrm>
+              <a:off x="1129616" y="8246583"/>
+              <a:ext cx="1135598" cy="510779"/>
+              <a:chOff x="2346663" y="5657850"/>
+              <a:chExt cx="1135598" cy="510779"/>
+            </a:xfrm>
+          </p:grpSpPr>
+          <p:sp>
+            <p:nvSpPr>
+              <p:cNvPr id="62" name="Rectangle 61">
+                <a:extLst>
+                  <a:ext uri="{FF2B5EF4-FFF2-40B4-BE49-F238E27FC236}">
+                    <a16:creationId xmlns:a16="http://schemas.microsoft.com/office/drawing/2014/main" id="{D536233B-964F-B44E-997D-405979F77E02}"/>
+                  </a:ext>
+                </a:extLst>
+              </p:cNvPr>
+              <p:cNvSpPr/>
+              <p:nvPr/>
+            </p:nvSpPr>
+            <p:spPr>
+              <a:xfrm>
+                <a:off x="2350815" y="5657850"/>
+                <a:ext cx="1131446" cy="510779"/>
+              </a:xfrm>
+              <a:prstGeom prst="rect">
+                <a:avLst/>
+              </a:prstGeom>
+              <a:solidFill>
+                <a:schemeClr val="bg1"/>
+              </a:solidFill>
+              <a:ln>
+                <a:solidFill>
+                  <a:schemeClr val="tx1">
+                    <a:lumMod val="50000"/>
+                    <a:lumOff val="50000"/>
+                  </a:schemeClr>
+                </a:solidFill>
+              </a:ln>
+            </p:spPr>
+            <p:style>
+              <a:lnRef idx="2">
+                <a:schemeClr val="accent1">
+                  <a:shade val="50000"/>
+                </a:schemeClr>
+              </a:lnRef>
+              <a:fillRef idx="1">
+                <a:schemeClr val="accent1"/>
+              </a:fillRef>
+              <a:effectRef idx="0">
+                <a:schemeClr val="accent1"/>
+              </a:effectRef>
+              <a:fontRef idx="minor">
+                <a:schemeClr val="lt1"/>
+              </a:fontRef>
+            </p:style>
+            <p:txBody>
+              <a:bodyPr rtlCol="0" anchor="ctr"/>
+              <a:lstStyle/>
+              <a:p>
+                <a:pPr algn="ctr"/>
+                <a:endParaRPr lang="en-US"/>
+              </a:p>
+            </p:txBody>
+          </p:sp>
+          <p:sp>
+            <p:nvSpPr>
+              <p:cNvPr id="63" name="TextBox 62">
+                <a:extLst>
+                  <a:ext uri="{FF2B5EF4-FFF2-40B4-BE49-F238E27FC236}">
+                    <a16:creationId xmlns:a16="http://schemas.microsoft.com/office/drawing/2014/main" id="{A3962334-75B6-3F42-BE52-6F5F0F1306BB}"/>
+                  </a:ext>
+                </a:extLst>
+              </p:cNvPr>
+              <p:cNvSpPr txBox="1"/>
+              <p:nvPr/>
+            </p:nvSpPr>
+            <p:spPr>
+              <a:xfrm>
+                <a:off x="2346663" y="5725434"/>
+                <a:ext cx="1135598" cy="369332"/>
+              </a:xfrm>
+              <a:prstGeom prst="rect">
+                <a:avLst/>
+              </a:prstGeom>
+              <a:noFill/>
+            </p:spPr>
+            <p:txBody>
+              <a:bodyPr wrap="square" rtlCol="0">
+                <a:spAutoFit/>
+              </a:bodyPr>
+              <a:lstStyle/>
+              <a:p>
+                <a:r>
+                  <a:rPr lang="en-US" i="1" dirty="0"/>
+                  <a:t>dropdown</a:t>
+                </a:r>
+              </a:p>
+            </p:txBody>
+          </p:sp>
+        </p:grpSp>
+        <p:sp>
+          <p:nvSpPr>
+            <p:cNvPr id="64" name="TextBox 63">
+              <a:extLst>
+                <a:ext uri="{FF2B5EF4-FFF2-40B4-BE49-F238E27FC236}">
+                  <a16:creationId xmlns:a16="http://schemas.microsoft.com/office/drawing/2014/main" id="{63917BBE-9C35-794D-B04E-EFDB72D14513}"/>
+                </a:ext>
+              </a:extLst>
+            </p:cNvPr>
+            <p:cNvSpPr txBox="1"/>
+            <p:nvPr/>
+          </p:nvSpPr>
+          <p:spPr>
+            <a:xfrm>
+              <a:off x="1615573" y="6896512"/>
+              <a:ext cx="1857375" cy="369332"/>
+            </a:xfrm>
+            <a:prstGeom prst="rect">
+              <a:avLst/>
+            </a:prstGeom>
+            <a:noFill/>
+          </p:spPr>
+          <p:txBody>
+            <a:bodyPr wrap="square" rtlCol="0">
+              <a:spAutoFit/>
+            </a:bodyPr>
+            <a:lstStyle/>
+            <a:p>
+              <a:pPr algn="ctr"/>
+              <a:r>
+                <a:rPr lang="en-US" b="1" dirty="0">
+                  <a:solidFill>
+                    <a:srgbClr val="33C1C4"/>
+                  </a:solidFill>
+                </a:rPr>
+                <a:t>Time</a:t>
+              </a:r>
+            </a:p>
+          </p:txBody>
+        </p:sp>
+        <p:sp>
+          <p:nvSpPr>
+            <p:cNvPr id="65" name="TextBox 64">
+              <a:extLst>
+                <a:ext uri="{FF2B5EF4-FFF2-40B4-BE49-F238E27FC236}">
+                  <a16:creationId xmlns:a16="http://schemas.microsoft.com/office/drawing/2014/main" id="{41E4D952-ADFF-DC41-B195-9D54F893D4F2}"/>
+                </a:ext>
+              </a:extLst>
+            </p:cNvPr>
+            <p:cNvSpPr txBox="1"/>
+            <p:nvPr/>
+          </p:nvSpPr>
+          <p:spPr>
+            <a:xfrm>
+              <a:off x="1674969" y="7655870"/>
+              <a:ext cx="1857375" cy="369332"/>
+            </a:xfrm>
+            <a:prstGeom prst="rect">
+              <a:avLst/>
+            </a:prstGeom>
+            <a:noFill/>
+          </p:spPr>
+          <p:txBody>
+            <a:bodyPr wrap="square" rtlCol="0">
+              <a:spAutoFit/>
+            </a:bodyPr>
+            <a:lstStyle/>
+            <a:p>
+              <a:pPr algn="ctr"/>
+              <a:r>
+                <a:rPr lang="en-US" b="1" dirty="0">
+                  <a:solidFill>
+                    <a:srgbClr val="33C1C4"/>
+                  </a:solidFill>
+                </a:rPr>
+                <a:t>Day</a:t>
+              </a:r>
+            </a:p>
+          </p:txBody>
+        </p:sp>
+        <p:sp>
+          <p:nvSpPr>
+            <p:cNvPr id="66" name="TextBox 65">
+              <a:extLst>
+                <a:ext uri="{FF2B5EF4-FFF2-40B4-BE49-F238E27FC236}">
+                  <a16:creationId xmlns:a16="http://schemas.microsoft.com/office/drawing/2014/main" id="{FAA09DA9-5A45-D74F-B774-FF12062F38D4}"/>
+                </a:ext>
+              </a:extLst>
+            </p:cNvPr>
+            <p:cNvSpPr txBox="1"/>
+            <p:nvPr/>
+          </p:nvSpPr>
+          <p:spPr>
+            <a:xfrm>
+              <a:off x="1744325" y="8330614"/>
+              <a:ext cx="1857375" cy="369332"/>
+            </a:xfrm>
+            <a:prstGeom prst="rect">
+              <a:avLst/>
+            </a:prstGeom>
+            <a:noFill/>
+          </p:spPr>
+          <p:txBody>
+            <a:bodyPr wrap="square" rtlCol="0">
+              <a:spAutoFit/>
+            </a:bodyPr>
+            <a:lstStyle/>
+            <a:p>
+              <a:pPr algn="ctr"/>
+              <a:r>
+                <a:rPr lang="en-US" b="1" dirty="0">
+                  <a:solidFill>
+                    <a:srgbClr val="33C1C4"/>
+                  </a:solidFill>
+                </a:rPr>
+                <a:t>Month</a:t>
+              </a:r>
+            </a:p>
+          </p:txBody>
+        </p:sp>
+      </p:grpSp>
+      <p:grpSp>
+        <p:nvGrpSpPr>
+          <p:cNvPr id="13" name="Group 12">
+            <a:extLst>
+              <a:ext uri="{FF2B5EF4-FFF2-40B4-BE49-F238E27FC236}">
+                <a16:creationId xmlns:a16="http://schemas.microsoft.com/office/drawing/2014/main" id="{DE3D7A21-316E-E64A-9C51-F571A02EF7A5}"/>
+              </a:ext>
+            </a:extLst>
+          </p:cNvPr>
+          <p:cNvGrpSpPr/>
+          <p:nvPr/>
+        </p:nvGrpSpPr>
+        <p:grpSpPr>
+          <a:xfrm>
+            <a:off x="6314043" y="9254027"/>
+            <a:ext cx="1857375" cy="584775"/>
+            <a:chOff x="2852321" y="9290786"/>
+            <a:chExt cx="1857375" cy="584775"/>
+          </a:xfrm>
+        </p:grpSpPr>
+        <p:sp>
+          <p:nvSpPr>
+            <p:cNvPr id="129" name="Rounded Rectangle 128">
+              <a:extLst>
+                <a:ext uri="{FF2B5EF4-FFF2-40B4-BE49-F238E27FC236}">
+                  <a16:creationId xmlns:a16="http://schemas.microsoft.com/office/drawing/2014/main" id="{3D5A5343-0A8A-3240-A0C2-8DDA27E2B9A8}"/>
+                </a:ext>
+              </a:extLst>
+            </p:cNvPr>
+            <p:cNvSpPr/>
+            <p:nvPr/>
+          </p:nvSpPr>
+          <p:spPr>
+            <a:xfrm>
+              <a:off x="3078540" y="9295060"/>
+              <a:ext cx="1404937" cy="535782"/>
+            </a:xfrm>
+            <a:prstGeom prst="roundRect">
+              <a:avLst/>
+            </a:prstGeom>
+            <a:solidFill>
+              <a:srgbClr val="33C1C4"/>
+            </a:solidFill>
+            <a:ln>
+              <a:noFill/>
+            </a:ln>
+          </p:spPr>
+          <p:style>
+            <a:lnRef idx="2">
+              <a:schemeClr val="accent1">
+                <a:shade val="50000"/>
+              </a:schemeClr>
+            </a:lnRef>
+            <a:fillRef idx="1">
+              <a:schemeClr val="accent1"/>
+            </a:fillRef>
+            <a:effectRef idx="0">
+              <a:schemeClr val="accent1"/>
+            </a:effectRef>
+            <a:fontRef idx="minor">
+              <a:schemeClr val="lt1"/>
+            </a:fontRef>
+          </p:style>
+          <p:txBody>
+            <a:bodyPr rtlCol="0" anchor="ctr"/>
+            <a:lstStyle/>
+            <a:p>
+              <a:pPr algn="ctr"/>
+              <a:endParaRPr lang="en-US" dirty="0"/>
+            </a:p>
+          </p:txBody>
+        </p:sp>
+        <p:sp>
+          <p:nvSpPr>
+            <p:cNvPr id="130" name="TextBox 129">
+              <a:extLst>
+                <a:ext uri="{FF2B5EF4-FFF2-40B4-BE49-F238E27FC236}">
+                  <a16:creationId xmlns:a16="http://schemas.microsoft.com/office/drawing/2014/main" id="{8A93B61E-8A3F-E44E-B7EF-019ED6DC16D8}"/>
+                </a:ext>
+              </a:extLst>
+            </p:cNvPr>
+            <p:cNvSpPr txBox="1"/>
+            <p:nvPr/>
+          </p:nvSpPr>
+          <p:spPr>
+            <a:xfrm>
+              <a:off x="2852321" y="9290786"/>
+              <a:ext cx="1857375" cy="584775"/>
+            </a:xfrm>
+            <a:prstGeom prst="rect">
+              <a:avLst/>
+            </a:prstGeom>
+            <a:noFill/>
+          </p:spPr>
+          <p:txBody>
+            <a:bodyPr wrap="square" rtlCol="0">
+              <a:spAutoFit/>
+            </a:bodyPr>
+            <a:lstStyle/>
+            <a:p>
+              <a:pPr algn="ctr"/>
+              <a:r>
+                <a:rPr lang="en-US" sz="1600" b="1" dirty="0">
+                  <a:solidFill>
+                    <a:schemeClr val="bg1">
+                      <a:lumMod val="95000"/>
+                    </a:schemeClr>
+                  </a:solidFill>
+                </a:rPr>
+                <a:t>Delete  This</a:t>
+              </a:r>
+            </a:p>
+            <a:p>
+              <a:pPr algn="ctr"/>
+              <a:r>
+                <a:rPr lang="en-US" sz="1600" b="1" dirty="0">
+                  <a:solidFill>
+                    <a:schemeClr val="bg1">
+                      <a:lumMod val="95000"/>
+                    </a:schemeClr>
+                  </a:solidFill>
+                </a:rPr>
+                <a:t>Transaction</a:t>
+              </a:r>
+            </a:p>
+          </p:txBody>
+        </p:sp>
+      </p:grpSp>
+      <p:grpSp>
+        <p:nvGrpSpPr>
+          <p:cNvPr id="131" name="Group 130">
+            <a:extLst>
+              <a:ext uri="{FF2B5EF4-FFF2-40B4-BE49-F238E27FC236}">
+                <a16:creationId xmlns:a16="http://schemas.microsoft.com/office/drawing/2014/main" id="{AD7B1572-2AF1-C54B-ADE9-C0ED13161967}"/>
+              </a:ext>
+            </a:extLst>
+          </p:cNvPr>
+          <p:cNvGrpSpPr/>
+          <p:nvPr/>
+        </p:nvGrpSpPr>
+        <p:grpSpPr>
+          <a:xfrm>
+            <a:off x="5314464" y="3986205"/>
+            <a:ext cx="3792197" cy="4771157"/>
+            <a:chOff x="-190497" y="3986205"/>
+            <a:chExt cx="3792197" cy="4771157"/>
+          </a:xfrm>
+        </p:grpSpPr>
+        <p:sp>
+          <p:nvSpPr>
+            <p:cNvPr id="132" name="TextBox 131">
+              <a:extLst>
+                <a:ext uri="{FF2B5EF4-FFF2-40B4-BE49-F238E27FC236}">
+                  <a16:creationId xmlns:a16="http://schemas.microsoft.com/office/drawing/2014/main" id="{0576AEAA-1E34-D145-9909-BA787419214B}"/>
+                </a:ext>
+              </a:extLst>
+            </p:cNvPr>
+            <p:cNvSpPr txBox="1"/>
+            <p:nvPr/>
+          </p:nvSpPr>
+          <p:spPr>
+            <a:xfrm>
+              <a:off x="-182657" y="4034054"/>
+              <a:ext cx="1857375" cy="369332"/>
+            </a:xfrm>
+            <a:prstGeom prst="rect">
+              <a:avLst/>
+            </a:prstGeom>
+            <a:noFill/>
+          </p:spPr>
+          <p:txBody>
+            <a:bodyPr wrap="square" rtlCol="0">
+              <a:spAutoFit/>
+            </a:bodyPr>
+            <a:lstStyle/>
+            <a:p>
+              <a:pPr algn="ctr"/>
+              <a:r>
+                <a:rPr lang="en-US" b="1" dirty="0">
+                  <a:solidFill>
+                    <a:srgbClr val="33C1C4"/>
+                  </a:solidFill>
+                </a:rPr>
+                <a:t>Amount</a:t>
+              </a:r>
+            </a:p>
+          </p:txBody>
+        </p:sp>
+        <p:grpSp>
+          <p:nvGrpSpPr>
+            <p:cNvPr id="133" name="Group 132">
+              <a:extLst>
+                <a:ext uri="{FF2B5EF4-FFF2-40B4-BE49-F238E27FC236}">
+                  <a16:creationId xmlns:a16="http://schemas.microsoft.com/office/drawing/2014/main" id="{F72313B9-5298-264E-AB75-16D3C5892F0A}"/>
+                </a:ext>
+              </a:extLst>
+            </p:cNvPr>
+            <p:cNvGrpSpPr/>
+            <p:nvPr/>
+          </p:nvGrpSpPr>
+          <p:grpSpPr>
+            <a:xfrm>
+              <a:off x="1169856" y="3986205"/>
+              <a:ext cx="1131446" cy="510779"/>
+              <a:chOff x="2350815" y="5657850"/>
+              <a:chExt cx="1131446" cy="510779"/>
+            </a:xfrm>
+          </p:grpSpPr>
+          <p:sp>
+            <p:nvSpPr>
+              <p:cNvPr id="156" name="Rectangle 155">
+                <a:extLst>
+                  <a:ext uri="{FF2B5EF4-FFF2-40B4-BE49-F238E27FC236}">
+                    <a16:creationId xmlns:a16="http://schemas.microsoft.com/office/drawing/2014/main" id="{7BECC542-4BB3-4E4A-A2FD-BD4FB4C663A2}"/>
+                  </a:ext>
+                </a:extLst>
+              </p:cNvPr>
+              <p:cNvSpPr/>
+              <p:nvPr/>
+            </p:nvSpPr>
+            <p:spPr>
+              <a:xfrm>
+                <a:off x="2350815" y="5657850"/>
+                <a:ext cx="1131446" cy="510779"/>
+              </a:xfrm>
+              <a:prstGeom prst="rect">
+                <a:avLst/>
+              </a:prstGeom>
+              <a:solidFill>
+                <a:schemeClr val="bg1"/>
+              </a:solidFill>
+              <a:ln>
+                <a:solidFill>
+                  <a:schemeClr val="tx1">
+                    <a:lumMod val="50000"/>
+                    <a:lumOff val="50000"/>
+                  </a:schemeClr>
+                </a:solidFill>
+              </a:ln>
+            </p:spPr>
+            <p:style>
+              <a:lnRef idx="2">
+                <a:schemeClr val="accent1">
+                  <a:shade val="50000"/>
+                </a:schemeClr>
+              </a:lnRef>
+              <a:fillRef idx="1">
+                <a:schemeClr val="accent1"/>
+              </a:fillRef>
+              <a:effectRef idx="0">
+                <a:schemeClr val="accent1"/>
+              </a:effectRef>
+              <a:fontRef idx="minor">
+                <a:schemeClr val="lt1"/>
+              </a:fontRef>
+            </p:style>
+            <p:txBody>
+              <a:bodyPr rtlCol="0" anchor="ctr"/>
+              <a:lstStyle/>
+              <a:p>
+                <a:pPr algn="ctr"/>
+                <a:endParaRPr lang="en-US"/>
+              </a:p>
+            </p:txBody>
+          </p:sp>
+          <p:sp>
+            <p:nvSpPr>
+              <p:cNvPr id="157" name="TextBox 156">
+                <a:extLst>
+                  <a:ext uri="{FF2B5EF4-FFF2-40B4-BE49-F238E27FC236}">
+                    <a16:creationId xmlns:a16="http://schemas.microsoft.com/office/drawing/2014/main" id="{229D7C65-47B9-F441-BD0A-57F859A0885F}"/>
+                  </a:ext>
+                </a:extLst>
+              </p:cNvPr>
+              <p:cNvSpPr txBox="1"/>
+              <p:nvPr/>
+            </p:nvSpPr>
+            <p:spPr>
+              <a:xfrm>
+                <a:off x="2619215" y="5725434"/>
+                <a:ext cx="863046" cy="369332"/>
+              </a:xfrm>
+              <a:prstGeom prst="rect">
+                <a:avLst/>
+              </a:prstGeom>
+              <a:noFill/>
+            </p:spPr>
+            <p:txBody>
+              <a:bodyPr wrap="square" rtlCol="0">
+                <a:spAutoFit/>
+              </a:bodyPr>
+              <a:lstStyle/>
+              <a:p>
+                <a:r>
+                  <a:rPr lang="en-US" i="1" dirty="0"/>
+                  <a:t>text</a:t>
+                </a:r>
+              </a:p>
+            </p:txBody>
+          </p:sp>
+        </p:grpSp>
+        <p:sp>
+          <p:nvSpPr>
+            <p:cNvPr id="134" name="TextBox 133">
+              <a:extLst>
+                <a:ext uri="{FF2B5EF4-FFF2-40B4-BE49-F238E27FC236}">
+                  <a16:creationId xmlns:a16="http://schemas.microsoft.com/office/drawing/2014/main" id="{4ECEE028-D777-FB48-B1EB-04CDD70AF0BE}"/>
+                </a:ext>
+              </a:extLst>
+            </p:cNvPr>
+            <p:cNvSpPr txBox="1"/>
+            <p:nvPr/>
+          </p:nvSpPr>
+          <p:spPr>
+            <a:xfrm>
+              <a:off x="-182657" y="4751914"/>
+              <a:ext cx="1857375" cy="369332"/>
+            </a:xfrm>
+            <a:prstGeom prst="rect">
+              <a:avLst/>
+            </a:prstGeom>
+            <a:noFill/>
+          </p:spPr>
+          <p:txBody>
+            <a:bodyPr wrap="square" rtlCol="0">
+              <a:spAutoFit/>
+            </a:bodyPr>
+            <a:lstStyle/>
+            <a:p>
+              <a:pPr algn="ctr"/>
+              <a:r>
+                <a:rPr lang="en-US" b="1" dirty="0">
+                  <a:solidFill>
+                    <a:srgbClr val="33C1C4"/>
+                  </a:solidFill>
+                </a:rPr>
+                <a:t>Merchant</a:t>
+              </a:r>
+            </a:p>
+          </p:txBody>
+        </p:sp>
+        <p:sp>
+          <p:nvSpPr>
+            <p:cNvPr id="135" name="Rectangle 134">
+              <a:extLst>
+                <a:ext uri="{FF2B5EF4-FFF2-40B4-BE49-F238E27FC236}">
+                  <a16:creationId xmlns:a16="http://schemas.microsoft.com/office/drawing/2014/main" id="{F634CA4D-7EC8-4A40-8519-A5AC6E0D03A4}"/>
+                </a:ext>
+              </a:extLst>
+            </p:cNvPr>
+            <p:cNvSpPr/>
+            <p:nvPr/>
+          </p:nvSpPr>
+          <p:spPr>
+            <a:xfrm>
+              <a:off x="1169856" y="4704065"/>
+              <a:ext cx="1131446" cy="510779"/>
+            </a:xfrm>
+            <a:prstGeom prst="rect">
+              <a:avLst/>
+            </a:prstGeom>
+            <a:solidFill>
+              <a:schemeClr val="bg1"/>
+            </a:solidFill>
+            <a:ln>
+              <a:solidFill>
+                <a:schemeClr val="tx1">
+                  <a:lumMod val="50000"/>
+                  <a:lumOff val="50000"/>
+                </a:schemeClr>
+              </a:solidFill>
+            </a:ln>
+          </p:spPr>
+          <p:style>
+            <a:lnRef idx="2">
+              <a:schemeClr val="accent1">
+                <a:shade val="50000"/>
+              </a:schemeClr>
+            </a:lnRef>
+            <a:fillRef idx="1">
+              <a:schemeClr val="accent1"/>
+            </a:fillRef>
+            <a:effectRef idx="0">
+              <a:schemeClr val="accent1"/>
+            </a:effectRef>
+            <a:fontRef idx="minor">
+              <a:schemeClr val="lt1"/>
+            </a:fontRef>
+          </p:style>
+          <p:txBody>
+            <a:bodyPr rtlCol="0" anchor="ctr"/>
+            <a:lstStyle/>
+            <a:p>
+              <a:pPr algn="ctr"/>
+              <a:endParaRPr lang="en-US"/>
+            </a:p>
+          </p:txBody>
+        </p:sp>
+        <p:sp>
+          <p:nvSpPr>
+            <p:cNvPr id="136" name="TextBox 135">
+              <a:extLst>
+                <a:ext uri="{FF2B5EF4-FFF2-40B4-BE49-F238E27FC236}">
+                  <a16:creationId xmlns:a16="http://schemas.microsoft.com/office/drawing/2014/main" id="{8E43B17E-4A56-A040-B9B3-C04A1597F4F5}"/>
+                </a:ext>
+              </a:extLst>
+            </p:cNvPr>
+            <p:cNvSpPr txBox="1"/>
+            <p:nvPr/>
+          </p:nvSpPr>
+          <p:spPr>
+            <a:xfrm>
+              <a:off x="1169856" y="4771649"/>
+              <a:ext cx="1131446" cy="369332"/>
+            </a:xfrm>
+            <a:prstGeom prst="rect">
+              <a:avLst/>
+            </a:prstGeom>
+            <a:noFill/>
+          </p:spPr>
+          <p:txBody>
+            <a:bodyPr wrap="square" rtlCol="0">
+              <a:spAutoFit/>
+            </a:bodyPr>
+            <a:lstStyle/>
+            <a:p>
+              <a:r>
+                <a:rPr lang="en-US" i="1" dirty="0"/>
+                <a:t>dropdown</a:t>
+              </a:r>
+            </a:p>
+          </p:txBody>
+        </p:sp>
+        <p:sp>
+          <p:nvSpPr>
+            <p:cNvPr id="137" name="TextBox 136">
+              <a:extLst>
+                <a:ext uri="{FF2B5EF4-FFF2-40B4-BE49-F238E27FC236}">
+                  <a16:creationId xmlns:a16="http://schemas.microsoft.com/office/drawing/2014/main" id="{8D926C58-7192-E540-8988-C8423F1727E2}"/>
+                </a:ext>
+              </a:extLst>
+            </p:cNvPr>
+            <p:cNvSpPr txBox="1"/>
+            <p:nvPr/>
+          </p:nvSpPr>
+          <p:spPr>
+            <a:xfrm>
+              <a:off x="-190497" y="5428683"/>
+              <a:ext cx="1857375" cy="369332"/>
+            </a:xfrm>
+            <a:prstGeom prst="rect">
+              <a:avLst/>
+            </a:prstGeom>
+            <a:noFill/>
+          </p:spPr>
+          <p:txBody>
+            <a:bodyPr wrap="square" rtlCol="0">
+              <a:spAutoFit/>
+            </a:bodyPr>
+            <a:lstStyle/>
+            <a:p>
+              <a:pPr algn="ctr"/>
+              <a:r>
+                <a:rPr lang="en-US" b="1" dirty="0">
+                  <a:solidFill>
+                    <a:srgbClr val="33C1C4"/>
+                  </a:solidFill>
+                </a:rPr>
+                <a:t>Buy Tag</a:t>
+              </a:r>
+            </a:p>
+          </p:txBody>
+        </p:sp>
+        <p:sp>
+          <p:nvSpPr>
+            <p:cNvPr id="138" name="Rectangle 137">
+              <a:extLst>
+                <a:ext uri="{FF2B5EF4-FFF2-40B4-BE49-F238E27FC236}">
+                  <a16:creationId xmlns:a16="http://schemas.microsoft.com/office/drawing/2014/main" id="{9560CD1A-7E95-4A4E-B529-335867BBBD6E}"/>
+                </a:ext>
+              </a:extLst>
+            </p:cNvPr>
+            <p:cNvSpPr/>
+            <p:nvPr/>
+          </p:nvSpPr>
+          <p:spPr>
+            <a:xfrm>
+              <a:off x="1162016" y="5380834"/>
+              <a:ext cx="1131446" cy="510779"/>
+            </a:xfrm>
+            <a:prstGeom prst="rect">
+              <a:avLst/>
+            </a:prstGeom>
+            <a:solidFill>
+              <a:schemeClr val="bg1"/>
+            </a:solidFill>
+            <a:ln>
+              <a:solidFill>
+                <a:schemeClr val="tx1">
+                  <a:lumMod val="50000"/>
+                  <a:lumOff val="50000"/>
+                </a:schemeClr>
+              </a:solidFill>
+            </a:ln>
+          </p:spPr>
+          <p:style>
+            <a:lnRef idx="2">
+              <a:schemeClr val="accent1">
+                <a:shade val="50000"/>
+              </a:schemeClr>
+            </a:lnRef>
+            <a:fillRef idx="1">
+              <a:schemeClr val="accent1"/>
+            </a:fillRef>
+            <a:effectRef idx="0">
+              <a:schemeClr val="accent1"/>
+            </a:effectRef>
+            <a:fontRef idx="minor">
+              <a:schemeClr val="lt1"/>
+            </a:fontRef>
+          </p:style>
+          <p:txBody>
+            <a:bodyPr rtlCol="0" anchor="ctr"/>
+            <a:lstStyle/>
+            <a:p>
+              <a:pPr algn="ctr"/>
+              <a:endParaRPr lang="en-US"/>
+            </a:p>
+          </p:txBody>
+        </p:sp>
+        <p:sp>
+          <p:nvSpPr>
+            <p:cNvPr id="139" name="TextBox 138">
+              <a:extLst>
+                <a:ext uri="{FF2B5EF4-FFF2-40B4-BE49-F238E27FC236}">
+                  <a16:creationId xmlns:a16="http://schemas.microsoft.com/office/drawing/2014/main" id="{778FC6B1-4100-AB42-BBF9-7D6586E99D1E}"/>
+                </a:ext>
+              </a:extLst>
+            </p:cNvPr>
+            <p:cNvSpPr txBox="1"/>
+            <p:nvPr/>
+          </p:nvSpPr>
+          <p:spPr>
+            <a:xfrm>
+              <a:off x="1162016" y="5448418"/>
+              <a:ext cx="1131446" cy="369332"/>
+            </a:xfrm>
+            <a:prstGeom prst="rect">
+              <a:avLst/>
+            </a:prstGeom>
+            <a:noFill/>
+          </p:spPr>
+          <p:txBody>
+            <a:bodyPr wrap="square" rtlCol="0">
+              <a:spAutoFit/>
+            </a:bodyPr>
+            <a:lstStyle/>
+            <a:p>
+              <a:r>
+                <a:rPr lang="en-US" i="1" dirty="0"/>
+                <a:t>date</a:t>
+              </a:r>
+            </a:p>
+          </p:txBody>
+        </p:sp>
+        <p:sp>
+          <p:nvSpPr>
+            <p:cNvPr id="140" name="TextBox 139">
+              <a:extLst>
+                <a:ext uri="{FF2B5EF4-FFF2-40B4-BE49-F238E27FC236}">
+                  <a16:creationId xmlns:a16="http://schemas.microsoft.com/office/drawing/2014/main" id="{63F16727-61F2-9F47-99EA-1C69BCA2FC31}"/>
+                </a:ext>
+              </a:extLst>
+            </p:cNvPr>
+            <p:cNvSpPr txBox="1"/>
+            <p:nvPr/>
+          </p:nvSpPr>
+          <p:spPr>
+            <a:xfrm>
+              <a:off x="-190497" y="6054938"/>
+              <a:ext cx="1857375" cy="369332"/>
+            </a:xfrm>
+            <a:prstGeom prst="rect">
+              <a:avLst/>
+            </a:prstGeom>
+            <a:noFill/>
+          </p:spPr>
+          <p:txBody>
+            <a:bodyPr wrap="square" rtlCol="0">
+              <a:spAutoFit/>
+            </a:bodyPr>
+            <a:lstStyle/>
+            <a:p>
+              <a:pPr algn="ctr"/>
+              <a:r>
+                <a:rPr lang="en-US" b="1" dirty="0">
+                  <a:solidFill>
+                    <a:srgbClr val="33C1C4"/>
+                  </a:solidFill>
+                </a:rPr>
+                <a:t>Essential?</a:t>
+              </a:r>
+            </a:p>
+          </p:txBody>
+        </p:sp>
+        <p:sp>
+          <p:nvSpPr>
+            <p:cNvPr id="141" name="Rectangle 140">
+              <a:extLst>
+                <a:ext uri="{FF2B5EF4-FFF2-40B4-BE49-F238E27FC236}">
+                  <a16:creationId xmlns:a16="http://schemas.microsoft.com/office/drawing/2014/main" id="{EEF78578-9F06-3647-A573-AAA7ED6813BB}"/>
+                </a:ext>
+              </a:extLst>
+            </p:cNvPr>
+            <p:cNvSpPr/>
+            <p:nvPr/>
+          </p:nvSpPr>
+          <p:spPr>
+            <a:xfrm>
+              <a:off x="1162016" y="6007089"/>
+              <a:ext cx="1599122" cy="510779"/>
+            </a:xfrm>
+            <a:prstGeom prst="rect">
+              <a:avLst/>
+            </a:prstGeom>
+            <a:solidFill>
+              <a:schemeClr val="bg1"/>
+            </a:solidFill>
+            <a:ln>
+              <a:solidFill>
+                <a:schemeClr val="tx1">
+                  <a:lumMod val="50000"/>
+                  <a:lumOff val="50000"/>
+                </a:schemeClr>
+              </a:solidFill>
+            </a:ln>
+          </p:spPr>
+          <p:style>
+            <a:lnRef idx="2">
+              <a:schemeClr val="accent1">
+                <a:shade val="50000"/>
+              </a:schemeClr>
+            </a:lnRef>
+            <a:fillRef idx="1">
+              <a:schemeClr val="accent1"/>
+            </a:fillRef>
+            <a:effectRef idx="0">
+              <a:schemeClr val="accent1"/>
+            </a:effectRef>
+            <a:fontRef idx="minor">
+              <a:schemeClr val="lt1"/>
+            </a:fontRef>
+          </p:style>
+          <p:txBody>
+            <a:bodyPr rtlCol="0" anchor="ctr"/>
+            <a:lstStyle/>
+            <a:p>
+              <a:pPr algn="ctr"/>
+              <a:endParaRPr lang="en-US"/>
+            </a:p>
+          </p:txBody>
+        </p:sp>
+        <p:sp>
+          <p:nvSpPr>
+            <p:cNvPr id="142" name="TextBox 141">
+              <a:extLst>
+                <a:ext uri="{FF2B5EF4-FFF2-40B4-BE49-F238E27FC236}">
+                  <a16:creationId xmlns:a16="http://schemas.microsoft.com/office/drawing/2014/main" id="{B0687BC0-75AF-954A-88DA-1C71A3FF95B2}"/>
+                </a:ext>
+              </a:extLst>
+            </p:cNvPr>
+            <p:cNvSpPr txBox="1"/>
+            <p:nvPr/>
+          </p:nvSpPr>
+          <p:spPr>
+            <a:xfrm>
+              <a:off x="1162015" y="6074673"/>
+              <a:ext cx="1857375" cy="369332"/>
+            </a:xfrm>
+            <a:prstGeom prst="rect">
+              <a:avLst/>
+            </a:prstGeom>
+            <a:noFill/>
+          </p:spPr>
+          <p:txBody>
+            <a:bodyPr wrap="square" rtlCol="0">
+              <a:spAutoFit/>
+            </a:bodyPr>
+            <a:lstStyle/>
+            <a:p>
+              <a:r>
+                <a:rPr lang="en-US" i="1" dirty="0"/>
+                <a:t>Dropdown Y/N</a:t>
+              </a:r>
+            </a:p>
+          </p:txBody>
+        </p:sp>
+        <p:sp>
+          <p:nvSpPr>
+            <p:cNvPr id="143" name="TextBox 142">
+              <a:extLst>
+                <a:ext uri="{FF2B5EF4-FFF2-40B4-BE49-F238E27FC236}">
+                  <a16:creationId xmlns:a16="http://schemas.microsoft.com/office/drawing/2014/main" id="{BBF649F0-DC71-F546-9F02-7B66AEF6A8DA}"/>
+                </a:ext>
+              </a:extLst>
+            </p:cNvPr>
+            <p:cNvSpPr txBox="1"/>
+            <p:nvPr/>
+          </p:nvSpPr>
+          <p:spPr>
+            <a:xfrm>
+              <a:off x="-118622" y="6795131"/>
+              <a:ext cx="1857375" cy="369332"/>
+            </a:xfrm>
+            <a:prstGeom prst="rect">
+              <a:avLst/>
+            </a:prstGeom>
+            <a:noFill/>
+          </p:spPr>
+          <p:txBody>
+            <a:bodyPr wrap="square" rtlCol="0">
+              <a:spAutoFit/>
+            </a:bodyPr>
+            <a:lstStyle/>
+            <a:p>
+              <a:pPr algn="ctr"/>
+              <a:r>
+                <a:rPr lang="en-US" b="1" dirty="0">
+                  <a:solidFill>
+                    <a:srgbClr val="33C1C4"/>
+                  </a:solidFill>
+                </a:rPr>
+                <a:t>Date</a:t>
+              </a:r>
+            </a:p>
+          </p:txBody>
+        </p:sp>
+        <p:grpSp>
+          <p:nvGrpSpPr>
+            <p:cNvPr id="144" name="Group 143">
+              <a:extLst>
+                <a:ext uri="{FF2B5EF4-FFF2-40B4-BE49-F238E27FC236}">
+                  <a16:creationId xmlns:a16="http://schemas.microsoft.com/office/drawing/2014/main" id="{D77E6E17-D375-6246-8589-74A04B24AAA9}"/>
+                </a:ext>
+              </a:extLst>
+            </p:cNvPr>
+            <p:cNvGrpSpPr/>
+            <p:nvPr/>
+          </p:nvGrpSpPr>
+          <p:grpSpPr>
+            <a:xfrm>
+              <a:off x="1143979" y="6828928"/>
+              <a:ext cx="1131446" cy="510779"/>
+              <a:chOff x="2350815" y="5657850"/>
+              <a:chExt cx="1131446" cy="510779"/>
+            </a:xfrm>
+          </p:grpSpPr>
+          <p:sp>
+            <p:nvSpPr>
+              <p:cNvPr id="154" name="Rectangle 153">
+                <a:extLst>
+                  <a:ext uri="{FF2B5EF4-FFF2-40B4-BE49-F238E27FC236}">
+                    <a16:creationId xmlns:a16="http://schemas.microsoft.com/office/drawing/2014/main" id="{4C73E76C-E866-8340-AF7D-BFAA4B9DC3EF}"/>
+                  </a:ext>
+                </a:extLst>
+              </p:cNvPr>
+              <p:cNvSpPr/>
+              <p:nvPr/>
+            </p:nvSpPr>
+            <p:spPr>
+              <a:xfrm>
+                <a:off x="2350815" y="5657850"/>
+                <a:ext cx="1131446" cy="510779"/>
+              </a:xfrm>
+              <a:prstGeom prst="rect">
+                <a:avLst/>
+              </a:prstGeom>
+              <a:solidFill>
+                <a:schemeClr val="bg1"/>
+              </a:solidFill>
+              <a:ln>
+                <a:solidFill>
+                  <a:schemeClr val="tx1">
+                    <a:lumMod val="50000"/>
+                    <a:lumOff val="50000"/>
+                  </a:schemeClr>
+                </a:solidFill>
+              </a:ln>
+            </p:spPr>
+            <p:style>
+              <a:lnRef idx="2">
+                <a:schemeClr val="accent1">
+                  <a:shade val="50000"/>
+                </a:schemeClr>
+              </a:lnRef>
+              <a:fillRef idx="1">
+                <a:schemeClr val="accent1"/>
+              </a:fillRef>
+              <a:effectRef idx="0">
+                <a:schemeClr val="accent1"/>
+              </a:effectRef>
+              <a:fontRef idx="minor">
+                <a:schemeClr val="lt1"/>
+              </a:fontRef>
+            </p:style>
+            <p:txBody>
+              <a:bodyPr rtlCol="0" anchor="ctr"/>
+              <a:lstStyle/>
+              <a:p>
+                <a:pPr algn="ctr"/>
+                <a:endParaRPr lang="en-US"/>
+              </a:p>
+            </p:txBody>
+          </p:sp>
+          <p:sp>
+            <p:nvSpPr>
+              <p:cNvPr id="155" name="TextBox 154">
+                <a:extLst>
+                  <a:ext uri="{FF2B5EF4-FFF2-40B4-BE49-F238E27FC236}">
+                    <a16:creationId xmlns:a16="http://schemas.microsoft.com/office/drawing/2014/main" id="{2B37B4B1-BC3A-6B4A-B645-3D5B01984A93}"/>
+                  </a:ext>
+                </a:extLst>
+              </p:cNvPr>
+              <p:cNvSpPr txBox="1"/>
+              <p:nvPr/>
+            </p:nvSpPr>
+            <p:spPr>
+              <a:xfrm>
+                <a:off x="2350815" y="5725434"/>
+                <a:ext cx="1131446" cy="369332"/>
+              </a:xfrm>
+              <a:prstGeom prst="rect">
+                <a:avLst/>
+              </a:prstGeom>
+              <a:noFill/>
+            </p:spPr>
+            <p:txBody>
+              <a:bodyPr wrap="square" rtlCol="0">
+                <a:spAutoFit/>
+              </a:bodyPr>
+              <a:lstStyle/>
+              <a:p>
+                <a:r>
+                  <a:rPr lang="en-US" i="1" dirty="0"/>
+                  <a:t>dropdown</a:t>
+                </a:r>
+              </a:p>
+            </p:txBody>
+          </p:sp>
+        </p:grpSp>
+        <p:grpSp>
+          <p:nvGrpSpPr>
+            <p:cNvPr id="145" name="Group 144">
+              <a:extLst>
+                <a:ext uri="{FF2B5EF4-FFF2-40B4-BE49-F238E27FC236}">
+                  <a16:creationId xmlns:a16="http://schemas.microsoft.com/office/drawing/2014/main" id="{98E31B23-D8E5-A847-9630-4EE97500DD9E}"/>
+                </a:ext>
+              </a:extLst>
+            </p:cNvPr>
+            <p:cNvGrpSpPr/>
+            <p:nvPr/>
+          </p:nvGrpSpPr>
+          <p:grpSpPr>
+            <a:xfrm>
+              <a:off x="1161909" y="7601594"/>
+              <a:ext cx="1131446" cy="510779"/>
+              <a:chOff x="2350815" y="5657850"/>
+              <a:chExt cx="1131446" cy="510779"/>
+            </a:xfrm>
+          </p:grpSpPr>
+          <p:sp>
+            <p:nvSpPr>
+              <p:cNvPr id="152" name="Rectangle 151">
+                <a:extLst>
+                  <a:ext uri="{FF2B5EF4-FFF2-40B4-BE49-F238E27FC236}">
+                    <a16:creationId xmlns:a16="http://schemas.microsoft.com/office/drawing/2014/main" id="{96D705FF-87F5-8A46-A8DA-36EE34DCC6CC}"/>
+                  </a:ext>
+                </a:extLst>
+              </p:cNvPr>
+              <p:cNvSpPr/>
+              <p:nvPr/>
+            </p:nvSpPr>
+            <p:spPr>
+              <a:xfrm>
+                <a:off x="2350815" y="5657850"/>
+                <a:ext cx="1131446" cy="510779"/>
+              </a:xfrm>
+              <a:prstGeom prst="rect">
+                <a:avLst/>
+              </a:prstGeom>
+              <a:solidFill>
+                <a:schemeClr val="bg1"/>
+              </a:solidFill>
+              <a:ln>
+                <a:solidFill>
+                  <a:schemeClr val="tx1">
+                    <a:lumMod val="50000"/>
+                    <a:lumOff val="50000"/>
+                  </a:schemeClr>
+                </a:solidFill>
+              </a:ln>
+            </p:spPr>
+            <p:style>
+              <a:lnRef idx="2">
+                <a:schemeClr val="accent1">
+                  <a:shade val="50000"/>
+                </a:schemeClr>
+              </a:lnRef>
+              <a:fillRef idx="1">
+                <a:schemeClr val="accent1"/>
+              </a:fillRef>
+              <a:effectRef idx="0">
+                <a:schemeClr val="accent1"/>
+              </a:effectRef>
+              <a:fontRef idx="minor">
+                <a:schemeClr val="lt1"/>
+              </a:fontRef>
+            </p:style>
+            <p:txBody>
+              <a:bodyPr rtlCol="0" anchor="ctr"/>
+              <a:lstStyle/>
+              <a:p>
+                <a:pPr algn="ctr"/>
+                <a:endParaRPr lang="en-US"/>
+              </a:p>
+            </p:txBody>
+          </p:sp>
+          <p:sp>
+            <p:nvSpPr>
+              <p:cNvPr id="153" name="TextBox 152">
+                <a:extLst>
+                  <a:ext uri="{FF2B5EF4-FFF2-40B4-BE49-F238E27FC236}">
+                    <a16:creationId xmlns:a16="http://schemas.microsoft.com/office/drawing/2014/main" id="{13D2456E-6C43-6547-9481-6A30591EC87D}"/>
+                  </a:ext>
+                </a:extLst>
+              </p:cNvPr>
+              <p:cNvSpPr txBox="1"/>
+              <p:nvPr/>
+            </p:nvSpPr>
+            <p:spPr>
+              <a:xfrm>
+                <a:off x="2350815" y="5725434"/>
+                <a:ext cx="1131446" cy="369332"/>
+              </a:xfrm>
+              <a:prstGeom prst="rect">
+                <a:avLst/>
+              </a:prstGeom>
+              <a:noFill/>
+            </p:spPr>
+            <p:txBody>
+              <a:bodyPr wrap="square" rtlCol="0">
+                <a:spAutoFit/>
+              </a:bodyPr>
+              <a:lstStyle/>
+              <a:p>
+                <a:r>
+                  <a:rPr lang="en-US" i="1" dirty="0"/>
+                  <a:t>dropdown</a:t>
+                </a:r>
+              </a:p>
+            </p:txBody>
+          </p:sp>
+        </p:grpSp>
+        <p:grpSp>
+          <p:nvGrpSpPr>
+            <p:cNvPr id="146" name="Group 145">
+              <a:extLst>
+                <a:ext uri="{FF2B5EF4-FFF2-40B4-BE49-F238E27FC236}">
+                  <a16:creationId xmlns:a16="http://schemas.microsoft.com/office/drawing/2014/main" id="{65211E3D-24C9-694B-874C-C07AD4C9776A}"/>
+                </a:ext>
+              </a:extLst>
+            </p:cNvPr>
+            <p:cNvGrpSpPr/>
+            <p:nvPr/>
+          </p:nvGrpSpPr>
+          <p:grpSpPr>
+            <a:xfrm>
+              <a:off x="1129616" y="8246583"/>
+              <a:ext cx="1135598" cy="510779"/>
+              <a:chOff x="2346663" y="5657850"/>
+              <a:chExt cx="1135598" cy="510779"/>
+            </a:xfrm>
+          </p:grpSpPr>
+          <p:sp>
+            <p:nvSpPr>
+              <p:cNvPr id="150" name="Rectangle 149">
+                <a:extLst>
+                  <a:ext uri="{FF2B5EF4-FFF2-40B4-BE49-F238E27FC236}">
+                    <a16:creationId xmlns:a16="http://schemas.microsoft.com/office/drawing/2014/main" id="{F2ADE5CF-1DFA-7144-B983-B04171CD32DB}"/>
+                  </a:ext>
+                </a:extLst>
+              </p:cNvPr>
+              <p:cNvSpPr/>
+              <p:nvPr/>
+            </p:nvSpPr>
+            <p:spPr>
+              <a:xfrm>
+                <a:off x="2350815" y="5657850"/>
+                <a:ext cx="1131446" cy="510779"/>
+              </a:xfrm>
+              <a:prstGeom prst="rect">
+                <a:avLst/>
+              </a:prstGeom>
+              <a:solidFill>
+                <a:schemeClr val="bg1"/>
+              </a:solidFill>
+              <a:ln>
+                <a:solidFill>
+                  <a:schemeClr val="tx1">
+                    <a:lumMod val="50000"/>
+                    <a:lumOff val="50000"/>
+                  </a:schemeClr>
+                </a:solidFill>
+              </a:ln>
+            </p:spPr>
+            <p:style>
+              <a:lnRef idx="2">
+                <a:schemeClr val="accent1">
+                  <a:shade val="50000"/>
+                </a:schemeClr>
+              </a:lnRef>
+              <a:fillRef idx="1">
+                <a:schemeClr val="accent1"/>
+              </a:fillRef>
+              <a:effectRef idx="0">
+                <a:schemeClr val="accent1"/>
+              </a:effectRef>
+              <a:fontRef idx="minor">
+                <a:schemeClr val="lt1"/>
+              </a:fontRef>
+            </p:style>
+            <p:txBody>
+              <a:bodyPr rtlCol="0" anchor="ctr"/>
+              <a:lstStyle/>
+              <a:p>
+                <a:pPr algn="ctr"/>
+                <a:endParaRPr lang="en-US"/>
+              </a:p>
+            </p:txBody>
+          </p:sp>
+          <p:sp>
+            <p:nvSpPr>
+              <p:cNvPr id="151" name="TextBox 150">
+                <a:extLst>
+                  <a:ext uri="{FF2B5EF4-FFF2-40B4-BE49-F238E27FC236}">
+                    <a16:creationId xmlns:a16="http://schemas.microsoft.com/office/drawing/2014/main" id="{DB3B0047-8564-AD46-9AB5-E9CFC98F4664}"/>
+                  </a:ext>
+                </a:extLst>
+              </p:cNvPr>
+              <p:cNvSpPr txBox="1"/>
+              <p:nvPr/>
+            </p:nvSpPr>
+            <p:spPr>
+              <a:xfrm>
+                <a:off x="2346663" y="5725434"/>
+                <a:ext cx="1135598" cy="369332"/>
+              </a:xfrm>
+              <a:prstGeom prst="rect">
+                <a:avLst/>
+              </a:prstGeom>
+              <a:noFill/>
+            </p:spPr>
+            <p:txBody>
+              <a:bodyPr wrap="square" rtlCol="0">
+                <a:spAutoFit/>
+              </a:bodyPr>
+              <a:lstStyle/>
+              <a:p>
+                <a:r>
+                  <a:rPr lang="en-US" i="1" dirty="0"/>
+                  <a:t>dropdown</a:t>
+                </a:r>
+              </a:p>
+            </p:txBody>
+          </p:sp>
+        </p:grpSp>
+        <p:sp>
+          <p:nvSpPr>
+            <p:cNvPr id="147" name="TextBox 146">
+              <a:extLst>
+                <a:ext uri="{FF2B5EF4-FFF2-40B4-BE49-F238E27FC236}">
+                  <a16:creationId xmlns:a16="http://schemas.microsoft.com/office/drawing/2014/main" id="{CDBC8533-5916-234D-8037-14810BC6826B}"/>
+                </a:ext>
+              </a:extLst>
+            </p:cNvPr>
+            <p:cNvSpPr txBox="1"/>
+            <p:nvPr/>
+          </p:nvSpPr>
+          <p:spPr>
+            <a:xfrm>
+              <a:off x="1615573" y="6896512"/>
+              <a:ext cx="1857375" cy="369332"/>
+            </a:xfrm>
+            <a:prstGeom prst="rect">
+              <a:avLst/>
+            </a:prstGeom>
+            <a:noFill/>
+          </p:spPr>
+          <p:txBody>
+            <a:bodyPr wrap="square" rtlCol="0">
+              <a:spAutoFit/>
+            </a:bodyPr>
+            <a:lstStyle/>
+            <a:p>
+              <a:pPr algn="ctr"/>
+              <a:r>
+                <a:rPr lang="en-US" b="1" dirty="0">
+                  <a:solidFill>
+                    <a:srgbClr val="33C1C4"/>
+                  </a:solidFill>
+                </a:rPr>
+                <a:t>Time</a:t>
+              </a:r>
+            </a:p>
+          </p:txBody>
+        </p:sp>
+        <p:sp>
+          <p:nvSpPr>
+            <p:cNvPr id="148" name="TextBox 147">
+              <a:extLst>
+                <a:ext uri="{FF2B5EF4-FFF2-40B4-BE49-F238E27FC236}">
+                  <a16:creationId xmlns:a16="http://schemas.microsoft.com/office/drawing/2014/main" id="{CDADA4D2-8276-5B4B-BD22-D2BA5A2A338E}"/>
+                </a:ext>
+              </a:extLst>
+            </p:cNvPr>
+            <p:cNvSpPr txBox="1"/>
+            <p:nvPr/>
+          </p:nvSpPr>
+          <p:spPr>
+            <a:xfrm>
+              <a:off x="1674969" y="7655870"/>
+              <a:ext cx="1857375" cy="369332"/>
+            </a:xfrm>
+            <a:prstGeom prst="rect">
+              <a:avLst/>
+            </a:prstGeom>
+            <a:noFill/>
+          </p:spPr>
+          <p:txBody>
+            <a:bodyPr wrap="square" rtlCol="0">
+              <a:spAutoFit/>
+            </a:bodyPr>
+            <a:lstStyle/>
+            <a:p>
+              <a:pPr algn="ctr"/>
+              <a:r>
+                <a:rPr lang="en-US" b="1" dirty="0">
+                  <a:solidFill>
+                    <a:srgbClr val="33C1C4"/>
+                  </a:solidFill>
+                </a:rPr>
+                <a:t>Day</a:t>
+              </a:r>
+            </a:p>
+          </p:txBody>
+        </p:sp>
+        <p:sp>
+          <p:nvSpPr>
+            <p:cNvPr id="149" name="TextBox 148">
+              <a:extLst>
+                <a:ext uri="{FF2B5EF4-FFF2-40B4-BE49-F238E27FC236}">
+                  <a16:creationId xmlns:a16="http://schemas.microsoft.com/office/drawing/2014/main" id="{32AF2FCE-2FC7-3347-A9C3-797ABB6B82B0}"/>
+                </a:ext>
+              </a:extLst>
+            </p:cNvPr>
+            <p:cNvSpPr txBox="1"/>
+            <p:nvPr/>
+          </p:nvSpPr>
+          <p:spPr>
+            <a:xfrm>
+              <a:off x="1744325" y="8330614"/>
+              <a:ext cx="1857375" cy="369332"/>
+            </a:xfrm>
+            <a:prstGeom prst="rect">
+              <a:avLst/>
+            </a:prstGeom>
+            <a:noFill/>
+          </p:spPr>
+          <p:txBody>
+            <a:bodyPr wrap="square" rtlCol="0">
+              <a:spAutoFit/>
+            </a:bodyPr>
+            <a:lstStyle/>
+            <a:p>
+              <a:pPr algn="ctr"/>
+              <a:r>
+                <a:rPr lang="en-US" b="1" dirty="0">
+                  <a:solidFill>
+                    <a:srgbClr val="33C1C4"/>
+                  </a:solidFill>
+                </a:rPr>
+                <a:t>Month</a:t>
+              </a:r>
+            </a:p>
+          </p:txBody>
+        </p:sp>
+      </p:grpSp>
+    </p:spTree>
+    <p:extLst>
+      <p:ext uri="{BB962C8B-B14F-4D97-AF65-F5344CB8AC3E}">
+        <p14:creationId xmlns:p14="http://schemas.microsoft.com/office/powerpoint/2010/main" val="3750714408"/>
+      </p:ext>
+    </p:extLst>
+  </p:cSld>
+  <p:clrMapOvr>
+    <a:masterClrMapping/>
+  </p:clrMapOvr>
+</p:sld>
+</file>
+
+<file path=ppt/slides/slide8.xml><?xml version="1.0" encoding="utf-8"?>
+<p:sld xmlns:a="http://schemas.openxmlformats.org/drawingml/2006/main" xmlns:r="http://schemas.openxmlformats.org/officeDocument/2006/relationships" xmlns:p="http://schemas.openxmlformats.org/presentationml/2006/main">
+  <p:cSld>
+    <p:spTree>
+      <p:nvGrpSpPr>
+        <p:cNvPr id="1" name=""/>
+        <p:cNvGrpSpPr/>
+        <p:nvPr/>
+      </p:nvGrpSpPr>
+      <p:grpSpPr>
+        <a:xfrm>
+          <a:off x="0" y="0"/>
+          <a:ext cx="0" cy="0"/>
+          <a:chOff x="0" y="0"/>
+          <a:chExt cx="0" cy="0"/>
+        </a:xfrm>
+      </p:grpSpPr>
+      <p:sp>
+        <p:nvSpPr>
+          <p:cNvPr id="2" name="Title 1">
+            <a:extLst>
+              <a:ext uri="{FF2B5EF4-FFF2-40B4-BE49-F238E27FC236}">
+                <a16:creationId xmlns:a16="http://schemas.microsoft.com/office/drawing/2014/main" id="{13698E0A-E06F-7646-B057-00894D00F029}"/>
+              </a:ext>
+            </a:extLst>
+          </p:cNvPr>
+          <p:cNvSpPr>
+            <a:spLocks noGrp="1"/>
+          </p:cNvSpPr>
+          <p:nvPr>
+            <p:ph type="title"/>
+          </p:nvPr>
+        </p:nvSpPr>
+        <p:spPr>
+          <a:xfrm>
+            <a:off x="838199" y="-94149"/>
+            <a:ext cx="10515600" cy="1325563"/>
+          </a:xfrm>
+        </p:spPr>
+        <p:txBody>
+          <a:bodyPr/>
+          <a:lstStyle/>
+          <a:p>
+            <a:pPr algn="ctr"/>
+            <a:r>
+              <a:rPr lang="en-US" b="1" dirty="0"/>
+              <a:t>Tables</a:t>
+            </a:r>
+          </a:p>
+        </p:txBody>
+      </p:sp>
+      <p:graphicFrame>
+        <p:nvGraphicFramePr>
+          <p:cNvPr id="4" name="Table 3">
+            <a:extLst>
+              <a:ext uri="{FF2B5EF4-FFF2-40B4-BE49-F238E27FC236}">
+                <a16:creationId xmlns:a16="http://schemas.microsoft.com/office/drawing/2014/main" id="{053B98DC-6104-2546-A24D-E73742E0C7C0}"/>
+              </a:ext>
+            </a:extLst>
+          </p:cNvPr>
+          <p:cNvGraphicFramePr>
+            <a:graphicFrameLocks noGrp="1"/>
+          </p:cNvGraphicFramePr>
+          <p:nvPr>
+            <p:extLst>
+              <p:ext uri="{D42A27DB-BD31-4B8C-83A1-F6EECF244321}">
+                <p14:modId xmlns:p14="http://schemas.microsoft.com/office/powerpoint/2010/main" val="848259731"/>
+              </p:ext>
+            </p:extLst>
+          </p:nvPr>
+        </p:nvGraphicFramePr>
+        <p:xfrm>
+          <a:off x="525928" y="1031240"/>
+          <a:ext cx="2365188" cy="2397760"/>
+        </p:xfrm>
+        <a:graphic>
+          <a:graphicData uri="http://schemas.openxmlformats.org/drawingml/2006/table">
+            <a:tbl>
+              <a:tblPr firstRow="1" bandRow="1">
+                <a:tableStyleId>{17292A2E-F333-43FB-9621-5CBBE7FDCDCB}</a:tableStyleId>
+              </a:tblPr>
+              <a:tblGrid>
+                <a:gridCol w="684306">
+                  <a:extLst>
+                    <a:ext uri="{9D8B030D-6E8A-4147-A177-3AD203B41FA5}">
+                      <a16:colId xmlns:a16="http://schemas.microsoft.com/office/drawing/2014/main" val="1019678322"/>
+                    </a:ext>
+                  </a:extLst>
+                </a:gridCol>
+                <a:gridCol w="1680882">
+                  <a:extLst>
+                    <a:ext uri="{9D8B030D-6E8A-4147-A177-3AD203B41FA5}">
+                      <a16:colId xmlns:a16="http://schemas.microsoft.com/office/drawing/2014/main" val="702228982"/>
+                    </a:ext>
+                  </a:extLst>
+                </a:gridCol>
+              </a:tblGrid>
+              <a:tr h="370840">
+                <a:tc gridSpan="2">
+                  <a:txBody>
+                    <a:bodyPr/>
+                    <a:lstStyle/>
+                    <a:p>
+                      <a:pPr algn="ctr"/>
+                      <a:r>
+                        <a:rPr lang="en-US" dirty="0"/>
+                        <a:t>Merchants</a:t>
+                      </a:r>
+                    </a:p>
+                  </a:txBody>
+                  <a:tcPr anchor="ctr">
+                    <a:lnL w="12700" cap="flat" cmpd="sng" algn="ctr">
+                      <a:solidFill>
+                        <a:schemeClr val="tx1"/>
+                      </a:solidFill>
+                      <a:prstDash val="solid"/>
+                      <a:round/>
+                      <a:headEnd type="none" w="med" len="med"/>
+                      <a:tailEnd type="none" w="med" len="med"/>
+                    </a:lnL>
+                    <a:lnR w="12700" cap="flat" cmpd="sng" algn="ctr">
+                      <a:solidFill>
+                        <a:schemeClr val="tx1"/>
+                      </a:solidFill>
+                      <a:prstDash val="solid"/>
+                      <a:round/>
+                      <a:headEnd type="none" w="med" len="med"/>
+                      <a:tailEnd type="none" w="med" len="med"/>
+                    </a:lnR>
+                    <a:lnT w="12700" cap="flat" cmpd="sng" algn="ctr">
+                      <a:solidFill>
+                        <a:schemeClr val="tx1"/>
+                      </a:solidFill>
+                      <a:prstDash val="solid"/>
+                      <a:round/>
+                      <a:headEnd type="none" w="med" len="med"/>
+                      <a:tailEnd type="none" w="med" len="med"/>
+                    </a:lnT>
+                    <a:lnB w="12700" cap="flat" cmpd="sng" algn="ctr">
+                      <a:solidFill>
+                        <a:schemeClr val="tx1"/>
+                      </a:solidFill>
+                      <a:prstDash val="solid"/>
+                      <a:round/>
+                      <a:headEnd type="none" w="med" len="med"/>
+                      <a:tailEnd type="none" w="med" len="med"/>
+                    </a:lnB>
+                  </a:tcPr>
+                </a:tc>
+                <a:tc hMerge="1">
+                  <a:txBody>
+                    <a:bodyPr/>
+                    <a:lstStyle/>
+                    <a:p>
+                      <a:endParaRPr lang="en-US" dirty="0"/>
+                    </a:p>
+                  </a:txBody>
+                  <a:tcPr/>
+                </a:tc>
+                <a:extLst>
+                  <a:ext uri="{0D108BD9-81ED-4DB2-BD59-A6C34878D82A}">
+                    <a16:rowId xmlns:a16="http://schemas.microsoft.com/office/drawing/2014/main" val="3211573024"/>
+                  </a:ext>
+                </a:extLst>
+              </a:tr>
+              <a:tr h="370840">
+                <a:tc>
+                  <a:txBody>
+                    <a:bodyPr/>
+                    <a:lstStyle/>
+                    <a:p>
+                      <a:pPr algn="ctr"/>
+                      <a:r>
+                        <a:rPr lang="en-US" b="1" dirty="0"/>
+                        <a:t>Id</a:t>
+                      </a:r>
+                    </a:p>
+                  </a:txBody>
+                  <a:tcPr anchor="ctr">
+                    <a:lnL w="12700" cap="flat" cmpd="sng" algn="ctr">
+                      <a:solidFill>
+                        <a:schemeClr val="tx1"/>
+                      </a:solidFill>
+                      <a:prstDash val="solid"/>
+                      <a:round/>
+                      <a:headEnd type="none" w="med" len="med"/>
+                      <a:tailEnd type="none" w="med" len="med"/>
+                    </a:lnL>
+                    <a:lnR w="12700" cap="flat" cmpd="sng" algn="ctr">
+                      <a:solidFill>
+                        <a:schemeClr val="tx1"/>
+                      </a:solidFill>
+                      <a:prstDash val="solid"/>
+                      <a:round/>
+                      <a:headEnd type="none" w="med" len="med"/>
+                      <a:tailEnd type="none" w="med" len="med"/>
+                    </a:lnR>
+                    <a:lnT w="12700" cap="flat" cmpd="sng" algn="ctr">
+                      <a:solidFill>
+                        <a:schemeClr val="tx1"/>
+                      </a:solidFill>
+                      <a:prstDash val="solid"/>
+                      <a:round/>
+                      <a:headEnd type="none" w="med" len="med"/>
+                      <a:tailEnd type="none" w="med" len="med"/>
+                    </a:lnT>
+                    <a:lnB w="12700" cap="flat" cmpd="sng" algn="ctr">
+                      <a:solidFill>
+                        <a:schemeClr val="tx1"/>
+                      </a:solidFill>
+                      <a:prstDash val="solid"/>
+                      <a:round/>
+                      <a:headEnd type="none" w="med" len="med"/>
+                      <a:tailEnd type="none" w="med" len="med"/>
+                    </a:lnB>
+                  </a:tcPr>
+                </a:tc>
+                <a:tc>
+                  <a:txBody>
+                    <a:bodyPr/>
+                    <a:lstStyle/>
+                    <a:p>
+                      <a:pPr algn="ctr"/>
+                      <a:r>
+                        <a:rPr lang="en-US" b="1" dirty="0"/>
+                        <a:t>Merchant Name (VARCHAR)</a:t>
+                      </a:r>
+                    </a:p>
+                  </a:txBody>
+                  <a:tcPr anchor="ctr">
+                    <a:lnL w="12700" cap="flat" cmpd="sng" algn="ctr">
+                      <a:solidFill>
+                        <a:schemeClr val="tx1"/>
+                      </a:solidFill>
+                      <a:prstDash val="solid"/>
+                      <a:round/>
+                      <a:headEnd type="none" w="med" len="med"/>
+                      <a:tailEnd type="none" w="med" len="med"/>
+                    </a:lnL>
+                    <a:lnR w="12700" cap="flat" cmpd="sng" algn="ctr">
+                      <a:solidFill>
+                        <a:schemeClr val="tx1"/>
+                      </a:solidFill>
+                      <a:prstDash val="solid"/>
+                      <a:round/>
+                      <a:headEnd type="none" w="med" len="med"/>
+                      <a:tailEnd type="none" w="med" len="med"/>
+                    </a:lnR>
+                    <a:lnT w="12700" cap="flat" cmpd="sng" algn="ctr">
+                      <a:solidFill>
+                        <a:schemeClr val="tx1"/>
+                      </a:solidFill>
+                      <a:prstDash val="solid"/>
+                      <a:round/>
+                      <a:headEnd type="none" w="med" len="med"/>
+                      <a:tailEnd type="none" w="med" len="med"/>
+                    </a:lnT>
+                    <a:lnB w="12700" cap="flat" cmpd="sng" algn="ctr">
+                      <a:solidFill>
+                        <a:schemeClr val="tx1"/>
+                      </a:solidFill>
+                      <a:prstDash val="solid"/>
+                      <a:round/>
+                      <a:headEnd type="none" w="med" len="med"/>
+                      <a:tailEnd type="none" w="med" len="med"/>
+                    </a:lnB>
+                  </a:tcPr>
+                </a:tc>
+                <a:extLst>
+                  <a:ext uri="{0D108BD9-81ED-4DB2-BD59-A6C34878D82A}">
+                    <a16:rowId xmlns:a16="http://schemas.microsoft.com/office/drawing/2014/main" val="2556437728"/>
+                  </a:ext>
+                </a:extLst>
+              </a:tr>
+              <a:tr h="370840">
+                <a:tc>
+                  <a:txBody>
+                    <a:bodyPr/>
+                    <a:lstStyle/>
+                    <a:p>
+                      <a:pPr algn="ctr"/>
+                      <a:r>
+                        <a:rPr lang="en-US" dirty="0"/>
+                        <a:t>1</a:t>
+                      </a:r>
+                    </a:p>
+                  </a:txBody>
+                  <a:tcPr anchor="ctr">
+                    <a:lnL w="12700" cap="flat" cmpd="sng" algn="ctr">
+                      <a:solidFill>
+                        <a:schemeClr val="tx1"/>
+                      </a:solidFill>
+                      <a:prstDash val="solid"/>
+                      <a:round/>
+                      <a:headEnd type="none" w="med" len="med"/>
+                      <a:tailEnd type="none" w="med" len="med"/>
+                    </a:lnL>
+                    <a:lnR w="12700" cap="flat" cmpd="sng" algn="ctr">
+                      <a:solidFill>
+                        <a:schemeClr val="tx1"/>
+                      </a:solidFill>
+                      <a:prstDash val="solid"/>
+                      <a:round/>
+                      <a:headEnd type="none" w="med" len="med"/>
+                      <a:tailEnd type="none" w="med" len="med"/>
+                    </a:lnR>
+                    <a:lnT w="12700" cap="flat" cmpd="sng" algn="ctr">
+                      <a:solidFill>
+                        <a:schemeClr val="tx1"/>
+                      </a:solidFill>
+                      <a:prstDash val="solid"/>
+                      <a:round/>
+                      <a:headEnd type="none" w="med" len="med"/>
+                      <a:tailEnd type="none" w="med" len="med"/>
+                    </a:lnT>
+                    <a:lnB w="12700" cap="flat" cmpd="sng" algn="ctr">
+                      <a:solidFill>
+                        <a:schemeClr val="tx1"/>
+                      </a:solidFill>
+                      <a:prstDash val="solid"/>
+                      <a:round/>
+                      <a:headEnd type="none" w="med" len="med"/>
+                      <a:tailEnd type="none" w="med" len="med"/>
+                    </a:lnB>
+                  </a:tcPr>
+                </a:tc>
+                <a:tc>
+                  <a:txBody>
+                    <a:bodyPr/>
+                    <a:lstStyle/>
+                    <a:p>
+                      <a:pPr algn="ctr"/>
+                      <a:r>
+                        <a:rPr lang="en-US" dirty="0"/>
+                        <a:t>Sainsburys</a:t>
+                      </a:r>
+                    </a:p>
+                  </a:txBody>
+                  <a:tcPr anchor="ctr">
+                    <a:lnL w="12700" cap="flat" cmpd="sng" algn="ctr">
+                      <a:solidFill>
+                        <a:schemeClr val="tx1"/>
+                      </a:solidFill>
+                      <a:prstDash val="solid"/>
+                      <a:round/>
+                      <a:headEnd type="none" w="med" len="med"/>
+                      <a:tailEnd type="none" w="med" len="med"/>
+                    </a:lnL>
+                    <a:lnR w="12700" cap="flat" cmpd="sng" algn="ctr">
+                      <a:solidFill>
+                        <a:schemeClr val="tx1"/>
+                      </a:solidFill>
+                      <a:prstDash val="solid"/>
+                      <a:round/>
+                      <a:headEnd type="none" w="med" len="med"/>
+                      <a:tailEnd type="none" w="med" len="med"/>
+                    </a:lnR>
+                    <a:lnT w="12700" cap="flat" cmpd="sng" algn="ctr">
+                      <a:solidFill>
+                        <a:schemeClr val="tx1"/>
+                      </a:solidFill>
+                      <a:prstDash val="solid"/>
+                      <a:round/>
+                      <a:headEnd type="none" w="med" len="med"/>
+                      <a:tailEnd type="none" w="med" len="med"/>
+                    </a:lnT>
+                    <a:lnB w="12700" cap="flat" cmpd="sng" algn="ctr">
+                      <a:solidFill>
+                        <a:schemeClr val="tx1"/>
+                      </a:solidFill>
+                      <a:prstDash val="solid"/>
+                      <a:round/>
+                      <a:headEnd type="none" w="med" len="med"/>
+                      <a:tailEnd type="none" w="med" len="med"/>
+                    </a:lnB>
+                  </a:tcPr>
+                </a:tc>
+                <a:extLst>
+                  <a:ext uri="{0D108BD9-81ED-4DB2-BD59-A6C34878D82A}">
+                    <a16:rowId xmlns:a16="http://schemas.microsoft.com/office/drawing/2014/main" val="466209325"/>
+                  </a:ext>
+                </a:extLst>
+              </a:tr>
+              <a:tr h="370840">
+                <a:tc>
+                  <a:txBody>
+                    <a:bodyPr/>
+                    <a:lstStyle/>
+                    <a:p>
+                      <a:pPr algn="ctr"/>
+                      <a:r>
+                        <a:rPr lang="en-US" dirty="0"/>
+                        <a:t>2</a:t>
+                      </a:r>
+                    </a:p>
+                  </a:txBody>
+                  <a:tcPr anchor="ctr">
+                    <a:lnL w="12700" cap="flat" cmpd="sng" algn="ctr">
+                      <a:solidFill>
+                        <a:schemeClr val="tx1"/>
+                      </a:solidFill>
+                      <a:prstDash val="solid"/>
+                      <a:round/>
+                      <a:headEnd type="none" w="med" len="med"/>
+                      <a:tailEnd type="none" w="med" len="med"/>
+                    </a:lnL>
+                    <a:lnR w="12700" cap="flat" cmpd="sng" algn="ctr">
+                      <a:solidFill>
+                        <a:schemeClr val="tx1"/>
+                      </a:solidFill>
+                      <a:prstDash val="solid"/>
+                      <a:round/>
+                      <a:headEnd type="none" w="med" len="med"/>
+                      <a:tailEnd type="none" w="med" len="med"/>
+                    </a:lnR>
+                    <a:lnT w="12700" cap="flat" cmpd="sng" algn="ctr">
+                      <a:solidFill>
+                        <a:schemeClr val="tx1"/>
+                      </a:solidFill>
+                      <a:prstDash val="solid"/>
+                      <a:round/>
+                      <a:headEnd type="none" w="med" len="med"/>
+                      <a:tailEnd type="none" w="med" len="med"/>
+                    </a:lnT>
+                    <a:lnB w="12700" cap="flat" cmpd="sng" algn="ctr">
+                      <a:solidFill>
+                        <a:schemeClr val="tx1"/>
+                      </a:solidFill>
+                      <a:prstDash val="solid"/>
+                      <a:round/>
+                      <a:headEnd type="none" w="med" len="med"/>
+                      <a:tailEnd type="none" w="med" len="med"/>
+                    </a:lnB>
+                  </a:tcPr>
+                </a:tc>
+                <a:tc>
+                  <a:txBody>
+                    <a:bodyPr/>
+                    <a:lstStyle/>
+                    <a:p>
+                      <a:pPr algn="ctr"/>
+                      <a:r>
+                        <a:rPr lang="en-US" dirty="0" err="1"/>
+                        <a:t>Asda</a:t>
+                      </a:r>
+                      <a:endParaRPr lang="en-US" dirty="0"/>
+                    </a:p>
+                  </a:txBody>
+                  <a:tcPr anchor="ctr">
+                    <a:lnL w="12700" cap="flat" cmpd="sng" algn="ctr">
+                      <a:solidFill>
+                        <a:schemeClr val="tx1"/>
+                      </a:solidFill>
+                      <a:prstDash val="solid"/>
+                      <a:round/>
+                      <a:headEnd type="none" w="med" len="med"/>
+                      <a:tailEnd type="none" w="med" len="med"/>
+                    </a:lnL>
+                    <a:lnR w="12700" cap="flat" cmpd="sng" algn="ctr">
+                      <a:solidFill>
+                        <a:schemeClr val="tx1"/>
+                      </a:solidFill>
+                      <a:prstDash val="solid"/>
+                      <a:round/>
+                      <a:headEnd type="none" w="med" len="med"/>
+                      <a:tailEnd type="none" w="med" len="med"/>
+                    </a:lnR>
+                    <a:lnT w="12700" cap="flat" cmpd="sng" algn="ctr">
+                      <a:solidFill>
+                        <a:schemeClr val="tx1"/>
+                      </a:solidFill>
+                      <a:prstDash val="solid"/>
+                      <a:round/>
+                      <a:headEnd type="none" w="med" len="med"/>
+                      <a:tailEnd type="none" w="med" len="med"/>
+                    </a:lnT>
+                    <a:lnB w="12700" cap="flat" cmpd="sng" algn="ctr">
+                      <a:solidFill>
+                        <a:schemeClr val="tx1"/>
+                      </a:solidFill>
+                      <a:prstDash val="solid"/>
+                      <a:round/>
+                      <a:headEnd type="none" w="med" len="med"/>
+                      <a:tailEnd type="none" w="med" len="med"/>
+                    </a:lnB>
+                  </a:tcPr>
+                </a:tc>
+                <a:extLst>
+                  <a:ext uri="{0D108BD9-81ED-4DB2-BD59-A6C34878D82A}">
+                    <a16:rowId xmlns:a16="http://schemas.microsoft.com/office/drawing/2014/main" val="3843750482"/>
+                  </a:ext>
+                </a:extLst>
+              </a:tr>
+              <a:tr h="370840">
+                <a:tc>
+                  <a:txBody>
+                    <a:bodyPr/>
+                    <a:lstStyle/>
+                    <a:p>
+                      <a:pPr algn="ctr"/>
+                      <a:r>
+                        <a:rPr lang="en-US" dirty="0"/>
+                        <a:t>3</a:t>
+                      </a:r>
+                    </a:p>
+                  </a:txBody>
+                  <a:tcPr anchor="ctr">
+                    <a:lnL w="12700" cap="flat" cmpd="sng" algn="ctr">
+                      <a:solidFill>
+                        <a:schemeClr val="tx1"/>
+                      </a:solidFill>
+                      <a:prstDash val="solid"/>
+                      <a:round/>
+                      <a:headEnd type="none" w="med" len="med"/>
+                      <a:tailEnd type="none" w="med" len="med"/>
+                    </a:lnL>
+                    <a:lnR w="12700" cap="flat" cmpd="sng" algn="ctr">
+                      <a:solidFill>
+                        <a:schemeClr val="tx1"/>
+                      </a:solidFill>
+                      <a:prstDash val="solid"/>
+                      <a:round/>
+                      <a:headEnd type="none" w="med" len="med"/>
+                      <a:tailEnd type="none" w="med" len="med"/>
+                    </a:lnR>
+                    <a:lnT w="12700" cap="flat" cmpd="sng" algn="ctr">
+                      <a:solidFill>
+                        <a:schemeClr val="tx1"/>
+                      </a:solidFill>
+                      <a:prstDash val="solid"/>
+                      <a:round/>
+                      <a:headEnd type="none" w="med" len="med"/>
+                      <a:tailEnd type="none" w="med" len="med"/>
+                    </a:lnT>
+                    <a:lnB w="12700" cap="flat" cmpd="sng" algn="ctr">
+                      <a:solidFill>
+                        <a:schemeClr val="tx1"/>
+                      </a:solidFill>
+                      <a:prstDash val="solid"/>
+                      <a:round/>
+                      <a:headEnd type="none" w="med" len="med"/>
+                      <a:tailEnd type="none" w="med" len="med"/>
+                    </a:lnB>
+                  </a:tcPr>
+                </a:tc>
+                <a:tc>
+                  <a:txBody>
+                    <a:bodyPr/>
+                    <a:lstStyle/>
+                    <a:p>
+                      <a:pPr algn="ctr"/>
+                      <a:r>
+                        <a:rPr lang="en-US" dirty="0"/>
+                        <a:t>Zara</a:t>
+                      </a:r>
+                    </a:p>
+                  </a:txBody>
+                  <a:tcPr anchor="ctr">
+                    <a:lnL w="12700" cap="flat" cmpd="sng" algn="ctr">
+                      <a:solidFill>
+                        <a:schemeClr val="tx1"/>
+                      </a:solidFill>
+                      <a:prstDash val="solid"/>
+                      <a:round/>
+                      <a:headEnd type="none" w="med" len="med"/>
+                      <a:tailEnd type="none" w="med" len="med"/>
+                    </a:lnL>
+                    <a:lnR w="12700" cap="flat" cmpd="sng" algn="ctr">
+                      <a:solidFill>
+                        <a:schemeClr val="tx1"/>
+                      </a:solidFill>
+                      <a:prstDash val="solid"/>
+                      <a:round/>
+                      <a:headEnd type="none" w="med" len="med"/>
+                      <a:tailEnd type="none" w="med" len="med"/>
+                    </a:lnR>
+                    <a:lnT w="12700" cap="flat" cmpd="sng" algn="ctr">
+                      <a:solidFill>
+                        <a:schemeClr val="tx1"/>
+                      </a:solidFill>
+                      <a:prstDash val="solid"/>
+                      <a:round/>
+                      <a:headEnd type="none" w="med" len="med"/>
+                      <a:tailEnd type="none" w="med" len="med"/>
+                    </a:lnT>
+                    <a:lnB w="12700" cap="flat" cmpd="sng" algn="ctr">
+                      <a:solidFill>
+                        <a:schemeClr val="tx1"/>
+                      </a:solidFill>
+                      <a:prstDash val="solid"/>
+                      <a:round/>
+                      <a:headEnd type="none" w="med" len="med"/>
+                      <a:tailEnd type="none" w="med" len="med"/>
+                    </a:lnB>
+                  </a:tcPr>
+                </a:tc>
+                <a:extLst>
+                  <a:ext uri="{0D108BD9-81ED-4DB2-BD59-A6C34878D82A}">
+                    <a16:rowId xmlns:a16="http://schemas.microsoft.com/office/drawing/2014/main" val="1822218103"/>
+                  </a:ext>
+                </a:extLst>
+              </a:tr>
+            </a:tbl>
+          </a:graphicData>
+        </a:graphic>
+      </p:graphicFrame>
+      <p:graphicFrame>
+        <p:nvGraphicFramePr>
+          <p:cNvPr id="5" name="Table 4">
+            <a:extLst>
+              <a:ext uri="{FF2B5EF4-FFF2-40B4-BE49-F238E27FC236}">
+                <a16:creationId xmlns:a16="http://schemas.microsoft.com/office/drawing/2014/main" id="{B6A3CC3C-8519-7B47-82B6-0ADEDD5D9058}"/>
+              </a:ext>
+            </a:extLst>
+          </p:cNvPr>
+          <p:cNvGraphicFramePr>
+            <a:graphicFrameLocks noGrp="1"/>
+          </p:cNvGraphicFramePr>
+          <p:nvPr>
+            <p:extLst>
+              <p:ext uri="{D42A27DB-BD31-4B8C-83A1-F6EECF244321}">
+                <p14:modId xmlns:p14="http://schemas.microsoft.com/office/powerpoint/2010/main" val="2583524728"/>
+              </p:ext>
+            </p:extLst>
+          </p:nvPr>
+        </p:nvGraphicFramePr>
+        <p:xfrm>
+          <a:off x="3574675" y="1031240"/>
+          <a:ext cx="2365188" cy="2123440"/>
+        </p:xfrm>
+        <a:graphic>
+          <a:graphicData uri="http://schemas.openxmlformats.org/drawingml/2006/table">
+            <a:tbl>
+              <a:tblPr firstRow="1" bandRow="1">
+                <a:tableStyleId>{17292A2E-F333-43FB-9621-5CBBE7FDCDCB}</a:tableStyleId>
+              </a:tblPr>
+              <a:tblGrid>
+                <a:gridCol w="684306">
+                  <a:extLst>
+                    <a:ext uri="{9D8B030D-6E8A-4147-A177-3AD203B41FA5}">
+                      <a16:colId xmlns:a16="http://schemas.microsoft.com/office/drawing/2014/main" val="1019678322"/>
+                    </a:ext>
+                  </a:extLst>
+                </a:gridCol>
+                <a:gridCol w="1680882">
+                  <a:extLst>
+                    <a:ext uri="{9D8B030D-6E8A-4147-A177-3AD203B41FA5}">
+                      <a16:colId xmlns:a16="http://schemas.microsoft.com/office/drawing/2014/main" val="702228982"/>
+                    </a:ext>
+                  </a:extLst>
+                </a:gridCol>
+              </a:tblGrid>
+              <a:tr h="370840">
+                <a:tc gridSpan="2">
+                  <a:txBody>
+                    <a:bodyPr/>
+                    <a:lstStyle/>
+                    <a:p>
+                      <a:pPr algn="ctr"/>
+                      <a:r>
+                        <a:rPr lang="en-US" dirty="0"/>
+                        <a:t>Tags</a:t>
+                      </a:r>
+                    </a:p>
+                  </a:txBody>
+                  <a:tcPr anchor="ctr">
+                    <a:lnL w="12700" cap="flat" cmpd="sng" algn="ctr">
+                      <a:solidFill>
+                        <a:schemeClr val="tx1"/>
+                      </a:solidFill>
+                      <a:prstDash val="solid"/>
+                      <a:round/>
+                      <a:headEnd type="none" w="med" len="med"/>
+                      <a:tailEnd type="none" w="med" len="med"/>
+                    </a:lnL>
+                    <a:lnR w="12700" cap="flat" cmpd="sng" algn="ctr">
+                      <a:solidFill>
+                        <a:schemeClr val="tx1"/>
+                      </a:solidFill>
+                      <a:prstDash val="solid"/>
+                      <a:round/>
+                      <a:headEnd type="none" w="med" len="med"/>
+                      <a:tailEnd type="none" w="med" len="med"/>
+                    </a:lnR>
+                    <a:lnT w="12700" cap="flat" cmpd="sng" algn="ctr">
+                      <a:solidFill>
+                        <a:schemeClr val="tx1"/>
+                      </a:solidFill>
+                      <a:prstDash val="solid"/>
+                      <a:round/>
+                      <a:headEnd type="none" w="med" len="med"/>
+                      <a:tailEnd type="none" w="med" len="med"/>
+                    </a:lnT>
+                    <a:lnB w="12700" cap="flat" cmpd="sng" algn="ctr">
+                      <a:solidFill>
+                        <a:schemeClr val="tx1"/>
+                      </a:solidFill>
+                      <a:prstDash val="solid"/>
+                      <a:round/>
+                      <a:headEnd type="none" w="med" len="med"/>
+                      <a:tailEnd type="none" w="med" len="med"/>
+                    </a:lnB>
+                  </a:tcPr>
+                </a:tc>
+                <a:tc hMerge="1">
+                  <a:txBody>
+                    <a:bodyPr/>
+                    <a:lstStyle/>
+                    <a:p>
+                      <a:endParaRPr lang="en-US" dirty="0"/>
+                    </a:p>
+                  </a:txBody>
+                  <a:tcPr/>
+                </a:tc>
+                <a:extLst>
+                  <a:ext uri="{0D108BD9-81ED-4DB2-BD59-A6C34878D82A}">
+                    <a16:rowId xmlns:a16="http://schemas.microsoft.com/office/drawing/2014/main" val="3211573024"/>
+                  </a:ext>
+                </a:extLst>
+              </a:tr>
+              <a:tr h="370840">
+                <a:tc>
+                  <a:txBody>
+                    <a:bodyPr/>
+                    <a:lstStyle/>
+                    <a:p>
+                      <a:pPr algn="ctr"/>
+                      <a:r>
+                        <a:rPr lang="en-US" b="1" dirty="0"/>
+                        <a:t>Id</a:t>
+                      </a:r>
+                    </a:p>
+                  </a:txBody>
+                  <a:tcPr anchor="ctr">
+                    <a:lnL w="12700" cap="flat" cmpd="sng" algn="ctr">
+                      <a:solidFill>
+                        <a:schemeClr val="tx1"/>
+                      </a:solidFill>
+                      <a:prstDash val="solid"/>
+                      <a:round/>
+                      <a:headEnd type="none" w="med" len="med"/>
+                      <a:tailEnd type="none" w="med" len="med"/>
+                    </a:lnL>
+                    <a:lnR w="12700" cap="flat" cmpd="sng" algn="ctr">
+                      <a:solidFill>
+                        <a:schemeClr val="tx1"/>
+                      </a:solidFill>
+                      <a:prstDash val="solid"/>
+                      <a:round/>
+                      <a:headEnd type="none" w="med" len="med"/>
+                      <a:tailEnd type="none" w="med" len="med"/>
+                    </a:lnR>
+                    <a:lnT w="12700" cap="flat" cmpd="sng" algn="ctr">
+                      <a:solidFill>
+                        <a:schemeClr val="tx1"/>
+                      </a:solidFill>
+                      <a:prstDash val="solid"/>
+                      <a:round/>
+                      <a:headEnd type="none" w="med" len="med"/>
+                      <a:tailEnd type="none" w="med" len="med"/>
+                    </a:lnT>
+                    <a:lnB w="12700" cap="flat" cmpd="sng" algn="ctr">
+                      <a:solidFill>
+                        <a:schemeClr val="tx1"/>
+                      </a:solidFill>
+                      <a:prstDash val="solid"/>
+                      <a:round/>
+                      <a:headEnd type="none" w="med" len="med"/>
+                      <a:tailEnd type="none" w="med" len="med"/>
+                    </a:lnB>
+                  </a:tcPr>
+                </a:tc>
+                <a:tc>
+                  <a:txBody>
+                    <a:bodyPr/>
+                    <a:lstStyle/>
+                    <a:p>
+                      <a:pPr algn="ctr"/>
+                      <a:r>
+                        <a:rPr lang="en-US" b="1" dirty="0"/>
+                        <a:t>Tag Name (VARCHAR)</a:t>
+                      </a:r>
+                    </a:p>
+                  </a:txBody>
+                  <a:tcPr anchor="ctr">
+                    <a:lnL w="12700" cap="flat" cmpd="sng" algn="ctr">
+                      <a:solidFill>
+                        <a:schemeClr val="tx1"/>
+                      </a:solidFill>
+                      <a:prstDash val="solid"/>
+                      <a:round/>
+                      <a:headEnd type="none" w="med" len="med"/>
+                      <a:tailEnd type="none" w="med" len="med"/>
+                    </a:lnL>
+                    <a:lnR w="12700" cap="flat" cmpd="sng" algn="ctr">
+                      <a:solidFill>
+                        <a:schemeClr val="tx1"/>
+                      </a:solidFill>
+                      <a:prstDash val="solid"/>
+                      <a:round/>
+                      <a:headEnd type="none" w="med" len="med"/>
+                      <a:tailEnd type="none" w="med" len="med"/>
+                    </a:lnR>
+                    <a:lnT w="12700" cap="flat" cmpd="sng" algn="ctr">
+                      <a:solidFill>
+                        <a:schemeClr val="tx1"/>
+                      </a:solidFill>
+                      <a:prstDash val="solid"/>
+                      <a:round/>
+                      <a:headEnd type="none" w="med" len="med"/>
+                      <a:tailEnd type="none" w="med" len="med"/>
+                    </a:lnT>
+                    <a:lnB w="12700" cap="flat" cmpd="sng" algn="ctr">
+                      <a:solidFill>
+                        <a:schemeClr val="tx1"/>
+                      </a:solidFill>
+                      <a:prstDash val="solid"/>
+                      <a:round/>
+                      <a:headEnd type="none" w="med" len="med"/>
+                      <a:tailEnd type="none" w="med" len="med"/>
+                    </a:lnB>
+                  </a:tcPr>
+                </a:tc>
+                <a:extLst>
+                  <a:ext uri="{0D108BD9-81ED-4DB2-BD59-A6C34878D82A}">
+                    <a16:rowId xmlns:a16="http://schemas.microsoft.com/office/drawing/2014/main" val="2556437728"/>
+                  </a:ext>
+                </a:extLst>
+              </a:tr>
+              <a:tr h="370840">
+                <a:tc>
+                  <a:txBody>
+                    <a:bodyPr/>
+                    <a:lstStyle/>
+                    <a:p>
+                      <a:pPr algn="ctr"/>
+                      <a:r>
+                        <a:rPr lang="en-US" dirty="0"/>
+                        <a:t>1</a:t>
+                      </a:r>
+                    </a:p>
+                  </a:txBody>
+                  <a:tcPr anchor="ctr">
+                    <a:lnL w="12700" cap="flat" cmpd="sng" algn="ctr">
+                      <a:solidFill>
+                        <a:schemeClr val="tx1"/>
+                      </a:solidFill>
+                      <a:prstDash val="solid"/>
+                      <a:round/>
+                      <a:headEnd type="none" w="med" len="med"/>
+                      <a:tailEnd type="none" w="med" len="med"/>
+                    </a:lnL>
+                    <a:lnR w="12700" cap="flat" cmpd="sng" algn="ctr">
+                      <a:solidFill>
+                        <a:schemeClr val="tx1"/>
+                      </a:solidFill>
+                      <a:prstDash val="solid"/>
+                      <a:round/>
+                      <a:headEnd type="none" w="med" len="med"/>
+                      <a:tailEnd type="none" w="med" len="med"/>
+                    </a:lnR>
+                    <a:lnT w="12700" cap="flat" cmpd="sng" algn="ctr">
+                      <a:solidFill>
+                        <a:schemeClr val="tx1"/>
+                      </a:solidFill>
+                      <a:prstDash val="solid"/>
+                      <a:round/>
+                      <a:headEnd type="none" w="med" len="med"/>
+                      <a:tailEnd type="none" w="med" len="med"/>
+                    </a:lnT>
+                    <a:lnB w="12700" cap="flat" cmpd="sng" algn="ctr">
+                      <a:solidFill>
+                        <a:schemeClr val="tx1"/>
+                      </a:solidFill>
+                      <a:prstDash val="solid"/>
+                      <a:round/>
+                      <a:headEnd type="none" w="med" len="med"/>
+                      <a:tailEnd type="none" w="med" len="med"/>
+                    </a:lnB>
+                  </a:tcPr>
+                </a:tc>
+                <a:tc>
+                  <a:txBody>
+                    <a:bodyPr/>
+                    <a:lstStyle/>
+                    <a:p>
+                      <a:pPr algn="ctr"/>
+                      <a:r>
+                        <a:rPr lang="en-US" dirty="0"/>
+                        <a:t>Groceries</a:t>
+                      </a:r>
+                    </a:p>
+                  </a:txBody>
+                  <a:tcPr anchor="ctr">
+                    <a:lnL w="12700" cap="flat" cmpd="sng" algn="ctr">
+                      <a:solidFill>
+                        <a:schemeClr val="tx1"/>
+                      </a:solidFill>
+                      <a:prstDash val="solid"/>
+                      <a:round/>
+                      <a:headEnd type="none" w="med" len="med"/>
+                      <a:tailEnd type="none" w="med" len="med"/>
+                    </a:lnL>
+                    <a:lnR w="12700" cap="flat" cmpd="sng" algn="ctr">
+                      <a:solidFill>
+                        <a:schemeClr val="tx1"/>
+                      </a:solidFill>
+                      <a:prstDash val="solid"/>
+                      <a:round/>
+                      <a:headEnd type="none" w="med" len="med"/>
+                      <a:tailEnd type="none" w="med" len="med"/>
+                    </a:lnR>
+                    <a:lnT w="12700" cap="flat" cmpd="sng" algn="ctr">
+                      <a:solidFill>
+                        <a:schemeClr val="tx1"/>
+                      </a:solidFill>
+                      <a:prstDash val="solid"/>
+                      <a:round/>
+                      <a:headEnd type="none" w="med" len="med"/>
+                      <a:tailEnd type="none" w="med" len="med"/>
+                    </a:lnT>
+                    <a:lnB w="12700" cap="flat" cmpd="sng" algn="ctr">
+                      <a:solidFill>
+                        <a:schemeClr val="tx1"/>
+                      </a:solidFill>
+                      <a:prstDash val="solid"/>
+                      <a:round/>
+                      <a:headEnd type="none" w="med" len="med"/>
+                      <a:tailEnd type="none" w="med" len="med"/>
+                    </a:lnB>
+                  </a:tcPr>
+                </a:tc>
+                <a:extLst>
+                  <a:ext uri="{0D108BD9-81ED-4DB2-BD59-A6C34878D82A}">
+                    <a16:rowId xmlns:a16="http://schemas.microsoft.com/office/drawing/2014/main" val="466209325"/>
+                  </a:ext>
+                </a:extLst>
+              </a:tr>
+              <a:tr h="370840">
+                <a:tc>
+                  <a:txBody>
+                    <a:bodyPr/>
+                    <a:lstStyle/>
+                    <a:p>
+                      <a:pPr algn="ctr"/>
+                      <a:r>
+                        <a:rPr lang="en-US" dirty="0"/>
+                        <a:t>2</a:t>
+                      </a:r>
+                    </a:p>
+                  </a:txBody>
+                  <a:tcPr anchor="ctr">
+                    <a:lnL w="12700" cap="flat" cmpd="sng" algn="ctr">
+                      <a:solidFill>
+                        <a:schemeClr val="tx1"/>
+                      </a:solidFill>
+                      <a:prstDash val="solid"/>
+                      <a:round/>
+                      <a:headEnd type="none" w="med" len="med"/>
+                      <a:tailEnd type="none" w="med" len="med"/>
+                    </a:lnL>
+                    <a:lnR w="12700" cap="flat" cmpd="sng" algn="ctr">
+                      <a:solidFill>
+                        <a:schemeClr val="tx1"/>
+                      </a:solidFill>
+                      <a:prstDash val="solid"/>
+                      <a:round/>
+                      <a:headEnd type="none" w="med" len="med"/>
+                      <a:tailEnd type="none" w="med" len="med"/>
+                    </a:lnR>
+                    <a:lnT w="12700" cap="flat" cmpd="sng" algn="ctr">
+                      <a:solidFill>
+                        <a:schemeClr val="tx1"/>
+                      </a:solidFill>
+                      <a:prstDash val="solid"/>
+                      <a:round/>
+                      <a:headEnd type="none" w="med" len="med"/>
+                      <a:tailEnd type="none" w="med" len="med"/>
+                    </a:lnT>
+                    <a:lnB w="12700" cap="flat" cmpd="sng" algn="ctr">
+                      <a:solidFill>
+                        <a:schemeClr val="tx1"/>
+                      </a:solidFill>
+                      <a:prstDash val="solid"/>
+                      <a:round/>
+                      <a:headEnd type="none" w="med" len="med"/>
+                      <a:tailEnd type="none" w="med" len="med"/>
+                    </a:lnB>
+                  </a:tcPr>
+                </a:tc>
+                <a:tc>
+                  <a:txBody>
+                    <a:bodyPr/>
+                    <a:lstStyle/>
+                    <a:p>
+                      <a:pPr algn="ctr"/>
+                      <a:r>
+                        <a:rPr lang="en-US" dirty="0"/>
+                        <a:t>Travel</a:t>
+                      </a:r>
+                    </a:p>
+                  </a:txBody>
+                  <a:tcPr anchor="ctr">
+                    <a:lnL w="12700" cap="flat" cmpd="sng" algn="ctr">
+                      <a:solidFill>
+                        <a:schemeClr val="tx1"/>
+                      </a:solidFill>
+                      <a:prstDash val="solid"/>
+                      <a:round/>
+                      <a:headEnd type="none" w="med" len="med"/>
+                      <a:tailEnd type="none" w="med" len="med"/>
+                    </a:lnL>
+                    <a:lnR w="12700" cap="flat" cmpd="sng" algn="ctr">
+                      <a:solidFill>
+                        <a:schemeClr val="tx1"/>
+                      </a:solidFill>
+                      <a:prstDash val="solid"/>
+                      <a:round/>
+                      <a:headEnd type="none" w="med" len="med"/>
+                      <a:tailEnd type="none" w="med" len="med"/>
+                    </a:lnR>
+                    <a:lnT w="12700" cap="flat" cmpd="sng" algn="ctr">
+                      <a:solidFill>
+                        <a:schemeClr val="tx1"/>
+                      </a:solidFill>
+                      <a:prstDash val="solid"/>
+                      <a:round/>
+                      <a:headEnd type="none" w="med" len="med"/>
+                      <a:tailEnd type="none" w="med" len="med"/>
+                    </a:lnT>
+                    <a:lnB w="12700" cap="flat" cmpd="sng" algn="ctr">
+                      <a:solidFill>
+                        <a:schemeClr val="tx1"/>
+                      </a:solidFill>
+                      <a:prstDash val="solid"/>
+                      <a:round/>
+                      <a:headEnd type="none" w="med" len="med"/>
+                      <a:tailEnd type="none" w="med" len="med"/>
+                    </a:lnB>
+                  </a:tcPr>
+                </a:tc>
+                <a:extLst>
+                  <a:ext uri="{0D108BD9-81ED-4DB2-BD59-A6C34878D82A}">
+                    <a16:rowId xmlns:a16="http://schemas.microsoft.com/office/drawing/2014/main" val="3843750482"/>
+                  </a:ext>
+                </a:extLst>
+              </a:tr>
+              <a:tr h="370840">
+                <a:tc>
+                  <a:txBody>
+                    <a:bodyPr/>
+                    <a:lstStyle/>
+                    <a:p>
+                      <a:pPr algn="ctr"/>
+                      <a:r>
+                        <a:rPr lang="en-US" dirty="0"/>
+                        <a:t>3</a:t>
+                      </a:r>
+                    </a:p>
+                  </a:txBody>
+                  <a:tcPr anchor="ctr">
+                    <a:lnL w="12700" cap="flat" cmpd="sng" algn="ctr">
+                      <a:solidFill>
+                        <a:schemeClr val="tx1"/>
+                      </a:solidFill>
+                      <a:prstDash val="solid"/>
+                      <a:round/>
+                      <a:headEnd type="none" w="med" len="med"/>
+                      <a:tailEnd type="none" w="med" len="med"/>
+                    </a:lnL>
+                    <a:lnR w="12700" cap="flat" cmpd="sng" algn="ctr">
+                      <a:solidFill>
+                        <a:schemeClr val="tx1"/>
+                      </a:solidFill>
+                      <a:prstDash val="solid"/>
+                      <a:round/>
+                      <a:headEnd type="none" w="med" len="med"/>
+                      <a:tailEnd type="none" w="med" len="med"/>
+                    </a:lnR>
+                    <a:lnT w="12700" cap="flat" cmpd="sng" algn="ctr">
+                      <a:solidFill>
+                        <a:schemeClr val="tx1"/>
+                      </a:solidFill>
+                      <a:prstDash val="solid"/>
+                      <a:round/>
+                      <a:headEnd type="none" w="med" len="med"/>
+                      <a:tailEnd type="none" w="med" len="med"/>
+                    </a:lnT>
+                    <a:lnB w="12700" cap="flat" cmpd="sng" algn="ctr">
+                      <a:solidFill>
+                        <a:schemeClr val="tx1"/>
+                      </a:solidFill>
+                      <a:prstDash val="solid"/>
+                      <a:round/>
+                      <a:headEnd type="none" w="med" len="med"/>
+                      <a:tailEnd type="none" w="med" len="med"/>
+                    </a:lnB>
+                  </a:tcPr>
+                </a:tc>
+                <a:tc>
+                  <a:txBody>
+                    <a:bodyPr/>
+                    <a:lstStyle/>
+                    <a:p>
+                      <a:pPr algn="ctr"/>
+                      <a:r>
+                        <a:rPr lang="en-US" dirty="0"/>
+                        <a:t>Clothing</a:t>
+                      </a:r>
+                    </a:p>
+                  </a:txBody>
+                  <a:tcPr anchor="ctr">
+                    <a:lnL w="12700" cap="flat" cmpd="sng" algn="ctr">
+                      <a:solidFill>
+                        <a:schemeClr val="tx1"/>
+                      </a:solidFill>
+                      <a:prstDash val="solid"/>
+                      <a:round/>
+                      <a:headEnd type="none" w="med" len="med"/>
+                      <a:tailEnd type="none" w="med" len="med"/>
+                    </a:lnL>
+                    <a:lnR w="12700" cap="flat" cmpd="sng" algn="ctr">
+                      <a:solidFill>
+                        <a:schemeClr val="tx1"/>
+                      </a:solidFill>
+                      <a:prstDash val="solid"/>
+                      <a:round/>
+                      <a:headEnd type="none" w="med" len="med"/>
+                      <a:tailEnd type="none" w="med" len="med"/>
+                    </a:lnR>
+                    <a:lnT w="12700" cap="flat" cmpd="sng" algn="ctr">
+                      <a:solidFill>
+                        <a:schemeClr val="tx1"/>
+                      </a:solidFill>
+                      <a:prstDash val="solid"/>
+                      <a:round/>
+                      <a:headEnd type="none" w="med" len="med"/>
+                      <a:tailEnd type="none" w="med" len="med"/>
+                    </a:lnT>
+                    <a:lnB w="12700" cap="flat" cmpd="sng" algn="ctr">
+                      <a:solidFill>
+                        <a:schemeClr val="tx1"/>
+                      </a:solidFill>
+                      <a:prstDash val="solid"/>
+                      <a:round/>
+                      <a:headEnd type="none" w="med" len="med"/>
+                      <a:tailEnd type="none" w="med" len="med"/>
+                    </a:lnB>
+                  </a:tcPr>
+                </a:tc>
+                <a:extLst>
+                  <a:ext uri="{0D108BD9-81ED-4DB2-BD59-A6C34878D82A}">
+                    <a16:rowId xmlns:a16="http://schemas.microsoft.com/office/drawing/2014/main" val="1822218103"/>
+                  </a:ext>
+                </a:extLst>
+              </a:tr>
+            </a:tbl>
+          </a:graphicData>
+        </a:graphic>
+      </p:graphicFrame>
+      <p:graphicFrame>
+        <p:nvGraphicFramePr>
+          <p:cNvPr id="6" name="Table 5">
+            <a:extLst>
+              <a:ext uri="{FF2B5EF4-FFF2-40B4-BE49-F238E27FC236}">
+                <a16:creationId xmlns:a16="http://schemas.microsoft.com/office/drawing/2014/main" id="{89E6E24A-03E7-C240-AE71-F0F986EA95AF}"/>
+              </a:ext>
+            </a:extLst>
+          </p:cNvPr>
+          <p:cNvGraphicFramePr>
+            <a:graphicFrameLocks noGrp="1"/>
+          </p:cNvGraphicFramePr>
+          <p:nvPr>
+            <p:extLst>
+              <p:ext uri="{D42A27DB-BD31-4B8C-83A1-F6EECF244321}">
+                <p14:modId xmlns:p14="http://schemas.microsoft.com/office/powerpoint/2010/main" val="1220126136"/>
+              </p:ext>
+            </p:extLst>
+          </p:nvPr>
+        </p:nvGraphicFramePr>
+        <p:xfrm>
+          <a:off x="159124" y="3980356"/>
+          <a:ext cx="11873751" cy="2672080"/>
+        </p:xfrm>
+        <a:graphic>
+          <a:graphicData uri="http://schemas.openxmlformats.org/drawingml/2006/table">
+            <a:tbl>
+              <a:tblPr firstRow="1" bandRow="1">
+                <a:tableStyleId>{17292A2E-F333-43FB-9621-5CBBE7FDCDCB}</a:tableStyleId>
+              </a:tblPr>
+              <a:tblGrid>
+                <a:gridCol w="510988">
+                  <a:extLst>
+                    <a:ext uri="{9D8B030D-6E8A-4147-A177-3AD203B41FA5}">
+                      <a16:colId xmlns:a16="http://schemas.microsoft.com/office/drawing/2014/main" val="1019678322"/>
+                    </a:ext>
+                  </a:extLst>
+                </a:gridCol>
+                <a:gridCol w="1425388">
+                  <a:extLst>
+                    <a:ext uri="{9D8B030D-6E8A-4147-A177-3AD203B41FA5}">
+                      <a16:colId xmlns:a16="http://schemas.microsoft.com/office/drawing/2014/main" val="467870881"/>
+                    </a:ext>
+                  </a:extLst>
+                </a:gridCol>
+                <a:gridCol w="1471456">
+                  <a:extLst>
+                    <a:ext uri="{9D8B030D-6E8A-4147-A177-3AD203B41FA5}">
+                      <a16:colId xmlns:a16="http://schemas.microsoft.com/office/drawing/2014/main" val="2715199334"/>
+                    </a:ext>
+                  </a:extLst>
+                </a:gridCol>
+                <a:gridCol w="1209417">
+                  <a:extLst>
+                    <a:ext uri="{9D8B030D-6E8A-4147-A177-3AD203B41FA5}">
+                      <a16:colId xmlns:a16="http://schemas.microsoft.com/office/drawing/2014/main" val="2601363651"/>
+                    </a:ext>
+                  </a:extLst>
+                </a:gridCol>
+                <a:gridCol w="1209417">
+                  <a:extLst>
+                    <a:ext uri="{9D8B030D-6E8A-4147-A177-3AD203B41FA5}">
+                      <a16:colId xmlns:a16="http://schemas.microsoft.com/office/drawing/2014/main" val="3132313418"/>
+                    </a:ext>
+                  </a:extLst>
+                </a:gridCol>
+                <a:gridCol w="1209417">
+                  <a:extLst>
+                    <a:ext uri="{9D8B030D-6E8A-4147-A177-3AD203B41FA5}">
+                      <a16:colId xmlns:a16="http://schemas.microsoft.com/office/drawing/2014/main" val="2343758945"/>
+                    </a:ext>
+                  </a:extLst>
+                </a:gridCol>
+                <a:gridCol w="1209417">
+                  <a:extLst>
+                    <a:ext uri="{9D8B030D-6E8A-4147-A177-3AD203B41FA5}">
+                      <a16:colId xmlns:a16="http://schemas.microsoft.com/office/drawing/2014/main" val="3498094520"/>
+                    </a:ext>
+                  </a:extLst>
+                </a:gridCol>
+                <a:gridCol w="1209417">
+                  <a:extLst>
+                    <a:ext uri="{9D8B030D-6E8A-4147-A177-3AD203B41FA5}">
+                      <a16:colId xmlns:a16="http://schemas.microsoft.com/office/drawing/2014/main" val="1705342594"/>
+                    </a:ext>
+                  </a:extLst>
+                </a:gridCol>
+                <a:gridCol w="1209417">
+                  <a:extLst>
+                    <a:ext uri="{9D8B030D-6E8A-4147-A177-3AD203B41FA5}">
+                      <a16:colId xmlns:a16="http://schemas.microsoft.com/office/drawing/2014/main" val="2555784917"/>
+                    </a:ext>
+                  </a:extLst>
+                </a:gridCol>
+                <a:gridCol w="1209417">
+                  <a:extLst>
+                    <a:ext uri="{9D8B030D-6E8A-4147-A177-3AD203B41FA5}">
+                      <a16:colId xmlns:a16="http://schemas.microsoft.com/office/drawing/2014/main" val="702228982"/>
+                    </a:ext>
+                  </a:extLst>
+                </a:gridCol>
+              </a:tblGrid>
+              <a:tr h="370840">
+                <a:tc gridSpan="10">
+                  <a:txBody>
+                    <a:bodyPr/>
+                    <a:lstStyle/>
+                    <a:p>
+                      <a:pPr algn="ctr"/>
+                      <a:r>
+                        <a:rPr lang="en-US" dirty="0"/>
+                        <a:t>Transactions</a:t>
+                      </a:r>
+                    </a:p>
+                  </a:txBody>
+                  <a:tcPr anchor="ctr">
+                    <a:lnL w="12700" cap="flat" cmpd="sng" algn="ctr">
+                      <a:solidFill>
+                        <a:schemeClr val="tx1"/>
+                      </a:solidFill>
+                      <a:prstDash val="solid"/>
+                      <a:round/>
+                      <a:headEnd type="none" w="med" len="med"/>
+                      <a:tailEnd type="none" w="med" len="med"/>
+                    </a:lnL>
+                    <a:lnR w="12700" cap="flat" cmpd="sng" algn="ctr">
+                      <a:solidFill>
+                        <a:schemeClr val="tx1"/>
+                      </a:solidFill>
+                      <a:prstDash val="solid"/>
+                      <a:round/>
+                      <a:headEnd type="none" w="med" len="med"/>
+                      <a:tailEnd type="none" w="med" len="med"/>
+                    </a:lnR>
+                    <a:lnT w="12700" cap="flat" cmpd="sng" algn="ctr">
+                      <a:solidFill>
+                        <a:schemeClr val="tx1"/>
+                      </a:solidFill>
+                      <a:prstDash val="solid"/>
+                      <a:round/>
+                      <a:headEnd type="none" w="med" len="med"/>
+                      <a:tailEnd type="none" w="med" len="med"/>
+                    </a:lnT>
+                    <a:lnB w="12700" cap="flat" cmpd="sng" algn="ctr">
+                      <a:solidFill>
+                        <a:schemeClr val="tx1"/>
+                      </a:solidFill>
+                      <a:prstDash val="solid"/>
+                      <a:round/>
+                      <a:headEnd type="none" w="med" len="med"/>
+                      <a:tailEnd type="none" w="med" len="med"/>
+                    </a:lnB>
+                    <a:solidFill>
+                      <a:srgbClr val="33C1C4"/>
+                    </a:solidFill>
+                  </a:tcPr>
+                </a:tc>
+                <a:tc hMerge="1">
+                  <a:txBody>
+                    <a:bodyPr/>
+                    <a:lstStyle/>
+                    <a:p>
+                      <a:endParaRPr lang="en-US"/>
+                    </a:p>
+                  </a:txBody>
+                  <a:tcPr/>
+                </a:tc>
+                <a:tc hMerge="1">
+                  <a:txBody>
+                    <a:bodyPr/>
+                    <a:lstStyle/>
+                    <a:p>
+                      <a:endParaRPr lang="en-US"/>
+                    </a:p>
+                  </a:txBody>
+                  <a:tcPr/>
+                </a:tc>
+                <a:tc hMerge="1">
+                  <a:txBody>
+                    <a:bodyPr/>
+                    <a:lstStyle/>
+                    <a:p>
+                      <a:endParaRPr lang="en-US"/>
+                    </a:p>
+                  </a:txBody>
+                  <a:tcPr/>
+                </a:tc>
+                <a:tc hMerge="1">
+                  <a:txBody>
+                    <a:bodyPr/>
+                    <a:lstStyle/>
+                    <a:p>
+                      <a:endParaRPr lang="en-US"/>
+                    </a:p>
+                  </a:txBody>
+                  <a:tcPr/>
+                </a:tc>
+                <a:tc hMerge="1">
+                  <a:txBody>
+                    <a:bodyPr/>
+                    <a:lstStyle/>
+                    <a:p>
+                      <a:endParaRPr lang="en-US"/>
+                    </a:p>
+                  </a:txBody>
+                  <a:tcPr/>
+                </a:tc>
+                <a:tc hMerge="1">
+                  <a:txBody>
+                    <a:bodyPr/>
+                    <a:lstStyle/>
+                    <a:p>
+                      <a:endParaRPr lang="en-US"/>
+                    </a:p>
+                  </a:txBody>
+                  <a:tcPr/>
+                </a:tc>
+                <a:tc hMerge="1">
+                  <a:txBody>
+                    <a:bodyPr/>
+                    <a:lstStyle/>
+                    <a:p>
+                      <a:endParaRPr lang="en-US"/>
+                    </a:p>
+                  </a:txBody>
+                  <a:tcPr/>
+                </a:tc>
+                <a:tc hMerge="1">
+                  <a:txBody>
+                    <a:bodyPr/>
+                    <a:lstStyle/>
+                    <a:p>
+                      <a:endParaRPr lang="en-US"/>
+                    </a:p>
+                  </a:txBody>
+                  <a:tcPr/>
+                </a:tc>
+                <a:tc hMerge="1">
+                  <a:txBody>
+                    <a:bodyPr/>
+                    <a:lstStyle/>
+                    <a:p>
+                      <a:endParaRPr lang="en-US" dirty="0"/>
+                    </a:p>
+                  </a:txBody>
+                  <a:tcPr/>
+                </a:tc>
+                <a:extLst>
+                  <a:ext uri="{0D108BD9-81ED-4DB2-BD59-A6C34878D82A}">
+                    <a16:rowId xmlns:a16="http://schemas.microsoft.com/office/drawing/2014/main" val="3211573024"/>
+                  </a:ext>
+                </a:extLst>
+              </a:tr>
+              <a:tr h="370840">
+                <a:tc>
+                  <a:txBody>
+                    <a:bodyPr/>
+                    <a:lstStyle/>
+                    <a:p>
+                      <a:pPr algn="ctr"/>
+                      <a:r>
+                        <a:rPr lang="en-US" dirty="0"/>
+                        <a:t>Id</a:t>
+                      </a:r>
+                      <a:endParaRPr lang="en-US" b="1" dirty="0"/>
+                    </a:p>
+                  </a:txBody>
+                  <a:tcPr anchor="ctr">
+                    <a:lnL w="12700" cap="flat" cmpd="sng" algn="ctr">
+                      <a:solidFill>
+                        <a:schemeClr val="tx1"/>
+                      </a:solidFill>
+                      <a:prstDash val="solid"/>
+                      <a:round/>
+                      <a:headEnd type="none" w="med" len="med"/>
+                      <a:tailEnd type="none" w="med" len="med"/>
+                    </a:lnL>
+                    <a:lnR w="12700" cap="flat" cmpd="sng" algn="ctr">
+                      <a:solidFill>
+                        <a:schemeClr val="tx1"/>
+                      </a:solidFill>
+                      <a:prstDash val="solid"/>
+                      <a:round/>
+                      <a:headEnd type="none" w="med" len="med"/>
+                      <a:tailEnd type="none" w="med" len="med"/>
+                    </a:lnR>
+                    <a:lnT w="12700" cap="flat" cmpd="sng" algn="ctr">
+                      <a:solidFill>
+                        <a:schemeClr val="tx1"/>
+                      </a:solidFill>
+                      <a:prstDash val="solid"/>
+                      <a:round/>
+                      <a:headEnd type="none" w="med" len="med"/>
+                      <a:tailEnd type="none" w="med" len="med"/>
+                    </a:lnT>
+                    <a:lnB w="12700" cap="flat" cmpd="sng" algn="ctr">
+                      <a:solidFill>
+                        <a:schemeClr val="tx1"/>
+                      </a:solidFill>
+                      <a:prstDash val="solid"/>
+                      <a:round/>
+                      <a:headEnd type="none" w="med" len="med"/>
+                      <a:tailEnd type="none" w="med" len="med"/>
+                    </a:lnB>
+                  </a:tcPr>
+                </a:tc>
+                <a:tc>
+                  <a:txBody>
+                    <a:bodyPr/>
+                    <a:lstStyle/>
+                    <a:p>
+                      <a:pPr algn="ctr"/>
+                      <a:r>
+                        <a:rPr lang="en-US" b="1" dirty="0"/>
+                        <a:t>Amount(£) (NUMERIC(10,2)</a:t>
+                      </a:r>
+                    </a:p>
+                  </a:txBody>
+                  <a:tcPr anchor="ctr">
+                    <a:lnL w="12700" cap="flat" cmpd="sng" algn="ctr">
+                      <a:solidFill>
+                        <a:schemeClr val="tx1"/>
+                      </a:solidFill>
+                      <a:prstDash val="solid"/>
+                      <a:round/>
+                      <a:headEnd type="none" w="med" len="med"/>
+                      <a:tailEnd type="none" w="med" len="med"/>
+                    </a:lnL>
+                    <a:lnR w="12700" cap="flat" cmpd="sng" algn="ctr">
+                      <a:solidFill>
+                        <a:schemeClr val="tx1"/>
+                      </a:solidFill>
+                      <a:prstDash val="solid"/>
+                      <a:round/>
+                      <a:headEnd type="none" w="med" len="med"/>
+                      <a:tailEnd type="none" w="med" len="med"/>
+                    </a:lnR>
+                    <a:lnT w="12700" cap="flat" cmpd="sng" algn="ctr">
+                      <a:solidFill>
+                        <a:schemeClr val="tx1"/>
+                      </a:solidFill>
+                      <a:prstDash val="solid"/>
+                      <a:round/>
+                      <a:headEnd type="none" w="med" len="med"/>
+                      <a:tailEnd type="none" w="med" len="med"/>
+                    </a:lnT>
+                    <a:lnB w="12700" cap="flat" cmpd="sng" algn="ctr">
+                      <a:solidFill>
+                        <a:schemeClr val="tx1"/>
+                      </a:solidFill>
+                      <a:prstDash val="solid"/>
+                      <a:round/>
+                      <a:headEnd type="none" w="med" len="med"/>
+                      <a:tailEnd type="none" w="med" len="med"/>
+                    </a:lnB>
+                  </a:tcPr>
+                </a:tc>
+                <a:tc>
+                  <a:txBody>
+                    <a:bodyPr/>
+                    <a:lstStyle/>
+                    <a:p>
+                      <a:pPr algn="ctr"/>
+                      <a:r>
+                        <a:rPr lang="en-US" b="1" dirty="0" err="1"/>
+                        <a:t>Merchant_id</a:t>
+                      </a:r>
+                      <a:endParaRPr lang="en-US" b="1" dirty="0"/>
+                    </a:p>
+                  </a:txBody>
+                  <a:tcPr anchor="ctr">
+                    <a:lnL w="12700" cap="flat" cmpd="sng" algn="ctr">
+                      <a:solidFill>
+                        <a:schemeClr val="tx1"/>
+                      </a:solidFill>
+                      <a:prstDash val="solid"/>
+                      <a:round/>
+                      <a:headEnd type="none" w="med" len="med"/>
+                      <a:tailEnd type="none" w="med" len="med"/>
+                    </a:lnL>
+                    <a:lnR w="12700" cap="flat" cmpd="sng" algn="ctr">
+                      <a:solidFill>
+                        <a:schemeClr val="tx1"/>
+                      </a:solidFill>
+                      <a:prstDash val="solid"/>
+                      <a:round/>
+                      <a:headEnd type="none" w="med" len="med"/>
+                      <a:tailEnd type="none" w="med" len="med"/>
+                    </a:lnR>
+                    <a:lnT w="12700" cap="flat" cmpd="sng" algn="ctr">
+                      <a:solidFill>
+                        <a:schemeClr val="tx1"/>
+                      </a:solidFill>
+                      <a:prstDash val="solid"/>
+                      <a:round/>
+                      <a:headEnd type="none" w="med" len="med"/>
+                      <a:tailEnd type="none" w="med" len="med"/>
+                    </a:lnT>
+                    <a:lnB w="12700" cap="flat" cmpd="sng" algn="ctr">
+                      <a:solidFill>
+                        <a:schemeClr val="tx1"/>
+                      </a:solidFill>
+                      <a:prstDash val="solid"/>
+                      <a:round/>
+                      <a:headEnd type="none" w="med" len="med"/>
+                      <a:tailEnd type="none" w="med" len="med"/>
+                    </a:lnB>
+                  </a:tcPr>
+                </a:tc>
+                <a:tc>
+                  <a:txBody>
+                    <a:bodyPr/>
+                    <a:lstStyle/>
+                    <a:p>
+                      <a:pPr algn="ctr"/>
+                      <a:r>
+                        <a:rPr lang="en-US" b="1" dirty="0" err="1"/>
+                        <a:t>Tag_id</a:t>
+                      </a:r>
+                      <a:endParaRPr lang="en-US" b="1" dirty="0"/>
+                    </a:p>
+                  </a:txBody>
+                  <a:tcPr anchor="ctr">
+                    <a:lnL w="12700" cap="flat" cmpd="sng" algn="ctr">
+                      <a:solidFill>
+                        <a:schemeClr val="tx1"/>
+                      </a:solidFill>
+                      <a:prstDash val="solid"/>
+                      <a:round/>
+                      <a:headEnd type="none" w="med" len="med"/>
+                      <a:tailEnd type="none" w="med" len="med"/>
+                    </a:lnL>
+                    <a:lnR w="12700" cap="flat" cmpd="sng" algn="ctr">
+                      <a:solidFill>
+                        <a:schemeClr val="tx1"/>
+                      </a:solidFill>
+                      <a:prstDash val="solid"/>
+                      <a:round/>
+                      <a:headEnd type="none" w="med" len="med"/>
+                      <a:tailEnd type="none" w="med" len="med"/>
+                    </a:lnR>
+                    <a:lnT w="12700" cap="flat" cmpd="sng" algn="ctr">
+                      <a:solidFill>
+                        <a:schemeClr val="tx1"/>
+                      </a:solidFill>
+                      <a:prstDash val="solid"/>
+                      <a:round/>
+                      <a:headEnd type="none" w="med" len="med"/>
+                      <a:tailEnd type="none" w="med" len="med"/>
+                    </a:lnT>
+                    <a:lnB w="12700" cap="flat" cmpd="sng" algn="ctr">
+                      <a:solidFill>
+                        <a:schemeClr val="tx1"/>
+                      </a:solidFill>
+                      <a:prstDash val="solid"/>
+                      <a:round/>
+                      <a:headEnd type="none" w="med" len="med"/>
+                      <a:tailEnd type="none" w="med" len="med"/>
+                    </a:lnB>
+                  </a:tcPr>
+                </a:tc>
+                <a:tc>
+                  <a:txBody>
+                    <a:bodyPr/>
+                    <a:lstStyle/>
+                    <a:p>
+                      <a:pPr algn="ctr"/>
+                      <a:r>
+                        <a:rPr lang="en-US" b="1" dirty="0"/>
+                        <a:t>Essential? (VARCHAR)</a:t>
+                      </a:r>
+                    </a:p>
+                  </a:txBody>
+                  <a:tcPr anchor="ctr">
+                    <a:lnL w="12700" cap="flat" cmpd="sng" algn="ctr">
+                      <a:solidFill>
+                        <a:schemeClr val="tx1"/>
+                      </a:solidFill>
+                      <a:prstDash val="solid"/>
+                      <a:round/>
+                      <a:headEnd type="none" w="med" len="med"/>
+                      <a:tailEnd type="none" w="med" len="med"/>
+                    </a:lnL>
+                    <a:lnR w="12700" cap="flat" cmpd="sng" algn="ctr">
+                      <a:solidFill>
+                        <a:schemeClr val="tx1"/>
+                      </a:solidFill>
+                      <a:prstDash val="solid"/>
+                      <a:round/>
+                      <a:headEnd type="none" w="med" len="med"/>
+                      <a:tailEnd type="none" w="med" len="med"/>
+                    </a:lnR>
+                    <a:lnT w="12700" cap="flat" cmpd="sng" algn="ctr">
+                      <a:solidFill>
+                        <a:schemeClr val="tx1"/>
+                      </a:solidFill>
+                      <a:prstDash val="solid"/>
+                      <a:round/>
+                      <a:headEnd type="none" w="med" len="med"/>
+                      <a:tailEnd type="none" w="med" len="med"/>
+                    </a:lnT>
+                    <a:lnB w="12700" cap="flat" cmpd="sng" algn="ctr">
+                      <a:solidFill>
+                        <a:schemeClr val="tx1"/>
+                      </a:solidFill>
+                      <a:prstDash val="solid"/>
+                      <a:round/>
+                      <a:headEnd type="none" w="med" len="med"/>
+                      <a:tailEnd type="none" w="med" len="med"/>
+                    </a:lnB>
+                  </a:tcPr>
+                </a:tc>
+                <a:tc>
+                  <a:txBody>
+                    <a:bodyPr/>
+                    <a:lstStyle/>
+                    <a:p>
+                      <a:pPr algn="ctr"/>
+                      <a:r>
+                        <a:rPr lang="en-US" b="1" dirty="0"/>
+                        <a:t>Time (NUMERIC(4,2)</a:t>
+                      </a:r>
+                    </a:p>
+                  </a:txBody>
+                  <a:tcPr anchor="ctr">
+                    <a:lnL w="12700" cap="flat" cmpd="sng" algn="ctr">
+                      <a:solidFill>
+                        <a:schemeClr val="tx1"/>
+                      </a:solidFill>
+                      <a:prstDash val="solid"/>
+                      <a:round/>
+                      <a:headEnd type="none" w="med" len="med"/>
+                      <a:tailEnd type="none" w="med" len="med"/>
+                    </a:lnL>
+                    <a:lnR w="12700" cap="flat" cmpd="sng" algn="ctr">
+                      <a:solidFill>
+                        <a:schemeClr val="tx1"/>
+                      </a:solidFill>
+                      <a:prstDash val="solid"/>
+                      <a:round/>
+                      <a:headEnd type="none" w="med" len="med"/>
+                      <a:tailEnd type="none" w="med" len="med"/>
+                    </a:lnR>
+                    <a:lnT w="12700" cap="flat" cmpd="sng" algn="ctr">
+                      <a:solidFill>
+                        <a:schemeClr val="tx1"/>
+                      </a:solidFill>
+                      <a:prstDash val="solid"/>
+                      <a:round/>
+                      <a:headEnd type="none" w="med" len="med"/>
+                      <a:tailEnd type="none" w="med" len="med"/>
+                    </a:lnT>
+                    <a:lnB w="12700" cap="flat" cmpd="sng" algn="ctr">
+                      <a:solidFill>
+                        <a:schemeClr val="tx1"/>
+                      </a:solidFill>
+                      <a:prstDash val="solid"/>
+                      <a:round/>
+                      <a:headEnd type="none" w="med" len="med"/>
+                      <a:tailEnd type="none" w="med" len="med"/>
+                    </a:lnB>
+                  </a:tcPr>
+                </a:tc>
+                <a:tc>
+                  <a:txBody>
+                    <a:bodyPr/>
+                    <a:lstStyle/>
+                    <a:p>
+                      <a:pPr algn="ctr"/>
+                      <a:r>
+                        <a:rPr lang="en-US" b="1" dirty="0"/>
+                        <a:t>Day (INT)</a:t>
+                      </a:r>
+                    </a:p>
+                  </a:txBody>
+                  <a:tcPr anchor="ctr">
+                    <a:lnL w="12700" cap="flat" cmpd="sng" algn="ctr">
+                      <a:solidFill>
+                        <a:schemeClr val="tx1"/>
+                      </a:solidFill>
+                      <a:prstDash val="solid"/>
+                      <a:round/>
+                      <a:headEnd type="none" w="med" len="med"/>
+                      <a:tailEnd type="none" w="med" len="med"/>
+                    </a:lnL>
+                    <a:lnR w="12700" cap="flat" cmpd="sng" algn="ctr">
+                      <a:solidFill>
+                        <a:schemeClr val="tx1"/>
+                      </a:solidFill>
+                      <a:prstDash val="solid"/>
+                      <a:round/>
+                      <a:headEnd type="none" w="med" len="med"/>
+                      <a:tailEnd type="none" w="med" len="med"/>
+                    </a:lnR>
+                    <a:lnT w="12700" cap="flat" cmpd="sng" algn="ctr">
+                      <a:solidFill>
+                        <a:schemeClr val="tx1"/>
+                      </a:solidFill>
+                      <a:prstDash val="solid"/>
+                      <a:round/>
+                      <a:headEnd type="none" w="med" len="med"/>
+                      <a:tailEnd type="none" w="med" len="med"/>
+                    </a:lnT>
+                    <a:lnB w="12700" cap="flat" cmpd="sng" algn="ctr">
+                      <a:solidFill>
+                        <a:schemeClr val="tx1"/>
+                      </a:solidFill>
+                      <a:prstDash val="solid"/>
+                      <a:round/>
+                      <a:headEnd type="none" w="med" len="med"/>
+                      <a:tailEnd type="none" w="med" len="med"/>
+                    </a:lnB>
+                  </a:tcPr>
+                </a:tc>
+                <a:tc>
+                  <a:txBody>
+                    <a:bodyPr/>
+                    <a:lstStyle/>
+                    <a:p>
+                      <a:pPr algn="ctr"/>
+                      <a:r>
+                        <a:rPr lang="en-US" b="1" dirty="0"/>
+                        <a:t>Month (VARCHAR)</a:t>
+                      </a:r>
+                    </a:p>
+                  </a:txBody>
+                  <a:tcPr anchor="ctr">
+                    <a:lnL w="12700" cap="flat" cmpd="sng" algn="ctr">
+                      <a:solidFill>
+                        <a:schemeClr val="tx1"/>
+                      </a:solidFill>
+                      <a:prstDash val="solid"/>
+                      <a:round/>
+                      <a:headEnd type="none" w="med" len="med"/>
+                      <a:tailEnd type="none" w="med" len="med"/>
+                    </a:lnL>
+                    <a:lnR w="12700" cap="flat" cmpd="sng" algn="ctr">
+                      <a:solidFill>
+                        <a:schemeClr val="tx1"/>
+                      </a:solidFill>
+                      <a:prstDash val="solid"/>
+                      <a:round/>
+                      <a:headEnd type="none" w="med" len="med"/>
+                      <a:tailEnd type="none" w="med" len="med"/>
+                    </a:lnR>
+                    <a:lnT w="12700" cap="flat" cmpd="sng" algn="ctr">
+                      <a:solidFill>
+                        <a:schemeClr val="tx1"/>
+                      </a:solidFill>
+                      <a:prstDash val="solid"/>
+                      <a:round/>
+                      <a:headEnd type="none" w="med" len="med"/>
+                      <a:tailEnd type="none" w="med" len="med"/>
+                    </a:lnT>
+                    <a:lnB w="12700" cap="flat" cmpd="sng" algn="ctr">
+                      <a:solidFill>
+                        <a:schemeClr val="tx1"/>
+                      </a:solidFill>
+                      <a:prstDash val="solid"/>
+                      <a:round/>
+                      <a:headEnd type="none" w="med" len="med"/>
+                      <a:tailEnd type="none" w="med" len="med"/>
+                    </a:lnB>
+                  </a:tcPr>
+                </a:tc>
+                <a:tc>
+                  <a:txBody>
+                    <a:bodyPr/>
+                    <a:lstStyle/>
+                    <a:p>
+                      <a:pPr algn="ctr"/>
+                      <a:r>
+                        <a:rPr lang="en-US" b="1" dirty="0"/>
+                        <a:t>Total spend(£) (NUMERIC(10,2)</a:t>
+                      </a:r>
+                    </a:p>
+                  </a:txBody>
+                  <a:tcPr anchor="ctr">
+                    <a:lnL w="12700" cap="flat" cmpd="sng" algn="ctr">
+                      <a:solidFill>
+                        <a:schemeClr val="tx1"/>
+                      </a:solidFill>
+                      <a:prstDash val="solid"/>
+                      <a:round/>
+                      <a:headEnd type="none" w="med" len="med"/>
+                      <a:tailEnd type="none" w="med" len="med"/>
+                    </a:lnL>
+                    <a:lnR w="12700" cap="flat" cmpd="sng" algn="ctr">
+                      <a:solidFill>
+                        <a:schemeClr val="tx1"/>
+                      </a:solidFill>
+                      <a:prstDash val="solid"/>
+                      <a:round/>
+                      <a:headEnd type="none" w="med" len="med"/>
+                      <a:tailEnd type="none" w="med" len="med"/>
+                    </a:lnR>
+                    <a:lnT w="12700" cap="flat" cmpd="sng" algn="ctr">
+                      <a:solidFill>
+                        <a:schemeClr val="tx1"/>
+                      </a:solidFill>
+                      <a:prstDash val="solid"/>
+                      <a:round/>
+                      <a:headEnd type="none" w="med" len="med"/>
+                      <a:tailEnd type="none" w="med" len="med"/>
+                    </a:lnT>
+                    <a:lnB w="12700" cap="flat" cmpd="sng" algn="ctr">
+                      <a:solidFill>
+                        <a:schemeClr val="tx1"/>
+                      </a:solidFill>
+                      <a:prstDash val="solid"/>
+                      <a:round/>
+                      <a:headEnd type="none" w="med" len="med"/>
+                      <a:tailEnd type="none" w="med" len="med"/>
+                    </a:lnB>
+                  </a:tcPr>
+                </a:tc>
+                <a:tc>
+                  <a:txBody>
+                    <a:bodyPr/>
+                    <a:lstStyle/>
+                    <a:p>
+                      <a:pPr algn="ctr"/>
+                      <a:r>
+                        <a:rPr lang="en-US" b="1" dirty="0"/>
+                        <a:t>Remaining Budget(£) (NUMERIC(10,2)</a:t>
+                      </a:r>
+                    </a:p>
+                  </a:txBody>
+                  <a:tcPr anchor="ctr">
+                    <a:lnL w="12700" cap="flat" cmpd="sng" algn="ctr">
+                      <a:solidFill>
+                        <a:schemeClr val="tx1"/>
+                      </a:solidFill>
+                      <a:prstDash val="solid"/>
+                      <a:round/>
+                      <a:headEnd type="none" w="med" len="med"/>
+                      <a:tailEnd type="none" w="med" len="med"/>
+                    </a:lnL>
+                    <a:lnR w="12700" cap="flat" cmpd="sng" algn="ctr">
+                      <a:solidFill>
+                        <a:schemeClr val="tx1"/>
+                      </a:solidFill>
+                      <a:prstDash val="solid"/>
+                      <a:round/>
+                      <a:headEnd type="none" w="med" len="med"/>
+                      <a:tailEnd type="none" w="med" len="med"/>
+                    </a:lnR>
+                    <a:lnT w="12700" cap="flat" cmpd="sng" algn="ctr">
+                      <a:solidFill>
+                        <a:schemeClr val="tx1"/>
+                      </a:solidFill>
+                      <a:prstDash val="solid"/>
+                      <a:round/>
+                      <a:headEnd type="none" w="med" len="med"/>
+                      <a:tailEnd type="none" w="med" len="med"/>
+                    </a:lnT>
+                    <a:lnB w="12700" cap="flat" cmpd="sng" algn="ctr">
+                      <a:solidFill>
+                        <a:schemeClr val="tx1"/>
+                      </a:solidFill>
+                      <a:prstDash val="solid"/>
+                      <a:round/>
+                      <a:headEnd type="none" w="med" len="med"/>
+                      <a:tailEnd type="none" w="med" len="med"/>
+                    </a:lnB>
+                  </a:tcPr>
+                </a:tc>
+                <a:extLst>
+                  <a:ext uri="{0D108BD9-81ED-4DB2-BD59-A6C34878D82A}">
+                    <a16:rowId xmlns:a16="http://schemas.microsoft.com/office/drawing/2014/main" val="2556437728"/>
+                  </a:ext>
+                </a:extLst>
+              </a:tr>
+              <a:tr h="370840">
+                <a:tc>
+                  <a:txBody>
+                    <a:bodyPr/>
+                    <a:lstStyle/>
+                    <a:p>
+                      <a:pPr algn="ctr"/>
+                      <a:r>
+                        <a:rPr lang="en-US" dirty="0"/>
+                        <a:t>1</a:t>
+                      </a:r>
+                    </a:p>
+                  </a:txBody>
+                  <a:tcPr anchor="ctr">
+                    <a:lnL w="12700" cap="flat" cmpd="sng" algn="ctr">
+                      <a:solidFill>
+                        <a:schemeClr val="tx1"/>
+                      </a:solidFill>
+                      <a:prstDash val="solid"/>
+                      <a:round/>
+                      <a:headEnd type="none" w="med" len="med"/>
+                      <a:tailEnd type="none" w="med" len="med"/>
+                    </a:lnL>
+                    <a:lnR w="12700" cap="flat" cmpd="sng" algn="ctr">
+                      <a:solidFill>
+                        <a:schemeClr val="tx1"/>
+                      </a:solidFill>
+                      <a:prstDash val="solid"/>
+                      <a:round/>
+                      <a:headEnd type="none" w="med" len="med"/>
+                      <a:tailEnd type="none" w="med" len="med"/>
+                    </a:lnR>
+                    <a:lnT w="12700" cap="flat" cmpd="sng" algn="ctr">
+                      <a:solidFill>
+                        <a:schemeClr val="tx1"/>
+                      </a:solidFill>
+                      <a:prstDash val="solid"/>
+                      <a:round/>
+                      <a:headEnd type="none" w="med" len="med"/>
+                      <a:tailEnd type="none" w="med" len="med"/>
+                    </a:lnT>
+                    <a:lnB w="12700" cap="flat" cmpd="sng" algn="ctr">
+                      <a:solidFill>
+                        <a:schemeClr val="tx1"/>
+                      </a:solidFill>
+                      <a:prstDash val="solid"/>
+                      <a:round/>
+                      <a:headEnd type="none" w="med" len="med"/>
+                      <a:tailEnd type="none" w="med" len="med"/>
+                    </a:lnB>
+                  </a:tcPr>
+                </a:tc>
+                <a:tc>
+                  <a:txBody>
+                    <a:bodyPr/>
+                    <a:lstStyle/>
+                    <a:p>
+                      <a:pPr algn="ctr"/>
+                      <a:r>
+                        <a:rPr lang="en-US" dirty="0"/>
+                        <a:t>5.00</a:t>
+                      </a:r>
+                    </a:p>
+                  </a:txBody>
+                  <a:tcPr anchor="ctr">
+                    <a:lnL w="12700" cap="flat" cmpd="sng" algn="ctr">
+                      <a:solidFill>
+                        <a:schemeClr val="tx1"/>
+                      </a:solidFill>
+                      <a:prstDash val="solid"/>
+                      <a:round/>
+                      <a:headEnd type="none" w="med" len="med"/>
+                      <a:tailEnd type="none" w="med" len="med"/>
+                    </a:lnL>
+                    <a:lnR w="12700" cap="flat" cmpd="sng" algn="ctr">
+                      <a:solidFill>
+                        <a:schemeClr val="tx1"/>
+                      </a:solidFill>
+                      <a:prstDash val="solid"/>
+                      <a:round/>
+                      <a:headEnd type="none" w="med" len="med"/>
+                      <a:tailEnd type="none" w="med" len="med"/>
+                    </a:lnR>
+                    <a:lnT w="12700" cap="flat" cmpd="sng" algn="ctr">
+                      <a:solidFill>
+                        <a:schemeClr val="tx1"/>
+                      </a:solidFill>
+                      <a:prstDash val="solid"/>
+                      <a:round/>
+                      <a:headEnd type="none" w="med" len="med"/>
+                      <a:tailEnd type="none" w="med" len="med"/>
+                    </a:lnT>
+                    <a:lnB w="12700" cap="flat" cmpd="sng" algn="ctr">
+                      <a:solidFill>
+                        <a:schemeClr val="tx1"/>
+                      </a:solidFill>
+                      <a:prstDash val="solid"/>
+                      <a:round/>
+                      <a:headEnd type="none" w="med" len="med"/>
+                      <a:tailEnd type="none" w="med" len="med"/>
+                    </a:lnB>
+                  </a:tcPr>
+                </a:tc>
+                <a:tc>
+                  <a:txBody>
+                    <a:bodyPr/>
+                    <a:lstStyle/>
+                    <a:p>
+                      <a:pPr algn="ctr"/>
+                      <a:r>
+                        <a:rPr lang="en-US" dirty="0"/>
+                        <a:t>1</a:t>
+                      </a:r>
+                    </a:p>
+                  </a:txBody>
+                  <a:tcPr anchor="ctr">
+                    <a:lnL w="12700" cap="flat" cmpd="sng" algn="ctr">
+                      <a:solidFill>
+                        <a:schemeClr val="tx1"/>
+                      </a:solidFill>
+                      <a:prstDash val="solid"/>
+                      <a:round/>
+                      <a:headEnd type="none" w="med" len="med"/>
+                      <a:tailEnd type="none" w="med" len="med"/>
+                    </a:lnL>
+                    <a:lnR w="12700" cap="flat" cmpd="sng" algn="ctr">
+                      <a:solidFill>
+                        <a:schemeClr val="tx1"/>
+                      </a:solidFill>
+                      <a:prstDash val="solid"/>
+                      <a:round/>
+                      <a:headEnd type="none" w="med" len="med"/>
+                      <a:tailEnd type="none" w="med" len="med"/>
+                    </a:lnR>
+                    <a:lnT w="12700" cap="flat" cmpd="sng" algn="ctr">
+                      <a:solidFill>
+                        <a:schemeClr val="tx1"/>
+                      </a:solidFill>
+                      <a:prstDash val="solid"/>
+                      <a:round/>
+                      <a:headEnd type="none" w="med" len="med"/>
+                      <a:tailEnd type="none" w="med" len="med"/>
+                    </a:lnT>
+                    <a:lnB w="12700" cap="flat" cmpd="sng" algn="ctr">
+                      <a:solidFill>
+                        <a:schemeClr val="tx1"/>
+                      </a:solidFill>
+                      <a:prstDash val="solid"/>
+                      <a:round/>
+                      <a:headEnd type="none" w="med" len="med"/>
+                      <a:tailEnd type="none" w="med" len="med"/>
+                    </a:lnB>
+                  </a:tcPr>
+                </a:tc>
+                <a:tc>
+                  <a:txBody>
+                    <a:bodyPr/>
+                    <a:lstStyle/>
+                    <a:p>
+                      <a:pPr algn="ctr"/>
+                      <a:r>
+                        <a:rPr lang="en-US" dirty="0"/>
+                        <a:t>1</a:t>
+                      </a:r>
+                    </a:p>
+                  </a:txBody>
+                  <a:tcPr anchor="ctr">
+                    <a:lnL w="12700" cap="flat" cmpd="sng" algn="ctr">
+                      <a:solidFill>
+                        <a:schemeClr val="tx1"/>
+                      </a:solidFill>
+                      <a:prstDash val="solid"/>
+                      <a:round/>
+                      <a:headEnd type="none" w="med" len="med"/>
+                      <a:tailEnd type="none" w="med" len="med"/>
+                    </a:lnL>
+                    <a:lnR w="12700" cap="flat" cmpd="sng" algn="ctr">
+                      <a:solidFill>
+                        <a:schemeClr val="tx1"/>
+                      </a:solidFill>
+                      <a:prstDash val="solid"/>
+                      <a:round/>
+                      <a:headEnd type="none" w="med" len="med"/>
+                      <a:tailEnd type="none" w="med" len="med"/>
+                    </a:lnR>
+                    <a:lnT w="12700" cap="flat" cmpd="sng" algn="ctr">
+                      <a:solidFill>
+                        <a:schemeClr val="tx1"/>
+                      </a:solidFill>
+                      <a:prstDash val="solid"/>
+                      <a:round/>
+                      <a:headEnd type="none" w="med" len="med"/>
+                      <a:tailEnd type="none" w="med" len="med"/>
+                    </a:lnT>
+                    <a:lnB w="12700" cap="flat" cmpd="sng" algn="ctr">
+                      <a:solidFill>
+                        <a:schemeClr val="tx1"/>
+                      </a:solidFill>
+                      <a:prstDash val="solid"/>
+                      <a:round/>
+                      <a:headEnd type="none" w="med" len="med"/>
+                      <a:tailEnd type="none" w="med" len="med"/>
+                    </a:lnB>
+                  </a:tcPr>
+                </a:tc>
+                <a:tc>
+                  <a:txBody>
+                    <a:bodyPr/>
+                    <a:lstStyle/>
+                    <a:p>
+                      <a:pPr algn="ctr"/>
+                      <a:r>
+                        <a:rPr lang="en-US" dirty="0"/>
+                        <a:t>Y</a:t>
+                      </a:r>
+                    </a:p>
+                  </a:txBody>
+                  <a:tcPr anchor="ctr">
+                    <a:lnL w="12700" cap="flat" cmpd="sng" algn="ctr">
+                      <a:solidFill>
+                        <a:schemeClr val="tx1"/>
+                      </a:solidFill>
+                      <a:prstDash val="solid"/>
+                      <a:round/>
+                      <a:headEnd type="none" w="med" len="med"/>
+                      <a:tailEnd type="none" w="med" len="med"/>
+                    </a:lnL>
+                    <a:lnR w="12700" cap="flat" cmpd="sng" algn="ctr">
+                      <a:solidFill>
+                        <a:schemeClr val="tx1"/>
+                      </a:solidFill>
+                      <a:prstDash val="solid"/>
+                      <a:round/>
+                      <a:headEnd type="none" w="med" len="med"/>
+                      <a:tailEnd type="none" w="med" len="med"/>
+                    </a:lnR>
+                    <a:lnT w="12700" cap="flat" cmpd="sng" algn="ctr">
+                      <a:solidFill>
+                        <a:schemeClr val="tx1"/>
+                      </a:solidFill>
+                      <a:prstDash val="solid"/>
+                      <a:round/>
+                      <a:headEnd type="none" w="med" len="med"/>
+                      <a:tailEnd type="none" w="med" len="med"/>
+                    </a:lnT>
+                    <a:lnB w="12700" cap="flat" cmpd="sng" algn="ctr">
+                      <a:solidFill>
+                        <a:schemeClr val="tx1"/>
+                      </a:solidFill>
+                      <a:prstDash val="solid"/>
+                      <a:round/>
+                      <a:headEnd type="none" w="med" len="med"/>
+                      <a:tailEnd type="none" w="med" len="med"/>
+                    </a:lnB>
+                  </a:tcPr>
+                </a:tc>
+                <a:tc>
+                  <a:txBody>
+                    <a:bodyPr/>
+                    <a:lstStyle/>
+                    <a:p>
+                      <a:pPr algn="ctr"/>
+                      <a:r>
+                        <a:rPr lang="en-US" dirty="0"/>
+                        <a:t>16:00</a:t>
+                      </a:r>
+                    </a:p>
+                  </a:txBody>
+                  <a:tcPr anchor="ctr">
+                    <a:lnL w="12700" cap="flat" cmpd="sng" algn="ctr">
+                      <a:solidFill>
+                        <a:schemeClr val="tx1"/>
+                      </a:solidFill>
+                      <a:prstDash val="solid"/>
+                      <a:round/>
+                      <a:headEnd type="none" w="med" len="med"/>
+                      <a:tailEnd type="none" w="med" len="med"/>
+                    </a:lnL>
+                    <a:lnR w="12700" cap="flat" cmpd="sng" algn="ctr">
+                      <a:solidFill>
+                        <a:schemeClr val="tx1"/>
+                      </a:solidFill>
+                      <a:prstDash val="solid"/>
+                      <a:round/>
+                      <a:headEnd type="none" w="med" len="med"/>
+                      <a:tailEnd type="none" w="med" len="med"/>
+                    </a:lnR>
+                    <a:lnT w="12700" cap="flat" cmpd="sng" algn="ctr">
+                      <a:solidFill>
+                        <a:schemeClr val="tx1"/>
+                      </a:solidFill>
+                      <a:prstDash val="solid"/>
+                      <a:round/>
+                      <a:headEnd type="none" w="med" len="med"/>
+                      <a:tailEnd type="none" w="med" len="med"/>
+                    </a:lnT>
+                    <a:lnB w="12700" cap="flat" cmpd="sng" algn="ctr">
+                      <a:solidFill>
+                        <a:schemeClr val="tx1"/>
+                      </a:solidFill>
+                      <a:prstDash val="solid"/>
+                      <a:round/>
+                      <a:headEnd type="none" w="med" len="med"/>
+                      <a:tailEnd type="none" w="med" len="med"/>
+                    </a:lnB>
+                  </a:tcPr>
+                </a:tc>
+                <a:tc>
+                  <a:txBody>
+                    <a:bodyPr/>
+                    <a:lstStyle/>
+                    <a:p>
+                      <a:pPr algn="ctr"/>
+                      <a:r>
+                        <a:rPr lang="en-US" dirty="0"/>
+                        <a:t>28</a:t>
+                      </a:r>
+                    </a:p>
+                  </a:txBody>
+                  <a:tcPr anchor="ctr">
+                    <a:lnL w="12700" cap="flat" cmpd="sng" algn="ctr">
+                      <a:solidFill>
+                        <a:schemeClr val="tx1"/>
+                      </a:solidFill>
+                      <a:prstDash val="solid"/>
+                      <a:round/>
+                      <a:headEnd type="none" w="med" len="med"/>
+                      <a:tailEnd type="none" w="med" len="med"/>
+                    </a:lnL>
+                    <a:lnR w="12700" cap="flat" cmpd="sng" algn="ctr">
+                      <a:solidFill>
+                        <a:schemeClr val="tx1"/>
+                      </a:solidFill>
+                      <a:prstDash val="solid"/>
+                      <a:round/>
+                      <a:headEnd type="none" w="med" len="med"/>
+                      <a:tailEnd type="none" w="med" len="med"/>
+                    </a:lnR>
+                    <a:lnT w="12700" cap="flat" cmpd="sng" algn="ctr">
+                      <a:solidFill>
+                        <a:schemeClr val="tx1"/>
+                      </a:solidFill>
+                      <a:prstDash val="solid"/>
+                      <a:round/>
+                      <a:headEnd type="none" w="med" len="med"/>
+                      <a:tailEnd type="none" w="med" len="med"/>
+                    </a:lnT>
+                    <a:lnB w="12700" cap="flat" cmpd="sng" algn="ctr">
+                      <a:solidFill>
+                        <a:schemeClr val="tx1"/>
+                      </a:solidFill>
+                      <a:prstDash val="solid"/>
+                      <a:round/>
+                      <a:headEnd type="none" w="med" len="med"/>
+                      <a:tailEnd type="none" w="med" len="med"/>
+                    </a:lnB>
+                  </a:tcPr>
+                </a:tc>
+                <a:tc>
+                  <a:txBody>
+                    <a:bodyPr/>
+                    <a:lstStyle/>
+                    <a:p>
+                      <a:pPr algn="ctr"/>
+                      <a:r>
+                        <a:rPr lang="en-US" dirty="0"/>
+                        <a:t>February</a:t>
+                      </a:r>
+                    </a:p>
+                  </a:txBody>
+                  <a:tcPr anchor="ctr">
+                    <a:lnL w="12700" cap="flat" cmpd="sng" algn="ctr">
+                      <a:solidFill>
+                        <a:schemeClr val="tx1"/>
+                      </a:solidFill>
+                      <a:prstDash val="solid"/>
+                      <a:round/>
+                      <a:headEnd type="none" w="med" len="med"/>
+                      <a:tailEnd type="none" w="med" len="med"/>
+                    </a:lnL>
+                    <a:lnR w="12700" cap="flat" cmpd="sng" algn="ctr">
+                      <a:solidFill>
+                        <a:schemeClr val="tx1"/>
+                      </a:solidFill>
+                      <a:prstDash val="solid"/>
+                      <a:round/>
+                      <a:headEnd type="none" w="med" len="med"/>
+                      <a:tailEnd type="none" w="med" len="med"/>
+                    </a:lnR>
+                    <a:lnT w="12700" cap="flat" cmpd="sng" algn="ctr">
+                      <a:solidFill>
+                        <a:schemeClr val="tx1"/>
+                      </a:solidFill>
+                      <a:prstDash val="solid"/>
+                      <a:round/>
+                      <a:headEnd type="none" w="med" len="med"/>
+                      <a:tailEnd type="none" w="med" len="med"/>
+                    </a:lnT>
+                    <a:lnB w="12700" cap="flat" cmpd="sng" algn="ctr">
+                      <a:solidFill>
+                        <a:schemeClr val="tx1"/>
+                      </a:solidFill>
+                      <a:prstDash val="solid"/>
+                      <a:round/>
+                      <a:headEnd type="none" w="med" len="med"/>
+                      <a:tailEnd type="none" w="med" len="med"/>
+                    </a:lnB>
+                  </a:tcPr>
+                </a:tc>
+                <a:tc>
+                  <a:txBody>
+                    <a:bodyPr/>
+                    <a:lstStyle/>
+                    <a:p>
+                      <a:pPr algn="ctr"/>
+                      <a:r>
+                        <a:rPr lang="en-US" dirty="0"/>
+                        <a:t>5.00</a:t>
+                      </a:r>
+                    </a:p>
+                  </a:txBody>
+                  <a:tcPr anchor="ctr">
+                    <a:lnL w="12700" cap="flat" cmpd="sng" algn="ctr">
+                      <a:solidFill>
+                        <a:schemeClr val="tx1"/>
+                      </a:solidFill>
+                      <a:prstDash val="solid"/>
+                      <a:round/>
+                      <a:headEnd type="none" w="med" len="med"/>
+                      <a:tailEnd type="none" w="med" len="med"/>
+                    </a:lnL>
+                    <a:lnR w="12700" cap="flat" cmpd="sng" algn="ctr">
+                      <a:solidFill>
+                        <a:schemeClr val="tx1"/>
+                      </a:solidFill>
+                      <a:prstDash val="solid"/>
+                      <a:round/>
+                      <a:headEnd type="none" w="med" len="med"/>
+                      <a:tailEnd type="none" w="med" len="med"/>
+                    </a:lnR>
+                    <a:lnT w="12700" cap="flat" cmpd="sng" algn="ctr">
+                      <a:solidFill>
+                        <a:schemeClr val="tx1"/>
+                      </a:solidFill>
+                      <a:prstDash val="solid"/>
+                      <a:round/>
+                      <a:headEnd type="none" w="med" len="med"/>
+                      <a:tailEnd type="none" w="med" len="med"/>
+                    </a:lnT>
+                    <a:lnB w="12700" cap="flat" cmpd="sng" algn="ctr">
+                      <a:solidFill>
+                        <a:schemeClr val="tx1"/>
+                      </a:solidFill>
+                      <a:prstDash val="solid"/>
+                      <a:round/>
+                      <a:headEnd type="none" w="med" len="med"/>
+                      <a:tailEnd type="none" w="med" len="med"/>
+                    </a:lnB>
+                  </a:tcPr>
+                </a:tc>
+                <a:tc>
+                  <a:txBody>
+                    <a:bodyPr/>
+                    <a:lstStyle/>
+                    <a:p>
+                      <a:pPr algn="ctr"/>
+                      <a:r>
+                        <a:rPr lang="en-US" dirty="0"/>
+                        <a:t>495.00</a:t>
+                      </a:r>
+                    </a:p>
+                  </a:txBody>
+                  <a:tcPr anchor="ctr">
+                    <a:lnL w="12700" cap="flat" cmpd="sng" algn="ctr">
+                      <a:solidFill>
+                        <a:schemeClr val="tx1"/>
+                      </a:solidFill>
+                      <a:prstDash val="solid"/>
+                      <a:round/>
+                      <a:headEnd type="none" w="med" len="med"/>
+                      <a:tailEnd type="none" w="med" len="med"/>
+                    </a:lnL>
+                    <a:lnR w="12700" cap="flat" cmpd="sng" algn="ctr">
+                      <a:solidFill>
+                        <a:schemeClr val="tx1"/>
+                      </a:solidFill>
+                      <a:prstDash val="solid"/>
+                      <a:round/>
+                      <a:headEnd type="none" w="med" len="med"/>
+                      <a:tailEnd type="none" w="med" len="med"/>
+                    </a:lnR>
+                    <a:lnT w="12700" cap="flat" cmpd="sng" algn="ctr">
+                      <a:solidFill>
+                        <a:schemeClr val="tx1"/>
+                      </a:solidFill>
+                      <a:prstDash val="solid"/>
+                      <a:round/>
+                      <a:headEnd type="none" w="med" len="med"/>
+                      <a:tailEnd type="none" w="med" len="med"/>
+                    </a:lnT>
+                    <a:lnB w="12700" cap="flat" cmpd="sng" algn="ctr">
+                      <a:solidFill>
+                        <a:schemeClr val="tx1"/>
+                      </a:solidFill>
+                      <a:prstDash val="solid"/>
+                      <a:round/>
+                      <a:headEnd type="none" w="med" len="med"/>
+                      <a:tailEnd type="none" w="med" len="med"/>
+                    </a:lnB>
+                  </a:tcPr>
+                </a:tc>
+                <a:extLst>
+                  <a:ext uri="{0D108BD9-81ED-4DB2-BD59-A6C34878D82A}">
+                    <a16:rowId xmlns:a16="http://schemas.microsoft.com/office/drawing/2014/main" val="466209325"/>
+                  </a:ext>
+                </a:extLst>
+              </a:tr>
+              <a:tr h="370840">
+                <a:tc>
+                  <a:txBody>
+                    <a:bodyPr/>
+                    <a:lstStyle/>
+                    <a:p>
+                      <a:pPr algn="ctr"/>
+                      <a:r>
+                        <a:rPr lang="en-US" dirty="0"/>
+                        <a:t>2</a:t>
+                      </a:r>
+                    </a:p>
+                  </a:txBody>
+                  <a:tcPr anchor="ctr">
+                    <a:lnL w="12700" cap="flat" cmpd="sng" algn="ctr">
+                      <a:solidFill>
+                        <a:schemeClr val="tx1"/>
+                      </a:solidFill>
+                      <a:prstDash val="solid"/>
+                      <a:round/>
+                      <a:headEnd type="none" w="med" len="med"/>
+                      <a:tailEnd type="none" w="med" len="med"/>
+                    </a:lnL>
+                    <a:lnR w="12700" cap="flat" cmpd="sng" algn="ctr">
+                      <a:solidFill>
+                        <a:schemeClr val="tx1"/>
+                      </a:solidFill>
+                      <a:prstDash val="solid"/>
+                      <a:round/>
+                      <a:headEnd type="none" w="med" len="med"/>
+                      <a:tailEnd type="none" w="med" len="med"/>
+                    </a:lnR>
+                    <a:lnT w="12700" cap="flat" cmpd="sng" algn="ctr">
+                      <a:solidFill>
+                        <a:schemeClr val="tx1"/>
+                      </a:solidFill>
+                      <a:prstDash val="solid"/>
+                      <a:round/>
+                      <a:headEnd type="none" w="med" len="med"/>
+                      <a:tailEnd type="none" w="med" len="med"/>
+                    </a:lnT>
+                    <a:lnB w="12700" cap="flat" cmpd="sng" algn="ctr">
+                      <a:solidFill>
+                        <a:schemeClr val="tx1"/>
+                      </a:solidFill>
+                      <a:prstDash val="solid"/>
+                      <a:round/>
+                      <a:headEnd type="none" w="med" len="med"/>
+                      <a:tailEnd type="none" w="med" len="med"/>
+                    </a:lnB>
+                  </a:tcPr>
+                </a:tc>
+                <a:tc>
+                  <a:txBody>
+                    <a:bodyPr/>
+                    <a:lstStyle/>
+                    <a:p>
+                      <a:pPr algn="ctr"/>
+                      <a:r>
+                        <a:rPr lang="en-US" dirty="0"/>
+                        <a:t>10.00</a:t>
+                      </a:r>
+                    </a:p>
+                  </a:txBody>
+                  <a:tcPr anchor="ctr">
+                    <a:lnL w="12700" cap="flat" cmpd="sng" algn="ctr">
+                      <a:solidFill>
+                        <a:schemeClr val="tx1"/>
+                      </a:solidFill>
+                      <a:prstDash val="solid"/>
+                      <a:round/>
+                      <a:headEnd type="none" w="med" len="med"/>
+                      <a:tailEnd type="none" w="med" len="med"/>
+                    </a:lnL>
+                    <a:lnR w="12700" cap="flat" cmpd="sng" algn="ctr">
+                      <a:solidFill>
+                        <a:schemeClr val="tx1"/>
+                      </a:solidFill>
+                      <a:prstDash val="solid"/>
+                      <a:round/>
+                      <a:headEnd type="none" w="med" len="med"/>
+                      <a:tailEnd type="none" w="med" len="med"/>
+                    </a:lnR>
+                    <a:lnT w="12700" cap="flat" cmpd="sng" algn="ctr">
+                      <a:solidFill>
+                        <a:schemeClr val="tx1"/>
+                      </a:solidFill>
+                      <a:prstDash val="solid"/>
+                      <a:round/>
+                      <a:headEnd type="none" w="med" len="med"/>
+                      <a:tailEnd type="none" w="med" len="med"/>
+                    </a:lnT>
+                    <a:lnB w="12700" cap="flat" cmpd="sng" algn="ctr">
+                      <a:solidFill>
+                        <a:schemeClr val="tx1"/>
+                      </a:solidFill>
+                      <a:prstDash val="solid"/>
+                      <a:round/>
+                      <a:headEnd type="none" w="med" len="med"/>
+                      <a:tailEnd type="none" w="med" len="med"/>
+                    </a:lnB>
+                  </a:tcPr>
+                </a:tc>
+                <a:tc>
+                  <a:txBody>
+                    <a:bodyPr/>
+                    <a:lstStyle/>
+                    <a:p>
+                      <a:pPr algn="ctr"/>
+                      <a:r>
+                        <a:rPr lang="en-US" dirty="0"/>
+                        <a:t>1</a:t>
+                      </a:r>
+                    </a:p>
+                  </a:txBody>
+                  <a:tcPr anchor="ctr">
+                    <a:lnL w="12700" cap="flat" cmpd="sng" algn="ctr">
+                      <a:solidFill>
+                        <a:schemeClr val="tx1"/>
+                      </a:solidFill>
+                      <a:prstDash val="solid"/>
+                      <a:round/>
+                      <a:headEnd type="none" w="med" len="med"/>
+                      <a:tailEnd type="none" w="med" len="med"/>
+                    </a:lnL>
+                    <a:lnR w="12700" cap="flat" cmpd="sng" algn="ctr">
+                      <a:solidFill>
+                        <a:schemeClr val="tx1"/>
+                      </a:solidFill>
+                      <a:prstDash val="solid"/>
+                      <a:round/>
+                      <a:headEnd type="none" w="med" len="med"/>
+                      <a:tailEnd type="none" w="med" len="med"/>
+                    </a:lnR>
+                    <a:lnT w="12700" cap="flat" cmpd="sng" algn="ctr">
+                      <a:solidFill>
+                        <a:schemeClr val="tx1"/>
+                      </a:solidFill>
+                      <a:prstDash val="solid"/>
+                      <a:round/>
+                      <a:headEnd type="none" w="med" len="med"/>
+                      <a:tailEnd type="none" w="med" len="med"/>
+                    </a:lnT>
+                    <a:lnB w="12700" cap="flat" cmpd="sng" algn="ctr">
+                      <a:solidFill>
+                        <a:schemeClr val="tx1"/>
+                      </a:solidFill>
+                      <a:prstDash val="solid"/>
+                      <a:round/>
+                      <a:headEnd type="none" w="med" len="med"/>
+                      <a:tailEnd type="none" w="med" len="med"/>
+                    </a:lnB>
+                  </a:tcPr>
+                </a:tc>
+                <a:tc>
+                  <a:txBody>
+                    <a:bodyPr/>
+                    <a:lstStyle/>
+                    <a:p>
+                      <a:pPr algn="ctr"/>
+                      <a:r>
+                        <a:rPr lang="en-US" dirty="0"/>
+                        <a:t>2</a:t>
+                      </a:r>
+                    </a:p>
+                  </a:txBody>
+                  <a:tcPr anchor="ctr">
+                    <a:lnL w="12700" cap="flat" cmpd="sng" algn="ctr">
+                      <a:solidFill>
+                        <a:schemeClr val="tx1"/>
+                      </a:solidFill>
+                      <a:prstDash val="solid"/>
+                      <a:round/>
+                      <a:headEnd type="none" w="med" len="med"/>
+                      <a:tailEnd type="none" w="med" len="med"/>
+                    </a:lnL>
+                    <a:lnR w="12700" cap="flat" cmpd="sng" algn="ctr">
+                      <a:solidFill>
+                        <a:schemeClr val="tx1"/>
+                      </a:solidFill>
+                      <a:prstDash val="solid"/>
+                      <a:round/>
+                      <a:headEnd type="none" w="med" len="med"/>
+                      <a:tailEnd type="none" w="med" len="med"/>
+                    </a:lnR>
+                    <a:lnT w="12700" cap="flat" cmpd="sng" algn="ctr">
+                      <a:solidFill>
+                        <a:schemeClr val="tx1"/>
+                      </a:solidFill>
+                      <a:prstDash val="solid"/>
+                      <a:round/>
+                      <a:headEnd type="none" w="med" len="med"/>
+                      <a:tailEnd type="none" w="med" len="med"/>
+                    </a:lnT>
+                    <a:lnB w="12700" cap="flat" cmpd="sng" algn="ctr">
+                      <a:solidFill>
+                        <a:schemeClr val="tx1"/>
+                      </a:solidFill>
+                      <a:prstDash val="solid"/>
+                      <a:round/>
+                      <a:headEnd type="none" w="med" len="med"/>
+                      <a:tailEnd type="none" w="med" len="med"/>
+                    </a:lnB>
+                  </a:tcPr>
+                </a:tc>
+                <a:tc>
+                  <a:txBody>
+                    <a:bodyPr/>
+                    <a:lstStyle/>
+                    <a:p>
+                      <a:pPr algn="ctr"/>
+                      <a:r>
+                        <a:rPr lang="en-US" dirty="0"/>
+                        <a:t>N</a:t>
+                      </a:r>
+                    </a:p>
+                  </a:txBody>
+                  <a:tcPr anchor="ctr">
+                    <a:lnL w="12700" cap="flat" cmpd="sng" algn="ctr">
+                      <a:solidFill>
+                        <a:schemeClr val="tx1"/>
+                      </a:solidFill>
+                      <a:prstDash val="solid"/>
+                      <a:round/>
+                      <a:headEnd type="none" w="med" len="med"/>
+                      <a:tailEnd type="none" w="med" len="med"/>
+                    </a:lnL>
+                    <a:lnR w="12700" cap="flat" cmpd="sng" algn="ctr">
+                      <a:solidFill>
+                        <a:schemeClr val="tx1"/>
+                      </a:solidFill>
+                      <a:prstDash val="solid"/>
+                      <a:round/>
+                      <a:headEnd type="none" w="med" len="med"/>
+                      <a:tailEnd type="none" w="med" len="med"/>
+                    </a:lnR>
+                    <a:lnT w="12700" cap="flat" cmpd="sng" algn="ctr">
+                      <a:solidFill>
+                        <a:schemeClr val="tx1"/>
+                      </a:solidFill>
+                      <a:prstDash val="solid"/>
+                      <a:round/>
+                      <a:headEnd type="none" w="med" len="med"/>
+                      <a:tailEnd type="none" w="med" len="med"/>
+                    </a:lnT>
+                    <a:lnB w="12700" cap="flat" cmpd="sng" algn="ctr">
+                      <a:solidFill>
+                        <a:schemeClr val="tx1"/>
+                      </a:solidFill>
+                      <a:prstDash val="solid"/>
+                      <a:round/>
+                      <a:headEnd type="none" w="med" len="med"/>
+                      <a:tailEnd type="none" w="med" len="med"/>
+                    </a:lnB>
+                  </a:tcPr>
+                </a:tc>
+                <a:tc>
+                  <a:txBody>
+                    <a:bodyPr/>
+                    <a:lstStyle/>
+                    <a:p>
+                      <a:pPr algn="ctr"/>
+                      <a:r>
+                        <a:rPr lang="en-US" dirty="0"/>
+                        <a:t>17:15</a:t>
+                      </a:r>
+                    </a:p>
+                  </a:txBody>
+                  <a:tcPr anchor="ctr">
+                    <a:lnL w="12700" cap="flat" cmpd="sng" algn="ctr">
+                      <a:solidFill>
+                        <a:schemeClr val="tx1"/>
+                      </a:solidFill>
+                      <a:prstDash val="solid"/>
+                      <a:round/>
+                      <a:headEnd type="none" w="med" len="med"/>
+                      <a:tailEnd type="none" w="med" len="med"/>
+                    </a:lnL>
+                    <a:lnR w="12700" cap="flat" cmpd="sng" algn="ctr">
+                      <a:solidFill>
+                        <a:schemeClr val="tx1"/>
+                      </a:solidFill>
+                      <a:prstDash val="solid"/>
+                      <a:round/>
+                      <a:headEnd type="none" w="med" len="med"/>
+                      <a:tailEnd type="none" w="med" len="med"/>
+                    </a:lnR>
+                    <a:lnT w="12700" cap="flat" cmpd="sng" algn="ctr">
+                      <a:solidFill>
+                        <a:schemeClr val="tx1"/>
+                      </a:solidFill>
+                      <a:prstDash val="solid"/>
+                      <a:round/>
+                      <a:headEnd type="none" w="med" len="med"/>
+                      <a:tailEnd type="none" w="med" len="med"/>
+                    </a:lnT>
+                    <a:lnB w="12700" cap="flat" cmpd="sng" algn="ctr">
+                      <a:solidFill>
+                        <a:schemeClr val="tx1"/>
+                      </a:solidFill>
+                      <a:prstDash val="solid"/>
+                      <a:round/>
+                      <a:headEnd type="none" w="med" len="med"/>
+                      <a:tailEnd type="none" w="med" len="med"/>
+                    </a:lnB>
+                  </a:tcPr>
+                </a:tc>
+                <a:tc>
+                  <a:txBody>
+                    <a:bodyPr/>
+                    <a:lstStyle/>
+                    <a:p>
+                      <a:pPr algn="ctr"/>
+                      <a:r>
+                        <a:rPr lang="en-US" dirty="0"/>
+                        <a:t>1</a:t>
+                      </a:r>
+                    </a:p>
+                  </a:txBody>
+                  <a:tcPr anchor="ctr">
+                    <a:lnL w="12700" cap="flat" cmpd="sng" algn="ctr">
+                      <a:solidFill>
+                        <a:schemeClr val="tx1"/>
+                      </a:solidFill>
+                      <a:prstDash val="solid"/>
+                      <a:round/>
+                      <a:headEnd type="none" w="med" len="med"/>
+                      <a:tailEnd type="none" w="med" len="med"/>
+                    </a:lnL>
+                    <a:lnR w="12700" cap="flat" cmpd="sng" algn="ctr">
+                      <a:solidFill>
+                        <a:schemeClr val="tx1"/>
+                      </a:solidFill>
+                      <a:prstDash val="solid"/>
+                      <a:round/>
+                      <a:headEnd type="none" w="med" len="med"/>
+                      <a:tailEnd type="none" w="med" len="med"/>
+                    </a:lnR>
+                    <a:lnT w="12700" cap="flat" cmpd="sng" algn="ctr">
+                      <a:solidFill>
+                        <a:schemeClr val="tx1"/>
+                      </a:solidFill>
+                      <a:prstDash val="solid"/>
+                      <a:round/>
+                      <a:headEnd type="none" w="med" len="med"/>
+                      <a:tailEnd type="none" w="med" len="med"/>
+                    </a:lnT>
+                    <a:lnB w="12700" cap="flat" cmpd="sng" algn="ctr">
+                      <a:solidFill>
+                        <a:schemeClr val="tx1"/>
+                      </a:solidFill>
+                      <a:prstDash val="solid"/>
+                      <a:round/>
+                      <a:headEnd type="none" w="med" len="med"/>
+                      <a:tailEnd type="none" w="med" len="med"/>
+                    </a:lnB>
+                  </a:tcPr>
+                </a:tc>
+                <a:tc>
+                  <a:txBody>
+                    <a:bodyPr/>
+                    <a:lstStyle/>
+                    <a:p>
+                      <a:pPr algn="ctr"/>
+                      <a:r>
+                        <a:rPr lang="en-US" dirty="0"/>
+                        <a:t>March</a:t>
+                      </a:r>
+                    </a:p>
+                  </a:txBody>
+                  <a:tcPr anchor="ctr">
+                    <a:lnL w="12700" cap="flat" cmpd="sng" algn="ctr">
+                      <a:solidFill>
+                        <a:schemeClr val="tx1"/>
+                      </a:solidFill>
+                      <a:prstDash val="solid"/>
+                      <a:round/>
+                      <a:headEnd type="none" w="med" len="med"/>
+                      <a:tailEnd type="none" w="med" len="med"/>
+                    </a:lnL>
+                    <a:lnR w="12700" cap="flat" cmpd="sng" algn="ctr">
+                      <a:solidFill>
+                        <a:schemeClr val="tx1"/>
+                      </a:solidFill>
+                      <a:prstDash val="solid"/>
+                      <a:round/>
+                      <a:headEnd type="none" w="med" len="med"/>
+                      <a:tailEnd type="none" w="med" len="med"/>
+                    </a:lnR>
+                    <a:lnT w="12700" cap="flat" cmpd="sng" algn="ctr">
+                      <a:solidFill>
+                        <a:schemeClr val="tx1"/>
+                      </a:solidFill>
+                      <a:prstDash val="solid"/>
+                      <a:round/>
+                      <a:headEnd type="none" w="med" len="med"/>
+                      <a:tailEnd type="none" w="med" len="med"/>
+                    </a:lnT>
+                    <a:lnB w="12700" cap="flat" cmpd="sng" algn="ctr">
+                      <a:solidFill>
+                        <a:schemeClr val="tx1"/>
+                      </a:solidFill>
+                      <a:prstDash val="solid"/>
+                      <a:round/>
+                      <a:headEnd type="none" w="med" len="med"/>
+                      <a:tailEnd type="none" w="med" len="med"/>
+                    </a:lnB>
+                  </a:tcPr>
+                </a:tc>
+                <a:tc>
+                  <a:txBody>
+                    <a:bodyPr/>
+                    <a:lstStyle/>
+                    <a:p>
+                      <a:pPr algn="ctr"/>
+                      <a:r>
+                        <a:rPr lang="en-US" dirty="0"/>
+                        <a:t>15.00</a:t>
+                      </a:r>
+                    </a:p>
+                  </a:txBody>
+                  <a:tcPr anchor="ctr">
+                    <a:lnL w="12700" cap="flat" cmpd="sng" algn="ctr">
+                      <a:solidFill>
+                        <a:schemeClr val="tx1"/>
+                      </a:solidFill>
+                      <a:prstDash val="solid"/>
+                      <a:round/>
+                      <a:headEnd type="none" w="med" len="med"/>
+                      <a:tailEnd type="none" w="med" len="med"/>
+                    </a:lnL>
+                    <a:lnR w="12700" cap="flat" cmpd="sng" algn="ctr">
+                      <a:solidFill>
+                        <a:schemeClr val="tx1"/>
+                      </a:solidFill>
+                      <a:prstDash val="solid"/>
+                      <a:round/>
+                      <a:headEnd type="none" w="med" len="med"/>
+                      <a:tailEnd type="none" w="med" len="med"/>
+                    </a:lnR>
+                    <a:lnT w="12700" cap="flat" cmpd="sng" algn="ctr">
+                      <a:solidFill>
+                        <a:schemeClr val="tx1"/>
+                      </a:solidFill>
+                      <a:prstDash val="solid"/>
+                      <a:round/>
+                      <a:headEnd type="none" w="med" len="med"/>
+                      <a:tailEnd type="none" w="med" len="med"/>
+                    </a:lnT>
+                    <a:lnB w="12700" cap="flat" cmpd="sng" algn="ctr">
+                      <a:solidFill>
+                        <a:schemeClr val="tx1"/>
+                      </a:solidFill>
+                      <a:prstDash val="solid"/>
+                      <a:round/>
+                      <a:headEnd type="none" w="med" len="med"/>
+                      <a:tailEnd type="none" w="med" len="med"/>
+                    </a:lnB>
+                  </a:tcPr>
+                </a:tc>
+                <a:tc>
+                  <a:txBody>
+                    <a:bodyPr/>
+                    <a:lstStyle/>
+                    <a:p>
+                      <a:pPr algn="ctr"/>
+                      <a:r>
+                        <a:rPr lang="en-US" dirty="0"/>
+                        <a:t>480.00</a:t>
+                      </a:r>
+                    </a:p>
+                  </a:txBody>
+                  <a:tcPr anchor="ctr">
+                    <a:lnL w="12700" cap="flat" cmpd="sng" algn="ctr">
+                      <a:solidFill>
+                        <a:schemeClr val="tx1"/>
+                      </a:solidFill>
+                      <a:prstDash val="solid"/>
+                      <a:round/>
+                      <a:headEnd type="none" w="med" len="med"/>
+                      <a:tailEnd type="none" w="med" len="med"/>
+                    </a:lnL>
+                    <a:lnR w="12700" cap="flat" cmpd="sng" algn="ctr">
+                      <a:solidFill>
+                        <a:schemeClr val="tx1"/>
+                      </a:solidFill>
+                      <a:prstDash val="solid"/>
+                      <a:round/>
+                      <a:headEnd type="none" w="med" len="med"/>
+                      <a:tailEnd type="none" w="med" len="med"/>
+                    </a:lnR>
+                    <a:lnT w="12700" cap="flat" cmpd="sng" algn="ctr">
+                      <a:solidFill>
+                        <a:schemeClr val="tx1"/>
+                      </a:solidFill>
+                      <a:prstDash val="solid"/>
+                      <a:round/>
+                      <a:headEnd type="none" w="med" len="med"/>
+                      <a:tailEnd type="none" w="med" len="med"/>
+                    </a:lnT>
+                    <a:lnB w="12700" cap="flat" cmpd="sng" algn="ctr">
+                      <a:solidFill>
+                        <a:schemeClr val="tx1"/>
+                      </a:solidFill>
+                      <a:prstDash val="solid"/>
+                      <a:round/>
+                      <a:headEnd type="none" w="med" len="med"/>
+                      <a:tailEnd type="none" w="med" len="med"/>
+                    </a:lnB>
+                  </a:tcPr>
+                </a:tc>
+                <a:extLst>
+                  <a:ext uri="{0D108BD9-81ED-4DB2-BD59-A6C34878D82A}">
+                    <a16:rowId xmlns:a16="http://schemas.microsoft.com/office/drawing/2014/main" val="3843750482"/>
+                  </a:ext>
+                </a:extLst>
+              </a:tr>
+              <a:tr h="370840">
+                <a:tc>
+                  <a:txBody>
+                    <a:bodyPr/>
+                    <a:lstStyle/>
+                    <a:p>
+                      <a:pPr algn="ctr"/>
+                      <a:r>
+                        <a:rPr lang="en-US" dirty="0"/>
+                        <a:t>3</a:t>
+                      </a:r>
+                    </a:p>
+                  </a:txBody>
+                  <a:tcPr anchor="ctr">
+                    <a:lnL w="12700" cap="flat" cmpd="sng" algn="ctr">
+                      <a:solidFill>
+                        <a:schemeClr val="tx1"/>
+                      </a:solidFill>
+                      <a:prstDash val="solid"/>
+                      <a:round/>
+                      <a:headEnd type="none" w="med" len="med"/>
+                      <a:tailEnd type="none" w="med" len="med"/>
+                    </a:lnL>
+                    <a:lnR w="12700" cap="flat" cmpd="sng" algn="ctr">
+                      <a:solidFill>
+                        <a:schemeClr val="tx1"/>
+                      </a:solidFill>
+                      <a:prstDash val="solid"/>
+                      <a:round/>
+                      <a:headEnd type="none" w="med" len="med"/>
+                      <a:tailEnd type="none" w="med" len="med"/>
+                    </a:lnR>
+                    <a:lnT w="12700" cap="flat" cmpd="sng" algn="ctr">
+                      <a:solidFill>
+                        <a:schemeClr val="tx1"/>
+                      </a:solidFill>
+                      <a:prstDash val="solid"/>
+                      <a:round/>
+                      <a:headEnd type="none" w="med" len="med"/>
+                      <a:tailEnd type="none" w="med" len="med"/>
+                    </a:lnT>
+                    <a:lnB w="12700" cap="flat" cmpd="sng" algn="ctr">
+                      <a:solidFill>
+                        <a:schemeClr val="tx1"/>
+                      </a:solidFill>
+                      <a:prstDash val="solid"/>
+                      <a:round/>
+                      <a:headEnd type="none" w="med" len="med"/>
+                      <a:tailEnd type="none" w="med" len="med"/>
+                    </a:lnB>
+                  </a:tcPr>
+                </a:tc>
+                <a:tc>
+                  <a:txBody>
+                    <a:bodyPr/>
+                    <a:lstStyle/>
+                    <a:p>
+                      <a:pPr algn="ctr"/>
+                      <a:r>
+                        <a:rPr lang="en-US" dirty="0"/>
+                        <a:t>19.99</a:t>
+                      </a:r>
+                    </a:p>
+                  </a:txBody>
+                  <a:tcPr anchor="ctr">
+                    <a:lnL w="12700" cap="flat" cmpd="sng" algn="ctr">
+                      <a:solidFill>
+                        <a:schemeClr val="tx1"/>
+                      </a:solidFill>
+                      <a:prstDash val="solid"/>
+                      <a:round/>
+                      <a:headEnd type="none" w="med" len="med"/>
+                      <a:tailEnd type="none" w="med" len="med"/>
+                    </a:lnL>
+                    <a:lnR w="12700" cap="flat" cmpd="sng" algn="ctr">
+                      <a:solidFill>
+                        <a:schemeClr val="tx1"/>
+                      </a:solidFill>
+                      <a:prstDash val="solid"/>
+                      <a:round/>
+                      <a:headEnd type="none" w="med" len="med"/>
+                      <a:tailEnd type="none" w="med" len="med"/>
+                    </a:lnR>
+                    <a:lnT w="12700" cap="flat" cmpd="sng" algn="ctr">
+                      <a:solidFill>
+                        <a:schemeClr val="tx1"/>
+                      </a:solidFill>
+                      <a:prstDash val="solid"/>
+                      <a:round/>
+                      <a:headEnd type="none" w="med" len="med"/>
+                      <a:tailEnd type="none" w="med" len="med"/>
+                    </a:lnT>
+                    <a:lnB w="12700" cap="flat" cmpd="sng" algn="ctr">
+                      <a:solidFill>
+                        <a:schemeClr val="tx1"/>
+                      </a:solidFill>
+                      <a:prstDash val="solid"/>
+                      <a:round/>
+                      <a:headEnd type="none" w="med" len="med"/>
+                      <a:tailEnd type="none" w="med" len="med"/>
+                    </a:lnB>
+                  </a:tcPr>
+                </a:tc>
+                <a:tc>
+                  <a:txBody>
+                    <a:bodyPr/>
+                    <a:lstStyle/>
+                    <a:p>
+                      <a:pPr algn="ctr"/>
+                      <a:r>
+                        <a:rPr lang="en-US" dirty="0"/>
+                        <a:t>2</a:t>
+                      </a:r>
+                    </a:p>
+                  </a:txBody>
+                  <a:tcPr anchor="ctr">
+                    <a:lnL w="12700" cap="flat" cmpd="sng" algn="ctr">
+                      <a:solidFill>
+                        <a:schemeClr val="tx1"/>
+                      </a:solidFill>
+                      <a:prstDash val="solid"/>
+                      <a:round/>
+                      <a:headEnd type="none" w="med" len="med"/>
+                      <a:tailEnd type="none" w="med" len="med"/>
+                    </a:lnL>
+                    <a:lnR w="12700" cap="flat" cmpd="sng" algn="ctr">
+                      <a:solidFill>
+                        <a:schemeClr val="tx1"/>
+                      </a:solidFill>
+                      <a:prstDash val="solid"/>
+                      <a:round/>
+                      <a:headEnd type="none" w="med" len="med"/>
+                      <a:tailEnd type="none" w="med" len="med"/>
+                    </a:lnR>
+                    <a:lnT w="12700" cap="flat" cmpd="sng" algn="ctr">
+                      <a:solidFill>
+                        <a:schemeClr val="tx1"/>
+                      </a:solidFill>
+                      <a:prstDash val="solid"/>
+                      <a:round/>
+                      <a:headEnd type="none" w="med" len="med"/>
+                      <a:tailEnd type="none" w="med" len="med"/>
+                    </a:lnT>
+                    <a:lnB w="12700" cap="flat" cmpd="sng" algn="ctr">
+                      <a:solidFill>
+                        <a:schemeClr val="tx1"/>
+                      </a:solidFill>
+                      <a:prstDash val="solid"/>
+                      <a:round/>
+                      <a:headEnd type="none" w="med" len="med"/>
+                      <a:tailEnd type="none" w="med" len="med"/>
+                    </a:lnB>
+                  </a:tcPr>
+                </a:tc>
+                <a:tc>
+                  <a:txBody>
+                    <a:bodyPr/>
+                    <a:lstStyle/>
+                    <a:p>
+                      <a:pPr algn="ctr"/>
+                      <a:r>
+                        <a:rPr lang="en-US" dirty="0"/>
+                        <a:t>1</a:t>
+                      </a:r>
+                    </a:p>
+                  </a:txBody>
+                  <a:tcPr anchor="ctr">
+                    <a:lnL w="12700" cap="flat" cmpd="sng" algn="ctr">
+                      <a:solidFill>
+                        <a:schemeClr val="tx1"/>
+                      </a:solidFill>
+                      <a:prstDash val="solid"/>
+                      <a:round/>
+                      <a:headEnd type="none" w="med" len="med"/>
+                      <a:tailEnd type="none" w="med" len="med"/>
+                    </a:lnL>
+                    <a:lnR w="12700" cap="flat" cmpd="sng" algn="ctr">
+                      <a:solidFill>
+                        <a:schemeClr val="tx1"/>
+                      </a:solidFill>
+                      <a:prstDash val="solid"/>
+                      <a:round/>
+                      <a:headEnd type="none" w="med" len="med"/>
+                      <a:tailEnd type="none" w="med" len="med"/>
+                    </a:lnR>
+                    <a:lnT w="12700" cap="flat" cmpd="sng" algn="ctr">
+                      <a:solidFill>
+                        <a:schemeClr val="tx1"/>
+                      </a:solidFill>
+                      <a:prstDash val="solid"/>
+                      <a:round/>
+                      <a:headEnd type="none" w="med" len="med"/>
+                      <a:tailEnd type="none" w="med" len="med"/>
+                    </a:lnT>
+                    <a:lnB w="12700" cap="flat" cmpd="sng" algn="ctr">
+                      <a:solidFill>
+                        <a:schemeClr val="tx1"/>
+                      </a:solidFill>
+                      <a:prstDash val="solid"/>
+                      <a:round/>
+                      <a:headEnd type="none" w="med" len="med"/>
+                      <a:tailEnd type="none" w="med" len="med"/>
+                    </a:lnB>
+                  </a:tcPr>
+                </a:tc>
+                <a:tc>
+                  <a:txBody>
+                    <a:bodyPr/>
+                    <a:lstStyle/>
+                    <a:p>
+                      <a:pPr algn="ctr"/>
+                      <a:r>
+                        <a:rPr lang="en-US" dirty="0"/>
+                        <a:t>N</a:t>
+                      </a:r>
+                    </a:p>
+                  </a:txBody>
+                  <a:tcPr anchor="ctr">
+                    <a:lnL w="12700" cap="flat" cmpd="sng" algn="ctr">
+                      <a:solidFill>
+                        <a:schemeClr val="tx1"/>
+                      </a:solidFill>
+                      <a:prstDash val="solid"/>
+                      <a:round/>
+                      <a:headEnd type="none" w="med" len="med"/>
+                      <a:tailEnd type="none" w="med" len="med"/>
+                    </a:lnL>
+                    <a:lnR w="12700" cap="flat" cmpd="sng" algn="ctr">
+                      <a:solidFill>
+                        <a:schemeClr val="tx1"/>
+                      </a:solidFill>
+                      <a:prstDash val="solid"/>
+                      <a:round/>
+                      <a:headEnd type="none" w="med" len="med"/>
+                      <a:tailEnd type="none" w="med" len="med"/>
+                    </a:lnR>
+                    <a:lnT w="12700" cap="flat" cmpd="sng" algn="ctr">
+                      <a:solidFill>
+                        <a:schemeClr val="tx1"/>
+                      </a:solidFill>
+                      <a:prstDash val="solid"/>
+                      <a:round/>
+                      <a:headEnd type="none" w="med" len="med"/>
+                      <a:tailEnd type="none" w="med" len="med"/>
+                    </a:lnT>
+                    <a:lnB w="12700" cap="flat" cmpd="sng" algn="ctr">
+                      <a:solidFill>
+                        <a:schemeClr val="tx1"/>
+                      </a:solidFill>
+                      <a:prstDash val="solid"/>
+                      <a:round/>
+                      <a:headEnd type="none" w="med" len="med"/>
+                      <a:tailEnd type="none" w="med" len="med"/>
+                    </a:lnB>
+                  </a:tcPr>
+                </a:tc>
+                <a:tc>
+                  <a:txBody>
+                    <a:bodyPr/>
+                    <a:lstStyle/>
+                    <a:p>
+                      <a:pPr algn="ctr"/>
+                      <a:r>
+                        <a:rPr lang="en-US" dirty="0"/>
+                        <a:t>10:00</a:t>
+                      </a:r>
+                    </a:p>
+                  </a:txBody>
+                  <a:tcPr anchor="ctr">
+                    <a:lnL w="12700" cap="flat" cmpd="sng" algn="ctr">
+                      <a:solidFill>
+                        <a:schemeClr val="tx1"/>
+                      </a:solidFill>
+                      <a:prstDash val="solid"/>
+                      <a:round/>
+                      <a:headEnd type="none" w="med" len="med"/>
+                      <a:tailEnd type="none" w="med" len="med"/>
+                    </a:lnL>
+                    <a:lnR w="12700" cap="flat" cmpd="sng" algn="ctr">
+                      <a:solidFill>
+                        <a:schemeClr val="tx1"/>
+                      </a:solidFill>
+                      <a:prstDash val="solid"/>
+                      <a:round/>
+                      <a:headEnd type="none" w="med" len="med"/>
+                      <a:tailEnd type="none" w="med" len="med"/>
+                    </a:lnR>
+                    <a:lnT w="12700" cap="flat" cmpd="sng" algn="ctr">
+                      <a:solidFill>
+                        <a:schemeClr val="tx1"/>
+                      </a:solidFill>
+                      <a:prstDash val="solid"/>
+                      <a:round/>
+                      <a:headEnd type="none" w="med" len="med"/>
+                      <a:tailEnd type="none" w="med" len="med"/>
+                    </a:lnT>
+                    <a:lnB w="12700" cap="flat" cmpd="sng" algn="ctr">
+                      <a:solidFill>
+                        <a:schemeClr val="tx1"/>
+                      </a:solidFill>
+                      <a:prstDash val="solid"/>
+                      <a:round/>
+                      <a:headEnd type="none" w="med" len="med"/>
+                      <a:tailEnd type="none" w="med" len="med"/>
+                    </a:lnB>
+                  </a:tcPr>
+                </a:tc>
+                <a:tc>
+                  <a:txBody>
+                    <a:bodyPr/>
+                    <a:lstStyle/>
+                    <a:p>
+                      <a:pPr algn="ctr"/>
+                      <a:r>
+                        <a:rPr lang="en-US" dirty="0"/>
+                        <a:t>2</a:t>
+                      </a:r>
+                    </a:p>
+                  </a:txBody>
+                  <a:tcPr anchor="ctr">
+                    <a:lnL w="12700" cap="flat" cmpd="sng" algn="ctr">
+                      <a:solidFill>
+                        <a:schemeClr val="tx1"/>
+                      </a:solidFill>
+                      <a:prstDash val="solid"/>
+                      <a:round/>
+                      <a:headEnd type="none" w="med" len="med"/>
+                      <a:tailEnd type="none" w="med" len="med"/>
+                    </a:lnL>
+                    <a:lnR w="12700" cap="flat" cmpd="sng" algn="ctr">
+                      <a:solidFill>
+                        <a:schemeClr val="tx1"/>
+                      </a:solidFill>
+                      <a:prstDash val="solid"/>
+                      <a:round/>
+                      <a:headEnd type="none" w="med" len="med"/>
+                      <a:tailEnd type="none" w="med" len="med"/>
+                    </a:lnR>
+                    <a:lnT w="12700" cap="flat" cmpd="sng" algn="ctr">
+                      <a:solidFill>
+                        <a:schemeClr val="tx1"/>
+                      </a:solidFill>
+                      <a:prstDash val="solid"/>
+                      <a:round/>
+                      <a:headEnd type="none" w="med" len="med"/>
+                      <a:tailEnd type="none" w="med" len="med"/>
+                    </a:lnT>
+                    <a:lnB w="12700" cap="flat" cmpd="sng" algn="ctr">
+                      <a:solidFill>
+                        <a:schemeClr val="tx1"/>
+                      </a:solidFill>
+                      <a:prstDash val="solid"/>
+                      <a:round/>
+                      <a:headEnd type="none" w="med" len="med"/>
+                      <a:tailEnd type="none" w="med" len="med"/>
+                    </a:lnB>
+                  </a:tcPr>
+                </a:tc>
+                <a:tc>
+                  <a:txBody>
+                    <a:bodyPr/>
+                    <a:lstStyle/>
+                    <a:p>
+                      <a:pPr algn="ctr"/>
+                      <a:r>
+                        <a:rPr lang="en-US" dirty="0"/>
+                        <a:t>March</a:t>
+                      </a:r>
+                    </a:p>
+                  </a:txBody>
+                  <a:tcPr anchor="ctr">
+                    <a:lnL w="12700" cap="flat" cmpd="sng" algn="ctr">
+                      <a:solidFill>
+                        <a:schemeClr val="tx1"/>
+                      </a:solidFill>
+                      <a:prstDash val="solid"/>
+                      <a:round/>
+                      <a:headEnd type="none" w="med" len="med"/>
+                      <a:tailEnd type="none" w="med" len="med"/>
+                    </a:lnL>
+                    <a:lnR w="12700" cap="flat" cmpd="sng" algn="ctr">
+                      <a:solidFill>
+                        <a:schemeClr val="tx1"/>
+                      </a:solidFill>
+                      <a:prstDash val="solid"/>
+                      <a:round/>
+                      <a:headEnd type="none" w="med" len="med"/>
+                      <a:tailEnd type="none" w="med" len="med"/>
+                    </a:lnR>
+                    <a:lnT w="12700" cap="flat" cmpd="sng" algn="ctr">
+                      <a:solidFill>
+                        <a:schemeClr val="tx1"/>
+                      </a:solidFill>
+                      <a:prstDash val="solid"/>
+                      <a:round/>
+                      <a:headEnd type="none" w="med" len="med"/>
+                      <a:tailEnd type="none" w="med" len="med"/>
+                    </a:lnT>
+                    <a:lnB w="12700" cap="flat" cmpd="sng" algn="ctr">
+                      <a:solidFill>
+                        <a:schemeClr val="tx1"/>
+                      </a:solidFill>
+                      <a:prstDash val="solid"/>
+                      <a:round/>
+                      <a:headEnd type="none" w="med" len="med"/>
+                      <a:tailEnd type="none" w="med" len="med"/>
+                    </a:lnB>
+                  </a:tcPr>
+                </a:tc>
+                <a:tc>
+                  <a:txBody>
+                    <a:bodyPr/>
+                    <a:lstStyle/>
+                    <a:p>
+                      <a:pPr algn="ctr"/>
+                      <a:r>
+                        <a:rPr lang="en-US" dirty="0"/>
+                        <a:t>34.99</a:t>
+                      </a:r>
+                    </a:p>
+                  </a:txBody>
+                  <a:tcPr anchor="ctr">
+                    <a:lnL w="12700" cap="flat" cmpd="sng" algn="ctr">
+                      <a:solidFill>
+                        <a:schemeClr val="tx1"/>
+                      </a:solidFill>
+                      <a:prstDash val="solid"/>
+                      <a:round/>
+                      <a:headEnd type="none" w="med" len="med"/>
+                      <a:tailEnd type="none" w="med" len="med"/>
+                    </a:lnL>
+                    <a:lnR w="12700" cap="flat" cmpd="sng" algn="ctr">
+                      <a:solidFill>
+                        <a:schemeClr val="tx1"/>
+                      </a:solidFill>
+                      <a:prstDash val="solid"/>
+                      <a:round/>
+                      <a:headEnd type="none" w="med" len="med"/>
+                      <a:tailEnd type="none" w="med" len="med"/>
+                    </a:lnR>
+                    <a:lnT w="12700" cap="flat" cmpd="sng" algn="ctr">
+                      <a:solidFill>
+                        <a:schemeClr val="tx1"/>
+                      </a:solidFill>
+                      <a:prstDash val="solid"/>
+                      <a:round/>
+                      <a:headEnd type="none" w="med" len="med"/>
+                      <a:tailEnd type="none" w="med" len="med"/>
+                    </a:lnT>
+                    <a:lnB w="12700" cap="flat" cmpd="sng" algn="ctr">
+                      <a:solidFill>
+                        <a:schemeClr val="tx1"/>
+                      </a:solidFill>
+                      <a:prstDash val="solid"/>
+                      <a:round/>
+                      <a:headEnd type="none" w="med" len="med"/>
+                      <a:tailEnd type="none" w="med" len="med"/>
+                    </a:lnB>
+                  </a:tcPr>
+                </a:tc>
+                <a:tc>
+                  <a:txBody>
+                    <a:bodyPr/>
+                    <a:lstStyle/>
+                    <a:p>
+                      <a:pPr algn="ctr"/>
+                      <a:r>
+                        <a:rPr lang="en-US" dirty="0"/>
+                        <a:t>445.01</a:t>
+                      </a:r>
+                    </a:p>
+                  </a:txBody>
+                  <a:tcPr anchor="ctr">
+                    <a:lnL w="12700" cap="flat" cmpd="sng" algn="ctr">
+                      <a:solidFill>
+                        <a:schemeClr val="tx1"/>
+                      </a:solidFill>
+                      <a:prstDash val="solid"/>
+                      <a:round/>
+                      <a:headEnd type="none" w="med" len="med"/>
+                      <a:tailEnd type="none" w="med" len="med"/>
+                    </a:lnL>
+                    <a:lnR w="12700" cap="flat" cmpd="sng" algn="ctr">
+                      <a:solidFill>
+                        <a:schemeClr val="tx1"/>
+                      </a:solidFill>
+                      <a:prstDash val="solid"/>
+                      <a:round/>
+                      <a:headEnd type="none" w="med" len="med"/>
+                      <a:tailEnd type="none" w="med" len="med"/>
+                    </a:lnR>
+                    <a:lnT w="12700" cap="flat" cmpd="sng" algn="ctr">
+                      <a:solidFill>
+                        <a:schemeClr val="tx1"/>
+                      </a:solidFill>
+                      <a:prstDash val="solid"/>
+                      <a:round/>
+                      <a:headEnd type="none" w="med" len="med"/>
+                      <a:tailEnd type="none" w="med" len="med"/>
+                    </a:lnT>
+                    <a:lnB w="12700" cap="flat" cmpd="sng" algn="ctr">
+                      <a:solidFill>
+                        <a:schemeClr val="tx1"/>
+                      </a:solidFill>
+                      <a:prstDash val="solid"/>
+                      <a:round/>
+                      <a:headEnd type="none" w="med" len="med"/>
+                      <a:tailEnd type="none" w="med" len="med"/>
+                    </a:lnB>
+                  </a:tcPr>
+                </a:tc>
+                <a:extLst>
+                  <a:ext uri="{0D108BD9-81ED-4DB2-BD59-A6C34878D82A}">
+                    <a16:rowId xmlns:a16="http://schemas.microsoft.com/office/drawing/2014/main" val="1822218103"/>
+                  </a:ext>
+                </a:extLst>
+              </a:tr>
+            </a:tbl>
+          </a:graphicData>
+        </a:graphic>
+      </p:graphicFrame>
+      <p:cxnSp>
+        <p:nvCxnSpPr>
+          <p:cNvPr id="8" name="Straight Arrow Connector 7">
+            <a:extLst>
+              <a:ext uri="{FF2B5EF4-FFF2-40B4-BE49-F238E27FC236}">
+                <a16:creationId xmlns:a16="http://schemas.microsoft.com/office/drawing/2014/main" id="{B86C0E9D-9947-C44F-A6F2-F78724BCA0E1}"/>
+              </a:ext>
+            </a:extLst>
+          </p:cNvPr>
+          <p:cNvCxnSpPr/>
+          <p:nvPr/>
+        </p:nvCxnSpPr>
+        <p:spPr>
+          <a:xfrm>
+            <a:off x="968188" y="3429000"/>
+            <a:ext cx="1627094" cy="1129553"/>
+          </a:xfrm>
+          <a:prstGeom prst="straightConnector1">
+            <a:avLst/>
+          </a:prstGeom>
+          <a:ln>
+            <a:tailEnd type="triangle"/>
+          </a:ln>
+        </p:spPr>
+        <p:style>
+          <a:lnRef idx="1">
+            <a:schemeClr val="dk1"/>
+          </a:lnRef>
+          <a:fillRef idx="0">
+            <a:schemeClr val="dk1"/>
+          </a:fillRef>
+          <a:effectRef idx="0">
+            <a:schemeClr val="dk1"/>
+          </a:effectRef>
+          <a:fontRef idx="minor">
+            <a:schemeClr val="tx1"/>
+          </a:fontRef>
+        </p:style>
+      </p:cxnSp>
+      <p:cxnSp>
+        <p:nvCxnSpPr>
+          <p:cNvPr id="9" name="Straight Arrow Connector 8">
+            <a:extLst>
+              <a:ext uri="{FF2B5EF4-FFF2-40B4-BE49-F238E27FC236}">
+                <a16:creationId xmlns:a16="http://schemas.microsoft.com/office/drawing/2014/main" id="{D069C6E5-545F-9C4E-A857-171B82D88A79}"/>
+              </a:ext>
+            </a:extLst>
+          </p:cNvPr>
+          <p:cNvCxnSpPr>
+            <a:cxnSpLocks/>
+          </p:cNvCxnSpPr>
+          <p:nvPr/>
+        </p:nvCxnSpPr>
+        <p:spPr>
+          <a:xfrm>
+            <a:off x="3943722" y="3163963"/>
+            <a:ext cx="224866" cy="1488719"/>
+          </a:xfrm>
+          <a:prstGeom prst="straightConnector1">
+            <a:avLst/>
+          </a:prstGeom>
+          <a:ln>
+            <a:tailEnd type="triangle"/>
+          </a:ln>
+        </p:spPr>
+        <p:style>
+          <a:lnRef idx="1">
+            <a:schemeClr val="dk1"/>
+          </a:lnRef>
+          <a:fillRef idx="0">
+            <a:schemeClr val="dk1"/>
+          </a:fillRef>
+          <a:effectRef idx="0">
+            <a:schemeClr val="dk1"/>
+          </a:effectRef>
+          <a:fontRef idx="minor">
+            <a:schemeClr val="tx1"/>
+          </a:fontRef>
+        </p:style>
+      </p:cxnSp>
+    </p:spTree>
+    <p:extLst>
+      <p:ext uri="{BB962C8B-B14F-4D97-AF65-F5344CB8AC3E}">
+        <p14:creationId xmlns:p14="http://schemas.microsoft.com/office/powerpoint/2010/main" val="338386805"/>
+      </p:ext>
+    </p:extLst>
+  </p:cSld>
+  <p:clrMapOvr>
+    <a:masterClrMapping/>
+  </p:clrMapOvr>
+</p:sld>
+</file>
+
+<file path=ppt/slides/slide9.xml><?xml version="1.0" encoding="utf-8"?>
+<p:sld xmlns:a="http://schemas.openxmlformats.org/drawingml/2006/main" xmlns:r="http://schemas.openxmlformats.org/officeDocument/2006/relationships" xmlns:p="http://schemas.openxmlformats.org/presentationml/2006/main">
+  <p:cSld>
+    <p:spTree>
+      <p:nvGrpSpPr>
+        <p:cNvPr id="1" name=""/>
+        <p:cNvGrpSpPr/>
+        <p:nvPr/>
+      </p:nvGrpSpPr>
+      <p:grpSpPr>
+        <a:xfrm>
+          <a:off x="0" y="0"/>
+          <a:ext cx="0" cy="0"/>
+          <a:chOff x="0" y="0"/>
+          <a:chExt cx="0" cy="0"/>
+        </a:xfrm>
+      </p:grpSpPr>
+      <p:sp>
+        <p:nvSpPr>
+          <p:cNvPr id="2" name="Title 1">
+            <a:extLst>
+              <a:ext uri="{FF2B5EF4-FFF2-40B4-BE49-F238E27FC236}">
+                <a16:creationId xmlns:a16="http://schemas.microsoft.com/office/drawing/2014/main" id="{A3FA626A-39B1-794F-9A3F-83D37F75B451}"/>
+              </a:ext>
+            </a:extLst>
+          </p:cNvPr>
+          <p:cNvSpPr>
+            <a:spLocks noGrp="1"/>
+          </p:cNvSpPr>
+          <p:nvPr>
+            <p:ph type="title"/>
+          </p:nvPr>
+        </p:nvSpPr>
+        <p:spPr>
+          <a:xfrm>
+            <a:off x="838200" y="55844"/>
+            <a:ext cx="10515600" cy="341095"/>
+          </a:xfrm>
+        </p:spPr>
+        <p:txBody>
+          <a:bodyPr>
+            <a:normAutofit fontScale="90000"/>
+          </a:bodyPr>
+          <a:lstStyle/>
+          <a:p>
+            <a:pPr algn="ctr"/>
+            <a:r>
+              <a:rPr lang="en-US" sz="2800" b="1" dirty="0"/>
+              <a:t>Classes</a:t>
+            </a:r>
+          </a:p>
+        </p:txBody>
+      </p:sp>
+      <p:graphicFrame>
+        <p:nvGraphicFramePr>
+          <p:cNvPr id="4" name="Table 3">
+            <a:extLst>
+              <a:ext uri="{FF2B5EF4-FFF2-40B4-BE49-F238E27FC236}">
+                <a16:creationId xmlns:a16="http://schemas.microsoft.com/office/drawing/2014/main" id="{E76B9E62-50FD-A244-A881-30CEE53BFD4C}"/>
+              </a:ext>
+            </a:extLst>
+          </p:cNvPr>
+          <p:cNvGraphicFramePr>
+            <a:graphicFrameLocks noGrp="1"/>
+          </p:cNvGraphicFramePr>
+          <p:nvPr>
+            <p:extLst>
+              <p:ext uri="{D42A27DB-BD31-4B8C-83A1-F6EECF244321}">
+                <p14:modId xmlns:p14="http://schemas.microsoft.com/office/powerpoint/2010/main" val="4229818805"/>
+              </p:ext>
+            </p:extLst>
+          </p:nvPr>
+        </p:nvGraphicFramePr>
+        <p:xfrm>
+          <a:off x="309284" y="464175"/>
+          <a:ext cx="2369671" cy="6326590"/>
+        </p:xfrm>
+        <a:graphic>
+          <a:graphicData uri="http://schemas.openxmlformats.org/drawingml/2006/table">
+            <a:tbl>
+              <a:tblPr firstRow="1" bandRow="1">
+                <a:tableStyleId>{5940675A-B579-460E-94D1-54222C63F5DA}</a:tableStyleId>
+              </a:tblPr>
+              <a:tblGrid>
+                <a:gridCol w="2369671">
+                  <a:extLst>
+                    <a:ext uri="{9D8B030D-6E8A-4147-A177-3AD203B41FA5}">
+                      <a16:colId xmlns:a16="http://schemas.microsoft.com/office/drawing/2014/main" val="4005843325"/>
+                    </a:ext>
+                  </a:extLst>
+                </a:gridCol>
+              </a:tblGrid>
+              <a:tr h="372229">
+                <a:tc>
+                  <a:txBody>
+                    <a:bodyPr/>
+                    <a:lstStyle/>
+                    <a:p>
+                      <a:pPr algn="ctr"/>
+                      <a:r>
+                        <a:rPr lang="en-US" dirty="0"/>
+                        <a:t>Merchant</a:t>
+                      </a:r>
+                    </a:p>
+                  </a:txBody>
+                  <a:tcPr anchor="ctr">
+                    <a:solidFill>
+                      <a:srgbClr val="D883FF"/>
+                    </a:solidFill>
+                  </a:tcPr>
+                </a:tc>
+                <a:extLst>
+                  <a:ext uri="{0D108BD9-81ED-4DB2-BD59-A6C34878D82A}">
+                    <a16:rowId xmlns:a16="http://schemas.microsoft.com/office/drawing/2014/main" val="4181850750"/>
+                  </a:ext>
+                </a:extLst>
+              </a:tr>
+              <a:tr h="2639671">
+                <a:tc>
+                  <a:txBody>
+                    <a:bodyPr/>
+                    <a:lstStyle/>
+                    <a:p>
+                      <a:pPr algn="l"/>
+                      <a:r>
+                        <a:rPr lang="en-US" dirty="0"/>
+                        <a:t>@id</a:t>
+                      </a:r>
+                    </a:p>
+                    <a:p>
+                      <a:pPr algn="l"/>
+                      <a:r>
+                        <a:rPr lang="en-US" dirty="0"/>
+                        <a:t>@</a:t>
+                      </a:r>
+                      <a:r>
+                        <a:rPr lang="en-US" dirty="0" err="1"/>
+                        <a:t>merchant_name</a:t>
+                      </a:r>
+                      <a:r>
+                        <a:rPr lang="en-US" dirty="0"/>
+                        <a:t>(</a:t>
+                      </a:r>
+                      <a:r>
+                        <a:rPr lang="en-US" dirty="0" err="1"/>
+                        <a:t>Str</a:t>
+                      </a:r>
+                      <a:r>
+                        <a:rPr lang="en-US" dirty="0"/>
+                        <a:t>)</a:t>
+                      </a:r>
+                    </a:p>
+                  </a:txBody>
+                  <a:tcPr anchor="ctr"/>
+                </a:tc>
+                <a:extLst>
+                  <a:ext uri="{0D108BD9-81ED-4DB2-BD59-A6C34878D82A}">
+                    <a16:rowId xmlns:a16="http://schemas.microsoft.com/office/drawing/2014/main" val="2995859431"/>
+                  </a:ext>
+                </a:extLst>
+              </a:tr>
+              <a:tr h="3314690">
+                <a:tc>
+                  <a:txBody>
+                    <a:bodyPr/>
+                    <a:lstStyle/>
+                    <a:p>
+                      <a:pPr marL="285750" indent="-285750" algn="l">
+                        <a:buFontTx/>
+                        <a:buChar char="-"/>
+                      </a:pPr>
+                      <a:r>
+                        <a:rPr lang="en-US" dirty="0"/>
+                        <a:t>Initialize</a:t>
+                      </a:r>
+                    </a:p>
+                    <a:p>
+                      <a:pPr marL="285750" indent="-285750" algn="l">
+                        <a:buFontTx/>
+                        <a:buChar char="-"/>
+                      </a:pPr>
+                      <a:r>
+                        <a:rPr lang="en-US" dirty="0"/>
+                        <a:t>Save (to database)</a:t>
+                      </a:r>
+                    </a:p>
+                    <a:p>
+                      <a:pPr marL="285750" indent="-285750" algn="l">
+                        <a:buFontTx/>
+                        <a:buChar char="-"/>
+                      </a:pPr>
+                      <a:r>
+                        <a:rPr lang="en-US" dirty="0"/>
+                        <a:t>Self find</a:t>
+                      </a:r>
+                    </a:p>
+                    <a:p>
+                      <a:pPr marL="285750" indent="-285750" algn="l">
+                        <a:buFontTx/>
+                        <a:buChar char="-"/>
+                      </a:pPr>
+                      <a:r>
+                        <a:rPr lang="en-US" dirty="0"/>
+                        <a:t>Self all</a:t>
+                      </a:r>
+                    </a:p>
+                    <a:p>
+                      <a:pPr marL="285750" indent="-285750" algn="l">
+                        <a:buFontTx/>
+                        <a:buChar char="-"/>
+                      </a:pPr>
+                      <a:r>
+                        <a:rPr lang="en-US" dirty="0"/>
+                        <a:t>Self map items</a:t>
+                      </a:r>
+                    </a:p>
+                    <a:p>
+                      <a:pPr marL="285750" indent="-285750" algn="l">
+                        <a:buFontTx/>
+                        <a:buChar char="-"/>
+                      </a:pPr>
+                      <a:r>
+                        <a:rPr lang="en-US" dirty="0"/>
+                        <a:t>delete</a:t>
+                      </a:r>
+                    </a:p>
+                  </a:txBody>
+                  <a:tcPr anchor="ctr"/>
+                </a:tc>
+                <a:extLst>
+                  <a:ext uri="{0D108BD9-81ED-4DB2-BD59-A6C34878D82A}">
+                    <a16:rowId xmlns:a16="http://schemas.microsoft.com/office/drawing/2014/main" val="2112490845"/>
+                  </a:ext>
+                </a:extLst>
+              </a:tr>
+            </a:tbl>
+          </a:graphicData>
+        </a:graphic>
+      </p:graphicFrame>
+      <p:graphicFrame>
+        <p:nvGraphicFramePr>
+          <p:cNvPr id="5" name="Table 4">
+            <a:extLst>
+              <a:ext uri="{FF2B5EF4-FFF2-40B4-BE49-F238E27FC236}">
+                <a16:creationId xmlns:a16="http://schemas.microsoft.com/office/drawing/2014/main" id="{1B86D617-CA67-D44E-9F22-CAC79CB6A2A4}"/>
+              </a:ext>
+            </a:extLst>
+          </p:cNvPr>
+          <p:cNvGraphicFramePr>
+            <a:graphicFrameLocks noGrp="1"/>
+          </p:cNvGraphicFramePr>
+          <p:nvPr>
+            <p:extLst>
+              <p:ext uri="{D42A27DB-BD31-4B8C-83A1-F6EECF244321}">
+                <p14:modId xmlns:p14="http://schemas.microsoft.com/office/powerpoint/2010/main" val="1814829198"/>
+              </p:ext>
+            </p:extLst>
+          </p:nvPr>
+        </p:nvGraphicFramePr>
+        <p:xfrm>
+          <a:off x="3074894" y="464174"/>
+          <a:ext cx="2203824" cy="6326591"/>
+        </p:xfrm>
+        <a:graphic>
+          <a:graphicData uri="http://schemas.openxmlformats.org/drawingml/2006/table">
+            <a:tbl>
+              <a:tblPr firstRow="1" bandRow="1">
+                <a:tableStyleId>{5940675A-B579-460E-94D1-54222C63F5DA}</a:tableStyleId>
+              </a:tblPr>
+              <a:tblGrid>
+                <a:gridCol w="2203824">
+                  <a:extLst>
+                    <a:ext uri="{9D8B030D-6E8A-4147-A177-3AD203B41FA5}">
+                      <a16:colId xmlns:a16="http://schemas.microsoft.com/office/drawing/2014/main" val="4005843325"/>
+                    </a:ext>
+                  </a:extLst>
+                </a:gridCol>
+              </a:tblGrid>
+              <a:tr h="454944">
+                <a:tc>
+                  <a:txBody>
+                    <a:bodyPr/>
+                    <a:lstStyle/>
+                    <a:p>
+                      <a:pPr algn="ctr"/>
+                      <a:r>
+                        <a:rPr lang="en-US" dirty="0"/>
+                        <a:t>Tags</a:t>
+                      </a:r>
+                    </a:p>
+                  </a:txBody>
+                  <a:tcPr anchor="ctr">
+                    <a:solidFill>
+                      <a:srgbClr val="D883FF"/>
+                    </a:solidFill>
+                  </a:tcPr>
+                </a:tc>
+                <a:extLst>
+                  <a:ext uri="{0D108BD9-81ED-4DB2-BD59-A6C34878D82A}">
+                    <a16:rowId xmlns:a16="http://schemas.microsoft.com/office/drawing/2014/main" val="4181850750"/>
+                  </a:ext>
+                </a:extLst>
+              </a:tr>
+              <a:tr h="2805717">
+                <a:tc>
+                  <a:txBody>
+                    <a:bodyPr/>
+                    <a:lstStyle/>
+                    <a:p>
+                      <a:pPr algn="l"/>
+                      <a:r>
+                        <a:rPr lang="en-US" dirty="0"/>
+                        <a:t>@id</a:t>
+                      </a:r>
+                    </a:p>
+                    <a:p>
+                      <a:pPr algn="l"/>
+                      <a:r>
+                        <a:rPr lang="en-US" dirty="0"/>
+                        <a:t>@</a:t>
+                      </a:r>
+                      <a:r>
+                        <a:rPr lang="en-US" dirty="0" err="1"/>
+                        <a:t>tag_name</a:t>
+                      </a:r>
+                      <a:r>
+                        <a:rPr lang="en-US" dirty="0"/>
+                        <a:t>(</a:t>
+                      </a:r>
+                      <a:r>
+                        <a:rPr lang="en-US" dirty="0" err="1"/>
+                        <a:t>Str</a:t>
+                      </a:r>
+                      <a:r>
+                        <a:rPr lang="en-US" dirty="0"/>
+                        <a:t>)</a:t>
+                      </a:r>
+                    </a:p>
+                  </a:txBody>
+                  <a:tcPr anchor="ctr"/>
+                </a:tc>
+                <a:extLst>
+                  <a:ext uri="{0D108BD9-81ED-4DB2-BD59-A6C34878D82A}">
+                    <a16:rowId xmlns:a16="http://schemas.microsoft.com/office/drawing/2014/main" val="2995859431"/>
+                  </a:ext>
+                </a:extLst>
+              </a:tr>
+              <a:tr h="3065930">
+                <a:tc>
+                  <a:txBody>
+                    <a:bodyPr/>
+                    <a:lstStyle/>
+                    <a:p>
+                      <a:pPr marL="285750" indent="-285750" algn="l">
+                        <a:buFontTx/>
+                        <a:buChar char="-"/>
+                      </a:pPr>
+                      <a:r>
+                        <a:rPr lang="en-US" dirty="0"/>
+                        <a:t>Initialize</a:t>
+                      </a:r>
+                    </a:p>
+                    <a:p>
+                      <a:pPr marL="285750" indent="-285750" algn="l">
+                        <a:buFontTx/>
+                        <a:buChar char="-"/>
+                      </a:pPr>
+                      <a:r>
+                        <a:rPr lang="en-US" dirty="0"/>
+                        <a:t>Save (to database)</a:t>
+                      </a:r>
+                    </a:p>
+                    <a:p>
+                      <a:pPr marL="285750" indent="-285750" algn="l">
+                        <a:buFontTx/>
+                        <a:buChar char="-"/>
+                      </a:pPr>
+                      <a:r>
+                        <a:rPr lang="en-US" dirty="0"/>
+                        <a:t>Self find</a:t>
+                      </a:r>
+                    </a:p>
+                    <a:p>
+                      <a:pPr marL="285750" indent="-285750" algn="l">
+                        <a:buFontTx/>
+                        <a:buChar char="-"/>
+                      </a:pPr>
+                      <a:r>
+                        <a:rPr lang="en-US" dirty="0"/>
+                        <a:t>Self all</a:t>
+                      </a:r>
+                    </a:p>
+                    <a:p>
+                      <a:pPr marL="285750" indent="-285750" algn="l">
+                        <a:buFontTx/>
+                        <a:buChar char="-"/>
+                      </a:pPr>
+                      <a:r>
+                        <a:rPr lang="en-US" dirty="0"/>
+                        <a:t>Self map items</a:t>
+                      </a:r>
+                    </a:p>
+                    <a:p>
+                      <a:pPr marL="285750" indent="-285750" algn="l">
+                        <a:buFontTx/>
+                        <a:buChar char="-"/>
+                      </a:pPr>
+                      <a:r>
+                        <a:rPr lang="en-US" dirty="0"/>
+                        <a:t>delete</a:t>
+                      </a:r>
+                    </a:p>
+                    <a:p>
+                      <a:pPr algn="ctr"/>
+                      <a:endParaRPr lang="en-US" dirty="0"/>
+                    </a:p>
+                  </a:txBody>
+                  <a:tcPr anchor="ctr"/>
+                </a:tc>
+                <a:extLst>
+                  <a:ext uri="{0D108BD9-81ED-4DB2-BD59-A6C34878D82A}">
+                    <a16:rowId xmlns:a16="http://schemas.microsoft.com/office/drawing/2014/main" val="2112490845"/>
+                  </a:ext>
+                </a:extLst>
+              </a:tr>
+            </a:tbl>
+          </a:graphicData>
+        </a:graphic>
+      </p:graphicFrame>
+      <p:graphicFrame>
+        <p:nvGraphicFramePr>
+          <p:cNvPr id="6" name="Table 5">
+            <a:extLst>
+              <a:ext uri="{FF2B5EF4-FFF2-40B4-BE49-F238E27FC236}">
+                <a16:creationId xmlns:a16="http://schemas.microsoft.com/office/drawing/2014/main" id="{E60E3F86-205D-C94E-8BFB-D187A2E5A87D}"/>
+              </a:ext>
+            </a:extLst>
+          </p:cNvPr>
+          <p:cNvGraphicFramePr>
+            <a:graphicFrameLocks noGrp="1"/>
+          </p:cNvGraphicFramePr>
+          <p:nvPr>
+            <p:extLst>
+              <p:ext uri="{D42A27DB-BD31-4B8C-83A1-F6EECF244321}">
+                <p14:modId xmlns:p14="http://schemas.microsoft.com/office/powerpoint/2010/main" val="3829048076"/>
+              </p:ext>
+            </p:extLst>
+          </p:nvPr>
+        </p:nvGraphicFramePr>
+        <p:xfrm>
+          <a:off x="5674657" y="464175"/>
+          <a:ext cx="3630706" cy="6344341"/>
+        </p:xfrm>
+        <a:graphic>
+          <a:graphicData uri="http://schemas.openxmlformats.org/drawingml/2006/table">
+            <a:tbl>
+              <a:tblPr firstRow="1" bandRow="1">
+                <a:tableStyleId>{5940675A-B579-460E-94D1-54222C63F5DA}</a:tableStyleId>
+              </a:tblPr>
+              <a:tblGrid>
+                <a:gridCol w="3630706">
+                  <a:extLst>
+                    <a:ext uri="{9D8B030D-6E8A-4147-A177-3AD203B41FA5}">
+                      <a16:colId xmlns:a16="http://schemas.microsoft.com/office/drawing/2014/main" val="4005843325"/>
+                    </a:ext>
+                  </a:extLst>
+                </a:gridCol>
+              </a:tblGrid>
+              <a:tr h="400741">
+                <a:tc>
+                  <a:txBody>
+                    <a:bodyPr/>
+                    <a:lstStyle/>
+                    <a:p>
+                      <a:pPr algn="ctr"/>
+                      <a:r>
+                        <a:rPr lang="en-US" dirty="0"/>
+                        <a:t>Transaction</a:t>
+                      </a:r>
+                    </a:p>
+                  </a:txBody>
+                  <a:tcPr anchor="ctr">
+                    <a:solidFill>
+                      <a:srgbClr val="D883FF"/>
+                    </a:solidFill>
+                  </a:tcPr>
+                </a:tc>
+                <a:extLst>
+                  <a:ext uri="{0D108BD9-81ED-4DB2-BD59-A6C34878D82A}">
+                    <a16:rowId xmlns:a16="http://schemas.microsoft.com/office/drawing/2014/main" val="4181850750"/>
+                  </a:ext>
+                </a:extLst>
+              </a:tr>
+              <a:tr h="2600733">
+                <a:tc>
+                  <a:txBody>
+                    <a:bodyPr/>
+                    <a:lstStyle/>
+                    <a:p>
+                      <a:r>
+                        <a:rPr lang="en-US" dirty="0"/>
+                        <a:t>@id</a:t>
+                      </a:r>
+                    </a:p>
+                    <a:p>
+                      <a:r>
+                        <a:rPr lang="en-US" dirty="0"/>
+                        <a:t>@amount(numeric)</a:t>
+                      </a:r>
+                    </a:p>
+                    <a:p>
+                      <a:r>
+                        <a:rPr lang="en-US" dirty="0"/>
+                        <a:t>@</a:t>
+                      </a:r>
+                      <a:r>
+                        <a:rPr lang="en-US" dirty="0" err="1"/>
+                        <a:t>merchant_id</a:t>
+                      </a:r>
+                      <a:endParaRPr lang="en-US" dirty="0"/>
+                    </a:p>
+                    <a:p>
+                      <a:r>
+                        <a:rPr lang="en-US" dirty="0"/>
+                        <a:t>@</a:t>
+                      </a:r>
+                      <a:r>
+                        <a:rPr lang="en-US" dirty="0" err="1"/>
+                        <a:t>tag_id</a:t>
+                      </a:r>
+                      <a:endParaRPr lang="en-US" dirty="0"/>
+                    </a:p>
+                    <a:p>
+                      <a:r>
+                        <a:rPr lang="en-US" dirty="0"/>
+                        <a:t>@essential(</a:t>
+                      </a:r>
+                      <a:r>
+                        <a:rPr lang="en-US" dirty="0" err="1"/>
+                        <a:t>Str</a:t>
+                      </a:r>
+                      <a:r>
+                        <a:rPr lang="en-US" dirty="0"/>
+                        <a:t>)</a:t>
+                      </a:r>
+                    </a:p>
+                    <a:p>
+                      <a:r>
+                        <a:rPr lang="en-US" dirty="0"/>
+                        <a:t>@time(numeric)</a:t>
+                      </a:r>
+                    </a:p>
+                    <a:p>
+                      <a:r>
+                        <a:rPr lang="en-US" dirty="0"/>
+                        <a:t>@day(</a:t>
+                      </a:r>
+                      <a:r>
+                        <a:rPr lang="en-US" dirty="0" err="1"/>
+                        <a:t>Int</a:t>
+                      </a:r>
+                      <a:r>
+                        <a:rPr lang="en-US" dirty="0"/>
+                        <a:t>)</a:t>
+                      </a:r>
+                    </a:p>
+                    <a:p>
+                      <a:r>
+                        <a:rPr lang="en-US" dirty="0"/>
+                        <a:t>@month(</a:t>
+                      </a:r>
+                      <a:r>
+                        <a:rPr lang="en-US" dirty="0" err="1"/>
+                        <a:t>Str</a:t>
+                      </a:r>
+                      <a:r>
+                        <a:rPr lang="en-US" dirty="0"/>
+                        <a:t>)</a:t>
+                      </a:r>
+                    </a:p>
+                    <a:p>
+                      <a:r>
+                        <a:rPr lang="en-US" dirty="0"/>
+                        <a:t>@</a:t>
+                      </a:r>
+                      <a:r>
+                        <a:rPr lang="en-US" dirty="0" err="1"/>
+                        <a:t>total_spent</a:t>
+                      </a:r>
+                      <a:r>
+                        <a:rPr lang="en-US" dirty="0"/>
+                        <a:t>(numeric)</a:t>
+                      </a:r>
+                    </a:p>
+                    <a:p>
+                      <a:r>
+                        <a:rPr lang="en-US" dirty="0"/>
+                        <a:t>@</a:t>
+                      </a:r>
+                      <a:r>
+                        <a:rPr lang="en-US" dirty="0" err="1"/>
+                        <a:t>remaining_budget</a:t>
+                      </a:r>
+                      <a:r>
+                        <a:rPr lang="en-US" dirty="0"/>
+                        <a:t>(numeric)</a:t>
+                      </a:r>
+                    </a:p>
+                  </a:txBody>
+                  <a:tcPr/>
+                </a:tc>
+                <a:extLst>
+                  <a:ext uri="{0D108BD9-81ED-4DB2-BD59-A6C34878D82A}">
+                    <a16:rowId xmlns:a16="http://schemas.microsoft.com/office/drawing/2014/main" val="2995859431"/>
+                  </a:ext>
+                </a:extLst>
+              </a:tr>
+              <a:tr h="1768047">
+                <a:tc>
+                  <a:txBody>
+                    <a:bodyPr/>
+                    <a:lstStyle/>
+                    <a:p>
+                      <a:pPr marL="285750" indent="-285750" algn="l">
+                        <a:buFontTx/>
+                        <a:buChar char="-"/>
+                      </a:pPr>
+                      <a:r>
+                        <a:rPr lang="en-US" dirty="0"/>
+                        <a:t>Initialize</a:t>
+                      </a:r>
+                    </a:p>
+                    <a:p>
+                      <a:pPr marL="285750" indent="-285750" algn="l">
+                        <a:buFontTx/>
+                        <a:buChar char="-"/>
+                      </a:pPr>
+                      <a:r>
+                        <a:rPr lang="en-US" dirty="0"/>
+                        <a:t>Get time/date now</a:t>
+                      </a:r>
+                    </a:p>
+                    <a:p>
+                      <a:pPr marL="285750" indent="-285750" algn="l">
+                        <a:buFontTx/>
+                        <a:buChar char="-"/>
+                      </a:pPr>
+                      <a:r>
+                        <a:rPr lang="en-US" dirty="0"/>
+                        <a:t>Split time/date to time/day/month</a:t>
+                      </a:r>
+                    </a:p>
+                    <a:p>
+                      <a:pPr marL="285750" indent="-285750" algn="l">
+                        <a:buFontTx/>
+                        <a:buChar char="-"/>
+                      </a:pPr>
+                      <a:r>
+                        <a:rPr lang="en-US" dirty="0"/>
+                        <a:t>Calculate total spent</a:t>
+                      </a:r>
+                    </a:p>
+                    <a:p>
+                      <a:pPr marL="285750" indent="-285750" algn="l">
+                        <a:buFontTx/>
+                        <a:buChar char="-"/>
+                      </a:pPr>
+                      <a:r>
+                        <a:rPr lang="en-US" dirty="0"/>
+                        <a:t>Calculate remaining budget</a:t>
+                      </a:r>
+                    </a:p>
+                    <a:p>
+                      <a:pPr marL="285750" indent="-285750" algn="l">
+                        <a:buFontTx/>
+                        <a:buChar char="-"/>
+                      </a:pPr>
+                      <a:r>
+                        <a:rPr lang="en-US" dirty="0"/>
+                        <a:t>Save (to database)</a:t>
+                      </a:r>
+                    </a:p>
+                    <a:p>
+                      <a:pPr marL="285750" indent="-285750" algn="l">
+                        <a:buFontTx/>
+                        <a:buChar char="-"/>
+                      </a:pPr>
+                      <a:r>
+                        <a:rPr lang="en-US" dirty="0"/>
+                        <a:t>Self find</a:t>
+                      </a:r>
+                    </a:p>
+                    <a:p>
+                      <a:pPr marL="285750" indent="-285750" algn="l">
+                        <a:buFontTx/>
+                        <a:buChar char="-"/>
+                      </a:pPr>
+                      <a:r>
+                        <a:rPr lang="en-US" dirty="0"/>
+                        <a:t>Self all</a:t>
+                      </a:r>
+                    </a:p>
+                    <a:p>
+                      <a:pPr marL="285750" indent="-285750" algn="l">
+                        <a:buFontTx/>
+                        <a:buChar char="-"/>
+                      </a:pPr>
+                      <a:r>
+                        <a:rPr lang="en-US" dirty="0"/>
+                        <a:t>Self map items</a:t>
+                      </a:r>
+                    </a:p>
+                    <a:p>
+                      <a:pPr marL="285750" indent="-285750" algn="l">
+                        <a:buFontTx/>
+                        <a:buChar char="-"/>
+                      </a:pPr>
+                      <a:r>
+                        <a:rPr lang="en-US" dirty="0"/>
+                        <a:t>delete</a:t>
+                      </a:r>
+                    </a:p>
+                  </a:txBody>
+                  <a:tcPr/>
+                </a:tc>
+                <a:extLst>
+                  <a:ext uri="{0D108BD9-81ED-4DB2-BD59-A6C34878D82A}">
+                    <a16:rowId xmlns:a16="http://schemas.microsoft.com/office/drawing/2014/main" val="2112490845"/>
+                  </a:ext>
+                </a:extLst>
+              </a:tr>
+            </a:tbl>
+          </a:graphicData>
+        </a:graphic>
+      </p:graphicFrame>
+      <p:graphicFrame>
+        <p:nvGraphicFramePr>
+          <p:cNvPr id="7" name="Table 6">
+            <a:extLst>
+              <a:ext uri="{FF2B5EF4-FFF2-40B4-BE49-F238E27FC236}">
+                <a16:creationId xmlns:a16="http://schemas.microsoft.com/office/drawing/2014/main" id="{4C2FB6E0-E161-F941-A854-5C5681E349B6}"/>
+              </a:ext>
+            </a:extLst>
+          </p:cNvPr>
+          <p:cNvGraphicFramePr>
+            <a:graphicFrameLocks noGrp="1"/>
+          </p:cNvGraphicFramePr>
+          <p:nvPr>
+            <p:extLst>
+              <p:ext uri="{D42A27DB-BD31-4B8C-83A1-F6EECF244321}">
+                <p14:modId xmlns:p14="http://schemas.microsoft.com/office/powerpoint/2010/main" val="1572713515"/>
+              </p:ext>
+            </p:extLst>
+          </p:nvPr>
+        </p:nvGraphicFramePr>
+        <p:xfrm>
+          <a:off x="9701303" y="464174"/>
+          <a:ext cx="2203824" cy="6337982"/>
+        </p:xfrm>
+        <a:graphic>
+          <a:graphicData uri="http://schemas.openxmlformats.org/drawingml/2006/table">
+            <a:tbl>
+              <a:tblPr firstRow="1" bandRow="1">
+                <a:tableStyleId>{5940675A-B579-460E-94D1-54222C63F5DA}</a:tableStyleId>
+              </a:tblPr>
+              <a:tblGrid>
+                <a:gridCol w="2203824">
+                  <a:extLst>
+                    <a:ext uri="{9D8B030D-6E8A-4147-A177-3AD203B41FA5}">
+                      <a16:colId xmlns:a16="http://schemas.microsoft.com/office/drawing/2014/main" val="4005843325"/>
+                    </a:ext>
+                  </a:extLst>
+                </a:gridCol>
+              </a:tblGrid>
+              <a:tr h="525733">
+                <a:tc>
+                  <a:txBody>
+                    <a:bodyPr/>
+                    <a:lstStyle/>
+                    <a:p>
+                      <a:pPr algn="ctr"/>
+                      <a:r>
+                        <a:rPr lang="en-US" dirty="0"/>
+                        <a:t>Budget</a:t>
+                      </a:r>
+                    </a:p>
+                  </a:txBody>
+                  <a:tcPr anchor="ctr">
+                    <a:solidFill>
+                      <a:srgbClr val="D883FF"/>
+                    </a:solidFill>
+                  </a:tcPr>
+                </a:tc>
+                <a:extLst>
+                  <a:ext uri="{0D108BD9-81ED-4DB2-BD59-A6C34878D82A}">
+                    <a16:rowId xmlns:a16="http://schemas.microsoft.com/office/drawing/2014/main" val="4181850750"/>
+                  </a:ext>
+                </a:extLst>
+              </a:tr>
+              <a:tr h="2787066">
+                <a:tc>
+                  <a:txBody>
+                    <a:bodyPr/>
+                    <a:lstStyle/>
+                    <a:p>
+                      <a:r>
+                        <a:rPr lang="en-US" dirty="0"/>
+                        <a:t>@id</a:t>
+                      </a:r>
+                    </a:p>
+                    <a:p>
+                      <a:r>
+                        <a:rPr lang="en-US" dirty="0"/>
+                        <a:t>@budget(numeric)</a:t>
+                      </a:r>
+                    </a:p>
+                  </a:txBody>
+                  <a:tcPr/>
+                </a:tc>
+                <a:extLst>
+                  <a:ext uri="{0D108BD9-81ED-4DB2-BD59-A6C34878D82A}">
+                    <a16:rowId xmlns:a16="http://schemas.microsoft.com/office/drawing/2014/main" val="2995859431"/>
+                  </a:ext>
+                </a:extLst>
+              </a:tr>
+              <a:tr h="3025183">
+                <a:tc>
+                  <a:txBody>
+                    <a:bodyPr/>
+                    <a:lstStyle/>
+                    <a:p>
+                      <a:pPr marL="285750" indent="-285750" algn="l">
+                        <a:buFontTx/>
+                        <a:buChar char="-"/>
+                      </a:pPr>
+                      <a:r>
+                        <a:rPr lang="en-US" dirty="0"/>
+                        <a:t>Initialize</a:t>
+                      </a:r>
+                    </a:p>
+                    <a:p>
+                      <a:pPr marL="285750" indent="-285750" algn="l">
+                        <a:buFontTx/>
+                        <a:buChar char="-"/>
+                      </a:pPr>
+                      <a:r>
+                        <a:rPr lang="en-US" dirty="0"/>
+                        <a:t>Edit</a:t>
+                      </a:r>
+                    </a:p>
+                    <a:p>
+                      <a:pPr marL="285750" indent="-285750" algn="l">
+                        <a:buFontTx/>
+                        <a:buChar char="-"/>
+                      </a:pPr>
+                      <a:r>
+                        <a:rPr lang="en-US" dirty="0"/>
+                        <a:t>delete</a:t>
+                      </a:r>
+                    </a:p>
+                    <a:p>
+                      <a:endParaRPr lang="en-US" dirty="0"/>
+                    </a:p>
+                  </a:txBody>
+                  <a:tcPr/>
+                </a:tc>
+                <a:extLst>
+                  <a:ext uri="{0D108BD9-81ED-4DB2-BD59-A6C34878D82A}">
+                    <a16:rowId xmlns:a16="http://schemas.microsoft.com/office/drawing/2014/main" val="2112490845"/>
+                  </a:ext>
+                </a:extLst>
+              </a:tr>
+            </a:tbl>
+          </a:graphicData>
+        </a:graphic>
+      </p:graphicFrame>
+    </p:spTree>
+    <p:extLst>
+      <p:ext uri="{BB962C8B-B14F-4D97-AF65-F5344CB8AC3E}">
+        <p14:creationId xmlns:p14="http://schemas.microsoft.com/office/powerpoint/2010/main" val="3918205902"/>
+      </p:ext>
+    </p:extLst>
+  </p:cSld>
+  <p:clrMapOvr>
+    <a:masterClrMapping/>
+  </p:clrMapOvr>
+</p:sld>
+</file>
+
 <file path=ppt/theme/theme1.xml><?xml version="1.0" encoding="utf-8"?>
 <a:theme xmlns:a="http://schemas.openxmlformats.org/drawingml/2006/main" name="Office Theme">
   <a:themeElements>

--- a/Plans_Project_Management/Budget_App_Plan_08Nov2018.pptx
+++ b/Plans_Project_Management/Budget_App_Plan_08Nov2018.pptx
@@ -6,15 +6,17 @@
   </p:sldMasterIdLst>
   <p:sldIdLst>
     <p:sldId id="256" r:id="rId2"/>
-    <p:sldId id="258" r:id="rId3"/>
-    <p:sldId id="259" r:id="rId4"/>
-    <p:sldId id="260" r:id="rId5"/>
-    <p:sldId id="261" r:id="rId6"/>
-    <p:sldId id="265" r:id="rId7"/>
-    <p:sldId id="262" r:id="rId8"/>
-    <p:sldId id="263" r:id="rId9"/>
-    <p:sldId id="264" r:id="rId10"/>
-    <p:sldId id="257" r:id="rId11"/>
+    <p:sldId id="267" r:id="rId3"/>
+    <p:sldId id="258" r:id="rId4"/>
+    <p:sldId id="259" r:id="rId5"/>
+    <p:sldId id="260" r:id="rId6"/>
+    <p:sldId id="261" r:id="rId7"/>
+    <p:sldId id="265" r:id="rId8"/>
+    <p:sldId id="262" r:id="rId9"/>
+    <p:sldId id="263" r:id="rId10"/>
+    <p:sldId id="264" r:id="rId11"/>
+    <p:sldId id="257" r:id="rId12"/>
+    <p:sldId id="266" r:id="rId13"/>
   </p:sldIdLst>
   <p:sldSz cx="12192000" cy="6858000"/>
   <p:notesSz cx="6858000" cy="9144000"/>
@@ -3435,6 +3437,895 @@
           <p:cNvPr id="2" name="Title 1">
             <a:extLst>
               <a:ext uri="{FF2B5EF4-FFF2-40B4-BE49-F238E27FC236}">
+                <a16:creationId xmlns:a16="http://schemas.microsoft.com/office/drawing/2014/main" id="{A3FA626A-39B1-794F-9A3F-83D37F75B451}"/>
+              </a:ext>
+            </a:extLst>
+          </p:cNvPr>
+          <p:cNvSpPr>
+            <a:spLocks noGrp="1"/>
+          </p:cNvSpPr>
+          <p:nvPr>
+            <p:ph type="title"/>
+          </p:nvPr>
+        </p:nvSpPr>
+        <p:spPr>
+          <a:xfrm>
+            <a:off x="838200" y="55844"/>
+            <a:ext cx="10515600" cy="341095"/>
+          </a:xfrm>
+        </p:spPr>
+        <p:txBody>
+          <a:bodyPr>
+            <a:normAutofit fontScale="90000"/>
+          </a:bodyPr>
+          <a:lstStyle/>
+          <a:p>
+            <a:pPr algn="ctr"/>
+            <a:r>
+              <a:rPr lang="en-US" sz="2800" b="1" dirty="0"/>
+              <a:t>Classes</a:t>
+            </a:r>
+          </a:p>
+        </p:txBody>
+      </p:sp>
+      <p:graphicFrame>
+        <p:nvGraphicFramePr>
+          <p:cNvPr id="4" name="Table 3">
+            <a:extLst>
+              <a:ext uri="{FF2B5EF4-FFF2-40B4-BE49-F238E27FC236}">
+                <a16:creationId xmlns:a16="http://schemas.microsoft.com/office/drawing/2014/main" id="{E76B9E62-50FD-A244-A881-30CEE53BFD4C}"/>
+              </a:ext>
+            </a:extLst>
+          </p:cNvPr>
+          <p:cNvGraphicFramePr>
+            <a:graphicFrameLocks noGrp="1"/>
+          </p:cNvGraphicFramePr>
+          <p:nvPr>
+            <p:extLst>
+              <p:ext uri="{D42A27DB-BD31-4B8C-83A1-F6EECF244321}">
+                <p14:modId xmlns:p14="http://schemas.microsoft.com/office/powerpoint/2010/main" val="4229818805"/>
+              </p:ext>
+            </p:extLst>
+          </p:nvPr>
+        </p:nvGraphicFramePr>
+        <p:xfrm>
+          <a:off x="309284" y="464175"/>
+          <a:ext cx="2369671" cy="6326590"/>
+        </p:xfrm>
+        <a:graphic>
+          <a:graphicData uri="http://schemas.openxmlformats.org/drawingml/2006/table">
+            <a:tbl>
+              <a:tblPr firstRow="1" bandRow="1">
+                <a:tableStyleId>{5940675A-B579-460E-94D1-54222C63F5DA}</a:tableStyleId>
+              </a:tblPr>
+              <a:tblGrid>
+                <a:gridCol w="2369671">
+                  <a:extLst>
+                    <a:ext uri="{9D8B030D-6E8A-4147-A177-3AD203B41FA5}">
+                      <a16:colId xmlns:a16="http://schemas.microsoft.com/office/drawing/2014/main" val="4005843325"/>
+                    </a:ext>
+                  </a:extLst>
+                </a:gridCol>
+              </a:tblGrid>
+              <a:tr h="372229">
+                <a:tc>
+                  <a:txBody>
+                    <a:bodyPr/>
+                    <a:lstStyle/>
+                    <a:p>
+                      <a:pPr algn="ctr"/>
+                      <a:r>
+                        <a:rPr lang="en-US" dirty="0"/>
+                        <a:t>Merchant</a:t>
+                      </a:r>
+                    </a:p>
+                  </a:txBody>
+                  <a:tcPr anchor="ctr">
+                    <a:solidFill>
+                      <a:srgbClr val="D883FF"/>
+                    </a:solidFill>
+                  </a:tcPr>
+                </a:tc>
+                <a:extLst>
+                  <a:ext uri="{0D108BD9-81ED-4DB2-BD59-A6C34878D82A}">
+                    <a16:rowId xmlns:a16="http://schemas.microsoft.com/office/drawing/2014/main" val="4181850750"/>
+                  </a:ext>
+                </a:extLst>
+              </a:tr>
+              <a:tr h="2639671">
+                <a:tc>
+                  <a:txBody>
+                    <a:bodyPr/>
+                    <a:lstStyle/>
+                    <a:p>
+                      <a:pPr algn="l"/>
+                      <a:r>
+                        <a:rPr lang="en-US" dirty="0"/>
+                        <a:t>@id</a:t>
+                      </a:r>
+                    </a:p>
+                    <a:p>
+                      <a:pPr algn="l"/>
+                      <a:r>
+                        <a:rPr lang="en-US" dirty="0"/>
+                        <a:t>@</a:t>
+                      </a:r>
+                      <a:r>
+                        <a:rPr lang="en-US" dirty="0" err="1"/>
+                        <a:t>merchant_name</a:t>
+                      </a:r>
+                      <a:r>
+                        <a:rPr lang="en-US" dirty="0"/>
+                        <a:t>(</a:t>
+                      </a:r>
+                      <a:r>
+                        <a:rPr lang="en-US" dirty="0" err="1"/>
+                        <a:t>Str</a:t>
+                      </a:r>
+                      <a:r>
+                        <a:rPr lang="en-US" dirty="0"/>
+                        <a:t>)</a:t>
+                      </a:r>
+                    </a:p>
+                  </a:txBody>
+                  <a:tcPr anchor="ctr"/>
+                </a:tc>
+                <a:extLst>
+                  <a:ext uri="{0D108BD9-81ED-4DB2-BD59-A6C34878D82A}">
+                    <a16:rowId xmlns:a16="http://schemas.microsoft.com/office/drawing/2014/main" val="2995859431"/>
+                  </a:ext>
+                </a:extLst>
+              </a:tr>
+              <a:tr h="3314690">
+                <a:tc>
+                  <a:txBody>
+                    <a:bodyPr/>
+                    <a:lstStyle/>
+                    <a:p>
+                      <a:pPr marL="285750" indent="-285750" algn="l">
+                        <a:buFontTx/>
+                        <a:buChar char="-"/>
+                      </a:pPr>
+                      <a:r>
+                        <a:rPr lang="en-US" dirty="0"/>
+                        <a:t>Initialize</a:t>
+                      </a:r>
+                    </a:p>
+                    <a:p>
+                      <a:pPr marL="285750" indent="-285750" algn="l">
+                        <a:buFontTx/>
+                        <a:buChar char="-"/>
+                      </a:pPr>
+                      <a:r>
+                        <a:rPr lang="en-US" dirty="0"/>
+                        <a:t>Save (to database)</a:t>
+                      </a:r>
+                    </a:p>
+                    <a:p>
+                      <a:pPr marL="285750" indent="-285750" algn="l">
+                        <a:buFontTx/>
+                        <a:buChar char="-"/>
+                      </a:pPr>
+                      <a:r>
+                        <a:rPr lang="en-US" dirty="0"/>
+                        <a:t>Self find</a:t>
+                      </a:r>
+                    </a:p>
+                    <a:p>
+                      <a:pPr marL="285750" indent="-285750" algn="l">
+                        <a:buFontTx/>
+                        <a:buChar char="-"/>
+                      </a:pPr>
+                      <a:r>
+                        <a:rPr lang="en-US" dirty="0"/>
+                        <a:t>Self all</a:t>
+                      </a:r>
+                    </a:p>
+                    <a:p>
+                      <a:pPr marL="285750" indent="-285750" algn="l">
+                        <a:buFontTx/>
+                        <a:buChar char="-"/>
+                      </a:pPr>
+                      <a:r>
+                        <a:rPr lang="en-US" dirty="0"/>
+                        <a:t>Self map items</a:t>
+                      </a:r>
+                    </a:p>
+                    <a:p>
+                      <a:pPr marL="285750" indent="-285750" algn="l">
+                        <a:buFontTx/>
+                        <a:buChar char="-"/>
+                      </a:pPr>
+                      <a:r>
+                        <a:rPr lang="en-US" dirty="0"/>
+                        <a:t>delete</a:t>
+                      </a:r>
+                    </a:p>
+                  </a:txBody>
+                  <a:tcPr anchor="ctr"/>
+                </a:tc>
+                <a:extLst>
+                  <a:ext uri="{0D108BD9-81ED-4DB2-BD59-A6C34878D82A}">
+                    <a16:rowId xmlns:a16="http://schemas.microsoft.com/office/drawing/2014/main" val="2112490845"/>
+                  </a:ext>
+                </a:extLst>
+              </a:tr>
+            </a:tbl>
+          </a:graphicData>
+        </a:graphic>
+      </p:graphicFrame>
+      <p:graphicFrame>
+        <p:nvGraphicFramePr>
+          <p:cNvPr id="5" name="Table 4">
+            <a:extLst>
+              <a:ext uri="{FF2B5EF4-FFF2-40B4-BE49-F238E27FC236}">
+                <a16:creationId xmlns:a16="http://schemas.microsoft.com/office/drawing/2014/main" id="{1B86D617-CA67-D44E-9F22-CAC79CB6A2A4}"/>
+              </a:ext>
+            </a:extLst>
+          </p:cNvPr>
+          <p:cNvGraphicFramePr>
+            <a:graphicFrameLocks noGrp="1"/>
+          </p:cNvGraphicFramePr>
+          <p:nvPr>
+            <p:extLst>
+              <p:ext uri="{D42A27DB-BD31-4B8C-83A1-F6EECF244321}">
+                <p14:modId xmlns:p14="http://schemas.microsoft.com/office/powerpoint/2010/main" val="1814829198"/>
+              </p:ext>
+            </p:extLst>
+          </p:nvPr>
+        </p:nvGraphicFramePr>
+        <p:xfrm>
+          <a:off x="3074894" y="464174"/>
+          <a:ext cx="2203824" cy="6326591"/>
+        </p:xfrm>
+        <a:graphic>
+          <a:graphicData uri="http://schemas.openxmlformats.org/drawingml/2006/table">
+            <a:tbl>
+              <a:tblPr firstRow="1" bandRow="1">
+                <a:tableStyleId>{5940675A-B579-460E-94D1-54222C63F5DA}</a:tableStyleId>
+              </a:tblPr>
+              <a:tblGrid>
+                <a:gridCol w="2203824">
+                  <a:extLst>
+                    <a:ext uri="{9D8B030D-6E8A-4147-A177-3AD203B41FA5}">
+                      <a16:colId xmlns:a16="http://schemas.microsoft.com/office/drawing/2014/main" val="4005843325"/>
+                    </a:ext>
+                  </a:extLst>
+                </a:gridCol>
+              </a:tblGrid>
+              <a:tr h="454944">
+                <a:tc>
+                  <a:txBody>
+                    <a:bodyPr/>
+                    <a:lstStyle/>
+                    <a:p>
+                      <a:pPr algn="ctr"/>
+                      <a:r>
+                        <a:rPr lang="en-US" dirty="0"/>
+                        <a:t>Tags</a:t>
+                      </a:r>
+                    </a:p>
+                  </a:txBody>
+                  <a:tcPr anchor="ctr">
+                    <a:solidFill>
+                      <a:srgbClr val="D883FF"/>
+                    </a:solidFill>
+                  </a:tcPr>
+                </a:tc>
+                <a:extLst>
+                  <a:ext uri="{0D108BD9-81ED-4DB2-BD59-A6C34878D82A}">
+                    <a16:rowId xmlns:a16="http://schemas.microsoft.com/office/drawing/2014/main" val="4181850750"/>
+                  </a:ext>
+                </a:extLst>
+              </a:tr>
+              <a:tr h="2805717">
+                <a:tc>
+                  <a:txBody>
+                    <a:bodyPr/>
+                    <a:lstStyle/>
+                    <a:p>
+                      <a:pPr algn="l"/>
+                      <a:r>
+                        <a:rPr lang="en-US" dirty="0"/>
+                        <a:t>@id</a:t>
+                      </a:r>
+                    </a:p>
+                    <a:p>
+                      <a:pPr algn="l"/>
+                      <a:r>
+                        <a:rPr lang="en-US" dirty="0"/>
+                        <a:t>@</a:t>
+                      </a:r>
+                      <a:r>
+                        <a:rPr lang="en-US" dirty="0" err="1"/>
+                        <a:t>tag_name</a:t>
+                      </a:r>
+                      <a:r>
+                        <a:rPr lang="en-US" dirty="0"/>
+                        <a:t>(</a:t>
+                      </a:r>
+                      <a:r>
+                        <a:rPr lang="en-US" dirty="0" err="1"/>
+                        <a:t>Str</a:t>
+                      </a:r>
+                      <a:r>
+                        <a:rPr lang="en-US" dirty="0"/>
+                        <a:t>)</a:t>
+                      </a:r>
+                    </a:p>
+                  </a:txBody>
+                  <a:tcPr anchor="ctr"/>
+                </a:tc>
+                <a:extLst>
+                  <a:ext uri="{0D108BD9-81ED-4DB2-BD59-A6C34878D82A}">
+                    <a16:rowId xmlns:a16="http://schemas.microsoft.com/office/drawing/2014/main" val="2995859431"/>
+                  </a:ext>
+                </a:extLst>
+              </a:tr>
+              <a:tr h="3065930">
+                <a:tc>
+                  <a:txBody>
+                    <a:bodyPr/>
+                    <a:lstStyle/>
+                    <a:p>
+                      <a:pPr marL="285750" indent="-285750" algn="l">
+                        <a:buFontTx/>
+                        <a:buChar char="-"/>
+                      </a:pPr>
+                      <a:r>
+                        <a:rPr lang="en-US" dirty="0"/>
+                        <a:t>Initialize</a:t>
+                      </a:r>
+                    </a:p>
+                    <a:p>
+                      <a:pPr marL="285750" indent="-285750" algn="l">
+                        <a:buFontTx/>
+                        <a:buChar char="-"/>
+                      </a:pPr>
+                      <a:r>
+                        <a:rPr lang="en-US" dirty="0"/>
+                        <a:t>Save (to database)</a:t>
+                      </a:r>
+                    </a:p>
+                    <a:p>
+                      <a:pPr marL="285750" indent="-285750" algn="l">
+                        <a:buFontTx/>
+                        <a:buChar char="-"/>
+                      </a:pPr>
+                      <a:r>
+                        <a:rPr lang="en-US" dirty="0"/>
+                        <a:t>Self find</a:t>
+                      </a:r>
+                    </a:p>
+                    <a:p>
+                      <a:pPr marL="285750" indent="-285750" algn="l">
+                        <a:buFontTx/>
+                        <a:buChar char="-"/>
+                      </a:pPr>
+                      <a:r>
+                        <a:rPr lang="en-US" dirty="0"/>
+                        <a:t>Self all</a:t>
+                      </a:r>
+                    </a:p>
+                    <a:p>
+                      <a:pPr marL="285750" indent="-285750" algn="l">
+                        <a:buFontTx/>
+                        <a:buChar char="-"/>
+                      </a:pPr>
+                      <a:r>
+                        <a:rPr lang="en-US" dirty="0"/>
+                        <a:t>Self map items</a:t>
+                      </a:r>
+                    </a:p>
+                    <a:p>
+                      <a:pPr marL="285750" indent="-285750" algn="l">
+                        <a:buFontTx/>
+                        <a:buChar char="-"/>
+                      </a:pPr>
+                      <a:r>
+                        <a:rPr lang="en-US" dirty="0"/>
+                        <a:t>delete</a:t>
+                      </a:r>
+                    </a:p>
+                    <a:p>
+                      <a:pPr algn="ctr"/>
+                      <a:endParaRPr lang="en-US" dirty="0"/>
+                    </a:p>
+                  </a:txBody>
+                  <a:tcPr anchor="ctr"/>
+                </a:tc>
+                <a:extLst>
+                  <a:ext uri="{0D108BD9-81ED-4DB2-BD59-A6C34878D82A}">
+                    <a16:rowId xmlns:a16="http://schemas.microsoft.com/office/drawing/2014/main" val="2112490845"/>
+                  </a:ext>
+                </a:extLst>
+              </a:tr>
+            </a:tbl>
+          </a:graphicData>
+        </a:graphic>
+      </p:graphicFrame>
+      <p:graphicFrame>
+        <p:nvGraphicFramePr>
+          <p:cNvPr id="6" name="Table 5">
+            <a:extLst>
+              <a:ext uri="{FF2B5EF4-FFF2-40B4-BE49-F238E27FC236}">
+                <a16:creationId xmlns:a16="http://schemas.microsoft.com/office/drawing/2014/main" id="{E60E3F86-205D-C94E-8BFB-D187A2E5A87D}"/>
+              </a:ext>
+            </a:extLst>
+          </p:cNvPr>
+          <p:cNvGraphicFramePr>
+            <a:graphicFrameLocks noGrp="1"/>
+          </p:cNvGraphicFramePr>
+          <p:nvPr>
+            <p:extLst>
+              <p:ext uri="{D42A27DB-BD31-4B8C-83A1-F6EECF244321}">
+                <p14:modId xmlns:p14="http://schemas.microsoft.com/office/powerpoint/2010/main" val="3829048076"/>
+              </p:ext>
+            </p:extLst>
+          </p:nvPr>
+        </p:nvGraphicFramePr>
+        <p:xfrm>
+          <a:off x="5674657" y="464175"/>
+          <a:ext cx="3630706" cy="6344341"/>
+        </p:xfrm>
+        <a:graphic>
+          <a:graphicData uri="http://schemas.openxmlformats.org/drawingml/2006/table">
+            <a:tbl>
+              <a:tblPr firstRow="1" bandRow="1">
+                <a:tableStyleId>{5940675A-B579-460E-94D1-54222C63F5DA}</a:tableStyleId>
+              </a:tblPr>
+              <a:tblGrid>
+                <a:gridCol w="3630706">
+                  <a:extLst>
+                    <a:ext uri="{9D8B030D-6E8A-4147-A177-3AD203B41FA5}">
+                      <a16:colId xmlns:a16="http://schemas.microsoft.com/office/drawing/2014/main" val="4005843325"/>
+                    </a:ext>
+                  </a:extLst>
+                </a:gridCol>
+              </a:tblGrid>
+              <a:tr h="400741">
+                <a:tc>
+                  <a:txBody>
+                    <a:bodyPr/>
+                    <a:lstStyle/>
+                    <a:p>
+                      <a:pPr algn="ctr"/>
+                      <a:r>
+                        <a:rPr lang="en-US" dirty="0"/>
+                        <a:t>Transaction</a:t>
+                      </a:r>
+                    </a:p>
+                  </a:txBody>
+                  <a:tcPr anchor="ctr">
+                    <a:solidFill>
+                      <a:srgbClr val="D883FF"/>
+                    </a:solidFill>
+                  </a:tcPr>
+                </a:tc>
+                <a:extLst>
+                  <a:ext uri="{0D108BD9-81ED-4DB2-BD59-A6C34878D82A}">
+                    <a16:rowId xmlns:a16="http://schemas.microsoft.com/office/drawing/2014/main" val="4181850750"/>
+                  </a:ext>
+                </a:extLst>
+              </a:tr>
+              <a:tr h="2600733">
+                <a:tc>
+                  <a:txBody>
+                    <a:bodyPr/>
+                    <a:lstStyle/>
+                    <a:p>
+                      <a:r>
+                        <a:rPr lang="en-US" dirty="0"/>
+                        <a:t>@id</a:t>
+                      </a:r>
+                    </a:p>
+                    <a:p>
+                      <a:r>
+                        <a:rPr lang="en-US" dirty="0"/>
+                        <a:t>@amount(numeric)</a:t>
+                      </a:r>
+                    </a:p>
+                    <a:p>
+                      <a:r>
+                        <a:rPr lang="en-US" dirty="0"/>
+                        <a:t>@</a:t>
+                      </a:r>
+                      <a:r>
+                        <a:rPr lang="en-US" dirty="0" err="1"/>
+                        <a:t>merchant_id</a:t>
+                      </a:r>
+                      <a:endParaRPr lang="en-US" dirty="0"/>
+                    </a:p>
+                    <a:p>
+                      <a:r>
+                        <a:rPr lang="en-US" dirty="0"/>
+                        <a:t>@</a:t>
+                      </a:r>
+                      <a:r>
+                        <a:rPr lang="en-US" dirty="0" err="1"/>
+                        <a:t>tag_id</a:t>
+                      </a:r>
+                      <a:endParaRPr lang="en-US" dirty="0"/>
+                    </a:p>
+                    <a:p>
+                      <a:r>
+                        <a:rPr lang="en-US" dirty="0"/>
+                        <a:t>@essential(</a:t>
+                      </a:r>
+                      <a:r>
+                        <a:rPr lang="en-US" dirty="0" err="1"/>
+                        <a:t>Str</a:t>
+                      </a:r>
+                      <a:r>
+                        <a:rPr lang="en-US" dirty="0"/>
+                        <a:t>)</a:t>
+                      </a:r>
+                    </a:p>
+                    <a:p>
+                      <a:r>
+                        <a:rPr lang="en-US" dirty="0"/>
+                        <a:t>@time(numeric)</a:t>
+                      </a:r>
+                    </a:p>
+                    <a:p>
+                      <a:r>
+                        <a:rPr lang="en-US" dirty="0"/>
+                        <a:t>@day(</a:t>
+                      </a:r>
+                      <a:r>
+                        <a:rPr lang="en-US" dirty="0" err="1"/>
+                        <a:t>Int</a:t>
+                      </a:r>
+                      <a:r>
+                        <a:rPr lang="en-US" dirty="0"/>
+                        <a:t>)</a:t>
+                      </a:r>
+                    </a:p>
+                    <a:p>
+                      <a:r>
+                        <a:rPr lang="en-US" dirty="0"/>
+                        <a:t>@month(</a:t>
+                      </a:r>
+                      <a:r>
+                        <a:rPr lang="en-US" dirty="0" err="1"/>
+                        <a:t>Str</a:t>
+                      </a:r>
+                      <a:r>
+                        <a:rPr lang="en-US" dirty="0"/>
+                        <a:t>)</a:t>
+                      </a:r>
+                    </a:p>
+                    <a:p>
+                      <a:r>
+                        <a:rPr lang="en-US" dirty="0"/>
+                        <a:t>@</a:t>
+                      </a:r>
+                      <a:r>
+                        <a:rPr lang="en-US" dirty="0" err="1"/>
+                        <a:t>total_spent</a:t>
+                      </a:r>
+                      <a:r>
+                        <a:rPr lang="en-US" dirty="0"/>
+                        <a:t>(numeric)</a:t>
+                      </a:r>
+                    </a:p>
+                    <a:p>
+                      <a:r>
+                        <a:rPr lang="en-US" dirty="0"/>
+                        <a:t>@</a:t>
+                      </a:r>
+                      <a:r>
+                        <a:rPr lang="en-US" dirty="0" err="1"/>
+                        <a:t>remaining_budget</a:t>
+                      </a:r>
+                      <a:r>
+                        <a:rPr lang="en-US" dirty="0"/>
+                        <a:t>(numeric)</a:t>
+                      </a:r>
+                    </a:p>
+                  </a:txBody>
+                  <a:tcPr/>
+                </a:tc>
+                <a:extLst>
+                  <a:ext uri="{0D108BD9-81ED-4DB2-BD59-A6C34878D82A}">
+                    <a16:rowId xmlns:a16="http://schemas.microsoft.com/office/drawing/2014/main" val="2995859431"/>
+                  </a:ext>
+                </a:extLst>
+              </a:tr>
+              <a:tr h="1768047">
+                <a:tc>
+                  <a:txBody>
+                    <a:bodyPr/>
+                    <a:lstStyle/>
+                    <a:p>
+                      <a:pPr marL="285750" indent="-285750" algn="l">
+                        <a:buFontTx/>
+                        <a:buChar char="-"/>
+                      </a:pPr>
+                      <a:r>
+                        <a:rPr lang="en-US" dirty="0"/>
+                        <a:t>Initialize</a:t>
+                      </a:r>
+                    </a:p>
+                    <a:p>
+                      <a:pPr marL="285750" indent="-285750" algn="l">
+                        <a:buFontTx/>
+                        <a:buChar char="-"/>
+                      </a:pPr>
+                      <a:r>
+                        <a:rPr lang="en-US" dirty="0"/>
+                        <a:t>Get time/date now</a:t>
+                      </a:r>
+                    </a:p>
+                    <a:p>
+                      <a:pPr marL="285750" indent="-285750" algn="l">
+                        <a:buFontTx/>
+                        <a:buChar char="-"/>
+                      </a:pPr>
+                      <a:r>
+                        <a:rPr lang="en-US" dirty="0"/>
+                        <a:t>Split time/date to time/day/month</a:t>
+                      </a:r>
+                    </a:p>
+                    <a:p>
+                      <a:pPr marL="285750" indent="-285750" algn="l">
+                        <a:buFontTx/>
+                        <a:buChar char="-"/>
+                      </a:pPr>
+                      <a:r>
+                        <a:rPr lang="en-US" dirty="0"/>
+                        <a:t>Calculate total spent</a:t>
+                      </a:r>
+                    </a:p>
+                    <a:p>
+                      <a:pPr marL="285750" indent="-285750" algn="l">
+                        <a:buFontTx/>
+                        <a:buChar char="-"/>
+                      </a:pPr>
+                      <a:r>
+                        <a:rPr lang="en-US" dirty="0"/>
+                        <a:t>Calculate remaining budget</a:t>
+                      </a:r>
+                    </a:p>
+                    <a:p>
+                      <a:pPr marL="285750" indent="-285750" algn="l">
+                        <a:buFontTx/>
+                        <a:buChar char="-"/>
+                      </a:pPr>
+                      <a:r>
+                        <a:rPr lang="en-US" dirty="0"/>
+                        <a:t>Save (to database)</a:t>
+                      </a:r>
+                    </a:p>
+                    <a:p>
+                      <a:pPr marL="285750" indent="-285750" algn="l">
+                        <a:buFontTx/>
+                        <a:buChar char="-"/>
+                      </a:pPr>
+                      <a:r>
+                        <a:rPr lang="en-US" dirty="0"/>
+                        <a:t>Self find</a:t>
+                      </a:r>
+                    </a:p>
+                    <a:p>
+                      <a:pPr marL="285750" indent="-285750" algn="l">
+                        <a:buFontTx/>
+                        <a:buChar char="-"/>
+                      </a:pPr>
+                      <a:r>
+                        <a:rPr lang="en-US" dirty="0"/>
+                        <a:t>Self all</a:t>
+                      </a:r>
+                    </a:p>
+                    <a:p>
+                      <a:pPr marL="285750" indent="-285750" algn="l">
+                        <a:buFontTx/>
+                        <a:buChar char="-"/>
+                      </a:pPr>
+                      <a:r>
+                        <a:rPr lang="en-US" dirty="0"/>
+                        <a:t>Self map items</a:t>
+                      </a:r>
+                    </a:p>
+                    <a:p>
+                      <a:pPr marL="285750" indent="-285750" algn="l">
+                        <a:buFontTx/>
+                        <a:buChar char="-"/>
+                      </a:pPr>
+                      <a:r>
+                        <a:rPr lang="en-US" dirty="0"/>
+                        <a:t>delete</a:t>
+                      </a:r>
+                    </a:p>
+                  </a:txBody>
+                  <a:tcPr/>
+                </a:tc>
+                <a:extLst>
+                  <a:ext uri="{0D108BD9-81ED-4DB2-BD59-A6C34878D82A}">
+                    <a16:rowId xmlns:a16="http://schemas.microsoft.com/office/drawing/2014/main" val="2112490845"/>
+                  </a:ext>
+                </a:extLst>
+              </a:tr>
+            </a:tbl>
+          </a:graphicData>
+        </a:graphic>
+      </p:graphicFrame>
+      <p:graphicFrame>
+        <p:nvGraphicFramePr>
+          <p:cNvPr id="7" name="Table 6">
+            <a:extLst>
+              <a:ext uri="{FF2B5EF4-FFF2-40B4-BE49-F238E27FC236}">
+                <a16:creationId xmlns:a16="http://schemas.microsoft.com/office/drawing/2014/main" id="{4C2FB6E0-E161-F941-A854-5C5681E349B6}"/>
+              </a:ext>
+            </a:extLst>
+          </p:cNvPr>
+          <p:cNvGraphicFramePr>
+            <a:graphicFrameLocks noGrp="1"/>
+          </p:cNvGraphicFramePr>
+          <p:nvPr>
+            <p:extLst>
+              <p:ext uri="{D42A27DB-BD31-4B8C-83A1-F6EECF244321}">
+                <p14:modId xmlns:p14="http://schemas.microsoft.com/office/powerpoint/2010/main" val="1572713515"/>
+              </p:ext>
+            </p:extLst>
+          </p:nvPr>
+        </p:nvGraphicFramePr>
+        <p:xfrm>
+          <a:off x="9701303" y="464174"/>
+          <a:ext cx="2203824" cy="6337982"/>
+        </p:xfrm>
+        <a:graphic>
+          <a:graphicData uri="http://schemas.openxmlformats.org/drawingml/2006/table">
+            <a:tbl>
+              <a:tblPr firstRow="1" bandRow="1">
+                <a:tableStyleId>{5940675A-B579-460E-94D1-54222C63F5DA}</a:tableStyleId>
+              </a:tblPr>
+              <a:tblGrid>
+                <a:gridCol w="2203824">
+                  <a:extLst>
+                    <a:ext uri="{9D8B030D-6E8A-4147-A177-3AD203B41FA5}">
+                      <a16:colId xmlns:a16="http://schemas.microsoft.com/office/drawing/2014/main" val="4005843325"/>
+                    </a:ext>
+                  </a:extLst>
+                </a:gridCol>
+              </a:tblGrid>
+              <a:tr h="525733">
+                <a:tc>
+                  <a:txBody>
+                    <a:bodyPr/>
+                    <a:lstStyle/>
+                    <a:p>
+                      <a:pPr algn="ctr"/>
+                      <a:r>
+                        <a:rPr lang="en-US" dirty="0"/>
+                        <a:t>Budget</a:t>
+                      </a:r>
+                    </a:p>
+                  </a:txBody>
+                  <a:tcPr anchor="ctr">
+                    <a:solidFill>
+                      <a:srgbClr val="D883FF"/>
+                    </a:solidFill>
+                  </a:tcPr>
+                </a:tc>
+                <a:extLst>
+                  <a:ext uri="{0D108BD9-81ED-4DB2-BD59-A6C34878D82A}">
+                    <a16:rowId xmlns:a16="http://schemas.microsoft.com/office/drawing/2014/main" val="4181850750"/>
+                  </a:ext>
+                </a:extLst>
+              </a:tr>
+              <a:tr h="2787066">
+                <a:tc>
+                  <a:txBody>
+                    <a:bodyPr/>
+                    <a:lstStyle/>
+                    <a:p>
+                      <a:r>
+                        <a:rPr lang="en-US" dirty="0"/>
+                        <a:t>@id</a:t>
+                      </a:r>
+                    </a:p>
+                    <a:p>
+                      <a:r>
+                        <a:rPr lang="en-US" dirty="0"/>
+                        <a:t>@budget(numeric)</a:t>
+                      </a:r>
+                    </a:p>
+                  </a:txBody>
+                  <a:tcPr/>
+                </a:tc>
+                <a:extLst>
+                  <a:ext uri="{0D108BD9-81ED-4DB2-BD59-A6C34878D82A}">
+                    <a16:rowId xmlns:a16="http://schemas.microsoft.com/office/drawing/2014/main" val="2995859431"/>
+                  </a:ext>
+                </a:extLst>
+              </a:tr>
+              <a:tr h="3025183">
+                <a:tc>
+                  <a:txBody>
+                    <a:bodyPr/>
+                    <a:lstStyle/>
+                    <a:p>
+                      <a:pPr marL="285750" indent="-285750" algn="l">
+                        <a:buFontTx/>
+                        <a:buChar char="-"/>
+                      </a:pPr>
+                      <a:r>
+                        <a:rPr lang="en-US" dirty="0"/>
+                        <a:t>Initialize</a:t>
+                      </a:r>
+                    </a:p>
+                    <a:p>
+                      <a:pPr marL="285750" indent="-285750" algn="l">
+                        <a:buFontTx/>
+                        <a:buChar char="-"/>
+                      </a:pPr>
+                      <a:r>
+                        <a:rPr lang="en-US" dirty="0"/>
+                        <a:t>Edit</a:t>
+                      </a:r>
+                    </a:p>
+                    <a:p>
+                      <a:pPr marL="285750" indent="-285750" algn="l">
+                        <a:buFontTx/>
+                        <a:buChar char="-"/>
+                      </a:pPr>
+                      <a:r>
+                        <a:rPr lang="en-US" dirty="0"/>
+                        <a:t>delete</a:t>
+                      </a:r>
+                    </a:p>
+                    <a:p>
+                      <a:endParaRPr lang="en-US" dirty="0"/>
+                    </a:p>
+                  </a:txBody>
+                  <a:tcPr/>
+                </a:tc>
+                <a:extLst>
+                  <a:ext uri="{0D108BD9-81ED-4DB2-BD59-A6C34878D82A}">
+                    <a16:rowId xmlns:a16="http://schemas.microsoft.com/office/drawing/2014/main" val="2112490845"/>
+                  </a:ext>
+                </a:extLst>
+              </a:tr>
+            </a:tbl>
+          </a:graphicData>
+        </a:graphic>
+      </p:graphicFrame>
+    </p:spTree>
+    <p:extLst>
+      <p:ext uri="{BB962C8B-B14F-4D97-AF65-F5344CB8AC3E}">
+        <p14:creationId xmlns:p14="http://schemas.microsoft.com/office/powerpoint/2010/main" val="3918205902"/>
+      </p:ext>
+    </p:extLst>
+  </p:cSld>
+  <p:clrMapOvr>
+    <a:masterClrMapping/>
+  </p:clrMapOvr>
+</p:sld>
+</file>
+
+<file path=ppt/slides/slide11.xml><?xml version="1.0" encoding="utf-8"?>
+<p:sld xmlns:a="http://schemas.openxmlformats.org/drawingml/2006/main" xmlns:r="http://schemas.openxmlformats.org/officeDocument/2006/relationships" xmlns:p="http://schemas.openxmlformats.org/presentationml/2006/main">
+  <p:cSld>
+    <p:spTree>
+      <p:nvGrpSpPr>
+        <p:cNvPr id="1" name=""/>
+        <p:cNvGrpSpPr/>
+        <p:nvPr/>
+      </p:nvGrpSpPr>
+      <p:grpSpPr>
+        <a:xfrm>
+          <a:off x="0" y="0"/>
+          <a:ext cx="0" cy="0"/>
+          <a:chOff x="0" y="0"/>
+          <a:chExt cx="0" cy="0"/>
+        </a:xfrm>
+      </p:grpSpPr>
+      <p:sp>
+        <p:nvSpPr>
+          <p:cNvPr id="2" name="Title 1">
+            <a:extLst>
+              <a:ext uri="{FF2B5EF4-FFF2-40B4-BE49-F238E27FC236}">
                 <a16:creationId xmlns:a16="http://schemas.microsoft.com/office/drawing/2014/main" id="{A16D7152-63CD-AE49-A278-B4ED5AC7ED07}"/>
               </a:ext>
             </a:extLst>
@@ -4477,7 +5368,851 @@
 </p:sld>
 </file>
 
+<file path=ppt/slides/slide12.xml><?xml version="1.0" encoding="utf-8"?>
+<p:sld xmlns:a="http://schemas.openxmlformats.org/drawingml/2006/main" xmlns:r="http://schemas.openxmlformats.org/officeDocument/2006/relationships" xmlns:p="http://schemas.openxmlformats.org/presentationml/2006/main">
+  <p:cSld>
+    <p:spTree>
+      <p:nvGrpSpPr>
+        <p:cNvPr id="1" name=""/>
+        <p:cNvGrpSpPr/>
+        <p:nvPr/>
+      </p:nvGrpSpPr>
+      <p:grpSpPr>
+        <a:xfrm>
+          <a:off x="0" y="0"/>
+          <a:ext cx="0" cy="0"/>
+          <a:chOff x="0" y="0"/>
+          <a:chExt cx="0" cy="0"/>
+        </a:xfrm>
+      </p:grpSpPr>
+      <p:sp>
+        <p:nvSpPr>
+          <p:cNvPr id="2" name="Title 1">
+            <a:extLst>
+              <a:ext uri="{FF2B5EF4-FFF2-40B4-BE49-F238E27FC236}">
+                <a16:creationId xmlns:a16="http://schemas.microsoft.com/office/drawing/2014/main" id="{76D7CAB5-A4EF-7B43-BD1B-F0A73C0FAF29}"/>
+              </a:ext>
+            </a:extLst>
+          </p:cNvPr>
+          <p:cNvSpPr>
+            <a:spLocks noGrp="1"/>
+          </p:cNvSpPr>
+          <p:nvPr>
+            <p:ph type="title"/>
+          </p:nvPr>
+        </p:nvSpPr>
+        <p:spPr>
+          <a:xfrm>
+            <a:off x="838200" y="365125"/>
+            <a:ext cx="10515600" cy="266887"/>
+          </a:xfrm>
+        </p:spPr>
+        <p:txBody>
+          <a:bodyPr>
+            <a:normAutofit fontScale="90000"/>
+          </a:bodyPr>
+          <a:lstStyle/>
+          <a:p>
+            <a:pPr algn="ctr"/>
+            <a:r>
+              <a:rPr lang="en-US" sz="2800" b="1" dirty="0"/>
+              <a:t>Function rationale</a:t>
+            </a:r>
+          </a:p>
+        </p:txBody>
+      </p:sp>
+      <p:graphicFrame>
+        <p:nvGraphicFramePr>
+          <p:cNvPr id="4" name="Table 3">
+            <a:extLst>
+              <a:ext uri="{FF2B5EF4-FFF2-40B4-BE49-F238E27FC236}">
+                <a16:creationId xmlns:a16="http://schemas.microsoft.com/office/drawing/2014/main" id="{AA02A76F-4B68-E947-809B-4E0F1064ECFE}"/>
+              </a:ext>
+            </a:extLst>
+          </p:cNvPr>
+          <p:cNvGraphicFramePr>
+            <a:graphicFrameLocks noGrp="1"/>
+          </p:cNvGraphicFramePr>
+          <p:nvPr>
+            <p:extLst>
+              <p:ext uri="{D42A27DB-BD31-4B8C-83A1-F6EECF244321}">
+                <p14:modId xmlns:p14="http://schemas.microsoft.com/office/powerpoint/2010/main" val="1348953"/>
+              </p:ext>
+            </p:extLst>
+          </p:nvPr>
+        </p:nvGraphicFramePr>
+        <p:xfrm>
+          <a:off x="85165" y="765885"/>
+          <a:ext cx="12021670" cy="4226560"/>
+        </p:xfrm>
+        <a:graphic>
+          <a:graphicData uri="http://schemas.openxmlformats.org/drawingml/2006/table">
+            <a:tbl>
+              <a:tblPr firstRow="1" bandRow="1">
+                <a:tableStyleId>{5940675A-B579-460E-94D1-54222C63F5DA}</a:tableStyleId>
+              </a:tblPr>
+              <a:tblGrid>
+                <a:gridCol w="1259541">
+                  <a:extLst>
+                    <a:ext uri="{9D8B030D-6E8A-4147-A177-3AD203B41FA5}">
+                      <a16:colId xmlns:a16="http://schemas.microsoft.com/office/drawing/2014/main" val="3310124708"/>
+                    </a:ext>
+                  </a:extLst>
+                </a:gridCol>
+                <a:gridCol w="1761565">
+                  <a:extLst>
+                    <a:ext uri="{9D8B030D-6E8A-4147-A177-3AD203B41FA5}">
+                      <a16:colId xmlns:a16="http://schemas.microsoft.com/office/drawing/2014/main" val="1695059105"/>
+                    </a:ext>
+                  </a:extLst>
+                </a:gridCol>
+                <a:gridCol w="3482788">
+                  <a:extLst>
+                    <a:ext uri="{9D8B030D-6E8A-4147-A177-3AD203B41FA5}">
+                      <a16:colId xmlns:a16="http://schemas.microsoft.com/office/drawing/2014/main" val="2644020309"/>
+                    </a:ext>
+                  </a:extLst>
+                </a:gridCol>
+                <a:gridCol w="3113442">
+                  <a:extLst>
+                    <a:ext uri="{9D8B030D-6E8A-4147-A177-3AD203B41FA5}">
+                      <a16:colId xmlns:a16="http://schemas.microsoft.com/office/drawing/2014/main" val="3698080099"/>
+                    </a:ext>
+                  </a:extLst>
+                </a:gridCol>
+                <a:gridCol w="2404334">
+                  <a:extLst>
+                    <a:ext uri="{9D8B030D-6E8A-4147-A177-3AD203B41FA5}">
+                      <a16:colId xmlns:a16="http://schemas.microsoft.com/office/drawing/2014/main" val="358479963"/>
+                    </a:ext>
+                  </a:extLst>
+                </a:gridCol>
+              </a:tblGrid>
+              <a:tr h="370840">
+                <a:tc>
+                  <a:txBody>
+                    <a:bodyPr/>
+                    <a:lstStyle/>
+                    <a:p>
+                      <a:pPr algn="ctr"/>
+                      <a:r>
+                        <a:rPr lang="en-US" b="1" dirty="0"/>
+                        <a:t>Class</a:t>
+                      </a:r>
+                    </a:p>
+                  </a:txBody>
+                  <a:tcPr/>
+                </a:tc>
+                <a:tc>
+                  <a:txBody>
+                    <a:bodyPr/>
+                    <a:lstStyle/>
+                    <a:p>
+                      <a:pPr algn="ctr"/>
+                      <a:r>
+                        <a:rPr lang="en-US" b="1" dirty="0"/>
+                        <a:t>Function Name</a:t>
+                      </a:r>
+                    </a:p>
+                  </a:txBody>
+                  <a:tcPr/>
+                </a:tc>
+                <a:tc>
+                  <a:txBody>
+                    <a:bodyPr/>
+                    <a:lstStyle/>
+                    <a:p>
+                      <a:pPr algn="ctr"/>
+                      <a:r>
+                        <a:rPr lang="en-US" b="1" dirty="0"/>
+                        <a:t>Why?</a:t>
+                      </a:r>
+                    </a:p>
+                  </a:txBody>
+                  <a:tcPr/>
+                </a:tc>
+                <a:tc>
+                  <a:txBody>
+                    <a:bodyPr/>
+                    <a:lstStyle/>
+                    <a:p>
+                      <a:pPr algn="ctr"/>
+                      <a:r>
+                        <a:rPr lang="en-US" b="1" dirty="0"/>
+                        <a:t>How?</a:t>
+                      </a:r>
+                    </a:p>
+                  </a:txBody>
+                  <a:tcPr/>
+                </a:tc>
+                <a:tc>
+                  <a:txBody>
+                    <a:bodyPr/>
+                    <a:lstStyle/>
+                    <a:p>
+                      <a:pPr algn="ctr"/>
+                      <a:r>
+                        <a:rPr lang="en-US" b="1" dirty="0"/>
+                        <a:t>Returning</a:t>
+                      </a:r>
+                    </a:p>
+                  </a:txBody>
+                  <a:tcPr/>
+                </a:tc>
+                <a:extLst>
+                  <a:ext uri="{0D108BD9-81ED-4DB2-BD59-A6C34878D82A}">
+                    <a16:rowId xmlns:a16="http://schemas.microsoft.com/office/drawing/2014/main" val="4165366467"/>
+                  </a:ext>
+                </a:extLst>
+              </a:tr>
+              <a:tr h="370840">
+                <a:tc>
+                  <a:txBody>
+                    <a:bodyPr/>
+                    <a:lstStyle/>
+                    <a:p>
+                      <a:r>
+                        <a:rPr lang="en-US" dirty="0"/>
+                        <a:t>Merchant</a:t>
+                      </a:r>
+                    </a:p>
+                  </a:txBody>
+                  <a:tcPr anchor="ctr"/>
+                </a:tc>
+                <a:tc>
+                  <a:txBody>
+                    <a:bodyPr/>
+                    <a:lstStyle/>
+                    <a:p>
+                      <a:r>
+                        <a:rPr lang="en-US" dirty="0"/>
+                        <a:t>.save </a:t>
+                      </a:r>
+                      <a:r>
+                        <a:rPr lang="en-US" b="1" dirty="0"/>
+                        <a:t>C</a:t>
+                      </a:r>
+                      <a:endParaRPr lang="en-US" dirty="0"/>
+                    </a:p>
+                  </a:txBody>
+                  <a:tcPr anchor="ctr"/>
+                </a:tc>
+                <a:tc>
+                  <a:txBody>
+                    <a:bodyPr/>
+                    <a:lstStyle/>
+                    <a:p>
+                      <a:r>
+                        <a:rPr lang="en-US" dirty="0"/>
+                        <a:t>New merchants need to be added to database</a:t>
+                      </a:r>
+                    </a:p>
+                  </a:txBody>
+                  <a:tcPr anchor="ctr"/>
+                </a:tc>
+                <a:tc>
+                  <a:txBody>
+                    <a:bodyPr/>
+                    <a:lstStyle/>
+                    <a:p>
+                      <a:r>
+                        <a:rPr lang="en-US" dirty="0"/>
+                        <a:t>Insert a new merchant with a name into the merchants table</a:t>
+                      </a:r>
+                    </a:p>
+                  </a:txBody>
+                  <a:tcPr anchor="ctr"/>
+                </a:tc>
+                <a:tc>
+                  <a:txBody>
+                    <a:bodyPr/>
+                    <a:lstStyle/>
+                    <a:p>
+                      <a:r>
+                        <a:rPr lang="en-US" dirty="0"/>
+                        <a:t>Database assigns id and returns it</a:t>
+                      </a:r>
+                    </a:p>
+                  </a:txBody>
+                  <a:tcPr anchor="ctr"/>
+                </a:tc>
+                <a:extLst>
+                  <a:ext uri="{0D108BD9-81ED-4DB2-BD59-A6C34878D82A}">
+                    <a16:rowId xmlns:a16="http://schemas.microsoft.com/office/drawing/2014/main" val="1323884526"/>
+                  </a:ext>
+                </a:extLst>
+              </a:tr>
+              <a:tr h="370840">
+                <a:tc>
+                  <a:txBody>
+                    <a:bodyPr/>
+                    <a:lstStyle/>
+                    <a:p>
+                      <a:r>
+                        <a:rPr lang="en-US" dirty="0"/>
+                        <a:t>Merchant</a:t>
+                      </a:r>
+                    </a:p>
+                  </a:txBody>
+                  <a:tcPr anchor="ctr"/>
+                </a:tc>
+                <a:tc>
+                  <a:txBody>
+                    <a:bodyPr/>
+                    <a:lstStyle/>
+                    <a:p>
+                      <a:r>
+                        <a:rPr lang="en-US" dirty="0" err="1"/>
+                        <a:t>Self.find</a:t>
+                      </a:r>
+                      <a:r>
+                        <a:rPr lang="en-US" dirty="0"/>
+                        <a:t> </a:t>
+                      </a:r>
+                      <a:r>
+                        <a:rPr lang="en-US" b="1" dirty="0"/>
+                        <a:t>R</a:t>
+                      </a:r>
+                      <a:endParaRPr lang="en-US" dirty="0"/>
+                    </a:p>
+                  </a:txBody>
+                  <a:tcPr anchor="ctr"/>
+                </a:tc>
+                <a:tc>
+                  <a:txBody>
+                    <a:bodyPr/>
+                    <a:lstStyle/>
+                    <a:p>
+                      <a:r>
+                        <a:rPr lang="en-US" dirty="0"/>
+                        <a:t>Merchants will need to be found and selected to </a:t>
+                      </a:r>
+                    </a:p>
+                    <a:p>
+                      <a:pPr marL="285750" indent="-285750">
+                        <a:buFont typeface="Arial" panose="020B0604020202020204" pitchFamily="34" charset="0"/>
+                        <a:buChar char="•"/>
+                      </a:pPr>
+                      <a:r>
+                        <a:rPr lang="en-US" dirty="0"/>
+                        <a:t>Identify merchants to be edited</a:t>
+                      </a:r>
+                    </a:p>
+                    <a:p>
+                      <a:pPr marL="285750" indent="-285750">
+                        <a:buFont typeface="Arial" panose="020B0604020202020204" pitchFamily="34" charset="0"/>
+                        <a:buChar char="•"/>
+                      </a:pPr>
+                      <a:r>
+                        <a:rPr lang="en-US" dirty="0"/>
+                        <a:t>Filter displayed table by merchants</a:t>
+                      </a:r>
+                    </a:p>
+                  </a:txBody>
+                  <a:tcPr anchor="ctr"/>
+                </a:tc>
+                <a:tc>
+                  <a:txBody>
+                    <a:bodyPr/>
+                    <a:lstStyle/>
+                    <a:p>
+                      <a:r>
+                        <a:rPr lang="en-US" dirty="0"/>
+                        <a:t>Takes in an id and searches the merchants table for all merchants with that id</a:t>
+                      </a:r>
+                    </a:p>
+                  </a:txBody>
+                  <a:tcPr anchor="ctr"/>
+                </a:tc>
+                <a:tc>
+                  <a:txBody>
+                    <a:bodyPr/>
+                    <a:lstStyle/>
+                    <a:p>
+                      <a:r>
+                        <a:rPr lang="en-US" dirty="0"/>
+                        <a:t>The first matching merchant</a:t>
+                      </a:r>
+                    </a:p>
+                  </a:txBody>
+                  <a:tcPr anchor="ctr"/>
+                </a:tc>
+                <a:extLst>
+                  <a:ext uri="{0D108BD9-81ED-4DB2-BD59-A6C34878D82A}">
+                    <a16:rowId xmlns:a16="http://schemas.microsoft.com/office/drawing/2014/main" val="2731388846"/>
+                  </a:ext>
+                </a:extLst>
+              </a:tr>
+              <a:tr h="370840">
+                <a:tc>
+                  <a:txBody>
+                    <a:bodyPr/>
+                    <a:lstStyle/>
+                    <a:p>
+                      <a:r>
+                        <a:rPr lang="en-US" dirty="0"/>
+                        <a:t>Merchant</a:t>
+                      </a:r>
+                    </a:p>
+                  </a:txBody>
+                  <a:tcPr/>
+                </a:tc>
+                <a:tc>
+                  <a:txBody>
+                    <a:bodyPr/>
+                    <a:lstStyle/>
+                    <a:p>
+                      <a:r>
+                        <a:rPr lang="en-US" dirty="0" err="1"/>
+                        <a:t>Self.all</a:t>
+                      </a:r>
+                      <a:r>
+                        <a:rPr lang="en-US" dirty="0"/>
+                        <a:t> </a:t>
+                      </a:r>
+                      <a:r>
+                        <a:rPr lang="en-US" b="1" dirty="0"/>
+                        <a:t>R</a:t>
+                      </a:r>
+                      <a:endParaRPr lang="en-US" dirty="0"/>
+                    </a:p>
+                  </a:txBody>
+                  <a:tcPr/>
+                </a:tc>
+                <a:tc>
+                  <a:txBody>
+                    <a:bodyPr/>
+                    <a:lstStyle/>
+                    <a:p>
+                      <a:r>
+                        <a:rPr lang="en-US" dirty="0"/>
+                        <a:t>My Merchants page will need to show a list of all existing merchants</a:t>
+                      </a:r>
+                    </a:p>
+                  </a:txBody>
+                  <a:tcPr/>
+                </a:tc>
+                <a:tc>
+                  <a:txBody>
+                    <a:bodyPr/>
+                    <a:lstStyle/>
+                    <a:p>
+                      <a:r>
+                        <a:rPr lang="en-US" dirty="0"/>
+                        <a:t>Selects all merchants in merchants table</a:t>
+                      </a:r>
+                    </a:p>
+                  </a:txBody>
+                  <a:tcPr/>
+                </a:tc>
+                <a:tc>
+                  <a:txBody>
+                    <a:bodyPr/>
+                    <a:lstStyle/>
+                    <a:p>
+                      <a:r>
+                        <a:rPr lang="en-US" dirty="0"/>
+                        <a:t>Full list of merchants in merchants table</a:t>
+                      </a:r>
+                    </a:p>
+                  </a:txBody>
+                  <a:tcPr/>
+                </a:tc>
+                <a:extLst>
+                  <a:ext uri="{0D108BD9-81ED-4DB2-BD59-A6C34878D82A}">
+                    <a16:rowId xmlns:a16="http://schemas.microsoft.com/office/drawing/2014/main" val="3831984839"/>
+                  </a:ext>
+                </a:extLst>
+              </a:tr>
+              <a:tr h="370840">
+                <a:tc>
+                  <a:txBody>
+                    <a:bodyPr/>
+                    <a:lstStyle/>
+                    <a:p>
+                      <a:r>
+                        <a:rPr lang="en-US" dirty="0"/>
+                        <a:t>Merchant</a:t>
+                      </a:r>
+                    </a:p>
+                  </a:txBody>
+                  <a:tcPr/>
+                </a:tc>
+                <a:tc>
+                  <a:txBody>
+                    <a:bodyPr/>
+                    <a:lstStyle/>
+                    <a:p>
+                      <a:endParaRPr lang="en-US" dirty="0"/>
+                    </a:p>
+                  </a:txBody>
+                  <a:tcPr/>
+                </a:tc>
+                <a:tc>
+                  <a:txBody>
+                    <a:bodyPr/>
+                    <a:lstStyle/>
+                    <a:p>
+                      <a:endParaRPr lang="en-US"/>
+                    </a:p>
+                  </a:txBody>
+                  <a:tcPr/>
+                </a:tc>
+                <a:tc>
+                  <a:txBody>
+                    <a:bodyPr/>
+                    <a:lstStyle/>
+                    <a:p>
+                      <a:endParaRPr lang="en-US"/>
+                    </a:p>
+                  </a:txBody>
+                  <a:tcPr/>
+                </a:tc>
+                <a:tc>
+                  <a:txBody>
+                    <a:bodyPr/>
+                    <a:lstStyle/>
+                    <a:p>
+                      <a:endParaRPr lang="en-US"/>
+                    </a:p>
+                  </a:txBody>
+                  <a:tcPr/>
+                </a:tc>
+                <a:extLst>
+                  <a:ext uri="{0D108BD9-81ED-4DB2-BD59-A6C34878D82A}">
+                    <a16:rowId xmlns:a16="http://schemas.microsoft.com/office/drawing/2014/main" val="1081334054"/>
+                  </a:ext>
+                </a:extLst>
+              </a:tr>
+              <a:tr h="370840">
+                <a:tc>
+                  <a:txBody>
+                    <a:bodyPr/>
+                    <a:lstStyle/>
+                    <a:p>
+                      <a:endParaRPr lang="en-US"/>
+                    </a:p>
+                  </a:txBody>
+                  <a:tcPr/>
+                </a:tc>
+                <a:tc>
+                  <a:txBody>
+                    <a:bodyPr/>
+                    <a:lstStyle/>
+                    <a:p>
+                      <a:endParaRPr lang="en-US"/>
+                    </a:p>
+                  </a:txBody>
+                  <a:tcPr/>
+                </a:tc>
+                <a:tc>
+                  <a:txBody>
+                    <a:bodyPr/>
+                    <a:lstStyle/>
+                    <a:p>
+                      <a:endParaRPr lang="en-US"/>
+                    </a:p>
+                  </a:txBody>
+                  <a:tcPr/>
+                </a:tc>
+                <a:tc>
+                  <a:txBody>
+                    <a:bodyPr/>
+                    <a:lstStyle/>
+                    <a:p>
+                      <a:endParaRPr lang="en-US"/>
+                    </a:p>
+                  </a:txBody>
+                  <a:tcPr/>
+                </a:tc>
+                <a:tc>
+                  <a:txBody>
+                    <a:bodyPr/>
+                    <a:lstStyle/>
+                    <a:p>
+                      <a:endParaRPr lang="en-US"/>
+                    </a:p>
+                  </a:txBody>
+                  <a:tcPr/>
+                </a:tc>
+                <a:extLst>
+                  <a:ext uri="{0D108BD9-81ED-4DB2-BD59-A6C34878D82A}">
+                    <a16:rowId xmlns:a16="http://schemas.microsoft.com/office/drawing/2014/main" val="2432464653"/>
+                  </a:ext>
+                </a:extLst>
+              </a:tr>
+              <a:tr h="370840">
+                <a:tc>
+                  <a:txBody>
+                    <a:bodyPr/>
+                    <a:lstStyle/>
+                    <a:p>
+                      <a:endParaRPr lang="en-US"/>
+                    </a:p>
+                  </a:txBody>
+                  <a:tcPr/>
+                </a:tc>
+                <a:tc>
+                  <a:txBody>
+                    <a:bodyPr/>
+                    <a:lstStyle/>
+                    <a:p>
+                      <a:endParaRPr lang="en-US"/>
+                    </a:p>
+                  </a:txBody>
+                  <a:tcPr/>
+                </a:tc>
+                <a:tc>
+                  <a:txBody>
+                    <a:bodyPr/>
+                    <a:lstStyle/>
+                    <a:p>
+                      <a:endParaRPr lang="en-US"/>
+                    </a:p>
+                  </a:txBody>
+                  <a:tcPr/>
+                </a:tc>
+                <a:tc>
+                  <a:txBody>
+                    <a:bodyPr/>
+                    <a:lstStyle/>
+                    <a:p>
+                      <a:endParaRPr lang="en-US" dirty="0"/>
+                    </a:p>
+                  </a:txBody>
+                  <a:tcPr/>
+                </a:tc>
+                <a:tc>
+                  <a:txBody>
+                    <a:bodyPr/>
+                    <a:lstStyle/>
+                    <a:p>
+                      <a:endParaRPr lang="en-US" dirty="0"/>
+                    </a:p>
+                  </a:txBody>
+                  <a:tcPr/>
+                </a:tc>
+                <a:extLst>
+                  <a:ext uri="{0D108BD9-81ED-4DB2-BD59-A6C34878D82A}">
+                    <a16:rowId xmlns:a16="http://schemas.microsoft.com/office/drawing/2014/main" val="4233394324"/>
+                  </a:ext>
+                </a:extLst>
+              </a:tr>
+            </a:tbl>
+          </a:graphicData>
+        </a:graphic>
+      </p:graphicFrame>
+    </p:spTree>
+    <p:extLst>
+      <p:ext uri="{BB962C8B-B14F-4D97-AF65-F5344CB8AC3E}">
+        <p14:creationId xmlns:p14="http://schemas.microsoft.com/office/powerpoint/2010/main" val="3728071061"/>
+      </p:ext>
+    </p:extLst>
+  </p:cSld>
+  <p:clrMapOvr>
+    <a:masterClrMapping/>
+  </p:clrMapOvr>
+</p:sld>
+</file>
+
 <file path=ppt/slides/slide2.xml><?xml version="1.0" encoding="utf-8"?>
+<p:sld xmlns:a="http://schemas.openxmlformats.org/drawingml/2006/main" xmlns:r="http://schemas.openxmlformats.org/officeDocument/2006/relationships" xmlns:p="http://schemas.openxmlformats.org/presentationml/2006/main">
+  <p:cSld>
+    <p:spTree>
+      <p:nvGrpSpPr>
+        <p:cNvPr id="1" name=""/>
+        <p:cNvGrpSpPr/>
+        <p:nvPr/>
+      </p:nvGrpSpPr>
+      <p:grpSpPr>
+        <a:xfrm>
+          <a:off x="0" y="0"/>
+          <a:ext cx="0" cy="0"/>
+          <a:chOff x="0" y="0"/>
+          <a:chExt cx="0" cy="0"/>
+        </a:xfrm>
+      </p:grpSpPr>
+      <p:sp>
+        <p:nvSpPr>
+          <p:cNvPr id="3" name="Content Placeholder 2">
+            <a:extLst>
+              <a:ext uri="{FF2B5EF4-FFF2-40B4-BE49-F238E27FC236}">
+                <a16:creationId xmlns:a16="http://schemas.microsoft.com/office/drawing/2014/main" id="{D52E2655-CF68-0C4E-9D77-867C12AB5CF6}"/>
+              </a:ext>
+            </a:extLst>
+          </p:cNvPr>
+          <p:cNvSpPr>
+            <a:spLocks noGrp="1"/>
+          </p:cNvSpPr>
+          <p:nvPr>
+            <p:ph idx="1"/>
+          </p:nvPr>
+        </p:nvSpPr>
+        <p:spPr>
+          <a:xfrm>
+            <a:off x="838200" y="188259"/>
+            <a:ext cx="10515600" cy="6575612"/>
+          </a:xfrm>
+        </p:spPr>
+        <p:txBody>
+          <a:bodyPr>
+            <a:normAutofit fontScale="77500" lnSpcReduction="20000"/>
+          </a:bodyPr>
+          <a:lstStyle/>
+          <a:p>
+            <a:pPr marL="0" indent="0">
+              <a:buNone/>
+            </a:pPr>
+            <a:r>
+              <a:rPr lang="en-GB" b="1" dirty="0"/>
+              <a:t>Spending Tracker</a:t>
+            </a:r>
+          </a:p>
+          <a:p>
+            <a:pPr marL="0" indent="0">
+              <a:buNone/>
+            </a:pPr>
+            <a:endParaRPr lang="en-GB" b="1" dirty="0"/>
+          </a:p>
+          <a:p>
+            <a:pPr marL="0" indent="0">
+              <a:buNone/>
+            </a:pPr>
+            <a:r>
+              <a:rPr lang="en-GB" dirty="0"/>
+              <a:t>Build an app that allows a user to track their spending.</a:t>
+            </a:r>
+          </a:p>
+          <a:p>
+            <a:pPr marL="0" indent="0">
+              <a:buNone/>
+            </a:pPr>
+            <a:r>
+              <a:rPr lang="en-GB" b="1" dirty="0"/>
+              <a:t>MVP</a:t>
+            </a:r>
+          </a:p>
+          <a:p>
+            <a:pPr lvl="1"/>
+            <a:r>
+              <a:rPr lang="en-GB" dirty="0"/>
+              <a:t>The app should allow the user to create, edit and delete merchants, e.g. Tesco, Amazon, </a:t>
+            </a:r>
+            <a:r>
+              <a:rPr lang="en-GB" dirty="0" err="1"/>
+              <a:t>ScotRail</a:t>
+            </a:r>
+            <a:endParaRPr lang="en-GB" dirty="0"/>
+          </a:p>
+          <a:p>
+            <a:pPr lvl="1"/>
+            <a:r>
+              <a:rPr lang="en-GB" dirty="0"/>
+              <a:t>The app should allow the user to create, edit and delete tags for their spending, e.g. groceries, entertainment, transport</a:t>
+            </a:r>
+          </a:p>
+          <a:p>
+            <a:pPr lvl="1"/>
+            <a:r>
+              <a:rPr lang="en-GB" dirty="0"/>
+              <a:t>The user should be able to assign tags and merchants to a transaction, as well as an amount spent on each transaction.</a:t>
+            </a:r>
+          </a:p>
+          <a:p>
+            <a:pPr lvl="1"/>
+            <a:r>
+              <a:rPr lang="en-GB" dirty="0"/>
+              <a:t>The app should display all the transactions a user has made in a single view, with each transaction's amount, merchant and tag, and a total for all transactions.</a:t>
+            </a:r>
+          </a:p>
+          <a:p>
+            <a:pPr marL="457200" lvl="1" indent="0">
+              <a:buNone/>
+            </a:pPr>
+            <a:endParaRPr lang="en-GB" dirty="0"/>
+          </a:p>
+          <a:p>
+            <a:pPr marL="0" indent="0">
+              <a:buNone/>
+            </a:pPr>
+            <a:r>
+              <a:rPr lang="en-GB" b="1" dirty="0"/>
+              <a:t>Inspired by:</a:t>
+            </a:r>
+          </a:p>
+          <a:p>
+            <a:pPr marL="0" indent="0">
+              <a:buNone/>
+            </a:pPr>
+            <a:r>
+              <a:rPr lang="en-GB" dirty="0" err="1"/>
+              <a:t>Monzo</a:t>
+            </a:r>
+            <a:r>
+              <a:rPr lang="en-GB" dirty="0"/>
+              <a:t>, </a:t>
+            </a:r>
+            <a:r>
+              <a:rPr lang="en-GB" dirty="0" err="1"/>
+              <a:t>MoneyDashboard</a:t>
+            </a:r>
+            <a:r>
+              <a:rPr lang="en-GB" dirty="0"/>
+              <a:t>, lots of mobile/online banking apps</a:t>
+            </a:r>
+          </a:p>
+          <a:p>
+            <a:pPr marL="0" indent="0">
+              <a:buNone/>
+            </a:pPr>
+            <a:endParaRPr lang="en-GB" dirty="0"/>
+          </a:p>
+          <a:p>
+            <a:pPr marL="0" indent="0">
+              <a:buNone/>
+            </a:pPr>
+            <a:r>
+              <a:rPr lang="en-GB" b="1" dirty="0"/>
+              <a:t>Possible Extensions</a:t>
+            </a:r>
+          </a:p>
+          <a:p>
+            <a:pPr lvl="1"/>
+            <a:r>
+              <a:rPr lang="en-GB" dirty="0"/>
+              <a:t>Transactions should have a timestamp, and the user should be able to view transactions sorted by the time they took place.</a:t>
+            </a:r>
+          </a:p>
+          <a:p>
+            <a:pPr lvl="1"/>
+            <a:r>
+              <a:rPr lang="en-GB" dirty="0"/>
+              <a:t>The user should be able to supply a budget, and the app should alert the user somehow when when they are nearing this budget or have gone over it.</a:t>
+            </a:r>
+          </a:p>
+          <a:p>
+            <a:pPr lvl="1"/>
+            <a:r>
+              <a:rPr lang="en-GB" dirty="0"/>
+              <a:t>The user should be able to filter their view of transactions, for example, to view all transactions in a given month, or view all spending on groceries.</a:t>
+            </a:r>
+          </a:p>
+        </p:txBody>
+      </p:sp>
+    </p:spTree>
+    <p:extLst>
+      <p:ext uri="{BB962C8B-B14F-4D97-AF65-F5344CB8AC3E}">
+        <p14:creationId xmlns:p14="http://schemas.microsoft.com/office/powerpoint/2010/main" val="1324376685"/>
+      </p:ext>
+    </p:extLst>
+  </p:cSld>
+  <p:clrMapOvr>
+    <a:masterClrMapping/>
+  </p:clrMapOvr>
+</p:sld>
+</file>
+
+<file path=ppt/slides/slide3.xml><?xml version="1.0" encoding="utf-8"?>
 <p:sld xmlns:a="http://schemas.openxmlformats.org/drawingml/2006/main" xmlns:r="http://schemas.openxmlformats.org/officeDocument/2006/relationships" xmlns:p="http://schemas.openxmlformats.org/presentationml/2006/main">
   <p:cSld>
     <p:spTree>
@@ -7005,7 +8740,7 @@
 </p:sld>
 </file>
 
-<file path=ppt/slides/slide3.xml><?xml version="1.0" encoding="utf-8"?>
+<file path=ppt/slides/slide4.xml><?xml version="1.0" encoding="utf-8"?>
 <p:sld xmlns:a="http://schemas.openxmlformats.org/drawingml/2006/main" xmlns:r="http://schemas.openxmlformats.org/officeDocument/2006/relationships" xmlns:p="http://schemas.openxmlformats.org/presentationml/2006/main">
   <p:cSld>
     <p:spTree>
@@ -8551,7 +10286,7 @@
 </p:sld>
 </file>
 
-<file path=ppt/slides/slide4.xml><?xml version="1.0" encoding="utf-8"?>
+<file path=ppt/slides/slide5.xml><?xml version="1.0" encoding="utf-8"?>
 <p:sld xmlns:a="http://schemas.openxmlformats.org/drawingml/2006/main" xmlns:r="http://schemas.openxmlformats.org/officeDocument/2006/relationships" xmlns:p="http://schemas.openxmlformats.org/presentationml/2006/main">
   <p:cSld>
     <p:spTree>
@@ -10056,7 +11791,7 @@
 </p:sld>
 </file>
 
-<file path=ppt/slides/slide5.xml><?xml version="1.0" encoding="utf-8"?>
+<file path=ppt/slides/slide6.xml><?xml version="1.0" encoding="utf-8"?>
 <p:sld xmlns:a="http://schemas.openxmlformats.org/drawingml/2006/main" xmlns:r="http://schemas.openxmlformats.org/officeDocument/2006/relationships" xmlns:p="http://schemas.openxmlformats.org/presentationml/2006/main">
   <p:cSld>
     <p:spTree>
@@ -11375,7 +13110,7 @@
 </p:sld>
 </file>
 
-<file path=ppt/slides/slide6.xml><?xml version="1.0" encoding="utf-8"?>
+<file path=ppt/slides/slide7.xml><?xml version="1.0" encoding="utf-8"?>
 <p:sld xmlns:a="http://schemas.openxmlformats.org/drawingml/2006/main" xmlns:r="http://schemas.openxmlformats.org/officeDocument/2006/relationships" xmlns:p="http://schemas.openxmlformats.org/presentationml/2006/main">
   <p:cSld>
     <p:spTree>
@@ -13032,7 +14767,7 @@
 </p:sld>
 </file>
 
-<file path=ppt/slides/slide7.xml><?xml version="1.0" encoding="utf-8"?>
+<file path=ppt/slides/slide8.xml><?xml version="1.0" encoding="utf-8"?>
 <p:sld xmlns:a="http://schemas.openxmlformats.org/drawingml/2006/main" xmlns:r="http://schemas.openxmlformats.org/officeDocument/2006/relationships" xmlns:p="http://schemas.openxmlformats.org/presentationml/2006/main">
   <p:cSld>
     <p:spTree>
@@ -16446,7 +18181,7 @@
 </p:sld>
 </file>
 
-<file path=ppt/slides/slide8.xml><?xml version="1.0" encoding="utf-8"?>
+<file path=ppt/slides/slide9.xml><?xml version="1.0" encoding="utf-8"?>
 <p:sld xmlns:a="http://schemas.openxmlformats.org/drawingml/2006/main" xmlns:r="http://schemas.openxmlformats.org/officeDocument/2006/relationships" xmlns:p="http://schemas.openxmlformats.org/presentationml/2006/main">
   <p:cSld>
     <p:spTree>
@@ -20018,895 +21753,6 @@
     <p:extLst>
       <p:ext uri="{BB962C8B-B14F-4D97-AF65-F5344CB8AC3E}">
         <p14:creationId xmlns:p14="http://schemas.microsoft.com/office/powerpoint/2010/main" val="338386805"/>
-      </p:ext>
-    </p:extLst>
-  </p:cSld>
-  <p:clrMapOvr>
-    <a:masterClrMapping/>
-  </p:clrMapOvr>
-</p:sld>
-</file>
-
-<file path=ppt/slides/slide9.xml><?xml version="1.0" encoding="utf-8"?>
-<p:sld xmlns:a="http://schemas.openxmlformats.org/drawingml/2006/main" xmlns:r="http://schemas.openxmlformats.org/officeDocument/2006/relationships" xmlns:p="http://schemas.openxmlformats.org/presentationml/2006/main">
-  <p:cSld>
-    <p:spTree>
-      <p:nvGrpSpPr>
-        <p:cNvPr id="1" name=""/>
-        <p:cNvGrpSpPr/>
-        <p:nvPr/>
-      </p:nvGrpSpPr>
-      <p:grpSpPr>
-        <a:xfrm>
-          <a:off x="0" y="0"/>
-          <a:ext cx="0" cy="0"/>
-          <a:chOff x="0" y="0"/>
-          <a:chExt cx="0" cy="0"/>
-        </a:xfrm>
-      </p:grpSpPr>
-      <p:sp>
-        <p:nvSpPr>
-          <p:cNvPr id="2" name="Title 1">
-            <a:extLst>
-              <a:ext uri="{FF2B5EF4-FFF2-40B4-BE49-F238E27FC236}">
-                <a16:creationId xmlns:a16="http://schemas.microsoft.com/office/drawing/2014/main" id="{A3FA626A-39B1-794F-9A3F-83D37F75B451}"/>
-              </a:ext>
-            </a:extLst>
-          </p:cNvPr>
-          <p:cNvSpPr>
-            <a:spLocks noGrp="1"/>
-          </p:cNvSpPr>
-          <p:nvPr>
-            <p:ph type="title"/>
-          </p:nvPr>
-        </p:nvSpPr>
-        <p:spPr>
-          <a:xfrm>
-            <a:off x="838200" y="55844"/>
-            <a:ext cx="10515600" cy="341095"/>
-          </a:xfrm>
-        </p:spPr>
-        <p:txBody>
-          <a:bodyPr>
-            <a:normAutofit fontScale="90000"/>
-          </a:bodyPr>
-          <a:lstStyle/>
-          <a:p>
-            <a:pPr algn="ctr"/>
-            <a:r>
-              <a:rPr lang="en-US" sz="2800" b="1" dirty="0"/>
-              <a:t>Classes</a:t>
-            </a:r>
-          </a:p>
-        </p:txBody>
-      </p:sp>
-      <p:graphicFrame>
-        <p:nvGraphicFramePr>
-          <p:cNvPr id="4" name="Table 3">
-            <a:extLst>
-              <a:ext uri="{FF2B5EF4-FFF2-40B4-BE49-F238E27FC236}">
-                <a16:creationId xmlns:a16="http://schemas.microsoft.com/office/drawing/2014/main" id="{E76B9E62-50FD-A244-A881-30CEE53BFD4C}"/>
-              </a:ext>
-            </a:extLst>
-          </p:cNvPr>
-          <p:cNvGraphicFramePr>
-            <a:graphicFrameLocks noGrp="1"/>
-          </p:cNvGraphicFramePr>
-          <p:nvPr>
-            <p:extLst>
-              <p:ext uri="{D42A27DB-BD31-4B8C-83A1-F6EECF244321}">
-                <p14:modId xmlns:p14="http://schemas.microsoft.com/office/powerpoint/2010/main" val="4229818805"/>
-              </p:ext>
-            </p:extLst>
-          </p:nvPr>
-        </p:nvGraphicFramePr>
-        <p:xfrm>
-          <a:off x="309284" y="464175"/>
-          <a:ext cx="2369671" cy="6326590"/>
-        </p:xfrm>
-        <a:graphic>
-          <a:graphicData uri="http://schemas.openxmlformats.org/drawingml/2006/table">
-            <a:tbl>
-              <a:tblPr firstRow="1" bandRow="1">
-                <a:tableStyleId>{5940675A-B579-460E-94D1-54222C63F5DA}</a:tableStyleId>
-              </a:tblPr>
-              <a:tblGrid>
-                <a:gridCol w="2369671">
-                  <a:extLst>
-                    <a:ext uri="{9D8B030D-6E8A-4147-A177-3AD203B41FA5}">
-                      <a16:colId xmlns:a16="http://schemas.microsoft.com/office/drawing/2014/main" val="4005843325"/>
-                    </a:ext>
-                  </a:extLst>
-                </a:gridCol>
-              </a:tblGrid>
-              <a:tr h="372229">
-                <a:tc>
-                  <a:txBody>
-                    <a:bodyPr/>
-                    <a:lstStyle/>
-                    <a:p>
-                      <a:pPr algn="ctr"/>
-                      <a:r>
-                        <a:rPr lang="en-US" dirty="0"/>
-                        <a:t>Merchant</a:t>
-                      </a:r>
-                    </a:p>
-                  </a:txBody>
-                  <a:tcPr anchor="ctr">
-                    <a:solidFill>
-                      <a:srgbClr val="D883FF"/>
-                    </a:solidFill>
-                  </a:tcPr>
-                </a:tc>
-                <a:extLst>
-                  <a:ext uri="{0D108BD9-81ED-4DB2-BD59-A6C34878D82A}">
-                    <a16:rowId xmlns:a16="http://schemas.microsoft.com/office/drawing/2014/main" val="4181850750"/>
-                  </a:ext>
-                </a:extLst>
-              </a:tr>
-              <a:tr h="2639671">
-                <a:tc>
-                  <a:txBody>
-                    <a:bodyPr/>
-                    <a:lstStyle/>
-                    <a:p>
-                      <a:pPr algn="l"/>
-                      <a:r>
-                        <a:rPr lang="en-US" dirty="0"/>
-                        <a:t>@id</a:t>
-                      </a:r>
-                    </a:p>
-                    <a:p>
-                      <a:pPr algn="l"/>
-                      <a:r>
-                        <a:rPr lang="en-US" dirty="0"/>
-                        <a:t>@</a:t>
-                      </a:r>
-                      <a:r>
-                        <a:rPr lang="en-US" dirty="0" err="1"/>
-                        <a:t>merchant_name</a:t>
-                      </a:r>
-                      <a:r>
-                        <a:rPr lang="en-US" dirty="0"/>
-                        <a:t>(</a:t>
-                      </a:r>
-                      <a:r>
-                        <a:rPr lang="en-US" dirty="0" err="1"/>
-                        <a:t>Str</a:t>
-                      </a:r>
-                      <a:r>
-                        <a:rPr lang="en-US" dirty="0"/>
-                        <a:t>)</a:t>
-                      </a:r>
-                    </a:p>
-                  </a:txBody>
-                  <a:tcPr anchor="ctr"/>
-                </a:tc>
-                <a:extLst>
-                  <a:ext uri="{0D108BD9-81ED-4DB2-BD59-A6C34878D82A}">
-                    <a16:rowId xmlns:a16="http://schemas.microsoft.com/office/drawing/2014/main" val="2995859431"/>
-                  </a:ext>
-                </a:extLst>
-              </a:tr>
-              <a:tr h="3314690">
-                <a:tc>
-                  <a:txBody>
-                    <a:bodyPr/>
-                    <a:lstStyle/>
-                    <a:p>
-                      <a:pPr marL="285750" indent="-285750" algn="l">
-                        <a:buFontTx/>
-                        <a:buChar char="-"/>
-                      </a:pPr>
-                      <a:r>
-                        <a:rPr lang="en-US" dirty="0"/>
-                        <a:t>Initialize</a:t>
-                      </a:r>
-                    </a:p>
-                    <a:p>
-                      <a:pPr marL="285750" indent="-285750" algn="l">
-                        <a:buFontTx/>
-                        <a:buChar char="-"/>
-                      </a:pPr>
-                      <a:r>
-                        <a:rPr lang="en-US" dirty="0"/>
-                        <a:t>Save (to database)</a:t>
-                      </a:r>
-                    </a:p>
-                    <a:p>
-                      <a:pPr marL="285750" indent="-285750" algn="l">
-                        <a:buFontTx/>
-                        <a:buChar char="-"/>
-                      </a:pPr>
-                      <a:r>
-                        <a:rPr lang="en-US" dirty="0"/>
-                        <a:t>Self find</a:t>
-                      </a:r>
-                    </a:p>
-                    <a:p>
-                      <a:pPr marL="285750" indent="-285750" algn="l">
-                        <a:buFontTx/>
-                        <a:buChar char="-"/>
-                      </a:pPr>
-                      <a:r>
-                        <a:rPr lang="en-US" dirty="0"/>
-                        <a:t>Self all</a:t>
-                      </a:r>
-                    </a:p>
-                    <a:p>
-                      <a:pPr marL="285750" indent="-285750" algn="l">
-                        <a:buFontTx/>
-                        <a:buChar char="-"/>
-                      </a:pPr>
-                      <a:r>
-                        <a:rPr lang="en-US" dirty="0"/>
-                        <a:t>Self map items</a:t>
-                      </a:r>
-                    </a:p>
-                    <a:p>
-                      <a:pPr marL="285750" indent="-285750" algn="l">
-                        <a:buFontTx/>
-                        <a:buChar char="-"/>
-                      </a:pPr>
-                      <a:r>
-                        <a:rPr lang="en-US" dirty="0"/>
-                        <a:t>delete</a:t>
-                      </a:r>
-                    </a:p>
-                  </a:txBody>
-                  <a:tcPr anchor="ctr"/>
-                </a:tc>
-                <a:extLst>
-                  <a:ext uri="{0D108BD9-81ED-4DB2-BD59-A6C34878D82A}">
-                    <a16:rowId xmlns:a16="http://schemas.microsoft.com/office/drawing/2014/main" val="2112490845"/>
-                  </a:ext>
-                </a:extLst>
-              </a:tr>
-            </a:tbl>
-          </a:graphicData>
-        </a:graphic>
-      </p:graphicFrame>
-      <p:graphicFrame>
-        <p:nvGraphicFramePr>
-          <p:cNvPr id="5" name="Table 4">
-            <a:extLst>
-              <a:ext uri="{FF2B5EF4-FFF2-40B4-BE49-F238E27FC236}">
-                <a16:creationId xmlns:a16="http://schemas.microsoft.com/office/drawing/2014/main" id="{1B86D617-CA67-D44E-9F22-CAC79CB6A2A4}"/>
-              </a:ext>
-            </a:extLst>
-          </p:cNvPr>
-          <p:cNvGraphicFramePr>
-            <a:graphicFrameLocks noGrp="1"/>
-          </p:cNvGraphicFramePr>
-          <p:nvPr>
-            <p:extLst>
-              <p:ext uri="{D42A27DB-BD31-4B8C-83A1-F6EECF244321}">
-                <p14:modId xmlns:p14="http://schemas.microsoft.com/office/powerpoint/2010/main" val="1814829198"/>
-              </p:ext>
-            </p:extLst>
-          </p:nvPr>
-        </p:nvGraphicFramePr>
-        <p:xfrm>
-          <a:off x="3074894" y="464174"/>
-          <a:ext cx="2203824" cy="6326591"/>
-        </p:xfrm>
-        <a:graphic>
-          <a:graphicData uri="http://schemas.openxmlformats.org/drawingml/2006/table">
-            <a:tbl>
-              <a:tblPr firstRow="1" bandRow="1">
-                <a:tableStyleId>{5940675A-B579-460E-94D1-54222C63F5DA}</a:tableStyleId>
-              </a:tblPr>
-              <a:tblGrid>
-                <a:gridCol w="2203824">
-                  <a:extLst>
-                    <a:ext uri="{9D8B030D-6E8A-4147-A177-3AD203B41FA5}">
-                      <a16:colId xmlns:a16="http://schemas.microsoft.com/office/drawing/2014/main" val="4005843325"/>
-                    </a:ext>
-                  </a:extLst>
-                </a:gridCol>
-              </a:tblGrid>
-              <a:tr h="454944">
-                <a:tc>
-                  <a:txBody>
-                    <a:bodyPr/>
-                    <a:lstStyle/>
-                    <a:p>
-                      <a:pPr algn="ctr"/>
-                      <a:r>
-                        <a:rPr lang="en-US" dirty="0"/>
-                        <a:t>Tags</a:t>
-                      </a:r>
-                    </a:p>
-                  </a:txBody>
-                  <a:tcPr anchor="ctr">
-                    <a:solidFill>
-                      <a:srgbClr val="D883FF"/>
-                    </a:solidFill>
-                  </a:tcPr>
-                </a:tc>
-                <a:extLst>
-                  <a:ext uri="{0D108BD9-81ED-4DB2-BD59-A6C34878D82A}">
-                    <a16:rowId xmlns:a16="http://schemas.microsoft.com/office/drawing/2014/main" val="4181850750"/>
-                  </a:ext>
-                </a:extLst>
-              </a:tr>
-              <a:tr h="2805717">
-                <a:tc>
-                  <a:txBody>
-                    <a:bodyPr/>
-                    <a:lstStyle/>
-                    <a:p>
-                      <a:pPr algn="l"/>
-                      <a:r>
-                        <a:rPr lang="en-US" dirty="0"/>
-                        <a:t>@id</a:t>
-                      </a:r>
-                    </a:p>
-                    <a:p>
-                      <a:pPr algn="l"/>
-                      <a:r>
-                        <a:rPr lang="en-US" dirty="0"/>
-                        <a:t>@</a:t>
-                      </a:r>
-                      <a:r>
-                        <a:rPr lang="en-US" dirty="0" err="1"/>
-                        <a:t>tag_name</a:t>
-                      </a:r>
-                      <a:r>
-                        <a:rPr lang="en-US" dirty="0"/>
-                        <a:t>(</a:t>
-                      </a:r>
-                      <a:r>
-                        <a:rPr lang="en-US" dirty="0" err="1"/>
-                        <a:t>Str</a:t>
-                      </a:r>
-                      <a:r>
-                        <a:rPr lang="en-US" dirty="0"/>
-                        <a:t>)</a:t>
-                      </a:r>
-                    </a:p>
-                  </a:txBody>
-                  <a:tcPr anchor="ctr"/>
-                </a:tc>
-                <a:extLst>
-                  <a:ext uri="{0D108BD9-81ED-4DB2-BD59-A6C34878D82A}">
-                    <a16:rowId xmlns:a16="http://schemas.microsoft.com/office/drawing/2014/main" val="2995859431"/>
-                  </a:ext>
-                </a:extLst>
-              </a:tr>
-              <a:tr h="3065930">
-                <a:tc>
-                  <a:txBody>
-                    <a:bodyPr/>
-                    <a:lstStyle/>
-                    <a:p>
-                      <a:pPr marL="285750" indent="-285750" algn="l">
-                        <a:buFontTx/>
-                        <a:buChar char="-"/>
-                      </a:pPr>
-                      <a:r>
-                        <a:rPr lang="en-US" dirty="0"/>
-                        <a:t>Initialize</a:t>
-                      </a:r>
-                    </a:p>
-                    <a:p>
-                      <a:pPr marL="285750" indent="-285750" algn="l">
-                        <a:buFontTx/>
-                        <a:buChar char="-"/>
-                      </a:pPr>
-                      <a:r>
-                        <a:rPr lang="en-US" dirty="0"/>
-                        <a:t>Save (to database)</a:t>
-                      </a:r>
-                    </a:p>
-                    <a:p>
-                      <a:pPr marL="285750" indent="-285750" algn="l">
-                        <a:buFontTx/>
-                        <a:buChar char="-"/>
-                      </a:pPr>
-                      <a:r>
-                        <a:rPr lang="en-US" dirty="0"/>
-                        <a:t>Self find</a:t>
-                      </a:r>
-                    </a:p>
-                    <a:p>
-                      <a:pPr marL="285750" indent="-285750" algn="l">
-                        <a:buFontTx/>
-                        <a:buChar char="-"/>
-                      </a:pPr>
-                      <a:r>
-                        <a:rPr lang="en-US" dirty="0"/>
-                        <a:t>Self all</a:t>
-                      </a:r>
-                    </a:p>
-                    <a:p>
-                      <a:pPr marL="285750" indent="-285750" algn="l">
-                        <a:buFontTx/>
-                        <a:buChar char="-"/>
-                      </a:pPr>
-                      <a:r>
-                        <a:rPr lang="en-US" dirty="0"/>
-                        <a:t>Self map items</a:t>
-                      </a:r>
-                    </a:p>
-                    <a:p>
-                      <a:pPr marL="285750" indent="-285750" algn="l">
-                        <a:buFontTx/>
-                        <a:buChar char="-"/>
-                      </a:pPr>
-                      <a:r>
-                        <a:rPr lang="en-US" dirty="0"/>
-                        <a:t>delete</a:t>
-                      </a:r>
-                    </a:p>
-                    <a:p>
-                      <a:pPr algn="ctr"/>
-                      <a:endParaRPr lang="en-US" dirty="0"/>
-                    </a:p>
-                  </a:txBody>
-                  <a:tcPr anchor="ctr"/>
-                </a:tc>
-                <a:extLst>
-                  <a:ext uri="{0D108BD9-81ED-4DB2-BD59-A6C34878D82A}">
-                    <a16:rowId xmlns:a16="http://schemas.microsoft.com/office/drawing/2014/main" val="2112490845"/>
-                  </a:ext>
-                </a:extLst>
-              </a:tr>
-            </a:tbl>
-          </a:graphicData>
-        </a:graphic>
-      </p:graphicFrame>
-      <p:graphicFrame>
-        <p:nvGraphicFramePr>
-          <p:cNvPr id="6" name="Table 5">
-            <a:extLst>
-              <a:ext uri="{FF2B5EF4-FFF2-40B4-BE49-F238E27FC236}">
-                <a16:creationId xmlns:a16="http://schemas.microsoft.com/office/drawing/2014/main" id="{E60E3F86-205D-C94E-8BFB-D187A2E5A87D}"/>
-              </a:ext>
-            </a:extLst>
-          </p:cNvPr>
-          <p:cNvGraphicFramePr>
-            <a:graphicFrameLocks noGrp="1"/>
-          </p:cNvGraphicFramePr>
-          <p:nvPr>
-            <p:extLst>
-              <p:ext uri="{D42A27DB-BD31-4B8C-83A1-F6EECF244321}">
-                <p14:modId xmlns:p14="http://schemas.microsoft.com/office/powerpoint/2010/main" val="3829048076"/>
-              </p:ext>
-            </p:extLst>
-          </p:nvPr>
-        </p:nvGraphicFramePr>
-        <p:xfrm>
-          <a:off x="5674657" y="464175"/>
-          <a:ext cx="3630706" cy="6344341"/>
-        </p:xfrm>
-        <a:graphic>
-          <a:graphicData uri="http://schemas.openxmlformats.org/drawingml/2006/table">
-            <a:tbl>
-              <a:tblPr firstRow="1" bandRow="1">
-                <a:tableStyleId>{5940675A-B579-460E-94D1-54222C63F5DA}</a:tableStyleId>
-              </a:tblPr>
-              <a:tblGrid>
-                <a:gridCol w="3630706">
-                  <a:extLst>
-                    <a:ext uri="{9D8B030D-6E8A-4147-A177-3AD203B41FA5}">
-                      <a16:colId xmlns:a16="http://schemas.microsoft.com/office/drawing/2014/main" val="4005843325"/>
-                    </a:ext>
-                  </a:extLst>
-                </a:gridCol>
-              </a:tblGrid>
-              <a:tr h="400741">
-                <a:tc>
-                  <a:txBody>
-                    <a:bodyPr/>
-                    <a:lstStyle/>
-                    <a:p>
-                      <a:pPr algn="ctr"/>
-                      <a:r>
-                        <a:rPr lang="en-US" dirty="0"/>
-                        <a:t>Transaction</a:t>
-                      </a:r>
-                    </a:p>
-                  </a:txBody>
-                  <a:tcPr anchor="ctr">
-                    <a:solidFill>
-                      <a:srgbClr val="D883FF"/>
-                    </a:solidFill>
-                  </a:tcPr>
-                </a:tc>
-                <a:extLst>
-                  <a:ext uri="{0D108BD9-81ED-4DB2-BD59-A6C34878D82A}">
-                    <a16:rowId xmlns:a16="http://schemas.microsoft.com/office/drawing/2014/main" val="4181850750"/>
-                  </a:ext>
-                </a:extLst>
-              </a:tr>
-              <a:tr h="2600733">
-                <a:tc>
-                  <a:txBody>
-                    <a:bodyPr/>
-                    <a:lstStyle/>
-                    <a:p>
-                      <a:r>
-                        <a:rPr lang="en-US" dirty="0"/>
-                        <a:t>@id</a:t>
-                      </a:r>
-                    </a:p>
-                    <a:p>
-                      <a:r>
-                        <a:rPr lang="en-US" dirty="0"/>
-                        <a:t>@amount(numeric)</a:t>
-                      </a:r>
-                    </a:p>
-                    <a:p>
-                      <a:r>
-                        <a:rPr lang="en-US" dirty="0"/>
-                        <a:t>@</a:t>
-                      </a:r>
-                      <a:r>
-                        <a:rPr lang="en-US" dirty="0" err="1"/>
-                        <a:t>merchant_id</a:t>
-                      </a:r>
-                      <a:endParaRPr lang="en-US" dirty="0"/>
-                    </a:p>
-                    <a:p>
-                      <a:r>
-                        <a:rPr lang="en-US" dirty="0"/>
-                        <a:t>@</a:t>
-                      </a:r>
-                      <a:r>
-                        <a:rPr lang="en-US" dirty="0" err="1"/>
-                        <a:t>tag_id</a:t>
-                      </a:r>
-                      <a:endParaRPr lang="en-US" dirty="0"/>
-                    </a:p>
-                    <a:p>
-                      <a:r>
-                        <a:rPr lang="en-US" dirty="0"/>
-                        <a:t>@essential(</a:t>
-                      </a:r>
-                      <a:r>
-                        <a:rPr lang="en-US" dirty="0" err="1"/>
-                        <a:t>Str</a:t>
-                      </a:r>
-                      <a:r>
-                        <a:rPr lang="en-US" dirty="0"/>
-                        <a:t>)</a:t>
-                      </a:r>
-                    </a:p>
-                    <a:p>
-                      <a:r>
-                        <a:rPr lang="en-US" dirty="0"/>
-                        <a:t>@time(numeric)</a:t>
-                      </a:r>
-                    </a:p>
-                    <a:p>
-                      <a:r>
-                        <a:rPr lang="en-US" dirty="0"/>
-                        <a:t>@day(</a:t>
-                      </a:r>
-                      <a:r>
-                        <a:rPr lang="en-US" dirty="0" err="1"/>
-                        <a:t>Int</a:t>
-                      </a:r>
-                      <a:r>
-                        <a:rPr lang="en-US" dirty="0"/>
-                        <a:t>)</a:t>
-                      </a:r>
-                    </a:p>
-                    <a:p>
-                      <a:r>
-                        <a:rPr lang="en-US" dirty="0"/>
-                        <a:t>@month(</a:t>
-                      </a:r>
-                      <a:r>
-                        <a:rPr lang="en-US" dirty="0" err="1"/>
-                        <a:t>Str</a:t>
-                      </a:r>
-                      <a:r>
-                        <a:rPr lang="en-US" dirty="0"/>
-                        <a:t>)</a:t>
-                      </a:r>
-                    </a:p>
-                    <a:p>
-                      <a:r>
-                        <a:rPr lang="en-US" dirty="0"/>
-                        <a:t>@</a:t>
-                      </a:r>
-                      <a:r>
-                        <a:rPr lang="en-US" dirty="0" err="1"/>
-                        <a:t>total_spent</a:t>
-                      </a:r>
-                      <a:r>
-                        <a:rPr lang="en-US" dirty="0"/>
-                        <a:t>(numeric)</a:t>
-                      </a:r>
-                    </a:p>
-                    <a:p>
-                      <a:r>
-                        <a:rPr lang="en-US" dirty="0"/>
-                        <a:t>@</a:t>
-                      </a:r>
-                      <a:r>
-                        <a:rPr lang="en-US" dirty="0" err="1"/>
-                        <a:t>remaining_budget</a:t>
-                      </a:r>
-                      <a:r>
-                        <a:rPr lang="en-US" dirty="0"/>
-                        <a:t>(numeric)</a:t>
-                      </a:r>
-                    </a:p>
-                  </a:txBody>
-                  <a:tcPr/>
-                </a:tc>
-                <a:extLst>
-                  <a:ext uri="{0D108BD9-81ED-4DB2-BD59-A6C34878D82A}">
-                    <a16:rowId xmlns:a16="http://schemas.microsoft.com/office/drawing/2014/main" val="2995859431"/>
-                  </a:ext>
-                </a:extLst>
-              </a:tr>
-              <a:tr h="1768047">
-                <a:tc>
-                  <a:txBody>
-                    <a:bodyPr/>
-                    <a:lstStyle/>
-                    <a:p>
-                      <a:pPr marL="285750" indent="-285750" algn="l">
-                        <a:buFontTx/>
-                        <a:buChar char="-"/>
-                      </a:pPr>
-                      <a:r>
-                        <a:rPr lang="en-US" dirty="0"/>
-                        <a:t>Initialize</a:t>
-                      </a:r>
-                    </a:p>
-                    <a:p>
-                      <a:pPr marL="285750" indent="-285750" algn="l">
-                        <a:buFontTx/>
-                        <a:buChar char="-"/>
-                      </a:pPr>
-                      <a:r>
-                        <a:rPr lang="en-US" dirty="0"/>
-                        <a:t>Get time/date now</a:t>
-                      </a:r>
-                    </a:p>
-                    <a:p>
-                      <a:pPr marL="285750" indent="-285750" algn="l">
-                        <a:buFontTx/>
-                        <a:buChar char="-"/>
-                      </a:pPr>
-                      <a:r>
-                        <a:rPr lang="en-US" dirty="0"/>
-                        <a:t>Split time/date to time/day/month</a:t>
-                      </a:r>
-                    </a:p>
-                    <a:p>
-                      <a:pPr marL="285750" indent="-285750" algn="l">
-                        <a:buFontTx/>
-                        <a:buChar char="-"/>
-                      </a:pPr>
-                      <a:r>
-                        <a:rPr lang="en-US" dirty="0"/>
-                        <a:t>Calculate total spent</a:t>
-                      </a:r>
-                    </a:p>
-                    <a:p>
-                      <a:pPr marL="285750" indent="-285750" algn="l">
-                        <a:buFontTx/>
-                        <a:buChar char="-"/>
-                      </a:pPr>
-                      <a:r>
-                        <a:rPr lang="en-US" dirty="0"/>
-                        <a:t>Calculate remaining budget</a:t>
-                      </a:r>
-                    </a:p>
-                    <a:p>
-                      <a:pPr marL="285750" indent="-285750" algn="l">
-                        <a:buFontTx/>
-                        <a:buChar char="-"/>
-                      </a:pPr>
-                      <a:r>
-                        <a:rPr lang="en-US" dirty="0"/>
-                        <a:t>Save (to database)</a:t>
-                      </a:r>
-                    </a:p>
-                    <a:p>
-                      <a:pPr marL="285750" indent="-285750" algn="l">
-                        <a:buFontTx/>
-                        <a:buChar char="-"/>
-                      </a:pPr>
-                      <a:r>
-                        <a:rPr lang="en-US" dirty="0"/>
-                        <a:t>Self find</a:t>
-                      </a:r>
-                    </a:p>
-                    <a:p>
-                      <a:pPr marL="285750" indent="-285750" algn="l">
-                        <a:buFontTx/>
-                        <a:buChar char="-"/>
-                      </a:pPr>
-                      <a:r>
-                        <a:rPr lang="en-US" dirty="0"/>
-                        <a:t>Self all</a:t>
-                      </a:r>
-                    </a:p>
-                    <a:p>
-                      <a:pPr marL="285750" indent="-285750" algn="l">
-                        <a:buFontTx/>
-                        <a:buChar char="-"/>
-                      </a:pPr>
-                      <a:r>
-                        <a:rPr lang="en-US" dirty="0"/>
-                        <a:t>Self map items</a:t>
-                      </a:r>
-                    </a:p>
-                    <a:p>
-                      <a:pPr marL="285750" indent="-285750" algn="l">
-                        <a:buFontTx/>
-                        <a:buChar char="-"/>
-                      </a:pPr>
-                      <a:r>
-                        <a:rPr lang="en-US" dirty="0"/>
-                        <a:t>delete</a:t>
-                      </a:r>
-                    </a:p>
-                  </a:txBody>
-                  <a:tcPr/>
-                </a:tc>
-                <a:extLst>
-                  <a:ext uri="{0D108BD9-81ED-4DB2-BD59-A6C34878D82A}">
-                    <a16:rowId xmlns:a16="http://schemas.microsoft.com/office/drawing/2014/main" val="2112490845"/>
-                  </a:ext>
-                </a:extLst>
-              </a:tr>
-            </a:tbl>
-          </a:graphicData>
-        </a:graphic>
-      </p:graphicFrame>
-      <p:graphicFrame>
-        <p:nvGraphicFramePr>
-          <p:cNvPr id="7" name="Table 6">
-            <a:extLst>
-              <a:ext uri="{FF2B5EF4-FFF2-40B4-BE49-F238E27FC236}">
-                <a16:creationId xmlns:a16="http://schemas.microsoft.com/office/drawing/2014/main" id="{4C2FB6E0-E161-F941-A854-5C5681E349B6}"/>
-              </a:ext>
-            </a:extLst>
-          </p:cNvPr>
-          <p:cNvGraphicFramePr>
-            <a:graphicFrameLocks noGrp="1"/>
-          </p:cNvGraphicFramePr>
-          <p:nvPr>
-            <p:extLst>
-              <p:ext uri="{D42A27DB-BD31-4B8C-83A1-F6EECF244321}">
-                <p14:modId xmlns:p14="http://schemas.microsoft.com/office/powerpoint/2010/main" val="1572713515"/>
-              </p:ext>
-            </p:extLst>
-          </p:nvPr>
-        </p:nvGraphicFramePr>
-        <p:xfrm>
-          <a:off x="9701303" y="464174"/>
-          <a:ext cx="2203824" cy="6337982"/>
-        </p:xfrm>
-        <a:graphic>
-          <a:graphicData uri="http://schemas.openxmlformats.org/drawingml/2006/table">
-            <a:tbl>
-              <a:tblPr firstRow="1" bandRow="1">
-                <a:tableStyleId>{5940675A-B579-460E-94D1-54222C63F5DA}</a:tableStyleId>
-              </a:tblPr>
-              <a:tblGrid>
-                <a:gridCol w="2203824">
-                  <a:extLst>
-                    <a:ext uri="{9D8B030D-6E8A-4147-A177-3AD203B41FA5}">
-                      <a16:colId xmlns:a16="http://schemas.microsoft.com/office/drawing/2014/main" val="4005843325"/>
-                    </a:ext>
-                  </a:extLst>
-                </a:gridCol>
-              </a:tblGrid>
-              <a:tr h="525733">
-                <a:tc>
-                  <a:txBody>
-                    <a:bodyPr/>
-                    <a:lstStyle/>
-                    <a:p>
-                      <a:pPr algn="ctr"/>
-                      <a:r>
-                        <a:rPr lang="en-US" dirty="0"/>
-                        <a:t>Budget</a:t>
-                      </a:r>
-                    </a:p>
-                  </a:txBody>
-                  <a:tcPr anchor="ctr">
-                    <a:solidFill>
-                      <a:srgbClr val="D883FF"/>
-                    </a:solidFill>
-                  </a:tcPr>
-                </a:tc>
-                <a:extLst>
-                  <a:ext uri="{0D108BD9-81ED-4DB2-BD59-A6C34878D82A}">
-                    <a16:rowId xmlns:a16="http://schemas.microsoft.com/office/drawing/2014/main" val="4181850750"/>
-                  </a:ext>
-                </a:extLst>
-              </a:tr>
-              <a:tr h="2787066">
-                <a:tc>
-                  <a:txBody>
-                    <a:bodyPr/>
-                    <a:lstStyle/>
-                    <a:p>
-                      <a:r>
-                        <a:rPr lang="en-US" dirty="0"/>
-                        <a:t>@id</a:t>
-                      </a:r>
-                    </a:p>
-                    <a:p>
-                      <a:r>
-                        <a:rPr lang="en-US" dirty="0"/>
-                        <a:t>@budget(numeric)</a:t>
-                      </a:r>
-                    </a:p>
-                  </a:txBody>
-                  <a:tcPr/>
-                </a:tc>
-                <a:extLst>
-                  <a:ext uri="{0D108BD9-81ED-4DB2-BD59-A6C34878D82A}">
-                    <a16:rowId xmlns:a16="http://schemas.microsoft.com/office/drawing/2014/main" val="2995859431"/>
-                  </a:ext>
-                </a:extLst>
-              </a:tr>
-              <a:tr h="3025183">
-                <a:tc>
-                  <a:txBody>
-                    <a:bodyPr/>
-                    <a:lstStyle/>
-                    <a:p>
-                      <a:pPr marL="285750" indent="-285750" algn="l">
-                        <a:buFontTx/>
-                        <a:buChar char="-"/>
-                      </a:pPr>
-                      <a:r>
-                        <a:rPr lang="en-US" dirty="0"/>
-                        <a:t>Initialize</a:t>
-                      </a:r>
-                    </a:p>
-                    <a:p>
-                      <a:pPr marL="285750" indent="-285750" algn="l">
-                        <a:buFontTx/>
-                        <a:buChar char="-"/>
-                      </a:pPr>
-                      <a:r>
-                        <a:rPr lang="en-US" dirty="0"/>
-                        <a:t>Edit</a:t>
-                      </a:r>
-                    </a:p>
-                    <a:p>
-                      <a:pPr marL="285750" indent="-285750" algn="l">
-                        <a:buFontTx/>
-                        <a:buChar char="-"/>
-                      </a:pPr>
-                      <a:r>
-                        <a:rPr lang="en-US" dirty="0"/>
-                        <a:t>delete</a:t>
-                      </a:r>
-                    </a:p>
-                    <a:p>
-                      <a:endParaRPr lang="en-US" dirty="0"/>
-                    </a:p>
-                  </a:txBody>
-                  <a:tcPr/>
-                </a:tc>
-                <a:extLst>
-                  <a:ext uri="{0D108BD9-81ED-4DB2-BD59-A6C34878D82A}">
-                    <a16:rowId xmlns:a16="http://schemas.microsoft.com/office/drawing/2014/main" val="2112490845"/>
-                  </a:ext>
-                </a:extLst>
-              </a:tr>
-            </a:tbl>
-          </a:graphicData>
-        </a:graphic>
-      </p:graphicFrame>
-    </p:spTree>
-    <p:extLst>
-      <p:ext uri="{BB962C8B-B14F-4D97-AF65-F5344CB8AC3E}">
-        <p14:creationId xmlns:p14="http://schemas.microsoft.com/office/powerpoint/2010/main" val="3918205902"/>
       </p:ext>
     </p:extLst>
   </p:cSld>

--- a/Plans_Project_Management/Budget_App_Plan_08Nov2018.pptx
+++ b/Plans_Project_Management/Budget_App_Plan_08Nov2018.pptx
@@ -16,7 +16,8 @@
     <p:sldId id="263" r:id="rId10"/>
     <p:sldId id="264" r:id="rId11"/>
     <p:sldId id="257" r:id="rId12"/>
-    <p:sldId id="266" r:id="rId13"/>
+    <p:sldId id="268" r:id="rId13"/>
+    <p:sldId id="266" r:id="rId14"/>
   </p:sldIdLst>
   <p:sldSz cx="12192000" cy="6858000"/>
   <p:notesSz cx="6858000" cy="9144000"/>
@@ -5416,7 +5417,7 @@
             <a:pPr algn="ctr"/>
             <a:r>
               <a:rPr lang="en-US" sz="2800" b="1" dirty="0"/>
-              <a:t>Function rationale</a:t>
+              <a:t>Function rationale – Page 1</a:t>
             </a:r>
           </a:p>
         </p:txBody>
@@ -5433,17 +5434,11 @@
           <p:cNvGraphicFramePr>
             <a:graphicFrameLocks noGrp="1"/>
           </p:cNvGraphicFramePr>
-          <p:nvPr>
-            <p:extLst>
-              <p:ext uri="{D42A27DB-BD31-4B8C-83A1-F6EECF244321}">
-                <p14:modId xmlns:p14="http://schemas.microsoft.com/office/powerpoint/2010/main" val="1348953"/>
-              </p:ext>
-            </p:extLst>
-          </p:nvPr>
+          <p:nvPr/>
         </p:nvGraphicFramePr>
         <p:xfrm>
           <a:off x="85165" y="765885"/>
-          <a:ext cx="12021670" cy="4226560"/>
+          <a:ext cx="12021670" cy="6040120"/>
         </p:xfrm>
         <a:graphic>
           <a:graphicData uri="http://schemas.openxmlformats.org/drawingml/2006/table">
@@ -5843,6 +5838,10 @@
                     <a:bodyPr/>
                     <a:lstStyle/>
                     <a:p>
+                      <a:r>
+                        <a:rPr lang="en-US" dirty="0" err="1"/>
+                        <a:t>Self.map_items</a:t>
+                      </a:r>
                       <a:endParaRPr lang="en-US" dirty="0"/>
                     </a:p>
                   </a:txBody>
@@ -5853,7 +5852,18 @@
                     <a:bodyPr/>
                     <a:lstStyle/>
                     <a:p>
-                      <a:endParaRPr lang="en-US"/>
+                      <a:r>
+                        <a:rPr lang="en-US" dirty="0"/>
+                        <a:t>Needed for the </a:t>
+                      </a:r>
+                      <a:r>
+                        <a:rPr lang="en-US" dirty="0" err="1"/>
+                        <a:t>self.all</a:t>
+                      </a:r>
+                      <a:r>
+                        <a:rPr lang="en-US" dirty="0"/>
+                        <a:t> function to work</a:t>
+                      </a:r>
                     </a:p>
                   </a:txBody>
                   <a:tcPr/>
@@ -5863,7 +5873,10 @@
                     <a:bodyPr/>
                     <a:lstStyle/>
                     <a:p>
-                      <a:endParaRPr lang="en-US"/>
+                      <a:r>
+                        <a:rPr lang="en-US" dirty="0"/>
+                        <a:t>News up new merchant objects into a hash </a:t>
+                      </a:r>
                     </a:p>
                   </a:txBody>
                   <a:tcPr/>
@@ -5873,7 +5886,15 @@
                     <a:bodyPr/>
                     <a:lstStyle/>
                     <a:p>
-                      <a:endParaRPr lang="en-US"/>
+                      <a:r>
+                        <a:rPr lang="en-US" dirty="0"/>
+                        <a:t>Hash of new merchant objects called </a:t>
+                      </a:r>
+                      <a:r>
+                        <a:rPr lang="en-US" dirty="0" err="1"/>
+                        <a:t>merchant_data</a:t>
+                      </a:r>
+                      <a:endParaRPr lang="en-US" dirty="0"/>
                     </a:p>
                   </a:txBody>
                   <a:tcPr/>
@@ -5890,7 +5911,10 @@
                     <a:bodyPr/>
                     <a:lstStyle/>
                     <a:p>
-                      <a:endParaRPr lang="en-US"/>
+                      <a:r>
+                        <a:rPr lang="en-US" dirty="0"/>
+                        <a:t>Merchant</a:t>
+                      </a:r>
                     </a:p>
                   </a:txBody>
                   <a:tcPr/>
@@ -5900,7 +5924,15 @@
                     <a:bodyPr/>
                     <a:lstStyle/>
                     <a:p>
-                      <a:endParaRPr lang="en-US"/>
+                      <a:r>
+                        <a:rPr lang="en-US" dirty="0"/>
+                        <a:t>.update </a:t>
+                      </a:r>
+                      <a:r>
+                        <a:rPr lang="en-US" b="1" dirty="0"/>
+                        <a:t>U</a:t>
+                      </a:r>
+                      <a:endParaRPr lang="en-US" dirty="0"/>
                     </a:p>
                   </a:txBody>
                   <a:tcPr/>
@@ -5910,7 +5942,10 @@
                     <a:bodyPr/>
                     <a:lstStyle/>
                     <a:p>
-                      <a:endParaRPr lang="en-US"/>
+                      <a:r>
+                        <a:rPr lang="en-US" dirty="0"/>
+                        <a:t>User need to be able to change and update merchants</a:t>
+                      </a:r>
                     </a:p>
                   </a:txBody>
                   <a:tcPr/>
@@ -5920,7 +5955,18 @@
                     <a:bodyPr/>
                     <a:lstStyle/>
                     <a:p>
-                      <a:endParaRPr lang="en-US"/>
+                      <a:r>
+                        <a:rPr lang="en-US" dirty="0"/>
+                        <a:t>The name of an existing merchant is changed in Ruby using @</a:t>
+                      </a:r>
+                      <a:r>
+                        <a:rPr lang="en-US" dirty="0" err="1"/>
+                        <a:t>merchant.merchant_name</a:t>
+                      </a:r>
+                      <a:r>
+                        <a:rPr lang="en-US" dirty="0"/>
+                        <a:t>, then the update function is called on that merchant to change it in the database</a:t>
+                      </a:r>
                     </a:p>
                   </a:txBody>
                   <a:tcPr/>
@@ -5930,7 +5976,10 @@
                     <a:bodyPr/>
                     <a:lstStyle/>
                     <a:p>
-                      <a:endParaRPr lang="en-US"/>
+                      <a:r>
+                        <a:rPr lang="en-US" dirty="0"/>
+                        <a:t>No specified output, but the alteration should appear in the database</a:t>
+                      </a:r>
                     </a:p>
                   </a:txBody>
                   <a:tcPr/>
@@ -5941,13 +5990,154 @@
                   </a:ext>
                 </a:extLst>
               </a:tr>
+            </a:tbl>
+          </a:graphicData>
+        </a:graphic>
+      </p:graphicFrame>
+    </p:spTree>
+    <p:extLst>
+      <p:ext uri="{BB962C8B-B14F-4D97-AF65-F5344CB8AC3E}">
+        <p14:creationId xmlns:p14="http://schemas.microsoft.com/office/powerpoint/2010/main" val="4228554045"/>
+      </p:ext>
+    </p:extLst>
+  </p:cSld>
+  <p:clrMapOvr>
+    <a:masterClrMapping/>
+  </p:clrMapOvr>
+</p:sld>
+</file>
+
+<file path=ppt/slides/slide13.xml><?xml version="1.0" encoding="utf-8"?>
+<p:sld xmlns:a="http://schemas.openxmlformats.org/drawingml/2006/main" xmlns:r="http://schemas.openxmlformats.org/officeDocument/2006/relationships" xmlns:p="http://schemas.openxmlformats.org/presentationml/2006/main">
+  <p:cSld>
+    <p:spTree>
+      <p:nvGrpSpPr>
+        <p:cNvPr id="1" name=""/>
+        <p:cNvGrpSpPr/>
+        <p:nvPr/>
+      </p:nvGrpSpPr>
+      <p:grpSpPr>
+        <a:xfrm>
+          <a:off x="0" y="0"/>
+          <a:ext cx="0" cy="0"/>
+          <a:chOff x="0" y="0"/>
+          <a:chExt cx="0" cy="0"/>
+        </a:xfrm>
+      </p:grpSpPr>
+      <p:sp>
+        <p:nvSpPr>
+          <p:cNvPr id="2" name="Title 1">
+            <a:extLst>
+              <a:ext uri="{FF2B5EF4-FFF2-40B4-BE49-F238E27FC236}">
+                <a16:creationId xmlns:a16="http://schemas.microsoft.com/office/drawing/2014/main" id="{76D7CAB5-A4EF-7B43-BD1B-F0A73C0FAF29}"/>
+              </a:ext>
+            </a:extLst>
+          </p:cNvPr>
+          <p:cNvSpPr>
+            <a:spLocks noGrp="1"/>
+          </p:cNvSpPr>
+          <p:nvPr>
+            <p:ph type="title"/>
+          </p:nvPr>
+        </p:nvSpPr>
+        <p:spPr>
+          <a:xfrm>
+            <a:off x="838200" y="365125"/>
+            <a:ext cx="10515600" cy="266887"/>
+          </a:xfrm>
+        </p:spPr>
+        <p:txBody>
+          <a:bodyPr>
+            <a:normAutofit fontScale="90000"/>
+          </a:bodyPr>
+          <a:lstStyle/>
+          <a:p>
+            <a:pPr algn="ctr"/>
+            <a:r>
+              <a:rPr lang="en-US" sz="2800" b="1" dirty="0"/>
+              <a:t>Function rationale – Page 2</a:t>
+            </a:r>
+          </a:p>
+        </p:txBody>
+      </p:sp>
+      <p:graphicFrame>
+        <p:nvGraphicFramePr>
+          <p:cNvPr id="4" name="Table 3">
+            <a:extLst>
+              <a:ext uri="{FF2B5EF4-FFF2-40B4-BE49-F238E27FC236}">
+                <a16:creationId xmlns:a16="http://schemas.microsoft.com/office/drawing/2014/main" id="{AA02A76F-4B68-E947-809B-4E0F1064ECFE}"/>
+              </a:ext>
+            </a:extLst>
+          </p:cNvPr>
+          <p:cNvGraphicFramePr>
+            <a:graphicFrameLocks noGrp="1"/>
+          </p:cNvGraphicFramePr>
+          <p:nvPr>
+            <p:extLst>
+              <p:ext uri="{D42A27DB-BD31-4B8C-83A1-F6EECF244321}">
+                <p14:modId xmlns:p14="http://schemas.microsoft.com/office/powerpoint/2010/main" val="1387531503"/>
+              </p:ext>
+            </p:extLst>
+          </p:nvPr>
+        </p:nvGraphicFramePr>
+        <p:xfrm>
+          <a:off x="85165" y="765885"/>
+          <a:ext cx="12021670" cy="3312160"/>
+        </p:xfrm>
+        <a:graphic>
+          <a:graphicData uri="http://schemas.openxmlformats.org/drawingml/2006/table">
+            <a:tbl>
+              <a:tblPr firstRow="1" bandRow="1">
+                <a:tableStyleId>{5940675A-B579-460E-94D1-54222C63F5DA}</a:tableStyleId>
+              </a:tblPr>
+              <a:tblGrid>
+                <a:gridCol w="1259541">
+                  <a:extLst>
+                    <a:ext uri="{9D8B030D-6E8A-4147-A177-3AD203B41FA5}">
+                      <a16:colId xmlns:a16="http://schemas.microsoft.com/office/drawing/2014/main" val="3310124708"/>
+                    </a:ext>
+                  </a:extLst>
+                </a:gridCol>
+                <a:gridCol w="1761565">
+                  <a:extLst>
+                    <a:ext uri="{9D8B030D-6E8A-4147-A177-3AD203B41FA5}">
+                      <a16:colId xmlns:a16="http://schemas.microsoft.com/office/drawing/2014/main" val="1695059105"/>
+                    </a:ext>
+                  </a:extLst>
+                </a:gridCol>
+                <a:gridCol w="3482788">
+                  <a:extLst>
+                    <a:ext uri="{9D8B030D-6E8A-4147-A177-3AD203B41FA5}">
+                      <a16:colId xmlns:a16="http://schemas.microsoft.com/office/drawing/2014/main" val="2644020309"/>
+                    </a:ext>
+                  </a:extLst>
+                </a:gridCol>
+                <a:gridCol w="3113442">
+                  <a:extLst>
+                    <a:ext uri="{9D8B030D-6E8A-4147-A177-3AD203B41FA5}">
+                      <a16:colId xmlns:a16="http://schemas.microsoft.com/office/drawing/2014/main" val="3698080099"/>
+                    </a:ext>
+                  </a:extLst>
+                </a:gridCol>
+                <a:gridCol w="2404334">
+                  <a:extLst>
+                    <a:ext uri="{9D8B030D-6E8A-4147-A177-3AD203B41FA5}">
+                      <a16:colId xmlns:a16="http://schemas.microsoft.com/office/drawing/2014/main" val="358479963"/>
+                    </a:ext>
+                  </a:extLst>
+                </a:gridCol>
+              </a:tblGrid>
               <a:tr h="370840">
                 <a:tc>
                   <a:txBody>
                     <a:bodyPr/>
                     <a:lstStyle/>
                     <a:p>
-                      <a:endParaRPr lang="en-US"/>
+                      <a:pPr algn="ctr"/>
+                      <a:r>
+                        <a:rPr lang="en-US" b="1" dirty="0"/>
+                        <a:t>Class</a:t>
+                      </a:r>
                     </a:p>
                   </a:txBody>
                   <a:tcPr/>
@@ -5957,7 +6147,11 @@
                     <a:bodyPr/>
                     <a:lstStyle/>
                     <a:p>
-                      <a:endParaRPr lang="en-US"/>
+                      <a:pPr algn="ctr"/>
+                      <a:r>
+                        <a:rPr lang="en-US" b="1" dirty="0"/>
+                        <a:t>Function Name</a:t>
+                      </a:r>
                     </a:p>
                   </a:txBody>
                   <a:tcPr/>
@@ -5967,7 +6161,11 @@
                     <a:bodyPr/>
                     <a:lstStyle/>
                     <a:p>
-                      <a:endParaRPr lang="en-US"/>
+                      <a:pPr algn="ctr"/>
+                      <a:r>
+                        <a:rPr lang="en-US" b="1" dirty="0"/>
+                        <a:t>Why?</a:t>
+                      </a:r>
                     </a:p>
                   </a:txBody>
                   <a:tcPr/>
@@ -5977,7 +6175,11 @@
                     <a:bodyPr/>
                     <a:lstStyle/>
                     <a:p>
-                      <a:endParaRPr lang="en-US" dirty="0"/>
+                      <a:pPr algn="ctr"/>
+                      <a:r>
+                        <a:rPr lang="en-US" b="1" dirty="0"/>
+                        <a:t>How?</a:t>
+                      </a:r>
                     </a:p>
                   </a:txBody>
                   <a:tcPr/>
@@ -5987,14 +6189,334 @@
                     <a:bodyPr/>
                     <a:lstStyle/>
                     <a:p>
-                      <a:endParaRPr lang="en-US" dirty="0"/>
+                      <a:pPr algn="ctr"/>
+                      <a:r>
+                        <a:rPr lang="en-US" b="1" dirty="0"/>
+                        <a:t>Returning</a:t>
+                      </a:r>
                     </a:p>
                   </a:txBody>
                   <a:tcPr/>
                 </a:tc>
                 <a:extLst>
                   <a:ext uri="{0D108BD9-81ED-4DB2-BD59-A6C34878D82A}">
-                    <a16:rowId xmlns:a16="http://schemas.microsoft.com/office/drawing/2014/main" val="4233394324"/>
+                    <a16:rowId xmlns:a16="http://schemas.microsoft.com/office/drawing/2014/main" val="4165366467"/>
+                  </a:ext>
+                </a:extLst>
+              </a:tr>
+              <a:tr h="370840">
+                <a:tc>
+                  <a:txBody>
+                    <a:bodyPr/>
+                    <a:lstStyle/>
+                    <a:p>
+                      <a:r>
+                        <a:rPr lang="en-US" dirty="0"/>
+                        <a:t>Merchant</a:t>
+                      </a:r>
+                    </a:p>
+                  </a:txBody>
+                  <a:tcPr anchor="ctr"/>
+                </a:tc>
+                <a:tc>
+                  <a:txBody>
+                    <a:bodyPr/>
+                    <a:lstStyle/>
+                    <a:p>
+                      <a:r>
+                        <a:rPr lang="en-US" dirty="0"/>
+                        <a:t>Delete by id</a:t>
+                      </a:r>
+                    </a:p>
+                  </a:txBody>
+                  <a:tcPr anchor="ctr"/>
+                </a:tc>
+                <a:tc>
+                  <a:txBody>
+                    <a:bodyPr/>
+                    <a:lstStyle/>
+                    <a:p>
+                      <a:r>
+                        <a:rPr lang="en-US" dirty="0"/>
+                        <a:t>Users will need to have the ability to delete existing merchants</a:t>
+                      </a:r>
+                    </a:p>
+                  </a:txBody>
+                  <a:tcPr anchor="ctr"/>
+                </a:tc>
+                <a:tc>
+                  <a:txBody>
+                    <a:bodyPr/>
+                    <a:lstStyle/>
+                    <a:p>
+                      <a:r>
+                        <a:rPr lang="en-US" dirty="0"/>
+                        <a:t>By selecting the entry with a specific id in the merchants table and deleting it</a:t>
+                      </a:r>
+                    </a:p>
+                  </a:txBody>
+                  <a:tcPr anchor="ctr"/>
+                </a:tc>
+                <a:tc>
+                  <a:txBody>
+                    <a:bodyPr/>
+                    <a:lstStyle/>
+                    <a:p>
+                      <a:r>
+                        <a:rPr lang="en-US" dirty="0"/>
+                        <a:t>The merchant just deleted, not need to display this</a:t>
+                      </a:r>
+                    </a:p>
+                  </a:txBody>
+                  <a:tcPr anchor="ctr"/>
+                </a:tc>
+                <a:extLst>
+                  <a:ext uri="{0D108BD9-81ED-4DB2-BD59-A6C34878D82A}">
+                    <a16:rowId xmlns:a16="http://schemas.microsoft.com/office/drawing/2014/main" val="1323884526"/>
+                  </a:ext>
+                </a:extLst>
+              </a:tr>
+              <a:tr h="370840">
+                <a:tc>
+                  <a:txBody>
+                    <a:bodyPr/>
+                    <a:lstStyle/>
+                    <a:p>
+                      <a:r>
+                        <a:rPr lang="en-US" dirty="0"/>
+                        <a:t>Merchant</a:t>
+                      </a:r>
+                    </a:p>
+                  </a:txBody>
+                  <a:tcPr anchor="ctr"/>
+                </a:tc>
+                <a:tc>
+                  <a:txBody>
+                    <a:bodyPr/>
+                    <a:lstStyle/>
+                    <a:p>
+                      <a:r>
+                        <a:rPr lang="en-US" dirty="0"/>
+                        <a:t>Delete all</a:t>
+                      </a:r>
+                    </a:p>
+                  </a:txBody>
+                  <a:tcPr anchor="ctr"/>
+                </a:tc>
+                <a:tc>
+                  <a:txBody>
+                    <a:bodyPr/>
+                    <a:lstStyle/>
+                    <a:p>
+                      <a:r>
+                        <a:rPr lang="en-US" dirty="0"/>
+                        <a:t>It might be useful for users to be able to delete all their existing merchants</a:t>
+                      </a:r>
+                    </a:p>
+                  </a:txBody>
+                  <a:tcPr anchor="ctr"/>
+                </a:tc>
+                <a:tc>
+                  <a:txBody>
+                    <a:bodyPr/>
+                    <a:lstStyle/>
+                    <a:p>
+                      <a:r>
+                        <a:rPr lang="en-US" dirty="0"/>
+                        <a:t>By selecting everything in the merchants table and deleting it</a:t>
+                      </a:r>
+                    </a:p>
+                  </a:txBody>
+                  <a:tcPr anchor="ctr"/>
+                </a:tc>
+                <a:tc>
+                  <a:txBody>
+                    <a:bodyPr/>
+                    <a:lstStyle/>
+                    <a:p>
+                      <a:r>
+                        <a:rPr lang="en-US"/>
+                        <a:t>No ?</a:t>
+                      </a:r>
+                      <a:endParaRPr lang="en-US" dirty="0"/>
+                    </a:p>
+                  </a:txBody>
+                  <a:tcPr anchor="ctr"/>
+                </a:tc>
+                <a:extLst>
+                  <a:ext uri="{0D108BD9-81ED-4DB2-BD59-A6C34878D82A}">
+                    <a16:rowId xmlns:a16="http://schemas.microsoft.com/office/drawing/2014/main" val="2731388846"/>
+                  </a:ext>
+                </a:extLst>
+              </a:tr>
+              <a:tr h="370840">
+                <a:tc>
+                  <a:txBody>
+                    <a:bodyPr/>
+                    <a:lstStyle/>
+                    <a:p>
+                      <a:endParaRPr lang="en-US" dirty="0"/>
+                    </a:p>
+                  </a:txBody>
+                  <a:tcPr/>
+                </a:tc>
+                <a:tc>
+                  <a:txBody>
+                    <a:bodyPr/>
+                    <a:lstStyle/>
+                    <a:p>
+                      <a:endParaRPr lang="en-US" dirty="0"/>
+                    </a:p>
+                  </a:txBody>
+                  <a:tcPr/>
+                </a:tc>
+                <a:tc>
+                  <a:txBody>
+                    <a:bodyPr/>
+                    <a:lstStyle/>
+                    <a:p>
+                      <a:endParaRPr lang="en-US" dirty="0"/>
+                    </a:p>
+                  </a:txBody>
+                  <a:tcPr/>
+                </a:tc>
+                <a:tc>
+                  <a:txBody>
+                    <a:bodyPr/>
+                    <a:lstStyle/>
+                    <a:p>
+                      <a:endParaRPr lang="en-US" dirty="0"/>
+                    </a:p>
+                  </a:txBody>
+                  <a:tcPr/>
+                </a:tc>
+                <a:tc>
+                  <a:txBody>
+                    <a:bodyPr/>
+                    <a:lstStyle/>
+                    <a:p>
+                      <a:endParaRPr lang="en-US" dirty="0"/>
+                    </a:p>
+                  </a:txBody>
+                  <a:tcPr/>
+                </a:tc>
+                <a:extLst>
+                  <a:ext uri="{0D108BD9-81ED-4DB2-BD59-A6C34878D82A}">
+                    <a16:rowId xmlns:a16="http://schemas.microsoft.com/office/drawing/2014/main" val="3831984839"/>
+                  </a:ext>
+                </a:extLst>
+              </a:tr>
+              <a:tr h="370840">
+                <a:tc>
+                  <a:txBody>
+                    <a:bodyPr/>
+                    <a:lstStyle/>
+                    <a:p>
+                      <a:endParaRPr lang="en-US" dirty="0"/>
+                    </a:p>
+                  </a:txBody>
+                  <a:tcPr/>
+                </a:tc>
+                <a:tc>
+                  <a:txBody>
+                    <a:bodyPr/>
+                    <a:lstStyle/>
+                    <a:p>
+                      <a:endParaRPr lang="en-US" dirty="0"/>
+                    </a:p>
+                  </a:txBody>
+                  <a:tcPr/>
+                </a:tc>
+                <a:tc>
+                  <a:txBody>
+                    <a:bodyPr/>
+                    <a:lstStyle/>
+                    <a:p>
+                      <a:endParaRPr lang="en-US" dirty="0"/>
+                    </a:p>
+                  </a:txBody>
+                  <a:tcPr/>
+                </a:tc>
+                <a:tc>
+                  <a:txBody>
+                    <a:bodyPr/>
+                    <a:lstStyle/>
+                    <a:p>
+                      <a:endParaRPr lang="en-US" dirty="0"/>
+                    </a:p>
+                  </a:txBody>
+                  <a:tcPr/>
+                </a:tc>
+                <a:tc>
+                  <a:txBody>
+                    <a:bodyPr/>
+                    <a:lstStyle/>
+                    <a:p>
+                      <a:endParaRPr lang="en-US" dirty="0"/>
+                    </a:p>
+                  </a:txBody>
+                  <a:tcPr/>
+                </a:tc>
+                <a:extLst>
+                  <a:ext uri="{0D108BD9-81ED-4DB2-BD59-A6C34878D82A}">
+                    <a16:rowId xmlns:a16="http://schemas.microsoft.com/office/drawing/2014/main" val="1081334054"/>
+                  </a:ext>
+                </a:extLst>
+              </a:tr>
+              <a:tr h="370840">
+                <a:tc>
+                  <a:txBody>
+                    <a:bodyPr/>
+                    <a:lstStyle/>
+                    <a:p>
+                      <a:endParaRPr lang="en-US" dirty="0"/>
+                    </a:p>
+                  </a:txBody>
+                  <a:tcPr/>
+                </a:tc>
+                <a:tc>
+                  <a:txBody>
+                    <a:bodyPr/>
+                    <a:lstStyle/>
+                    <a:p>
+                      <a:endParaRPr lang="en-US" dirty="0"/>
+                    </a:p>
+                  </a:txBody>
+                  <a:tcPr/>
+                </a:tc>
+                <a:tc>
+                  <a:txBody>
+                    <a:bodyPr/>
+                    <a:lstStyle/>
+                    <a:p>
+                      <a:endParaRPr lang="en-US" dirty="0"/>
+                    </a:p>
+                  </a:txBody>
+                  <a:tcPr/>
+                </a:tc>
+                <a:tc>
+                  <a:txBody>
+                    <a:bodyPr/>
+                    <a:lstStyle/>
+                    <a:p>
+                      <a:endParaRPr lang="en-US" dirty="0"/>
+                    </a:p>
+                  </a:txBody>
+                  <a:tcPr/>
+                </a:tc>
+                <a:tc>
+                  <a:txBody>
+                    <a:bodyPr/>
+                    <a:lstStyle/>
+                    <a:p>
+                      <a:endParaRPr lang="en-US" dirty="0"/>
+                    </a:p>
+                  </a:txBody>
+                  <a:tcPr/>
+                </a:tc>
+                <a:extLst>
+                  <a:ext uri="{0D108BD9-81ED-4DB2-BD59-A6C34878D82A}">
+                    <a16:rowId xmlns:a16="http://schemas.microsoft.com/office/drawing/2014/main" val="2432464653"/>
                   </a:ext>
                 </a:extLst>
               </a:tr>

--- a/Plans_Project_Management/Budget_App_Plan_08Nov2018.pptx
+++ b/Plans_Project_Management/Budget_App_Plan_08Nov2018.pptx
@@ -14,10 +14,12 @@
     <p:sldId id="265" r:id="rId8"/>
     <p:sldId id="262" r:id="rId9"/>
     <p:sldId id="263" r:id="rId10"/>
-    <p:sldId id="264" r:id="rId11"/>
-    <p:sldId id="257" r:id="rId12"/>
-    <p:sldId id="268" r:id="rId13"/>
-    <p:sldId id="266" r:id="rId14"/>
+    <p:sldId id="270" r:id="rId11"/>
+    <p:sldId id="264" r:id="rId12"/>
+    <p:sldId id="257" r:id="rId13"/>
+    <p:sldId id="268" r:id="rId14"/>
+    <p:sldId id="266" r:id="rId15"/>
+    <p:sldId id="269" r:id="rId16"/>
   </p:sldIdLst>
   <p:sldSz cx="12192000" cy="6858000"/>
   <p:notesSz cx="6858000" cy="9144000"/>
@@ -3438,6 +3440,519 @@
           <p:cNvPr id="2" name="Title 1">
             <a:extLst>
               <a:ext uri="{FF2B5EF4-FFF2-40B4-BE49-F238E27FC236}">
+                <a16:creationId xmlns:a16="http://schemas.microsoft.com/office/drawing/2014/main" id="{E4F275E3-3B14-814F-B029-FABBCFDA9885}"/>
+              </a:ext>
+            </a:extLst>
+          </p:cNvPr>
+          <p:cNvSpPr>
+            <a:spLocks noGrp="1"/>
+          </p:cNvSpPr>
+          <p:nvPr>
+            <p:ph type="title"/>
+          </p:nvPr>
+        </p:nvSpPr>
+        <p:spPr/>
+        <p:txBody>
+          <a:bodyPr/>
+          <a:lstStyle/>
+          <a:p>
+            <a:r>
+              <a:rPr lang="en-US" dirty="0"/>
+              <a:t>Table Dependencies</a:t>
+            </a:r>
+          </a:p>
+        </p:txBody>
+      </p:sp>
+      <p:sp>
+        <p:nvSpPr>
+          <p:cNvPr id="4" name="Rounded Rectangle 3">
+            <a:extLst>
+              <a:ext uri="{FF2B5EF4-FFF2-40B4-BE49-F238E27FC236}">
+                <a16:creationId xmlns:a16="http://schemas.microsoft.com/office/drawing/2014/main" id="{45208BDA-1E02-2A45-A677-D1AB90CDDCAA}"/>
+              </a:ext>
+            </a:extLst>
+          </p:cNvPr>
+          <p:cNvSpPr/>
+          <p:nvPr/>
+        </p:nvSpPr>
+        <p:spPr>
+          <a:xfrm>
+            <a:off x="254000" y="1690688"/>
+            <a:ext cx="3115734" cy="660400"/>
+          </a:xfrm>
+          <a:prstGeom prst="roundRect">
+            <a:avLst/>
+          </a:prstGeom>
+          <a:solidFill>
+            <a:srgbClr val="FFFD78"/>
+          </a:solidFill>
+        </p:spPr>
+        <p:style>
+          <a:lnRef idx="2">
+            <a:schemeClr val="accent1">
+              <a:shade val="50000"/>
+            </a:schemeClr>
+          </a:lnRef>
+          <a:fillRef idx="1">
+            <a:schemeClr val="accent1"/>
+          </a:fillRef>
+          <a:effectRef idx="0">
+            <a:schemeClr val="accent1"/>
+          </a:effectRef>
+          <a:fontRef idx="minor">
+            <a:schemeClr val="lt1"/>
+          </a:fontRef>
+        </p:style>
+        <p:txBody>
+          <a:bodyPr rtlCol="0" anchor="ctr"/>
+          <a:lstStyle/>
+          <a:p>
+            <a:pPr algn="ctr"/>
+            <a:r>
+              <a:rPr lang="en-US" sz="2800" dirty="0">
+                <a:solidFill>
+                  <a:schemeClr val="tx1"/>
+                </a:solidFill>
+              </a:rPr>
+              <a:t>Merchants</a:t>
+            </a:r>
+          </a:p>
+        </p:txBody>
+      </p:sp>
+      <p:sp>
+        <p:nvSpPr>
+          <p:cNvPr id="5" name="Rounded Rectangle 4">
+            <a:extLst>
+              <a:ext uri="{FF2B5EF4-FFF2-40B4-BE49-F238E27FC236}">
+                <a16:creationId xmlns:a16="http://schemas.microsoft.com/office/drawing/2014/main" id="{0D67E4FD-5AFE-3246-8547-58C4E0461E38}"/>
+              </a:ext>
+            </a:extLst>
+          </p:cNvPr>
+          <p:cNvSpPr/>
+          <p:nvPr/>
+        </p:nvSpPr>
+        <p:spPr>
+          <a:xfrm>
+            <a:off x="4318000" y="1690688"/>
+            <a:ext cx="3115734" cy="660400"/>
+          </a:xfrm>
+          <a:prstGeom prst="roundRect">
+            <a:avLst/>
+          </a:prstGeom>
+          <a:solidFill>
+            <a:srgbClr val="FFC000"/>
+          </a:solidFill>
+        </p:spPr>
+        <p:style>
+          <a:lnRef idx="2">
+            <a:schemeClr val="accent1">
+              <a:shade val="50000"/>
+            </a:schemeClr>
+          </a:lnRef>
+          <a:fillRef idx="1">
+            <a:schemeClr val="accent1"/>
+          </a:fillRef>
+          <a:effectRef idx="0">
+            <a:schemeClr val="accent1"/>
+          </a:effectRef>
+          <a:fontRef idx="minor">
+            <a:schemeClr val="lt1"/>
+          </a:fontRef>
+        </p:style>
+        <p:txBody>
+          <a:bodyPr rtlCol="0" anchor="ctr"/>
+          <a:lstStyle/>
+          <a:p>
+            <a:pPr algn="ctr"/>
+            <a:r>
+              <a:rPr lang="en-US" sz="2800" dirty="0"/>
+              <a:t>Tags</a:t>
+            </a:r>
+          </a:p>
+        </p:txBody>
+      </p:sp>
+      <p:sp>
+        <p:nvSpPr>
+          <p:cNvPr id="7" name="Rounded Rectangle 6">
+            <a:extLst>
+              <a:ext uri="{FF2B5EF4-FFF2-40B4-BE49-F238E27FC236}">
+                <a16:creationId xmlns:a16="http://schemas.microsoft.com/office/drawing/2014/main" id="{608E0B89-06BB-534C-BCC3-421CCABEBEAB}"/>
+              </a:ext>
+            </a:extLst>
+          </p:cNvPr>
+          <p:cNvSpPr/>
+          <p:nvPr/>
+        </p:nvSpPr>
+        <p:spPr>
+          <a:xfrm>
+            <a:off x="4250267" y="4938712"/>
+            <a:ext cx="3251200" cy="660400"/>
+          </a:xfrm>
+          <a:prstGeom prst="roundRect">
+            <a:avLst/>
+          </a:prstGeom>
+          <a:solidFill>
+            <a:srgbClr val="206593"/>
+          </a:solidFill>
+        </p:spPr>
+        <p:style>
+          <a:lnRef idx="2">
+            <a:schemeClr val="accent1">
+              <a:shade val="50000"/>
+            </a:schemeClr>
+          </a:lnRef>
+          <a:fillRef idx="1">
+            <a:schemeClr val="accent1"/>
+          </a:fillRef>
+          <a:effectRef idx="0">
+            <a:schemeClr val="accent1"/>
+          </a:effectRef>
+          <a:fontRef idx="minor">
+            <a:schemeClr val="lt1"/>
+          </a:fontRef>
+        </p:style>
+        <p:txBody>
+          <a:bodyPr rtlCol="0" anchor="ctr"/>
+          <a:lstStyle/>
+          <a:p>
+            <a:pPr algn="ctr"/>
+            <a:r>
+              <a:rPr lang="en-US" sz="2800" dirty="0"/>
+              <a:t>Budget_transactions</a:t>
+            </a:r>
+          </a:p>
+        </p:txBody>
+      </p:sp>
+      <p:grpSp>
+        <p:nvGrpSpPr>
+          <p:cNvPr id="11" name="Group 10">
+            <a:extLst>
+              <a:ext uri="{FF2B5EF4-FFF2-40B4-BE49-F238E27FC236}">
+                <a16:creationId xmlns:a16="http://schemas.microsoft.com/office/drawing/2014/main" id="{13A7AD95-51EB-0648-97F9-F5D893550B35}"/>
+              </a:ext>
+            </a:extLst>
+          </p:cNvPr>
+          <p:cNvGrpSpPr/>
+          <p:nvPr/>
+        </p:nvGrpSpPr>
+        <p:grpSpPr>
+          <a:xfrm>
+            <a:off x="2286000" y="3314700"/>
+            <a:ext cx="7230530" cy="660400"/>
+            <a:chOff x="2286000" y="2991910"/>
+            <a:chExt cx="7230530" cy="660400"/>
+          </a:xfrm>
+        </p:grpSpPr>
+        <p:sp>
+          <p:nvSpPr>
+            <p:cNvPr id="6" name="Rounded Rectangle 5">
+              <a:extLst>
+                <a:ext uri="{FF2B5EF4-FFF2-40B4-BE49-F238E27FC236}">
+                  <a16:creationId xmlns:a16="http://schemas.microsoft.com/office/drawing/2014/main" id="{AC6D0035-C6FE-8641-973B-061002ADA8FF}"/>
+                </a:ext>
+              </a:extLst>
+            </p:cNvPr>
+            <p:cNvSpPr/>
+            <p:nvPr/>
+          </p:nvSpPr>
+          <p:spPr>
+            <a:xfrm>
+              <a:off x="2286000" y="2991910"/>
+              <a:ext cx="3115734" cy="660400"/>
+            </a:xfrm>
+            <a:prstGeom prst="roundRect">
+              <a:avLst/>
+            </a:prstGeom>
+            <a:solidFill>
+              <a:srgbClr val="33C1C4"/>
+            </a:solidFill>
+          </p:spPr>
+          <p:style>
+            <a:lnRef idx="2">
+              <a:schemeClr val="accent1">
+                <a:shade val="50000"/>
+              </a:schemeClr>
+            </a:lnRef>
+            <a:fillRef idx="1">
+              <a:schemeClr val="accent1"/>
+            </a:fillRef>
+            <a:effectRef idx="0">
+              <a:schemeClr val="accent1"/>
+            </a:effectRef>
+            <a:fontRef idx="minor">
+              <a:schemeClr val="lt1"/>
+            </a:fontRef>
+          </p:style>
+          <p:txBody>
+            <a:bodyPr rtlCol="0" anchor="ctr"/>
+            <a:lstStyle/>
+            <a:p>
+              <a:pPr algn="ctr"/>
+              <a:r>
+                <a:rPr lang="en-US" sz="2800" dirty="0"/>
+                <a:t>Transactions</a:t>
+              </a:r>
+            </a:p>
+          </p:txBody>
+        </p:sp>
+        <p:sp>
+          <p:nvSpPr>
+            <p:cNvPr id="8" name="Rounded Rectangle 7">
+              <a:extLst>
+                <a:ext uri="{FF2B5EF4-FFF2-40B4-BE49-F238E27FC236}">
+                  <a16:creationId xmlns:a16="http://schemas.microsoft.com/office/drawing/2014/main" id="{8854CFE1-8E8B-6445-A9EA-164A6F914AE9}"/>
+                </a:ext>
+              </a:extLst>
+            </p:cNvPr>
+            <p:cNvSpPr/>
+            <p:nvPr/>
+          </p:nvSpPr>
+          <p:spPr>
+            <a:xfrm>
+              <a:off x="6400796" y="2991910"/>
+              <a:ext cx="3115734" cy="660400"/>
+            </a:xfrm>
+            <a:prstGeom prst="roundRect">
+              <a:avLst/>
+            </a:prstGeom>
+            <a:solidFill>
+              <a:srgbClr val="002060"/>
+            </a:solidFill>
+          </p:spPr>
+          <p:style>
+            <a:lnRef idx="2">
+              <a:schemeClr val="accent1">
+                <a:shade val="50000"/>
+              </a:schemeClr>
+            </a:lnRef>
+            <a:fillRef idx="1">
+              <a:schemeClr val="accent1"/>
+            </a:fillRef>
+            <a:effectRef idx="0">
+              <a:schemeClr val="accent1"/>
+            </a:effectRef>
+            <a:fontRef idx="minor">
+              <a:schemeClr val="lt1"/>
+            </a:fontRef>
+          </p:style>
+          <p:txBody>
+            <a:bodyPr rtlCol="0" anchor="ctr"/>
+            <a:lstStyle/>
+            <a:p>
+              <a:pPr algn="ctr"/>
+              <a:r>
+                <a:rPr lang="en-US" sz="2800" dirty="0"/>
+                <a:t>Budgets</a:t>
+              </a:r>
+            </a:p>
+          </p:txBody>
+        </p:sp>
+      </p:grpSp>
+      <p:cxnSp>
+        <p:nvCxnSpPr>
+          <p:cNvPr id="13" name="Straight Arrow Connector 12">
+            <a:extLst>
+              <a:ext uri="{FF2B5EF4-FFF2-40B4-BE49-F238E27FC236}">
+                <a16:creationId xmlns:a16="http://schemas.microsoft.com/office/drawing/2014/main" id="{C45E91E8-854C-254C-B56F-734221FA49F3}"/>
+              </a:ext>
+            </a:extLst>
+          </p:cNvPr>
+          <p:cNvCxnSpPr>
+            <a:cxnSpLocks/>
+            <a:stCxn id="6" idx="2"/>
+            <a:endCxn id="7" idx="0"/>
+          </p:cNvCxnSpPr>
+          <p:nvPr/>
+        </p:nvCxnSpPr>
+        <p:spPr>
+          <a:xfrm>
+            <a:off x="3843867" y="3975100"/>
+            <a:ext cx="2032000" cy="963612"/>
+          </a:xfrm>
+          <a:prstGeom prst="straightConnector1">
+            <a:avLst/>
+          </a:prstGeom>
+          <a:ln w="38100">
+            <a:headEnd type="triangle"/>
+            <a:tailEnd type="none"/>
+          </a:ln>
+        </p:spPr>
+        <p:style>
+          <a:lnRef idx="1">
+            <a:schemeClr val="dk1"/>
+          </a:lnRef>
+          <a:fillRef idx="0">
+            <a:schemeClr val="dk1"/>
+          </a:fillRef>
+          <a:effectRef idx="0">
+            <a:schemeClr val="dk1"/>
+          </a:effectRef>
+          <a:fontRef idx="minor">
+            <a:schemeClr val="tx1"/>
+          </a:fontRef>
+        </p:style>
+      </p:cxnSp>
+      <p:cxnSp>
+        <p:nvCxnSpPr>
+          <p:cNvPr id="16" name="Straight Arrow Connector 15">
+            <a:extLst>
+              <a:ext uri="{FF2B5EF4-FFF2-40B4-BE49-F238E27FC236}">
+                <a16:creationId xmlns:a16="http://schemas.microsoft.com/office/drawing/2014/main" id="{9F14E514-D53C-5C40-8776-6818E7916AE0}"/>
+              </a:ext>
+            </a:extLst>
+          </p:cNvPr>
+          <p:cNvCxnSpPr>
+            <a:cxnSpLocks/>
+          </p:cNvCxnSpPr>
+          <p:nvPr/>
+        </p:nvCxnSpPr>
+        <p:spPr>
+          <a:xfrm flipH="1">
+            <a:off x="5875867" y="3975100"/>
+            <a:ext cx="2032000" cy="963612"/>
+          </a:xfrm>
+          <a:prstGeom prst="straightConnector1">
+            <a:avLst/>
+          </a:prstGeom>
+          <a:ln w="38100">
+            <a:headEnd type="triangle"/>
+            <a:tailEnd type="none"/>
+          </a:ln>
+        </p:spPr>
+        <p:style>
+          <a:lnRef idx="1">
+            <a:schemeClr val="dk1"/>
+          </a:lnRef>
+          <a:fillRef idx="0">
+            <a:schemeClr val="dk1"/>
+          </a:fillRef>
+          <a:effectRef idx="0">
+            <a:schemeClr val="dk1"/>
+          </a:effectRef>
+          <a:fontRef idx="minor">
+            <a:schemeClr val="tx1"/>
+          </a:fontRef>
+        </p:style>
+      </p:cxnSp>
+      <p:cxnSp>
+        <p:nvCxnSpPr>
+          <p:cNvPr id="17" name="Straight Arrow Connector 16">
+            <a:extLst>
+              <a:ext uri="{FF2B5EF4-FFF2-40B4-BE49-F238E27FC236}">
+                <a16:creationId xmlns:a16="http://schemas.microsoft.com/office/drawing/2014/main" id="{09FDDAD4-9017-FA46-91FC-47FB0C256153}"/>
+              </a:ext>
+            </a:extLst>
+          </p:cNvPr>
+          <p:cNvCxnSpPr>
+            <a:cxnSpLocks/>
+          </p:cNvCxnSpPr>
+          <p:nvPr/>
+        </p:nvCxnSpPr>
+        <p:spPr>
+          <a:xfrm>
+            <a:off x="1811867" y="2346855"/>
+            <a:ext cx="2032000" cy="963612"/>
+          </a:xfrm>
+          <a:prstGeom prst="straightConnector1">
+            <a:avLst/>
+          </a:prstGeom>
+          <a:ln w="38100">
+            <a:headEnd type="triangle"/>
+            <a:tailEnd type="none"/>
+          </a:ln>
+        </p:spPr>
+        <p:style>
+          <a:lnRef idx="1">
+            <a:schemeClr val="dk1"/>
+          </a:lnRef>
+          <a:fillRef idx="0">
+            <a:schemeClr val="dk1"/>
+          </a:fillRef>
+          <a:effectRef idx="0">
+            <a:schemeClr val="dk1"/>
+          </a:effectRef>
+          <a:fontRef idx="minor">
+            <a:schemeClr val="tx1"/>
+          </a:fontRef>
+        </p:style>
+      </p:cxnSp>
+      <p:cxnSp>
+        <p:nvCxnSpPr>
+          <p:cNvPr id="18" name="Straight Arrow Connector 17">
+            <a:extLst>
+              <a:ext uri="{FF2B5EF4-FFF2-40B4-BE49-F238E27FC236}">
+                <a16:creationId xmlns:a16="http://schemas.microsoft.com/office/drawing/2014/main" id="{9164C5DD-A028-F04F-BAF4-52F1C2CFD4E8}"/>
+              </a:ext>
+            </a:extLst>
+          </p:cNvPr>
+          <p:cNvCxnSpPr>
+            <a:cxnSpLocks/>
+          </p:cNvCxnSpPr>
+          <p:nvPr/>
+        </p:nvCxnSpPr>
+        <p:spPr>
+          <a:xfrm flipH="1">
+            <a:off x="3843867" y="2346855"/>
+            <a:ext cx="2032000" cy="963612"/>
+          </a:xfrm>
+          <a:prstGeom prst="straightConnector1">
+            <a:avLst/>
+          </a:prstGeom>
+          <a:ln w="38100">
+            <a:headEnd type="triangle"/>
+            <a:tailEnd type="none"/>
+          </a:ln>
+        </p:spPr>
+        <p:style>
+          <a:lnRef idx="1">
+            <a:schemeClr val="dk1"/>
+          </a:lnRef>
+          <a:fillRef idx="0">
+            <a:schemeClr val="dk1"/>
+          </a:fillRef>
+          <a:effectRef idx="0">
+            <a:schemeClr val="dk1"/>
+          </a:effectRef>
+          <a:fontRef idx="minor">
+            <a:schemeClr val="tx1"/>
+          </a:fontRef>
+        </p:style>
+      </p:cxnSp>
+    </p:spTree>
+    <p:extLst>
+      <p:ext uri="{BB962C8B-B14F-4D97-AF65-F5344CB8AC3E}">
+        <p14:creationId xmlns:p14="http://schemas.microsoft.com/office/powerpoint/2010/main" val="2686663812"/>
+      </p:ext>
+    </p:extLst>
+  </p:cSld>
+  <p:clrMapOvr>
+    <a:masterClrMapping/>
+  </p:clrMapOvr>
+</p:sld>
+</file>
+
+<file path=ppt/slides/slide11.xml><?xml version="1.0" encoding="utf-8"?>
+<p:sld xmlns:a="http://schemas.openxmlformats.org/drawingml/2006/main" xmlns:r="http://schemas.openxmlformats.org/officeDocument/2006/relationships" xmlns:p="http://schemas.openxmlformats.org/presentationml/2006/main">
+  <p:cSld>
+    <p:spTree>
+      <p:nvGrpSpPr>
+        <p:cNvPr id="1" name=""/>
+        <p:cNvGrpSpPr/>
+        <p:nvPr/>
+      </p:nvGrpSpPr>
+      <p:grpSpPr>
+        <a:xfrm>
+          <a:off x="0" y="0"/>
+          <a:ext cx="0" cy="0"/>
+          <a:chOff x="0" y="0"/>
+          <a:chExt cx="0" cy="0"/>
+        </a:xfrm>
+      </p:grpSpPr>
+      <p:sp>
+        <p:nvSpPr>
+          <p:cNvPr id="2" name="Title 1">
+            <a:extLst>
+              <a:ext uri="{FF2B5EF4-FFF2-40B4-BE49-F238E27FC236}">
                 <a16:creationId xmlns:a16="http://schemas.microsoft.com/office/drawing/2014/main" id="{A3FA626A-39B1-794F-9A3F-83D37F75B451}"/>
               </a:ext>
             </a:extLst>
@@ -4305,7 +4820,7 @@
 </p:sld>
 </file>
 
-<file path=ppt/slides/slide11.xml><?xml version="1.0" encoding="utf-8"?>
+<file path=ppt/slides/slide12.xml><?xml version="1.0" encoding="utf-8"?>
 <p:sld xmlns:a="http://schemas.openxmlformats.org/drawingml/2006/main" xmlns:r="http://schemas.openxmlformats.org/officeDocument/2006/relationships" xmlns:p="http://schemas.openxmlformats.org/presentationml/2006/main">
   <p:cSld>
     <p:spTree>
@@ -5369,7 +5884,7 @@
 </p:sld>
 </file>
 
-<file path=ppt/slides/slide12.xml><?xml version="1.0" encoding="utf-8"?>
+<file path=ppt/slides/slide13.xml><?xml version="1.0" encoding="utf-8"?>
 <p:sld xmlns:a="http://schemas.openxmlformats.org/drawingml/2006/main" xmlns:r="http://schemas.openxmlformats.org/officeDocument/2006/relationships" xmlns:p="http://schemas.openxmlformats.org/presentationml/2006/main">
   <p:cSld>
     <p:spTree>
@@ -6007,7 +6522,7 @@
 </p:sld>
 </file>
 
-<file path=ppt/slides/slide13.xml><?xml version="1.0" encoding="utf-8"?>
+<file path=ppt/slides/slide14.xml><?xml version="1.0" encoding="utf-8"?>
 <p:sld xmlns:a="http://schemas.openxmlformats.org/drawingml/2006/main" xmlns:r="http://schemas.openxmlformats.org/officeDocument/2006/relationships" xmlns:p="http://schemas.openxmlformats.org/presentationml/2006/main">
   <p:cSld>
     <p:spTree>
@@ -6075,7 +6590,7 @@
           <p:nvPr>
             <p:extLst>
               <p:ext uri="{D42A27DB-BD31-4B8C-83A1-F6EECF244321}">
-                <p14:modId xmlns:p14="http://schemas.microsoft.com/office/powerpoint/2010/main" val="1387531503"/>
+                <p14:modId xmlns:p14="http://schemas.microsoft.com/office/powerpoint/2010/main" val="4012866511"/>
               </p:ext>
             </p:extLst>
           </p:nvPr>
@@ -6225,8 +6740,13 @@
                     <a:p>
                       <a:r>
                         <a:rPr lang="en-US" dirty="0"/>
-                        <a:t>Delete by id</a:t>
-                      </a:r>
+                        <a:t>Delete by id </a:t>
+                      </a:r>
+                      <a:r>
+                        <a:rPr lang="en-US" b="1" dirty="0"/>
+                        <a:t>D</a:t>
+                      </a:r>
+                      <a:endParaRPr lang="en-US" dirty="0"/>
                     </a:p>
                   </a:txBody>
                   <a:tcPr anchor="ctr"/>
@@ -6297,8 +6817,13 @@
                     <a:p>
                       <a:r>
                         <a:rPr lang="en-US" dirty="0"/>
-                        <a:t>Delete all</a:t>
-                      </a:r>
+                        <a:t>Delete all </a:t>
+                      </a:r>
+                      <a:r>
+                        <a:rPr lang="en-US" b="1" dirty="0"/>
+                        <a:t>D</a:t>
+                      </a:r>
+                      <a:endParaRPr lang="en-US" dirty="0"/>
                     </a:p>
                   </a:txBody>
                   <a:tcPr anchor="ctr"/>
@@ -6335,10 +6860,9 @@
                     <a:lstStyle/>
                     <a:p>
                       <a:r>
-                        <a:rPr lang="en-US"/>
+                        <a:rPr lang="en-US" dirty="0"/>
                         <a:t>No ?</a:t>
                       </a:r>
-                      <a:endParaRPr lang="en-US" dirty="0"/>
                     </a:p>
                   </a:txBody>
                   <a:tcPr anchor="ctr"/>
@@ -6528,6 +7052,161 @@
     <p:extLst>
       <p:ext uri="{BB962C8B-B14F-4D97-AF65-F5344CB8AC3E}">
         <p14:creationId xmlns:p14="http://schemas.microsoft.com/office/powerpoint/2010/main" val="3728071061"/>
+      </p:ext>
+    </p:extLst>
+  </p:cSld>
+  <p:clrMapOvr>
+    <a:masterClrMapping/>
+  </p:clrMapOvr>
+</p:sld>
+</file>
+
+<file path=ppt/slides/slide15.xml><?xml version="1.0" encoding="utf-8"?>
+<p:sld xmlns:a="http://schemas.openxmlformats.org/drawingml/2006/main" xmlns:r="http://schemas.openxmlformats.org/officeDocument/2006/relationships" xmlns:p="http://schemas.openxmlformats.org/presentationml/2006/main">
+  <p:cSld>
+    <p:spTree>
+      <p:nvGrpSpPr>
+        <p:cNvPr id="1" name=""/>
+        <p:cNvGrpSpPr/>
+        <p:nvPr/>
+      </p:nvGrpSpPr>
+      <p:grpSpPr>
+        <a:xfrm>
+          <a:off x="0" y="0"/>
+          <a:ext cx="0" cy="0"/>
+          <a:chOff x="0" y="0"/>
+          <a:chExt cx="0" cy="0"/>
+        </a:xfrm>
+      </p:grpSpPr>
+      <p:sp>
+        <p:nvSpPr>
+          <p:cNvPr id="2" name="Title 1">
+            <a:extLst>
+              <a:ext uri="{FF2B5EF4-FFF2-40B4-BE49-F238E27FC236}">
+                <a16:creationId xmlns:a16="http://schemas.microsoft.com/office/drawing/2014/main" id="{D68B12F6-2D39-E846-81AC-2332B628DD2B}"/>
+              </a:ext>
+            </a:extLst>
+          </p:cNvPr>
+          <p:cNvSpPr>
+            <a:spLocks noGrp="1"/>
+          </p:cNvSpPr>
+          <p:nvPr>
+            <p:ph type="title"/>
+          </p:nvPr>
+        </p:nvSpPr>
+        <p:spPr/>
+        <p:txBody>
+          <a:bodyPr/>
+          <a:lstStyle/>
+          <a:p>
+            <a:r>
+              <a:rPr lang="en-US" dirty="0"/>
+              <a:t>Merchant Class Checklist (Back-end)</a:t>
+            </a:r>
+          </a:p>
+        </p:txBody>
+      </p:sp>
+      <p:sp>
+        <p:nvSpPr>
+          <p:cNvPr id="3" name="Content Placeholder 2">
+            <a:extLst>
+              <a:ext uri="{FF2B5EF4-FFF2-40B4-BE49-F238E27FC236}">
+                <a16:creationId xmlns:a16="http://schemas.microsoft.com/office/drawing/2014/main" id="{1FC5DA40-2C2D-594D-B150-4D8418E46839}"/>
+              </a:ext>
+            </a:extLst>
+          </p:cNvPr>
+          <p:cNvSpPr>
+            <a:spLocks noGrp="1"/>
+          </p:cNvSpPr>
+          <p:nvPr>
+            <p:ph idx="1"/>
+          </p:nvPr>
+        </p:nvSpPr>
+        <p:spPr/>
+        <p:txBody>
+          <a:bodyPr>
+            <a:normAutofit/>
+          </a:bodyPr>
+          <a:lstStyle/>
+          <a:p>
+            <a:pPr marL="0" indent="0">
+              <a:buNone/>
+            </a:pPr>
+            <a:r>
+              <a:rPr lang="en-GB" dirty="0"/>
+              <a:t>Build an app that allows a user to track their spending.</a:t>
+            </a:r>
+          </a:p>
+          <a:p>
+            <a:pPr marL="0" indent="0">
+              <a:buNone/>
+            </a:pPr>
+            <a:r>
+              <a:rPr lang="en-GB" b="1" dirty="0"/>
+              <a:t>MVP</a:t>
+            </a:r>
+          </a:p>
+          <a:p>
+            <a:pPr lvl="1"/>
+            <a:r>
+              <a:rPr lang="en-GB" dirty="0"/>
+              <a:t>The app should allow the user to </a:t>
+            </a:r>
+          </a:p>
+          <a:p>
+            <a:pPr lvl="2"/>
+            <a:r>
+              <a:rPr lang="en-GB" strike="sngStrike" dirty="0"/>
+              <a:t>create</a:t>
+            </a:r>
+            <a:r>
+              <a:rPr lang="en-GB" dirty="0"/>
+              <a:t>, </a:t>
+            </a:r>
+          </a:p>
+          <a:p>
+            <a:pPr lvl="2"/>
+            <a:r>
+              <a:rPr lang="en-GB" strike="sngStrike" dirty="0"/>
+              <a:t>edit</a:t>
+            </a:r>
+            <a:r>
+              <a:rPr lang="en-GB" dirty="0"/>
+              <a:t> </a:t>
+            </a:r>
+          </a:p>
+          <a:p>
+            <a:pPr lvl="2"/>
+            <a:r>
+              <a:rPr lang="en-GB" dirty="0"/>
+              <a:t>and </a:t>
+            </a:r>
+            <a:r>
+              <a:rPr lang="en-GB" strike="sngStrike" dirty="0"/>
+              <a:t>delete</a:t>
+            </a:r>
+            <a:r>
+              <a:rPr lang="en-GB" dirty="0"/>
+              <a:t> merchants, e.g. Tesco, Amazon, </a:t>
+            </a:r>
+            <a:r>
+              <a:rPr lang="en-GB" dirty="0" err="1"/>
+              <a:t>ScotRail</a:t>
+            </a:r>
+            <a:endParaRPr lang="en-GB" dirty="0"/>
+          </a:p>
+          <a:p>
+            <a:pPr marL="457200" lvl="1" indent="0">
+              <a:buNone/>
+            </a:pPr>
+            <a:endParaRPr lang="en-GB" dirty="0"/>
+          </a:p>
+        </p:txBody>
+      </p:sp>
+    </p:spTree>
+    <p:extLst>
+      <p:ext uri="{BB962C8B-B14F-4D97-AF65-F5344CB8AC3E}">
+        <p14:creationId xmlns:p14="http://schemas.microsoft.com/office/powerpoint/2010/main" val="1801390461"/>
       </p:ext>
     </p:extLst>
   </p:cSld>
@@ -18738,17 +19417,21 @@
         </p:nvSpPr>
         <p:spPr>
           <a:xfrm>
-            <a:off x="838199" y="-94149"/>
-            <a:ext cx="10515600" cy="1325563"/>
+            <a:off x="331694" y="-15873"/>
+            <a:ext cx="2913530" cy="991513"/>
           </a:xfrm>
         </p:spPr>
         <p:txBody>
-          <a:bodyPr/>
+          <a:bodyPr>
+            <a:normAutofit/>
+          </a:bodyPr>
           <a:lstStyle/>
           <a:p>
             <a:pPr algn="ctr"/>
             <a:r>
-              <a:rPr lang="en-US" b="1" dirty="0"/>
+              <a:rPr lang="en-US" sz="3600" b="1" dirty="0">
+                <a:latin typeface="+mn-lt"/>
+              </a:rPr>
               <a:t>Tables</a:t>
             </a:r>
           </a:p>
@@ -18769,14 +19452,14 @@
           <p:nvPr>
             <p:extLst>
               <p:ext uri="{D42A27DB-BD31-4B8C-83A1-F6EECF244321}">
-                <p14:modId xmlns:p14="http://schemas.microsoft.com/office/powerpoint/2010/main" val="848259731"/>
+                <p14:modId xmlns:p14="http://schemas.microsoft.com/office/powerpoint/2010/main" val="1531850384"/>
               </p:ext>
             </p:extLst>
           </p:nvPr>
         </p:nvGraphicFramePr>
         <p:xfrm>
-          <a:off x="525928" y="1031240"/>
-          <a:ext cx="2365188" cy="2397760"/>
+          <a:off x="64994" y="1031240"/>
+          <a:ext cx="1723465" cy="2397760"/>
         </p:xfrm>
         <a:graphic>
           <a:graphicData uri="http://schemas.openxmlformats.org/drawingml/2006/table">
@@ -18785,14 +19468,14 @@
                 <a:tableStyleId>{17292A2E-F333-43FB-9621-5CBBE7FDCDCB}</a:tableStyleId>
               </a:tblPr>
               <a:tblGrid>
-                <a:gridCol w="684306">
+                <a:gridCol w="405653">
                   <a:extLst>
                     <a:ext uri="{9D8B030D-6E8A-4147-A177-3AD203B41FA5}">
                       <a16:colId xmlns:a16="http://schemas.microsoft.com/office/drawing/2014/main" val="1019678322"/>
                     </a:ext>
                   </a:extLst>
                 </a:gridCol>
-                <a:gridCol w="1680882">
+                <a:gridCol w="1317812">
                   <a:extLst>
                     <a:ext uri="{9D8B030D-6E8A-4147-A177-3AD203B41FA5}">
                       <a16:colId xmlns:a16="http://schemas.microsoft.com/office/drawing/2014/main" val="702228982"/>
@@ -18808,7 +19491,11 @@
                     <a:p>
                       <a:pPr algn="ctr"/>
                       <a:r>
-                        <a:rPr lang="en-US" dirty="0"/>
+                        <a:rPr lang="en-US" dirty="0">
+                          <a:solidFill>
+                            <a:schemeClr val="tx1"/>
+                          </a:solidFill>
+                        </a:rPr>
                         <a:t>Merchants</a:t>
                       </a:r>
                     </a:p>
@@ -18850,6 +19537,9 @@
                       <a:headEnd type="none" w="med" len="med"/>
                       <a:tailEnd type="none" w="med" len="med"/>
                     </a:lnB>
+                    <a:solidFill>
+                      <a:srgbClr val="FFFD78"/>
+                    </a:solidFill>
                   </a:tcPr>
                 </a:tc>
                 <a:tc hMerge="1">
@@ -19324,14 +20014,14 @@
           <p:nvPr>
             <p:extLst>
               <p:ext uri="{D42A27DB-BD31-4B8C-83A1-F6EECF244321}">
-                <p14:modId xmlns:p14="http://schemas.microsoft.com/office/powerpoint/2010/main" val="2583524728"/>
+                <p14:modId xmlns:p14="http://schemas.microsoft.com/office/powerpoint/2010/main" val="4027828955"/>
               </p:ext>
             </p:extLst>
           </p:nvPr>
         </p:nvGraphicFramePr>
         <p:xfrm>
-          <a:off x="3574675" y="1031240"/>
-          <a:ext cx="2365188" cy="2123440"/>
+          <a:off x="1916949" y="1031240"/>
+          <a:ext cx="1726829" cy="2397760"/>
         </p:xfrm>
         <a:graphic>
           <a:graphicData uri="http://schemas.openxmlformats.org/drawingml/2006/table">
@@ -19340,14 +20030,14 @@
                 <a:tableStyleId>{17292A2E-F333-43FB-9621-5CBBE7FDCDCB}</a:tableStyleId>
               </a:tblPr>
               <a:tblGrid>
-                <a:gridCol w="684306">
+                <a:gridCol w="462805">
                   <a:extLst>
                     <a:ext uri="{9D8B030D-6E8A-4147-A177-3AD203B41FA5}">
                       <a16:colId xmlns:a16="http://schemas.microsoft.com/office/drawing/2014/main" val="1019678322"/>
                     </a:ext>
                   </a:extLst>
                 </a:gridCol>
-                <a:gridCol w="1680882">
+                <a:gridCol w="1264024">
                   <a:extLst>
                     <a:ext uri="{9D8B030D-6E8A-4147-A177-3AD203B41FA5}">
                       <a16:colId xmlns:a16="http://schemas.microsoft.com/office/drawing/2014/main" val="702228982"/>
@@ -19483,7 +20173,14 @@
                       <a:pPr algn="ctr"/>
                       <a:r>
                         <a:rPr lang="en-US" b="1" dirty="0"/>
-                        <a:t>Tag Name (VARCHAR)</a:t>
+                        <a:t>Tag </a:t>
+                      </a:r>
+                    </a:p>
+                    <a:p>
+                      <a:pPr algn="ctr"/>
+                      <a:r>
+                        <a:rPr lang="en-US" b="1" dirty="0"/>
+                        <a:t>Name (VARCHAR)</a:t>
                       </a:r>
                     </a:p>
                   </a:txBody>
@@ -22200,19 +22897,22 @@
               </a:ext>
             </a:extLst>
           </p:cNvPr>
-          <p:cNvCxnSpPr/>
+          <p:cNvCxnSpPr>
+            <a:cxnSpLocks/>
+          </p:cNvCxnSpPr>
           <p:nvPr/>
         </p:nvCxnSpPr>
         <p:spPr>
           <a:xfrm>
-            <a:off x="968188" y="3429000"/>
-            <a:ext cx="1627094" cy="1129553"/>
+            <a:off x="224303" y="3429000"/>
+            <a:ext cx="2370979" cy="1129553"/>
           </a:xfrm>
           <a:prstGeom prst="straightConnector1">
             <a:avLst/>
           </a:prstGeom>
-          <a:ln>
-            <a:tailEnd type="triangle"/>
+          <a:ln w="38100">
+            <a:headEnd type="triangle"/>
+            <a:tailEnd type="none"/>
           </a:ln>
         </p:spPr>
         <p:style>
@@ -22246,13 +22946,1745 @@
         </p:nvCxnSpPr>
         <p:spPr>
           <a:xfrm>
-            <a:off x="3943722" y="3163963"/>
-            <a:ext cx="224866" cy="1488719"/>
+            <a:off x="2151529" y="3429000"/>
+            <a:ext cx="2017059" cy="1223682"/>
           </a:xfrm>
           <a:prstGeom prst="straightConnector1">
             <a:avLst/>
           </a:prstGeom>
-          <a:ln>
+          <a:ln w="38100">
+            <a:headEnd type="triangle"/>
+            <a:tailEnd type="none"/>
+          </a:ln>
+        </p:spPr>
+        <p:style>
+          <a:lnRef idx="1">
+            <a:schemeClr val="dk1"/>
+          </a:lnRef>
+          <a:fillRef idx="0">
+            <a:schemeClr val="dk1"/>
+          </a:fillRef>
+          <a:effectRef idx="0">
+            <a:schemeClr val="dk1"/>
+          </a:effectRef>
+          <a:fontRef idx="minor">
+            <a:schemeClr val="tx1"/>
+          </a:fontRef>
+        </p:style>
+      </p:cxnSp>
+      <p:graphicFrame>
+        <p:nvGraphicFramePr>
+          <p:cNvPr id="11" name="Table 10">
+            <a:extLst>
+              <a:ext uri="{FF2B5EF4-FFF2-40B4-BE49-F238E27FC236}">
+                <a16:creationId xmlns:a16="http://schemas.microsoft.com/office/drawing/2014/main" id="{3FA7779D-668F-824B-9309-4C6C3C938E99}"/>
+              </a:ext>
+            </a:extLst>
+          </p:cNvPr>
+          <p:cNvGraphicFramePr>
+            <a:graphicFrameLocks noGrp="1"/>
+          </p:cNvGraphicFramePr>
+          <p:nvPr>
+            <p:extLst>
+              <p:ext uri="{D42A27DB-BD31-4B8C-83A1-F6EECF244321}">
+                <p14:modId xmlns:p14="http://schemas.microsoft.com/office/powerpoint/2010/main" val="1495656828"/>
+              </p:ext>
+            </p:extLst>
+          </p:nvPr>
+        </p:nvGraphicFramePr>
+        <p:xfrm>
+          <a:off x="3751731" y="191865"/>
+          <a:ext cx="2662516" cy="2123440"/>
+        </p:xfrm>
+        <a:graphic>
+          <a:graphicData uri="http://schemas.openxmlformats.org/drawingml/2006/table">
+            <a:tbl>
+              <a:tblPr firstRow="1" bandRow="1">
+                <a:tableStyleId>{17292A2E-F333-43FB-9621-5CBBE7FDCDCB}</a:tableStyleId>
+              </a:tblPr>
+              <a:tblGrid>
+                <a:gridCol w="450307">
+                  <a:extLst>
+                    <a:ext uri="{9D8B030D-6E8A-4147-A177-3AD203B41FA5}">
+                      <a16:colId xmlns:a16="http://schemas.microsoft.com/office/drawing/2014/main" val="1019678322"/>
+                    </a:ext>
+                  </a:extLst>
+                </a:gridCol>
+                <a:gridCol w="1311256">
+                  <a:extLst>
+                    <a:ext uri="{9D8B030D-6E8A-4147-A177-3AD203B41FA5}">
+                      <a16:colId xmlns:a16="http://schemas.microsoft.com/office/drawing/2014/main" val="702228982"/>
+                    </a:ext>
+                  </a:extLst>
+                </a:gridCol>
+                <a:gridCol w="900953">
+                  <a:extLst>
+                    <a:ext uri="{9D8B030D-6E8A-4147-A177-3AD203B41FA5}">
+                      <a16:colId xmlns:a16="http://schemas.microsoft.com/office/drawing/2014/main" val="3039201924"/>
+                    </a:ext>
+                  </a:extLst>
+                </a:gridCol>
+              </a:tblGrid>
+              <a:tr h="370840">
+                <a:tc gridSpan="3">
+                  <a:txBody>
+                    <a:bodyPr/>
+                    <a:lstStyle/>
+                    <a:p>
+                      <a:pPr algn="ctr"/>
+                      <a:r>
+                        <a:rPr lang="en-US" dirty="0"/>
+                        <a:t>Budget_transactions</a:t>
+                      </a:r>
+                    </a:p>
+                  </a:txBody>
+                  <a:tcPr anchor="ctr">
+                    <a:lnL w="12700" cap="flat" cmpd="sng" algn="ctr">
+                      <a:solidFill>
+                        <a:schemeClr val="tx1"/>
+                      </a:solidFill>
+                      <a:prstDash val="solid"/>
+                      <a:round/>
+                      <a:headEnd type="none" w="med" len="med"/>
+                      <a:tailEnd type="none" w="med" len="med"/>
+                    </a:lnL>
+                    <a:lnR w="12700" cap="flat" cmpd="sng" algn="ctr">
+                      <a:solidFill>
+                        <a:schemeClr val="tx1"/>
+                      </a:solidFill>
+                      <a:prstDash val="solid"/>
+                      <a:round/>
+                      <a:headEnd type="none" w="med" len="med"/>
+                      <a:tailEnd type="none" w="med" len="med"/>
+                    </a:lnR>
+                    <a:lnT w="12700" cap="flat" cmpd="sng" algn="ctr">
+                      <a:solidFill>
+                        <a:schemeClr val="tx1"/>
+                      </a:solidFill>
+                      <a:prstDash val="solid"/>
+                      <a:round/>
+                      <a:headEnd type="none" w="med" len="med"/>
+                      <a:tailEnd type="none" w="med" len="med"/>
+                    </a:lnT>
+                    <a:lnB w="12700" cap="flat" cmpd="sng" algn="ctr">
+                      <a:solidFill>
+                        <a:schemeClr val="tx1"/>
+                      </a:solidFill>
+                      <a:prstDash val="solid"/>
+                      <a:round/>
+                      <a:headEnd type="none" w="med" len="med"/>
+                      <a:tailEnd type="none" w="med" len="med"/>
+                    </a:lnB>
+                    <a:solidFill>
+                      <a:srgbClr val="206593"/>
+                    </a:solidFill>
+                  </a:tcPr>
+                </a:tc>
+                <a:tc hMerge="1">
+                  <a:txBody>
+                    <a:bodyPr/>
+                    <a:lstStyle/>
+                    <a:p>
+                      <a:endParaRPr lang="en-US" dirty="0"/>
+                    </a:p>
+                  </a:txBody>
+                  <a:tcPr/>
+                </a:tc>
+                <a:tc hMerge="1">
+                  <a:txBody>
+                    <a:bodyPr/>
+                    <a:lstStyle/>
+                    <a:p>
+                      <a:pPr algn="ctr"/>
+                      <a:endParaRPr lang="en-US" dirty="0"/>
+                    </a:p>
+                  </a:txBody>
+                  <a:tcPr anchor="ctr">
+                    <a:lnL w="12700" cap="flat" cmpd="sng" algn="ctr">
+                      <a:solidFill>
+                        <a:schemeClr val="tx1"/>
+                      </a:solidFill>
+                      <a:prstDash val="solid"/>
+                      <a:round/>
+                      <a:headEnd type="none" w="med" len="med"/>
+                      <a:tailEnd type="none" w="med" len="med"/>
+                    </a:lnL>
+                    <a:lnR w="12700" cap="flat" cmpd="sng" algn="ctr">
+                      <a:solidFill>
+                        <a:schemeClr val="tx1"/>
+                      </a:solidFill>
+                      <a:prstDash val="solid"/>
+                      <a:round/>
+                      <a:headEnd type="none" w="med" len="med"/>
+                      <a:tailEnd type="none" w="med" len="med"/>
+                    </a:lnR>
+                    <a:lnT w="12700" cap="flat" cmpd="sng" algn="ctr">
+                      <a:solidFill>
+                        <a:schemeClr val="tx1"/>
+                      </a:solidFill>
+                      <a:prstDash val="solid"/>
+                      <a:round/>
+                      <a:headEnd type="none" w="med" len="med"/>
+                      <a:tailEnd type="none" w="med" len="med"/>
+                    </a:lnT>
+                    <a:lnB w="12700" cap="flat" cmpd="sng" algn="ctr">
+                      <a:solidFill>
+                        <a:schemeClr val="tx1"/>
+                      </a:solidFill>
+                      <a:prstDash val="solid"/>
+                      <a:round/>
+                      <a:headEnd type="none" w="med" len="med"/>
+                      <a:tailEnd type="none" w="med" len="med"/>
+                    </a:lnB>
+                    <a:solidFill>
+                      <a:srgbClr val="002060"/>
+                    </a:solidFill>
+                  </a:tcPr>
+                </a:tc>
+                <a:extLst>
+                  <a:ext uri="{0D108BD9-81ED-4DB2-BD59-A6C34878D82A}">
+                    <a16:rowId xmlns:a16="http://schemas.microsoft.com/office/drawing/2014/main" val="3211573024"/>
+                  </a:ext>
+                </a:extLst>
+              </a:tr>
+              <a:tr h="370840">
+                <a:tc>
+                  <a:txBody>
+                    <a:bodyPr/>
+                    <a:lstStyle/>
+                    <a:p>
+                      <a:pPr algn="ctr"/>
+                      <a:r>
+                        <a:rPr lang="en-US" b="1" dirty="0"/>
+                        <a:t>Id</a:t>
+                      </a:r>
+                    </a:p>
+                  </a:txBody>
+                  <a:tcPr anchor="ctr">
+                    <a:lnL w="12700" cap="flat" cmpd="sng" algn="ctr">
+                      <a:solidFill>
+                        <a:schemeClr val="tx1"/>
+                      </a:solidFill>
+                      <a:prstDash val="solid"/>
+                      <a:round/>
+                      <a:headEnd type="none" w="med" len="med"/>
+                      <a:tailEnd type="none" w="med" len="med"/>
+                    </a:lnL>
+                    <a:lnR w="12700" cap="flat" cmpd="sng" algn="ctr">
+                      <a:solidFill>
+                        <a:schemeClr val="tx1"/>
+                      </a:solidFill>
+                      <a:prstDash val="solid"/>
+                      <a:round/>
+                      <a:headEnd type="none" w="med" len="med"/>
+                      <a:tailEnd type="none" w="med" len="med"/>
+                    </a:lnR>
+                    <a:lnT w="12700" cap="flat" cmpd="sng" algn="ctr">
+                      <a:solidFill>
+                        <a:schemeClr val="tx1"/>
+                      </a:solidFill>
+                      <a:prstDash val="solid"/>
+                      <a:round/>
+                      <a:headEnd type="none" w="med" len="med"/>
+                      <a:tailEnd type="none" w="med" len="med"/>
+                    </a:lnT>
+                    <a:lnB w="12700" cap="flat" cmpd="sng" algn="ctr">
+                      <a:solidFill>
+                        <a:schemeClr val="tx1"/>
+                      </a:solidFill>
+                      <a:prstDash val="solid"/>
+                      <a:round/>
+                      <a:headEnd type="none" w="med" len="med"/>
+                      <a:tailEnd type="none" w="med" len="med"/>
+                    </a:lnB>
+                  </a:tcPr>
+                </a:tc>
+                <a:tc>
+                  <a:txBody>
+                    <a:bodyPr/>
+                    <a:lstStyle/>
+                    <a:p>
+                      <a:pPr algn="ctr"/>
+                      <a:r>
+                        <a:rPr lang="en-US" b="1" dirty="0"/>
+                        <a:t>Transaction id</a:t>
+                      </a:r>
+                    </a:p>
+                  </a:txBody>
+                  <a:tcPr anchor="ctr">
+                    <a:lnL w="12700" cap="flat" cmpd="sng" algn="ctr">
+                      <a:solidFill>
+                        <a:schemeClr val="tx1"/>
+                      </a:solidFill>
+                      <a:prstDash val="solid"/>
+                      <a:round/>
+                      <a:headEnd type="none" w="med" len="med"/>
+                      <a:tailEnd type="none" w="med" len="med"/>
+                    </a:lnL>
+                    <a:lnR w="12700" cap="flat" cmpd="sng" algn="ctr">
+                      <a:solidFill>
+                        <a:schemeClr val="tx1"/>
+                      </a:solidFill>
+                      <a:prstDash val="solid"/>
+                      <a:round/>
+                      <a:headEnd type="none" w="med" len="med"/>
+                      <a:tailEnd type="none" w="med" len="med"/>
+                    </a:lnR>
+                    <a:lnT w="12700" cap="flat" cmpd="sng" algn="ctr">
+                      <a:solidFill>
+                        <a:schemeClr val="tx1"/>
+                      </a:solidFill>
+                      <a:prstDash val="solid"/>
+                      <a:round/>
+                      <a:headEnd type="none" w="med" len="med"/>
+                      <a:tailEnd type="none" w="med" len="med"/>
+                    </a:lnT>
+                    <a:lnB w="12700" cap="flat" cmpd="sng" algn="ctr">
+                      <a:solidFill>
+                        <a:schemeClr val="tx1"/>
+                      </a:solidFill>
+                      <a:prstDash val="solid"/>
+                      <a:round/>
+                      <a:headEnd type="none" w="med" len="med"/>
+                      <a:tailEnd type="none" w="med" len="med"/>
+                    </a:lnB>
+                  </a:tcPr>
+                </a:tc>
+                <a:tc>
+                  <a:txBody>
+                    <a:bodyPr/>
+                    <a:lstStyle/>
+                    <a:p>
+                      <a:pPr algn="ctr"/>
+                      <a:r>
+                        <a:rPr lang="en-US" b="1" dirty="0"/>
+                        <a:t>Budget id</a:t>
+                      </a:r>
+                    </a:p>
+                  </a:txBody>
+                  <a:tcPr anchor="ctr">
+                    <a:lnL w="12700" cap="flat" cmpd="sng" algn="ctr">
+                      <a:solidFill>
+                        <a:schemeClr val="tx1"/>
+                      </a:solidFill>
+                      <a:prstDash val="solid"/>
+                      <a:round/>
+                      <a:headEnd type="none" w="med" len="med"/>
+                      <a:tailEnd type="none" w="med" len="med"/>
+                    </a:lnL>
+                    <a:lnR w="12700" cap="flat" cmpd="sng" algn="ctr">
+                      <a:solidFill>
+                        <a:schemeClr val="tx1"/>
+                      </a:solidFill>
+                      <a:prstDash val="solid"/>
+                      <a:round/>
+                      <a:headEnd type="none" w="med" len="med"/>
+                      <a:tailEnd type="none" w="med" len="med"/>
+                    </a:lnR>
+                    <a:lnT w="12700" cap="flat" cmpd="sng" algn="ctr">
+                      <a:solidFill>
+                        <a:schemeClr val="tx1"/>
+                      </a:solidFill>
+                      <a:prstDash val="solid"/>
+                      <a:round/>
+                      <a:headEnd type="none" w="med" len="med"/>
+                      <a:tailEnd type="none" w="med" len="med"/>
+                    </a:lnT>
+                    <a:lnB w="12700" cap="flat" cmpd="sng" algn="ctr">
+                      <a:solidFill>
+                        <a:schemeClr val="tx1"/>
+                      </a:solidFill>
+                      <a:prstDash val="solid"/>
+                      <a:round/>
+                      <a:headEnd type="none" w="med" len="med"/>
+                      <a:tailEnd type="none" w="med" len="med"/>
+                    </a:lnB>
+                  </a:tcPr>
+                </a:tc>
+                <a:extLst>
+                  <a:ext uri="{0D108BD9-81ED-4DB2-BD59-A6C34878D82A}">
+                    <a16:rowId xmlns:a16="http://schemas.microsoft.com/office/drawing/2014/main" val="2556437728"/>
+                  </a:ext>
+                </a:extLst>
+              </a:tr>
+              <a:tr h="370840">
+                <a:tc>
+                  <a:txBody>
+                    <a:bodyPr/>
+                    <a:lstStyle/>
+                    <a:p>
+                      <a:pPr algn="ctr"/>
+                      <a:r>
+                        <a:rPr lang="en-US" dirty="0"/>
+                        <a:t>1</a:t>
+                      </a:r>
+                    </a:p>
+                  </a:txBody>
+                  <a:tcPr anchor="ctr">
+                    <a:lnL w="12700" cap="flat" cmpd="sng" algn="ctr">
+                      <a:solidFill>
+                        <a:schemeClr val="tx1"/>
+                      </a:solidFill>
+                      <a:prstDash val="solid"/>
+                      <a:round/>
+                      <a:headEnd type="none" w="med" len="med"/>
+                      <a:tailEnd type="none" w="med" len="med"/>
+                    </a:lnL>
+                    <a:lnR w="12700" cap="flat" cmpd="sng" algn="ctr">
+                      <a:solidFill>
+                        <a:schemeClr val="tx1"/>
+                      </a:solidFill>
+                      <a:prstDash val="solid"/>
+                      <a:round/>
+                      <a:headEnd type="none" w="med" len="med"/>
+                      <a:tailEnd type="none" w="med" len="med"/>
+                    </a:lnR>
+                    <a:lnT w="12700" cap="flat" cmpd="sng" algn="ctr">
+                      <a:solidFill>
+                        <a:schemeClr val="tx1"/>
+                      </a:solidFill>
+                      <a:prstDash val="solid"/>
+                      <a:round/>
+                      <a:headEnd type="none" w="med" len="med"/>
+                      <a:tailEnd type="none" w="med" len="med"/>
+                    </a:lnT>
+                    <a:lnB w="12700" cap="flat" cmpd="sng" algn="ctr">
+                      <a:solidFill>
+                        <a:schemeClr val="tx1"/>
+                      </a:solidFill>
+                      <a:prstDash val="solid"/>
+                      <a:round/>
+                      <a:headEnd type="none" w="med" len="med"/>
+                      <a:tailEnd type="none" w="med" len="med"/>
+                    </a:lnB>
+                  </a:tcPr>
+                </a:tc>
+                <a:tc>
+                  <a:txBody>
+                    <a:bodyPr/>
+                    <a:lstStyle/>
+                    <a:p>
+                      <a:pPr algn="ctr"/>
+                      <a:r>
+                        <a:rPr lang="en-US" dirty="0"/>
+                        <a:t>1</a:t>
+                      </a:r>
+                    </a:p>
+                  </a:txBody>
+                  <a:tcPr anchor="ctr">
+                    <a:lnL w="12700" cap="flat" cmpd="sng" algn="ctr">
+                      <a:solidFill>
+                        <a:schemeClr val="tx1"/>
+                      </a:solidFill>
+                      <a:prstDash val="solid"/>
+                      <a:round/>
+                      <a:headEnd type="none" w="med" len="med"/>
+                      <a:tailEnd type="none" w="med" len="med"/>
+                    </a:lnL>
+                    <a:lnR w="12700" cap="flat" cmpd="sng" algn="ctr">
+                      <a:solidFill>
+                        <a:schemeClr val="tx1"/>
+                      </a:solidFill>
+                      <a:prstDash val="solid"/>
+                      <a:round/>
+                      <a:headEnd type="none" w="med" len="med"/>
+                      <a:tailEnd type="none" w="med" len="med"/>
+                    </a:lnR>
+                    <a:lnT w="12700" cap="flat" cmpd="sng" algn="ctr">
+                      <a:solidFill>
+                        <a:schemeClr val="tx1"/>
+                      </a:solidFill>
+                      <a:prstDash val="solid"/>
+                      <a:round/>
+                      <a:headEnd type="none" w="med" len="med"/>
+                      <a:tailEnd type="none" w="med" len="med"/>
+                    </a:lnT>
+                    <a:lnB w="12700" cap="flat" cmpd="sng" algn="ctr">
+                      <a:solidFill>
+                        <a:schemeClr val="tx1"/>
+                      </a:solidFill>
+                      <a:prstDash val="solid"/>
+                      <a:round/>
+                      <a:headEnd type="none" w="med" len="med"/>
+                      <a:tailEnd type="none" w="med" len="med"/>
+                    </a:lnB>
+                  </a:tcPr>
+                </a:tc>
+                <a:tc>
+                  <a:txBody>
+                    <a:bodyPr/>
+                    <a:lstStyle/>
+                    <a:p>
+                      <a:pPr algn="ctr"/>
+                      <a:r>
+                        <a:rPr lang="en-US" dirty="0"/>
+                        <a:t>1</a:t>
+                      </a:r>
+                    </a:p>
+                  </a:txBody>
+                  <a:tcPr anchor="ctr">
+                    <a:lnL w="12700" cap="flat" cmpd="sng" algn="ctr">
+                      <a:solidFill>
+                        <a:schemeClr val="tx1"/>
+                      </a:solidFill>
+                      <a:prstDash val="solid"/>
+                      <a:round/>
+                      <a:headEnd type="none" w="med" len="med"/>
+                      <a:tailEnd type="none" w="med" len="med"/>
+                    </a:lnL>
+                    <a:lnR w="12700" cap="flat" cmpd="sng" algn="ctr">
+                      <a:solidFill>
+                        <a:schemeClr val="tx1"/>
+                      </a:solidFill>
+                      <a:prstDash val="solid"/>
+                      <a:round/>
+                      <a:headEnd type="none" w="med" len="med"/>
+                      <a:tailEnd type="none" w="med" len="med"/>
+                    </a:lnR>
+                    <a:lnT w="12700" cap="flat" cmpd="sng" algn="ctr">
+                      <a:solidFill>
+                        <a:schemeClr val="tx1"/>
+                      </a:solidFill>
+                      <a:prstDash val="solid"/>
+                      <a:round/>
+                      <a:headEnd type="none" w="med" len="med"/>
+                      <a:tailEnd type="none" w="med" len="med"/>
+                    </a:lnT>
+                    <a:lnB w="12700" cap="flat" cmpd="sng" algn="ctr">
+                      <a:solidFill>
+                        <a:schemeClr val="tx1"/>
+                      </a:solidFill>
+                      <a:prstDash val="solid"/>
+                      <a:round/>
+                      <a:headEnd type="none" w="med" len="med"/>
+                      <a:tailEnd type="none" w="med" len="med"/>
+                    </a:lnB>
+                  </a:tcPr>
+                </a:tc>
+                <a:extLst>
+                  <a:ext uri="{0D108BD9-81ED-4DB2-BD59-A6C34878D82A}">
+                    <a16:rowId xmlns:a16="http://schemas.microsoft.com/office/drawing/2014/main" val="466209325"/>
+                  </a:ext>
+                </a:extLst>
+              </a:tr>
+              <a:tr h="370840">
+                <a:tc>
+                  <a:txBody>
+                    <a:bodyPr/>
+                    <a:lstStyle/>
+                    <a:p>
+                      <a:pPr algn="ctr"/>
+                      <a:r>
+                        <a:rPr lang="en-US" dirty="0"/>
+                        <a:t>2</a:t>
+                      </a:r>
+                    </a:p>
+                  </a:txBody>
+                  <a:tcPr anchor="ctr">
+                    <a:lnL w="12700" cap="flat" cmpd="sng" algn="ctr">
+                      <a:solidFill>
+                        <a:schemeClr val="tx1"/>
+                      </a:solidFill>
+                      <a:prstDash val="solid"/>
+                      <a:round/>
+                      <a:headEnd type="none" w="med" len="med"/>
+                      <a:tailEnd type="none" w="med" len="med"/>
+                    </a:lnL>
+                    <a:lnR w="12700" cap="flat" cmpd="sng" algn="ctr">
+                      <a:solidFill>
+                        <a:schemeClr val="tx1"/>
+                      </a:solidFill>
+                      <a:prstDash val="solid"/>
+                      <a:round/>
+                      <a:headEnd type="none" w="med" len="med"/>
+                      <a:tailEnd type="none" w="med" len="med"/>
+                    </a:lnR>
+                    <a:lnT w="12700" cap="flat" cmpd="sng" algn="ctr">
+                      <a:solidFill>
+                        <a:schemeClr val="tx1"/>
+                      </a:solidFill>
+                      <a:prstDash val="solid"/>
+                      <a:round/>
+                      <a:headEnd type="none" w="med" len="med"/>
+                      <a:tailEnd type="none" w="med" len="med"/>
+                    </a:lnT>
+                    <a:lnB w="12700" cap="flat" cmpd="sng" algn="ctr">
+                      <a:solidFill>
+                        <a:schemeClr val="tx1"/>
+                      </a:solidFill>
+                      <a:prstDash val="solid"/>
+                      <a:round/>
+                      <a:headEnd type="none" w="med" len="med"/>
+                      <a:tailEnd type="none" w="med" len="med"/>
+                    </a:lnB>
+                  </a:tcPr>
+                </a:tc>
+                <a:tc>
+                  <a:txBody>
+                    <a:bodyPr/>
+                    <a:lstStyle/>
+                    <a:p>
+                      <a:pPr algn="ctr"/>
+                      <a:r>
+                        <a:rPr lang="en-US" dirty="0"/>
+                        <a:t>2</a:t>
+                      </a:r>
+                    </a:p>
+                  </a:txBody>
+                  <a:tcPr anchor="ctr">
+                    <a:lnL w="12700" cap="flat" cmpd="sng" algn="ctr">
+                      <a:solidFill>
+                        <a:schemeClr val="tx1"/>
+                      </a:solidFill>
+                      <a:prstDash val="solid"/>
+                      <a:round/>
+                      <a:headEnd type="none" w="med" len="med"/>
+                      <a:tailEnd type="none" w="med" len="med"/>
+                    </a:lnL>
+                    <a:lnR w="12700" cap="flat" cmpd="sng" algn="ctr">
+                      <a:solidFill>
+                        <a:schemeClr val="tx1"/>
+                      </a:solidFill>
+                      <a:prstDash val="solid"/>
+                      <a:round/>
+                      <a:headEnd type="none" w="med" len="med"/>
+                      <a:tailEnd type="none" w="med" len="med"/>
+                    </a:lnR>
+                    <a:lnT w="12700" cap="flat" cmpd="sng" algn="ctr">
+                      <a:solidFill>
+                        <a:schemeClr val="tx1"/>
+                      </a:solidFill>
+                      <a:prstDash val="solid"/>
+                      <a:round/>
+                      <a:headEnd type="none" w="med" len="med"/>
+                      <a:tailEnd type="none" w="med" len="med"/>
+                    </a:lnT>
+                    <a:lnB w="12700" cap="flat" cmpd="sng" algn="ctr">
+                      <a:solidFill>
+                        <a:schemeClr val="tx1"/>
+                      </a:solidFill>
+                      <a:prstDash val="solid"/>
+                      <a:round/>
+                      <a:headEnd type="none" w="med" len="med"/>
+                      <a:tailEnd type="none" w="med" len="med"/>
+                    </a:lnB>
+                  </a:tcPr>
+                </a:tc>
+                <a:tc>
+                  <a:txBody>
+                    <a:bodyPr/>
+                    <a:lstStyle/>
+                    <a:p>
+                      <a:pPr algn="ctr"/>
+                      <a:r>
+                        <a:rPr lang="en-US" dirty="0"/>
+                        <a:t>1</a:t>
+                      </a:r>
+                    </a:p>
+                  </a:txBody>
+                  <a:tcPr anchor="ctr">
+                    <a:lnL w="12700" cap="flat" cmpd="sng" algn="ctr">
+                      <a:solidFill>
+                        <a:schemeClr val="tx1"/>
+                      </a:solidFill>
+                      <a:prstDash val="solid"/>
+                      <a:round/>
+                      <a:headEnd type="none" w="med" len="med"/>
+                      <a:tailEnd type="none" w="med" len="med"/>
+                    </a:lnL>
+                    <a:lnR w="12700" cap="flat" cmpd="sng" algn="ctr">
+                      <a:solidFill>
+                        <a:schemeClr val="tx1"/>
+                      </a:solidFill>
+                      <a:prstDash val="solid"/>
+                      <a:round/>
+                      <a:headEnd type="none" w="med" len="med"/>
+                      <a:tailEnd type="none" w="med" len="med"/>
+                    </a:lnR>
+                    <a:lnT w="12700" cap="flat" cmpd="sng" algn="ctr">
+                      <a:solidFill>
+                        <a:schemeClr val="tx1"/>
+                      </a:solidFill>
+                      <a:prstDash val="solid"/>
+                      <a:round/>
+                      <a:headEnd type="none" w="med" len="med"/>
+                      <a:tailEnd type="none" w="med" len="med"/>
+                    </a:lnT>
+                    <a:lnB w="12700" cap="flat" cmpd="sng" algn="ctr">
+                      <a:solidFill>
+                        <a:schemeClr val="tx1"/>
+                      </a:solidFill>
+                      <a:prstDash val="solid"/>
+                      <a:round/>
+                      <a:headEnd type="none" w="med" len="med"/>
+                      <a:tailEnd type="none" w="med" len="med"/>
+                    </a:lnB>
+                  </a:tcPr>
+                </a:tc>
+                <a:extLst>
+                  <a:ext uri="{0D108BD9-81ED-4DB2-BD59-A6C34878D82A}">
+                    <a16:rowId xmlns:a16="http://schemas.microsoft.com/office/drawing/2014/main" val="3843750482"/>
+                  </a:ext>
+                </a:extLst>
+              </a:tr>
+              <a:tr h="370840">
+                <a:tc>
+                  <a:txBody>
+                    <a:bodyPr/>
+                    <a:lstStyle/>
+                    <a:p>
+                      <a:pPr algn="ctr"/>
+                      <a:r>
+                        <a:rPr lang="en-US" dirty="0"/>
+                        <a:t>3</a:t>
+                      </a:r>
+                    </a:p>
+                  </a:txBody>
+                  <a:tcPr anchor="ctr">
+                    <a:lnL w="12700" cap="flat" cmpd="sng" algn="ctr">
+                      <a:solidFill>
+                        <a:schemeClr val="tx1"/>
+                      </a:solidFill>
+                      <a:prstDash val="solid"/>
+                      <a:round/>
+                      <a:headEnd type="none" w="med" len="med"/>
+                      <a:tailEnd type="none" w="med" len="med"/>
+                    </a:lnL>
+                    <a:lnR w="12700" cap="flat" cmpd="sng" algn="ctr">
+                      <a:solidFill>
+                        <a:schemeClr val="tx1"/>
+                      </a:solidFill>
+                      <a:prstDash val="solid"/>
+                      <a:round/>
+                      <a:headEnd type="none" w="med" len="med"/>
+                      <a:tailEnd type="none" w="med" len="med"/>
+                    </a:lnR>
+                    <a:lnT w="12700" cap="flat" cmpd="sng" algn="ctr">
+                      <a:solidFill>
+                        <a:schemeClr val="tx1"/>
+                      </a:solidFill>
+                      <a:prstDash val="solid"/>
+                      <a:round/>
+                      <a:headEnd type="none" w="med" len="med"/>
+                      <a:tailEnd type="none" w="med" len="med"/>
+                    </a:lnT>
+                    <a:lnB w="12700" cap="flat" cmpd="sng" algn="ctr">
+                      <a:solidFill>
+                        <a:schemeClr val="tx1"/>
+                      </a:solidFill>
+                      <a:prstDash val="solid"/>
+                      <a:round/>
+                      <a:headEnd type="none" w="med" len="med"/>
+                      <a:tailEnd type="none" w="med" len="med"/>
+                    </a:lnB>
+                  </a:tcPr>
+                </a:tc>
+                <a:tc>
+                  <a:txBody>
+                    <a:bodyPr/>
+                    <a:lstStyle/>
+                    <a:p>
+                      <a:pPr algn="ctr"/>
+                      <a:r>
+                        <a:rPr lang="en-US" dirty="0"/>
+                        <a:t>1</a:t>
+                      </a:r>
+                    </a:p>
+                  </a:txBody>
+                  <a:tcPr anchor="ctr">
+                    <a:lnL w="12700" cap="flat" cmpd="sng" algn="ctr">
+                      <a:solidFill>
+                        <a:schemeClr val="tx1"/>
+                      </a:solidFill>
+                      <a:prstDash val="solid"/>
+                      <a:round/>
+                      <a:headEnd type="none" w="med" len="med"/>
+                      <a:tailEnd type="none" w="med" len="med"/>
+                    </a:lnL>
+                    <a:lnR w="12700" cap="flat" cmpd="sng" algn="ctr">
+                      <a:solidFill>
+                        <a:schemeClr val="tx1"/>
+                      </a:solidFill>
+                      <a:prstDash val="solid"/>
+                      <a:round/>
+                      <a:headEnd type="none" w="med" len="med"/>
+                      <a:tailEnd type="none" w="med" len="med"/>
+                    </a:lnR>
+                    <a:lnT w="12700" cap="flat" cmpd="sng" algn="ctr">
+                      <a:solidFill>
+                        <a:schemeClr val="tx1"/>
+                      </a:solidFill>
+                      <a:prstDash val="solid"/>
+                      <a:round/>
+                      <a:headEnd type="none" w="med" len="med"/>
+                      <a:tailEnd type="none" w="med" len="med"/>
+                    </a:lnT>
+                    <a:lnB w="12700" cap="flat" cmpd="sng" algn="ctr">
+                      <a:solidFill>
+                        <a:schemeClr val="tx1"/>
+                      </a:solidFill>
+                      <a:prstDash val="solid"/>
+                      <a:round/>
+                      <a:headEnd type="none" w="med" len="med"/>
+                      <a:tailEnd type="none" w="med" len="med"/>
+                    </a:lnB>
+                  </a:tcPr>
+                </a:tc>
+                <a:tc>
+                  <a:txBody>
+                    <a:bodyPr/>
+                    <a:lstStyle/>
+                    <a:p>
+                      <a:pPr algn="ctr"/>
+                      <a:r>
+                        <a:rPr lang="en-US" dirty="0"/>
+                        <a:t>3</a:t>
+                      </a:r>
+                    </a:p>
+                  </a:txBody>
+                  <a:tcPr anchor="ctr">
+                    <a:lnL w="12700" cap="flat" cmpd="sng" algn="ctr">
+                      <a:solidFill>
+                        <a:schemeClr val="tx1"/>
+                      </a:solidFill>
+                      <a:prstDash val="solid"/>
+                      <a:round/>
+                      <a:headEnd type="none" w="med" len="med"/>
+                      <a:tailEnd type="none" w="med" len="med"/>
+                    </a:lnL>
+                    <a:lnR w="12700" cap="flat" cmpd="sng" algn="ctr">
+                      <a:solidFill>
+                        <a:schemeClr val="tx1"/>
+                      </a:solidFill>
+                      <a:prstDash val="solid"/>
+                      <a:round/>
+                      <a:headEnd type="none" w="med" len="med"/>
+                      <a:tailEnd type="none" w="med" len="med"/>
+                    </a:lnR>
+                    <a:lnT w="12700" cap="flat" cmpd="sng" algn="ctr">
+                      <a:solidFill>
+                        <a:schemeClr val="tx1"/>
+                      </a:solidFill>
+                      <a:prstDash val="solid"/>
+                      <a:round/>
+                      <a:headEnd type="none" w="med" len="med"/>
+                      <a:tailEnd type="none" w="med" len="med"/>
+                    </a:lnT>
+                    <a:lnB w="12700" cap="flat" cmpd="sng" algn="ctr">
+                      <a:solidFill>
+                        <a:schemeClr val="tx1"/>
+                      </a:solidFill>
+                      <a:prstDash val="solid"/>
+                      <a:round/>
+                      <a:headEnd type="none" w="med" len="med"/>
+                      <a:tailEnd type="none" w="med" len="med"/>
+                    </a:lnB>
+                  </a:tcPr>
+                </a:tc>
+                <a:extLst>
+                  <a:ext uri="{0D108BD9-81ED-4DB2-BD59-A6C34878D82A}">
+                    <a16:rowId xmlns:a16="http://schemas.microsoft.com/office/drawing/2014/main" val="1822218103"/>
+                  </a:ext>
+                </a:extLst>
+              </a:tr>
+            </a:tbl>
+          </a:graphicData>
+        </a:graphic>
+      </p:graphicFrame>
+      <p:graphicFrame>
+        <p:nvGraphicFramePr>
+          <p:cNvPr id="12" name="Table 11">
+            <a:extLst>
+              <a:ext uri="{FF2B5EF4-FFF2-40B4-BE49-F238E27FC236}">
+                <a16:creationId xmlns:a16="http://schemas.microsoft.com/office/drawing/2014/main" id="{E67665B7-8AED-4B47-A230-9DE0B9B111D5}"/>
+              </a:ext>
+            </a:extLst>
+          </p:cNvPr>
+          <p:cNvGraphicFramePr>
+            <a:graphicFrameLocks noGrp="1"/>
+          </p:cNvGraphicFramePr>
+          <p:nvPr>
+            <p:extLst>
+              <p:ext uri="{D42A27DB-BD31-4B8C-83A1-F6EECF244321}">
+                <p14:modId xmlns:p14="http://schemas.microsoft.com/office/powerpoint/2010/main" val="4148091791"/>
+              </p:ext>
+            </p:extLst>
+          </p:nvPr>
+        </p:nvGraphicFramePr>
+        <p:xfrm>
+          <a:off x="6520707" y="1025262"/>
+          <a:ext cx="5568201" cy="2199640"/>
+        </p:xfrm>
+        <a:graphic>
+          <a:graphicData uri="http://schemas.openxmlformats.org/drawingml/2006/table">
+            <a:tbl>
+              <a:tblPr firstRow="1" bandRow="1">
+                <a:tableStyleId>{17292A2E-F333-43FB-9621-5CBBE7FDCDCB}</a:tableStyleId>
+              </a:tblPr>
+              <a:tblGrid>
+                <a:gridCol w="514366">
+                  <a:extLst>
+                    <a:ext uri="{9D8B030D-6E8A-4147-A177-3AD203B41FA5}">
+                      <a16:colId xmlns:a16="http://schemas.microsoft.com/office/drawing/2014/main" val="1019678322"/>
+                    </a:ext>
+                  </a:extLst>
+                </a:gridCol>
+                <a:gridCol w="1340165">
+                  <a:extLst>
+                    <a:ext uri="{9D8B030D-6E8A-4147-A177-3AD203B41FA5}">
+                      <a16:colId xmlns:a16="http://schemas.microsoft.com/office/drawing/2014/main" val="702228982"/>
+                    </a:ext>
+                  </a:extLst>
+                </a:gridCol>
+                <a:gridCol w="986777">
+                  <a:extLst>
+                    <a:ext uri="{9D8B030D-6E8A-4147-A177-3AD203B41FA5}">
+                      <a16:colId xmlns:a16="http://schemas.microsoft.com/office/drawing/2014/main" val="3039201924"/>
+                    </a:ext>
+                  </a:extLst>
+                </a:gridCol>
+                <a:gridCol w="1403050">
+                  <a:extLst>
+                    <a:ext uri="{9D8B030D-6E8A-4147-A177-3AD203B41FA5}">
+                      <a16:colId xmlns:a16="http://schemas.microsoft.com/office/drawing/2014/main" val="3459712493"/>
+                    </a:ext>
+                  </a:extLst>
+                </a:gridCol>
+                <a:gridCol w="1323843">
+                  <a:extLst>
+                    <a:ext uri="{9D8B030D-6E8A-4147-A177-3AD203B41FA5}">
+                      <a16:colId xmlns:a16="http://schemas.microsoft.com/office/drawing/2014/main" val="1171233005"/>
+                    </a:ext>
+                  </a:extLst>
+                </a:gridCol>
+              </a:tblGrid>
+              <a:tr h="370840">
+                <a:tc gridSpan="5">
+                  <a:txBody>
+                    <a:bodyPr/>
+                    <a:lstStyle/>
+                    <a:p>
+                      <a:pPr algn="ctr"/>
+                      <a:r>
+                        <a:rPr lang="en-US" dirty="0"/>
+                        <a:t>Budgets</a:t>
+                      </a:r>
+                    </a:p>
+                  </a:txBody>
+                  <a:tcPr anchor="ctr">
+                    <a:lnL w="12700" cap="flat" cmpd="sng" algn="ctr">
+                      <a:solidFill>
+                        <a:schemeClr val="tx1"/>
+                      </a:solidFill>
+                      <a:prstDash val="solid"/>
+                      <a:round/>
+                      <a:headEnd type="none" w="med" len="med"/>
+                      <a:tailEnd type="none" w="med" len="med"/>
+                    </a:lnL>
+                    <a:lnR w="12700" cap="flat" cmpd="sng" algn="ctr">
+                      <a:solidFill>
+                        <a:schemeClr val="tx1"/>
+                      </a:solidFill>
+                      <a:prstDash val="solid"/>
+                      <a:round/>
+                      <a:headEnd type="none" w="med" len="med"/>
+                      <a:tailEnd type="none" w="med" len="med"/>
+                    </a:lnR>
+                    <a:lnT w="12700" cap="flat" cmpd="sng" algn="ctr">
+                      <a:solidFill>
+                        <a:schemeClr val="tx1"/>
+                      </a:solidFill>
+                      <a:prstDash val="solid"/>
+                      <a:round/>
+                      <a:headEnd type="none" w="med" len="med"/>
+                      <a:tailEnd type="none" w="med" len="med"/>
+                    </a:lnT>
+                    <a:lnB w="12700" cap="flat" cmpd="sng" algn="ctr">
+                      <a:solidFill>
+                        <a:schemeClr val="tx1"/>
+                      </a:solidFill>
+                      <a:prstDash val="solid"/>
+                      <a:round/>
+                      <a:headEnd type="none" w="med" len="med"/>
+                      <a:tailEnd type="none" w="med" len="med"/>
+                    </a:lnB>
+                    <a:solidFill>
+                      <a:srgbClr val="002060"/>
+                    </a:solidFill>
+                  </a:tcPr>
+                </a:tc>
+                <a:tc hMerge="1">
+                  <a:txBody>
+                    <a:bodyPr/>
+                    <a:lstStyle/>
+                    <a:p>
+                      <a:endParaRPr lang="en-US" dirty="0"/>
+                    </a:p>
+                  </a:txBody>
+                  <a:tcPr/>
+                </a:tc>
+                <a:tc hMerge="1">
+                  <a:txBody>
+                    <a:bodyPr/>
+                    <a:lstStyle/>
+                    <a:p>
+                      <a:pPr algn="ctr"/>
+                      <a:endParaRPr lang="en-US" dirty="0"/>
+                    </a:p>
+                  </a:txBody>
+                  <a:tcPr anchor="ctr">
+                    <a:lnL w="12700" cap="flat" cmpd="sng" algn="ctr">
+                      <a:solidFill>
+                        <a:schemeClr val="tx1"/>
+                      </a:solidFill>
+                      <a:prstDash val="solid"/>
+                      <a:round/>
+                      <a:headEnd type="none" w="med" len="med"/>
+                      <a:tailEnd type="none" w="med" len="med"/>
+                    </a:lnL>
+                    <a:lnR w="12700" cap="flat" cmpd="sng" algn="ctr">
+                      <a:solidFill>
+                        <a:schemeClr val="tx1"/>
+                      </a:solidFill>
+                      <a:prstDash val="solid"/>
+                      <a:round/>
+                      <a:headEnd type="none" w="med" len="med"/>
+                      <a:tailEnd type="none" w="med" len="med"/>
+                    </a:lnR>
+                    <a:lnT w="12700" cap="flat" cmpd="sng" algn="ctr">
+                      <a:solidFill>
+                        <a:schemeClr val="tx1"/>
+                      </a:solidFill>
+                      <a:prstDash val="solid"/>
+                      <a:round/>
+                      <a:headEnd type="none" w="med" len="med"/>
+                      <a:tailEnd type="none" w="med" len="med"/>
+                    </a:lnT>
+                    <a:lnB w="12700" cap="flat" cmpd="sng" algn="ctr">
+                      <a:solidFill>
+                        <a:schemeClr val="tx1"/>
+                      </a:solidFill>
+                      <a:prstDash val="solid"/>
+                      <a:round/>
+                      <a:headEnd type="none" w="med" len="med"/>
+                      <a:tailEnd type="none" w="med" len="med"/>
+                    </a:lnB>
+                    <a:solidFill>
+                      <a:srgbClr val="002060"/>
+                    </a:solidFill>
+                  </a:tcPr>
+                </a:tc>
+                <a:tc hMerge="1">
+                  <a:txBody>
+                    <a:bodyPr/>
+                    <a:lstStyle/>
+                    <a:p>
+                      <a:pPr algn="ctr"/>
+                      <a:endParaRPr lang="en-US" dirty="0"/>
+                    </a:p>
+                  </a:txBody>
+                  <a:tcPr anchor="ctr">
+                    <a:lnL w="12700" cap="flat" cmpd="sng" algn="ctr">
+                      <a:solidFill>
+                        <a:schemeClr val="tx1"/>
+                      </a:solidFill>
+                      <a:prstDash val="solid"/>
+                      <a:round/>
+                      <a:headEnd type="none" w="med" len="med"/>
+                      <a:tailEnd type="none" w="med" len="med"/>
+                    </a:lnL>
+                    <a:lnR w="12700" cap="flat" cmpd="sng" algn="ctr">
+                      <a:solidFill>
+                        <a:schemeClr val="tx1"/>
+                      </a:solidFill>
+                      <a:prstDash val="solid"/>
+                      <a:round/>
+                      <a:headEnd type="none" w="med" len="med"/>
+                      <a:tailEnd type="none" w="med" len="med"/>
+                    </a:lnR>
+                    <a:lnT w="12700" cap="flat" cmpd="sng" algn="ctr">
+                      <a:solidFill>
+                        <a:schemeClr val="tx1"/>
+                      </a:solidFill>
+                      <a:prstDash val="solid"/>
+                      <a:round/>
+                      <a:headEnd type="none" w="med" len="med"/>
+                      <a:tailEnd type="none" w="med" len="med"/>
+                    </a:lnT>
+                    <a:lnB w="12700" cap="flat" cmpd="sng" algn="ctr">
+                      <a:solidFill>
+                        <a:schemeClr val="tx1"/>
+                      </a:solidFill>
+                      <a:prstDash val="solid"/>
+                      <a:round/>
+                      <a:headEnd type="none" w="med" len="med"/>
+                      <a:tailEnd type="none" w="med" len="med"/>
+                    </a:lnB>
+                    <a:solidFill>
+                      <a:srgbClr val="002060"/>
+                    </a:solidFill>
+                  </a:tcPr>
+                </a:tc>
+                <a:tc hMerge="1">
+                  <a:txBody>
+                    <a:bodyPr/>
+                    <a:lstStyle/>
+                    <a:p>
+                      <a:pPr algn="ctr"/>
+                      <a:endParaRPr lang="en-US" dirty="0"/>
+                    </a:p>
+                  </a:txBody>
+                  <a:tcPr anchor="ctr">
+                    <a:lnL w="12700" cap="flat" cmpd="sng" algn="ctr">
+                      <a:solidFill>
+                        <a:schemeClr val="tx1"/>
+                      </a:solidFill>
+                      <a:prstDash val="solid"/>
+                      <a:round/>
+                      <a:headEnd type="none" w="med" len="med"/>
+                      <a:tailEnd type="none" w="med" len="med"/>
+                    </a:lnL>
+                    <a:lnR w="12700" cap="flat" cmpd="sng" algn="ctr">
+                      <a:solidFill>
+                        <a:schemeClr val="tx1"/>
+                      </a:solidFill>
+                      <a:prstDash val="solid"/>
+                      <a:round/>
+                      <a:headEnd type="none" w="med" len="med"/>
+                      <a:tailEnd type="none" w="med" len="med"/>
+                    </a:lnR>
+                    <a:lnT w="12700" cap="flat" cmpd="sng" algn="ctr">
+                      <a:solidFill>
+                        <a:schemeClr val="tx1"/>
+                      </a:solidFill>
+                      <a:prstDash val="solid"/>
+                      <a:round/>
+                      <a:headEnd type="none" w="med" len="med"/>
+                      <a:tailEnd type="none" w="med" len="med"/>
+                    </a:lnT>
+                    <a:lnB w="12700" cap="flat" cmpd="sng" algn="ctr">
+                      <a:solidFill>
+                        <a:schemeClr val="tx1"/>
+                      </a:solidFill>
+                      <a:prstDash val="solid"/>
+                      <a:round/>
+                      <a:headEnd type="none" w="med" len="med"/>
+                      <a:tailEnd type="none" w="med" len="med"/>
+                    </a:lnB>
+                    <a:solidFill>
+                      <a:srgbClr val="002060"/>
+                    </a:solidFill>
+                  </a:tcPr>
+                </a:tc>
+                <a:extLst>
+                  <a:ext uri="{0D108BD9-81ED-4DB2-BD59-A6C34878D82A}">
+                    <a16:rowId xmlns:a16="http://schemas.microsoft.com/office/drawing/2014/main" val="3211573024"/>
+                  </a:ext>
+                </a:extLst>
+              </a:tr>
+              <a:tr h="370840">
+                <a:tc>
+                  <a:txBody>
+                    <a:bodyPr/>
+                    <a:lstStyle/>
+                    <a:p>
+                      <a:pPr algn="ctr"/>
+                      <a:r>
+                        <a:rPr lang="en-US" b="1" dirty="0"/>
+                        <a:t>Id</a:t>
+                      </a:r>
+                    </a:p>
+                  </a:txBody>
+                  <a:tcPr anchor="ctr">
+                    <a:lnL w="12700" cap="flat" cmpd="sng" algn="ctr">
+                      <a:solidFill>
+                        <a:schemeClr val="tx1"/>
+                      </a:solidFill>
+                      <a:prstDash val="solid"/>
+                      <a:round/>
+                      <a:headEnd type="none" w="med" len="med"/>
+                      <a:tailEnd type="none" w="med" len="med"/>
+                    </a:lnL>
+                    <a:lnR w="12700" cap="flat" cmpd="sng" algn="ctr">
+                      <a:solidFill>
+                        <a:schemeClr val="tx1"/>
+                      </a:solidFill>
+                      <a:prstDash val="solid"/>
+                      <a:round/>
+                      <a:headEnd type="none" w="med" len="med"/>
+                      <a:tailEnd type="none" w="med" len="med"/>
+                    </a:lnR>
+                    <a:lnT w="12700" cap="flat" cmpd="sng" algn="ctr">
+                      <a:solidFill>
+                        <a:schemeClr val="tx1"/>
+                      </a:solidFill>
+                      <a:prstDash val="solid"/>
+                      <a:round/>
+                      <a:headEnd type="none" w="med" len="med"/>
+                      <a:tailEnd type="none" w="med" len="med"/>
+                    </a:lnT>
+                    <a:lnB w="12700" cap="flat" cmpd="sng" algn="ctr">
+                      <a:solidFill>
+                        <a:schemeClr val="tx1"/>
+                      </a:solidFill>
+                      <a:prstDash val="solid"/>
+                      <a:round/>
+                      <a:headEnd type="none" w="med" len="med"/>
+                      <a:tailEnd type="none" w="med" len="med"/>
+                    </a:lnB>
+                  </a:tcPr>
+                </a:tc>
+                <a:tc>
+                  <a:txBody>
+                    <a:bodyPr/>
+                    <a:lstStyle/>
+                    <a:p>
+                      <a:pPr algn="ctr"/>
+                      <a:r>
+                        <a:rPr lang="en-US" b="1" dirty="0"/>
+                        <a:t>Budget name (£) (VARCHAR)</a:t>
+                      </a:r>
+                    </a:p>
+                  </a:txBody>
+                  <a:tcPr anchor="ctr">
+                    <a:lnL w="12700" cap="flat" cmpd="sng" algn="ctr">
+                      <a:solidFill>
+                        <a:schemeClr val="tx1"/>
+                      </a:solidFill>
+                      <a:prstDash val="solid"/>
+                      <a:round/>
+                      <a:headEnd type="none" w="med" len="med"/>
+                      <a:tailEnd type="none" w="med" len="med"/>
+                    </a:lnL>
+                    <a:lnR w="12700" cap="flat" cmpd="sng" algn="ctr">
+                      <a:solidFill>
+                        <a:schemeClr val="tx1"/>
+                      </a:solidFill>
+                      <a:prstDash val="solid"/>
+                      <a:round/>
+                      <a:headEnd type="none" w="med" len="med"/>
+                      <a:tailEnd type="none" w="med" len="med"/>
+                    </a:lnR>
+                    <a:lnT w="12700" cap="flat" cmpd="sng" algn="ctr">
+                      <a:solidFill>
+                        <a:schemeClr val="tx1"/>
+                      </a:solidFill>
+                      <a:prstDash val="solid"/>
+                      <a:round/>
+                      <a:headEnd type="none" w="med" len="med"/>
+                      <a:tailEnd type="none" w="med" len="med"/>
+                    </a:lnT>
+                    <a:lnB w="12700" cap="flat" cmpd="sng" algn="ctr">
+                      <a:solidFill>
+                        <a:schemeClr val="tx1"/>
+                      </a:solidFill>
+                      <a:prstDash val="solid"/>
+                      <a:round/>
+                      <a:headEnd type="none" w="med" len="med"/>
+                      <a:tailEnd type="none" w="med" len="med"/>
+                    </a:lnB>
+                  </a:tcPr>
+                </a:tc>
+                <a:tc>
+                  <a:txBody>
+                    <a:bodyPr/>
+                    <a:lstStyle/>
+                    <a:p>
+                      <a:pPr algn="ctr"/>
+                      <a:r>
+                        <a:rPr lang="en-US" b="1" dirty="0"/>
+                        <a:t>Budget Amount (£) (INT)</a:t>
+                      </a:r>
+                    </a:p>
+                  </a:txBody>
+                  <a:tcPr anchor="ctr">
+                    <a:lnL w="12700" cap="flat" cmpd="sng" algn="ctr">
+                      <a:solidFill>
+                        <a:schemeClr val="tx1"/>
+                      </a:solidFill>
+                      <a:prstDash val="solid"/>
+                      <a:round/>
+                      <a:headEnd type="none" w="med" len="med"/>
+                      <a:tailEnd type="none" w="med" len="med"/>
+                    </a:lnL>
+                    <a:lnR w="12700" cap="flat" cmpd="sng" algn="ctr">
+                      <a:solidFill>
+                        <a:schemeClr val="tx1"/>
+                      </a:solidFill>
+                      <a:prstDash val="solid"/>
+                      <a:round/>
+                      <a:headEnd type="none" w="med" len="med"/>
+                      <a:tailEnd type="none" w="med" len="med"/>
+                    </a:lnR>
+                    <a:lnT w="12700" cap="flat" cmpd="sng" algn="ctr">
+                      <a:solidFill>
+                        <a:schemeClr val="tx1"/>
+                      </a:solidFill>
+                      <a:prstDash val="solid"/>
+                      <a:round/>
+                      <a:headEnd type="none" w="med" len="med"/>
+                      <a:tailEnd type="none" w="med" len="med"/>
+                    </a:lnT>
+                    <a:lnB w="12700" cap="flat" cmpd="sng" algn="ctr">
+                      <a:solidFill>
+                        <a:schemeClr val="tx1"/>
+                      </a:solidFill>
+                      <a:prstDash val="solid"/>
+                      <a:round/>
+                      <a:headEnd type="none" w="med" len="med"/>
+                      <a:tailEnd type="none" w="med" len="med"/>
+                    </a:lnB>
+                  </a:tcPr>
+                </a:tc>
+                <a:tc>
+                  <a:txBody>
+                    <a:bodyPr/>
+                    <a:lstStyle/>
+                    <a:p>
+                      <a:pPr algn="ctr"/>
+                      <a:r>
+                        <a:rPr lang="en-US" b="1" dirty="0"/>
+                        <a:t>Start Time (DATETIME)</a:t>
+                      </a:r>
+                    </a:p>
+                  </a:txBody>
+                  <a:tcPr anchor="ctr">
+                    <a:lnL w="12700" cap="flat" cmpd="sng" algn="ctr">
+                      <a:solidFill>
+                        <a:schemeClr val="tx1"/>
+                      </a:solidFill>
+                      <a:prstDash val="solid"/>
+                      <a:round/>
+                      <a:headEnd type="none" w="med" len="med"/>
+                      <a:tailEnd type="none" w="med" len="med"/>
+                    </a:lnL>
+                    <a:lnR w="12700" cap="flat" cmpd="sng" algn="ctr">
+                      <a:solidFill>
+                        <a:schemeClr val="tx1"/>
+                      </a:solidFill>
+                      <a:prstDash val="solid"/>
+                      <a:round/>
+                      <a:headEnd type="none" w="med" len="med"/>
+                      <a:tailEnd type="none" w="med" len="med"/>
+                    </a:lnR>
+                    <a:lnT w="12700" cap="flat" cmpd="sng" algn="ctr">
+                      <a:solidFill>
+                        <a:schemeClr val="tx1"/>
+                      </a:solidFill>
+                      <a:prstDash val="solid"/>
+                      <a:round/>
+                      <a:headEnd type="none" w="med" len="med"/>
+                      <a:tailEnd type="none" w="med" len="med"/>
+                    </a:lnT>
+                    <a:lnB w="12700" cap="flat" cmpd="sng" algn="ctr">
+                      <a:solidFill>
+                        <a:schemeClr val="tx1"/>
+                      </a:solidFill>
+                      <a:prstDash val="solid"/>
+                      <a:round/>
+                      <a:headEnd type="none" w="med" len="med"/>
+                      <a:tailEnd type="none" w="med" len="med"/>
+                    </a:lnB>
+                  </a:tcPr>
+                </a:tc>
+                <a:tc>
+                  <a:txBody>
+                    <a:bodyPr/>
+                    <a:lstStyle/>
+                    <a:p>
+                      <a:pPr algn="ctr"/>
+                      <a:r>
+                        <a:rPr lang="en-US" b="1" dirty="0"/>
+                        <a:t>End Time</a:t>
+                      </a:r>
+                    </a:p>
+                    <a:p>
+                      <a:pPr algn="ctr"/>
+                      <a:r>
+                        <a:rPr lang="en-US" b="1" dirty="0"/>
+                        <a:t>(DATETIME)</a:t>
+                      </a:r>
+                    </a:p>
+                  </a:txBody>
+                  <a:tcPr anchor="ctr">
+                    <a:lnL w="12700" cap="flat" cmpd="sng" algn="ctr">
+                      <a:solidFill>
+                        <a:schemeClr val="tx1"/>
+                      </a:solidFill>
+                      <a:prstDash val="solid"/>
+                      <a:round/>
+                      <a:headEnd type="none" w="med" len="med"/>
+                      <a:tailEnd type="none" w="med" len="med"/>
+                    </a:lnL>
+                    <a:lnR w="12700" cap="flat" cmpd="sng" algn="ctr">
+                      <a:solidFill>
+                        <a:schemeClr val="tx1"/>
+                      </a:solidFill>
+                      <a:prstDash val="solid"/>
+                      <a:round/>
+                      <a:headEnd type="none" w="med" len="med"/>
+                      <a:tailEnd type="none" w="med" len="med"/>
+                    </a:lnR>
+                    <a:lnT w="12700" cap="flat" cmpd="sng" algn="ctr">
+                      <a:solidFill>
+                        <a:schemeClr val="tx1"/>
+                      </a:solidFill>
+                      <a:prstDash val="solid"/>
+                      <a:round/>
+                      <a:headEnd type="none" w="med" len="med"/>
+                      <a:tailEnd type="none" w="med" len="med"/>
+                    </a:lnT>
+                    <a:lnB w="12700" cap="flat" cmpd="sng" algn="ctr">
+                      <a:solidFill>
+                        <a:schemeClr val="tx1"/>
+                      </a:solidFill>
+                      <a:prstDash val="solid"/>
+                      <a:round/>
+                      <a:headEnd type="none" w="med" len="med"/>
+                      <a:tailEnd type="none" w="med" len="med"/>
+                    </a:lnB>
+                  </a:tcPr>
+                </a:tc>
+                <a:extLst>
+                  <a:ext uri="{0D108BD9-81ED-4DB2-BD59-A6C34878D82A}">
+                    <a16:rowId xmlns:a16="http://schemas.microsoft.com/office/drawing/2014/main" val="2556437728"/>
+                  </a:ext>
+                </a:extLst>
+              </a:tr>
+              <a:tr h="370840">
+                <a:tc>
+                  <a:txBody>
+                    <a:bodyPr/>
+                    <a:lstStyle/>
+                    <a:p>
+                      <a:pPr algn="ctr"/>
+                      <a:r>
+                        <a:rPr lang="en-US" dirty="0"/>
+                        <a:t>1</a:t>
+                      </a:r>
+                    </a:p>
+                  </a:txBody>
+                  <a:tcPr anchor="ctr">
+                    <a:lnL w="12700" cap="flat" cmpd="sng" algn="ctr">
+                      <a:solidFill>
+                        <a:schemeClr val="tx1"/>
+                      </a:solidFill>
+                      <a:prstDash val="solid"/>
+                      <a:round/>
+                      <a:headEnd type="none" w="med" len="med"/>
+                      <a:tailEnd type="none" w="med" len="med"/>
+                    </a:lnL>
+                    <a:lnR w="12700" cap="flat" cmpd="sng" algn="ctr">
+                      <a:solidFill>
+                        <a:schemeClr val="tx1"/>
+                      </a:solidFill>
+                      <a:prstDash val="solid"/>
+                      <a:round/>
+                      <a:headEnd type="none" w="med" len="med"/>
+                      <a:tailEnd type="none" w="med" len="med"/>
+                    </a:lnR>
+                    <a:lnT w="12700" cap="flat" cmpd="sng" algn="ctr">
+                      <a:solidFill>
+                        <a:schemeClr val="tx1"/>
+                      </a:solidFill>
+                      <a:prstDash val="solid"/>
+                      <a:round/>
+                      <a:headEnd type="none" w="med" len="med"/>
+                      <a:tailEnd type="none" w="med" len="med"/>
+                    </a:lnT>
+                    <a:lnB w="12700" cap="flat" cmpd="sng" algn="ctr">
+                      <a:solidFill>
+                        <a:schemeClr val="tx1"/>
+                      </a:solidFill>
+                      <a:prstDash val="solid"/>
+                      <a:round/>
+                      <a:headEnd type="none" w="med" len="med"/>
+                      <a:tailEnd type="none" w="med" len="med"/>
+                    </a:lnB>
+                  </a:tcPr>
+                </a:tc>
+                <a:tc>
+                  <a:txBody>
+                    <a:bodyPr/>
+                    <a:lstStyle/>
+                    <a:p>
+                      <a:pPr algn="ctr"/>
+                      <a:r>
+                        <a:rPr lang="en-US" dirty="0"/>
+                        <a:t>May 2018</a:t>
+                      </a:r>
+                    </a:p>
+                  </a:txBody>
+                  <a:tcPr anchor="ctr">
+                    <a:lnL w="12700" cap="flat" cmpd="sng" algn="ctr">
+                      <a:solidFill>
+                        <a:schemeClr val="tx1"/>
+                      </a:solidFill>
+                      <a:prstDash val="solid"/>
+                      <a:round/>
+                      <a:headEnd type="none" w="med" len="med"/>
+                      <a:tailEnd type="none" w="med" len="med"/>
+                    </a:lnL>
+                    <a:lnR w="12700" cap="flat" cmpd="sng" algn="ctr">
+                      <a:solidFill>
+                        <a:schemeClr val="tx1"/>
+                      </a:solidFill>
+                      <a:prstDash val="solid"/>
+                      <a:round/>
+                      <a:headEnd type="none" w="med" len="med"/>
+                      <a:tailEnd type="none" w="med" len="med"/>
+                    </a:lnR>
+                    <a:lnT w="12700" cap="flat" cmpd="sng" algn="ctr">
+                      <a:solidFill>
+                        <a:schemeClr val="tx1"/>
+                      </a:solidFill>
+                      <a:prstDash val="solid"/>
+                      <a:round/>
+                      <a:headEnd type="none" w="med" len="med"/>
+                      <a:tailEnd type="none" w="med" len="med"/>
+                    </a:lnT>
+                    <a:lnB w="12700" cap="flat" cmpd="sng" algn="ctr">
+                      <a:solidFill>
+                        <a:schemeClr val="tx1"/>
+                      </a:solidFill>
+                      <a:prstDash val="solid"/>
+                      <a:round/>
+                      <a:headEnd type="none" w="med" len="med"/>
+                      <a:tailEnd type="none" w="med" len="med"/>
+                    </a:lnB>
+                  </a:tcPr>
+                </a:tc>
+                <a:tc>
+                  <a:txBody>
+                    <a:bodyPr/>
+                    <a:lstStyle/>
+                    <a:p>
+                      <a:pPr algn="ctr"/>
+                      <a:r>
+                        <a:rPr lang="en-US" dirty="0"/>
+                        <a:t>500</a:t>
+                      </a:r>
+                    </a:p>
+                  </a:txBody>
+                  <a:tcPr anchor="ctr">
+                    <a:lnL w="12700" cap="flat" cmpd="sng" algn="ctr">
+                      <a:solidFill>
+                        <a:schemeClr val="tx1"/>
+                      </a:solidFill>
+                      <a:prstDash val="solid"/>
+                      <a:round/>
+                      <a:headEnd type="none" w="med" len="med"/>
+                      <a:tailEnd type="none" w="med" len="med"/>
+                    </a:lnL>
+                    <a:lnR w="12700" cap="flat" cmpd="sng" algn="ctr">
+                      <a:solidFill>
+                        <a:schemeClr val="tx1"/>
+                      </a:solidFill>
+                      <a:prstDash val="solid"/>
+                      <a:round/>
+                      <a:headEnd type="none" w="med" len="med"/>
+                      <a:tailEnd type="none" w="med" len="med"/>
+                    </a:lnR>
+                    <a:lnT w="12700" cap="flat" cmpd="sng" algn="ctr">
+                      <a:solidFill>
+                        <a:schemeClr val="tx1"/>
+                      </a:solidFill>
+                      <a:prstDash val="solid"/>
+                      <a:round/>
+                      <a:headEnd type="none" w="med" len="med"/>
+                      <a:tailEnd type="none" w="med" len="med"/>
+                    </a:lnT>
+                    <a:lnB w="12700" cap="flat" cmpd="sng" algn="ctr">
+                      <a:solidFill>
+                        <a:schemeClr val="tx1"/>
+                      </a:solidFill>
+                      <a:prstDash val="solid"/>
+                      <a:round/>
+                      <a:headEnd type="none" w="med" len="med"/>
+                      <a:tailEnd type="none" w="med" len="med"/>
+                    </a:lnB>
+                  </a:tcPr>
+                </a:tc>
+                <a:tc>
+                  <a:txBody>
+                    <a:bodyPr/>
+                    <a:lstStyle/>
+                    <a:p>
+                      <a:pPr algn="ctr"/>
+                      <a:r>
+                        <a:rPr lang="en-GB" dirty="0"/>
+                        <a:t>03.41 AM Thursday, 03 May, 2018</a:t>
+                      </a:r>
+                      <a:endParaRPr lang="en-US" dirty="0"/>
+                    </a:p>
+                  </a:txBody>
+                  <a:tcPr anchor="ctr">
+                    <a:lnL w="12700" cap="flat" cmpd="sng" algn="ctr">
+                      <a:solidFill>
+                        <a:schemeClr val="tx1"/>
+                      </a:solidFill>
+                      <a:prstDash val="solid"/>
+                      <a:round/>
+                      <a:headEnd type="none" w="med" len="med"/>
+                      <a:tailEnd type="none" w="med" len="med"/>
+                    </a:lnL>
+                    <a:lnR w="12700" cap="flat" cmpd="sng" algn="ctr">
+                      <a:solidFill>
+                        <a:schemeClr val="tx1"/>
+                      </a:solidFill>
+                      <a:prstDash val="solid"/>
+                      <a:round/>
+                      <a:headEnd type="none" w="med" len="med"/>
+                      <a:tailEnd type="none" w="med" len="med"/>
+                    </a:lnR>
+                    <a:lnT w="12700" cap="flat" cmpd="sng" algn="ctr">
+                      <a:solidFill>
+                        <a:schemeClr val="tx1"/>
+                      </a:solidFill>
+                      <a:prstDash val="solid"/>
+                      <a:round/>
+                      <a:headEnd type="none" w="med" len="med"/>
+                      <a:tailEnd type="none" w="med" len="med"/>
+                    </a:lnT>
+                    <a:lnB w="12700" cap="flat" cmpd="sng" algn="ctr">
+                      <a:solidFill>
+                        <a:schemeClr val="tx1"/>
+                      </a:solidFill>
+                      <a:prstDash val="solid"/>
+                      <a:round/>
+                      <a:headEnd type="none" w="med" len="med"/>
+                      <a:tailEnd type="none" w="med" len="med"/>
+                    </a:lnB>
+                  </a:tcPr>
+                </a:tc>
+                <a:tc>
+                  <a:txBody>
+                    <a:bodyPr/>
+                    <a:lstStyle/>
+                    <a:p>
+                      <a:pPr algn="ctr"/>
+                      <a:r>
+                        <a:rPr lang="en-GB" dirty="0"/>
+                        <a:t>03.41 AM Thursday, 30 May, </a:t>
+                      </a:r>
+                      <a:endParaRPr lang="en-US" dirty="0"/>
+                    </a:p>
+                  </a:txBody>
+                  <a:tcPr anchor="ctr">
+                    <a:lnL w="12700" cap="flat" cmpd="sng" algn="ctr">
+                      <a:solidFill>
+                        <a:schemeClr val="tx1"/>
+                      </a:solidFill>
+                      <a:prstDash val="solid"/>
+                      <a:round/>
+                      <a:headEnd type="none" w="med" len="med"/>
+                      <a:tailEnd type="none" w="med" len="med"/>
+                    </a:lnL>
+                    <a:lnR w="12700" cap="flat" cmpd="sng" algn="ctr">
+                      <a:solidFill>
+                        <a:schemeClr val="tx1"/>
+                      </a:solidFill>
+                      <a:prstDash val="solid"/>
+                      <a:round/>
+                      <a:headEnd type="none" w="med" len="med"/>
+                      <a:tailEnd type="none" w="med" len="med"/>
+                    </a:lnR>
+                    <a:lnT w="12700" cap="flat" cmpd="sng" algn="ctr">
+                      <a:solidFill>
+                        <a:schemeClr val="tx1"/>
+                      </a:solidFill>
+                      <a:prstDash val="solid"/>
+                      <a:round/>
+                      <a:headEnd type="none" w="med" len="med"/>
+                      <a:tailEnd type="none" w="med" len="med"/>
+                    </a:lnT>
+                    <a:lnB w="12700" cap="flat" cmpd="sng" algn="ctr">
+                      <a:solidFill>
+                        <a:schemeClr val="tx1"/>
+                      </a:solidFill>
+                      <a:prstDash val="solid"/>
+                      <a:round/>
+                      <a:headEnd type="none" w="med" len="med"/>
+                      <a:tailEnd type="none" w="med" len="med"/>
+                    </a:lnB>
+                  </a:tcPr>
+                </a:tc>
+                <a:extLst>
+                  <a:ext uri="{0D108BD9-81ED-4DB2-BD59-A6C34878D82A}">
+                    <a16:rowId xmlns:a16="http://schemas.microsoft.com/office/drawing/2014/main" val="466209325"/>
+                  </a:ext>
+                </a:extLst>
+              </a:tr>
+            </a:tbl>
+          </a:graphicData>
+        </a:graphic>
+      </p:graphicFrame>
+      <p:cxnSp>
+        <p:nvCxnSpPr>
+          <p:cNvPr id="18" name="Straight Arrow Connector 17">
+            <a:extLst>
+              <a:ext uri="{FF2B5EF4-FFF2-40B4-BE49-F238E27FC236}">
+                <a16:creationId xmlns:a16="http://schemas.microsoft.com/office/drawing/2014/main" id="{4B17CE36-8256-EB4F-9282-B36DBF6557D9}"/>
+              </a:ext>
+            </a:extLst>
+          </p:cNvPr>
+          <p:cNvCxnSpPr>
+            <a:cxnSpLocks/>
+          </p:cNvCxnSpPr>
+          <p:nvPr/>
+        </p:nvCxnSpPr>
+        <p:spPr>
+          <a:xfrm flipH="1">
+            <a:off x="331694" y="2315305"/>
+            <a:ext cx="4529169" cy="2337377"/>
+          </a:xfrm>
+          <a:prstGeom prst="straightConnector1">
+            <a:avLst/>
+          </a:prstGeom>
+          <a:ln w="38100">
+            <a:headEnd type="none"/>
+            <a:tailEnd type="triangle"/>
+          </a:ln>
+        </p:spPr>
+        <p:style>
+          <a:lnRef idx="1">
+            <a:schemeClr val="dk1"/>
+          </a:lnRef>
+          <a:fillRef idx="0">
+            <a:schemeClr val="dk1"/>
+          </a:fillRef>
+          <a:effectRef idx="0">
+            <a:schemeClr val="dk1"/>
+          </a:effectRef>
+          <a:fontRef idx="minor">
+            <a:schemeClr val="tx1"/>
+          </a:fontRef>
+        </p:style>
+      </p:cxnSp>
+      <p:cxnSp>
+        <p:nvCxnSpPr>
+          <p:cNvPr id="20" name="Straight Arrow Connector 19">
+            <a:extLst>
+              <a:ext uri="{FF2B5EF4-FFF2-40B4-BE49-F238E27FC236}">
+                <a16:creationId xmlns:a16="http://schemas.microsoft.com/office/drawing/2014/main" id="{10C8B23C-85A6-FB41-BA9B-3578961C2749}"/>
+              </a:ext>
+            </a:extLst>
+          </p:cNvPr>
+          <p:cNvCxnSpPr>
+            <a:cxnSpLocks/>
+          </p:cNvCxnSpPr>
+          <p:nvPr/>
+        </p:nvCxnSpPr>
+        <p:spPr>
+          <a:xfrm>
+            <a:off x="5912224" y="2315305"/>
+            <a:ext cx="608483" cy="427895"/>
+          </a:xfrm>
+          <a:prstGeom prst="straightConnector1">
+            <a:avLst/>
+          </a:prstGeom>
+          <a:ln w="38100">
+            <a:headEnd type="none"/>
             <a:tailEnd type="triangle"/>
           </a:ln>
         </p:spPr>

--- a/Plans_Project_Management/Budget_App_Plan_08Nov2018.pptx
+++ b/Plans_Project_Management/Budget_App_Plan_08Nov2018.pptx
@@ -4681,7 +4681,7 @@
           <p:nvPr>
             <p:extLst>
               <p:ext uri="{D42A27DB-BD31-4B8C-83A1-F6EECF244321}">
-                <p14:modId xmlns:p14="http://schemas.microsoft.com/office/powerpoint/2010/main" val="1572713515"/>
+                <p14:modId xmlns:p14="http://schemas.microsoft.com/office/powerpoint/2010/main" val="3656778964"/>
               </p:ext>
             </p:extLst>
           </p:nvPr>
@@ -4746,6 +4746,28 @@
                         <a:rPr lang="en-US" dirty="0"/>
                         <a:t>@budget(numeric)</a:t>
                       </a:r>
+                    </a:p>
+                    <a:p>
+                      <a:r>
+                        <a:rPr lang="en-US" dirty="0"/>
+                        <a:t>@</a:t>
+                      </a:r>
+                      <a:r>
+                        <a:rPr lang="en-US" dirty="0" err="1"/>
+                        <a:t>start_time</a:t>
+                      </a:r>
+                      <a:endParaRPr lang="en-US" dirty="0"/>
+                    </a:p>
+                    <a:p>
+                      <a:r>
+                        <a:rPr lang="en-US" dirty="0"/>
+                        <a:t>@</a:t>
+                      </a:r>
+                      <a:r>
+                        <a:rPr lang="en-US"/>
+                        <a:t>end_time</a:t>
+                      </a:r>
+                      <a:endParaRPr lang="en-US" dirty="0"/>
                     </a:p>
                   </a:txBody>
                   <a:tcPr/>
@@ -24676,9 +24698,9 @@
           <p:nvPr/>
         </p:nvCxnSpPr>
         <p:spPr>
-          <a:xfrm>
-            <a:off x="5912224" y="2315305"/>
-            <a:ext cx="608483" cy="427895"/>
+          <a:xfrm flipV="1">
+            <a:off x="5912224" y="1879600"/>
+            <a:ext cx="759509" cy="435706"/>
           </a:xfrm>
           <a:prstGeom prst="straightConnector1">
             <a:avLst/>

--- a/Plans_Project_Management/Budget_App_Plan_08Nov2018.pptx
+++ b/Plans_Project_Management/Budget_App_Plan_08Nov2018.pptx
@@ -19,7 +19,9 @@
     <p:sldId id="257" r:id="rId13"/>
     <p:sldId id="268" r:id="rId14"/>
     <p:sldId id="266" r:id="rId15"/>
-    <p:sldId id="269" r:id="rId16"/>
+    <p:sldId id="271" r:id="rId16"/>
+    <p:sldId id="272" r:id="rId17"/>
+    <p:sldId id="269" r:id="rId18"/>
   </p:sldIdLst>
   <p:sldSz cx="12192000" cy="6858000"/>
   <p:notesSz cx="6858000" cy="9144000"/>
@@ -273,7 +275,7 @@
           <a:p>
             <a:fld id="{718D7DD3-0D86-7041-9F4A-55F1DF225378}" type="datetimeFigureOut">
               <a:rPr lang="en-US" smtClean="0"/>
-              <a:t>11/9/18</a:t>
+              <a:t>11/12/18</a:t>
             </a:fld>
             <a:endParaRPr lang="en-US"/>
           </a:p>
@@ -471,7 +473,7 @@
           <a:p>
             <a:fld id="{718D7DD3-0D86-7041-9F4A-55F1DF225378}" type="datetimeFigureOut">
               <a:rPr lang="en-US" smtClean="0"/>
-              <a:t>11/9/18</a:t>
+              <a:t>11/12/18</a:t>
             </a:fld>
             <a:endParaRPr lang="en-US"/>
           </a:p>
@@ -679,7 +681,7 @@
           <a:p>
             <a:fld id="{718D7DD3-0D86-7041-9F4A-55F1DF225378}" type="datetimeFigureOut">
               <a:rPr lang="en-US" smtClean="0"/>
-              <a:t>11/9/18</a:t>
+              <a:t>11/12/18</a:t>
             </a:fld>
             <a:endParaRPr lang="en-US"/>
           </a:p>
@@ -877,7 +879,7 @@
           <a:p>
             <a:fld id="{718D7DD3-0D86-7041-9F4A-55F1DF225378}" type="datetimeFigureOut">
               <a:rPr lang="en-US" smtClean="0"/>
-              <a:t>11/9/18</a:t>
+              <a:t>11/12/18</a:t>
             </a:fld>
             <a:endParaRPr lang="en-US"/>
           </a:p>
@@ -1152,7 +1154,7 @@
           <a:p>
             <a:fld id="{718D7DD3-0D86-7041-9F4A-55F1DF225378}" type="datetimeFigureOut">
               <a:rPr lang="en-US" smtClean="0"/>
-              <a:t>11/9/18</a:t>
+              <a:t>11/12/18</a:t>
             </a:fld>
             <a:endParaRPr lang="en-US"/>
           </a:p>
@@ -1417,7 +1419,7 @@
           <a:p>
             <a:fld id="{718D7DD3-0D86-7041-9F4A-55F1DF225378}" type="datetimeFigureOut">
               <a:rPr lang="en-US" smtClean="0"/>
-              <a:t>11/9/18</a:t>
+              <a:t>11/12/18</a:t>
             </a:fld>
             <a:endParaRPr lang="en-US"/>
           </a:p>
@@ -1829,7 +1831,7 @@
           <a:p>
             <a:fld id="{718D7DD3-0D86-7041-9F4A-55F1DF225378}" type="datetimeFigureOut">
               <a:rPr lang="en-US" smtClean="0"/>
-              <a:t>11/9/18</a:t>
+              <a:t>11/12/18</a:t>
             </a:fld>
             <a:endParaRPr lang="en-US"/>
           </a:p>
@@ -1970,7 +1972,7 @@
           <a:p>
             <a:fld id="{718D7DD3-0D86-7041-9F4A-55F1DF225378}" type="datetimeFigureOut">
               <a:rPr lang="en-US" smtClean="0"/>
-              <a:t>11/9/18</a:t>
+              <a:t>11/12/18</a:t>
             </a:fld>
             <a:endParaRPr lang="en-US"/>
           </a:p>
@@ -2083,7 +2085,7 @@
           <a:p>
             <a:fld id="{718D7DD3-0D86-7041-9F4A-55F1DF225378}" type="datetimeFigureOut">
               <a:rPr lang="en-US" smtClean="0"/>
-              <a:t>11/9/18</a:t>
+              <a:t>11/12/18</a:t>
             </a:fld>
             <a:endParaRPr lang="en-US"/>
           </a:p>
@@ -2394,7 +2396,7 @@
           <a:p>
             <a:fld id="{718D7DD3-0D86-7041-9F4A-55F1DF225378}" type="datetimeFigureOut">
               <a:rPr lang="en-US" smtClean="0"/>
-              <a:t>11/9/18</a:t>
+              <a:t>11/12/18</a:t>
             </a:fld>
             <a:endParaRPr lang="en-US"/>
           </a:p>
@@ -2682,7 +2684,7 @@
           <a:p>
             <a:fld id="{718D7DD3-0D86-7041-9F4A-55F1DF225378}" type="datetimeFigureOut">
               <a:rPr lang="en-US" smtClean="0"/>
-              <a:t>11/9/18</a:t>
+              <a:t>11/12/18</a:t>
             </a:fld>
             <a:endParaRPr lang="en-US"/>
           </a:p>
@@ -2923,7 +2925,7 @@
           <a:p>
             <a:fld id="{718D7DD3-0D86-7041-9F4A-55F1DF225378}" type="datetimeFigureOut">
               <a:rPr lang="en-US" smtClean="0"/>
-              <a:t>11/9/18</a:t>
+              <a:t>11/12/18</a:t>
             </a:fld>
             <a:endParaRPr lang="en-US"/>
           </a:p>
@@ -4681,7 +4683,7 @@
           <p:nvPr>
             <p:extLst>
               <p:ext uri="{D42A27DB-BD31-4B8C-83A1-F6EECF244321}">
-                <p14:modId xmlns:p14="http://schemas.microsoft.com/office/powerpoint/2010/main" val="3656778964"/>
+                <p14:modId xmlns:p14="http://schemas.microsoft.com/office/powerpoint/2010/main" val="4054288860"/>
               </p:ext>
             </p:extLst>
           </p:nvPr>
@@ -4744,7 +4746,37 @@
                     <a:p>
                       <a:r>
                         <a:rPr lang="en-US" dirty="0"/>
-                        <a:t>@budget(numeric)</a:t>
+                        <a:t>@</a:t>
+                      </a:r>
+                      <a:r>
+                        <a:rPr lang="en-US" dirty="0" err="1"/>
+                        <a:t>budget_name</a:t>
+                      </a:r>
+                      <a:r>
+                        <a:rPr lang="en-US" dirty="0"/>
+                        <a:t>(</a:t>
+                      </a:r>
+                      <a:r>
+                        <a:rPr lang="en-US" dirty="0" err="1"/>
+                        <a:t>Str</a:t>
+                      </a:r>
+                      <a:r>
+                        <a:rPr lang="en-US" dirty="0"/>
+                        <a:t>)</a:t>
+                      </a:r>
+                    </a:p>
+                    <a:p>
+                      <a:r>
+                        <a:rPr lang="en-US" dirty="0"/>
+                        <a:t>@</a:t>
+                      </a:r>
+                      <a:r>
+                        <a:rPr lang="en-US" dirty="0" err="1"/>
+                        <a:t>budget_amount</a:t>
+                      </a:r>
+                      <a:r>
+                        <a:rPr lang="en-US" dirty="0"/>
+                        <a:t>(numeric)</a:t>
                       </a:r>
                     </a:p>
                     <a:p>
@@ -4756,7 +4788,10 @@
                         <a:rPr lang="en-US" dirty="0" err="1"/>
                         <a:t>start_time</a:t>
                       </a:r>
-                      <a:endParaRPr lang="en-US" dirty="0"/>
+                      <a:r>
+                        <a:rPr lang="en-US" dirty="0"/>
+                        <a:t>(TIMESTAMP)</a:t>
+                      </a:r>
                     </a:p>
                     <a:p>
                       <a:r>
@@ -4764,7 +4799,7 @@
                         <a:t>@</a:t>
                       </a:r>
                       <a:r>
-                        <a:rPr lang="en-US"/>
+                        <a:rPr lang="en-US" dirty="0" err="1"/>
                         <a:t>end_time</a:t>
                       </a:r>
                       <a:endParaRPr lang="en-US" dirty="0"/>
@@ -5954,7 +5989,7 @@
             <a:pPr algn="ctr"/>
             <a:r>
               <a:rPr lang="en-US" sz="2800" b="1" dirty="0"/>
-              <a:t>Function rationale – Page 1</a:t>
+              <a:t>Function rationale – Page 1 - Merchants</a:t>
             </a:r>
           </a:p>
         </p:txBody>
@@ -6592,8 +6627,13 @@
             <a:pPr algn="ctr"/>
             <a:r>
               <a:rPr lang="en-US" sz="2800" b="1" dirty="0"/>
-              <a:t>Function rationale – Page 2</a:t>
+              <a:t>Function rationale – Page 2 - </a:t>
             </a:r>
+            <a:r>
+              <a:rPr lang="en-US" sz="2800" b="1" dirty="0" err="1"/>
+              <a:t>Merchnats</a:t>
+            </a:r>
+            <a:endParaRPr lang="en-US" sz="2800" b="1" dirty="0"/>
           </a:p>
         </p:txBody>
       </p:sp>
@@ -6612,7 +6652,7 @@
           <p:nvPr>
             <p:extLst>
               <p:ext uri="{D42A27DB-BD31-4B8C-83A1-F6EECF244321}">
-                <p14:modId xmlns:p14="http://schemas.microsoft.com/office/powerpoint/2010/main" val="4012866511"/>
+                <p14:modId xmlns:p14="http://schemas.microsoft.com/office/powerpoint/2010/main" val="3194475105"/>
               </p:ext>
             </p:extLst>
           </p:nvPr>
@@ -6895,8 +6935,21 @@
                   </a:ext>
                 </a:extLst>
               </a:tr>
-              <a:tr h="370840">
-                <a:tc>
+              <a:tr h="1112520">
+                <a:tc gridSpan="5">
+                  <a:txBody>
+                    <a:bodyPr/>
+                    <a:lstStyle/>
+                    <a:p>
+                      <a:r>
+                        <a:rPr lang="en-US" dirty="0"/>
+                        <a:t>Tag and Budget classes need all the same functions as Merchant class for the same reasons.</a:t>
+                      </a:r>
+                    </a:p>
+                  </a:txBody>
+                  <a:tcPr/>
+                </a:tc>
+                <a:tc hMerge="1">
                   <a:txBody>
                     <a:bodyPr/>
                     <a:lstStyle/>
@@ -6906,7 +6959,7 @@
                   </a:txBody>
                   <a:tcPr/>
                 </a:tc>
-                <a:tc>
+                <a:tc hMerge="1">
                   <a:txBody>
                     <a:bodyPr/>
                     <a:lstStyle/>
@@ -6916,7 +6969,7 @@
                   </a:txBody>
                   <a:tcPr/>
                 </a:tc>
-                <a:tc>
+                <a:tc hMerge="1">
                   <a:txBody>
                     <a:bodyPr/>
                     <a:lstStyle/>
@@ -6926,17 +6979,7 @@
                   </a:txBody>
                   <a:tcPr/>
                 </a:tc>
-                <a:tc>
-                  <a:txBody>
-                    <a:bodyPr/>
-                    <a:lstStyle/>
-                    <a:p>
-                      <a:endParaRPr lang="en-US" dirty="0"/>
-                    </a:p>
-                  </a:txBody>
-                  <a:tcPr/>
-                </a:tc>
-                <a:tc>
+                <a:tc hMerge="1">
                   <a:txBody>
                     <a:bodyPr/>
                     <a:lstStyle/>
@@ -6949,120 +6992,6 @@
                 <a:extLst>
                   <a:ext uri="{0D108BD9-81ED-4DB2-BD59-A6C34878D82A}">
                     <a16:rowId xmlns:a16="http://schemas.microsoft.com/office/drawing/2014/main" val="3831984839"/>
-                  </a:ext>
-                </a:extLst>
-              </a:tr>
-              <a:tr h="370840">
-                <a:tc>
-                  <a:txBody>
-                    <a:bodyPr/>
-                    <a:lstStyle/>
-                    <a:p>
-                      <a:endParaRPr lang="en-US" dirty="0"/>
-                    </a:p>
-                  </a:txBody>
-                  <a:tcPr/>
-                </a:tc>
-                <a:tc>
-                  <a:txBody>
-                    <a:bodyPr/>
-                    <a:lstStyle/>
-                    <a:p>
-                      <a:endParaRPr lang="en-US" dirty="0"/>
-                    </a:p>
-                  </a:txBody>
-                  <a:tcPr/>
-                </a:tc>
-                <a:tc>
-                  <a:txBody>
-                    <a:bodyPr/>
-                    <a:lstStyle/>
-                    <a:p>
-                      <a:endParaRPr lang="en-US" dirty="0"/>
-                    </a:p>
-                  </a:txBody>
-                  <a:tcPr/>
-                </a:tc>
-                <a:tc>
-                  <a:txBody>
-                    <a:bodyPr/>
-                    <a:lstStyle/>
-                    <a:p>
-                      <a:endParaRPr lang="en-US" dirty="0"/>
-                    </a:p>
-                  </a:txBody>
-                  <a:tcPr/>
-                </a:tc>
-                <a:tc>
-                  <a:txBody>
-                    <a:bodyPr/>
-                    <a:lstStyle/>
-                    <a:p>
-                      <a:endParaRPr lang="en-US" dirty="0"/>
-                    </a:p>
-                  </a:txBody>
-                  <a:tcPr/>
-                </a:tc>
-                <a:extLst>
-                  <a:ext uri="{0D108BD9-81ED-4DB2-BD59-A6C34878D82A}">
-                    <a16:rowId xmlns:a16="http://schemas.microsoft.com/office/drawing/2014/main" val="1081334054"/>
-                  </a:ext>
-                </a:extLst>
-              </a:tr>
-              <a:tr h="370840">
-                <a:tc>
-                  <a:txBody>
-                    <a:bodyPr/>
-                    <a:lstStyle/>
-                    <a:p>
-                      <a:endParaRPr lang="en-US" dirty="0"/>
-                    </a:p>
-                  </a:txBody>
-                  <a:tcPr/>
-                </a:tc>
-                <a:tc>
-                  <a:txBody>
-                    <a:bodyPr/>
-                    <a:lstStyle/>
-                    <a:p>
-                      <a:endParaRPr lang="en-US" dirty="0"/>
-                    </a:p>
-                  </a:txBody>
-                  <a:tcPr/>
-                </a:tc>
-                <a:tc>
-                  <a:txBody>
-                    <a:bodyPr/>
-                    <a:lstStyle/>
-                    <a:p>
-                      <a:endParaRPr lang="en-US" dirty="0"/>
-                    </a:p>
-                  </a:txBody>
-                  <a:tcPr/>
-                </a:tc>
-                <a:tc>
-                  <a:txBody>
-                    <a:bodyPr/>
-                    <a:lstStyle/>
-                    <a:p>
-                      <a:endParaRPr lang="en-US" dirty="0"/>
-                    </a:p>
-                  </a:txBody>
-                  <a:tcPr/>
-                </a:tc>
-                <a:tc>
-                  <a:txBody>
-                    <a:bodyPr/>
-                    <a:lstStyle/>
-                    <a:p>
-                      <a:endParaRPr lang="en-US" dirty="0"/>
-                    </a:p>
-                  </a:txBody>
-                  <a:tcPr/>
-                </a:tc>
-                <a:extLst>
-                  <a:ext uri="{0D108BD9-81ED-4DB2-BD59-A6C34878D82A}">
-                    <a16:rowId xmlns:a16="http://schemas.microsoft.com/office/drawing/2014/main" val="2432464653"/>
                   </a:ext>
                 </a:extLst>
               </a:tr>
@@ -7084,6 +7013,1421 @@
 </file>
 
 <file path=ppt/slides/slide15.xml><?xml version="1.0" encoding="utf-8"?>
+<p:sld xmlns:a="http://schemas.openxmlformats.org/drawingml/2006/main" xmlns:r="http://schemas.openxmlformats.org/officeDocument/2006/relationships" xmlns:p="http://schemas.openxmlformats.org/presentationml/2006/main">
+  <p:cSld>
+    <p:spTree>
+      <p:nvGrpSpPr>
+        <p:cNvPr id="1" name=""/>
+        <p:cNvGrpSpPr/>
+        <p:nvPr/>
+      </p:nvGrpSpPr>
+      <p:grpSpPr>
+        <a:xfrm>
+          <a:off x="0" y="0"/>
+          <a:ext cx="0" cy="0"/>
+          <a:chOff x="0" y="0"/>
+          <a:chExt cx="0" cy="0"/>
+        </a:xfrm>
+      </p:grpSpPr>
+      <p:sp>
+        <p:nvSpPr>
+          <p:cNvPr id="2" name="Title 1">
+            <a:extLst>
+              <a:ext uri="{FF2B5EF4-FFF2-40B4-BE49-F238E27FC236}">
+                <a16:creationId xmlns:a16="http://schemas.microsoft.com/office/drawing/2014/main" id="{76D7CAB5-A4EF-7B43-BD1B-F0A73C0FAF29}"/>
+              </a:ext>
+            </a:extLst>
+          </p:cNvPr>
+          <p:cNvSpPr>
+            <a:spLocks noGrp="1"/>
+          </p:cNvSpPr>
+          <p:nvPr>
+            <p:ph type="title"/>
+          </p:nvPr>
+        </p:nvSpPr>
+        <p:spPr>
+          <a:xfrm>
+            <a:off x="838200" y="365125"/>
+            <a:ext cx="10515600" cy="266887"/>
+          </a:xfrm>
+        </p:spPr>
+        <p:txBody>
+          <a:bodyPr>
+            <a:normAutofit fontScale="90000"/>
+          </a:bodyPr>
+          <a:lstStyle/>
+          <a:p>
+            <a:pPr algn="ctr"/>
+            <a:r>
+              <a:rPr lang="en-US" sz="2800" b="1" dirty="0"/>
+              <a:t>Function rationale – Page 3 - Transactions</a:t>
+            </a:r>
+          </a:p>
+        </p:txBody>
+      </p:sp>
+      <p:graphicFrame>
+        <p:nvGraphicFramePr>
+          <p:cNvPr id="4" name="Table 3">
+            <a:extLst>
+              <a:ext uri="{FF2B5EF4-FFF2-40B4-BE49-F238E27FC236}">
+                <a16:creationId xmlns:a16="http://schemas.microsoft.com/office/drawing/2014/main" id="{AA02A76F-4B68-E947-809B-4E0F1064ECFE}"/>
+              </a:ext>
+            </a:extLst>
+          </p:cNvPr>
+          <p:cNvGraphicFramePr>
+            <a:graphicFrameLocks noGrp="1"/>
+          </p:cNvGraphicFramePr>
+          <p:nvPr>
+            <p:extLst>
+              <p:ext uri="{D42A27DB-BD31-4B8C-83A1-F6EECF244321}">
+                <p14:modId xmlns:p14="http://schemas.microsoft.com/office/powerpoint/2010/main" val="1162771010"/>
+              </p:ext>
+            </p:extLst>
+          </p:nvPr>
+        </p:nvGraphicFramePr>
+        <p:xfrm>
+          <a:off x="85165" y="765885"/>
+          <a:ext cx="12021670" cy="3037840"/>
+        </p:xfrm>
+        <a:graphic>
+          <a:graphicData uri="http://schemas.openxmlformats.org/drawingml/2006/table">
+            <a:tbl>
+              <a:tblPr firstRow="1" bandRow="1">
+                <a:tableStyleId>{5940675A-B579-460E-94D1-54222C63F5DA}</a:tableStyleId>
+              </a:tblPr>
+              <a:tblGrid>
+                <a:gridCol w="1259541">
+                  <a:extLst>
+                    <a:ext uri="{9D8B030D-6E8A-4147-A177-3AD203B41FA5}">
+                      <a16:colId xmlns:a16="http://schemas.microsoft.com/office/drawing/2014/main" val="3310124708"/>
+                    </a:ext>
+                  </a:extLst>
+                </a:gridCol>
+                <a:gridCol w="1761565">
+                  <a:extLst>
+                    <a:ext uri="{9D8B030D-6E8A-4147-A177-3AD203B41FA5}">
+                      <a16:colId xmlns:a16="http://schemas.microsoft.com/office/drawing/2014/main" val="1695059105"/>
+                    </a:ext>
+                  </a:extLst>
+                </a:gridCol>
+                <a:gridCol w="3482788">
+                  <a:extLst>
+                    <a:ext uri="{9D8B030D-6E8A-4147-A177-3AD203B41FA5}">
+                      <a16:colId xmlns:a16="http://schemas.microsoft.com/office/drawing/2014/main" val="2644020309"/>
+                    </a:ext>
+                  </a:extLst>
+                </a:gridCol>
+                <a:gridCol w="3113442">
+                  <a:extLst>
+                    <a:ext uri="{9D8B030D-6E8A-4147-A177-3AD203B41FA5}">
+                      <a16:colId xmlns:a16="http://schemas.microsoft.com/office/drawing/2014/main" val="3698080099"/>
+                    </a:ext>
+                  </a:extLst>
+                </a:gridCol>
+                <a:gridCol w="2404334">
+                  <a:extLst>
+                    <a:ext uri="{9D8B030D-6E8A-4147-A177-3AD203B41FA5}">
+                      <a16:colId xmlns:a16="http://schemas.microsoft.com/office/drawing/2014/main" val="358479963"/>
+                    </a:ext>
+                  </a:extLst>
+                </a:gridCol>
+              </a:tblGrid>
+              <a:tr h="370840">
+                <a:tc>
+                  <a:txBody>
+                    <a:bodyPr/>
+                    <a:lstStyle/>
+                    <a:p>
+                      <a:pPr algn="ctr"/>
+                      <a:r>
+                        <a:rPr lang="en-US" b="1" dirty="0"/>
+                        <a:t>Class</a:t>
+                      </a:r>
+                    </a:p>
+                  </a:txBody>
+                  <a:tcPr/>
+                </a:tc>
+                <a:tc>
+                  <a:txBody>
+                    <a:bodyPr/>
+                    <a:lstStyle/>
+                    <a:p>
+                      <a:pPr algn="ctr"/>
+                      <a:r>
+                        <a:rPr lang="en-US" b="1" dirty="0"/>
+                        <a:t>Function Name</a:t>
+                      </a:r>
+                    </a:p>
+                  </a:txBody>
+                  <a:tcPr/>
+                </a:tc>
+                <a:tc>
+                  <a:txBody>
+                    <a:bodyPr/>
+                    <a:lstStyle/>
+                    <a:p>
+                      <a:pPr algn="ctr"/>
+                      <a:r>
+                        <a:rPr lang="en-US" b="1" dirty="0"/>
+                        <a:t>Why?</a:t>
+                      </a:r>
+                    </a:p>
+                  </a:txBody>
+                  <a:tcPr/>
+                </a:tc>
+                <a:tc>
+                  <a:txBody>
+                    <a:bodyPr/>
+                    <a:lstStyle/>
+                    <a:p>
+                      <a:pPr algn="ctr"/>
+                      <a:r>
+                        <a:rPr lang="en-US" b="1" dirty="0"/>
+                        <a:t>How?</a:t>
+                      </a:r>
+                    </a:p>
+                  </a:txBody>
+                  <a:tcPr/>
+                </a:tc>
+                <a:tc>
+                  <a:txBody>
+                    <a:bodyPr/>
+                    <a:lstStyle/>
+                    <a:p>
+                      <a:pPr algn="ctr"/>
+                      <a:r>
+                        <a:rPr lang="en-US" b="1" dirty="0"/>
+                        <a:t>Returning</a:t>
+                      </a:r>
+                    </a:p>
+                  </a:txBody>
+                  <a:tcPr/>
+                </a:tc>
+                <a:extLst>
+                  <a:ext uri="{0D108BD9-81ED-4DB2-BD59-A6C34878D82A}">
+                    <a16:rowId xmlns:a16="http://schemas.microsoft.com/office/drawing/2014/main" val="4165366467"/>
+                  </a:ext>
+                </a:extLst>
+              </a:tr>
+              <a:tr h="370840">
+                <a:tc>
+                  <a:txBody>
+                    <a:bodyPr/>
+                    <a:lstStyle/>
+                    <a:p>
+                      <a:r>
+                        <a:rPr lang="en-US" dirty="0"/>
+                        <a:t>Transaction</a:t>
+                      </a:r>
+                    </a:p>
+                  </a:txBody>
+                  <a:tcPr anchor="ctr"/>
+                </a:tc>
+                <a:tc>
+                  <a:txBody>
+                    <a:bodyPr/>
+                    <a:lstStyle/>
+                    <a:p>
+                      <a:r>
+                        <a:rPr lang="en-US" dirty="0"/>
+                        <a:t>.save </a:t>
+                      </a:r>
+                      <a:r>
+                        <a:rPr lang="en-US" b="1" dirty="0"/>
+                        <a:t>C</a:t>
+                      </a:r>
+                      <a:endParaRPr lang="en-US" dirty="0"/>
+                    </a:p>
+                  </a:txBody>
+                  <a:tcPr anchor="ctr"/>
+                </a:tc>
+                <a:tc>
+                  <a:txBody>
+                    <a:bodyPr/>
+                    <a:lstStyle/>
+                    <a:p>
+                      <a:r>
+                        <a:rPr lang="en-US" dirty="0"/>
+                        <a:t>New transactions need to be saved to the database</a:t>
+                      </a:r>
+                    </a:p>
+                  </a:txBody>
+                  <a:tcPr anchor="ctr"/>
+                </a:tc>
+                <a:tc>
+                  <a:txBody>
+                    <a:bodyPr/>
+                    <a:lstStyle/>
+                    <a:p>
+                      <a:r>
+                        <a:rPr lang="en-US" dirty="0"/>
+                        <a:t>New transaction is inserted into the Transactions table</a:t>
+                      </a:r>
+                    </a:p>
+                  </a:txBody>
+                  <a:tcPr anchor="ctr"/>
+                </a:tc>
+                <a:tc>
+                  <a:txBody>
+                    <a:bodyPr/>
+                    <a:lstStyle/>
+                    <a:p>
+                      <a:r>
+                        <a:rPr lang="en-US" dirty="0"/>
+                        <a:t>id</a:t>
+                      </a:r>
+                    </a:p>
+                  </a:txBody>
+                  <a:tcPr anchor="ctr"/>
+                </a:tc>
+                <a:extLst>
+                  <a:ext uri="{0D108BD9-81ED-4DB2-BD59-A6C34878D82A}">
+                    <a16:rowId xmlns:a16="http://schemas.microsoft.com/office/drawing/2014/main" val="1323884526"/>
+                  </a:ext>
+                </a:extLst>
+              </a:tr>
+              <a:tr h="370840">
+                <a:tc>
+                  <a:txBody>
+                    <a:bodyPr/>
+                    <a:lstStyle/>
+                    <a:p>
+                      <a:pPr marL="0" marR="0" lvl="0" indent="0" algn="l" defTabSz="914400" rtl="0" eaLnBrk="1" fontAlgn="auto" latinLnBrk="0" hangingPunct="1">
+                        <a:lnSpc>
+                          <a:spcPct val="100000"/>
+                        </a:lnSpc>
+                        <a:spcBef>
+                          <a:spcPts val="0"/>
+                        </a:spcBef>
+                        <a:spcAft>
+                          <a:spcPts val="0"/>
+                        </a:spcAft>
+                        <a:buClrTx/>
+                        <a:buSzTx/>
+                        <a:buFontTx/>
+                        <a:buNone/>
+                        <a:tabLst/>
+                        <a:defRPr/>
+                      </a:pPr>
+                      <a:r>
+                        <a:rPr kumimoji="0" lang="en-US" sz="1800" b="0" i="0" u="none" strike="noStrike" kern="1200" cap="none" spc="0" normalizeH="0" baseline="0" noProof="0">
+                          <a:ln>
+                            <a:noFill/>
+                          </a:ln>
+                          <a:solidFill>
+                            <a:prstClr val="black"/>
+                          </a:solidFill>
+                          <a:effectLst/>
+                          <a:uLnTx/>
+                          <a:uFillTx/>
+                          <a:latin typeface="Calibri" panose="020F0502020204030204"/>
+                          <a:ea typeface="+mn-ea"/>
+                          <a:cs typeface="+mn-cs"/>
+                        </a:rPr>
+                        <a:t>Transaction</a:t>
+                      </a:r>
+                      <a:endParaRPr kumimoji="0" lang="en-US" sz="1800" b="0" i="0" u="none" strike="noStrike" kern="1200" cap="none" spc="0" normalizeH="0" baseline="0" noProof="0" dirty="0">
+                        <a:ln>
+                          <a:noFill/>
+                        </a:ln>
+                        <a:solidFill>
+                          <a:prstClr val="black"/>
+                        </a:solidFill>
+                        <a:effectLst/>
+                        <a:uLnTx/>
+                        <a:uFillTx/>
+                        <a:latin typeface="Calibri" panose="020F0502020204030204"/>
+                        <a:ea typeface="+mn-ea"/>
+                        <a:cs typeface="+mn-cs"/>
+                      </a:endParaRPr>
+                    </a:p>
+                  </a:txBody>
+                  <a:tcPr anchor="ctr"/>
+                </a:tc>
+                <a:tc>
+                  <a:txBody>
+                    <a:bodyPr/>
+                    <a:lstStyle/>
+                    <a:p>
+                      <a:r>
+                        <a:rPr lang="en-US" dirty="0" err="1"/>
+                        <a:t>Self.find</a:t>
+                      </a:r>
+                      <a:r>
+                        <a:rPr lang="en-US" dirty="0"/>
+                        <a:t> </a:t>
+                      </a:r>
+                      <a:r>
+                        <a:rPr lang="en-US" b="1" dirty="0"/>
+                        <a:t>R</a:t>
+                      </a:r>
+                      <a:endParaRPr lang="en-US" dirty="0"/>
+                    </a:p>
+                  </a:txBody>
+                  <a:tcPr anchor="ctr"/>
+                </a:tc>
+                <a:tc>
+                  <a:txBody>
+                    <a:bodyPr/>
+                    <a:lstStyle/>
+                    <a:p>
+                      <a:r>
+                        <a:rPr lang="en-US" dirty="0"/>
+                        <a:t>Transactions will need to be identified to allow them to be added to budgets</a:t>
+                      </a:r>
+                    </a:p>
+                  </a:txBody>
+                  <a:tcPr anchor="ctr"/>
+                </a:tc>
+                <a:tc>
+                  <a:txBody>
+                    <a:bodyPr/>
+                    <a:lstStyle/>
+                    <a:p>
+                      <a:r>
+                        <a:rPr lang="en-US" dirty="0"/>
+                        <a:t>All transactions matching a certain id can be selected</a:t>
+                      </a:r>
+                    </a:p>
+                  </a:txBody>
+                  <a:tcPr anchor="ctr"/>
+                </a:tc>
+                <a:tc>
+                  <a:txBody>
+                    <a:bodyPr/>
+                    <a:lstStyle/>
+                    <a:p>
+                      <a:r>
+                        <a:rPr lang="en-US" dirty="0"/>
+                        <a:t>The transaction searched for</a:t>
+                      </a:r>
+                    </a:p>
+                  </a:txBody>
+                  <a:tcPr anchor="ctr"/>
+                </a:tc>
+                <a:extLst>
+                  <a:ext uri="{0D108BD9-81ED-4DB2-BD59-A6C34878D82A}">
+                    <a16:rowId xmlns:a16="http://schemas.microsoft.com/office/drawing/2014/main" val="2731388846"/>
+                  </a:ext>
+                </a:extLst>
+              </a:tr>
+              <a:tr h="370840">
+                <a:tc>
+                  <a:txBody>
+                    <a:bodyPr/>
+                    <a:lstStyle/>
+                    <a:p>
+                      <a:pPr marL="0" marR="0" lvl="0" indent="0" algn="l" defTabSz="914400" rtl="0" eaLnBrk="1" fontAlgn="auto" latinLnBrk="0" hangingPunct="1">
+                        <a:lnSpc>
+                          <a:spcPct val="100000"/>
+                        </a:lnSpc>
+                        <a:spcBef>
+                          <a:spcPts val="0"/>
+                        </a:spcBef>
+                        <a:spcAft>
+                          <a:spcPts val="0"/>
+                        </a:spcAft>
+                        <a:buClrTx/>
+                        <a:buSzTx/>
+                        <a:buFontTx/>
+                        <a:buNone/>
+                        <a:tabLst/>
+                        <a:defRPr/>
+                      </a:pPr>
+                      <a:r>
+                        <a:rPr kumimoji="0" lang="en-US" sz="1800" b="0" i="0" u="none" strike="noStrike" kern="1200" cap="none" spc="0" normalizeH="0" baseline="0" noProof="0">
+                          <a:ln>
+                            <a:noFill/>
+                          </a:ln>
+                          <a:solidFill>
+                            <a:prstClr val="black"/>
+                          </a:solidFill>
+                          <a:effectLst/>
+                          <a:uLnTx/>
+                          <a:uFillTx/>
+                          <a:latin typeface="Calibri" panose="020F0502020204030204"/>
+                          <a:ea typeface="+mn-ea"/>
+                          <a:cs typeface="+mn-cs"/>
+                        </a:rPr>
+                        <a:t>Transaction</a:t>
+                      </a:r>
+                      <a:endParaRPr kumimoji="0" lang="en-US" sz="1800" b="0" i="0" u="none" strike="noStrike" kern="1200" cap="none" spc="0" normalizeH="0" baseline="0" noProof="0" dirty="0">
+                        <a:ln>
+                          <a:noFill/>
+                        </a:ln>
+                        <a:solidFill>
+                          <a:prstClr val="black"/>
+                        </a:solidFill>
+                        <a:effectLst/>
+                        <a:uLnTx/>
+                        <a:uFillTx/>
+                        <a:latin typeface="Calibri" panose="020F0502020204030204"/>
+                        <a:ea typeface="+mn-ea"/>
+                        <a:cs typeface="+mn-cs"/>
+                      </a:endParaRPr>
+                    </a:p>
+                  </a:txBody>
+                  <a:tcPr/>
+                </a:tc>
+                <a:tc>
+                  <a:txBody>
+                    <a:bodyPr/>
+                    <a:lstStyle/>
+                    <a:p>
+                      <a:r>
+                        <a:rPr lang="en-US" dirty="0" err="1"/>
+                        <a:t>Self.all</a:t>
+                      </a:r>
+                      <a:r>
+                        <a:rPr lang="en-US" dirty="0"/>
+                        <a:t> </a:t>
+                      </a:r>
+                      <a:r>
+                        <a:rPr lang="en-US" b="1" dirty="0"/>
+                        <a:t>R</a:t>
+                      </a:r>
+                      <a:endParaRPr lang="en-US" dirty="0"/>
+                    </a:p>
+                  </a:txBody>
+                  <a:tcPr/>
+                </a:tc>
+                <a:tc>
+                  <a:txBody>
+                    <a:bodyPr/>
+                    <a:lstStyle/>
+                    <a:p>
+                      <a:endParaRPr lang="en-US" dirty="0"/>
+                    </a:p>
+                  </a:txBody>
+                  <a:tcPr/>
+                </a:tc>
+                <a:tc>
+                  <a:txBody>
+                    <a:bodyPr/>
+                    <a:lstStyle/>
+                    <a:p>
+                      <a:endParaRPr lang="en-US" dirty="0"/>
+                    </a:p>
+                  </a:txBody>
+                  <a:tcPr/>
+                </a:tc>
+                <a:tc>
+                  <a:txBody>
+                    <a:bodyPr/>
+                    <a:lstStyle/>
+                    <a:p>
+                      <a:endParaRPr lang="en-US" dirty="0"/>
+                    </a:p>
+                  </a:txBody>
+                  <a:tcPr/>
+                </a:tc>
+                <a:extLst>
+                  <a:ext uri="{0D108BD9-81ED-4DB2-BD59-A6C34878D82A}">
+                    <a16:rowId xmlns:a16="http://schemas.microsoft.com/office/drawing/2014/main" val="3831984839"/>
+                  </a:ext>
+                </a:extLst>
+              </a:tr>
+              <a:tr h="370840">
+                <a:tc>
+                  <a:txBody>
+                    <a:bodyPr/>
+                    <a:lstStyle/>
+                    <a:p>
+                      <a:pPr marL="0" marR="0" lvl="0" indent="0" algn="l" defTabSz="914400" rtl="0" eaLnBrk="1" fontAlgn="auto" latinLnBrk="0" hangingPunct="1">
+                        <a:lnSpc>
+                          <a:spcPct val="100000"/>
+                        </a:lnSpc>
+                        <a:spcBef>
+                          <a:spcPts val="0"/>
+                        </a:spcBef>
+                        <a:spcAft>
+                          <a:spcPts val="0"/>
+                        </a:spcAft>
+                        <a:buClrTx/>
+                        <a:buSzTx/>
+                        <a:buFontTx/>
+                        <a:buNone/>
+                        <a:tabLst/>
+                        <a:defRPr/>
+                      </a:pPr>
+                      <a:r>
+                        <a:rPr kumimoji="0" lang="en-US" sz="1800" b="0" i="0" u="none" strike="noStrike" kern="1200" cap="none" spc="0" normalizeH="0" baseline="0" noProof="0">
+                          <a:ln>
+                            <a:noFill/>
+                          </a:ln>
+                          <a:solidFill>
+                            <a:prstClr val="black"/>
+                          </a:solidFill>
+                          <a:effectLst/>
+                          <a:uLnTx/>
+                          <a:uFillTx/>
+                          <a:latin typeface="Calibri" panose="020F0502020204030204"/>
+                          <a:ea typeface="+mn-ea"/>
+                          <a:cs typeface="+mn-cs"/>
+                        </a:rPr>
+                        <a:t>Transaction</a:t>
+                      </a:r>
+                      <a:endParaRPr kumimoji="0" lang="en-US" sz="1800" b="0" i="0" u="none" strike="noStrike" kern="1200" cap="none" spc="0" normalizeH="0" baseline="0" noProof="0" dirty="0">
+                        <a:ln>
+                          <a:noFill/>
+                        </a:ln>
+                        <a:solidFill>
+                          <a:prstClr val="black"/>
+                        </a:solidFill>
+                        <a:effectLst/>
+                        <a:uLnTx/>
+                        <a:uFillTx/>
+                        <a:latin typeface="Calibri" panose="020F0502020204030204"/>
+                        <a:ea typeface="+mn-ea"/>
+                        <a:cs typeface="+mn-cs"/>
+                      </a:endParaRPr>
+                    </a:p>
+                  </a:txBody>
+                  <a:tcPr/>
+                </a:tc>
+                <a:tc>
+                  <a:txBody>
+                    <a:bodyPr/>
+                    <a:lstStyle/>
+                    <a:p>
+                      <a:r>
+                        <a:rPr lang="en-US" dirty="0" err="1"/>
+                        <a:t>Self.map_items</a:t>
+                      </a:r>
+                      <a:endParaRPr lang="en-US" dirty="0"/>
+                    </a:p>
+                  </a:txBody>
+                  <a:tcPr/>
+                </a:tc>
+                <a:tc>
+                  <a:txBody>
+                    <a:bodyPr/>
+                    <a:lstStyle/>
+                    <a:p>
+                      <a:endParaRPr lang="en-US" dirty="0"/>
+                    </a:p>
+                  </a:txBody>
+                  <a:tcPr/>
+                </a:tc>
+                <a:tc>
+                  <a:txBody>
+                    <a:bodyPr/>
+                    <a:lstStyle/>
+                    <a:p>
+                      <a:endParaRPr lang="en-US" dirty="0"/>
+                    </a:p>
+                  </a:txBody>
+                  <a:tcPr/>
+                </a:tc>
+                <a:tc>
+                  <a:txBody>
+                    <a:bodyPr/>
+                    <a:lstStyle/>
+                    <a:p>
+                      <a:endParaRPr lang="en-US" dirty="0"/>
+                    </a:p>
+                  </a:txBody>
+                  <a:tcPr/>
+                </a:tc>
+                <a:extLst>
+                  <a:ext uri="{0D108BD9-81ED-4DB2-BD59-A6C34878D82A}">
+                    <a16:rowId xmlns:a16="http://schemas.microsoft.com/office/drawing/2014/main" val="1081334054"/>
+                  </a:ext>
+                </a:extLst>
+              </a:tr>
+              <a:tr h="370840">
+                <a:tc>
+                  <a:txBody>
+                    <a:bodyPr/>
+                    <a:lstStyle/>
+                    <a:p>
+                      <a:pPr marL="0" marR="0" lvl="0" indent="0" algn="l" defTabSz="914400" rtl="0" eaLnBrk="1" fontAlgn="auto" latinLnBrk="0" hangingPunct="1">
+                        <a:lnSpc>
+                          <a:spcPct val="100000"/>
+                        </a:lnSpc>
+                        <a:spcBef>
+                          <a:spcPts val="0"/>
+                        </a:spcBef>
+                        <a:spcAft>
+                          <a:spcPts val="0"/>
+                        </a:spcAft>
+                        <a:buClrTx/>
+                        <a:buSzTx/>
+                        <a:buFontTx/>
+                        <a:buNone/>
+                        <a:tabLst/>
+                        <a:defRPr/>
+                      </a:pPr>
+                      <a:r>
+                        <a:rPr kumimoji="0" lang="en-US" sz="1800" b="0" i="0" u="none" strike="noStrike" kern="1200" cap="none" spc="0" normalizeH="0" baseline="0" noProof="0" dirty="0">
+                          <a:ln>
+                            <a:noFill/>
+                          </a:ln>
+                          <a:solidFill>
+                            <a:prstClr val="black"/>
+                          </a:solidFill>
+                          <a:effectLst/>
+                          <a:uLnTx/>
+                          <a:uFillTx/>
+                          <a:latin typeface="Calibri" panose="020F0502020204030204"/>
+                          <a:ea typeface="+mn-ea"/>
+                          <a:cs typeface="+mn-cs"/>
+                        </a:rPr>
+                        <a:t>Transaction</a:t>
+                      </a:r>
+                    </a:p>
+                  </a:txBody>
+                  <a:tcPr/>
+                </a:tc>
+                <a:tc>
+                  <a:txBody>
+                    <a:bodyPr/>
+                    <a:lstStyle/>
+                    <a:p>
+                      <a:r>
+                        <a:rPr lang="en-US" dirty="0"/>
+                        <a:t>.update </a:t>
+                      </a:r>
+                      <a:r>
+                        <a:rPr lang="en-US" b="1" dirty="0"/>
+                        <a:t>U</a:t>
+                      </a:r>
+                      <a:endParaRPr lang="en-US" dirty="0"/>
+                    </a:p>
+                  </a:txBody>
+                  <a:tcPr/>
+                </a:tc>
+                <a:tc>
+                  <a:txBody>
+                    <a:bodyPr/>
+                    <a:lstStyle/>
+                    <a:p>
+                      <a:endParaRPr lang="en-US" dirty="0"/>
+                    </a:p>
+                  </a:txBody>
+                  <a:tcPr/>
+                </a:tc>
+                <a:tc>
+                  <a:txBody>
+                    <a:bodyPr/>
+                    <a:lstStyle/>
+                    <a:p>
+                      <a:endParaRPr lang="en-US" dirty="0"/>
+                    </a:p>
+                  </a:txBody>
+                  <a:tcPr/>
+                </a:tc>
+                <a:tc>
+                  <a:txBody>
+                    <a:bodyPr/>
+                    <a:lstStyle/>
+                    <a:p>
+                      <a:endParaRPr lang="en-US" dirty="0"/>
+                    </a:p>
+                  </a:txBody>
+                  <a:tcPr/>
+                </a:tc>
+                <a:extLst>
+                  <a:ext uri="{0D108BD9-81ED-4DB2-BD59-A6C34878D82A}">
+                    <a16:rowId xmlns:a16="http://schemas.microsoft.com/office/drawing/2014/main" val="2432464653"/>
+                  </a:ext>
+                </a:extLst>
+              </a:tr>
+            </a:tbl>
+          </a:graphicData>
+        </a:graphic>
+      </p:graphicFrame>
+    </p:spTree>
+    <p:extLst>
+      <p:ext uri="{BB962C8B-B14F-4D97-AF65-F5344CB8AC3E}">
+        <p14:creationId xmlns:p14="http://schemas.microsoft.com/office/powerpoint/2010/main" val="3784308486"/>
+      </p:ext>
+    </p:extLst>
+  </p:cSld>
+  <p:clrMapOvr>
+    <a:masterClrMapping/>
+  </p:clrMapOvr>
+</p:sld>
+</file>
+
+<file path=ppt/slides/slide16.xml><?xml version="1.0" encoding="utf-8"?>
+<p:sld xmlns:a="http://schemas.openxmlformats.org/drawingml/2006/main" xmlns:r="http://schemas.openxmlformats.org/officeDocument/2006/relationships" xmlns:p="http://schemas.openxmlformats.org/presentationml/2006/main">
+  <p:cSld>
+    <p:spTree>
+      <p:nvGrpSpPr>
+        <p:cNvPr id="1" name=""/>
+        <p:cNvGrpSpPr/>
+        <p:nvPr/>
+      </p:nvGrpSpPr>
+      <p:grpSpPr>
+        <a:xfrm>
+          <a:off x="0" y="0"/>
+          <a:ext cx="0" cy="0"/>
+          <a:chOff x="0" y="0"/>
+          <a:chExt cx="0" cy="0"/>
+        </a:xfrm>
+      </p:grpSpPr>
+      <p:sp>
+        <p:nvSpPr>
+          <p:cNvPr id="2" name="Title 1">
+            <a:extLst>
+              <a:ext uri="{FF2B5EF4-FFF2-40B4-BE49-F238E27FC236}">
+                <a16:creationId xmlns:a16="http://schemas.microsoft.com/office/drawing/2014/main" id="{76D7CAB5-A4EF-7B43-BD1B-F0A73C0FAF29}"/>
+              </a:ext>
+            </a:extLst>
+          </p:cNvPr>
+          <p:cNvSpPr>
+            <a:spLocks noGrp="1"/>
+          </p:cNvSpPr>
+          <p:nvPr>
+            <p:ph type="title"/>
+          </p:nvPr>
+        </p:nvSpPr>
+        <p:spPr>
+          <a:xfrm>
+            <a:off x="838200" y="365125"/>
+            <a:ext cx="10515600" cy="266887"/>
+          </a:xfrm>
+        </p:spPr>
+        <p:txBody>
+          <a:bodyPr>
+            <a:normAutofit fontScale="90000"/>
+          </a:bodyPr>
+          <a:lstStyle/>
+          <a:p>
+            <a:pPr algn="ctr"/>
+            <a:r>
+              <a:rPr lang="en-US" sz="2800" b="1" dirty="0"/>
+              <a:t>Function rationale – Page 4 Transactions</a:t>
+            </a:r>
+          </a:p>
+        </p:txBody>
+      </p:sp>
+      <p:graphicFrame>
+        <p:nvGraphicFramePr>
+          <p:cNvPr id="4" name="Table 3">
+            <a:extLst>
+              <a:ext uri="{FF2B5EF4-FFF2-40B4-BE49-F238E27FC236}">
+                <a16:creationId xmlns:a16="http://schemas.microsoft.com/office/drawing/2014/main" id="{AA02A76F-4B68-E947-809B-4E0F1064ECFE}"/>
+              </a:ext>
+            </a:extLst>
+          </p:cNvPr>
+          <p:cNvGraphicFramePr>
+            <a:graphicFrameLocks noGrp="1"/>
+          </p:cNvGraphicFramePr>
+          <p:nvPr>
+            <p:extLst>
+              <p:ext uri="{D42A27DB-BD31-4B8C-83A1-F6EECF244321}">
+                <p14:modId xmlns:p14="http://schemas.microsoft.com/office/powerpoint/2010/main" val="175121615"/>
+              </p:ext>
+            </p:extLst>
+          </p:nvPr>
+        </p:nvGraphicFramePr>
+        <p:xfrm>
+          <a:off x="85165" y="765885"/>
+          <a:ext cx="12021670" cy="3129280"/>
+        </p:xfrm>
+        <a:graphic>
+          <a:graphicData uri="http://schemas.openxmlformats.org/drawingml/2006/table">
+            <a:tbl>
+              <a:tblPr firstRow="1" bandRow="1">
+                <a:tableStyleId>{5940675A-B579-460E-94D1-54222C63F5DA}</a:tableStyleId>
+              </a:tblPr>
+              <a:tblGrid>
+                <a:gridCol w="1259541">
+                  <a:extLst>
+                    <a:ext uri="{9D8B030D-6E8A-4147-A177-3AD203B41FA5}">
+                      <a16:colId xmlns:a16="http://schemas.microsoft.com/office/drawing/2014/main" val="3310124708"/>
+                    </a:ext>
+                  </a:extLst>
+                </a:gridCol>
+                <a:gridCol w="1761565">
+                  <a:extLst>
+                    <a:ext uri="{9D8B030D-6E8A-4147-A177-3AD203B41FA5}">
+                      <a16:colId xmlns:a16="http://schemas.microsoft.com/office/drawing/2014/main" val="1695059105"/>
+                    </a:ext>
+                  </a:extLst>
+                </a:gridCol>
+                <a:gridCol w="3482788">
+                  <a:extLst>
+                    <a:ext uri="{9D8B030D-6E8A-4147-A177-3AD203B41FA5}">
+                      <a16:colId xmlns:a16="http://schemas.microsoft.com/office/drawing/2014/main" val="2644020309"/>
+                    </a:ext>
+                  </a:extLst>
+                </a:gridCol>
+                <a:gridCol w="3113442">
+                  <a:extLst>
+                    <a:ext uri="{9D8B030D-6E8A-4147-A177-3AD203B41FA5}">
+                      <a16:colId xmlns:a16="http://schemas.microsoft.com/office/drawing/2014/main" val="3698080099"/>
+                    </a:ext>
+                  </a:extLst>
+                </a:gridCol>
+                <a:gridCol w="2404334">
+                  <a:extLst>
+                    <a:ext uri="{9D8B030D-6E8A-4147-A177-3AD203B41FA5}">
+                      <a16:colId xmlns:a16="http://schemas.microsoft.com/office/drawing/2014/main" val="358479963"/>
+                    </a:ext>
+                  </a:extLst>
+                </a:gridCol>
+              </a:tblGrid>
+              <a:tr h="370840">
+                <a:tc>
+                  <a:txBody>
+                    <a:bodyPr/>
+                    <a:lstStyle/>
+                    <a:p>
+                      <a:pPr algn="ctr"/>
+                      <a:r>
+                        <a:rPr lang="en-US" b="1" dirty="0"/>
+                        <a:t>Class</a:t>
+                      </a:r>
+                    </a:p>
+                  </a:txBody>
+                  <a:tcPr/>
+                </a:tc>
+                <a:tc>
+                  <a:txBody>
+                    <a:bodyPr/>
+                    <a:lstStyle/>
+                    <a:p>
+                      <a:pPr algn="ctr"/>
+                      <a:r>
+                        <a:rPr lang="en-US" b="1" dirty="0"/>
+                        <a:t>Function Name</a:t>
+                      </a:r>
+                    </a:p>
+                  </a:txBody>
+                  <a:tcPr/>
+                </a:tc>
+                <a:tc>
+                  <a:txBody>
+                    <a:bodyPr/>
+                    <a:lstStyle/>
+                    <a:p>
+                      <a:pPr algn="ctr"/>
+                      <a:r>
+                        <a:rPr lang="en-US" b="1" dirty="0"/>
+                        <a:t>Why?</a:t>
+                      </a:r>
+                    </a:p>
+                  </a:txBody>
+                  <a:tcPr/>
+                </a:tc>
+                <a:tc>
+                  <a:txBody>
+                    <a:bodyPr/>
+                    <a:lstStyle/>
+                    <a:p>
+                      <a:pPr algn="ctr"/>
+                      <a:r>
+                        <a:rPr lang="en-US" b="1" dirty="0"/>
+                        <a:t>How?</a:t>
+                      </a:r>
+                    </a:p>
+                  </a:txBody>
+                  <a:tcPr/>
+                </a:tc>
+                <a:tc>
+                  <a:txBody>
+                    <a:bodyPr/>
+                    <a:lstStyle/>
+                    <a:p>
+                      <a:pPr algn="ctr"/>
+                      <a:r>
+                        <a:rPr lang="en-US" b="1" dirty="0"/>
+                        <a:t>Returning</a:t>
+                      </a:r>
+                    </a:p>
+                  </a:txBody>
+                  <a:tcPr/>
+                </a:tc>
+                <a:extLst>
+                  <a:ext uri="{0D108BD9-81ED-4DB2-BD59-A6C34878D82A}">
+                    <a16:rowId xmlns:a16="http://schemas.microsoft.com/office/drawing/2014/main" val="4165366467"/>
+                  </a:ext>
+                </a:extLst>
+              </a:tr>
+              <a:tr h="370840">
+                <a:tc>
+                  <a:txBody>
+                    <a:bodyPr/>
+                    <a:lstStyle/>
+                    <a:p>
+                      <a:pPr marL="0" marR="0" lvl="0" indent="0" algn="l" defTabSz="914400" rtl="0" eaLnBrk="1" fontAlgn="auto" latinLnBrk="0" hangingPunct="1">
+                        <a:lnSpc>
+                          <a:spcPct val="100000"/>
+                        </a:lnSpc>
+                        <a:spcBef>
+                          <a:spcPts val="0"/>
+                        </a:spcBef>
+                        <a:spcAft>
+                          <a:spcPts val="0"/>
+                        </a:spcAft>
+                        <a:buClrTx/>
+                        <a:buSzTx/>
+                        <a:buFontTx/>
+                        <a:buNone/>
+                        <a:tabLst/>
+                        <a:defRPr/>
+                      </a:pPr>
+                      <a:r>
+                        <a:rPr kumimoji="0" lang="en-US" sz="1800" b="0" i="0" u="none" strike="noStrike" kern="1200" cap="none" spc="0" normalizeH="0" baseline="0" noProof="0">
+                          <a:ln>
+                            <a:noFill/>
+                          </a:ln>
+                          <a:solidFill>
+                            <a:prstClr val="black"/>
+                          </a:solidFill>
+                          <a:effectLst/>
+                          <a:uLnTx/>
+                          <a:uFillTx/>
+                          <a:latin typeface="Calibri" panose="020F0502020204030204"/>
+                          <a:ea typeface="+mn-ea"/>
+                          <a:cs typeface="+mn-cs"/>
+                        </a:rPr>
+                        <a:t>Transaction</a:t>
+                      </a:r>
+                      <a:endParaRPr kumimoji="0" lang="en-US" sz="1800" b="0" i="0" u="none" strike="noStrike" kern="1200" cap="none" spc="0" normalizeH="0" baseline="0" noProof="0" dirty="0">
+                        <a:ln>
+                          <a:noFill/>
+                        </a:ln>
+                        <a:solidFill>
+                          <a:prstClr val="black"/>
+                        </a:solidFill>
+                        <a:effectLst/>
+                        <a:uLnTx/>
+                        <a:uFillTx/>
+                        <a:latin typeface="Calibri" panose="020F0502020204030204"/>
+                        <a:ea typeface="+mn-ea"/>
+                        <a:cs typeface="+mn-cs"/>
+                      </a:endParaRPr>
+                    </a:p>
+                  </a:txBody>
+                  <a:tcPr anchor="ctr"/>
+                </a:tc>
+                <a:tc>
+                  <a:txBody>
+                    <a:bodyPr/>
+                    <a:lstStyle/>
+                    <a:p>
+                      <a:r>
+                        <a:rPr lang="en-US" dirty="0"/>
+                        <a:t>Delete by id </a:t>
+                      </a:r>
+                      <a:r>
+                        <a:rPr lang="en-US" b="1" dirty="0"/>
+                        <a:t>D</a:t>
+                      </a:r>
+                      <a:endParaRPr lang="en-US" dirty="0"/>
+                    </a:p>
+                  </a:txBody>
+                  <a:tcPr anchor="ctr"/>
+                </a:tc>
+                <a:tc>
+                  <a:txBody>
+                    <a:bodyPr/>
+                    <a:lstStyle/>
+                    <a:p>
+                      <a:endParaRPr lang="en-US" dirty="0"/>
+                    </a:p>
+                  </a:txBody>
+                  <a:tcPr anchor="ctr"/>
+                </a:tc>
+                <a:tc>
+                  <a:txBody>
+                    <a:bodyPr/>
+                    <a:lstStyle/>
+                    <a:p>
+                      <a:endParaRPr lang="en-US" dirty="0"/>
+                    </a:p>
+                  </a:txBody>
+                  <a:tcPr anchor="ctr"/>
+                </a:tc>
+                <a:tc>
+                  <a:txBody>
+                    <a:bodyPr/>
+                    <a:lstStyle/>
+                    <a:p>
+                      <a:endParaRPr lang="en-US" dirty="0"/>
+                    </a:p>
+                  </a:txBody>
+                  <a:tcPr anchor="ctr"/>
+                </a:tc>
+                <a:extLst>
+                  <a:ext uri="{0D108BD9-81ED-4DB2-BD59-A6C34878D82A}">
+                    <a16:rowId xmlns:a16="http://schemas.microsoft.com/office/drawing/2014/main" val="1323884526"/>
+                  </a:ext>
+                </a:extLst>
+              </a:tr>
+              <a:tr h="282986">
+                <a:tc>
+                  <a:txBody>
+                    <a:bodyPr/>
+                    <a:lstStyle/>
+                    <a:p>
+                      <a:pPr marL="0" marR="0" lvl="0" indent="0" algn="l" defTabSz="914400" rtl="0" eaLnBrk="1" fontAlgn="auto" latinLnBrk="0" hangingPunct="1">
+                        <a:lnSpc>
+                          <a:spcPct val="100000"/>
+                        </a:lnSpc>
+                        <a:spcBef>
+                          <a:spcPts val="0"/>
+                        </a:spcBef>
+                        <a:spcAft>
+                          <a:spcPts val="0"/>
+                        </a:spcAft>
+                        <a:buClrTx/>
+                        <a:buSzTx/>
+                        <a:buFontTx/>
+                        <a:buNone/>
+                        <a:tabLst/>
+                        <a:defRPr/>
+                      </a:pPr>
+                      <a:r>
+                        <a:rPr kumimoji="0" lang="en-US" sz="1800" b="0" i="0" u="none" strike="noStrike" kern="1200" cap="none" spc="0" normalizeH="0" baseline="0" noProof="0" dirty="0">
+                          <a:ln>
+                            <a:noFill/>
+                          </a:ln>
+                          <a:solidFill>
+                            <a:prstClr val="black"/>
+                          </a:solidFill>
+                          <a:effectLst/>
+                          <a:uLnTx/>
+                          <a:uFillTx/>
+                          <a:latin typeface="Calibri" panose="020F0502020204030204"/>
+                          <a:ea typeface="+mn-ea"/>
+                          <a:cs typeface="+mn-cs"/>
+                        </a:rPr>
+                        <a:t>Transaction</a:t>
+                      </a:r>
+                    </a:p>
+                  </a:txBody>
+                  <a:tcPr anchor="ctr"/>
+                </a:tc>
+                <a:tc>
+                  <a:txBody>
+                    <a:bodyPr/>
+                    <a:lstStyle/>
+                    <a:p>
+                      <a:r>
+                        <a:rPr lang="en-US" dirty="0"/>
+                        <a:t>Delete all </a:t>
+                      </a:r>
+                      <a:r>
+                        <a:rPr lang="en-US" b="1" dirty="0"/>
+                        <a:t>D</a:t>
+                      </a:r>
+                      <a:endParaRPr lang="en-US" dirty="0"/>
+                    </a:p>
+                  </a:txBody>
+                  <a:tcPr anchor="ctr"/>
+                </a:tc>
+                <a:tc>
+                  <a:txBody>
+                    <a:bodyPr/>
+                    <a:lstStyle/>
+                    <a:p>
+                      <a:endParaRPr lang="en-US" dirty="0"/>
+                    </a:p>
+                  </a:txBody>
+                  <a:tcPr anchor="ctr"/>
+                </a:tc>
+                <a:tc>
+                  <a:txBody>
+                    <a:bodyPr/>
+                    <a:lstStyle/>
+                    <a:p>
+                      <a:endParaRPr lang="en-US" dirty="0"/>
+                    </a:p>
+                  </a:txBody>
+                  <a:tcPr anchor="ctr"/>
+                </a:tc>
+                <a:tc>
+                  <a:txBody>
+                    <a:bodyPr/>
+                    <a:lstStyle/>
+                    <a:p>
+                      <a:endParaRPr lang="en-US" dirty="0"/>
+                    </a:p>
+                  </a:txBody>
+                  <a:tcPr anchor="ctr"/>
+                </a:tc>
+                <a:extLst>
+                  <a:ext uri="{0D108BD9-81ED-4DB2-BD59-A6C34878D82A}">
+                    <a16:rowId xmlns:a16="http://schemas.microsoft.com/office/drawing/2014/main" val="2731388846"/>
+                  </a:ext>
+                </a:extLst>
+              </a:tr>
+              <a:tr h="370840">
+                <a:tc>
+                  <a:txBody>
+                    <a:bodyPr/>
+                    <a:lstStyle/>
+                    <a:p>
+                      <a:r>
+                        <a:rPr lang="en-US" dirty="0"/>
+                        <a:t>Transaction</a:t>
+                      </a:r>
+                    </a:p>
+                  </a:txBody>
+                  <a:tcPr/>
+                </a:tc>
+                <a:tc>
+                  <a:txBody>
+                    <a:bodyPr/>
+                    <a:lstStyle/>
+                    <a:p>
+                      <a:r>
+                        <a:rPr lang="en-US" dirty="0"/>
+                        <a:t>Find by merchant</a:t>
+                      </a:r>
+                    </a:p>
+                  </a:txBody>
+                  <a:tcPr/>
+                </a:tc>
+                <a:tc>
+                  <a:txBody>
+                    <a:bodyPr/>
+                    <a:lstStyle/>
+                    <a:p>
+                      <a:endParaRPr lang="en-US" dirty="0"/>
+                    </a:p>
+                  </a:txBody>
+                  <a:tcPr/>
+                </a:tc>
+                <a:tc>
+                  <a:txBody>
+                    <a:bodyPr/>
+                    <a:lstStyle/>
+                    <a:p>
+                      <a:endParaRPr lang="en-US" dirty="0"/>
+                    </a:p>
+                  </a:txBody>
+                  <a:tcPr/>
+                </a:tc>
+                <a:tc>
+                  <a:txBody>
+                    <a:bodyPr/>
+                    <a:lstStyle/>
+                    <a:p>
+                      <a:endParaRPr lang="en-US" dirty="0"/>
+                    </a:p>
+                  </a:txBody>
+                  <a:tcPr/>
+                </a:tc>
+                <a:extLst>
+                  <a:ext uri="{0D108BD9-81ED-4DB2-BD59-A6C34878D82A}">
+                    <a16:rowId xmlns:a16="http://schemas.microsoft.com/office/drawing/2014/main" val="3831984839"/>
+                  </a:ext>
+                </a:extLst>
+              </a:tr>
+              <a:tr h="370840">
+                <a:tc>
+                  <a:txBody>
+                    <a:bodyPr/>
+                    <a:lstStyle/>
+                    <a:p>
+                      <a:r>
+                        <a:rPr lang="en-US" dirty="0"/>
+                        <a:t>Transaction</a:t>
+                      </a:r>
+                    </a:p>
+                  </a:txBody>
+                  <a:tcPr/>
+                </a:tc>
+                <a:tc>
+                  <a:txBody>
+                    <a:bodyPr/>
+                    <a:lstStyle/>
+                    <a:p>
+                      <a:r>
+                        <a:rPr lang="en-US" dirty="0"/>
+                        <a:t>Find by tag</a:t>
+                      </a:r>
+                    </a:p>
+                  </a:txBody>
+                  <a:tcPr/>
+                </a:tc>
+                <a:tc>
+                  <a:txBody>
+                    <a:bodyPr/>
+                    <a:lstStyle/>
+                    <a:p>
+                      <a:endParaRPr lang="en-US" dirty="0"/>
+                    </a:p>
+                  </a:txBody>
+                  <a:tcPr/>
+                </a:tc>
+                <a:tc>
+                  <a:txBody>
+                    <a:bodyPr/>
+                    <a:lstStyle/>
+                    <a:p>
+                      <a:endParaRPr lang="en-US" dirty="0"/>
+                    </a:p>
+                  </a:txBody>
+                  <a:tcPr/>
+                </a:tc>
+                <a:tc>
+                  <a:txBody>
+                    <a:bodyPr/>
+                    <a:lstStyle/>
+                    <a:p>
+                      <a:endParaRPr lang="en-US" dirty="0"/>
+                    </a:p>
+                  </a:txBody>
+                  <a:tcPr/>
+                </a:tc>
+                <a:extLst>
+                  <a:ext uri="{0D108BD9-81ED-4DB2-BD59-A6C34878D82A}">
+                    <a16:rowId xmlns:a16="http://schemas.microsoft.com/office/drawing/2014/main" val="1081334054"/>
+                  </a:ext>
+                </a:extLst>
+              </a:tr>
+              <a:tr h="370840">
+                <a:tc>
+                  <a:txBody>
+                    <a:bodyPr/>
+                    <a:lstStyle/>
+                    <a:p>
+                      <a:r>
+                        <a:rPr lang="en-US" dirty="0"/>
+                        <a:t>Transaction</a:t>
+                      </a:r>
+                    </a:p>
+                  </a:txBody>
+                  <a:tcPr/>
+                </a:tc>
+                <a:tc>
+                  <a:txBody>
+                    <a:bodyPr/>
+                    <a:lstStyle/>
+                    <a:p>
+                      <a:r>
+                        <a:rPr lang="en-US" dirty="0"/>
+                        <a:t>Find by Timestamp</a:t>
+                      </a:r>
+                    </a:p>
+                  </a:txBody>
+                  <a:tcPr/>
+                </a:tc>
+                <a:tc>
+                  <a:txBody>
+                    <a:bodyPr/>
+                    <a:lstStyle/>
+                    <a:p>
+                      <a:endParaRPr lang="en-US" dirty="0"/>
+                    </a:p>
+                  </a:txBody>
+                  <a:tcPr/>
+                </a:tc>
+                <a:tc>
+                  <a:txBody>
+                    <a:bodyPr/>
+                    <a:lstStyle/>
+                    <a:p>
+                      <a:endParaRPr lang="en-US" dirty="0"/>
+                    </a:p>
+                  </a:txBody>
+                  <a:tcPr/>
+                </a:tc>
+                <a:tc>
+                  <a:txBody>
+                    <a:bodyPr/>
+                    <a:lstStyle/>
+                    <a:p>
+                      <a:endParaRPr lang="en-US" dirty="0"/>
+                    </a:p>
+                  </a:txBody>
+                  <a:tcPr/>
+                </a:tc>
+                <a:extLst>
+                  <a:ext uri="{0D108BD9-81ED-4DB2-BD59-A6C34878D82A}">
+                    <a16:rowId xmlns:a16="http://schemas.microsoft.com/office/drawing/2014/main" val="2432464653"/>
+                  </a:ext>
+                </a:extLst>
+              </a:tr>
+              <a:tr h="370840">
+                <a:tc>
+                  <a:txBody>
+                    <a:bodyPr/>
+                    <a:lstStyle/>
+                    <a:p>
+                      <a:r>
+                        <a:rPr lang="en-US" dirty="0"/>
+                        <a:t>Transaction</a:t>
+                      </a:r>
+                    </a:p>
+                  </a:txBody>
+                  <a:tcPr/>
+                </a:tc>
+                <a:tc>
+                  <a:txBody>
+                    <a:bodyPr/>
+                    <a:lstStyle/>
+                    <a:p>
+                      <a:r>
+                        <a:rPr lang="en-US"/>
+                        <a:t>Get time now</a:t>
+                      </a:r>
+                      <a:endParaRPr lang="en-US" dirty="0"/>
+                    </a:p>
+                  </a:txBody>
+                  <a:tcPr/>
+                </a:tc>
+                <a:tc>
+                  <a:txBody>
+                    <a:bodyPr/>
+                    <a:lstStyle/>
+                    <a:p>
+                      <a:endParaRPr lang="en-US" dirty="0"/>
+                    </a:p>
+                  </a:txBody>
+                  <a:tcPr/>
+                </a:tc>
+                <a:tc>
+                  <a:txBody>
+                    <a:bodyPr/>
+                    <a:lstStyle/>
+                    <a:p>
+                      <a:endParaRPr lang="en-US" dirty="0"/>
+                    </a:p>
+                  </a:txBody>
+                  <a:tcPr/>
+                </a:tc>
+                <a:tc>
+                  <a:txBody>
+                    <a:bodyPr/>
+                    <a:lstStyle/>
+                    <a:p>
+                      <a:endParaRPr lang="en-US" dirty="0"/>
+                    </a:p>
+                  </a:txBody>
+                  <a:tcPr/>
+                </a:tc>
+                <a:extLst>
+                  <a:ext uri="{0D108BD9-81ED-4DB2-BD59-A6C34878D82A}">
+                    <a16:rowId xmlns:a16="http://schemas.microsoft.com/office/drawing/2014/main" val="366904803"/>
+                  </a:ext>
+                </a:extLst>
+              </a:tr>
+            </a:tbl>
+          </a:graphicData>
+        </a:graphic>
+      </p:graphicFrame>
+    </p:spTree>
+    <p:extLst>
+      <p:ext uri="{BB962C8B-B14F-4D97-AF65-F5344CB8AC3E}">
+        <p14:creationId xmlns:p14="http://schemas.microsoft.com/office/powerpoint/2010/main" val="3897000117"/>
+      </p:ext>
+    </p:extLst>
+  </p:cSld>
+  <p:clrMapOvr>
+    <a:masterClrMapping/>
+  </p:clrMapOvr>
+</p:sld>
+</file>
+
+<file path=ppt/slides/slide17.xml><?xml version="1.0" encoding="utf-8"?>
 <p:sld xmlns:a="http://schemas.openxmlformats.org/drawingml/2006/main" xmlns:r="http://schemas.openxmlformats.org/officeDocument/2006/relationships" xmlns:p="http://schemas.openxmlformats.org/presentationml/2006/main">
   <p:cSld>
     <p:spTree>

--- a/Plans_Project_Management/Budget_App_Plan_08Nov2018.pptx
+++ b/Plans_Project_Management/Budget_App_Plan_08Nov2018.pptx
@@ -7080,14 +7080,14 @@
           <p:nvPr>
             <p:extLst>
               <p:ext uri="{D42A27DB-BD31-4B8C-83A1-F6EECF244321}">
-                <p14:modId xmlns:p14="http://schemas.microsoft.com/office/powerpoint/2010/main" val="1162771010"/>
+                <p14:modId xmlns:p14="http://schemas.microsoft.com/office/powerpoint/2010/main" val="3550569693"/>
               </p:ext>
             </p:extLst>
           </p:nvPr>
         </p:nvGraphicFramePr>
         <p:xfrm>
           <a:off x="85165" y="765885"/>
-          <a:ext cx="12021670" cy="3037840"/>
+          <a:ext cx="12021670" cy="5491480"/>
         </p:xfrm>
         <a:graphic>
           <a:graphicData uri="http://schemas.openxmlformats.org/drawingml/2006/table">
@@ -7496,7 +7496,10 @@
                     <a:bodyPr/>
                     <a:lstStyle/>
                     <a:p>
-                      <a:endParaRPr lang="en-US" dirty="0"/>
+                      <a:r>
+                        <a:rPr lang="en-US" dirty="0"/>
+                        <a:t>Whole transactions table will need to be shown on transactions page</a:t>
+                      </a:r>
                     </a:p>
                   </a:txBody>
                   <a:tcPr/>
@@ -7506,7 +7509,10 @@
                     <a:bodyPr/>
                     <a:lstStyle/>
                     <a:p>
-                      <a:endParaRPr lang="en-US" dirty="0"/>
+                      <a:r>
+                        <a:rPr lang="en-US" dirty="0"/>
+                        <a:t>The whole transactions table will be selected and shown</a:t>
+                      </a:r>
                     </a:p>
                   </a:txBody>
                   <a:tcPr/>
@@ -7516,7 +7522,10 @@
                     <a:bodyPr/>
                     <a:lstStyle/>
                     <a:p>
-                      <a:endParaRPr lang="en-US" dirty="0"/>
+                      <a:r>
+                        <a:rPr lang="en-US" dirty="0"/>
+                        <a:t>Full list of budgets in budgets table</a:t>
+                      </a:r>
                     </a:p>
                   </a:txBody>
                   <a:tcPr/>
@@ -7604,7 +7613,18 @@
                     <a:bodyPr/>
                     <a:lstStyle/>
                     <a:p>
-                      <a:endParaRPr lang="en-US" dirty="0"/>
+                      <a:r>
+                        <a:rPr lang="en-US" dirty="0"/>
+                        <a:t>Required for </a:t>
+                      </a:r>
+                      <a:r>
+                        <a:rPr lang="en-US" dirty="0" err="1"/>
+                        <a:t>self.all</a:t>
+                      </a:r>
+                      <a:r>
+                        <a:rPr lang="en-US" dirty="0"/>
+                        <a:t> to work</a:t>
+                      </a:r>
                     </a:p>
                   </a:txBody>
                   <a:tcPr/>
@@ -7614,7 +7634,10 @@
                     <a:bodyPr/>
                     <a:lstStyle/>
                     <a:p>
-                      <a:endParaRPr lang="en-US" dirty="0"/>
+                      <a:r>
+                        <a:rPr lang="en-US" dirty="0"/>
+                        <a:t>News up transaction objects into a hash</a:t>
+                      </a:r>
                     </a:p>
                   </a:txBody>
                   <a:tcPr/>
@@ -7624,7 +7647,10 @@
                     <a:bodyPr/>
                     <a:lstStyle/>
                     <a:p>
-                      <a:endParaRPr lang="en-US" dirty="0"/>
+                      <a:r>
+                        <a:rPr lang="en-US" dirty="0"/>
+                        <a:t>Hash of transaction objects</a:t>
+                      </a:r>
                     </a:p>
                   </a:txBody>
                   <a:tcPr/>
@@ -7702,6 +7728,50 @@
                     <a:bodyPr/>
                     <a:lstStyle/>
                     <a:p>
+                      <a:r>
+                        <a:rPr lang="en-US" dirty="0"/>
+                        <a:t>Transaction will need to be able to be updated and changed</a:t>
+                      </a:r>
+                    </a:p>
+                  </a:txBody>
+                  <a:tcPr/>
+                </a:tc>
+                <a:tc>
+                  <a:txBody>
+                    <a:bodyPr/>
+                    <a:lstStyle/>
+                    <a:p>
+                      <a:pPr marL="0" marR="0" lvl="0" indent="0" algn="l" defTabSz="914400" rtl="0" eaLnBrk="1" fontAlgn="auto" latinLnBrk="0" hangingPunct="1">
+                        <a:lnSpc>
+                          <a:spcPct val="100000"/>
+                        </a:lnSpc>
+                        <a:spcBef>
+                          <a:spcPts val="0"/>
+                        </a:spcBef>
+                        <a:spcAft>
+                          <a:spcPts val="0"/>
+                        </a:spcAft>
+                        <a:buClrTx/>
+                        <a:buSzTx/>
+                        <a:buFontTx/>
+                        <a:buNone/>
+                        <a:tabLst/>
+                        <a:defRPr/>
+                      </a:pPr>
+                      <a:r>
+                        <a:rPr lang="en-US" dirty="0"/>
+                        <a:t>The name of an existing transaction is changed in Ruby using @</a:t>
+                      </a:r>
+                      <a:r>
+                        <a:rPr lang="en-US" dirty="0" err="1"/>
+                        <a:t>transaction.transaction_name</a:t>
+                      </a:r>
+                      <a:r>
+                        <a:rPr lang="en-US" dirty="0"/>
+                        <a:t>, then the update function is called on that transaction to change it in the database</a:t>
+                      </a:r>
+                    </a:p>
+                    <a:p>
                       <a:endParaRPr lang="en-US" dirty="0"/>
                     </a:p>
                   </a:txBody>
@@ -7712,15 +7782,28 @@
                     <a:bodyPr/>
                     <a:lstStyle/>
                     <a:p>
-                      <a:endParaRPr lang="en-US" dirty="0"/>
-                    </a:p>
-                  </a:txBody>
-                  <a:tcPr/>
-                </a:tc>
-                <a:tc>
-                  <a:txBody>
-                    <a:bodyPr/>
-                    <a:lstStyle/>
+                      <a:pPr marL="0" marR="0" lvl="0" indent="0" algn="l" defTabSz="914400" rtl="0" eaLnBrk="1" fontAlgn="auto" latinLnBrk="0" hangingPunct="1">
+                        <a:lnSpc>
+                          <a:spcPct val="100000"/>
+                        </a:lnSpc>
+                        <a:spcBef>
+                          <a:spcPts val="0"/>
+                        </a:spcBef>
+                        <a:spcAft>
+                          <a:spcPts val="0"/>
+                        </a:spcAft>
+                        <a:buClrTx/>
+                        <a:buSzTx/>
+                        <a:buFontTx/>
+                        <a:buNone/>
+                        <a:tabLst/>
+                        <a:defRPr/>
+                      </a:pPr>
+                      <a:r>
+                        <a:rPr lang="en-US" dirty="0"/>
+                        <a:t>No specified output, but the alteration should appear in the database</a:t>
+                      </a:r>
+                    </a:p>
                     <a:p>
                       <a:endParaRPr lang="en-US" dirty="0"/>
                     </a:p>
@@ -7818,14 +7901,14 @@
           <p:nvPr>
             <p:extLst>
               <p:ext uri="{D42A27DB-BD31-4B8C-83A1-F6EECF244321}">
-                <p14:modId xmlns:p14="http://schemas.microsoft.com/office/powerpoint/2010/main" val="175121615"/>
+                <p14:modId xmlns:p14="http://schemas.microsoft.com/office/powerpoint/2010/main" val="2265807285"/>
               </p:ext>
             </p:extLst>
           </p:nvPr>
         </p:nvGraphicFramePr>
         <p:xfrm>
           <a:off x="85165" y="765885"/>
-          <a:ext cx="12021670" cy="3129280"/>
+          <a:ext cx="12021670" cy="5857240"/>
         </p:xfrm>
         <a:graphic>
           <a:graphicData uri="http://schemas.openxmlformats.org/drawingml/2006/table">
@@ -8028,7 +8111,10 @@
                     <a:bodyPr/>
                     <a:lstStyle/>
                     <a:p>
-                      <a:endParaRPr lang="en-US" dirty="0"/>
+                      <a:r>
+                        <a:rPr lang="en-US" dirty="0"/>
+                        <a:t>Transactions need to have the ability to be deleted</a:t>
+                      </a:r>
                     </a:p>
                   </a:txBody>
                   <a:tcPr anchor="ctr"/>
@@ -8038,7 +8124,10 @@
                     <a:bodyPr/>
                     <a:lstStyle/>
                     <a:p>
-                      <a:endParaRPr lang="en-US" dirty="0"/>
+                      <a:r>
+                        <a:rPr lang="en-US" dirty="0"/>
+                        <a:t>By selecting the entry with a specific id in the transactions table and deleting it</a:t>
+                      </a:r>
                     </a:p>
                   </a:txBody>
                   <a:tcPr anchor="ctr"/>
@@ -8048,7 +8137,10 @@
                     <a:bodyPr/>
                     <a:lstStyle/>
                     <a:p>
-                      <a:endParaRPr lang="en-US" dirty="0"/>
+                      <a:r>
+                        <a:rPr lang="en-US" dirty="0"/>
+                        <a:t>The transaction just deleted, not need to display this</a:t>
+                      </a:r>
                     </a:p>
                   </a:txBody>
                   <a:tcPr anchor="ctr"/>
@@ -8126,7 +8218,10 @@
                     <a:bodyPr/>
                     <a:lstStyle/>
                     <a:p>
-                      <a:endParaRPr lang="en-US" dirty="0"/>
+                      <a:r>
+                        <a:rPr lang="en-US" dirty="0"/>
+                        <a:t>User may want to wipe entire transactions table</a:t>
+                      </a:r>
                     </a:p>
                   </a:txBody>
                   <a:tcPr anchor="ctr"/>
@@ -8136,7 +8231,10 @@
                     <a:bodyPr/>
                     <a:lstStyle/>
                     <a:p>
-                      <a:endParaRPr lang="en-US" dirty="0"/>
+                      <a:r>
+                        <a:rPr lang="en-US" dirty="0"/>
+                        <a:t>By selecting everything in the transactions table and deleting it</a:t>
+                      </a:r>
                     </a:p>
                   </a:txBody>
                   <a:tcPr anchor="ctr"/>
@@ -8146,7 +8244,10 @@
                     <a:bodyPr/>
                     <a:lstStyle/>
                     <a:p>
-                      <a:endParaRPr lang="en-US" dirty="0"/>
+                      <a:r>
+                        <a:rPr lang="en-US" dirty="0"/>
+                        <a:t>No ?</a:t>
+                      </a:r>
                     </a:p>
                   </a:txBody>
                   <a:tcPr anchor="ctr"/>
@@ -8178,8 +8279,13 @@
                     <a:p>
                       <a:r>
                         <a:rPr lang="en-US" dirty="0"/>
-                        <a:t>Find by merchant</a:t>
-                      </a:r>
+                        <a:t>Find by </a:t>
+                      </a:r>
+                      <a:r>
+                        <a:rPr lang="en-US" dirty="0" err="1"/>
+                        <a:t>merchant_id</a:t>
+                      </a:r>
+                      <a:endParaRPr lang="en-US" dirty="0"/>
                     </a:p>
                   </a:txBody>
                   <a:tcPr/>
@@ -8189,7 +8295,10 @@
                     <a:bodyPr/>
                     <a:lstStyle/>
                     <a:p>
-                      <a:endParaRPr lang="en-US" dirty="0"/>
+                      <a:r>
+                        <a:rPr lang="en-US" dirty="0"/>
+                        <a:t>Full transactions table will need to be filtered by a particular merchant</a:t>
+                      </a:r>
                     </a:p>
                   </a:txBody>
                   <a:tcPr/>
@@ -8199,20 +8308,26 @@
                     <a:bodyPr/>
                     <a:lstStyle/>
                     <a:p>
-                      <a:endParaRPr lang="en-US" dirty="0"/>
-                    </a:p>
-                  </a:txBody>
-                  <a:tcPr/>
-                </a:tc>
-                <a:tc>
-                  <a:txBody>
-                    <a:bodyPr/>
-                    <a:lstStyle/>
-                    <a:p>
-                      <a:endParaRPr lang="en-US" dirty="0"/>
-                    </a:p>
-                  </a:txBody>
-                  <a:tcPr/>
+                      <a:r>
+                        <a:rPr lang="en-US" dirty="0"/>
+                        <a:t>All transactions matching a certain merchant id can be selected</a:t>
+                      </a:r>
+                    </a:p>
+                  </a:txBody>
+                  <a:tcPr anchor="ctr"/>
+                </a:tc>
+                <a:tc>
+                  <a:txBody>
+                    <a:bodyPr/>
+                    <a:lstStyle/>
+                    <a:p>
+                      <a:r>
+                        <a:rPr lang="en-US" dirty="0"/>
+                        <a:t>The transaction searched for</a:t>
+                      </a:r>
+                    </a:p>
+                  </a:txBody>
+                  <a:tcPr anchor="ctr"/>
                 </a:tc>
                 <a:extLst>
                   <a:ext uri="{0D108BD9-81ED-4DB2-BD59-A6C34878D82A}">
@@ -8241,8 +8356,13 @@
                     <a:p>
                       <a:r>
                         <a:rPr lang="en-US" dirty="0"/>
-                        <a:t>Find by tag</a:t>
-                      </a:r>
+                        <a:t>Find by </a:t>
+                      </a:r>
+                      <a:r>
+                        <a:rPr lang="en-US" dirty="0" err="1"/>
+                        <a:t>tag_id</a:t>
+                      </a:r>
+                      <a:endParaRPr lang="en-US" dirty="0"/>
                     </a:p>
                   </a:txBody>
                   <a:tcPr/>
@@ -8252,7 +8372,10 @@
                     <a:bodyPr/>
                     <a:lstStyle/>
                     <a:p>
-                      <a:endParaRPr lang="en-US" dirty="0"/>
+                      <a:r>
+                        <a:rPr lang="en-US" dirty="0"/>
+                        <a:t>Full transaction table will need to be filtered by a particular merchant</a:t>
+                      </a:r>
                     </a:p>
                   </a:txBody>
                   <a:tcPr/>
@@ -8262,20 +8385,26 @@
                     <a:bodyPr/>
                     <a:lstStyle/>
                     <a:p>
-                      <a:endParaRPr lang="en-US" dirty="0"/>
-                    </a:p>
-                  </a:txBody>
-                  <a:tcPr/>
-                </a:tc>
-                <a:tc>
-                  <a:txBody>
-                    <a:bodyPr/>
-                    <a:lstStyle/>
-                    <a:p>
-                      <a:endParaRPr lang="en-US" dirty="0"/>
-                    </a:p>
-                  </a:txBody>
-                  <a:tcPr/>
+                      <a:r>
+                        <a:rPr lang="en-US" dirty="0"/>
+                        <a:t>All transactions matching a certain tag id can be selected</a:t>
+                      </a:r>
+                    </a:p>
+                  </a:txBody>
+                  <a:tcPr anchor="ctr"/>
+                </a:tc>
+                <a:tc>
+                  <a:txBody>
+                    <a:bodyPr/>
+                    <a:lstStyle/>
+                    <a:p>
+                      <a:r>
+                        <a:rPr lang="en-US" dirty="0"/>
+                        <a:t>The transaction searched for</a:t>
+                      </a:r>
+                    </a:p>
+                  </a:txBody>
+                  <a:tcPr anchor="ctr"/>
                 </a:tc>
                 <a:extLst>
                   <a:ext uri="{0D108BD9-81ED-4DB2-BD59-A6C34878D82A}">
@@ -8315,7 +8444,10 @@
                     <a:bodyPr/>
                     <a:lstStyle/>
                     <a:p>
-                      <a:endParaRPr lang="en-US" dirty="0"/>
+                      <a:r>
+                        <a:rPr lang="en-US" dirty="0"/>
+                        <a:t>Transactions table will need to be filtered by a date range</a:t>
+                      </a:r>
                     </a:p>
                   </a:txBody>
                   <a:tcPr/>
@@ -8325,20 +8457,26 @@
                     <a:bodyPr/>
                     <a:lstStyle/>
                     <a:p>
-                      <a:endParaRPr lang="en-US" dirty="0"/>
-                    </a:p>
-                  </a:txBody>
-                  <a:tcPr/>
-                </a:tc>
-                <a:tc>
-                  <a:txBody>
-                    <a:bodyPr/>
-                    <a:lstStyle/>
-                    <a:p>
-                      <a:endParaRPr lang="en-US" dirty="0"/>
-                    </a:p>
-                  </a:txBody>
-                  <a:tcPr/>
+                      <a:r>
+                        <a:rPr lang="en-US" dirty="0"/>
+                        <a:t>All transactions falling within a specified time range</a:t>
+                      </a:r>
+                    </a:p>
+                  </a:txBody>
+                  <a:tcPr anchor="ctr"/>
+                </a:tc>
+                <a:tc>
+                  <a:txBody>
+                    <a:bodyPr/>
+                    <a:lstStyle/>
+                    <a:p>
+                      <a:r>
+                        <a:rPr lang="en-US" dirty="0"/>
+                        <a:t>The transaction searched for</a:t>
+                      </a:r>
+                    </a:p>
+                  </a:txBody>
+                  <a:tcPr anchor="ctr"/>
                 </a:tc>
                 <a:extLst>
                   <a:ext uri="{0D108BD9-81ED-4DB2-BD59-A6C34878D82A}">
@@ -8379,7 +8517,10 @@
                     <a:bodyPr/>
                     <a:lstStyle/>
                     <a:p>
-                      <a:endParaRPr lang="en-US" dirty="0"/>
+                      <a:r>
+                        <a:rPr lang="en-US" dirty="0"/>
+                        <a:t>Automatically capture the time and date when a new transaction is added and add to data base</a:t>
+                      </a:r>
                     </a:p>
                   </a:txBody>
                   <a:tcPr/>
@@ -8389,7 +8530,16 @@
                     <a:bodyPr/>
                     <a:lstStyle/>
                     <a:p>
-                      <a:endParaRPr lang="en-US" dirty="0"/>
+                      <a:r>
+                        <a:rPr lang="en-US" dirty="0"/>
+                        <a:t>Use ruby function to capture the time</a:t>
+                      </a:r>
+                    </a:p>
+                    <a:p>
+                      <a:r>
+                        <a:rPr lang="en-US" dirty="0"/>
+                        <a:t>Add captured time to transaction when it is initialized</a:t>
+                      </a:r>
                     </a:p>
                   </a:txBody>
                   <a:tcPr/>
@@ -8399,6 +8549,10 @@
                     <a:bodyPr/>
                     <a:lstStyle/>
                     <a:p>
+                      <a:r>
+                        <a:rPr lang="en-US"/>
+                        <a:t>Time now</a:t>
+                      </a:r>
                       <a:endParaRPr lang="en-US" dirty="0"/>
                     </a:p>
                   </a:txBody>

--- a/Plans_Project_Management/Budget_App_Plan_08Nov2018.pptx
+++ b/Plans_Project_Management/Budget_App_Plan_08Nov2018.pptx
@@ -16,12 +16,15 @@
     <p:sldId id="263" r:id="rId10"/>
     <p:sldId id="270" r:id="rId11"/>
     <p:sldId id="264" r:id="rId12"/>
-    <p:sldId id="257" r:id="rId13"/>
-    <p:sldId id="268" r:id="rId14"/>
-    <p:sldId id="266" r:id="rId15"/>
-    <p:sldId id="271" r:id="rId16"/>
-    <p:sldId id="272" r:id="rId17"/>
-    <p:sldId id="269" r:id="rId18"/>
+    <p:sldId id="273" r:id="rId13"/>
+    <p:sldId id="257" r:id="rId14"/>
+    <p:sldId id="268" r:id="rId15"/>
+    <p:sldId id="266" r:id="rId16"/>
+    <p:sldId id="271" r:id="rId17"/>
+    <p:sldId id="272" r:id="rId18"/>
+    <p:sldId id="274" r:id="rId19"/>
+    <p:sldId id="275" r:id="rId20"/>
+    <p:sldId id="269" r:id="rId21"/>
   </p:sldIdLst>
   <p:sldSz cx="12192000" cy="6858000"/>
   <p:notesSz cx="6858000" cy="9144000"/>
@@ -4377,14 +4380,14 @@
           <p:nvPr>
             <p:extLst>
               <p:ext uri="{D42A27DB-BD31-4B8C-83A1-F6EECF244321}">
-                <p14:modId xmlns:p14="http://schemas.microsoft.com/office/powerpoint/2010/main" val="3829048076"/>
+                <p14:modId xmlns:p14="http://schemas.microsoft.com/office/powerpoint/2010/main" val="3347654519"/>
               </p:ext>
             </p:extLst>
           </p:nvPr>
         </p:nvGraphicFramePr>
         <p:xfrm>
           <a:off x="5674657" y="464175"/>
-          <a:ext cx="3630706" cy="6344341"/>
+          <a:ext cx="3630706" cy="5561794"/>
         </p:xfrm>
         <a:graphic>
           <a:graphicData uri="http://schemas.openxmlformats.org/drawingml/2006/table">
@@ -4482,35 +4485,15 @@
                     <a:p>
                       <a:r>
                         <a:rPr lang="en-US" dirty="0"/>
-                        <a:t>@time(numeric)</a:t>
-                      </a:r>
-                    </a:p>
-                    <a:p>
-                      <a:r>
-                        <a:rPr lang="en-US" dirty="0"/>
-                        <a:t>@day(</a:t>
+                        <a:t>@</a:t>
                       </a:r>
                       <a:r>
                         <a:rPr lang="en-US" dirty="0" err="1"/>
-                        <a:t>Int</a:t>
-                      </a:r>
-                      <a:r>
-                        <a:rPr lang="en-US" dirty="0"/>
-                        <a:t>)</a:t>
-                      </a:r>
-                    </a:p>
-                    <a:p>
-                      <a:r>
-                        <a:rPr lang="en-US" dirty="0"/>
-                        <a:t>@month(</a:t>
-                      </a:r>
-                      <a:r>
-                        <a:rPr lang="en-US" dirty="0" err="1"/>
-                        <a:t>Str</a:t>
-                      </a:r>
-                      <a:r>
-                        <a:rPr lang="en-US" dirty="0"/>
-                        <a:t>)</a:t>
+                        <a:t>time_added</a:t>
+                      </a:r>
+                      <a:r>
+                        <a:rPr lang="en-US" dirty="0"/>
+                        <a:t>(TIMESTAMP)</a:t>
                       </a:r>
                     </a:p>
                     <a:p>
@@ -4521,20 +4504,6 @@
                       <a:r>
                         <a:rPr lang="en-US" dirty="0" err="1"/>
                         <a:t>total_spent</a:t>
-                      </a:r>
-                      <a:r>
-                        <a:rPr lang="en-US" dirty="0"/>
-                        <a:t>(numeric)</a:t>
-                      </a:r>
-                    </a:p>
-                    <a:p>
-                      <a:r>
-                        <a:rPr lang="en-US" dirty="0"/>
-                        <a:t>@</a:t>
-                      </a:r>
-                      <a:r>
-                        <a:rPr lang="en-US" dirty="0" err="1"/>
-                        <a:t>remaining_budget</a:t>
                       </a:r>
                       <a:r>
                         <a:rPr lang="en-US" dirty="0"/>
@@ -4573,16 +4542,6 @@
                       <a:r>
                         <a:rPr lang="en-US" dirty="0"/>
                         <a:t>Get time/date now</a:t>
-                      </a:r>
-                    </a:p>
-                    <a:p>
-                      <a:pPr marL="285750" indent="-285750" algn="l">
-                        <a:buFontTx/>
-                        <a:buChar char="-"/>
-                      </a:pPr>
-                      <a:r>
-                        <a:rPr lang="en-US" dirty="0"/>
-                        <a:t>Split time/date to time/day/month</a:t>
                       </a:r>
                     </a:p>
                     <a:p>
@@ -4683,14 +4642,14 @@
           <p:nvPr>
             <p:extLst>
               <p:ext uri="{D42A27DB-BD31-4B8C-83A1-F6EECF244321}">
-                <p14:modId xmlns:p14="http://schemas.microsoft.com/office/powerpoint/2010/main" val="4054288860"/>
+                <p14:modId xmlns:p14="http://schemas.microsoft.com/office/powerpoint/2010/main" val="872058982"/>
               </p:ext>
             </p:extLst>
           </p:nvPr>
         </p:nvGraphicFramePr>
         <p:xfrm>
           <a:off x="9701303" y="464174"/>
-          <a:ext cx="2203824" cy="6337982"/>
+          <a:ext cx="2203824" cy="6385556"/>
         </p:xfrm>
         <a:graphic>
           <a:graphicData uri="http://schemas.openxmlformats.org/drawingml/2006/table">
@@ -4804,6 +4763,40 @@
                       </a:r>
                       <a:endParaRPr lang="en-US" dirty="0"/>
                     </a:p>
+                    <a:p>
+                      <a:pPr marL="0" marR="0" lvl="0" indent="0" algn="l" defTabSz="914400" rtl="0" eaLnBrk="1" fontAlgn="auto" latinLnBrk="0" hangingPunct="1">
+                        <a:lnSpc>
+                          <a:spcPct val="100000"/>
+                        </a:lnSpc>
+                        <a:spcBef>
+                          <a:spcPts val="0"/>
+                        </a:spcBef>
+                        <a:spcAft>
+                          <a:spcPts val="0"/>
+                        </a:spcAft>
+                        <a:buClrTx/>
+                        <a:buSzTx/>
+                        <a:buFontTx/>
+                        <a:buNone/>
+                        <a:tabLst/>
+                        <a:defRPr/>
+                      </a:pPr>
+                      <a:r>
+                        <a:rPr lang="en-US" dirty="0"/>
+                        <a:t>@</a:t>
+                      </a:r>
+                      <a:r>
+                        <a:rPr lang="en-US" dirty="0" err="1"/>
+                        <a:t>remaining_budget</a:t>
+                      </a:r>
+                      <a:r>
+                        <a:rPr lang="en-US" dirty="0"/>
+                        <a:t>(numeric)</a:t>
+                      </a:r>
+                    </a:p>
+                    <a:p>
+                      <a:endParaRPr lang="en-US" dirty="0"/>
+                    </a:p>
                   </a:txBody>
                   <a:tcPr/>
                 </a:tc>
@@ -4835,7 +4828,37 @@
                       </a:pPr>
                       <a:r>
                         <a:rPr lang="en-US" dirty="0"/>
-                        <a:t>Edit</a:t>
+                        <a:t>Save (to database)</a:t>
+                      </a:r>
+                    </a:p>
+                    <a:p>
+                      <a:pPr marL="285750" indent="-285750" algn="l">
+                        <a:buFontTx/>
+                        <a:buChar char="-"/>
+                      </a:pPr>
+                      <a:r>
+                        <a:rPr lang="en-US" dirty="0"/>
+                        <a:t>Self find</a:t>
+                      </a:r>
+                    </a:p>
+                    <a:p>
+                      <a:pPr marL="285750" indent="-285750" algn="l">
+                        <a:buFontTx/>
+                        <a:buChar char="-"/>
+                      </a:pPr>
+                      <a:r>
+                        <a:rPr lang="en-US" dirty="0"/>
+                        <a:t>Self all</a:t>
+                      </a:r>
+                    </a:p>
+                    <a:p>
+                      <a:pPr marL="285750" indent="-285750" algn="l">
+                        <a:buFontTx/>
+                        <a:buChar char="-"/>
+                      </a:pPr>
+                      <a:r>
+                        <a:rPr lang="en-US" dirty="0"/>
+                        <a:t>Self map items</a:t>
                       </a:r>
                     </a:p>
                     <a:p>
@@ -4878,6 +4901,320 @@
 </file>
 
 <file path=ppt/slides/slide12.xml><?xml version="1.0" encoding="utf-8"?>
+<p:sld xmlns:a="http://schemas.openxmlformats.org/drawingml/2006/main" xmlns:r="http://schemas.openxmlformats.org/officeDocument/2006/relationships" xmlns:p="http://schemas.openxmlformats.org/presentationml/2006/main">
+  <p:cSld>
+    <p:spTree>
+      <p:nvGrpSpPr>
+        <p:cNvPr id="1" name=""/>
+        <p:cNvGrpSpPr/>
+        <p:nvPr/>
+      </p:nvGrpSpPr>
+      <p:grpSpPr>
+        <a:xfrm>
+          <a:off x="0" y="0"/>
+          <a:ext cx="0" cy="0"/>
+          <a:chOff x="0" y="0"/>
+          <a:chExt cx="0" cy="0"/>
+        </a:xfrm>
+      </p:grpSpPr>
+      <p:sp>
+        <p:nvSpPr>
+          <p:cNvPr id="2" name="Title 1">
+            <a:extLst>
+              <a:ext uri="{FF2B5EF4-FFF2-40B4-BE49-F238E27FC236}">
+                <a16:creationId xmlns:a16="http://schemas.microsoft.com/office/drawing/2014/main" id="{A3FA626A-39B1-794F-9A3F-83D37F75B451}"/>
+              </a:ext>
+            </a:extLst>
+          </p:cNvPr>
+          <p:cNvSpPr>
+            <a:spLocks noGrp="1"/>
+          </p:cNvSpPr>
+          <p:nvPr>
+            <p:ph type="title"/>
+          </p:nvPr>
+        </p:nvSpPr>
+        <p:spPr>
+          <a:xfrm>
+            <a:off x="838200" y="55844"/>
+            <a:ext cx="10515600" cy="341095"/>
+          </a:xfrm>
+        </p:spPr>
+        <p:txBody>
+          <a:bodyPr>
+            <a:normAutofit fontScale="90000"/>
+          </a:bodyPr>
+          <a:lstStyle/>
+          <a:p>
+            <a:pPr algn="ctr"/>
+            <a:r>
+              <a:rPr lang="en-US" sz="2800" b="1" dirty="0"/>
+              <a:t>Classes</a:t>
+            </a:r>
+          </a:p>
+        </p:txBody>
+      </p:sp>
+      <p:graphicFrame>
+        <p:nvGraphicFramePr>
+          <p:cNvPr id="6" name="Table 5">
+            <a:extLst>
+              <a:ext uri="{FF2B5EF4-FFF2-40B4-BE49-F238E27FC236}">
+                <a16:creationId xmlns:a16="http://schemas.microsoft.com/office/drawing/2014/main" id="{E60E3F86-205D-C94E-8BFB-D187A2E5A87D}"/>
+              </a:ext>
+            </a:extLst>
+          </p:cNvPr>
+          <p:cNvGraphicFramePr>
+            <a:graphicFrameLocks noGrp="1"/>
+          </p:cNvGraphicFramePr>
+          <p:nvPr>
+            <p:extLst>
+              <p:ext uri="{D42A27DB-BD31-4B8C-83A1-F6EECF244321}">
+                <p14:modId xmlns:p14="http://schemas.microsoft.com/office/powerpoint/2010/main" val="2797195984"/>
+              </p:ext>
+            </p:extLst>
+          </p:nvPr>
+        </p:nvGraphicFramePr>
+        <p:xfrm>
+          <a:off x="484092" y="1044239"/>
+          <a:ext cx="3630706" cy="5561794"/>
+        </p:xfrm>
+        <a:graphic>
+          <a:graphicData uri="http://schemas.openxmlformats.org/drawingml/2006/table">
+            <a:tbl>
+              <a:tblPr firstRow="1" bandRow="1">
+                <a:tableStyleId>{5940675A-B579-460E-94D1-54222C63F5DA}</a:tableStyleId>
+              </a:tblPr>
+              <a:tblGrid>
+                <a:gridCol w="3630706">
+                  <a:extLst>
+                    <a:ext uri="{9D8B030D-6E8A-4147-A177-3AD203B41FA5}">
+                      <a16:colId xmlns:a16="http://schemas.microsoft.com/office/drawing/2014/main" val="4005843325"/>
+                    </a:ext>
+                  </a:extLst>
+                </a:gridCol>
+              </a:tblGrid>
+              <a:tr h="400741">
+                <a:tc>
+                  <a:txBody>
+                    <a:bodyPr/>
+                    <a:lstStyle/>
+                    <a:p>
+                      <a:pPr algn="ctr"/>
+                      <a:r>
+                        <a:rPr lang="en-US" dirty="0"/>
+                        <a:t>Budget_transactions</a:t>
+                      </a:r>
+                    </a:p>
+                  </a:txBody>
+                  <a:tcPr anchor="ctr">
+                    <a:solidFill>
+                      <a:srgbClr val="D883FF"/>
+                    </a:solidFill>
+                  </a:tcPr>
+                </a:tc>
+                <a:extLst>
+                  <a:ext uri="{0D108BD9-81ED-4DB2-BD59-A6C34878D82A}">
+                    <a16:rowId xmlns:a16="http://schemas.microsoft.com/office/drawing/2014/main" val="4181850750"/>
+                  </a:ext>
+                </a:extLst>
+              </a:tr>
+              <a:tr h="2600733">
+                <a:tc>
+                  <a:txBody>
+                    <a:bodyPr/>
+                    <a:lstStyle/>
+                    <a:p>
+                      <a:r>
+                        <a:rPr lang="en-US" dirty="0"/>
+                        <a:t>@id</a:t>
+                      </a:r>
+                    </a:p>
+                    <a:p>
+                      <a:r>
+                        <a:rPr lang="en-US" dirty="0"/>
+                        <a:t>@</a:t>
+                      </a:r>
+                      <a:r>
+                        <a:rPr lang="en-US" dirty="0" err="1"/>
+                        <a:t>transaction_id</a:t>
+                      </a:r>
+                      <a:endParaRPr lang="en-US" dirty="0"/>
+                    </a:p>
+                    <a:p>
+                      <a:r>
+                        <a:rPr lang="en-US" dirty="0"/>
+                        <a:t>@</a:t>
+                      </a:r>
+                      <a:r>
+                        <a:rPr lang="en-US" dirty="0" err="1"/>
+                        <a:t>budget_id</a:t>
+                      </a:r>
+                      <a:endParaRPr lang="en-US" dirty="0"/>
+                    </a:p>
+                    <a:p>
+                      <a:r>
+                        <a:rPr lang="en-US" dirty="0"/>
+                        <a:t>@</a:t>
+                      </a:r>
+                      <a:r>
+                        <a:rPr lang="en-US" dirty="0" err="1"/>
+                        <a:t>remaining_budget</a:t>
+                      </a:r>
+                      <a:endParaRPr lang="en-US" dirty="0"/>
+                    </a:p>
+                  </a:txBody>
+                  <a:tcPr/>
+                </a:tc>
+                <a:extLst>
+                  <a:ext uri="{0D108BD9-81ED-4DB2-BD59-A6C34878D82A}">
+                    <a16:rowId xmlns:a16="http://schemas.microsoft.com/office/drawing/2014/main" val="2995859431"/>
+                  </a:ext>
+                </a:extLst>
+              </a:tr>
+              <a:tr h="1768047">
+                <a:tc>
+                  <a:txBody>
+                    <a:bodyPr/>
+                    <a:lstStyle/>
+                    <a:p>
+                      <a:pPr marL="285750" indent="-285750" algn="l">
+                        <a:buFontTx/>
+                        <a:buChar char="-"/>
+                      </a:pPr>
+                      <a:r>
+                        <a:rPr lang="en-US" dirty="0"/>
+                        <a:t>Initialize</a:t>
+                      </a:r>
+                    </a:p>
+                    <a:p>
+                      <a:pPr marL="285750" marR="0" lvl="0" indent="-285750" algn="l" defTabSz="914400" rtl="0" eaLnBrk="1" fontAlgn="auto" latinLnBrk="0" hangingPunct="1">
+                        <a:lnSpc>
+                          <a:spcPct val="100000"/>
+                        </a:lnSpc>
+                        <a:spcBef>
+                          <a:spcPts val="0"/>
+                        </a:spcBef>
+                        <a:spcAft>
+                          <a:spcPts val="0"/>
+                        </a:spcAft>
+                        <a:buClrTx/>
+                        <a:buSzTx/>
+                        <a:buFontTx/>
+                        <a:buChar char="-"/>
+                        <a:tabLst/>
+                        <a:defRPr/>
+                      </a:pPr>
+                      <a:r>
+                        <a:rPr lang="en-US" dirty="0"/>
+                        <a:t>Calculate total spent</a:t>
+                      </a:r>
+                    </a:p>
+                    <a:p>
+                      <a:pPr marL="285750" marR="0" lvl="0" indent="-285750" algn="l" defTabSz="914400" rtl="0" eaLnBrk="1" fontAlgn="auto" latinLnBrk="0" hangingPunct="1">
+                        <a:lnSpc>
+                          <a:spcPct val="100000"/>
+                        </a:lnSpc>
+                        <a:spcBef>
+                          <a:spcPts val="0"/>
+                        </a:spcBef>
+                        <a:spcAft>
+                          <a:spcPts val="0"/>
+                        </a:spcAft>
+                        <a:buClrTx/>
+                        <a:buSzTx/>
+                        <a:buFontTx/>
+                        <a:buChar char="-"/>
+                        <a:tabLst/>
+                        <a:defRPr/>
+                      </a:pPr>
+                      <a:r>
+                        <a:rPr lang="en-US" dirty="0"/>
+                        <a:t>Calculate remaining budget</a:t>
+                      </a:r>
+                    </a:p>
+                    <a:p>
+                      <a:pPr marL="285750" indent="-285750" algn="l">
+                        <a:buFontTx/>
+                        <a:buChar char="-"/>
+                      </a:pPr>
+                      <a:r>
+                        <a:rPr lang="en-US" dirty="0"/>
+                        <a:t>Save (to database)</a:t>
+                      </a:r>
+                    </a:p>
+                    <a:p>
+                      <a:pPr marL="285750" indent="-285750" algn="l">
+                        <a:buFontTx/>
+                        <a:buChar char="-"/>
+                      </a:pPr>
+                      <a:r>
+                        <a:rPr lang="en-US" dirty="0"/>
+                        <a:t>Self find</a:t>
+                      </a:r>
+                    </a:p>
+                    <a:p>
+                      <a:pPr marL="285750" indent="-285750" algn="l">
+                        <a:buFontTx/>
+                        <a:buChar char="-"/>
+                      </a:pPr>
+                      <a:r>
+                        <a:rPr lang="en-US" dirty="0"/>
+                        <a:t>Self all</a:t>
+                      </a:r>
+                    </a:p>
+                    <a:p>
+                      <a:pPr marL="285750" indent="-285750" algn="l">
+                        <a:buFontTx/>
+                        <a:buChar char="-"/>
+                      </a:pPr>
+                      <a:r>
+                        <a:rPr lang="en-US" dirty="0"/>
+                        <a:t>Self map items</a:t>
+                      </a:r>
+                    </a:p>
+                    <a:p>
+                      <a:pPr marL="285750" indent="-285750" algn="l">
+                        <a:buFontTx/>
+                        <a:buChar char="-"/>
+                      </a:pPr>
+                      <a:r>
+                        <a:rPr lang="en-US" dirty="0"/>
+                        <a:t>delete</a:t>
+                      </a:r>
+                    </a:p>
+                    <a:p>
+                      <a:pPr marL="285750" indent="-285750" algn="l">
+                        <a:buFontTx/>
+                        <a:buChar char="-"/>
+                      </a:pPr>
+                      <a:endParaRPr lang="en-US" dirty="0"/>
+                    </a:p>
+                  </a:txBody>
+                  <a:tcPr/>
+                </a:tc>
+                <a:extLst>
+                  <a:ext uri="{0D108BD9-81ED-4DB2-BD59-A6C34878D82A}">
+                    <a16:rowId xmlns:a16="http://schemas.microsoft.com/office/drawing/2014/main" val="2112490845"/>
+                  </a:ext>
+                </a:extLst>
+              </a:tr>
+            </a:tbl>
+          </a:graphicData>
+        </a:graphic>
+      </p:graphicFrame>
+    </p:spTree>
+    <p:extLst>
+      <p:ext uri="{BB962C8B-B14F-4D97-AF65-F5344CB8AC3E}">
+        <p14:creationId xmlns:p14="http://schemas.microsoft.com/office/powerpoint/2010/main" val="1259943449"/>
+      </p:ext>
+    </p:extLst>
+  </p:cSld>
+  <p:clrMapOvr>
+    <a:masterClrMapping/>
+  </p:clrMapOvr>
+</p:sld>
+</file>
+
+<file path=ppt/slides/slide13.xml><?xml version="1.0" encoding="utf-8"?>
 <p:sld xmlns:a="http://schemas.openxmlformats.org/drawingml/2006/main" xmlns:r="http://schemas.openxmlformats.org/officeDocument/2006/relationships" xmlns:p="http://schemas.openxmlformats.org/presentationml/2006/main">
   <p:cSld>
     <p:spTree>
@@ -5941,7 +6278,7 @@
 </p:sld>
 </file>
 
-<file path=ppt/slides/slide13.xml><?xml version="1.0" encoding="utf-8"?>
+<file path=ppt/slides/slide14.xml><?xml version="1.0" encoding="utf-8"?>
 <p:sld xmlns:a="http://schemas.openxmlformats.org/drawingml/2006/main" xmlns:r="http://schemas.openxmlformats.org/officeDocument/2006/relationships" xmlns:p="http://schemas.openxmlformats.org/presentationml/2006/main">
   <p:cSld>
     <p:spTree>
@@ -6579,7 +6916,7 @@
 </p:sld>
 </file>
 
-<file path=ppt/slides/slide14.xml><?xml version="1.0" encoding="utf-8"?>
+<file path=ppt/slides/slide15.xml><?xml version="1.0" encoding="utf-8"?>
 <p:sld xmlns:a="http://schemas.openxmlformats.org/drawingml/2006/main" xmlns:r="http://schemas.openxmlformats.org/officeDocument/2006/relationships" xmlns:p="http://schemas.openxmlformats.org/presentationml/2006/main">
   <p:cSld>
     <p:spTree>
@@ -6627,13 +6964,8 @@
             <a:pPr algn="ctr"/>
             <a:r>
               <a:rPr lang="en-US" sz="2800" b="1" dirty="0"/>
-              <a:t>Function rationale – Page 2 - </a:t>
+              <a:t>Function rationale – Page 2 – Merchants/Budgets</a:t>
             </a:r>
-            <a:r>
-              <a:rPr lang="en-US" sz="2800" b="1" dirty="0" err="1"/>
-              <a:t>Merchnats</a:t>
-            </a:r>
-            <a:endParaRPr lang="en-US" sz="2800" b="1" dirty="0"/>
           </a:p>
         </p:txBody>
       </p:sp>
@@ -6999,6 +7331,234 @@
           </a:graphicData>
         </a:graphic>
       </p:graphicFrame>
+      <p:graphicFrame>
+        <p:nvGraphicFramePr>
+          <p:cNvPr id="5" name="Table 4">
+            <a:extLst>
+              <a:ext uri="{FF2B5EF4-FFF2-40B4-BE49-F238E27FC236}">
+                <a16:creationId xmlns:a16="http://schemas.microsoft.com/office/drawing/2014/main" id="{BBAC984F-A31A-054B-8FE0-1D065A6C16C4}"/>
+              </a:ext>
+            </a:extLst>
+          </p:cNvPr>
+          <p:cNvGraphicFramePr>
+            <a:graphicFrameLocks noGrp="1"/>
+          </p:cNvGraphicFramePr>
+          <p:nvPr>
+            <p:extLst>
+              <p:ext uri="{D42A27DB-BD31-4B8C-83A1-F6EECF244321}">
+                <p14:modId xmlns:p14="http://schemas.microsoft.com/office/powerpoint/2010/main" val="3217744030"/>
+              </p:ext>
+            </p:extLst>
+          </p:nvPr>
+        </p:nvGraphicFramePr>
+        <p:xfrm>
+          <a:off x="85165" y="4648499"/>
+          <a:ext cx="12021670" cy="1285240"/>
+        </p:xfrm>
+        <a:graphic>
+          <a:graphicData uri="http://schemas.openxmlformats.org/drawingml/2006/table">
+            <a:tbl>
+              <a:tblPr firstRow="1" bandRow="1">
+                <a:tableStyleId>{5940675A-B579-460E-94D1-54222C63F5DA}</a:tableStyleId>
+              </a:tblPr>
+              <a:tblGrid>
+                <a:gridCol w="1259541">
+                  <a:extLst>
+                    <a:ext uri="{9D8B030D-6E8A-4147-A177-3AD203B41FA5}">
+                      <a16:colId xmlns:a16="http://schemas.microsoft.com/office/drawing/2014/main" val="3310124708"/>
+                    </a:ext>
+                  </a:extLst>
+                </a:gridCol>
+                <a:gridCol w="1761565">
+                  <a:extLst>
+                    <a:ext uri="{9D8B030D-6E8A-4147-A177-3AD203B41FA5}">
+                      <a16:colId xmlns:a16="http://schemas.microsoft.com/office/drawing/2014/main" val="1695059105"/>
+                    </a:ext>
+                  </a:extLst>
+                </a:gridCol>
+                <a:gridCol w="3482788">
+                  <a:extLst>
+                    <a:ext uri="{9D8B030D-6E8A-4147-A177-3AD203B41FA5}">
+                      <a16:colId xmlns:a16="http://schemas.microsoft.com/office/drawing/2014/main" val="2644020309"/>
+                    </a:ext>
+                  </a:extLst>
+                </a:gridCol>
+                <a:gridCol w="3113442">
+                  <a:extLst>
+                    <a:ext uri="{9D8B030D-6E8A-4147-A177-3AD203B41FA5}">
+                      <a16:colId xmlns:a16="http://schemas.microsoft.com/office/drawing/2014/main" val="3698080099"/>
+                    </a:ext>
+                  </a:extLst>
+                </a:gridCol>
+                <a:gridCol w="2404334">
+                  <a:extLst>
+                    <a:ext uri="{9D8B030D-6E8A-4147-A177-3AD203B41FA5}">
+                      <a16:colId xmlns:a16="http://schemas.microsoft.com/office/drawing/2014/main" val="358479963"/>
+                    </a:ext>
+                  </a:extLst>
+                </a:gridCol>
+              </a:tblGrid>
+              <a:tr h="370840">
+                <a:tc>
+                  <a:txBody>
+                    <a:bodyPr/>
+                    <a:lstStyle/>
+                    <a:p>
+                      <a:pPr algn="ctr"/>
+                      <a:r>
+                        <a:rPr lang="en-US" b="1" dirty="0"/>
+                        <a:t>Class</a:t>
+                      </a:r>
+                    </a:p>
+                  </a:txBody>
+                  <a:tcPr/>
+                </a:tc>
+                <a:tc>
+                  <a:txBody>
+                    <a:bodyPr/>
+                    <a:lstStyle/>
+                    <a:p>
+                      <a:pPr algn="ctr"/>
+                      <a:r>
+                        <a:rPr lang="en-US" b="1" dirty="0"/>
+                        <a:t>Function Name</a:t>
+                      </a:r>
+                    </a:p>
+                  </a:txBody>
+                  <a:tcPr/>
+                </a:tc>
+                <a:tc>
+                  <a:txBody>
+                    <a:bodyPr/>
+                    <a:lstStyle/>
+                    <a:p>
+                      <a:pPr algn="ctr"/>
+                      <a:r>
+                        <a:rPr lang="en-US" b="1" dirty="0"/>
+                        <a:t>Why?</a:t>
+                      </a:r>
+                    </a:p>
+                  </a:txBody>
+                  <a:tcPr/>
+                </a:tc>
+                <a:tc>
+                  <a:txBody>
+                    <a:bodyPr/>
+                    <a:lstStyle/>
+                    <a:p>
+                      <a:pPr algn="ctr"/>
+                      <a:r>
+                        <a:rPr lang="en-US" b="1" dirty="0"/>
+                        <a:t>How?</a:t>
+                      </a:r>
+                    </a:p>
+                  </a:txBody>
+                  <a:tcPr/>
+                </a:tc>
+                <a:tc>
+                  <a:txBody>
+                    <a:bodyPr/>
+                    <a:lstStyle/>
+                    <a:p>
+                      <a:pPr algn="ctr"/>
+                      <a:r>
+                        <a:rPr lang="en-US" b="1" dirty="0"/>
+                        <a:t>Returning</a:t>
+                      </a:r>
+                    </a:p>
+                  </a:txBody>
+                  <a:tcPr/>
+                </a:tc>
+                <a:extLst>
+                  <a:ext uri="{0D108BD9-81ED-4DB2-BD59-A6C34878D82A}">
+                    <a16:rowId xmlns:a16="http://schemas.microsoft.com/office/drawing/2014/main" val="4165366467"/>
+                  </a:ext>
+                </a:extLst>
+              </a:tr>
+              <a:tr h="370840">
+                <a:tc>
+                  <a:txBody>
+                    <a:bodyPr/>
+                    <a:lstStyle/>
+                    <a:p>
+                      <a:r>
+                        <a:rPr lang="en-US" dirty="0"/>
+                        <a:t>Budget</a:t>
+                      </a:r>
+                    </a:p>
+                  </a:txBody>
+                  <a:tcPr anchor="ctr"/>
+                </a:tc>
+                <a:tc>
+                  <a:txBody>
+                    <a:bodyPr/>
+                    <a:lstStyle/>
+                    <a:p>
+                      <a:r>
+                        <a:rPr lang="en-US" b="0" dirty="0"/>
+                        <a:t>Budget Remaining</a:t>
+                      </a:r>
+                      <a:endParaRPr lang="en-US" dirty="0"/>
+                    </a:p>
+                  </a:txBody>
+                  <a:tcPr anchor="ctr"/>
+                </a:tc>
+                <a:tc>
+                  <a:txBody>
+                    <a:bodyPr/>
+                    <a:lstStyle/>
+                    <a:p>
+                      <a:r>
+                        <a:rPr lang="en-US" dirty="0"/>
+                        <a:t>Users will need to see how much is left in the budget after each transaction</a:t>
+                      </a:r>
+                    </a:p>
+                  </a:txBody>
+                  <a:tcPr anchor="ctr"/>
+                </a:tc>
+                <a:tc>
+                  <a:txBody>
+                    <a:bodyPr/>
+                    <a:lstStyle/>
+                    <a:p>
+                      <a:r>
+                        <a:rPr lang="en-US" dirty="0"/>
+                        <a:t>Select all transaction id’s </a:t>
+                      </a:r>
+                    </a:p>
+                    <a:p>
+                      <a:r>
+                        <a:rPr lang="en-US" dirty="0" err="1"/>
+                        <a:t>Budget_amount</a:t>
+                      </a:r>
+                      <a:r>
+                        <a:rPr lang="en-US" dirty="0"/>
+                        <a:t> </a:t>
+                      </a:r>
+                    </a:p>
+                  </a:txBody>
+                  <a:tcPr anchor="ctr"/>
+                </a:tc>
+                <a:tc>
+                  <a:txBody>
+                    <a:bodyPr/>
+                    <a:lstStyle/>
+                    <a:p>
+                      <a:endParaRPr lang="en-US" dirty="0"/>
+                    </a:p>
+                  </a:txBody>
+                  <a:tcPr anchor="ctr"/>
+                </a:tc>
+                <a:extLst>
+                  <a:ext uri="{0D108BD9-81ED-4DB2-BD59-A6C34878D82A}">
+                    <a16:rowId xmlns:a16="http://schemas.microsoft.com/office/drawing/2014/main" val="1323884526"/>
+                  </a:ext>
+                </a:extLst>
+              </a:tr>
+            </a:tbl>
+          </a:graphicData>
+        </a:graphic>
+      </p:graphicFrame>
     </p:spTree>
     <p:extLst>
       <p:ext uri="{BB962C8B-B14F-4D97-AF65-F5344CB8AC3E}">
@@ -7012,7 +7572,7 @@
 </p:sld>
 </file>
 
-<file path=ppt/slides/slide15.xml><?xml version="1.0" encoding="utf-8"?>
+<file path=ppt/slides/slide16.xml><?xml version="1.0" encoding="utf-8"?>
 <p:sld xmlns:a="http://schemas.openxmlformats.org/drawingml/2006/main" xmlns:r="http://schemas.openxmlformats.org/officeDocument/2006/relationships" xmlns:p="http://schemas.openxmlformats.org/presentationml/2006/main">
   <p:cSld>
     <p:spTree>
@@ -7833,7 +8393,7 @@
 </p:sld>
 </file>
 
-<file path=ppt/slides/slide16.xml><?xml version="1.0" encoding="utf-8"?>
+<file path=ppt/slides/slide17.xml><?xml version="1.0" encoding="utf-8"?>
 <p:sld xmlns:a="http://schemas.openxmlformats.org/drawingml/2006/main" xmlns:r="http://schemas.openxmlformats.org/officeDocument/2006/relationships" xmlns:p="http://schemas.openxmlformats.org/presentationml/2006/main">
   <p:cSld>
     <p:spTree>
@@ -8550,10 +9110,9 @@
                     <a:lstStyle/>
                     <a:p>
                       <a:r>
-                        <a:rPr lang="en-US"/>
+                        <a:rPr lang="en-US" dirty="0"/>
                         <a:t>Time now</a:t>
                       </a:r>
-                      <a:endParaRPr lang="en-US" dirty="0"/>
                     </a:p>
                   </a:txBody>
                   <a:tcPr/>
@@ -8581,7 +9140,7 @@
 </p:sld>
 </file>
 
-<file path=ppt/slides/slide17.xml><?xml version="1.0" encoding="utf-8"?>
+<file path=ppt/slides/slide18.xml><?xml version="1.0" encoding="utf-8"?>
 <p:sld xmlns:a="http://schemas.openxmlformats.org/drawingml/2006/main" xmlns:r="http://schemas.openxmlformats.org/officeDocument/2006/relationships" xmlns:p="http://schemas.openxmlformats.org/presentationml/2006/main">
   <p:cSld>
     <p:spTree>
@@ -8603,7 +9162,7 @@
           <p:cNvPr id="2" name="Title 1">
             <a:extLst>
               <a:ext uri="{FF2B5EF4-FFF2-40B4-BE49-F238E27FC236}">
-                <a16:creationId xmlns:a16="http://schemas.microsoft.com/office/drawing/2014/main" id="{D68B12F6-2D39-E846-81AC-2332B628DD2B}"/>
+                <a16:creationId xmlns:a16="http://schemas.microsoft.com/office/drawing/2014/main" id="{76D7CAB5-A4EF-7B43-BD1B-F0A73C0FAF29}"/>
               </a:ext>
             </a:extLst>
           </p:cNvPr>
@@ -8614,24 +9173,679 @@
             <p:ph type="title"/>
           </p:nvPr>
         </p:nvSpPr>
-        <p:spPr/>
+        <p:spPr>
+          <a:xfrm>
+            <a:off x="838200" y="365125"/>
+            <a:ext cx="10515600" cy="266887"/>
+          </a:xfrm>
+        </p:spPr>
         <p:txBody>
-          <a:bodyPr/>
+          <a:bodyPr>
+            <a:normAutofit fontScale="90000"/>
+          </a:bodyPr>
           <a:lstStyle/>
           <a:p>
+            <a:pPr algn="ctr"/>
             <a:r>
-              <a:rPr lang="en-US" dirty="0"/>
-              <a:t>Merchant Class Checklist (Back-end)</a:t>
+              <a:rPr lang="en-US" sz="2800" b="1" dirty="0"/>
+              <a:t>Function rationale – Page 5 Transactions</a:t>
             </a:r>
           </a:p>
         </p:txBody>
       </p:sp>
+      <p:graphicFrame>
+        <p:nvGraphicFramePr>
+          <p:cNvPr id="4" name="Table 3">
+            <a:extLst>
+              <a:ext uri="{FF2B5EF4-FFF2-40B4-BE49-F238E27FC236}">
+                <a16:creationId xmlns:a16="http://schemas.microsoft.com/office/drawing/2014/main" id="{AA02A76F-4B68-E947-809B-4E0F1064ECFE}"/>
+              </a:ext>
+            </a:extLst>
+          </p:cNvPr>
+          <p:cNvGraphicFramePr>
+            <a:graphicFrameLocks noGrp="1"/>
+          </p:cNvGraphicFramePr>
+          <p:nvPr>
+            <p:extLst>
+              <p:ext uri="{D42A27DB-BD31-4B8C-83A1-F6EECF244321}">
+                <p14:modId xmlns:p14="http://schemas.microsoft.com/office/powerpoint/2010/main" val="1788008415"/>
+              </p:ext>
+            </p:extLst>
+          </p:nvPr>
+        </p:nvGraphicFramePr>
+        <p:xfrm>
+          <a:off x="85165" y="765885"/>
+          <a:ext cx="12021670" cy="5877560"/>
+        </p:xfrm>
+        <a:graphic>
+          <a:graphicData uri="http://schemas.openxmlformats.org/drawingml/2006/table">
+            <a:tbl>
+              <a:tblPr firstRow="1" bandRow="1">
+                <a:tableStyleId>{5940675A-B579-460E-94D1-54222C63F5DA}</a:tableStyleId>
+              </a:tblPr>
+              <a:tblGrid>
+                <a:gridCol w="1259541">
+                  <a:extLst>
+                    <a:ext uri="{9D8B030D-6E8A-4147-A177-3AD203B41FA5}">
+                      <a16:colId xmlns:a16="http://schemas.microsoft.com/office/drawing/2014/main" val="3310124708"/>
+                    </a:ext>
+                  </a:extLst>
+                </a:gridCol>
+                <a:gridCol w="1761565">
+                  <a:extLst>
+                    <a:ext uri="{9D8B030D-6E8A-4147-A177-3AD203B41FA5}">
+                      <a16:colId xmlns:a16="http://schemas.microsoft.com/office/drawing/2014/main" val="1695059105"/>
+                    </a:ext>
+                  </a:extLst>
+                </a:gridCol>
+                <a:gridCol w="3482788">
+                  <a:extLst>
+                    <a:ext uri="{9D8B030D-6E8A-4147-A177-3AD203B41FA5}">
+                      <a16:colId xmlns:a16="http://schemas.microsoft.com/office/drawing/2014/main" val="2644020309"/>
+                    </a:ext>
+                  </a:extLst>
+                </a:gridCol>
+                <a:gridCol w="3113442">
+                  <a:extLst>
+                    <a:ext uri="{9D8B030D-6E8A-4147-A177-3AD203B41FA5}">
+                      <a16:colId xmlns:a16="http://schemas.microsoft.com/office/drawing/2014/main" val="3698080099"/>
+                    </a:ext>
+                  </a:extLst>
+                </a:gridCol>
+                <a:gridCol w="2404334">
+                  <a:extLst>
+                    <a:ext uri="{9D8B030D-6E8A-4147-A177-3AD203B41FA5}">
+                      <a16:colId xmlns:a16="http://schemas.microsoft.com/office/drawing/2014/main" val="358479963"/>
+                    </a:ext>
+                  </a:extLst>
+                </a:gridCol>
+              </a:tblGrid>
+              <a:tr h="370840">
+                <a:tc>
+                  <a:txBody>
+                    <a:bodyPr/>
+                    <a:lstStyle/>
+                    <a:p>
+                      <a:pPr algn="ctr"/>
+                      <a:r>
+                        <a:rPr lang="en-US" b="1" dirty="0"/>
+                        <a:t>Class</a:t>
+                      </a:r>
+                    </a:p>
+                  </a:txBody>
+                  <a:tcPr/>
+                </a:tc>
+                <a:tc>
+                  <a:txBody>
+                    <a:bodyPr/>
+                    <a:lstStyle/>
+                    <a:p>
+                      <a:pPr algn="ctr"/>
+                      <a:r>
+                        <a:rPr lang="en-US" b="1" dirty="0"/>
+                        <a:t>Function Name</a:t>
+                      </a:r>
+                    </a:p>
+                  </a:txBody>
+                  <a:tcPr/>
+                </a:tc>
+                <a:tc>
+                  <a:txBody>
+                    <a:bodyPr/>
+                    <a:lstStyle/>
+                    <a:p>
+                      <a:pPr algn="ctr"/>
+                      <a:r>
+                        <a:rPr lang="en-US" b="1" dirty="0"/>
+                        <a:t>Why?</a:t>
+                      </a:r>
+                    </a:p>
+                  </a:txBody>
+                  <a:tcPr/>
+                </a:tc>
+                <a:tc>
+                  <a:txBody>
+                    <a:bodyPr/>
+                    <a:lstStyle/>
+                    <a:p>
+                      <a:pPr algn="ctr"/>
+                      <a:r>
+                        <a:rPr lang="en-US" b="1" dirty="0"/>
+                        <a:t>How?</a:t>
+                      </a:r>
+                    </a:p>
+                  </a:txBody>
+                  <a:tcPr/>
+                </a:tc>
+                <a:tc>
+                  <a:txBody>
+                    <a:bodyPr/>
+                    <a:lstStyle/>
+                    <a:p>
+                      <a:pPr algn="ctr"/>
+                      <a:r>
+                        <a:rPr lang="en-US" b="1" dirty="0"/>
+                        <a:t>Returning</a:t>
+                      </a:r>
+                    </a:p>
+                  </a:txBody>
+                  <a:tcPr/>
+                </a:tc>
+                <a:extLst>
+                  <a:ext uri="{0D108BD9-81ED-4DB2-BD59-A6C34878D82A}">
+                    <a16:rowId xmlns:a16="http://schemas.microsoft.com/office/drawing/2014/main" val="4165366467"/>
+                  </a:ext>
+                </a:extLst>
+              </a:tr>
+              <a:tr h="370840">
+                <a:tc>
+                  <a:txBody>
+                    <a:bodyPr/>
+                    <a:lstStyle/>
+                    <a:p>
+                      <a:pPr marL="0" marR="0" lvl="0" indent="0" algn="l" defTabSz="914400" rtl="0" eaLnBrk="1" fontAlgn="auto" latinLnBrk="0" hangingPunct="1">
+                        <a:lnSpc>
+                          <a:spcPct val="100000"/>
+                        </a:lnSpc>
+                        <a:spcBef>
+                          <a:spcPts val="0"/>
+                        </a:spcBef>
+                        <a:spcAft>
+                          <a:spcPts val="0"/>
+                        </a:spcAft>
+                        <a:buClrTx/>
+                        <a:buSzTx/>
+                        <a:buFontTx/>
+                        <a:buNone/>
+                        <a:tabLst/>
+                        <a:defRPr/>
+                      </a:pPr>
+                      <a:r>
+                        <a:rPr kumimoji="0" lang="en-US" sz="1800" b="0" i="0" u="none" strike="noStrike" kern="1200" cap="none" spc="0" normalizeH="0" baseline="0" noProof="0">
+                          <a:ln>
+                            <a:noFill/>
+                          </a:ln>
+                          <a:solidFill>
+                            <a:prstClr val="black"/>
+                          </a:solidFill>
+                          <a:effectLst/>
+                          <a:uLnTx/>
+                          <a:uFillTx/>
+                          <a:latin typeface="Calibri" panose="020F0502020204030204"/>
+                          <a:ea typeface="+mn-ea"/>
+                          <a:cs typeface="+mn-cs"/>
+                        </a:rPr>
+                        <a:t>Transaction</a:t>
+                      </a:r>
+                      <a:endParaRPr kumimoji="0" lang="en-US" sz="1800" b="0" i="0" u="none" strike="noStrike" kern="1200" cap="none" spc="0" normalizeH="0" baseline="0" noProof="0" dirty="0">
+                        <a:ln>
+                          <a:noFill/>
+                        </a:ln>
+                        <a:solidFill>
+                          <a:prstClr val="black"/>
+                        </a:solidFill>
+                        <a:effectLst/>
+                        <a:uLnTx/>
+                        <a:uFillTx/>
+                        <a:latin typeface="Calibri" panose="020F0502020204030204"/>
+                        <a:ea typeface="+mn-ea"/>
+                        <a:cs typeface="+mn-cs"/>
+                      </a:endParaRPr>
+                    </a:p>
+                  </a:txBody>
+                  <a:tcPr anchor="ctr"/>
+                </a:tc>
+                <a:tc>
+                  <a:txBody>
+                    <a:bodyPr/>
+                    <a:lstStyle/>
+                    <a:p>
+                      <a:r>
+                        <a:rPr lang="en-US" dirty="0"/>
+                        <a:t>Total spent</a:t>
+                      </a:r>
+                    </a:p>
+                  </a:txBody>
+                  <a:tcPr anchor="ctr"/>
+                </a:tc>
+                <a:tc>
+                  <a:txBody>
+                    <a:bodyPr/>
+                    <a:lstStyle/>
+                    <a:p>
+                      <a:r>
+                        <a:rPr lang="en-US" dirty="0"/>
+                        <a:t>User will want to see the cumulative amount spent on all the transactions</a:t>
+                      </a:r>
+                    </a:p>
+                  </a:txBody>
+                  <a:tcPr anchor="ctr"/>
+                </a:tc>
+                <a:tc>
+                  <a:txBody>
+                    <a:bodyPr/>
+                    <a:lstStyle/>
+                    <a:p>
+                      <a:r>
+                        <a:rPr lang="en-US" dirty="0"/>
+                        <a:t>transactions = Select all transactions where id =&lt; current id</a:t>
+                      </a:r>
+                    </a:p>
+                    <a:p>
+                      <a:endParaRPr lang="en-US" dirty="0"/>
+                    </a:p>
+                    <a:p>
+                      <a:r>
+                        <a:rPr lang="en-US" dirty="0"/>
+                        <a:t>Total = 0 </a:t>
+                      </a:r>
+                    </a:p>
+                    <a:p>
+                      <a:r>
+                        <a:rPr lang="en-US" dirty="0"/>
+                        <a:t>each |transaction| in transactions </a:t>
+                      </a:r>
+                    </a:p>
+                    <a:p>
+                      <a:r>
+                        <a:rPr lang="en-US" dirty="0"/>
+                        <a:t>Total += </a:t>
+                      </a:r>
+                      <a:r>
+                        <a:rPr lang="en-US" dirty="0" err="1"/>
+                        <a:t>transaction.amount</a:t>
+                      </a:r>
+                      <a:endParaRPr lang="en-US" dirty="0"/>
+                    </a:p>
+                    <a:p>
+                      <a:endParaRPr lang="en-US" dirty="0"/>
+                    </a:p>
+                    <a:p>
+                      <a:r>
+                        <a:rPr lang="en-US" dirty="0"/>
+                        <a:t>Total should be equal to total spent</a:t>
+                      </a:r>
+                    </a:p>
+                    <a:p>
+                      <a:endParaRPr lang="en-US" dirty="0"/>
+                    </a:p>
+                    <a:p>
+                      <a:endParaRPr lang="en-US" dirty="0"/>
+                    </a:p>
+                  </a:txBody>
+                  <a:tcPr anchor="ctr"/>
+                </a:tc>
+                <a:tc>
+                  <a:txBody>
+                    <a:bodyPr/>
+                    <a:lstStyle/>
+                    <a:p>
+                      <a:endParaRPr lang="en-US" dirty="0"/>
+                    </a:p>
+                  </a:txBody>
+                  <a:tcPr anchor="ctr"/>
+                </a:tc>
+                <a:extLst>
+                  <a:ext uri="{0D108BD9-81ED-4DB2-BD59-A6C34878D82A}">
+                    <a16:rowId xmlns:a16="http://schemas.microsoft.com/office/drawing/2014/main" val="1323884526"/>
+                  </a:ext>
+                </a:extLst>
+              </a:tr>
+              <a:tr h="282986">
+                <a:tc>
+                  <a:txBody>
+                    <a:bodyPr/>
+                    <a:lstStyle/>
+                    <a:p>
+                      <a:pPr marL="0" marR="0" lvl="0" indent="0" algn="l" defTabSz="914400" rtl="0" eaLnBrk="1" fontAlgn="auto" latinLnBrk="0" hangingPunct="1">
+                        <a:lnSpc>
+                          <a:spcPct val="100000"/>
+                        </a:lnSpc>
+                        <a:spcBef>
+                          <a:spcPts val="0"/>
+                        </a:spcBef>
+                        <a:spcAft>
+                          <a:spcPts val="0"/>
+                        </a:spcAft>
+                        <a:buClrTx/>
+                        <a:buSzTx/>
+                        <a:buFontTx/>
+                        <a:buNone/>
+                        <a:tabLst/>
+                        <a:defRPr/>
+                      </a:pPr>
+                      <a:endParaRPr kumimoji="0" lang="en-US" sz="1800" b="0" i="0" u="none" strike="noStrike" kern="1200" cap="none" spc="0" normalizeH="0" baseline="0" noProof="0" dirty="0">
+                        <a:ln>
+                          <a:noFill/>
+                        </a:ln>
+                        <a:solidFill>
+                          <a:prstClr val="black"/>
+                        </a:solidFill>
+                        <a:effectLst/>
+                        <a:uLnTx/>
+                        <a:uFillTx/>
+                        <a:latin typeface="Calibri" panose="020F0502020204030204"/>
+                        <a:ea typeface="+mn-ea"/>
+                        <a:cs typeface="+mn-cs"/>
+                      </a:endParaRPr>
+                    </a:p>
+                  </a:txBody>
+                  <a:tcPr anchor="ctr"/>
+                </a:tc>
+                <a:tc>
+                  <a:txBody>
+                    <a:bodyPr/>
+                    <a:lstStyle/>
+                    <a:p>
+                      <a:endParaRPr lang="en-US" dirty="0"/>
+                    </a:p>
+                  </a:txBody>
+                  <a:tcPr anchor="ctr"/>
+                </a:tc>
+                <a:tc>
+                  <a:txBody>
+                    <a:bodyPr/>
+                    <a:lstStyle/>
+                    <a:p>
+                      <a:endParaRPr lang="en-US" dirty="0"/>
+                    </a:p>
+                  </a:txBody>
+                  <a:tcPr anchor="ctr"/>
+                </a:tc>
+                <a:tc>
+                  <a:txBody>
+                    <a:bodyPr/>
+                    <a:lstStyle/>
+                    <a:p>
+                      <a:endParaRPr lang="en-US" dirty="0"/>
+                    </a:p>
+                  </a:txBody>
+                  <a:tcPr anchor="ctr"/>
+                </a:tc>
+                <a:tc>
+                  <a:txBody>
+                    <a:bodyPr/>
+                    <a:lstStyle/>
+                    <a:p>
+                      <a:endParaRPr lang="en-US" dirty="0"/>
+                    </a:p>
+                  </a:txBody>
+                  <a:tcPr anchor="ctr"/>
+                </a:tc>
+                <a:extLst>
+                  <a:ext uri="{0D108BD9-81ED-4DB2-BD59-A6C34878D82A}">
+                    <a16:rowId xmlns:a16="http://schemas.microsoft.com/office/drawing/2014/main" val="2731388846"/>
+                  </a:ext>
+                </a:extLst>
+              </a:tr>
+              <a:tr h="370840">
+                <a:tc>
+                  <a:txBody>
+                    <a:bodyPr/>
+                    <a:lstStyle/>
+                    <a:p>
+                      <a:endParaRPr lang="en-US" dirty="0"/>
+                    </a:p>
+                  </a:txBody>
+                  <a:tcPr/>
+                </a:tc>
+                <a:tc>
+                  <a:txBody>
+                    <a:bodyPr/>
+                    <a:lstStyle/>
+                    <a:p>
+                      <a:endParaRPr lang="en-US" dirty="0"/>
+                    </a:p>
+                  </a:txBody>
+                  <a:tcPr/>
+                </a:tc>
+                <a:tc>
+                  <a:txBody>
+                    <a:bodyPr/>
+                    <a:lstStyle/>
+                    <a:p>
+                      <a:endParaRPr lang="en-US" dirty="0"/>
+                    </a:p>
+                  </a:txBody>
+                  <a:tcPr/>
+                </a:tc>
+                <a:tc>
+                  <a:txBody>
+                    <a:bodyPr/>
+                    <a:lstStyle/>
+                    <a:p>
+                      <a:endParaRPr lang="en-US" dirty="0"/>
+                    </a:p>
+                  </a:txBody>
+                  <a:tcPr anchor="ctr"/>
+                </a:tc>
+                <a:tc>
+                  <a:txBody>
+                    <a:bodyPr/>
+                    <a:lstStyle/>
+                    <a:p>
+                      <a:endParaRPr lang="en-US" dirty="0"/>
+                    </a:p>
+                  </a:txBody>
+                  <a:tcPr anchor="ctr"/>
+                </a:tc>
+                <a:extLst>
+                  <a:ext uri="{0D108BD9-81ED-4DB2-BD59-A6C34878D82A}">
+                    <a16:rowId xmlns:a16="http://schemas.microsoft.com/office/drawing/2014/main" val="3831984839"/>
+                  </a:ext>
+                </a:extLst>
+              </a:tr>
+              <a:tr h="370840">
+                <a:tc>
+                  <a:txBody>
+                    <a:bodyPr/>
+                    <a:lstStyle/>
+                    <a:p>
+                      <a:endParaRPr lang="en-US" dirty="0"/>
+                    </a:p>
+                  </a:txBody>
+                  <a:tcPr/>
+                </a:tc>
+                <a:tc>
+                  <a:txBody>
+                    <a:bodyPr/>
+                    <a:lstStyle/>
+                    <a:p>
+                      <a:endParaRPr lang="en-US" dirty="0"/>
+                    </a:p>
+                  </a:txBody>
+                  <a:tcPr/>
+                </a:tc>
+                <a:tc>
+                  <a:txBody>
+                    <a:bodyPr/>
+                    <a:lstStyle/>
+                    <a:p>
+                      <a:endParaRPr lang="en-US" dirty="0"/>
+                    </a:p>
+                  </a:txBody>
+                  <a:tcPr/>
+                </a:tc>
+                <a:tc>
+                  <a:txBody>
+                    <a:bodyPr/>
+                    <a:lstStyle/>
+                    <a:p>
+                      <a:endParaRPr lang="en-US" dirty="0"/>
+                    </a:p>
+                  </a:txBody>
+                  <a:tcPr anchor="ctr"/>
+                </a:tc>
+                <a:tc>
+                  <a:txBody>
+                    <a:bodyPr/>
+                    <a:lstStyle/>
+                    <a:p>
+                      <a:endParaRPr lang="en-US" dirty="0"/>
+                    </a:p>
+                  </a:txBody>
+                  <a:tcPr anchor="ctr"/>
+                </a:tc>
+                <a:extLst>
+                  <a:ext uri="{0D108BD9-81ED-4DB2-BD59-A6C34878D82A}">
+                    <a16:rowId xmlns:a16="http://schemas.microsoft.com/office/drawing/2014/main" val="1081334054"/>
+                  </a:ext>
+                </a:extLst>
+              </a:tr>
+              <a:tr h="370840">
+                <a:tc>
+                  <a:txBody>
+                    <a:bodyPr/>
+                    <a:lstStyle/>
+                    <a:p>
+                      <a:endParaRPr lang="en-US" dirty="0"/>
+                    </a:p>
+                  </a:txBody>
+                  <a:tcPr/>
+                </a:tc>
+                <a:tc>
+                  <a:txBody>
+                    <a:bodyPr/>
+                    <a:lstStyle/>
+                    <a:p>
+                      <a:endParaRPr lang="en-US" dirty="0"/>
+                    </a:p>
+                  </a:txBody>
+                  <a:tcPr/>
+                </a:tc>
+                <a:tc>
+                  <a:txBody>
+                    <a:bodyPr/>
+                    <a:lstStyle/>
+                    <a:p>
+                      <a:endParaRPr lang="en-US" dirty="0"/>
+                    </a:p>
+                  </a:txBody>
+                  <a:tcPr/>
+                </a:tc>
+                <a:tc>
+                  <a:txBody>
+                    <a:bodyPr/>
+                    <a:lstStyle/>
+                    <a:p>
+                      <a:endParaRPr lang="en-US" dirty="0"/>
+                    </a:p>
+                  </a:txBody>
+                  <a:tcPr anchor="ctr"/>
+                </a:tc>
+                <a:tc>
+                  <a:txBody>
+                    <a:bodyPr/>
+                    <a:lstStyle/>
+                    <a:p>
+                      <a:endParaRPr lang="en-US" dirty="0"/>
+                    </a:p>
+                  </a:txBody>
+                  <a:tcPr anchor="ctr"/>
+                </a:tc>
+                <a:extLst>
+                  <a:ext uri="{0D108BD9-81ED-4DB2-BD59-A6C34878D82A}">
+                    <a16:rowId xmlns:a16="http://schemas.microsoft.com/office/drawing/2014/main" val="2432464653"/>
+                  </a:ext>
+                </a:extLst>
+              </a:tr>
+              <a:tr h="370840">
+                <a:tc>
+                  <a:txBody>
+                    <a:bodyPr/>
+                    <a:lstStyle/>
+                    <a:p>
+                      <a:endParaRPr lang="en-US" dirty="0"/>
+                    </a:p>
+                  </a:txBody>
+                  <a:tcPr/>
+                </a:tc>
+                <a:tc>
+                  <a:txBody>
+                    <a:bodyPr/>
+                    <a:lstStyle/>
+                    <a:p>
+                      <a:endParaRPr lang="en-US" dirty="0"/>
+                    </a:p>
+                  </a:txBody>
+                  <a:tcPr/>
+                </a:tc>
+                <a:tc>
+                  <a:txBody>
+                    <a:bodyPr/>
+                    <a:lstStyle/>
+                    <a:p>
+                      <a:endParaRPr lang="en-US" dirty="0"/>
+                    </a:p>
+                  </a:txBody>
+                  <a:tcPr/>
+                </a:tc>
+                <a:tc>
+                  <a:txBody>
+                    <a:bodyPr/>
+                    <a:lstStyle/>
+                    <a:p>
+                      <a:endParaRPr lang="en-US" dirty="0"/>
+                    </a:p>
+                  </a:txBody>
+                  <a:tcPr/>
+                </a:tc>
+                <a:tc>
+                  <a:txBody>
+                    <a:bodyPr/>
+                    <a:lstStyle/>
+                    <a:p>
+                      <a:endParaRPr lang="en-US" dirty="0"/>
+                    </a:p>
+                  </a:txBody>
+                  <a:tcPr/>
+                </a:tc>
+                <a:extLst>
+                  <a:ext uri="{0D108BD9-81ED-4DB2-BD59-A6C34878D82A}">
+                    <a16:rowId xmlns:a16="http://schemas.microsoft.com/office/drawing/2014/main" val="366904803"/>
+                  </a:ext>
+                </a:extLst>
+              </a:tr>
+            </a:tbl>
+          </a:graphicData>
+        </a:graphic>
+      </p:graphicFrame>
+    </p:spTree>
+    <p:extLst>
+      <p:ext uri="{BB962C8B-B14F-4D97-AF65-F5344CB8AC3E}">
+        <p14:creationId xmlns:p14="http://schemas.microsoft.com/office/powerpoint/2010/main" val="4276030838"/>
+      </p:ext>
+    </p:extLst>
+  </p:cSld>
+  <p:clrMapOvr>
+    <a:masterClrMapping/>
+  </p:clrMapOvr>
+</p:sld>
+</file>
+
+<file path=ppt/slides/slide19.xml><?xml version="1.0" encoding="utf-8"?>
+<p:sld xmlns:a="http://schemas.openxmlformats.org/drawingml/2006/main" xmlns:r="http://schemas.openxmlformats.org/officeDocument/2006/relationships" xmlns:p="http://schemas.openxmlformats.org/presentationml/2006/main">
+  <p:cSld>
+    <p:spTree>
+      <p:nvGrpSpPr>
+        <p:cNvPr id="1" name=""/>
+        <p:cNvGrpSpPr/>
+        <p:nvPr/>
+      </p:nvGrpSpPr>
+      <p:grpSpPr>
+        <a:xfrm>
+          <a:off x="0" y="0"/>
+          <a:ext cx="0" cy="0"/>
+          <a:chOff x="0" y="0"/>
+          <a:chExt cx="0" cy="0"/>
+        </a:xfrm>
+      </p:grpSpPr>
       <p:sp>
         <p:nvSpPr>
-          <p:cNvPr id="3" name="Content Placeholder 2">
+          <p:cNvPr id="2" name="Title 1">
             <a:extLst>
               <a:ext uri="{FF2B5EF4-FFF2-40B4-BE49-F238E27FC236}">
-                <a16:creationId xmlns:a16="http://schemas.microsoft.com/office/drawing/2014/main" id="{1FC5DA40-2C2D-594D-B150-4D8418E46839}"/>
+                <a16:creationId xmlns:a16="http://schemas.microsoft.com/office/drawing/2014/main" id="{76D7CAB5-A4EF-7B43-BD1B-F0A73C0FAF29}"/>
               </a:ext>
             </a:extLst>
           </p:cNvPr>
@@ -8639,94 +9853,675 @@
             <a:spLocks noGrp="1"/>
           </p:cNvSpPr>
           <p:nvPr>
-            <p:ph idx="1"/>
+            <p:ph type="title"/>
           </p:nvPr>
         </p:nvSpPr>
-        <p:spPr/>
+        <p:spPr>
+          <a:xfrm>
+            <a:off x="838200" y="365125"/>
+            <a:ext cx="10515600" cy="266887"/>
+          </a:xfrm>
+        </p:spPr>
         <p:txBody>
           <a:bodyPr>
-            <a:normAutofit/>
+            <a:normAutofit fontScale="90000"/>
           </a:bodyPr>
           <a:lstStyle/>
           <a:p>
-            <a:pPr marL="0" indent="0">
-              <a:buNone/>
-            </a:pPr>
+            <a:pPr algn="ctr"/>
             <a:r>
-              <a:rPr lang="en-GB" dirty="0"/>
-              <a:t>Build an app that allows a user to track their spending.</a:t>
-            </a:r>
-          </a:p>
-          <a:p>
-            <a:pPr marL="0" indent="0">
-              <a:buNone/>
-            </a:pPr>
-            <a:r>
-              <a:rPr lang="en-GB" b="1" dirty="0"/>
-              <a:t>MVP</a:t>
-            </a:r>
-          </a:p>
-          <a:p>
-            <a:pPr lvl="1"/>
-            <a:r>
-              <a:rPr lang="en-GB" dirty="0"/>
-              <a:t>The app should allow the user to </a:t>
-            </a:r>
-          </a:p>
-          <a:p>
-            <a:pPr lvl="2"/>
-            <a:r>
-              <a:rPr lang="en-GB" strike="sngStrike" dirty="0"/>
-              <a:t>create</a:t>
+              <a:rPr lang="en-US" sz="2800" b="1" dirty="0"/>
+              <a:t>Function rationale – Page  </a:t>
             </a:r>
             <a:r>
-              <a:rPr lang="en-GB" dirty="0"/>
-              <a:t>, </a:t>
+              <a:rPr lang="en-US" sz="2800" b="1" dirty="0" err="1"/>
+              <a:t>budget_Transactions</a:t>
             </a:r>
-          </a:p>
-          <a:p>
-            <a:pPr lvl="2"/>
-            <a:r>
-              <a:rPr lang="en-GB" strike="sngStrike" dirty="0"/>
-              <a:t>edit</a:t>
-            </a:r>
-            <a:r>
-              <a:rPr lang="en-GB" dirty="0"/>
-              <a:t> </a:t>
-            </a:r>
-          </a:p>
-          <a:p>
-            <a:pPr lvl="2"/>
-            <a:r>
-              <a:rPr lang="en-GB" dirty="0"/>
-              <a:t>and </a:t>
-            </a:r>
-            <a:r>
-              <a:rPr lang="en-GB" strike="sngStrike" dirty="0"/>
-              <a:t>delete</a:t>
-            </a:r>
-            <a:r>
-              <a:rPr lang="en-GB" dirty="0"/>
-              <a:t> merchants, e.g. Tesco, Amazon, </a:t>
-            </a:r>
-            <a:r>
-              <a:rPr lang="en-GB" dirty="0" err="1"/>
-              <a:t>ScotRail</a:t>
-            </a:r>
-            <a:endParaRPr lang="en-GB" dirty="0"/>
-          </a:p>
-          <a:p>
-            <a:pPr marL="457200" lvl="1" indent="0">
-              <a:buNone/>
-            </a:pPr>
-            <a:endParaRPr lang="en-GB" dirty="0"/>
+            <a:endParaRPr lang="en-US" sz="2800" b="1" dirty="0"/>
           </a:p>
         </p:txBody>
       </p:sp>
+      <p:graphicFrame>
+        <p:nvGraphicFramePr>
+          <p:cNvPr id="4" name="Table 3">
+            <a:extLst>
+              <a:ext uri="{FF2B5EF4-FFF2-40B4-BE49-F238E27FC236}">
+                <a16:creationId xmlns:a16="http://schemas.microsoft.com/office/drawing/2014/main" id="{AA02A76F-4B68-E947-809B-4E0F1064ECFE}"/>
+              </a:ext>
+            </a:extLst>
+          </p:cNvPr>
+          <p:cNvGraphicFramePr>
+            <a:graphicFrameLocks noGrp="1"/>
+          </p:cNvGraphicFramePr>
+          <p:nvPr>
+            <p:extLst>
+              <p:ext uri="{D42A27DB-BD31-4B8C-83A1-F6EECF244321}">
+                <p14:modId xmlns:p14="http://schemas.microsoft.com/office/powerpoint/2010/main" val="4167481085"/>
+              </p:ext>
+            </p:extLst>
+          </p:nvPr>
+        </p:nvGraphicFramePr>
+        <p:xfrm>
+          <a:off x="85165" y="765885"/>
+          <a:ext cx="12021670" cy="6055360"/>
+        </p:xfrm>
+        <a:graphic>
+          <a:graphicData uri="http://schemas.openxmlformats.org/drawingml/2006/table">
+            <a:tbl>
+              <a:tblPr firstRow="1" bandRow="1">
+                <a:tableStyleId>{5940675A-B579-460E-94D1-54222C63F5DA}</a:tableStyleId>
+              </a:tblPr>
+              <a:tblGrid>
+                <a:gridCol w="1259541">
+                  <a:extLst>
+                    <a:ext uri="{9D8B030D-6E8A-4147-A177-3AD203B41FA5}">
+                      <a16:colId xmlns:a16="http://schemas.microsoft.com/office/drawing/2014/main" val="3310124708"/>
+                    </a:ext>
+                  </a:extLst>
+                </a:gridCol>
+                <a:gridCol w="1761565">
+                  <a:extLst>
+                    <a:ext uri="{9D8B030D-6E8A-4147-A177-3AD203B41FA5}">
+                      <a16:colId xmlns:a16="http://schemas.microsoft.com/office/drawing/2014/main" val="1695059105"/>
+                    </a:ext>
+                  </a:extLst>
+                </a:gridCol>
+                <a:gridCol w="3482788">
+                  <a:extLst>
+                    <a:ext uri="{9D8B030D-6E8A-4147-A177-3AD203B41FA5}">
+                      <a16:colId xmlns:a16="http://schemas.microsoft.com/office/drawing/2014/main" val="2644020309"/>
+                    </a:ext>
+                  </a:extLst>
+                </a:gridCol>
+                <a:gridCol w="3113442">
+                  <a:extLst>
+                    <a:ext uri="{9D8B030D-6E8A-4147-A177-3AD203B41FA5}">
+                      <a16:colId xmlns:a16="http://schemas.microsoft.com/office/drawing/2014/main" val="3698080099"/>
+                    </a:ext>
+                  </a:extLst>
+                </a:gridCol>
+                <a:gridCol w="2404334">
+                  <a:extLst>
+                    <a:ext uri="{9D8B030D-6E8A-4147-A177-3AD203B41FA5}">
+                      <a16:colId xmlns:a16="http://schemas.microsoft.com/office/drawing/2014/main" val="358479963"/>
+                    </a:ext>
+                  </a:extLst>
+                </a:gridCol>
+              </a:tblGrid>
+              <a:tr h="370840">
+                <a:tc>
+                  <a:txBody>
+                    <a:bodyPr/>
+                    <a:lstStyle/>
+                    <a:p>
+                      <a:pPr algn="ctr"/>
+                      <a:r>
+                        <a:rPr lang="en-US" b="1" dirty="0"/>
+                        <a:t>Class</a:t>
+                      </a:r>
+                    </a:p>
+                  </a:txBody>
+                  <a:tcPr/>
+                </a:tc>
+                <a:tc>
+                  <a:txBody>
+                    <a:bodyPr/>
+                    <a:lstStyle/>
+                    <a:p>
+                      <a:pPr algn="ctr"/>
+                      <a:r>
+                        <a:rPr lang="en-US" b="1" dirty="0"/>
+                        <a:t>Function Name</a:t>
+                      </a:r>
+                    </a:p>
+                  </a:txBody>
+                  <a:tcPr/>
+                </a:tc>
+                <a:tc>
+                  <a:txBody>
+                    <a:bodyPr/>
+                    <a:lstStyle/>
+                    <a:p>
+                      <a:pPr algn="ctr"/>
+                      <a:r>
+                        <a:rPr lang="en-US" b="1" dirty="0"/>
+                        <a:t>Why?</a:t>
+                      </a:r>
+                    </a:p>
+                  </a:txBody>
+                  <a:tcPr/>
+                </a:tc>
+                <a:tc>
+                  <a:txBody>
+                    <a:bodyPr/>
+                    <a:lstStyle/>
+                    <a:p>
+                      <a:pPr algn="ctr"/>
+                      <a:r>
+                        <a:rPr lang="en-US" b="1" dirty="0"/>
+                        <a:t>How?</a:t>
+                      </a:r>
+                    </a:p>
+                  </a:txBody>
+                  <a:tcPr/>
+                </a:tc>
+                <a:tc>
+                  <a:txBody>
+                    <a:bodyPr/>
+                    <a:lstStyle/>
+                    <a:p>
+                      <a:pPr algn="ctr"/>
+                      <a:r>
+                        <a:rPr lang="en-US" b="1" dirty="0"/>
+                        <a:t>Returning</a:t>
+                      </a:r>
+                    </a:p>
+                  </a:txBody>
+                  <a:tcPr/>
+                </a:tc>
+                <a:extLst>
+                  <a:ext uri="{0D108BD9-81ED-4DB2-BD59-A6C34878D82A}">
+                    <a16:rowId xmlns:a16="http://schemas.microsoft.com/office/drawing/2014/main" val="4165366467"/>
+                  </a:ext>
+                </a:extLst>
+              </a:tr>
+              <a:tr h="370840">
+                <a:tc>
+                  <a:txBody>
+                    <a:bodyPr/>
+                    <a:lstStyle/>
+                    <a:p>
+                      <a:pPr marL="0" marR="0" lvl="0" indent="0" algn="l" defTabSz="914400" rtl="0" eaLnBrk="1" fontAlgn="auto" latinLnBrk="0" hangingPunct="1">
+                        <a:lnSpc>
+                          <a:spcPct val="100000"/>
+                        </a:lnSpc>
+                        <a:spcBef>
+                          <a:spcPts val="0"/>
+                        </a:spcBef>
+                        <a:spcAft>
+                          <a:spcPts val="0"/>
+                        </a:spcAft>
+                        <a:buClrTx/>
+                        <a:buSzTx/>
+                        <a:buFontTx/>
+                        <a:buNone/>
+                        <a:tabLst/>
+                        <a:defRPr/>
+                      </a:pPr>
+                      <a:r>
+                        <a:rPr kumimoji="0" lang="en-US" sz="1800" b="0" i="0" u="none" strike="noStrike" kern="1200" cap="none" spc="0" normalizeH="0" baseline="0" noProof="0" dirty="0" err="1">
+                          <a:ln>
+                            <a:noFill/>
+                          </a:ln>
+                          <a:solidFill>
+                            <a:prstClr val="black"/>
+                          </a:solidFill>
+                          <a:effectLst/>
+                          <a:uLnTx/>
+                          <a:uFillTx/>
+                          <a:latin typeface="Calibri" panose="020F0502020204030204"/>
+                          <a:ea typeface="+mn-ea"/>
+                          <a:cs typeface="+mn-cs"/>
+                        </a:rPr>
+                        <a:t>Budget_transaction</a:t>
+                      </a:r>
+                      <a:endParaRPr kumimoji="0" lang="en-US" sz="1800" b="0" i="0" u="none" strike="noStrike" kern="1200" cap="none" spc="0" normalizeH="0" baseline="0" noProof="0" dirty="0">
+                        <a:ln>
+                          <a:noFill/>
+                        </a:ln>
+                        <a:solidFill>
+                          <a:prstClr val="black"/>
+                        </a:solidFill>
+                        <a:effectLst/>
+                        <a:uLnTx/>
+                        <a:uFillTx/>
+                        <a:latin typeface="Calibri" panose="020F0502020204030204"/>
+                        <a:ea typeface="+mn-ea"/>
+                        <a:cs typeface="+mn-cs"/>
+                      </a:endParaRPr>
+                    </a:p>
+                  </a:txBody>
+                  <a:tcPr anchor="ctr"/>
+                </a:tc>
+                <a:tc>
+                  <a:txBody>
+                    <a:bodyPr/>
+                    <a:lstStyle/>
+                    <a:p>
+                      <a:r>
+                        <a:rPr lang="en-US" dirty="0"/>
+                        <a:t>Total spent</a:t>
+                      </a:r>
+                    </a:p>
+                  </a:txBody>
+                  <a:tcPr anchor="ctr"/>
+                </a:tc>
+                <a:tc>
+                  <a:txBody>
+                    <a:bodyPr/>
+                    <a:lstStyle/>
+                    <a:p>
+                      <a:r>
+                        <a:rPr lang="en-US" dirty="0"/>
+                        <a:t>User will want to see the cumulative amount spent on all the transactions</a:t>
+                      </a:r>
+                    </a:p>
+                  </a:txBody>
+                  <a:tcPr anchor="ctr"/>
+                </a:tc>
+                <a:tc>
+                  <a:txBody>
+                    <a:bodyPr/>
+                    <a:lstStyle/>
+                    <a:p>
+                      <a:r>
+                        <a:rPr lang="en-US" dirty="0"/>
+                        <a:t>transactions = Select all from </a:t>
+                      </a:r>
+                      <a:r>
+                        <a:rPr lang="en-US" dirty="0" err="1"/>
+                        <a:t>budget_transactions</a:t>
+                      </a:r>
+                      <a:r>
+                        <a:rPr lang="en-US" dirty="0"/>
+                        <a:t> where id =&lt; current id</a:t>
+                      </a:r>
+                    </a:p>
+                    <a:p>
+                      <a:endParaRPr lang="en-US" dirty="0"/>
+                    </a:p>
+                    <a:p>
+                      <a:r>
+                        <a:rPr lang="en-US" dirty="0"/>
+                        <a:t>Total = 0 </a:t>
+                      </a:r>
+                    </a:p>
+                    <a:p>
+                      <a:r>
+                        <a:rPr lang="en-US" dirty="0"/>
+                        <a:t>each |transaction| in transactions </a:t>
+                      </a:r>
+                    </a:p>
+                    <a:p>
+                      <a:r>
+                        <a:rPr lang="en-US" dirty="0"/>
+                        <a:t>Total += </a:t>
+                      </a:r>
+                      <a:r>
+                        <a:rPr lang="en-US" dirty="0" err="1"/>
+                        <a:t>transaction.amount</a:t>
+                      </a:r>
+                      <a:endParaRPr lang="en-US" dirty="0"/>
+                    </a:p>
+                    <a:p>
+                      <a:endParaRPr lang="en-US" dirty="0"/>
+                    </a:p>
+                    <a:p>
+                      <a:r>
+                        <a:rPr lang="en-US" dirty="0"/>
+                        <a:t>Total should be equal to total spent</a:t>
+                      </a:r>
+                    </a:p>
+                    <a:p>
+                      <a:endParaRPr lang="en-US" dirty="0"/>
+                    </a:p>
+                    <a:p>
+                      <a:endParaRPr lang="en-US" dirty="0"/>
+                    </a:p>
+                  </a:txBody>
+                  <a:tcPr anchor="ctr"/>
+                </a:tc>
+                <a:tc>
+                  <a:txBody>
+                    <a:bodyPr/>
+                    <a:lstStyle/>
+                    <a:p>
+                      <a:r>
+                        <a:rPr lang="en-US" dirty="0"/>
+                        <a:t>Total (NUMERIC)</a:t>
+                      </a:r>
+                    </a:p>
+                  </a:txBody>
+                  <a:tcPr anchor="ctr"/>
+                </a:tc>
+                <a:extLst>
+                  <a:ext uri="{0D108BD9-81ED-4DB2-BD59-A6C34878D82A}">
+                    <a16:rowId xmlns:a16="http://schemas.microsoft.com/office/drawing/2014/main" val="1323884526"/>
+                  </a:ext>
+                </a:extLst>
+              </a:tr>
+              <a:tr h="282986">
+                <a:tc>
+                  <a:txBody>
+                    <a:bodyPr/>
+                    <a:lstStyle/>
+                    <a:p>
+                      <a:pPr marL="0" marR="0" lvl="0" indent="0" algn="l" defTabSz="914400" rtl="0" eaLnBrk="1" fontAlgn="auto" latinLnBrk="0" hangingPunct="1">
+                        <a:lnSpc>
+                          <a:spcPct val="100000"/>
+                        </a:lnSpc>
+                        <a:spcBef>
+                          <a:spcPts val="0"/>
+                        </a:spcBef>
+                        <a:spcAft>
+                          <a:spcPts val="0"/>
+                        </a:spcAft>
+                        <a:buClrTx/>
+                        <a:buSzTx/>
+                        <a:buFontTx/>
+                        <a:buNone/>
+                        <a:tabLst/>
+                        <a:defRPr/>
+                      </a:pPr>
+                      <a:r>
+                        <a:rPr kumimoji="0" lang="en-US" sz="1800" b="0" i="0" u="none" strike="noStrike" kern="1200" cap="none" spc="0" normalizeH="0" baseline="0" noProof="0" dirty="0" err="1">
+                          <a:ln>
+                            <a:noFill/>
+                          </a:ln>
+                          <a:solidFill>
+                            <a:prstClr val="black"/>
+                          </a:solidFill>
+                          <a:effectLst/>
+                          <a:uLnTx/>
+                          <a:uFillTx/>
+                          <a:latin typeface="+mn-lt"/>
+                          <a:ea typeface="+mn-ea"/>
+                          <a:cs typeface="+mn-cs"/>
+                        </a:rPr>
+                        <a:t>Budget_transaction</a:t>
+                      </a:r>
+                      <a:endParaRPr kumimoji="0" lang="en-US" sz="1800" b="0" i="0" u="none" strike="noStrike" kern="1200" cap="none" spc="0" normalizeH="0" baseline="0" noProof="0" dirty="0">
+                        <a:ln>
+                          <a:noFill/>
+                        </a:ln>
+                        <a:solidFill>
+                          <a:prstClr val="black"/>
+                        </a:solidFill>
+                        <a:effectLst/>
+                        <a:uLnTx/>
+                        <a:uFillTx/>
+                        <a:latin typeface="+mn-lt"/>
+                        <a:ea typeface="+mn-ea"/>
+                        <a:cs typeface="+mn-cs"/>
+                      </a:endParaRPr>
+                    </a:p>
+                    <a:p>
+                      <a:pPr marL="0" marR="0" lvl="0" indent="0" algn="l" defTabSz="914400" rtl="0" eaLnBrk="1" fontAlgn="auto" latinLnBrk="0" hangingPunct="1">
+                        <a:lnSpc>
+                          <a:spcPct val="100000"/>
+                        </a:lnSpc>
+                        <a:spcBef>
+                          <a:spcPts val="0"/>
+                        </a:spcBef>
+                        <a:spcAft>
+                          <a:spcPts val="0"/>
+                        </a:spcAft>
+                        <a:buClrTx/>
+                        <a:buSzTx/>
+                        <a:buFontTx/>
+                        <a:buNone/>
+                        <a:tabLst/>
+                        <a:defRPr/>
+                      </a:pPr>
+                      <a:endParaRPr kumimoji="0" lang="en-US" sz="1800" b="0" i="0" u="none" strike="noStrike" kern="1200" cap="none" spc="0" normalizeH="0" baseline="0" noProof="0" dirty="0">
+                        <a:ln>
+                          <a:noFill/>
+                        </a:ln>
+                        <a:solidFill>
+                          <a:prstClr val="black"/>
+                        </a:solidFill>
+                        <a:effectLst/>
+                        <a:uLnTx/>
+                        <a:uFillTx/>
+                        <a:latin typeface="Calibri" panose="020F0502020204030204"/>
+                        <a:ea typeface="+mn-ea"/>
+                        <a:cs typeface="+mn-cs"/>
+                      </a:endParaRPr>
+                    </a:p>
+                  </a:txBody>
+                  <a:tcPr anchor="ctr"/>
+                </a:tc>
+                <a:tc>
+                  <a:txBody>
+                    <a:bodyPr/>
+                    <a:lstStyle/>
+                    <a:p>
+                      <a:r>
+                        <a:rPr lang="en-US" dirty="0"/>
+                        <a:t>Remaining budget</a:t>
+                      </a:r>
+                    </a:p>
+                  </a:txBody>
+                  <a:tcPr anchor="ctr"/>
+                </a:tc>
+                <a:tc>
+                  <a:txBody>
+                    <a:bodyPr/>
+                    <a:lstStyle/>
+                    <a:p>
+                      <a:r>
+                        <a:rPr lang="en-US" dirty="0"/>
+                        <a:t>Users will want to know how much is left in a budget</a:t>
+                      </a:r>
+                    </a:p>
+                  </a:txBody>
+                  <a:tcPr anchor="ctr"/>
+                </a:tc>
+                <a:tc>
+                  <a:txBody>
+                    <a:bodyPr/>
+                    <a:lstStyle/>
+                    <a:p>
+                      <a:r>
+                        <a:rPr lang="en-US" dirty="0" err="1"/>
+                        <a:t>Budget_amount</a:t>
+                      </a:r>
+                      <a:r>
+                        <a:rPr lang="en-US" dirty="0"/>
+                        <a:t> minus total spent</a:t>
+                      </a:r>
+                    </a:p>
+                  </a:txBody>
+                  <a:tcPr anchor="ctr"/>
+                </a:tc>
+                <a:tc>
+                  <a:txBody>
+                    <a:bodyPr/>
+                    <a:lstStyle/>
+                    <a:p>
+                      <a:r>
+                        <a:rPr lang="en-US" dirty="0"/>
+                        <a:t>Remaining budget (NUMERIC)</a:t>
+                      </a:r>
+                    </a:p>
+                  </a:txBody>
+                  <a:tcPr anchor="ctr"/>
+                </a:tc>
+                <a:extLst>
+                  <a:ext uri="{0D108BD9-81ED-4DB2-BD59-A6C34878D82A}">
+                    <a16:rowId xmlns:a16="http://schemas.microsoft.com/office/drawing/2014/main" val="2731388846"/>
+                  </a:ext>
+                </a:extLst>
+              </a:tr>
+              <a:tr h="370840">
+                <a:tc>
+                  <a:txBody>
+                    <a:bodyPr/>
+                    <a:lstStyle/>
+                    <a:p>
+                      <a:endParaRPr lang="en-US" dirty="0"/>
+                    </a:p>
+                  </a:txBody>
+                  <a:tcPr/>
+                </a:tc>
+                <a:tc>
+                  <a:txBody>
+                    <a:bodyPr/>
+                    <a:lstStyle/>
+                    <a:p>
+                      <a:endParaRPr lang="en-US" dirty="0"/>
+                    </a:p>
+                  </a:txBody>
+                  <a:tcPr/>
+                </a:tc>
+                <a:tc>
+                  <a:txBody>
+                    <a:bodyPr/>
+                    <a:lstStyle/>
+                    <a:p>
+                      <a:endParaRPr lang="en-US" dirty="0"/>
+                    </a:p>
+                  </a:txBody>
+                  <a:tcPr/>
+                </a:tc>
+                <a:tc>
+                  <a:txBody>
+                    <a:bodyPr/>
+                    <a:lstStyle/>
+                    <a:p>
+                      <a:endParaRPr lang="en-US" dirty="0"/>
+                    </a:p>
+                  </a:txBody>
+                  <a:tcPr anchor="ctr"/>
+                </a:tc>
+                <a:tc>
+                  <a:txBody>
+                    <a:bodyPr/>
+                    <a:lstStyle/>
+                    <a:p>
+                      <a:endParaRPr lang="en-US" dirty="0"/>
+                    </a:p>
+                  </a:txBody>
+                  <a:tcPr anchor="ctr"/>
+                </a:tc>
+                <a:extLst>
+                  <a:ext uri="{0D108BD9-81ED-4DB2-BD59-A6C34878D82A}">
+                    <a16:rowId xmlns:a16="http://schemas.microsoft.com/office/drawing/2014/main" val="3831984839"/>
+                  </a:ext>
+                </a:extLst>
+              </a:tr>
+              <a:tr h="370840">
+                <a:tc>
+                  <a:txBody>
+                    <a:bodyPr/>
+                    <a:lstStyle/>
+                    <a:p>
+                      <a:endParaRPr lang="en-US" dirty="0"/>
+                    </a:p>
+                  </a:txBody>
+                  <a:tcPr/>
+                </a:tc>
+                <a:tc>
+                  <a:txBody>
+                    <a:bodyPr/>
+                    <a:lstStyle/>
+                    <a:p>
+                      <a:endParaRPr lang="en-US" dirty="0"/>
+                    </a:p>
+                  </a:txBody>
+                  <a:tcPr/>
+                </a:tc>
+                <a:tc>
+                  <a:txBody>
+                    <a:bodyPr/>
+                    <a:lstStyle/>
+                    <a:p>
+                      <a:endParaRPr lang="en-US" dirty="0"/>
+                    </a:p>
+                  </a:txBody>
+                  <a:tcPr/>
+                </a:tc>
+                <a:tc>
+                  <a:txBody>
+                    <a:bodyPr/>
+                    <a:lstStyle/>
+                    <a:p>
+                      <a:endParaRPr lang="en-US" dirty="0"/>
+                    </a:p>
+                  </a:txBody>
+                  <a:tcPr anchor="ctr"/>
+                </a:tc>
+                <a:tc>
+                  <a:txBody>
+                    <a:bodyPr/>
+                    <a:lstStyle/>
+                    <a:p>
+                      <a:endParaRPr lang="en-US" dirty="0"/>
+                    </a:p>
+                  </a:txBody>
+                  <a:tcPr anchor="ctr"/>
+                </a:tc>
+                <a:extLst>
+                  <a:ext uri="{0D108BD9-81ED-4DB2-BD59-A6C34878D82A}">
+                    <a16:rowId xmlns:a16="http://schemas.microsoft.com/office/drawing/2014/main" val="1081334054"/>
+                  </a:ext>
+                </a:extLst>
+              </a:tr>
+              <a:tr h="370840">
+                <a:tc>
+                  <a:txBody>
+                    <a:bodyPr/>
+                    <a:lstStyle/>
+                    <a:p>
+                      <a:endParaRPr lang="en-US" dirty="0"/>
+                    </a:p>
+                  </a:txBody>
+                  <a:tcPr/>
+                </a:tc>
+                <a:tc>
+                  <a:txBody>
+                    <a:bodyPr/>
+                    <a:lstStyle/>
+                    <a:p>
+                      <a:endParaRPr lang="en-US" dirty="0"/>
+                    </a:p>
+                  </a:txBody>
+                  <a:tcPr/>
+                </a:tc>
+                <a:tc>
+                  <a:txBody>
+                    <a:bodyPr/>
+                    <a:lstStyle/>
+                    <a:p>
+                      <a:endParaRPr lang="en-US" dirty="0"/>
+                    </a:p>
+                  </a:txBody>
+                  <a:tcPr/>
+                </a:tc>
+                <a:tc>
+                  <a:txBody>
+                    <a:bodyPr/>
+                    <a:lstStyle/>
+                    <a:p>
+                      <a:endParaRPr lang="en-US" dirty="0"/>
+                    </a:p>
+                  </a:txBody>
+                  <a:tcPr anchor="ctr"/>
+                </a:tc>
+                <a:tc>
+                  <a:txBody>
+                    <a:bodyPr/>
+                    <a:lstStyle/>
+                    <a:p>
+                      <a:endParaRPr lang="en-US" dirty="0"/>
+                    </a:p>
+                  </a:txBody>
+                  <a:tcPr anchor="ctr"/>
+                </a:tc>
+                <a:extLst>
+                  <a:ext uri="{0D108BD9-81ED-4DB2-BD59-A6C34878D82A}">
+                    <a16:rowId xmlns:a16="http://schemas.microsoft.com/office/drawing/2014/main" val="2432464653"/>
+                  </a:ext>
+                </a:extLst>
+              </a:tr>
+            </a:tbl>
+          </a:graphicData>
+        </a:graphic>
+      </p:graphicFrame>
     </p:spTree>
     <p:extLst>
       <p:ext uri="{BB962C8B-B14F-4D97-AF65-F5344CB8AC3E}">
-        <p14:creationId xmlns:p14="http://schemas.microsoft.com/office/powerpoint/2010/main" val="1801390461"/>
+        <p14:creationId xmlns:p14="http://schemas.microsoft.com/office/powerpoint/2010/main" val="3291559364"/>
       </p:ext>
     </p:extLst>
   </p:cSld>
@@ -8924,6 +10719,161 @@
     <p:extLst>
       <p:ext uri="{BB962C8B-B14F-4D97-AF65-F5344CB8AC3E}">
         <p14:creationId xmlns:p14="http://schemas.microsoft.com/office/powerpoint/2010/main" val="1324376685"/>
+      </p:ext>
+    </p:extLst>
+  </p:cSld>
+  <p:clrMapOvr>
+    <a:masterClrMapping/>
+  </p:clrMapOvr>
+</p:sld>
+</file>
+
+<file path=ppt/slides/slide20.xml><?xml version="1.0" encoding="utf-8"?>
+<p:sld xmlns:a="http://schemas.openxmlformats.org/drawingml/2006/main" xmlns:r="http://schemas.openxmlformats.org/officeDocument/2006/relationships" xmlns:p="http://schemas.openxmlformats.org/presentationml/2006/main">
+  <p:cSld>
+    <p:spTree>
+      <p:nvGrpSpPr>
+        <p:cNvPr id="1" name=""/>
+        <p:cNvGrpSpPr/>
+        <p:nvPr/>
+      </p:nvGrpSpPr>
+      <p:grpSpPr>
+        <a:xfrm>
+          <a:off x="0" y="0"/>
+          <a:ext cx="0" cy="0"/>
+          <a:chOff x="0" y="0"/>
+          <a:chExt cx="0" cy="0"/>
+        </a:xfrm>
+      </p:grpSpPr>
+      <p:sp>
+        <p:nvSpPr>
+          <p:cNvPr id="2" name="Title 1">
+            <a:extLst>
+              <a:ext uri="{FF2B5EF4-FFF2-40B4-BE49-F238E27FC236}">
+                <a16:creationId xmlns:a16="http://schemas.microsoft.com/office/drawing/2014/main" id="{D68B12F6-2D39-E846-81AC-2332B628DD2B}"/>
+              </a:ext>
+            </a:extLst>
+          </p:cNvPr>
+          <p:cNvSpPr>
+            <a:spLocks noGrp="1"/>
+          </p:cNvSpPr>
+          <p:nvPr>
+            <p:ph type="title"/>
+          </p:nvPr>
+        </p:nvSpPr>
+        <p:spPr/>
+        <p:txBody>
+          <a:bodyPr/>
+          <a:lstStyle/>
+          <a:p>
+            <a:r>
+              <a:rPr lang="en-US" dirty="0"/>
+              <a:t>Merchant Class Checklist (Back-end)</a:t>
+            </a:r>
+          </a:p>
+        </p:txBody>
+      </p:sp>
+      <p:sp>
+        <p:nvSpPr>
+          <p:cNvPr id="3" name="Content Placeholder 2">
+            <a:extLst>
+              <a:ext uri="{FF2B5EF4-FFF2-40B4-BE49-F238E27FC236}">
+                <a16:creationId xmlns:a16="http://schemas.microsoft.com/office/drawing/2014/main" id="{1FC5DA40-2C2D-594D-B150-4D8418E46839}"/>
+              </a:ext>
+            </a:extLst>
+          </p:cNvPr>
+          <p:cNvSpPr>
+            <a:spLocks noGrp="1"/>
+          </p:cNvSpPr>
+          <p:nvPr>
+            <p:ph idx="1"/>
+          </p:nvPr>
+        </p:nvSpPr>
+        <p:spPr/>
+        <p:txBody>
+          <a:bodyPr>
+            <a:normAutofit/>
+          </a:bodyPr>
+          <a:lstStyle/>
+          <a:p>
+            <a:pPr marL="0" indent="0">
+              <a:buNone/>
+            </a:pPr>
+            <a:r>
+              <a:rPr lang="en-GB" dirty="0"/>
+              <a:t>Build an app that allows a user to track their spending.</a:t>
+            </a:r>
+          </a:p>
+          <a:p>
+            <a:pPr marL="0" indent="0">
+              <a:buNone/>
+            </a:pPr>
+            <a:r>
+              <a:rPr lang="en-GB" b="1" dirty="0"/>
+              <a:t>MVP</a:t>
+            </a:r>
+          </a:p>
+          <a:p>
+            <a:pPr lvl="1"/>
+            <a:r>
+              <a:rPr lang="en-GB" dirty="0"/>
+              <a:t>The app should allow the user to </a:t>
+            </a:r>
+          </a:p>
+          <a:p>
+            <a:pPr lvl="2"/>
+            <a:r>
+              <a:rPr lang="en-GB" strike="sngStrike" dirty="0"/>
+              <a:t>create</a:t>
+            </a:r>
+            <a:r>
+              <a:rPr lang="en-GB" dirty="0"/>
+              <a:t>, </a:t>
+            </a:r>
+          </a:p>
+          <a:p>
+            <a:pPr lvl="2"/>
+            <a:r>
+              <a:rPr lang="en-GB" strike="sngStrike" dirty="0"/>
+              <a:t>edit</a:t>
+            </a:r>
+            <a:r>
+              <a:rPr lang="en-GB" dirty="0"/>
+              <a:t> </a:t>
+            </a:r>
+          </a:p>
+          <a:p>
+            <a:pPr lvl="2"/>
+            <a:r>
+              <a:rPr lang="en-GB" dirty="0"/>
+              <a:t>and </a:t>
+            </a:r>
+            <a:r>
+              <a:rPr lang="en-GB" strike="sngStrike" dirty="0"/>
+              <a:t>delete</a:t>
+            </a:r>
+            <a:r>
+              <a:rPr lang="en-GB" dirty="0"/>
+              <a:t> merchants, e.g. Tesco, Amazon, </a:t>
+            </a:r>
+            <a:r>
+              <a:rPr lang="en-GB" dirty="0" err="1"/>
+              <a:t>ScotRail</a:t>
+            </a:r>
+            <a:endParaRPr lang="en-GB" dirty="0"/>
+          </a:p>
+          <a:p>
+            <a:pPr marL="457200" lvl="1" indent="0">
+              <a:buNone/>
+            </a:pPr>
+            <a:endParaRPr lang="en-GB" dirty="0"/>
+          </a:p>
+        </p:txBody>
+      </p:sp>
+    </p:spTree>
+    <p:extLst>
+      <p:ext uri="{BB962C8B-B14F-4D97-AF65-F5344CB8AC3E}">
+        <p14:creationId xmlns:p14="http://schemas.microsoft.com/office/powerpoint/2010/main" val="1801390461"/>
       </p:ext>
     </p:extLst>
   </p:cSld>
@@ -20937,7 +22887,7 @@
         </p:nvSpPr>
         <p:spPr>
           <a:xfrm>
-            <a:off x="331694" y="-15873"/>
+            <a:off x="331694" y="91703"/>
             <a:ext cx="2913530" cy="991513"/>
           </a:xfrm>
         </p:spPr>
@@ -20972,13 +22922,13 @@
           <p:nvPr>
             <p:extLst>
               <p:ext uri="{D42A27DB-BD31-4B8C-83A1-F6EECF244321}">
-                <p14:modId xmlns:p14="http://schemas.microsoft.com/office/powerpoint/2010/main" val="1531850384"/>
+                <p14:modId xmlns:p14="http://schemas.microsoft.com/office/powerpoint/2010/main" val="1659684488"/>
               </p:ext>
             </p:extLst>
           </p:nvPr>
         </p:nvGraphicFramePr>
         <p:xfrm>
-          <a:off x="64994" y="1031240"/>
+          <a:off x="64994" y="1743931"/>
           <a:ext cx="1723465" cy="2397760"/>
         </p:xfrm>
         <a:graphic>
@@ -21534,13 +23484,13 @@
           <p:nvPr>
             <p:extLst>
               <p:ext uri="{D42A27DB-BD31-4B8C-83A1-F6EECF244321}">
-                <p14:modId xmlns:p14="http://schemas.microsoft.com/office/powerpoint/2010/main" val="4027828955"/>
+                <p14:modId xmlns:p14="http://schemas.microsoft.com/office/powerpoint/2010/main" val="2641762818"/>
               </p:ext>
             </p:extLst>
           </p:nvPr>
         </p:nvGraphicFramePr>
         <p:xfrm>
-          <a:off x="1916949" y="1031240"/>
+          <a:off x="1916949" y="1743931"/>
           <a:ext cx="1726829" cy="2397760"/>
         </p:xfrm>
         <a:graphic>
@@ -22095,14 +24045,14 @@
           <p:nvPr>
             <p:extLst>
               <p:ext uri="{D42A27DB-BD31-4B8C-83A1-F6EECF244321}">
-                <p14:modId xmlns:p14="http://schemas.microsoft.com/office/powerpoint/2010/main" val="1220126136"/>
+                <p14:modId xmlns:p14="http://schemas.microsoft.com/office/powerpoint/2010/main" val="2043618460"/>
               </p:ext>
             </p:extLst>
           </p:nvPr>
         </p:nvGraphicFramePr>
         <p:xfrm>
-          <a:off x="159124" y="3980356"/>
-          <a:ext cx="11873751" cy="2672080"/>
+          <a:off x="159124" y="4276190"/>
+          <a:ext cx="10275795" cy="2397760"/>
         </p:xfrm>
         <a:graphic>
           <a:graphicData uri="http://schemas.openxmlformats.org/drawingml/2006/table">
@@ -22111,70 +24061,56 @@
                 <a:tableStyleId>{17292A2E-F333-43FB-9621-5CBBE7FDCDCB}</a:tableStyleId>
               </a:tblPr>
               <a:tblGrid>
-                <a:gridCol w="510988">
+                <a:gridCol w="555352">
                   <a:extLst>
                     <a:ext uri="{9D8B030D-6E8A-4147-A177-3AD203B41FA5}">
                       <a16:colId xmlns:a16="http://schemas.microsoft.com/office/drawing/2014/main" val="1019678322"/>
                     </a:ext>
                   </a:extLst>
                 </a:gridCol>
-                <a:gridCol w="1425388">
+                <a:gridCol w="1549140">
                   <a:extLst>
                     <a:ext uri="{9D8B030D-6E8A-4147-A177-3AD203B41FA5}">
                       <a16:colId xmlns:a16="http://schemas.microsoft.com/office/drawing/2014/main" val="467870881"/>
                     </a:ext>
                   </a:extLst>
                 </a:gridCol>
-                <a:gridCol w="1471456">
+                <a:gridCol w="1447772">
                   <a:extLst>
                     <a:ext uri="{9D8B030D-6E8A-4147-A177-3AD203B41FA5}">
                       <a16:colId xmlns:a16="http://schemas.microsoft.com/office/drawing/2014/main" val="2715199334"/>
                     </a:ext>
                   </a:extLst>
                 </a:gridCol>
-                <a:gridCol w="1209417">
+                <a:gridCol w="954741">
                   <a:extLst>
                     <a:ext uri="{9D8B030D-6E8A-4147-A177-3AD203B41FA5}">
                       <a16:colId xmlns:a16="http://schemas.microsoft.com/office/drawing/2014/main" val="2601363651"/>
                     </a:ext>
                   </a:extLst>
                 </a:gridCol>
-                <a:gridCol w="1209417">
+                <a:gridCol w="1519518">
                   <a:extLst>
                     <a:ext uri="{9D8B030D-6E8A-4147-A177-3AD203B41FA5}">
                       <a16:colId xmlns:a16="http://schemas.microsoft.com/office/drawing/2014/main" val="3132313418"/>
                     </a:ext>
                   </a:extLst>
                 </a:gridCol>
-                <a:gridCol w="1209417">
+                <a:gridCol w="1620434">
                   <a:extLst>
                     <a:ext uri="{9D8B030D-6E8A-4147-A177-3AD203B41FA5}">
                       <a16:colId xmlns:a16="http://schemas.microsoft.com/office/drawing/2014/main" val="2343758945"/>
                     </a:ext>
                   </a:extLst>
                 </a:gridCol>
-                <a:gridCol w="1209417">
-                  <a:extLst>
-                    <a:ext uri="{9D8B030D-6E8A-4147-A177-3AD203B41FA5}">
-                      <a16:colId xmlns:a16="http://schemas.microsoft.com/office/drawing/2014/main" val="3498094520"/>
-                    </a:ext>
-                  </a:extLst>
-                </a:gridCol>
-                <a:gridCol w="1209417">
-                  <a:extLst>
-                    <a:ext uri="{9D8B030D-6E8A-4147-A177-3AD203B41FA5}">
-                      <a16:colId xmlns:a16="http://schemas.microsoft.com/office/drawing/2014/main" val="1705342594"/>
-                    </a:ext>
-                  </a:extLst>
-                </a:gridCol>
-                <a:gridCol w="1209417">
+                <a:gridCol w="1314419">
                   <a:extLst>
                     <a:ext uri="{9D8B030D-6E8A-4147-A177-3AD203B41FA5}">
                       <a16:colId xmlns:a16="http://schemas.microsoft.com/office/drawing/2014/main" val="2555784917"/>
                     </a:ext>
                   </a:extLst>
                 </a:gridCol>
-                <a:gridCol w="1209417">
+                <a:gridCol w="1314419">
                   <a:extLst>
                     <a:ext uri="{9D8B030D-6E8A-4147-A177-3AD203B41FA5}">
                       <a16:colId xmlns:a16="http://schemas.microsoft.com/office/drawing/2014/main" val="702228982"/>
@@ -22183,7 +24119,7 @@
                 </a:gridCol>
               </a:tblGrid>
               <a:tr h="370840">
-                <a:tc gridSpan="10">
+                <a:tc gridSpan="8">
                   <a:txBody>
                     <a:bodyPr/>
                     <a:lstStyle/>
@@ -22295,27 +24231,17 @@
                       <a:endParaRPr lang="en-US"/>
                     </a:p>
                   </a:txBody>
-                  <a:tcPr/>
-                </a:tc>
-                <a:tc hMerge="1">
-                  <a:txBody>
-                    <a:bodyPr/>
-                    <a:lstStyle/>
-                    <a:p>
-                      <a:endParaRPr lang="en-US"/>
-                    </a:p>
-                  </a:txBody>
-                  <a:tcPr/>
-                </a:tc>
-                <a:tc hMerge="1">
-                  <a:txBody>
-                    <a:bodyPr/>
-                    <a:lstStyle/>
-                    <a:p>
-                      <a:endParaRPr lang="en-US"/>
-                    </a:p>
-                  </a:txBody>
-                  <a:tcPr/>
+                  <a:tcPr>
+                    <a:lnL w="12700" cap="flat" cmpd="sng" algn="ctr">
+                      <a:solidFill>
+                        <a:schemeClr val="tx1"/>
+                      </a:solidFill>
+                      <a:prstDash val="solid"/>
+                      <a:round/>
+                      <a:headEnd type="none" w="med" len="med"/>
+                      <a:tailEnd type="none" w="med" len="med"/>
+                    </a:lnL>
+                  </a:tcPr>
                 </a:tc>
                 <a:tc hMerge="1">
                   <a:txBody>
@@ -22394,7 +24320,7 @@
                       <a:pPr algn="ctr"/>
                       <a:r>
                         <a:rPr lang="en-US" b="1" dirty="0"/>
-                        <a:t>Amount(£) (NUMERIC(10,2)</a:t>
+                        <a:t>Amount(£) (NUMERIC)</a:t>
                       </a:r>
                     </a:p>
                   </a:txBody>
@@ -22599,8 +24525,12 @@
                     <a:p>
                       <a:pPr algn="ctr"/>
                       <a:r>
+                        <a:rPr lang="en-US" b="1" dirty="0" err="1"/>
+                        <a:t>Time_added</a:t>
+                      </a:r>
+                      <a:r>
                         <a:rPr lang="en-US" b="1" dirty="0"/>
-                        <a:t>Time (NUMERIC(4,2)</a:t>
+                        <a:t> (NUMERIC)</a:t>
                       </a:r>
                     </a:p>
                   </a:txBody>
@@ -22651,7 +24581,7 @@
                       <a:pPr algn="ctr"/>
                       <a:r>
                         <a:rPr lang="en-US" b="1" dirty="0"/>
-                        <a:t>Day (INT)</a:t>
+                        <a:t>Total spend(£) (NUMERIC)</a:t>
                       </a:r>
                     </a:p>
                   </a:txBody>
@@ -22674,15 +24604,6 @@
                       <a:headEnd type="none" w="med" len="med"/>
                       <a:tailEnd type="none" w="med" len="med"/>
                     </a:lnR>
-                    <a:lnT w="12700" cap="flat" cmpd="sng" algn="ctr">
-                      <a:solidFill>
-                        <a:schemeClr val="tx1"/>
-                      </a:solidFill>
-                      <a:prstDash val="solid"/>
-                      <a:round/>
-                      <a:headEnd type="none" w="med" len="med"/>
-                      <a:tailEnd type="none" w="med" len="med"/>
-                    </a:lnT>
                     <a:lnB w="12700" cap="flat" cmpd="sng" algn="ctr">
                       <a:solidFill>
                         <a:schemeClr val="tx1"/>
@@ -22702,109 +24623,7 @@
                       <a:pPr algn="ctr"/>
                       <a:r>
                         <a:rPr lang="en-US" b="1" dirty="0"/>
-                        <a:t>Month (VARCHAR)</a:t>
-                      </a:r>
-                    </a:p>
-                  </a:txBody>
-                  <a:tcPr anchor="ctr">
-                    <a:lnL w="12700" cap="flat" cmpd="sng" algn="ctr">
-                      <a:solidFill>
-                        <a:schemeClr val="tx1"/>
-                      </a:solidFill>
-                      <a:prstDash val="solid"/>
-                      <a:round/>
-                      <a:headEnd type="none" w="med" len="med"/>
-                      <a:tailEnd type="none" w="med" len="med"/>
-                    </a:lnL>
-                    <a:lnR w="12700" cap="flat" cmpd="sng" algn="ctr">
-                      <a:solidFill>
-                        <a:schemeClr val="tx1"/>
-                      </a:solidFill>
-                      <a:prstDash val="solid"/>
-                      <a:round/>
-                      <a:headEnd type="none" w="med" len="med"/>
-                      <a:tailEnd type="none" w="med" len="med"/>
-                    </a:lnR>
-                    <a:lnT w="12700" cap="flat" cmpd="sng" algn="ctr">
-                      <a:solidFill>
-                        <a:schemeClr val="tx1"/>
-                      </a:solidFill>
-                      <a:prstDash val="solid"/>
-                      <a:round/>
-                      <a:headEnd type="none" w="med" len="med"/>
-                      <a:tailEnd type="none" w="med" len="med"/>
-                    </a:lnT>
-                    <a:lnB w="12700" cap="flat" cmpd="sng" algn="ctr">
-                      <a:solidFill>
-                        <a:schemeClr val="tx1"/>
-                      </a:solidFill>
-                      <a:prstDash val="solid"/>
-                      <a:round/>
-                      <a:headEnd type="none" w="med" len="med"/>
-                      <a:tailEnd type="none" w="med" len="med"/>
-                    </a:lnB>
-                  </a:tcPr>
-                </a:tc>
-                <a:tc>
-                  <a:txBody>
-                    <a:bodyPr/>
-                    <a:lstStyle/>
-                    <a:p>
-                      <a:pPr algn="ctr"/>
-                      <a:r>
-                        <a:rPr lang="en-US" b="1" dirty="0"/>
-                        <a:t>Total spend(£) (NUMERIC(10,2)</a:t>
-                      </a:r>
-                    </a:p>
-                  </a:txBody>
-                  <a:tcPr anchor="ctr">
-                    <a:lnL w="12700" cap="flat" cmpd="sng" algn="ctr">
-                      <a:solidFill>
-                        <a:schemeClr val="tx1"/>
-                      </a:solidFill>
-                      <a:prstDash val="solid"/>
-                      <a:round/>
-                      <a:headEnd type="none" w="med" len="med"/>
-                      <a:tailEnd type="none" w="med" len="med"/>
-                    </a:lnL>
-                    <a:lnR w="12700" cap="flat" cmpd="sng" algn="ctr">
-                      <a:solidFill>
-                        <a:schemeClr val="tx1"/>
-                      </a:solidFill>
-                      <a:prstDash val="solid"/>
-                      <a:round/>
-                      <a:headEnd type="none" w="med" len="med"/>
-                      <a:tailEnd type="none" w="med" len="med"/>
-                    </a:lnR>
-                    <a:lnT w="12700" cap="flat" cmpd="sng" algn="ctr">
-                      <a:solidFill>
-                        <a:schemeClr val="tx1"/>
-                      </a:solidFill>
-                      <a:prstDash val="solid"/>
-                      <a:round/>
-                      <a:headEnd type="none" w="med" len="med"/>
-                      <a:tailEnd type="none" w="med" len="med"/>
-                    </a:lnT>
-                    <a:lnB w="12700" cap="flat" cmpd="sng" algn="ctr">
-                      <a:solidFill>
-                        <a:schemeClr val="tx1"/>
-                      </a:solidFill>
-                      <a:prstDash val="solid"/>
-                      <a:round/>
-                      <a:headEnd type="none" w="med" len="med"/>
-                      <a:tailEnd type="none" w="med" len="med"/>
-                    </a:lnB>
-                  </a:tcPr>
-                </a:tc>
-                <a:tc>
-                  <a:txBody>
-                    <a:bodyPr/>
-                    <a:lstStyle/>
-                    <a:p>
-                      <a:pPr algn="ctr"/>
-                      <a:r>
-                        <a:rPr lang="en-US" b="1" dirty="0"/>
-                        <a:t>Remaining Budget(£) (NUMERIC(10,2)</a:t>
+                        <a:t>Remaining Budget(£) (NUMERIC)</a:t>
                       </a:r>
                     </a:p>
                   </a:txBody>
@@ -23168,108 +24987,6 @@
                       <a:pPr algn="ctr"/>
                       <a:r>
                         <a:rPr lang="en-US" dirty="0"/>
-                        <a:t>28</a:t>
-                      </a:r>
-                    </a:p>
-                  </a:txBody>
-                  <a:tcPr anchor="ctr">
-                    <a:lnL w="12700" cap="flat" cmpd="sng" algn="ctr">
-                      <a:solidFill>
-                        <a:schemeClr val="tx1"/>
-                      </a:solidFill>
-                      <a:prstDash val="solid"/>
-                      <a:round/>
-                      <a:headEnd type="none" w="med" len="med"/>
-                      <a:tailEnd type="none" w="med" len="med"/>
-                    </a:lnL>
-                    <a:lnR w="12700" cap="flat" cmpd="sng" algn="ctr">
-                      <a:solidFill>
-                        <a:schemeClr val="tx1"/>
-                      </a:solidFill>
-                      <a:prstDash val="solid"/>
-                      <a:round/>
-                      <a:headEnd type="none" w="med" len="med"/>
-                      <a:tailEnd type="none" w="med" len="med"/>
-                    </a:lnR>
-                    <a:lnT w="12700" cap="flat" cmpd="sng" algn="ctr">
-                      <a:solidFill>
-                        <a:schemeClr val="tx1"/>
-                      </a:solidFill>
-                      <a:prstDash val="solid"/>
-                      <a:round/>
-                      <a:headEnd type="none" w="med" len="med"/>
-                      <a:tailEnd type="none" w="med" len="med"/>
-                    </a:lnT>
-                    <a:lnB w="12700" cap="flat" cmpd="sng" algn="ctr">
-                      <a:solidFill>
-                        <a:schemeClr val="tx1"/>
-                      </a:solidFill>
-                      <a:prstDash val="solid"/>
-                      <a:round/>
-                      <a:headEnd type="none" w="med" len="med"/>
-                      <a:tailEnd type="none" w="med" len="med"/>
-                    </a:lnB>
-                  </a:tcPr>
-                </a:tc>
-                <a:tc>
-                  <a:txBody>
-                    <a:bodyPr/>
-                    <a:lstStyle/>
-                    <a:p>
-                      <a:pPr algn="ctr"/>
-                      <a:r>
-                        <a:rPr lang="en-US" dirty="0"/>
-                        <a:t>February</a:t>
-                      </a:r>
-                    </a:p>
-                  </a:txBody>
-                  <a:tcPr anchor="ctr">
-                    <a:lnL w="12700" cap="flat" cmpd="sng" algn="ctr">
-                      <a:solidFill>
-                        <a:schemeClr val="tx1"/>
-                      </a:solidFill>
-                      <a:prstDash val="solid"/>
-                      <a:round/>
-                      <a:headEnd type="none" w="med" len="med"/>
-                      <a:tailEnd type="none" w="med" len="med"/>
-                    </a:lnL>
-                    <a:lnR w="12700" cap="flat" cmpd="sng" algn="ctr">
-                      <a:solidFill>
-                        <a:schemeClr val="tx1"/>
-                      </a:solidFill>
-                      <a:prstDash val="solid"/>
-                      <a:round/>
-                      <a:headEnd type="none" w="med" len="med"/>
-                      <a:tailEnd type="none" w="med" len="med"/>
-                    </a:lnR>
-                    <a:lnT w="12700" cap="flat" cmpd="sng" algn="ctr">
-                      <a:solidFill>
-                        <a:schemeClr val="tx1"/>
-                      </a:solidFill>
-                      <a:prstDash val="solid"/>
-                      <a:round/>
-                      <a:headEnd type="none" w="med" len="med"/>
-                      <a:tailEnd type="none" w="med" len="med"/>
-                    </a:lnT>
-                    <a:lnB w="12700" cap="flat" cmpd="sng" algn="ctr">
-                      <a:solidFill>
-                        <a:schemeClr val="tx1"/>
-                      </a:solidFill>
-                      <a:prstDash val="solid"/>
-                      <a:round/>
-                      <a:headEnd type="none" w="med" len="med"/>
-                      <a:tailEnd type="none" w="med" len="med"/>
-                    </a:lnB>
-                  </a:tcPr>
-                </a:tc>
-                <a:tc>
-                  <a:txBody>
-                    <a:bodyPr/>
-                    <a:lstStyle/>
-                    <a:p>
-                      <a:pPr algn="ctr"/>
-                      <a:r>
-                        <a:rPr lang="en-US" dirty="0"/>
                         <a:t>5.00</a:t>
                       </a:r>
                     </a:p>
@@ -23685,108 +25402,6 @@
                       <a:pPr algn="ctr"/>
                       <a:r>
                         <a:rPr lang="en-US" dirty="0"/>
-                        <a:t>1</a:t>
-                      </a:r>
-                    </a:p>
-                  </a:txBody>
-                  <a:tcPr anchor="ctr">
-                    <a:lnL w="12700" cap="flat" cmpd="sng" algn="ctr">
-                      <a:solidFill>
-                        <a:schemeClr val="tx1"/>
-                      </a:solidFill>
-                      <a:prstDash val="solid"/>
-                      <a:round/>
-                      <a:headEnd type="none" w="med" len="med"/>
-                      <a:tailEnd type="none" w="med" len="med"/>
-                    </a:lnL>
-                    <a:lnR w="12700" cap="flat" cmpd="sng" algn="ctr">
-                      <a:solidFill>
-                        <a:schemeClr val="tx1"/>
-                      </a:solidFill>
-                      <a:prstDash val="solid"/>
-                      <a:round/>
-                      <a:headEnd type="none" w="med" len="med"/>
-                      <a:tailEnd type="none" w="med" len="med"/>
-                    </a:lnR>
-                    <a:lnT w="12700" cap="flat" cmpd="sng" algn="ctr">
-                      <a:solidFill>
-                        <a:schemeClr val="tx1"/>
-                      </a:solidFill>
-                      <a:prstDash val="solid"/>
-                      <a:round/>
-                      <a:headEnd type="none" w="med" len="med"/>
-                      <a:tailEnd type="none" w="med" len="med"/>
-                    </a:lnT>
-                    <a:lnB w="12700" cap="flat" cmpd="sng" algn="ctr">
-                      <a:solidFill>
-                        <a:schemeClr val="tx1"/>
-                      </a:solidFill>
-                      <a:prstDash val="solid"/>
-                      <a:round/>
-                      <a:headEnd type="none" w="med" len="med"/>
-                      <a:tailEnd type="none" w="med" len="med"/>
-                    </a:lnB>
-                  </a:tcPr>
-                </a:tc>
-                <a:tc>
-                  <a:txBody>
-                    <a:bodyPr/>
-                    <a:lstStyle/>
-                    <a:p>
-                      <a:pPr algn="ctr"/>
-                      <a:r>
-                        <a:rPr lang="en-US" dirty="0"/>
-                        <a:t>March</a:t>
-                      </a:r>
-                    </a:p>
-                  </a:txBody>
-                  <a:tcPr anchor="ctr">
-                    <a:lnL w="12700" cap="flat" cmpd="sng" algn="ctr">
-                      <a:solidFill>
-                        <a:schemeClr val="tx1"/>
-                      </a:solidFill>
-                      <a:prstDash val="solid"/>
-                      <a:round/>
-                      <a:headEnd type="none" w="med" len="med"/>
-                      <a:tailEnd type="none" w="med" len="med"/>
-                    </a:lnL>
-                    <a:lnR w="12700" cap="flat" cmpd="sng" algn="ctr">
-                      <a:solidFill>
-                        <a:schemeClr val="tx1"/>
-                      </a:solidFill>
-                      <a:prstDash val="solid"/>
-                      <a:round/>
-                      <a:headEnd type="none" w="med" len="med"/>
-                      <a:tailEnd type="none" w="med" len="med"/>
-                    </a:lnR>
-                    <a:lnT w="12700" cap="flat" cmpd="sng" algn="ctr">
-                      <a:solidFill>
-                        <a:schemeClr val="tx1"/>
-                      </a:solidFill>
-                      <a:prstDash val="solid"/>
-                      <a:round/>
-                      <a:headEnd type="none" w="med" len="med"/>
-                      <a:tailEnd type="none" w="med" len="med"/>
-                    </a:lnT>
-                    <a:lnB w="12700" cap="flat" cmpd="sng" algn="ctr">
-                      <a:solidFill>
-                        <a:schemeClr val="tx1"/>
-                      </a:solidFill>
-                      <a:prstDash val="solid"/>
-                      <a:round/>
-                      <a:headEnd type="none" w="med" len="med"/>
-                      <a:tailEnd type="none" w="med" len="med"/>
-                    </a:lnB>
-                  </a:tcPr>
-                </a:tc>
-                <a:tc>
-                  <a:txBody>
-                    <a:bodyPr/>
-                    <a:lstStyle/>
-                    <a:p>
-                      <a:pPr algn="ctr"/>
-                      <a:r>
-                        <a:rPr lang="en-US" dirty="0"/>
                         <a:t>15.00</a:t>
                       </a:r>
                     </a:p>
@@ -24152,108 +25767,6 @@
                       <a:r>
                         <a:rPr lang="en-US" dirty="0"/>
                         <a:t>10:00</a:t>
-                      </a:r>
-                    </a:p>
-                  </a:txBody>
-                  <a:tcPr anchor="ctr">
-                    <a:lnL w="12700" cap="flat" cmpd="sng" algn="ctr">
-                      <a:solidFill>
-                        <a:schemeClr val="tx1"/>
-                      </a:solidFill>
-                      <a:prstDash val="solid"/>
-                      <a:round/>
-                      <a:headEnd type="none" w="med" len="med"/>
-                      <a:tailEnd type="none" w="med" len="med"/>
-                    </a:lnL>
-                    <a:lnR w="12700" cap="flat" cmpd="sng" algn="ctr">
-                      <a:solidFill>
-                        <a:schemeClr val="tx1"/>
-                      </a:solidFill>
-                      <a:prstDash val="solid"/>
-                      <a:round/>
-                      <a:headEnd type="none" w="med" len="med"/>
-                      <a:tailEnd type="none" w="med" len="med"/>
-                    </a:lnR>
-                    <a:lnT w="12700" cap="flat" cmpd="sng" algn="ctr">
-                      <a:solidFill>
-                        <a:schemeClr val="tx1"/>
-                      </a:solidFill>
-                      <a:prstDash val="solid"/>
-                      <a:round/>
-                      <a:headEnd type="none" w="med" len="med"/>
-                      <a:tailEnd type="none" w="med" len="med"/>
-                    </a:lnT>
-                    <a:lnB w="12700" cap="flat" cmpd="sng" algn="ctr">
-                      <a:solidFill>
-                        <a:schemeClr val="tx1"/>
-                      </a:solidFill>
-                      <a:prstDash val="solid"/>
-                      <a:round/>
-                      <a:headEnd type="none" w="med" len="med"/>
-                      <a:tailEnd type="none" w="med" len="med"/>
-                    </a:lnB>
-                  </a:tcPr>
-                </a:tc>
-                <a:tc>
-                  <a:txBody>
-                    <a:bodyPr/>
-                    <a:lstStyle/>
-                    <a:p>
-                      <a:pPr algn="ctr"/>
-                      <a:r>
-                        <a:rPr lang="en-US" dirty="0"/>
-                        <a:t>2</a:t>
-                      </a:r>
-                    </a:p>
-                  </a:txBody>
-                  <a:tcPr anchor="ctr">
-                    <a:lnL w="12700" cap="flat" cmpd="sng" algn="ctr">
-                      <a:solidFill>
-                        <a:schemeClr val="tx1"/>
-                      </a:solidFill>
-                      <a:prstDash val="solid"/>
-                      <a:round/>
-                      <a:headEnd type="none" w="med" len="med"/>
-                      <a:tailEnd type="none" w="med" len="med"/>
-                    </a:lnL>
-                    <a:lnR w="12700" cap="flat" cmpd="sng" algn="ctr">
-                      <a:solidFill>
-                        <a:schemeClr val="tx1"/>
-                      </a:solidFill>
-                      <a:prstDash val="solid"/>
-                      <a:round/>
-                      <a:headEnd type="none" w="med" len="med"/>
-                      <a:tailEnd type="none" w="med" len="med"/>
-                    </a:lnR>
-                    <a:lnT w="12700" cap="flat" cmpd="sng" algn="ctr">
-                      <a:solidFill>
-                        <a:schemeClr val="tx1"/>
-                      </a:solidFill>
-                      <a:prstDash val="solid"/>
-                      <a:round/>
-                      <a:headEnd type="none" w="med" len="med"/>
-                      <a:tailEnd type="none" w="med" len="med"/>
-                    </a:lnT>
-                    <a:lnB w="12700" cap="flat" cmpd="sng" algn="ctr">
-                      <a:solidFill>
-                        <a:schemeClr val="tx1"/>
-                      </a:solidFill>
-                      <a:prstDash val="solid"/>
-                      <a:round/>
-                      <a:headEnd type="none" w="med" len="med"/>
-                      <a:tailEnd type="none" w="med" len="med"/>
-                    </a:lnB>
-                  </a:tcPr>
-                </a:tc>
-                <a:tc>
-                  <a:txBody>
-                    <a:bodyPr/>
-                    <a:lstStyle/>
-                    <a:p>
-                      <a:pPr algn="ctr"/>
-                      <a:r>
-                        <a:rPr lang="en-US" dirty="0"/>
-                        <a:t>March</a:t>
                       </a:r>
                     </a:p>
                   </a:txBody>
@@ -24424,8 +25937,8 @@
         </p:nvCxnSpPr>
         <p:spPr>
           <a:xfrm>
-            <a:off x="224303" y="3429000"/>
-            <a:ext cx="2370979" cy="1129553"/>
+            <a:off x="1167186" y="4141691"/>
+            <a:ext cx="1895895" cy="753066"/>
           </a:xfrm>
           <a:prstGeom prst="straightConnector1">
             <a:avLst/>
@@ -24466,8 +25979,8 @@
         </p:nvCxnSpPr>
         <p:spPr>
           <a:xfrm>
-            <a:off x="2151529" y="3429000"/>
-            <a:ext cx="2017059" cy="1223682"/>
+            <a:off x="2937622" y="4141691"/>
+            <a:ext cx="1230966" cy="618567"/>
           </a:xfrm>
           <a:prstGeom prst="straightConnector1">
             <a:avLst/>
@@ -24507,14 +26020,14 @@
           <p:nvPr>
             <p:extLst>
               <p:ext uri="{D42A27DB-BD31-4B8C-83A1-F6EECF244321}">
-                <p14:modId xmlns:p14="http://schemas.microsoft.com/office/powerpoint/2010/main" val="1495656828"/>
+                <p14:modId xmlns:p14="http://schemas.microsoft.com/office/powerpoint/2010/main" val="3765676294"/>
               </p:ext>
             </p:extLst>
           </p:nvPr>
         </p:nvGraphicFramePr>
         <p:xfrm>
-          <a:off x="3751731" y="191865"/>
-          <a:ext cx="2662516" cy="2123440"/>
+          <a:off x="3734796" y="72446"/>
+          <a:ext cx="7130428" cy="1483360"/>
         </p:xfrm>
         <a:graphic>
           <a:graphicData uri="http://schemas.openxmlformats.org/drawingml/2006/table">
@@ -24523,30 +26036,37 @@
                 <a:tableStyleId>{17292A2E-F333-43FB-9621-5CBBE7FDCDCB}</a:tableStyleId>
               </a:tblPr>
               <a:tblGrid>
-                <a:gridCol w="450307">
+                <a:gridCol w="748524">
                   <a:extLst>
                     <a:ext uri="{9D8B030D-6E8A-4147-A177-3AD203B41FA5}">
                       <a16:colId xmlns:a16="http://schemas.microsoft.com/office/drawing/2014/main" val="1019678322"/>
                     </a:ext>
                   </a:extLst>
                 </a:gridCol>
-                <a:gridCol w="1311256">
+                <a:gridCol w="1723118">
                   <a:extLst>
                     <a:ext uri="{9D8B030D-6E8A-4147-A177-3AD203B41FA5}">
                       <a16:colId xmlns:a16="http://schemas.microsoft.com/office/drawing/2014/main" val="702228982"/>
                     </a:ext>
                   </a:extLst>
                 </a:gridCol>
-                <a:gridCol w="900953">
+                <a:gridCol w="1261754">
                   <a:extLst>
                     <a:ext uri="{9D8B030D-6E8A-4147-A177-3AD203B41FA5}">
                       <a16:colId xmlns:a16="http://schemas.microsoft.com/office/drawing/2014/main" val="3039201924"/>
                     </a:ext>
                   </a:extLst>
                 </a:gridCol>
+                <a:gridCol w="3397032">
+                  <a:extLst>
+                    <a:ext uri="{9D8B030D-6E8A-4147-A177-3AD203B41FA5}">
+                      <a16:colId xmlns:a16="http://schemas.microsoft.com/office/drawing/2014/main" val="3962337497"/>
+                    </a:ext>
+                  </a:extLst>
+                </a:gridCol>
               </a:tblGrid>
               <a:tr h="370840">
-                <a:tc gridSpan="3">
+                <a:tc gridSpan="4">
                   <a:txBody>
                     <a:bodyPr/>
                     <a:lstStyle/>
@@ -24658,6 +26178,57 @@
                     </a:lnB>
                     <a:solidFill>
                       <a:srgbClr val="002060"/>
+                    </a:solidFill>
+                  </a:tcPr>
+                </a:tc>
+                <a:tc hMerge="1">
+                  <a:txBody>
+                    <a:bodyPr/>
+                    <a:lstStyle/>
+                    <a:p>
+                      <a:pPr algn="ctr"/>
+                      <a:endParaRPr lang="en-US" dirty="0"/>
+                    </a:p>
+                  </a:txBody>
+                  <a:tcPr anchor="ctr">
+                    <a:lnL w="12700" cap="flat" cmpd="sng" algn="ctr">
+                      <a:solidFill>
+                        <a:schemeClr val="tx1"/>
+                      </a:solidFill>
+                      <a:prstDash val="solid"/>
+                      <a:round/>
+                      <a:headEnd type="none" w="med" len="med"/>
+                      <a:tailEnd type="none" w="med" len="med"/>
+                    </a:lnL>
+                    <a:lnR w="12700" cap="flat" cmpd="sng" algn="ctr">
+                      <a:solidFill>
+                        <a:schemeClr val="tx1"/>
+                      </a:solidFill>
+                      <a:prstDash val="solid"/>
+                      <a:round/>
+                      <a:headEnd type="none" w="med" len="med"/>
+                      <a:tailEnd type="none" w="med" len="med"/>
+                    </a:lnR>
+                    <a:lnT w="12700" cap="flat" cmpd="sng" algn="ctr">
+                      <a:solidFill>
+                        <a:schemeClr val="tx1"/>
+                      </a:solidFill>
+                      <a:prstDash val="solid"/>
+                      <a:round/>
+                      <a:headEnd type="none" w="med" len="med"/>
+                      <a:tailEnd type="none" w="med" len="med"/>
+                    </a:lnT>
+                    <a:lnB w="12700" cap="flat" cmpd="sng" algn="ctr">
+                      <a:solidFill>
+                        <a:schemeClr val="tx1"/>
+                      </a:solidFill>
+                      <a:prstDash val="solid"/>
+                      <a:round/>
+                      <a:headEnd type="none" w="med" len="med"/>
+                      <a:tailEnd type="none" w="med" len="med"/>
+                    </a:lnB>
+                    <a:solidFill>
+                      <a:srgbClr val="206593"/>
                     </a:solidFill>
                   </a:tcPr>
                 </a:tc>
@@ -24821,6 +26392,61 @@
                     </a:lnB>
                   </a:tcPr>
                 </a:tc>
+                <a:tc>
+                  <a:txBody>
+                    <a:bodyPr/>
+                    <a:lstStyle/>
+                    <a:p>
+                      <a:pPr algn="ctr"/>
+                      <a:r>
+                        <a:rPr lang="en-US" b="1" dirty="0" err="1"/>
+                        <a:t>Remaining_budget</a:t>
+                      </a:r>
+                      <a:r>
+                        <a:rPr lang="en-US" b="1" dirty="0"/>
+                        <a:t>(£) (NUMERIC)</a:t>
+                      </a:r>
+                    </a:p>
+                  </a:txBody>
+                  <a:tcPr anchor="ctr">
+                    <a:lnL w="12700" cap="flat" cmpd="sng" algn="ctr">
+                      <a:solidFill>
+                        <a:schemeClr val="tx1"/>
+                      </a:solidFill>
+                      <a:prstDash val="solid"/>
+                      <a:round/>
+                      <a:headEnd type="none" w="med" len="med"/>
+                      <a:tailEnd type="none" w="med" len="med"/>
+                    </a:lnL>
+                    <a:lnR w="12700" cap="flat" cmpd="sng" algn="ctr">
+                      <a:solidFill>
+                        <a:schemeClr val="tx1"/>
+                      </a:solidFill>
+                      <a:prstDash val="solid"/>
+                      <a:round/>
+                      <a:headEnd type="none" w="med" len="med"/>
+                      <a:tailEnd type="none" w="med" len="med"/>
+                    </a:lnR>
+                    <a:lnT w="12700" cap="flat" cmpd="sng" algn="ctr">
+                      <a:solidFill>
+                        <a:schemeClr val="tx1"/>
+                      </a:solidFill>
+                      <a:prstDash val="solid"/>
+                      <a:round/>
+                      <a:headEnd type="none" w="med" len="med"/>
+                      <a:tailEnd type="none" w="med" len="med"/>
+                    </a:lnT>
+                    <a:lnB w="12700" cap="flat" cmpd="sng" algn="ctr">
+                      <a:solidFill>
+                        <a:schemeClr val="tx1"/>
+                      </a:solidFill>
+                      <a:prstDash val="solid"/>
+                      <a:round/>
+                      <a:headEnd type="none" w="med" len="med"/>
+                      <a:tailEnd type="none" w="med" len="med"/>
+                    </a:lnB>
+                  </a:tcPr>
+                </a:tc>
                 <a:extLst>
                   <a:ext uri="{0D108BD9-81ED-4DB2-BD59-A6C34878D82A}">
                     <a16:rowId xmlns:a16="http://schemas.microsoft.com/office/drawing/2014/main" val="2556437728"/>
@@ -24981,6 +26607,57 @@
                     </a:lnB>
                   </a:tcPr>
                 </a:tc>
+                <a:tc>
+                  <a:txBody>
+                    <a:bodyPr/>
+                    <a:lstStyle/>
+                    <a:p>
+                      <a:pPr algn="ctr"/>
+                      <a:r>
+                        <a:rPr lang="en-US" dirty="0"/>
+                        <a:t>495.00</a:t>
+                      </a:r>
+                    </a:p>
+                  </a:txBody>
+                  <a:tcPr anchor="ctr">
+                    <a:lnL w="12700" cap="flat" cmpd="sng" algn="ctr">
+                      <a:solidFill>
+                        <a:schemeClr val="tx1"/>
+                      </a:solidFill>
+                      <a:prstDash val="solid"/>
+                      <a:round/>
+                      <a:headEnd type="none" w="med" len="med"/>
+                      <a:tailEnd type="none" w="med" len="med"/>
+                    </a:lnL>
+                    <a:lnR w="12700" cap="flat" cmpd="sng" algn="ctr">
+                      <a:solidFill>
+                        <a:schemeClr val="tx1"/>
+                      </a:solidFill>
+                      <a:prstDash val="solid"/>
+                      <a:round/>
+                      <a:headEnd type="none" w="med" len="med"/>
+                      <a:tailEnd type="none" w="med" len="med"/>
+                    </a:lnR>
+                    <a:lnT w="12700" cap="flat" cmpd="sng" algn="ctr">
+                      <a:solidFill>
+                        <a:schemeClr val="tx1"/>
+                      </a:solidFill>
+                      <a:prstDash val="solid"/>
+                      <a:round/>
+                      <a:headEnd type="none" w="med" len="med"/>
+                      <a:tailEnd type="none" w="med" len="med"/>
+                    </a:lnT>
+                    <a:lnB w="12700" cap="flat" cmpd="sng" algn="ctr">
+                      <a:solidFill>
+                        <a:schemeClr val="tx1"/>
+                      </a:solidFill>
+                      <a:prstDash val="solid"/>
+                      <a:round/>
+                      <a:headEnd type="none" w="med" len="med"/>
+                      <a:tailEnd type="none" w="med" len="med"/>
+                    </a:lnB>
+                  </a:tcPr>
+                </a:tc>
                 <a:extLst>
                   <a:ext uri="{0D108BD9-81ED-4DB2-BD59-A6C34878D82A}">
                     <a16:rowId xmlns:a16="http://schemas.microsoft.com/office/drawing/2014/main" val="466209325"/>
@@ -25141,169 +26818,60 @@
                     </a:lnB>
                   </a:tcPr>
                 </a:tc>
+                <a:tc>
+                  <a:txBody>
+                    <a:bodyPr/>
+                    <a:lstStyle/>
+                    <a:p>
+                      <a:pPr algn="ctr"/>
+                      <a:r>
+                        <a:rPr lang="en-US" dirty="0"/>
+                        <a:t>485.00</a:t>
+                      </a:r>
+                    </a:p>
+                  </a:txBody>
+                  <a:tcPr anchor="ctr">
+                    <a:lnL w="12700" cap="flat" cmpd="sng" algn="ctr">
+                      <a:solidFill>
+                        <a:schemeClr val="tx1"/>
+                      </a:solidFill>
+                      <a:prstDash val="solid"/>
+                      <a:round/>
+                      <a:headEnd type="none" w="med" len="med"/>
+                      <a:tailEnd type="none" w="med" len="med"/>
+                    </a:lnL>
+                    <a:lnR w="12700" cap="flat" cmpd="sng" algn="ctr">
+                      <a:solidFill>
+                        <a:schemeClr val="tx1"/>
+                      </a:solidFill>
+                      <a:prstDash val="solid"/>
+                      <a:round/>
+                      <a:headEnd type="none" w="med" len="med"/>
+                      <a:tailEnd type="none" w="med" len="med"/>
+                    </a:lnR>
+                    <a:lnT w="12700" cap="flat" cmpd="sng" algn="ctr">
+                      <a:solidFill>
+                        <a:schemeClr val="tx1"/>
+                      </a:solidFill>
+                      <a:prstDash val="solid"/>
+                      <a:round/>
+                      <a:headEnd type="none" w="med" len="med"/>
+                      <a:tailEnd type="none" w="med" len="med"/>
+                    </a:lnT>
+                    <a:lnB w="12700" cap="flat" cmpd="sng" algn="ctr">
+                      <a:solidFill>
+                        <a:schemeClr val="tx1"/>
+                      </a:solidFill>
+                      <a:prstDash val="solid"/>
+                      <a:round/>
+                      <a:headEnd type="none" w="med" len="med"/>
+                      <a:tailEnd type="none" w="med" len="med"/>
+                    </a:lnB>
+                  </a:tcPr>
+                </a:tc>
                 <a:extLst>
                   <a:ext uri="{0D108BD9-81ED-4DB2-BD59-A6C34878D82A}">
                     <a16:rowId xmlns:a16="http://schemas.microsoft.com/office/drawing/2014/main" val="3843750482"/>
-                  </a:ext>
-                </a:extLst>
-              </a:tr>
-              <a:tr h="370840">
-                <a:tc>
-                  <a:txBody>
-                    <a:bodyPr/>
-                    <a:lstStyle/>
-                    <a:p>
-                      <a:pPr algn="ctr"/>
-                      <a:r>
-                        <a:rPr lang="en-US" dirty="0"/>
-                        <a:t>3</a:t>
-                      </a:r>
-                    </a:p>
-                  </a:txBody>
-                  <a:tcPr anchor="ctr">
-                    <a:lnL w="12700" cap="flat" cmpd="sng" algn="ctr">
-                      <a:solidFill>
-                        <a:schemeClr val="tx1"/>
-                      </a:solidFill>
-                      <a:prstDash val="solid"/>
-                      <a:round/>
-                      <a:headEnd type="none" w="med" len="med"/>
-                      <a:tailEnd type="none" w="med" len="med"/>
-                    </a:lnL>
-                    <a:lnR w="12700" cap="flat" cmpd="sng" algn="ctr">
-                      <a:solidFill>
-                        <a:schemeClr val="tx1"/>
-                      </a:solidFill>
-                      <a:prstDash val="solid"/>
-                      <a:round/>
-                      <a:headEnd type="none" w="med" len="med"/>
-                      <a:tailEnd type="none" w="med" len="med"/>
-                    </a:lnR>
-                    <a:lnT w="12700" cap="flat" cmpd="sng" algn="ctr">
-                      <a:solidFill>
-                        <a:schemeClr val="tx1"/>
-                      </a:solidFill>
-                      <a:prstDash val="solid"/>
-                      <a:round/>
-                      <a:headEnd type="none" w="med" len="med"/>
-                      <a:tailEnd type="none" w="med" len="med"/>
-                    </a:lnT>
-                    <a:lnB w="12700" cap="flat" cmpd="sng" algn="ctr">
-                      <a:solidFill>
-                        <a:schemeClr val="tx1"/>
-                      </a:solidFill>
-                      <a:prstDash val="solid"/>
-                      <a:round/>
-                      <a:headEnd type="none" w="med" len="med"/>
-                      <a:tailEnd type="none" w="med" len="med"/>
-                    </a:lnB>
-                  </a:tcPr>
-                </a:tc>
-                <a:tc>
-                  <a:txBody>
-                    <a:bodyPr/>
-                    <a:lstStyle/>
-                    <a:p>
-                      <a:pPr algn="ctr"/>
-                      <a:r>
-                        <a:rPr lang="en-US" dirty="0"/>
-                        <a:t>1</a:t>
-                      </a:r>
-                    </a:p>
-                  </a:txBody>
-                  <a:tcPr anchor="ctr">
-                    <a:lnL w="12700" cap="flat" cmpd="sng" algn="ctr">
-                      <a:solidFill>
-                        <a:schemeClr val="tx1"/>
-                      </a:solidFill>
-                      <a:prstDash val="solid"/>
-                      <a:round/>
-                      <a:headEnd type="none" w="med" len="med"/>
-                      <a:tailEnd type="none" w="med" len="med"/>
-                    </a:lnL>
-                    <a:lnR w="12700" cap="flat" cmpd="sng" algn="ctr">
-                      <a:solidFill>
-                        <a:schemeClr val="tx1"/>
-                      </a:solidFill>
-                      <a:prstDash val="solid"/>
-                      <a:round/>
-                      <a:headEnd type="none" w="med" len="med"/>
-                      <a:tailEnd type="none" w="med" len="med"/>
-                    </a:lnR>
-                    <a:lnT w="12700" cap="flat" cmpd="sng" algn="ctr">
-                      <a:solidFill>
-                        <a:schemeClr val="tx1"/>
-                      </a:solidFill>
-                      <a:prstDash val="solid"/>
-                      <a:round/>
-                      <a:headEnd type="none" w="med" len="med"/>
-                      <a:tailEnd type="none" w="med" len="med"/>
-                    </a:lnT>
-                    <a:lnB w="12700" cap="flat" cmpd="sng" algn="ctr">
-                      <a:solidFill>
-                        <a:schemeClr val="tx1"/>
-                      </a:solidFill>
-                      <a:prstDash val="solid"/>
-                      <a:round/>
-                      <a:headEnd type="none" w="med" len="med"/>
-                      <a:tailEnd type="none" w="med" len="med"/>
-                    </a:lnB>
-                  </a:tcPr>
-                </a:tc>
-                <a:tc>
-                  <a:txBody>
-                    <a:bodyPr/>
-                    <a:lstStyle/>
-                    <a:p>
-                      <a:pPr algn="ctr"/>
-                      <a:r>
-                        <a:rPr lang="en-US" dirty="0"/>
-                        <a:t>3</a:t>
-                      </a:r>
-                    </a:p>
-                  </a:txBody>
-                  <a:tcPr anchor="ctr">
-                    <a:lnL w="12700" cap="flat" cmpd="sng" algn="ctr">
-                      <a:solidFill>
-                        <a:schemeClr val="tx1"/>
-                      </a:solidFill>
-                      <a:prstDash val="solid"/>
-                      <a:round/>
-                      <a:headEnd type="none" w="med" len="med"/>
-                      <a:tailEnd type="none" w="med" len="med"/>
-                    </a:lnL>
-                    <a:lnR w="12700" cap="flat" cmpd="sng" algn="ctr">
-                      <a:solidFill>
-                        <a:schemeClr val="tx1"/>
-                      </a:solidFill>
-                      <a:prstDash val="solid"/>
-                      <a:round/>
-                      <a:headEnd type="none" w="med" len="med"/>
-                      <a:tailEnd type="none" w="med" len="med"/>
-                    </a:lnR>
-                    <a:lnT w="12700" cap="flat" cmpd="sng" algn="ctr">
-                      <a:solidFill>
-                        <a:schemeClr val="tx1"/>
-                      </a:solidFill>
-                      <a:prstDash val="solid"/>
-                      <a:round/>
-                      <a:headEnd type="none" w="med" len="med"/>
-                      <a:tailEnd type="none" w="med" len="med"/>
-                    </a:lnT>
-                    <a:lnB w="12700" cap="flat" cmpd="sng" algn="ctr">
-                      <a:solidFill>
-                        <a:schemeClr val="tx1"/>
-                      </a:solidFill>
-                      <a:prstDash val="solid"/>
-                      <a:round/>
-                      <a:headEnd type="none" w="med" len="med"/>
-                      <a:tailEnd type="none" w="med" len="med"/>
-                    </a:lnB>
-                  </a:tcPr>
-                </a:tc>
-                <a:extLst>
-                  <a:ext uri="{0D108BD9-81ED-4DB2-BD59-A6C34878D82A}">
-                    <a16:rowId xmlns:a16="http://schemas.microsoft.com/office/drawing/2014/main" val="1822218103"/>
                   </a:ext>
                 </a:extLst>
               </a:tr>
@@ -25326,14 +26894,14 @@
           <p:nvPr>
             <p:extLst>
               <p:ext uri="{D42A27DB-BD31-4B8C-83A1-F6EECF244321}">
-                <p14:modId xmlns:p14="http://schemas.microsoft.com/office/powerpoint/2010/main" val="4148091791"/>
+                <p14:modId xmlns:p14="http://schemas.microsoft.com/office/powerpoint/2010/main" val="2709835615"/>
               </p:ext>
             </p:extLst>
           </p:nvPr>
         </p:nvGraphicFramePr>
         <p:xfrm>
-          <a:off x="6520707" y="1025262"/>
-          <a:ext cx="5568201" cy="2199640"/>
+          <a:off x="5251205" y="1995441"/>
+          <a:ext cx="6781671" cy="1925320"/>
         </p:xfrm>
         <a:graphic>
           <a:graphicData uri="http://schemas.openxmlformats.org/drawingml/2006/table">
@@ -25342,35 +26910,35 @@
                 <a:tableStyleId>{17292A2E-F333-43FB-9621-5CBBE7FDCDCB}</a:tableStyleId>
               </a:tblPr>
               <a:tblGrid>
-                <a:gridCol w="514366">
+                <a:gridCol w="626461">
                   <a:extLst>
                     <a:ext uri="{9D8B030D-6E8A-4147-A177-3AD203B41FA5}">
                       <a16:colId xmlns:a16="http://schemas.microsoft.com/office/drawing/2014/main" val="1019678322"/>
                     </a:ext>
                   </a:extLst>
                 </a:gridCol>
-                <a:gridCol w="1340165">
+                <a:gridCol w="1632226">
                   <a:extLst>
                     <a:ext uri="{9D8B030D-6E8A-4147-A177-3AD203B41FA5}">
                       <a16:colId xmlns:a16="http://schemas.microsoft.com/office/drawing/2014/main" val="702228982"/>
                     </a:ext>
                   </a:extLst>
                 </a:gridCol>
-                <a:gridCol w="986777">
+                <a:gridCol w="1835814">
                   <a:extLst>
                     <a:ext uri="{9D8B030D-6E8A-4147-A177-3AD203B41FA5}">
                       <a16:colId xmlns:a16="http://schemas.microsoft.com/office/drawing/2014/main" val="3039201924"/>
                     </a:ext>
                   </a:extLst>
                 </a:gridCol>
-                <a:gridCol w="1403050">
+                <a:gridCol w="1385047">
                   <a:extLst>
                     <a:ext uri="{9D8B030D-6E8A-4147-A177-3AD203B41FA5}">
                       <a16:colId xmlns:a16="http://schemas.microsoft.com/office/drawing/2014/main" val="3459712493"/>
                     </a:ext>
                   </a:extLst>
                 </a:gridCol>
-                <a:gridCol w="1323843">
+                <a:gridCol w="1302123">
                   <a:extLst>
                     <a:ext uri="{9D8B030D-6E8A-4147-A177-3AD203B41FA5}">
                       <a16:colId xmlns:a16="http://schemas.microsoft.com/office/drawing/2014/main" val="1171233005"/>
@@ -25662,7 +27230,7 @@
                       <a:pPr algn="ctr"/>
                       <a:r>
                         <a:rPr lang="en-US" b="1" dirty="0"/>
-                        <a:t>Budget name (£) (VARCHAR)</a:t>
+                        <a:t>Budget name  (VARCHAR)</a:t>
                       </a:r>
                     </a:p>
                   </a:txBody>
@@ -25713,7 +27281,7 @@
                       <a:pPr algn="ctr"/>
                       <a:r>
                         <a:rPr lang="en-US" b="1" dirty="0"/>
-                        <a:t>Budget Amount (£) (INT)</a:t>
+                        <a:t>Budget Amount (£) (NUMERIC)</a:t>
                       </a:r>
                     </a:p>
                   </a:txBody>
@@ -26155,8 +27723,8 @@
         </p:nvCxnSpPr>
         <p:spPr>
           <a:xfrm flipH="1">
-            <a:off x="331694" y="2315305"/>
-            <a:ext cx="4529169" cy="2337377"/>
+            <a:off x="331695" y="1555806"/>
+            <a:ext cx="4965326" cy="3204452"/>
           </a:xfrm>
           <a:prstGeom prst="straightConnector1">
             <a:avLst/>
@@ -26197,15 +27765,15 @@
         </p:nvCxnSpPr>
         <p:spPr>
           <a:xfrm flipV="1">
-            <a:off x="5912224" y="1879600"/>
-            <a:ext cx="759509" cy="435706"/>
+            <a:off x="5563722" y="1555807"/>
+            <a:ext cx="1321172" cy="979761"/>
           </a:xfrm>
           <a:prstGeom prst="straightConnector1">
             <a:avLst/>
           </a:prstGeom>
           <a:ln w="38100">
-            <a:headEnd type="none"/>
-            <a:tailEnd type="triangle"/>
+            <a:headEnd type="triangle"/>
+            <a:tailEnd type="none"/>
           </a:ln>
         </p:spPr>
         <p:style>

--- a/Plans_Project_Management/Budget_App_Plan_08Nov2018.pptx
+++ b/Plans_Project_Management/Budget_App_Plan_08Nov2018.pptx
@@ -4380,14 +4380,14 @@
           <p:nvPr>
             <p:extLst>
               <p:ext uri="{D42A27DB-BD31-4B8C-83A1-F6EECF244321}">
-                <p14:modId xmlns:p14="http://schemas.microsoft.com/office/powerpoint/2010/main" val="3347654519"/>
+                <p14:modId xmlns:p14="http://schemas.microsoft.com/office/powerpoint/2010/main" val="123140852"/>
               </p:ext>
             </p:extLst>
           </p:nvPr>
         </p:nvGraphicFramePr>
         <p:xfrm>
           <a:off x="5674657" y="464175"/>
-          <a:ext cx="3630706" cy="5561794"/>
+          <a:ext cx="3630706" cy="5795701"/>
         </p:xfrm>
         <a:graphic>
           <a:graphicData uri="http://schemas.openxmlformats.org/drawingml/2006/table">
@@ -4498,17 +4498,22 @@
                     </a:p>
                     <a:p>
                       <a:r>
-                        <a:rPr lang="en-US" dirty="0"/>
+                        <a:rPr lang="en-US" strike="sngStrike" dirty="0"/>
                         <a:t>@</a:t>
                       </a:r>
                       <a:r>
-                        <a:rPr lang="en-US" dirty="0" err="1"/>
+                        <a:rPr lang="en-US" strike="sngStrike" dirty="0" err="1"/>
                         <a:t>total_spent</a:t>
                       </a:r>
                       <a:r>
-                        <a:rPr lang="en-US" dirty="0"/>
-                        <a:t>(numeric)</a:t>
-                      </a:r>
+                        <a:rPr lang="en-US" strike="sngStrike" dirty="0"/>
+                        <a:t>(numeric) </a:t>
+                      </a:r>
+                      <a:r>
+                        <a:rPr lang="en-US" strike="noStrike" dirty="0"/>
+                        <a:t>total spend can be calculated in the html and shouldn’t be a column in the database</a:t>
+                      </a:r>
+                      <a:endParaRPr lang="en-US" strike="sngStrike" dirty="0"/>
                     </a:p>
                   </a:txBody>
                   <a:tcPr/>
@@ -4642,14 +4647,14 @@
           <p:nvPr>
             <p:extLst>
               <p:ext uri="{D42A27DB-BD31-4B8C-83A1-F6EECF244321}">
-                <p14:modId xmlns:p14="http://schemas.microsoft.com/office/powerpoint/2010/main" val="872058982"/>
+                <p14:modId xmlns:p14="http://schemas.microsoft.com/office/powerpoint/2010/main" val="2258900445"/>
               </p:ext>
             </p:extLst>
           </p:nvPr>
         </p:nvGraphicFramePr>
         <p:xfrm>
-          <a:off x="9701303" y="464174"/>
-          <a:ext cx="2203824" cy="6385556"/>
+          <a:off x="9701303" y="464175"/>
+          <a:ext cx="2203824" cy="6253372"/>
         </p:xfrm>
         <a:graphic>
           <a:graphicData uri="http://schemas.openxmlformats.org/drawingml/2006/table">
@@ -4666,7 +4671,7 @@
                   </a:extLst>
                 </a:gridCol>
               </a:tblGrid>
-              <a:tr h="525733">
+              <a:tr h="351254">
                 <a:tc>
                   <a:txBody>
                     <a:bodyPr/>
@@ -4691,7 +4696,7 @@
                   </a:ext>
                 </a:extLst>
               </a:tr>
-              <a:tr h="2787066">
+              <a:tr h="3775982">
                 <a:tc>
                   <a:txBody>
                     <a:bodyPr/>
@@ -4782,20 +4787,22 @@
                         <a:defRPr/>
                       </a:pPr>
                       <a:r>
-                        <a:rPr lang="en-US" dirty="0"/>
+                        <a:rPr lang="en-US" strike="sngStrike" dirty="0"/>
                         <a:t>@</a:t>
                       </a:r>
                       <a:r>
-                        <a:rPr lang="en-US" dirty="0" err="1"/>
+                        <a:rPr lang="en-US" strike="sngStrike" dirty="0" err="1"/>
                         <a:t>remaining_budget</a:t>
                       </a:r>
                       <a:r>
-                        <a:rPr lang="en-US" dirty="0"/>
-                        <a:t>(numeric)</a:t>
-                      </a:r>
-                    </a:p>
-                    <a:p>
-                      <a:endParaRPr lang="en-US" dirty="0"/>
+                        <a:rPr lang="en-US" strike="sngStrike" dirty="0"/>
+                        <a:t>(numeric) </a:t>
+                      </a:r>
+                      <a:r>
+                        <a:rPr lang="en-US" strike="noStrike" dirty="0"/>
+                        <a:t>remaining budget can be calculated in the html and shouldn’t be a column in the database</a:t>
+                      </a:r>
+                      <a:endParaRPr lang="en-US" strike="sngStrike" dirty="0"/>
                     </a:p>
                   </a:txBody>
                   <a:tcPr/>
@@ -4806,7 +4813,7 @@
                   </a:ext>
                 </a:extLst>
               </a:tr>
-              <a:tr h="3025183">
+              <a:tr h="1955692">
                 <a:tc>
                   <a:txBody>
                     <a:bodyPr/>
@@ -4870,9 +4877,6 @@
                         <a:rPr lang="en-US" dirty="0"/>
                         <a:t>delete</a:t>
                       </a:r>
-                    </a:p>
-                    <a:p>
-                      <a:endParaRPr lang="en-US" dirty="0"/>
                     </a:p>
                   </a:txBody>
                   <a:tcPr/>
@@ -4968,7 +4972,7 @@
           <p:nvPr>
             <p:extLst>
               <p:ext uri="{D42A27DB-BD31-4B8C-83A1-F6EECF244321}">
-                <p14:modId xmlns:p14="http://schemas.microsoft.com/office/powerpoint/2010/main" val="2797195984"/>
+                <p14:modId xmlns:p14="http://schemas.microsoft.com/office/powerpoint/2010/main" val="838700762"/>
               </p:ext>
             </p:extLst>
           </p:nvPr>
@@ -5046,18 +5050,15 @@
                       </a:r>
                       <a:r>
                         <a:rPr lang="en-US" dirty="0" err="1"/>
-                        <a:t>budget_id</a:t>
-                      </a:r>
-                      <a:endParaRPr lang="en-US" dirty="0"/>
-                    </a:p>
-                    <a:p>
-                      <a:r>
-                        <a:rPr lang="en-US" dirty="0"/>
-                        <a:t>@</a:t>
-                      </a:r>
-                      <a:r>
-                        <a:rPr lang="en-US" dirty="0" err="1"/>
-                        <a:t>remaining_budget</a:t>
+                        <a:t>budget</a:t>
+                      </a:r>
+                      <a:r>
+                        <a:rPr lang="en-US" err="1"/>
+                        <a:t>_</a:t>
+                      </a:r>
+                      <a:r>
+                        <a:rPr lang="en-US"/>
+                        <a:t>id</a:t>
                       </a:r>
                       <a:endParaRPr lang="en-US" dirty="0"/>
                     </a:p>

--- a/Plans_Project_Management/Budget_App_Plan_08Nov2018.pptx
+++ b/Plans_Project_Management/Budget_App_Plan_08Nov2018.pptx
@@ -25,6 +25,12 @@
     <p:sldId id="274" r:id="rId19"/>
     <p:sldId id="275" r:id="rId20"/>
     <p:sldId id="269" r:id="rId21"/>
+    <p:sldId id="276" r:id="rId22"/>
+    <p:sldId id="277" r:id="rId23"/>
+    <p:sldId id="278" r:id="rId24"/>
+    <p:sldId id="281" r:id="rId25"/>
+    <p:sldId id="280" r:id="rId26"/>
+    <p:sldId id="279" r:id="rId27"/>
   </p:sldIdLst>
   <p:sldSz cx="12192000" cy="6858000"/>
   <p:notesSz cx="6858000" cy="9144000"/>
@@ -4380,14 +4386,14 @@
           <p:nvPr>
             <p:extLst>
               <p:ext uri="{D42A27DB-BD31-4B8C-83A1-F6EECF244321}">
-                <p14:modId xmlns:p14="http://schemas.microsoft.com/office/powerpoint/2010/main" val="123140852"/>
+                <p14:modId xmlns:p14="http://schemas.microsoft.com/office/powerpoint/2010/main" val="2671433756"/>
               </p:ext>
             </p:extLst>
           </p:nvPr>
         </p:nvGraphicFramePr>
         <p:xfrm>
           <a:off x="5674657" y="464175"/>
-          <a:ext cx="3630706" cy="5795701"/>
+          <a:ext cx="3630706" cy="5521381"/>
         </p:xfrm>
         <a:graphic>
           <a:graphicData uri="http://schemas.openxmlformats.org/drawingml/2006/table">
@@ -4557,16 +4563,6 @@
                       <a:r>
                         <a:rPr lang="en-US" dirty="0"/>
                         <a:t>Calculate total spent</a:t>
-                      </a:r>
-                    </a:p>
-                    <a:p>
-                      <a:pPr marL="285750" indent="-285750" algn="l">
-                        <a:buFontTx/>
-                        <a:buChar char="-"/>
-                      </a:pPr>
-                      <a:r>
-                        <a:rPr lang="en-US" dirty="0"/>
-                        <a:t>Calculate remaining budget</a:t>
                       </a:r>
                     </a:p>
                     <a:p>
@@ -4972,14 +4968,14 @@
           <p:nvPr>
             <p:extLst>
               <p:ext uri="{D42A27DB-BD31-4B8C-83A1-F6EECF244321}">
-                <p14:modId xmlns:p14="http://schemas.microsoft.com/office/powerpoint/2010/main" val="838700762"/>
+                <p14:modId xmlns:p14="http://schemas.microsoft.com/office/powerpoint/2010/main" val="2931287289"/>
               </p:ext>
             </p:extLst>
           </p:nvPr>
         </p:nvGraphicFramePr>
         <p:xfrm>
           <a:off x="484092" y="1044239"/>
-          <a:ext cx="3630706" cy="5561794"/>
+          <a:ext cx="3630706" cy="5013154"/>
         </p:xfrm>
         <a:graphic>
           <a:graphicData uri="http://schemas.openxmlformats.org/drawingml/2006/table">
@@ -5050,15 +5046,7 @@
                       </a:r>
                       <a:r>
                         <a:rPr lang="en-US" dirty="0" err="1"/>
-                        <a:t>budget</a:t>
-                      </a:r>
-                      <a:r>
-                        <a:rPr lang="en-US" err="1"/>
-                        <a:t>_</a:t>
-                      </a:r>
-                      <a:r>
-                        <a:rPr lang="en-US"/>
-                        <a:t>id</a:t>
+                        <a:t>budget_id</a:t>
                       </a:r>
                       <a:endParaRPr lang="en-US" dirty="0"/>
                     </a:p>
@@ -5084,52 +5072,6 @@
                       <a:r>
                         <a:rPr lang="en-US" dirty="0"/>
                         <a:t>Initialize</a:t>
-                      </a:r>
-                    </a:p>
-                    <a:p>
-                      <a:pPr marL="285750" marR="0" lvl="0" indent="-285750" algn="l" defTabSz="914400" rtl="0" eaLnBrk="1" fontAlgn="auto" latinLnBrk="0" hangingPunct="1">
-                        <a:lnSpc>
-                          <a:spcPct val="100000"/>
-                        </a:lnSpc>
-                        <a:spcBef>
-                          <a:spcPts val="0"/>
-                        </a:spcBef>
-                        <a:spcAft>
-                          <a:spcPts val="0"/>
-                        </a:spcAft>
-                        <a:buClrTx/>
-                        <a:buSzTx/>
-                        <a:buFontTx/>
-                        <a:buChar char="-"/>
-                        <a:tabLst/>
-                        <a:defRPr/>
-                      </a:pPr>
-                      <a:r>
-                        <a:rPr lang="en-US" dirty="0"/>
-                        <a:t>Calculate total spent</a:t>
-                      </a:r>
-                    </a:p>
-                    <a:p>
-                      <a:pPr marL="285750" marR="0" lvl="0" indent="-285750" algn="l" defTabSz="914400" rtl="0" eaLnBrk="1" fontAlgn="auto" latinLnBrk="0" hangingPunct="1">
-                        <a:lnSpc>
-                          <a:spcPct val="100000"/>
-                        </a:lnSpc>
-                        <a:spcBef>
-                          <a:spcPts val="0"/>
-                        </a:spcBef>
-                        <a:spcAft>
-                          <a:spcPts val="0"/>
-                        </a:spcAft>
-                        <a:buClrTx/>
-                        <a:buSzTx/>
-                        <a:buFontTx/>
-                        <a:buChar char="-"/>
-                        <a:tabLst/>
-                        <a:defRPr/>
-                      </a:pPr>
-                      <a:r>
-                        <a:rPr lang="en-US" dirty="0"/>
-                        <a:t>Calculate remaining budget</a:t>
                       </a:r>
                     </a:p>
                     <a:p>
@@ -10875,6 +10817,653 @@
     <p:extLst>
       <p:ext uri="{BB962C8B-B14F-4D97-AF65-F5344CB8AC3E}">
         <p14:creationId xmlns:p14="http://schemas.microsoft.com/office/powerpoint/2010/main" val="1801390461"/>
+      </p:ext>
+    </p:extLst>
+  </p:cSld>
+  <p:clrMapOvr>
+    <a:masterClrMapping/>
+  </p:clrMapOvr>
+</p:sld>
+</file>
+
+<file path=ppt/slides/slide21.xml><?xml version="1.0" encoding="utf-8"?>
+<p:sld xmlns:a="http://schemas.openxmlformats.org/drawingml/2006/main" xmlns:r="http://schemas.openxmlformats.org/officeDocument/2006/relationships" xmlns:p="http://schemas.openxmlformats.org/presentationml/2006/main">
+  <p:cSld>
+    <p:spTree>
+      <p:nvGrpSpPr>
+        <p:cNvPr id="1" name=""/>
+        <p:cNvGrpSpPr/>
+        <p:nvPr/>
+      </p:nvGrpSpPr>
+      <p:grpSpPr>
+        <a:xfrm>
+          <a:off x="0" y="0"/>
+          <a:ext cx="0" cy="0"/>
+          <a:chOff x="0" y="0"/>
+          <a:chExt cx="0" cy="0"/>
+        </a:xfrm>
+      </p:grpSpPr>
+      <p:pic>
+        <p:nvPicPr>
+          <p:cNvPr id="6" name="Picture 5">
+            <a:extLst>
+              <a:ext uri="{FF2B5EF4-FFF2-40B4-BE49-F238E27FC236}">
+                <a16:creationId xmlns:a16="http://schemas.microsoft.com/office/drawing/2014/main" id="{139DA6A7-C8FA-A94B-BD83-A3C563944AF0}"/>
+              </a:ext>
+            </a:extLst>
+          </p:cNvPr>
+          <p:cNvPicPr>
+            <a:picLocks noChangeAspect="1"/>
+          </p:cNvPicPr>
+          <p:nvPr/>
+        </p:nvPicPr>
+        <p:blipFill>
+          <a:blip r:embed="rId2"/>
+          <a:stretch>
+            <a:fillRect/>
+          </a:stretch>
+        </p:blipFill>
+        <p:spPr>
+          <a:xfrm>
+            <a:off x="5902421" y="0"/>
+            <a:ext cx="5308050" cy="6858000"/>
+          </a:xfrm>
+          <a:prstGeom prst="rect">
+            <a:avLst/>
+          </a:prstGeom>
+        </p:spPr>
+      </p:pic>
+      <p:pic>
+        <p:nvPicPr>
+          <p:cNvPr id="7" name="Picture 6">
+            <a:extLst>
+              <a:ext uri="{FF2B5EF4-FFF2-40B4-BE49-F238E27FC236}">
+                <a16:creationId xmlns:a16="http://schemas.microsoft.com/office/drawing/2014/main" id="{97BC172A-3271-C545-9AF5-C224085D3540}"/>
+              </a:ext>
+            </a:extLst>
+          </p:cNvPr>
+          <p:cNvPicPr>
+            <a:picLocks noChangeAspect="1"/>
+          </p:cNvPicPr>
+          <p:nvPr/>
+        </p:nvPicPr>
+        <p:blipFill rotWithShape="1">
+          <a:blip r:embed="rId2"/>
+          <a:srcRect l="34425" t="14400" r="10449" b="50000"/>
+          <a:stretch/>
+        </p:blipFill>
+        <p:spPr>
+          <a:xfrm>
+            <a:off x="2048255" y="128016"/>
+            <a:ext cx="2926081" cy="2441448"/>
+          </a:xfrm>
+          <a:prstGeom prst="rect">
+            <a:avLst/>
+          </a:prstGeom>
+        </p:spPr>
+      </p:pic>
+      <p:pic>
+        <p:nvPicPr>
+          <p:cNvPr id="8" name="Picture 7">
+            <a:extLst>
+              <a:ext uri="{FF2B5EF4-FFF2-40B4-BE49-F238E27FC236}">
+                <a16:creationId xmlns:a16="http://schemas.microsoft.com/office/drawing/2014/main" id="{C8CFDD76-18FD-FB49-8D0D-825C895821D6}"/>
+              </a:ext>
+            </a:extLst>
+          </p:cNvPr>
+          <p:cNvPicPr>
+            <a:picLocks noChangeAspect="1"/>
+          </p:cNvPicPr>
+          <p:nvPr/>
+        </p:nvPicPr>
+        <p:blipFill rotWithShape="1">
+          <a:blip r:embed="rId2"/>
+          <a:srcRect l="47747" t="15000" r="12976" b="55666"/>
+          <a:stretch/>
+        </p:blipFill>
+        <p:spPr>
+          <a:xfrm>
+            <a:off x="2450592" y="3108960"/>
+            <a:ext cx="2084832" cy="2011680"/>
+          </a:xfrm>
+          <a:prstGeom prst="rect">
+            <a:avLst/>
+          </a:prstGeom>
+        </p:spPr>
+      </p:pic>
+    </p:spTree>
+    <p:extLst>
+      <p:ext uri="{BB962C8B-B14F-4D97-AF65-F5344CB8AC3E}">
+        <p14:creationId xmlns:p14="http://schemas.microsoft.com/office/powerpoint/2010/main" val="838521671"/>
+      </p:ext>
+    </p:extLst>
+  </p:cSld>
+  <p:clrMapOvr>
+    <a:masterClrMapping/>
+  </p:clrMapOvr>
+</p:sld>
+</file>
+
+<file path=ppt/slides/slide22.xml><?xml version="1.0" encoding="utf-8"?>
+<p:sld xmlns:a="http://schemas.openxmlformats.org/drawingml/2006/main" xmlns:r="http://schemas.openxmlformats.org/officeDocument/2006/relationships" xmlns:p="http://schemas.openxmlformats.org/presentationml/2006/main">
+  <p:cSld>
+    <p:spTree>
+      <p:nvGrpSpPr>
+        <p:cNvPr id="1" name=""/>
+        <p:cNvGrpSpPr/>
+        <p:nvPr/>
+      </p:nvGrpSpPr>
+      <p:grpSpPr>
+        <a:xfrm>
+          <a:off x="0" y="0"/>
+          <a:ext cx="0" cy="0"/>
+          <a:chOff x="0" y="0"/>
+          <a:chExt cx="0" cy="0"/>
+        </a:xfrm>
+      </p:grpSpPr>
+      <p:pic>
+        <p:nvPicPr>
+          <p:cNvPr id="4" name="Picture 3">
+            <a:extLst>
+              <a:ext uri="{FF2B5EF4-FFF2-40B4-BE49-F238E27FC236}">
+                <a16:creationId xmlns:a16="http://schemas.microsoft.com/office/drawing/2014/main" id="{B4B62569-CBB4-5947-81BD-D41F5DE099B6}"/>
+              </a:ext>
+            </a:extLst>
+          </p:cNvPr>
+          <p:cNvPicPr>
+            <a:picLocks noChangeAspect="1"/>
+          </p:cNvPicPr>
+          <p:nvPr/>
+        </p:nvPicPr>
+        <p:blipFill rotWithShape="1">
+          <a:blip r:embed="rId2"/>
+          <a:srcRect l="9447" t="23813" r="14366" b="25336"/>
+          <a:stretch/>
+        </p:blipFill>
+        <p:spPr>
+          <a:xfrm flipH="1">
+            <a:off x="493776" y="1474724"/>
+            <a:ext cx="4572000" cy="3051556"/>
+          </a:xfrm>
+          <a:prstGeom prst="rect">
+            <a:avLst/>
+          </a:prstGeom>
+        </p:spPr>
+      </p:pic>
+      <p:pic>
+        <p:nvPicPr>
+          <p:cNvPr id="5" name="Picture 4">
+            <a:extLst>
+              <a:ext uri="{FF2B5EF4-FFF2-40B4-BE49-F238E27FC236}">
+                <a16:creationId xmlns:a16="http://schemas.microsoft.com/office/drawing/2014/main" id="{E6DB89C1-3996-014E-8C1E-8A307B9FB67D}"/>
+              </a:ext>
+            </a:extLst>
+          </p:cNvPr>
+          <p:cNvPicPr>
+            <a:picLocks noChangeAspect="1"/>
+          </p:cNvPicPr>
+          <p:nvPr/>
+        </p:nvPicPr>
+        <p:blipFill>
+          <a:blip r:embed="rId3"/>
+          <a:stretch>
+            <a:fillRect/>
+          </a:stretch>
+        </p:blipFill>
+        <p:spPr>
+          <a:xfrm>
+            <a:off x="6462270" y="714502"/>
+            <a:ext cx="4572000" cy="4572000"/>
+          </a:xfrm>
+          <a:prstGeom prst="rect">
+            <a:avLst/>
+          </a:prstGeom>
+        </p:spPr>
+      </p:pic>
+    </p:spTree>
+    <p:extLst>
+      <p:ext uri="{BB962C8B-B14F-4D97-AF65-F5344CB8AC3E}">
+        <p14:creationId xmlns:p14="http://schemas.microsoft.com/office/powerpoint/2010/main" val="3470246340"/>
+      </p:ext>
+    </p:extLst>
+  </p:cSld>
+  <p:clrMapOvr>
+    <a:masterClrMapping/>
+  </p:clrMapOvr>
+</p:sld>
+</file>
+
+<file path=ppt/slides/slide23.xml><?xml version="1.0" encoding="utf-8"?>
+<p:sld xmlns:a="http://schemas.openxmlformats.org/drawingml/2006/main" xmlns:r="http://schemas.openxmlformats.org/officeDocument/2006/relationships" xmlns:p="http://schemas.openxmlformats.org/presentationml/2006/main">
+  <p:cSld>
+    <p:spTree>
+      <p:nvGrpSpPr>
+        <p:cNvPr id="1" name=""/>
+        <p:cNvGrpSpPr/>
+        <p:nvPr/>
+      </p:nvGrpSpPr>
+      <p:grpSpPr>
+        <a:xfrm>
+          <a:off x="0" y="0"/>
+          <a:ext cx="0" cy="0"/>
+          <a:chOff x="0" y="0"/>
+          <a:chExt cx="0" cy="0"/>
+        </a:xfrm>
+      </p:grpSpPr>
+      <p:pic>
+        <p:nvPicPr>
+          <p:cNvPr id="8" name="Picture 7">
+            <a:extLst>
+              <a:ext uri="{FF2B5EF4-FFF2-40B4-BE49-F238E27FC236}">
+                <a16:creationId xmlns:a16="http://schemas.microsoft.com/office/drawing/2014/main" id="{681F779A-C181-7F41-9DAF-07BAF33AC925}"/>
+              </a:ext>
+            </a:extLst>
+          </p:cNvPr>
+          <p:cNvPicPr>
+            <a:picLocks noChangeAspect="1"/>
+          </p:cNvPicPr>
+          <p:nvPr/>
+        </p:nvPicPr>
+        <p:blipFill rotWithShape="1">
+          <a:blip r:embed="rId2">
+            <a:extLst>
+              <a:ext uri="{BEBA8EAE-BF5A-486C-A8C5-ECC9F3942E4B}">
+                <a14:imgProps xmlns:a14="http://schemas.microsoft.com/office/drawing/2010/main">
+                  <a14:imgLayer r:embed="rId3">
+                    <a14:imgEffect>
+                      <a14:backgroundRemoval t="10000" b="90000" l="10000" r="90000"/>
+                    </a14:imgEffect>
+                  </a14:imgLayer>
+                </a14:imgProps>
+              </a:ext>
+            </a:extLst>
+          </a:blip>
+          <a:srcRect t="25038" b="23912"/>
+          <a:stretch/>
+        </p:blipFill>
+        <p:spPr>
+          <a:xfrm flipH="1">
+            <a:off x="1491038" y="1170433"/>
+            <a:ext cx="1361281" cy="694944"/>
+          </a:xfrm>
+          <a:prstGeom prst="rect">
+            <a:avLst/>
+          </a:prstGeom>
+        </p:spPr>
+      </p:pic>
+    </p:spTree>
+    <p:extLst>
+      <p:ext uri="{BB962C8B-B14F-4D97-AF65-F5344CB8AC3E}">
+        <p14:creationId xmlns:p14="http://schemas.microsoft.com/office/powerpoint/2010/main" val="440666513"/>
+      </p:ext>
+    </p:extLst>
+  </p:cSld>
+  <p:clrMapOvr>
+    <a:masterClrMapping/>
+  </p:clrMapOvr>
+</p:sld>
+</file>
+
+<file path=ppt/slides/slide24.xml><?xml version="1.0" encoding="utf-8"?>
+<p:sld xmlns:a="http://schemas.openxmlformats.org/drawingml/2006/main" xmlns:r="http://schemas.openxmlformats.org/officeDocument/2006/relationships" xmlns:p="http://schemas.openxmlformats.org/presentationml/2006/main">
+  <p:cSld>
+    <p:spTree>
+      <p:nvGrpSpPr>
+        <p:cNvPr id="1" name=""/>
+        <p:cNvGrpSpPr/>
+        <p:nvPr/>
+      </p:nvGrpSpPr>
+      <p:grpSpPr>
+        <a:xfrm>
+          <a:off x="0" y="0"/>
+          <a:ext cx="0" cy="0"/>
+          <a:chOff x="0" y="0"/>
+          <a:chExt cx="0" cy="0"/>
+        </a:xfrm>
+      </p:grpSpPr>
+      <p:sp>
+        <p:nvSpPr>
+          <p:cNvPr id="4" name="Rectangle 3">
+            <a:extLst>
+              <a:ext uri="{FF2B5EF4-FFF2-40B4-BE49-F238E27FC236}">
+                <a16:creationId xmlns:a16="http://schemas.microsoft.com/office/drawing/2014/main" id="{E7F6D30D-1F3A-2B4C-BF67-6988DC260C76}"/>
+              </a:ext>
+            </a:extLst>
+          </p:cNvPr>
+          <p:cNvSpPr/>
+          <p:nvPr/>
+        </p:nvSpPr>
+        <p:spPr>
+          <a:xfrm>
+            <a:off x="640080" y="828393"/>
+            <a:ext cx="9875520" cy="646331"/>
+          </a:xfrm>
+          <a:prstGeom prst="rect">
+            <a:avLst/>
+          </a:prstGeom>
+        </p:spPr>
+        <p:txBody>
+          <a:bodyPr wrap="square">
+            <a:spAutoFit/>
+          </a:bodyPr>
+          <a:lstStyle/>
+          <a:p>
+            <a:pPr algn="ctr"/>
+            <a:r>
+              <a:rPr lang="en-GB" b="1" dirty="0">
+                <a:solidFill>
+                  <a:srgbClr val="053E45"/>
+                </a:solidFill>
+                <a:latin typeface="Josefin Sans"/>
+              </a:rPr>
+              <a:t>Budgee is a spending and budgeting app that is uniquely different from all other existing budget apps, and more better because reasons!</a:t>
+            </a:r>
+            <a:endParaRPr lang="en-GB" b="1" i="0" u="none" strike="noStrike" dirty="0">
+              <a:solidFill>
+                <a:srgbClr val="053E45"/>
+              </a:solidFill>
+              <a:effectLst/>
+              <a:latin typeface="Josefin Sans"/>
+            </a:endParaRPr>
+          </a:p>
+        </p:txBody>
+      </p:sp>
+      <p:pic>
+        <p:nvPicPr>
+          <p:cNvPr id="6" name="Picture 5">
+            <a:extLst>
+              <a:ext uri="{FF2B5EF4-FFF2-40B4-BE49-F238E27FC236}">
+                <a16:creationId xmlns:a16="http://schemas.microsoft.com/office/drawing/2014/main" id="{C4F49158-14AF-704C-AB71-FCCBEC620773}"/>
+              </a:ext>
+            </a:extLst>
+          </p:cNvPr>
+          <p:cNvPicPr>
+            <a:picLocks noChangeAspect="1"/>
+          </p:cNvPicPr>
+          <p:nvPr/>
+        </p:nvPicPr>
+        <p:blipFill rotWithShape="1">
+          <a:blip r:embed="rId2"/>
+          <a:srcRect l="9447" t="23813" r="14366" b="25336"/>
+          <a:stretch/>
+        </p:blipFill>
+        <p:spPr>
+          <a:xfrm flipH="1">
+            <a:off x="493776" y="1474724"/>
+            <a:ext cx="4572000" cy="3051556"/>
+          </a:xfrm>
+          <a:prstGeom prst="rect">
+            <a:avLst/>
+          </a:prstGeom>
+        </p:spPr>
+      </p:pic>
+    </p:spTree>
+    <p:extLst>
+      <p:ext uri="{BB962C8B-B14F-4D97-AF65-F5344CB8AC3E}">
+        <p14:creationId xmlns:p14="http://schemas.microsoft.com/office/powerpoint/2010/main" val="2320068346"/>
+      </p:ext>
+    </p:extLst>
+  </p:cSld>
+  <p:clrMapOvr>
+    <a:masterClrMapping/>
+  </p:clrMapOvr>
+</p:sld>
+</file>
+
+<file path=ppt/slides/slide25.xml><?xml version="1.0" encoding="utf-8"?>
+<p:sld xmlns:a="http://schemas.openxmlformats.org/drawingml/2006/main" xmlns:r="http://schemas.openxmlformats.org/officeDocument/2006/relationships" xmlns:p="http://schemas.openxmlformats.org/presentationml/2006/main">
+  <p:cSld>
+    <p:spTree>
+      <p:nvGrpSpPr>
+        <p:cNvPr id="1" name=""/>
+        <p:cNvGrpSpPr/>
+        <p:nvPr/>
+      </p:nvGrpSpPr>
+      <p:grpSpPr>
+        <a:xfrm>
+          <a:off x="0" y="0"/>
+          <a:ext cx="0" cy="0"/>
+          <a:chOff x="0" y="0"/>
+          <a:chExt cx="0" cy="0"/>
+        </a:xfrm>
+      </p:grpSpPr>
+      <p:grpSp>
+        <p:nvGrpSpPr>
+          <p:cNvPr id="2" name="Group 1">
+            <a:extLst>
+              <a:ext uri="{FF2B5EF4-FFF2-40B4-BE49-F238E27FC236}">
+                <a16:creationId xmlns:a16="http://schemas.microsoft.com/office/drawing/2014/main" id="{3105A4FB-8C10-7F4D-8C3D-C4E62166992F}"/>
+              </a:ext>
+            </a:extLst>
+          </p:cNvPr>
+          <p:cNvGrpSpPr/>
+          <p:nvPr/>
+        </p:nvGrpSpPr>
+        <p:grpSpPr>
+          <a:xfrm>
+            <a:off x="3360717" y="2743200"/>
+            <a:ext cx="8827479" cy="3547872"/>
+            <a:chOff x="3360717" y="2743200"/>
+            <a:chExt cx="8827479" cy="3547872"/>
+          </a:xfrm>
+        </p:grpSpPr>
+        <p:pic>
+          <p:nvPicPr>
+            <p:cNvPr id="5" name="Picture 4">
+              <a:extLst>
+                <a:ext uri="{FF2B5EF4-FFF2-40B4-BE49-F238E27FC236}">
+                  <a16:creationId xmlns:a16="http://schemas.microsoft.com/office/drawing/2014/main" id="{0A935236-AC1B-9846-8503-21792A84E829}"/>
+                </a:ext>
+              </a:extLst>
+            </p:cNvPr>
+            <p:cNvPicPr>
+              <a:picLocks noChangeAspect="1"/>
+            </p:cNvPicPr>
+            <p:nvPr/>
+          </p:nvPicPr>
+          <p:blipFill rotWithShape="1">
+            <a:blip r:embed="rId2"/>
+            <a:srcRect t="15629" b="6770"/>
+            <a:stretch/>
+          </p:blipFill>
+          <p:spPr>
+            <a:xfrm>
+              <a:off x="7616196" y="2743200"/>
+              <a:ext cx="4572000" cy="3547872"/>
+            </a:xfrm>
+            <a:prstGeom prst="rect">
+              <a:avLst/>
+            </a:prstGeom>
+          </p:spPr>
+        </p:pic>
+        <p:sp>
+          <p:nvSpPr>
+            <p:cNvPr id="4" name="Rectangle 3">
+              <a:extLst>
+                <a:ext uri="{FF2B5EF4-FFF2-40B4-BE49-F238E27FC236}">
+                  <a16:creationId xmlns:a16="http://schemas.microsoft.com/office/drawing/2014/main" id="{E7F6D30D-1F3A-2B4C-BF67-6988DC260C76}"/>
+                </a:ext>
+              </a:extLst>
+            </p:cNvPr>
+            <p:cNvSpPr/>
+            <p:nvPr/>
+          </p:nvSpPr>
+          <p:spPr>
+            <a:xfrm>
+              <a:off x="3360717" y="3440143"/>
+              <a:ext cx="4112979" cy="1200329"/>
+            </a:xfrm>
+            <a:prstGeom prst="rect">
+              <a:avLst/>
+            </a:prstGeom>
+          </p:spPr>
+          <p:txBody>
+            <a:bodyPr wrap="square">
+              <a:spAutoFit/>
+            </a:bodyPr>
+            <a:lstStyle/>
+            <a:p>
+              <a:pPr algn="ctr"/>
+              <a:r>
+                <a:rPr lang="en-GB" b="1" dirty="0">
+                  <a:solidFill>
+                    <a:srgbClr val="053E45"/>
+                  </a:solidFill>
+                  <a:latin typeface="Josefin Sans"/>
+                </a:rPr>
+                <a:t>Budgee is a spending and budgeting app that is uniquely different from all other existing budget apps, and more better because reasons!</a:t>
+              </a:r>
+              <a:endParaRPr lang="en-GB" b="1" i="0" u="none" strike="noStrike" dirty="0">
+                <a:solidFill>
+                  <a:srgbClr val="053E45"/>
+                </a:solidFill>
+                <a:effectLst/>
+                <a:latin typeface="Josefin Sans"/>
+              </a:endParaRPr>
+            </a:p>
+          </p:txBody>
+        </p:sp>
+      </p:grpSp>
+    </p:spTree>
+    <p:extLst>
+      <p:ext uri="{BB962C8B-B14F-4D97-AF65-F5344CB8AC3E}">
+        <p14:creationId xmlns:p14="http://schemas.microsoft.com/office/powerpoint/2010/main" val="2228157793"/>
+      </p:ext>
+    </p:extLst>
+  </p:cSld>
+  <p:clrMapOvr>
+    <a:masterClrMapping/>
+  </p:clrMapOvr>
+</p:sld>
+</file>
+
+<file path=ppt/slides/slide26.xml><?xml version="1.0" encoding="utf-8"?>
+<p:sld xmlns:a="http://schemas.openxmlformats.org/drawingml/2006/main" xmlns:r="http://schemas.openxmlformats.org/officeDocument/2006/relationships" xmlns:p="http://schemas.openxmlformats.org/presentationml/2006/main">
+  <p:cSld>
+    <p:spTree>
+      <p:nvGrpSpPr>
+        <p:cNvPr id="1" name=""/>
+        <p:cNvGrpSpPr/>
+        <p:nvPr/>
+      </p:nvGrpSpPr>
+      <p:grpSpPr>
+        <a:xfrm>
+          <a:off x="0" y="0"/>
+          <a:ext cx="0" cy="0"/>
+          <a:chOff x="0" y="0"/>
+          <a:chExt cx="0" cy="0"/>
+        </a:xfrm>
+      </p:grpSpPr>
+      <p:sp>
+        <p:nvSpPr>
+          <p:cNvPr id="4" name="Rectangle 3">
+            <a:extLst>
+              <a:ext uri="{FF2B5EF4-FFF2-40B4-BE49-F238E27FC236}">
+                <a16:creationId xmlns:a16="http://schemas.microsoft.com/office/drawing/2014/main" id="{E7F6D30D-1F3A-2B4C-BF67-6988DC260C76}"/>
+              </a:ext>
+            </a:extLst>
+          </p:cNvPr>
+          <p:cNvSpPr/>
+          <p:nvPr/>
+        </p:nvSpPr>
+        <p:spPr>
+          <a:xfrm>
+            <a:off x="749808" y="4997303"/>
+            <a:ext cx="9875520" cy="646331"/>
+          </a:xfrm>
+          <a:prstGeom prst="rect">
+            <a:avLst/>
+          </a:prstGeom>
+        </p:spPr>
+        <p:txBody>
+          <a:bodyPr wrap="square">
+            <a:spAutoFit/>
+          </a:bodyPr>
+          <a:lstStyle/>
+          <a:p>
+            <a:pPr algn="ctr"/>
+            <a:r>
+              <a:rPr lang="en-GB" b="1" dirty="0">
+                <a:solidFill>
+                  <a:srgbClr val="053E45"/>
+                </a:solidFill>
+                <a:latin typeface="Josefin Sans"/>
+              </a:rPr>
+              <a:t>Budgee is a spending and budgeting app that is uniquely different from all other existing budget apps, and more better because reasons!</a:t>
+            </a:r>
+            <a:endParaRPr lang="en-GB" b="1" i="0" u="none" strike="noStrike" dirty="0">
+              <a:solidFill>
+                <a:srgbClr val="053E45"/>
+              </a:solidFill>
+              <a:effectLst/>
+              <a:latin typeface="Josefin Sans"/>
+            </a:endParaRPr>
+          </a:p>
+        </p:txBody>
+      </p:sp>
+      <p:pic>
+        <p:nvPicPr>
+          <p:cNvPr id="5" name="Picture 4">
+            <a:extLst>
+              <a:ext uri="{FF2B5EF4-FFF2-40B4-BE49-F238E27FC236}">
+                <a16:creationId xmlns:a16="http://schemas.microsoft.com/office/drawing/2014/main" id="{0A935236-AC1B-9846-8503-21792A84E829}"/>
+              </a:ext>
+            </a:extLst>
+          </p:cNvPr>
+          <p:cNvPicPr>
+            <a:picLocks noChangeAspect="1"/>
+          </p:cNvPicPr>
+          <p:nvPr/>
+        </p:nvPicPr>
+        <p:blipFill>
+          <a:blip r:embed="rId2"/>
+          <a:stretch>
+            <a:fillRect/>
+          </a:stretch>
+        </p:blipFill>
+        <p:spPr>
+          <a:xfrm>
+            <a:off x="7620000" y="-19628"/>
+            <a:ext cx="4572000" cy="4572000"/>
+          </a:xfrm>
+          <a:prstGeom prst="rect">
+            <a:avLst/>
+          </a:prstGeom>
+        </p:spPr>
+      </p:pic>
+      <p:pic>
+        <p:nvPicPr>
+          <p:cNvPr id="6" name="Picture 5">
+            <a:extLst>
+              <a:ext uri="{FF2B5EF4-FFF2-40B4-BE49-F238E27FC236}">
+                <a16:creationId xmlns:a16="http://schemas.microsoft.com/office/drawing/2014/main" id="{C4F49158-14AF-704C-AB71-FCCBEC620773}"/>
+              </a:ext>
+            </a:extLst>
+          </p:cNvPr>
+          <p:cNvPicPr>
+            <a:picLocks noChangeAspect="1"/>
+          </p:cNvPicPr>
+          <p:nvPr/>
+        </p:nvPicPr>
+        <p:blipFill rotWithShape="1">
+          <a:blip r:embed="rId3"/>
+          <a:srcRect l="9447" t="23813" r="14366" b="25336"/>
+          <a:stretch/>
+        </p:blipFill>
+        <p:spPr>
+          <a:xfrm flipH="1">
+            <a:off x="493776" y="1474724"/>
+            <a:ext cx="4572000" cy="3051556"/>
+          </a:xfrm>
+          <a:prstGeom prst="rect">
+            <a:avLst/>
+          </a:prstGeom>
+        </p:spPr>
+      </p:pic>
+    </p:spTree>
+    <p:extLst>
+      <p:ext uri="{BB962C8B-B14F-4D97-AF65-F5344CB8AC3E}">
+        <p14:creationId xmlns:p14="http://schemas.microsoft.com/office/powerpoint/2010/main" val="1755050907"/>
       </p:ext>
     </p:extLst>
   </p:cSld>
